--- a/my-ng-app/Angular_Training_Images.pptx
+++ b/my-ng-app/Angular_Training_Images.pptx
@@ -10,6 +10,7 @@
     <p:sldId id="258" r:id="rId4"/>
     <p:sldId id="259" r:id="rId5"/>
     <p:sldId id="260" r:id="rId6"/>
+    <p:sldId id="261" r:id="rId7"/>
   </p:sldIdLst>
   <p:sldSz cx="12192000" cy="6858000"/>
   <p:notesSz cx="6858000" cy="9144000"/>
@@ -108,6 +109,11 @@
       </a:defRPr>
     </a:lvl9pPr>
   </p:defaultTextStyle>
+  <p:extLst>
+    <p:ext uri="{EFAFB233-063F-42B5-8137-9DF3F51BA10A}">
+      <p15:sldGuideLst xmlns:p15="http://schemas.microsoft.com/office/powerpoint/2012/main"/>
+    </p:ext>
+  </p:extLst>
 </p:presentation>
 </file>
 
@@ -260,7 +266,7 @@
           <a:p>
             <a:fld id="{35E7C7C1-050F-4B17-8FDC-37C455263954}" type="datetimeFigureOut">
               <a:rPr lang="en-IN" smtClean="0"/>
-              <a:t>20-03-2024</a:t>
+              <a:t>21-03-2024</a:t>
             </a:fld>
             <a:endParaRPr lang="en-IN"/>
           </a:p>
@@ -460,7 +466,7 @@
           <a:p>
             <a:fld id="{35E7C7C1-050F-4B17-8FDC-37C455263954}" type="datetimeFigureOut">
               <a:rPr lang="en-IN" smtClean="0"/>
-              <a:t>20-03-2024</a:t>
+              <a:t>21-03-2024</a:t>
             </a:fld>
             <a:endParaRPr lang="en-IN"/>
           </a:p>
@@ -670,7 +676,7 @@
           <a:p>
             <a:fld id="{35E7C7C1-050F-4B17-8FDC-37C455263954}" type="datetimeFigureOut">
               <a:rPr lang="en-IN" smtClean="0"/>
-              <a:t>20-03-2024</a:t>
+              <a:t>21-03-2024</a:t>
             </a:fld>
             <a:endParaRPr lang="en-IN"/>
           </a:p>
@@ -870,7 +876,7 @@
           <a:p>
             <a:fld id="{35E7C7C1-050F-4B17-8FDC-37C455263954}" type="datetimeFigureOut">
               <a:rPr lang="en-IN" smtClean="0"/>
-              <a:t>20-03-2024</a:t>
+              <a:t>21-03-2024</a:t>
             </a:fld>
             <a:endParaRPr lang="en-IN"/>
           </a:p>
@@ -1146,7 +1152,7 @@
           <a:p>
             <a:fld id="{35E7C7C1-050F-4B17-8FDC-37C455263954}" type="datetimeFigureOut">
               <a:rPr lang="en-IN" smtClean="0"/>
-              <a:t>20-03-2024</a:t>
+              <a:t>21-03-2024</a:t>
             </a:fld>
             <a:endParaRPr lang="en-IN"/>
           </a:p>
@@ -1414,7 +1420,7 @@
           <a:p>
             <a:fld id="{35E7C7C1-050F-4B17-8FDC-37C455263954}" type="datetimeFigureOut">
               <a:rPr lang="en-IN" smtClean="0"/>
-              <a:t>20-03-2024</a:t>
+              <a:t>21-03-2024</a:t>
             </a:fld>
             <a:endParaRPr lang="en-IN"/>
           </a:p>
@@ -1829,7 +1835,7 @@
           <a:p>
             <a:fld id="{35E7C7C1-050F-4B17-8FDC-37C455263954}" type="datetimeFigureOut">
               <a:rPr lang="en-IN" smtClean="0"/>
-              <a:t>20-03-2024</a:t>
+              <a:t>21-03-2024</a:t>
             </a:fld>
             <a:endParaRPr lang="en-IN"/>
           </a:p>
@@ -1971,7 +1977,7 @@
           <a:p>
             <a:fld id="{35E7C7C1-050F-4B17-8FDC-37C455263954}" type="datetimeFigureOut">
               <a:rPr lang="en-IN" smtClean="0"/>
-              <a:t>20-03-2024</a:t>
+              <a:t>21-03-2024</a:t>
             </a:fld>
             <a:endParaRPr lang="en-IN"/>
           </a:p>
@@ -2084,7 +2090,7 @@
           <a:p>
             <a:fld id="{35E7C7C1-050F-4B17-8FDC-37C455263954}" type="datetimeFigureOut">
               <a:rPr lang="en-IN" smtClean="0"/>
-              <a:t>20-03-2024</a:t>
+              <a:t>21-03-2024</a:t>
             </a:fld>
             <a:endParaRPr lang="en-IN"/>
           </a:p>
@@ -2397,7 +2403,7 @@
           <a:p>
             <a:fld id="{35E7C7C1-050F-4B17-8FDC-37C455263954}" type="datetimeFigureOut">
               <a:rPr lang="en-IN" smtClean="0"/>
-              <a:t>20-03-2024</a:t>
+              <a:t>21-03-2024</a:t>
             </a:fld>
             <a:endParaRPr lang="en-IN"/>
           </a:p>
@@ -2686,7 +2692,7 @@
           <a:p>
             <a:fld id="{35E7C7C1-050F-4B17-8FDC-37C455263954}" type="datetimeFigureOut">
               <a:rPr lang="en-IN" smtClean="0"/>
-              <a:t>20-03-2024</a:t>
+              <a:t>21-03-2024</a:t>
             </a:fld>
             <a:endParaRPr lang="en-IN"/>
           </a:p>
@@ -2929,7 +2935,7 @@
           <a:p>
             <a:fld id="{35E7C7C1-050F-4B17-8FDC-37C455263954}" type="datetimeFigureOut">
               <a:rPr lang="en-IN" smtClean="0"/>
-              <a:t>20-03-2024</a:t>
+              <a:t>21-03-2024</a:t>
             </a:fld>
             <a:endParaRPr lang="en-IN"/>
           </a:p>
@@ -7144,6 +7150,1282 @@
     <p:extLst>
       <p:ext uri="{BB962C8B-B14F-4D97-AF65-F5344CB8AC3E}">
         <p14:creationId xmlns:p14="http://schemas.microsoft.com/office/powerpoint/2010/main" val="2475647426"/>
+      </p:ext>
+    </p:extLst>
+  </p:cSld>
+  <p:clrMapOvr>
+    <a:masterClrMapping/>
+  </p:clrMapOvr>
+</p:sld>
+</file>
+
+<file path=ppt/slides/slide6.xml><?xml version="1.0" encoding="utf-8"?>
+<p:sld xmlns:a="http://schemas.openxmlformats.org/drawingml/2006/main" xmlns:r="http://schemas.openxmlformats.org/officeDocument/2006/relationships" xmlns:p="http://schemas.openxmlformats.org/presentationml/2006/main">
+  <p:cSld>
+    <p:spTree>
+      <p:nvGrpSpPr>
+        <p:cNvPr id="1" name=""/>
+        <p:cNvGrpSpPr/>
+        <p:nvPr/>
+      </p:nvGrpSpPr>
+      <p:grpSpPr>
+        <a:xfrm>
+          <a:off x="0" y="0"/>
+          <a:ext cx="0" cy="0"/>
+          <a:chOff x="0" y="0"/>
+          <a:chExt cx="0" cy="0"/>
+        </a:xfrm>
+      </p:grpSpPr>
+      <p:sp>
+        <p:nvSpPr>
+          <p:cNvPr id="2" name="Rectangle 1">
+            <a:extLst>
+              <a:ext uri="{FF2B5EF4-FFF2-40B4-BE49-F238E27FC236}">
+                <a16:creationId xmlns:a16="http://schemas.microsoft.com/office/drawing/2014/main" id="{D49943DF-33F6-3E84-3E18-A3B25D673DC6}"/>
+              </a:ext>
+            </a:extLst>
+          </p:cNvPr>
+          <p:cNvSpPr/>
+          <p:nvPr/>
+        </p:nvSpPr>
+        <p:spPr>
+          <a:xfrm>
+            <a:off x="1295399" y="169335"/>
+            <a:ext cx="3335867" cy="5164666"/>
+          </a:xfrm>
+          <a:prstGeom prst="rect">
+            <a:avLst/>
+          </a:prstGeom>
+        </p:spPr>
+        <p:style>
+          <a:lnRef idx="1">
+            <a:schemeClr val="accent2"/>
+          </a:lnRef>
+          <a:fillRef idx="2">
+            <a:schemeClr val="accent2"/>
+          </a:fillRef>
+          <a:effectRef idx="1">
+            <a:schemeClr val="accent2"/>
+          </a:effectRef>
+          <a:fontRef idx="minor">
+            <a:schemeClr val="dk1"/>
+          </a:fontRef>
+        </p:style>
+        <p:txBody>
+          <a:bodyPr rtlCol="0" anchor="ctr"/>
+          <a:lstStyle/>
+          <a:p>
+            <a:pPr algn="ctr"/>
+            <a:endParaRPr lang="en-IN" dirty="0"/>
+          </a:p>
+        </p:txBody>
+      </p:sp>
+      <p:sp>
+        <p:nvSpPr>
+          <p:cNvPr id="3" name="Rectangle 2">
+            <a:extLst>
+              <a:ext uri="{FF2B5EF4-FFF2-40B4-BE49-F238E27FC236}">
+                <a16:creationId xmlns:a16="http://schemas.microsoft.com/office/drawing/2014/main" id="{0473D6B7-E0BF-3E0C-91D7-D18FF7C9AF0E}"/>
+              </a:ext>
+            </a:extLst>
+          </p:cNvPr>
+          <p:cNvSpPr/>
+          <p:nvPr/>
+        </p:nvSpPr>
+        <p:spPr>
+          <a:xfrm>
+            <a:off x="1295399" y="355600"/>
+            <a:ext cx="3335867" cy="457200"/>
+          </a:xfrm>
+          <a:prstGeom prst="rect">
+            <a:avLst/>
+          </a:prstGeom>
+        </p:spPr>
+        <p:style>
+          <a:lnRef idx="2">
+            <a:schemeClr val="accent1">
+              <a:shade val="15000"/>
+            </a:schemeClr>
+          </a:lnRef>
+          <a:fillRef idx="1">
+            <a:schemeClr val="accent1"/>
+          </a:fillRef>
+          <a:effectRef idx="0">
+            <a:schemeClr val="accent1"/>
+          </a:effectRef>
+          <a:fontRef idx="minor">
+            <a:schemeClr val="lt1"/>
+          </a:fontRef>
+        </p:style>
+        <p:txBody>
+          <a:bodyPr rtlCol="0" anchor="ctr"/>
+          <a:lstStyle/>
+          <a:p>
+            <a:pPr algn="ctr"/>
+            <a:r>
+              <a:rPr lang="en-IN" sz="1600" b="1" dirty="0"/>
+              <a:t>Presentation Layer aka Component</a:t>
+            </a:r>
+          </a:p>
+        </p:txBody>
+      </p:sp>
+      <p:sp>
+        <p:nvSpPr>
+          <p:cNvPr id="4" name="Rectangle 3">
+            <a:extLst>
+              <a:ext uri="{FF2B5EF4-FFF2-40B4-BE49-F238E27FC236}">
+                <a16:creationId xmlns:a16="http://schemas.microsoft.com/office/drawing/2014/main" id="{A9C2E686-CDDA-A852-2B29-CBE948482A6C}"/>
+              </a:ext>
+            </a:extLst>
+          </p:cNvPr>
+          <p:cNvSpPr/>
+          <p:nvPr/>
+        </p:nvSpPr>
+        <p:spPr>
+          <a:xfrm>
+            <a:off x="1295399" y="1524000"/>
+            <a:ext cx="3335867" cy="821267"/>
+          </a:xfrm>
+          <a:prstGeom prst="rect">
+            <a:avLst/>
+          </a:prstGeom>
+        </p:spPr>
+        <p:style>
+          <a:lnRef idx="2">
+            <a:schemeClr val="accent5">
+              <a:shade val="15000"/>
+            </a:schemeClr>
+          </a:lnRef>
+          <a:fillRef idx="1">
+            <a:schemeClr val="accent5"/>
+          </a:fillRef>
+          <a:effectRef idx="0">
+            <a:schemeClr val="accent5"/>
+          </a:effectRef>
+          <a:fontRef idx="minor">
+            <a:schemeClr val="lt1"/>
+          </a:fontRef>
+        </p:style>
+        <p:txBody>
+          <a:bodyPr rtlCol="0" anchor="ctr"/>
+          <a:lstStyle/>
+          <a:p>
+            <a:pPr algn="ctr"/>
+            <a:r>
+              <a:rPr lang="en-IN" b="1" dirty="0"/>
+              <a:t>HTML </a:t>
+            </a:r>
+          </a:p>
+          <a:p>
+            <a:pPr algn="ctr"/>
+            <a:r>
+              <a:rPr lang="en-IN" b="1" dirty="0"/>
+              <a:t>User Interface</a:t>
+            </a:r>
+          </a:p>
+        </p:txBody>
+      </p:sp>
+      <p:sp>
+        <p:nvSpPr>
+          <p:cNvPr id="5" name="Rectangle 4">
+            <a:extLst>
+              <a:ext uri="{FF2B5EF4-FFF2-40B4-BE49-F238E27FC236}">
+                <a16:creationId xmlns:a16="http://schemas.microsoft.com/office/drawing/2014/main" id="{DB0AB2A9-EBB1-0817-F387-D72AD4A56D64}"/>
+              </a:ext>
+            </a:extLst>
+          </p:cNvPr>
+          <p:cNvSpPr/>
+          <p:nvPr/>
+        </p:nvSpPr>
+        <p:spPr>
+          <a:xfrm>
+            <a:off x="1295399" y="2887134"/>
+            <a:ext cx="3335867" cy="2209800"/>
+          </a:xfrm>
+          <a:prstGeom prst="rect">
+            <a:avLst/>
+          </a:prstGeom>
+        </p:spPr>
+        <p:style>
+          <a:lnRef idx="1">
+            <a:schemeClr val="accent1"/>
+          </a:lnRef>
+          <a:fillRef idx="2">
+            <a:schemeClr val="accent1"/>
+          </a:fillRef>
+          <a:effectRef idx="1">
+            <a:schemeClr val="accent1"/>
+          </a:effectRef>
+          <a:fontRef idx="minor">
+            <a:schemeClr val="dk1"/>
+          </a:fontRef>
+        </p:style>
+        <p:txBody>
+          <a:bodyPr rtlCol="0" anchor="ctr"/>
+          <a:lstStyle/>
+          <a:p>
+            <a:pPr algn="ctr"/>
+            <a:r>
+              <a:rPr lang="en-IN" b="1" dirty="0"/>
+              <a:t>Presentation Logic</a:t>
+            </a:r>
+          </a:p>
+          <a:p>
+            <a:pPr algn="ctr"/>
+            <a:endParaRPr lang="en-IN" b="1" dirty="0"/>
+          </a:p>
+          <a:p>
+            <a:r>
+              <a:rPr lang="en-IN" b="1" dirty="0"/>
+              <a:t>Data Members (Public Properties), used for Databinding</a:t>
+            </a:r>
+          </a:p>
+          <a:p>
+            <a:endParaRPr lang="en-IN" b="1" dirty="0"/>
+          </a:p>
+          <a:p>
+            <a:r>
+              <a:rPr lang="en-IN" b="1" dirty="0"/>
+              <a:t>Methods, For Logic, used for Event Binding</a:t>
+            </a:r>
+          </a:p>
+        </p:txBody>
+      </p:sp>
+      <p:sp>
+        <p:nvSpPr>
+          <p:cNvPr id="6" name="Arrow: Up-Down 5">
+            <a:extLst>
+              <a:ext uri="{FF2B5EF4-FFF2-40B4-BE49-F238E27FC236}">
+                <a16:creationId xmlns:a16="http://schemas.microsoft.com/office/drawing/2014/main" id="{EBE7F657-ABBE-F198-8A13-4FD18E29063B}"/>
+              </a:ext>
+            </a:extLst>
+          </p:cNvPr>
+          <p:cNvSpPr/>
+          <p:nvPr/>
+        </p:nvSpPr>
+        <p:spPr>
+          <a:xfrm>
+            <a:off x="2785533" y="2345267"/>
+            <a:ext cx="279400" cy="541867"/>
+          </a:xfrm>
+          <a:prstGeom prst="upDownArrow">
+            <a:avLst/>
+          </a:prstGeom>
+          <a:solidFill>
+            <a:srgbClr val="FF0000"/>
+          </a:solidFill>
+        </p:spPr>
+        <p:style>
+          <a:lnRef idx="2">
+            <a:schemeClr val="accent1">
+              <a:shade val="15000"/>
+            </a:schemeClr>
+          </a:lnRef>
+          <a:fillRef idx="1">
+            <a:schemeClr val="accent1"/>
+          </a:fillRef>
+          <a:effectRef idx="0">
+            <a:schemeClr val="accent1"/>
+          </a:effectRef>
+          <a:fontRef idx="minor">
+            <a:schemeClr val="lt1"/>
+          </a:fontRef>
+        </p:style>
+        <p:txBody>
+          <a:bodyPr rtlCol="0" anchor="ctr"/>
+          <a:lstStyle/>
+          <a:p>
+            <a:pPr algn="ctr"/>
+            <a:endParaRPr lang="en-IN"/>
+          </a:p>
+        </p:txBody>
+      </p:sp>
+      <p:sp>
+        <p:nvSpPr>
+          <p:cNvPr id="7" name="Left Brace 6">
+            <a:extLst>
+              <a:ext uri="{FF2B5EF4-FFF2-40B4-BE49-F238E27FC236}">
+                <a16:creationId xmlns:a16="http://schemas.microsoft.com/office/drawing/2014/main" id="{047A90D0-4224-16F0-854E-9AE5327AB9BA}"/>
+              </a:ext>
+            </a:extLst>
+          </p:cNvPr>
+          <p:cNvSpPr/>
+          <p:nvPr/>
+        </p:nvSpPr>
+        <p:spPr>
+          <a:xfrm>
+            <a:off x="778933" y="1511301"/>
+            <a:ext cx="397934" cy="3568699"/>
+          </a:xfrm>
+          <a:prstGeom prst="leftBrace">
+            <a:avLst/>
+          </a:prstGeom>
+        </p:spPr>
+        <p:style>
+          <a:lnRef idx="2">
+            <a:schemeClr val="accent1"/>
+          </a:lnRef>
+          <a:fillRef idx="0">
+            <a:schemeClr val="accent1"/>
+          </a:fillRef>
+          <a:effectRef idx="1">
+            <a:schemeClr val="accent1"/>
+          </a:effectRef>
+          <a:fontRef idx="minor">
+            <a:schemeClr val="tx1"/>
+          </a:fontRef>
+        </p:style>
+        <p:txBody>
+          <a:bodyPr rtlCol="0" anchor="ctr"/>
+          <a:lstStyle/>
+          <a:p>
+            <a:pPr algn="ctr"/>
+            <a:endParaRPr lang="en-IN"/>
+          </a:p>
+        </p:txBody>
+      </p:sp>
+      <p:sp>
+        <p:nvSpPr>
+          <p:cNvPr id="8" name="Right Brace 7">
+            <a:extLst>
+              <a:ext uri="{FF2B5EF4-FFF2-40B4-BE49-F238E27FC236}">
+                <a16:creationId xmlns:a16="http://schemas.microsoft.com/office/drawing/2014/main" id="{682076F4-80C7-01FB-1E69-AE1805D08893}"/>
+              </a:ext>
+            </a:extLst>
+          </p:cNvPr>
+          <p:cNvSpPr/>
+          <p:nvPr/>
+        </p:nvSpPr>
+        <p:spPr>
+          <a:xfrm>
+            <a:off x="4749798" y="1511301"/>
+            <a:ext cx="228602" cy="3585633"/>
+          </a:xfrm>
+          <a:prstGeom prst="rightBrace">
+            <a:avLst/>
+          </a:prstGeom>
+        </p:spPr>
+        <p:style>
+          <a:lnRef idx="2">
+            <a:schemeClr val="accent1"/>
+          </a:lnRef>
+          <a:fillRef idx="0">
+            <a:schemeClr val="accent1"/>
+          </a:fillRef>
+          <a:effectRef idx="1">
+            <a:schemeClr val="accent1"/>
+          </a:effectRef>
+          <a:fontRef idx="minor">
+            <a:schemeClr val="tx1"/>
+          </a:fontRef>
+        </p:style>
+        <p:txBody>
+          <a:bodyPr rtlCol="0" anchor="ctr"/>
+          <a:lstStyle/>
+          <a:p>
+            <a:pPr algn="ctr"/>
+            <a:endParaRPr lang="en-IN"/>
+          </a:p>
+        </p:txBody>
+      </p:sp>
+      <p:sp>
+        <p:nvSpPr>
+          <p:cNvPr id="9" name="Rectangle 8">
+            <a:extLst>
+              <a:ext uri="{FF2B5EF4-FFF2-40B4-BE49-F238E27FC236}">
+                <a16:creationId xmlns:a16="http://schemas.microsoft.com/office/drawing/2014/main" id="{50A07B55-5268-784A-9F30-0DC12CC9A07F}"/>
+              </a:ext>
+            </a:extLst>
+          </p:cNvPr>
+          <p:cNvSpPr/>
+          <p:nvPr/>
+        </p:nvSpPr>
+        <p:spPr>
+          <a:xfrm>
+            <a:off x="5130800" y="169335"/>
+            <a:ext cx="2142070" cy="582081"/>
+          </a:xfrm>
+          <a:prstGeom prst="rect">
+            <a:avLst/>
+          </a:prstGeom>
+        </p:spPr>
+        <p:style>
+          <a:lnRef idx="1">
+            <a:schemeClr val="accent3"/>
+          </a:lnRef>
+          <a:fillRef idx="2">
+            <a:schemeClr val="accent3"/>
+          </a:fillRef>
+          <a:effectRef idx="1">
+            <a:schemeClr val="accent3"/>
+          </a:effectRef>
+          <a:fontRef idx="minor">
+            <a:schemeClr val="dk1"/>
+          </a:fontRef>
+        </p:style>
+        <p:txBody>
+          <a:bodyPr rtlCol="0" anchor="ctr"/>
+          <a:lstStyle/>
+          <a:p>
+            <a:pPr algn="ctr"/>
+            <a:r>
+              <a:rPr lang="en-IN" sz="1050" b="1" dirty="0"/>
+              <a:t>UI Component</a:t>
+            </a:r>
+          </a:p>
+          <a:p>
+            <a:pPr algn="ctr"/>
+            <a:r>
+              <a:rPr lang="en-IN" sz="1050" b="1" dirty="0"/>
+              <a:t>Directives</a:t>
+            </a:r>
+          </a:p>
+          <a:p>
+            <a:pPr algn="ctr"/>
+            <a:r>
+              <a:rPr lang="en-IN" sz="1050" b="1" dirty="0"/>
+              <a:t>Re-Usable UI</a:t>
+            </a:r>
+          </a:p>
+        </p:txBody>
+      </p:sp>
+      <p:cxnSp>
+        <p:nvCxnSpPr>
+          <p:cNvPr id="11" name="Connector: Elbow 10">
+            <a:extLst>
+              <a:ext uri="{FF2B5EF4-FFF2-40B4-BE49-F238E27FC236}">
+                <a16:creationId xmlns:a16="http://schemas.microsoft.com/office/drawing/2014/main" id="{AEDB2074-671E-1357-1096-0E9874A55DEF}"/>
+              </a:ext>
+            </a:extLst>
+          </p:cNvPr>
+          <p:cNvCxnSpPr>
+            <a:cxnSpLocks/>
+            <a:stCxn id="9" idx="1"/>
+            <a:endCxn id="4" idx="3"/>
+          </p:cNvCxnSpPr>
+          <p:nvPr/>
+        </p:nvCxnSpPr>
+        <p:spPr>
+          <a:xfrm rot="10800000" flipV="1">
+            <a:off x="4631266" y="460376"/>
+            <a:ext cx="499534" cy="1474258"/>
+          </a:xfrm>
+          <a:prstGeom prst="bentConnector3">
+            <a:avLst>
+              <a:gd name="adj1" fmla="val 50000"/>
+            </a:avLst>
+          </a:prstGeom>
+          <a:ln w="28575">
+            <a:solidFill>
+              <a:srgbClr val="FF0000"/>
+            </a:solidFill>
+            <a:tailEnd type="triangle"/>
+          </a:ln>
+        </p:spPr>
+        <p:style>
+          <a:lnRef idx="2">
+            <a:schemeClr val="accent1"/>
+          </a:lnRef>
+          <a:fillRef idx="0">
+            <a:schemeClr val="accent1"/>
+          </a:fillRef>
+          <a:effectRef idx="1">
+            <a:schemeClr val="accent1"/>
+          </a:effectRef>
+          <a:fontRef idx="minor">
+            <a:schemeClr val="tx1"/>
+          </a:fontRef>
+        </p:style>
+      </p:cxnSp>
+      <p:sp>
+        <p:nvSpPr>
+          <p:cNvPr id="14" name="Rectangle 13">
+            <a:extLst>
+              <a:ext uri="{FF2B5EF4-FFF2-40B4-BE49-F238E27FC236}">
+                <a16:creationId xmlns:a16="http://schemas.microsoft.com/office/drawing/2014/main" id="{52630035-0364-92B9-E66F-FD090145EE9C}"/>
+              </a:ext>
+            </a:extLst>
+          </p:cNvPr>
+          <p:cNvSpPr/>
+          <p:nvPr/>
+        </p:nvSpPr>
+        <p:spPr>
+          <a:xfrm>
+            <a:off x="5173135" y="947214"/>
+            <a:ext cx="2142070" cy="582081"/>
+          </a:xfrm>
+          <a:prstGeom prst="rect">
+            <a:avLst/>
+          </a:prstGeom>
+        </p:spPr>
+        <p:style>
+          <a:lnRef idx="1">
+            <a:schemeClr val="accent5"/>
+          </a:lnRef>
+          <a:fillRef idx="2">
+            <a:schemeClr val="accent5"/>
+          </a:fillRef>
+          <a:effectRef idx="1">
+            <a:schemeClr val="accent5"/>
+          </a:effectRef>
+          <a:fontRef idx="minor">
+            <a:schemeClr val="dk1"/>
+          </a:fontRef>
+        </p:style>
+        <p:txBody>
+          <a:bodyPr rtlCol="0" anchor="ctr"/>
+          <a:lstStyle/>
+          <a:p>
+            <a:pPr algn="ctr"/>
+            <a:r>
+              <a:rPr lang="en-IN" sz="1050" b="1" dirty="0"/>
+              <a:t>Structural Directives for HTML Generation based on Data</a:t>
+            </a:r>
+          </a:p>
+        </p:txBody>
+      </p:sp>
+      <p:cxnSp>
+        <p:nvCxnSpPr>
+          <p:cNvPr id="16" name="Connector: Elbow 15">
+            <a:extLst>
+              <a:ext uri="{FF2B5EF4-FFF2-40B4-BE49-F238E27FC236}">
+                <a16:creationId xmlns:a16="http://schemas.microsoft.com/office/drawing/2014/main" id="{584E166D-909E-DDAE-DAA1-5A31AF4245CC}"/>
+              </a:ext>
+            </a:extLst>
+          </p:cNvPr>
+          <p:cNvCxnSpPr>
+            <a:cxnSpLocks/>
+            <a:stCxn id="14" idx="2"/>
+            <a:endCxn id="4" idx="3"/>
+          </p:cNvCxnSpPr>
+          <p:nvPr/>
+        </p:nvCxnSpPr>
+        <p:spPr>
+          <a:xfrm rot="5400000">
+            <a:off x="5235049" y="925512"/>
+            <a:ext cx="405339" cy="1612904"/>
+          </a:xfrm>
+          <a:prstGeom prst="bentConnector2">
+            <a:avLst/>
+          </a:prstGeom>
+          <a:ln w="28575">
+            <a:solidFill>
+              <a:srgbClr val="FF0000"/>
+            </a:solidFill>
+            <a:tailEnd type="triangle"/>
+          </a:ln>
+        </p:spPr>
+        <p:style>
+          <a:lnRef idx="2">
+            <a:schemeClr val="accent1"/>
+          </a:lnRef>
+          <a:fillRef idx="0">
+            <a:schemeClr val="accent1"/>
+          </a:fillRef>
+          <a:effectRef idx="1">
+            <a:schemeClr val="accent1"/>
+          </a:effectRef>
+          <a:fontRef idx="minor">
+            <a:schemeClr val="tx1"/>
+          </a:fontRef>
+        </p:style>
+      </p:cxnSp>
+      <p:sp>
+        <p:nvSpPr>
+          <p:cNvPr id="19" name="Rectangle 18">
+            <a:extLst>
+              <a:ext uri="{FF2B5EF4-FFF2-40B4-BE49-F238E27FC236}">
+                <a16:creationId xmlns:a16="http://schemas.microsoft.com/office/drawing/2014/main" id="{153D58E0-6D23-0723-C865-B4DF6BDC0AF5}"/>
+              </a:ext>
+            </a:extLst>
+          </p:cNvPr>
+          <p:cNvSpPr/>
+          <p:nvPr/>
+        </p:nvSpPr>
+        <p:spPr>
+          <a:xfrm>
+            <a:off x="5317066" y="2130431"/>
+            <a:ext cx="2142070" cy="582081"/>
+          </a:xfrm>
+          <a:prstGeom prst="rect">
+            <a:avLst/>
+          </a:prstGeom>
+          <a:solidFill>
+            <a:schemeClr val="dk1">
+              <a:alpha val="50000"/>
+            </a:schemeClr>
+          </a:solidFill>
+          <a:ln>
+            <a:noFill/>
+          </a:ln>
+        </p:spPr>
+        <p:style>
+          <a:lnRef idx="0">
+            <a:scrgbClr r="0" g="0" b="0"/>
+          </a:lnRef>
+          <a:fillRef idx="0">
+            <a:scrgbClr r="0" g="0" b="0"/>
+          </a:fillRef>
+          <a:effectRef idx="0">
+            <a:scrgbClr r="0" g="0" b="0"/>
+          </a:effectRef>
+          <a:fontRef idx="minor">
+            <a:schemeClr val="lt1"/>
+          </a:fontRef>
+        </p:style>
+        <p:txBody>
+          <a:bodyPr rtlCol="0" anchor="ctr"/>
+          <a:lstStyle/>
+          <a:p>
+            <a:pPr algn="ctr"/>
+            <a:r>
+              <a:rPr lang="en-IN" sz="1050" b="1" dirty="0"/>
+              <a:t>Attribute Directives for Data Binding</a:t>
+            </a:r>
+          </a:p>
+        </p:txBody>
+      </p:sp>
+      <p:cxnSp>
+        <p:nvCxnSpPr>
+          <p:cNvPr id="21" name="Connector: Elbow 20">
+            <a:extLst>
+              <a:ext uri="{FF2B5EF4-FFF2-40B4-BE49-F238E27FC236}">
+                <a16:creationId xmlns:a16="http://schemas.microsoft.com/office/drawing/2014/main" id="{BBC80816-A0AF-8A1A-CB4F-58DBCE5430B9}"/>
+              </a:ext>
+            </a:extLst>
+          </p:cNvPr>
+          <p:cNvCxnSpPr>
+            <a:cxnSpLocks/>
+            <a:stCxn id="19" idx="1"/>
+            <a:endCxn id="4" idx="3"/>
+          </p:cNvCxnSpPr>
+          <p:nvPr/>
+        </p:nvCxnSpPr>
+        <p:spPr>
+          <a:xfrm rot="10800000">
+            <a:off x="4631266" y="1934634"/>
+            <a:ext cx="685800" cy="486838"/>
+          </a:xfrm>
+          <a:prstGeom prst="bentConnector3">
+            <a:avLst/>
+          </a:prstGeom>
+          <a:ln w="28575">
+            <a:solidFill>
+              <a:srgbClr val="FF0000"/>
+            </a:solidFill>
+            <a:tailEnd type="triangle"/>
+          </a:ln>
+        </p:spPr>
+        <p:style>
+          <a:lnRef idx="2">
+            <a:schemeClr val="accent1"/>
+          </a:lnRef>
+          <a:fillRef idx="0">
+            <a:schemeClr val="accent1"/>
+          </a:fillRef>
+          <a:effectRef idx="1">
+            <a:schemeClr val="accent1"/>
+          </a:effectRef>
+          <a:fontRef idx="minor">
+            <a:schemeClr val="tx1"/>
+          </a:fontRef>
+        </p:style>
+      </p:cxnSp>
+      <p:sp>
+        <p:nvSpPr>
+          <p:cNvPr id="27" name="Rectangle 26">
+            <a:extLst>
+              <a:ext uri="{FF2B5EF4-FFF2-40B4-BE49-F238E27FC236}">
+                <a16:creationId xmlns:a16="http://schemas.microsoft.com/office/drawing/2014/main" id="{971D236B-EF75-C9A0-2E6D-118264DF5A1A}"/>
+              </a:ext>
+            </a:extLst>
+          </p:cNvPr>
+          <p:cNvSpPr/>
+          <p:nvPr/>
+        </p:nvSpPr>
+        <p:spPr>
+          <a:xfrm>
+            <a:off x="9165168" y="2531534"/>
+            <a:ext cx="1917699" cy="1066799"/>
+          </a:xfrm>
+          <a:prstGeom prst="rect">
+            <a:avLst/>
+          </a:prstGeom>
+        </p:spPr>
+        <p:style>
+          <a:lnRef idx="2">
+            <a:schemeClr val="accent1">
+              <a:shade val="15000"/>
+            </a:schemeClr>
+          </a:lnRef>
+          <a:fillRef idx="1">
+            <a:schemeClr val="accent1"/>
+          </a:fillRef>
+          <a:effectRef idx="0">
+            <a:schemeClr val="accent1"/>
+          </a:effectRef>
+          <a:fontRef idx="minor">
+            <a:schemeClr val="lt1"/>
+          </a:fontRef>
+        </p:style>
+        <p:txBody>
+          <a:bodyPr rtlCol="0" anchor="ctr"/>
+          <a:lstStyle/>
+          <a:p>
+            <a:pPr algn="ctr"/>
+            <a:r>
+              <a:rPr lang="en-IN" b="1" dirty="0"/>
+              <a:t>Client-Side Domain Logic</a:t>
+            </a:r>
+          </a:p>
+        </p:txBody>
+      </p:sp>
+      <p:cxnSp>
+        <p:nvCxnSpPr>
+          <p:cNvPr id="29" name="Connector: Elbow 28">
+            <a:extLst>
+              <a:ext uri="{FF2B5EF4-FFF2-40B4-BE49-F238E27FC236}">
+                <a16:creationId xmlns:a16="http://schemas.microsoft.com/office/drawing/2014/main" id="{449E2F4E-7148-F335-B725-1FBC50A3E1E0}"/>
+              </a:ext>
+            </a:extLst>
+          </p:cNvPr>
+          <p:cNvCxnSpPr>
+            <a:stCxn id="27" idx="1"/>
+            <a:endCxn id="5" idx="3"/>
+          </p:cNvCxnSpPr>
+          <p:nvPr/>
+        </p:nvCxnSpPr>
+        <p:spPr>
+          <a:xfrm rot="10800000" flipV="1">
+            <a:off x="4631266" y="3064934"/>
+            <a:ext cx="4533902" cy="927100"/>
+          </a:xfrm>
+          <a:prstGeom prst="bentConnector3">
+            <a:avLst/>
+          </a:prstGeom>
+          <a:ln w="38100">
+            <a:solidFill>
+              <a:srgbClr val="7030A0"/>
+            </a:solidFill>
+            <a:tailEnd type="triangle"/>
+          </a:ln>
+        </p:spPr>
+        <p:style>
+          <a:lnRef idx="2">
+            <a:schemeClr val="accent1"/>
+          </a:lnRef>
+          <a:fillRef idx="0">
+            <a:schemeClr val="accent1"/>
+          </a:fillRef>
+          <a:effectRef idx="1">
+            <a:schemeClr val="accent1"/>
+          </a:effectRef>
+          <a:fontRef idx="minor">
+            <a:schemeClr val="tx1"/>
+          </a:fontRef>
+        </p:style>
+      </p:cxnSp>
+      <p:sp>
+        <p:nvSpPr>
+          <p:cNvPr id="31" name="Rectangle 30">
+            <a:extLst>
+              <a:ext uri="{FF2B5EF4-FFF2-40B4-BE49-F238E27FC236}">
+                <a16:creationId xmlns:a16="http://schemas.microsoft.com/office/drawing/2014/main" id="{28A9F730-E78A-6725-24EB-50109A359FC8}"/>
+              </a:ext>
+            </a:extLst>
+          </p:cNvPr>
+          <p:cNvSpPr/>
+          <p:nvPr/>
+        </p:nvSpPr>
+        <p:spPr>
+          <a:xfrm>
+            <a:off x="9165167" y="597960"/>
+            <a:ext cx="1917699" cy="1066799"/>
+          </a:xfrm>
+          <a:prstGeom prst="rect">
+            <a:avLst/>
+          </a:prstGeom>
+        </p:spPr>
+        <p:style>
+          <a:lnRef idx="1">
+            <a:schemeClr val="accent2"/>
+          </a:lnRef>
+          <a:fillRef idx="2">
+            <a:schemeClr val="accent2"/>
+          </a:fillRef>
+          <a:effectRef idx="1">
+            <a:schemeClr val="accent2"/>
+          </a:effectRef>
+          <a:fontRef idx="minor">
+            <a:schemeClr val="dk1"/>
+          </a:fontRef>
+        </p:style>
+        <p:txBody>
+          <a:bodyPr rtlCol="0" anchor="ctr"/>
+          <a:lstStyle/>
+          <a:p>
+            <a:pPr algn="ctr"/>
+            <a:r>
+              <a:rPr lang="en-IN" b="1" dirty="0"/>
+              <a:t>Re-Usable Utilities Logic</a:t>
+            </a:r>
+          </a:p>
+        </p:txBody>
+      </p:sp>
+      <p:cxnSp>
+        <p:nvCxnSpPr>
+          <p:cNvPr id="33" name="Connector: Elbow 32">
+            <a:extLst>
+              <a:ext uri="{FF2B5EF4-FFF2-40B4-BE49-F238E27FC236}">
+                <a16:creationId xmlns:a16="http://schemas.microsoft.com/office/drawing/2014/main" id="{DFD71AD2-97D1-1DF7-060C-0E582833F8C9}"/>
+              </a:ext>
+            </a:extLst>
+          </p:cNvPr>
+          <p:cNvCxnSpPr>
+            <a:stCxn id="31" idx="2"/>
+            <a:endCxn id="27" idx="3"/>
+          </p:cNvCxnSpPr>
+          <p:nvPr/>
+        </p:nvCxnSpPr>
+        <p:spPr>
+          <a:xfrm rot="16200000" flipH="1">
+            <a:off x="9903355" y="1885421"/>
+            <a:ext cx="1400175" cy="958850"/>
+          </a:xfrm>
+          <a:prstGeom prst="bentConnector4">
+            <a:avLst>
+              <a:gd name="adj1" fmla="val 30952"/>
+              <a:gd name="adj2" fmla="val 123841"/>
+            </a:avLst>
+          </a:prstGeom>
+          <a:ln>
+            <a:tailEnd type="triangle"/>
+          </a:ln>
+        </p:spPr>
+        <p:style>
+          <a:lnRef idx="2">
+            <a:schemeClr val="dk1"/>
+          </a:lnRef>
+          <a:fillRef idx="0">
+            <a:schemeClr val="dk1"/>
+          </a:fillRef>
+          <a:effectRef idx="1">
+            <a:schemeClr val="dk1"/>
+          </a:effectRef>
+          <a:fontRef idx="minor">
+            <a:schemeClr val="tx1"/>
+          </a:fontRef>
+        </p:style>
+      </p:cxnSp>
+      <p:cxnSp>
+        <p:nvCxnSpPr>
+          <p:cNvPr id="35" name="Connector: Elbow 34">
+            <a:extLst>
+              <a:ext uri="{FF2B5EF4-FFF2-40B4-BE49-F238E27FC236}">
+                <a16:creationId xmlns:a16="http://schemas.microsoft.com/office/drawing/2014/main" id="{0A34A074-59C7-1554-062A-076093622582}"/>
+              </a:ext>
+            </a:extLst>
+          </p:cNvPr>
+          <p:cNvCxnSpPr>
+            <a:stCxn id="31" idx="1"/>
+            <a:endCxn id="5" idx="3"/>
+          </p:cNvCxnSpPr>
+          <p:nvPr/>
+        </p:nvCxnSpPr>
+        <p:spPr>
+          <a:xfrm rot="10800000" flipV="1">
+            <a:off x="4631267" y="1131360"/>
+            <a:ext cx="4533901" cy="2860674"/>
+          </a:xfrm>
+          <a:prstGeom prst="bentConnector3">
+            <a:avLst>
+              <a:gd name="adj1" fmla="val 23856"/>
+            </a:avLst>
+          </a:prstGeom>
+          <a:ln>
+            <a:tailEnd type="triangle"/>
+          </a:ln>
+        </p:spPr>
+        <p:style>
+          <a:lnRef idx="2">
+            <a:schemeClr val="dk1"/>
+          </a:lnRef>
+          <a:fillRef idx="0">
+            <a:schemeClr val="dk1"/>
+          </a:fillRef>
+          <a:effectRef idx="1">
+            <a:schemeClr val="dk1"/>
+          </a:effectRef>
+          <a:fontRef idx="minor">
+            <a:schemeClr val="tx1"/>
+          </a:fontRef>
+        </p:style>
+      </p:cxnSp>
+      <p:sp>
+        <p:nvSpPr>
+          <p:cNvPr id="37" name="Rectangle 36">
+            <a:extLst>
+              <a:ext uri="{FF2B5EF4-FFF2-40B4-BE49-F238E27FC236}">
+                <a16:creationId xmlns:a16="http://schemas.microsoft.com/office/drawing/2014/main" id="{8D9DEFB5-6B89-266F-EF0A-7F0C16385A6B}"/>
+              </a:ext>
+            </a:extLst>
+          </p:cNvPr>
+          <p:cNvSpPr/>
+          <p:nvPr/>
+        </p:nvSpPr>
+        <p:spPr>
+          <a:xfrm>
+            <a:off x="9497486" y="3765020"/>
+            <a:ext cx="1917699" cy="1066799"/>
+          </a:xfrm>
+          <a:prstGeom prst="rect">
+            <a:avLst/>
+          </a:prstGeom>
+        </p:spPr>
+        <p:style>
+          <a:lnRef idx="3">
+            <a:schemeClr val="lt1"/>
+          </a:lnRef>
+          <a:fillRef idx="1">
+            <a:schemeClr val="accent4"/>
+          </a:fillRef>
+          <a:effectRef idx="1">
+            <a:schemeClr val="accent4"/>
+          </a:effectRef>
+          <a:fontRef idx="minor">
+            <a:schemeClr val="lt1"/>
+          </a:fontRef>
+        </p:style>
+        <p:txBody>
+          <a:bodyPr rtlCol="0" anchor="ctr"/>
+          <a:lstStyle/>
+          <a:p>
+            <a:pPr algn="ctr"/>
+            <a:r>
+              <a:rPr lang="en-IN" b="1" dirty="0"/>
+              <a:t>Re-Usable Utilities Logic as Angular Service</a:t>
+            </a:r>
+          </a:p>
+        </p:txBody>
+      </p:sp>
+      <p:cxnSp>
+        <p:nvCxnSpPr>
+          <p:cNvPr id="39" name="Connector: Elbow 38">
+            <a:extLst>
+              <a:ext uri="{FF2B5EF4-FFF2-40B4-BE49-F238E27FC236}">
+                <a16:creationId xmlns:a16="http://schemas.microsoft.com/office/drawing/2014/main" id="{0C84B612-B11D-A6C8-371F-3A6537969E87}"/>
+              </a:ext>
+            </a:extLst>
+          </p:cNvPr>
+          <p:cNvCxnSpPr>
+            <a:cxnSpLocks/>
+            <a:stCxn id="37" idx="1"/>
+            <a:endCxn id="2" idx="2"/>
+          </p:cNvCxnSpPr>
+          <p:nvPr/>
+        </p:nvCxnSpPr>
+        <p:spPr>
+          <a:xfrm rot="10800000" flipV="1">
+            <a:off x="2963334" y="4298419"/>
+            <a:ext cx="6534153" cy="1035581"/>
+          </a:xfrm>
+          <a:prstGeom prst="bentConnector4">
+            <a:avLst>
+              <a:gd name="adj1" fmla="val 37237"/>
+              <a:gd name="adj2" fmla="val 122075"/>
+            </a:avLst>
+          </a:prstGeom>
+          <a:ln w="76200">
+            <a:solidFill>
+              <a:srgbClr val="00B050"/>
+            </a:solidFill>
+            <a:tailEnd type="triangle"/>
+          </a:ln>
+        </p:spPr>
+        <p:style>
+          <a:lnRef idx="2">
+            <a:schemeClr val="accent1"/>
+          </a:lnRef>
+          <a:fillRef idx="0">
+            <a:schemeClr val="accent1"/>
+          </a:fillRef>
+          <a:effectRef idx="1">
+            <a:schemeClr val="accent1"/>
+          </a:effectRef>
+          <a:fontRef idx="minor">
+            <a:schemeClr val="tx1"/>
+          </a:fontRef>
+        </p:style>
+      </p:cxnSp>
+      <p:sp>
+        <p:nvSpPr>
+          <p:cNvPr id="41" name="TextBox 40">
+            <a:extLst>
+              <a:ext uri="{FF2B5EF4-FFF2-40B4-BE49-F238E27FC236}">
+                <a16:creationId xmlns:a16="http://schemas.microsoft.com/office/drawing/2014/main" id="{BB6A3F2D-D256-D992-0C65-2C38CA7FD261}"/>
+              </a:ext>
+            </a:extLst>
+          </p:cNvPr>
+          <p:cNvSpPr txBox="1"/>
+          <p:nvPr/>
+        </p:nvSpPr>
+        <p:spPr>
+          <a:xfrm>
+            <a:off x="7395636" y="4451397"/>
+            <a:ext cx="1871131" cy="646331"/>
+          </a:xfrm>
+          <a:prstGeom prst="rect">
+            <a:avLst/>
+          </a:prstGeom>
+          <a:noFill/>
+          <a:ln>
+            <a:solidFill>
+              <a:srgbClr val="7030A0"/>
+            </a:solidFill>
+          </a:ln>
+        </p:spPr>
+        <p:txBody>
+          <a:bodyPr wrap="square" rtlCol="0">
+            <a:spAutoFit/>
+          </a:bodyPr>
+          <a:lstStyle/>
+          <a:p>
+            <a:pPr algn="ctr"/>
+            <a:r>
+              <a:rPr lang="en-IN" b="1" dirty="0"/>
+              <a:t>Injected in Component</a:t>
+            </a:r>
+          </a:p>
+        </p:txBody>
+      </p:sp>
+      <p:sp>
+        <p:nvSpPr>
+          <p:cNvPr id="43" name="Rectangle 42">
+            <a:extLst>
+              <a:ext uri="{FF2B5EF4-FFF2-40B4-BE49-F238E27FC236}">
+                <a16:creationId xmlns:a16="http://schemas.microsoft.com/office/drawing/2014/main" id="{FE6E1504-9BB3-F36C-0AF6-6FC441502E4C}"/>
+              </a:ext>
+            </a:extLst>
+          </p:cNvPr>
+          <p:cNvSpPr/>
+          <p:nvPr/>
+        </p:nvSpPr>
+        <p:spPr>
+          <a:xfrm>
+            <a:off x="7560736" y="5297268"/>
+            <a:ext cx="1540933" cy="646331"/>
+          </a:xfrm>
+          <a:prstGeom prst="rect">
+            <a:avLst/>
+          </a:prstGeom>
+        </p:spPr>
+        <p:style>
+          <a:lnRef idx="1">
+            <a:schemeClr val="accent1"/>
+          </a:lnRef>
+          <a:fillRef idx="2">
+            <a:schemeClr val="accent1"/>
+          </a:fillRef>
+          <a:effectRef idx="1">
+            <a:schemeClr val="accent1"/>
+          </a:effectRef>
+          <a:fontRef idx="minor">
+            <a:schemeClr val="dk1"/>
+          </a:fontRef>
+        </p:style>
+        <p:txBody>
+          <a:bodyPr rtlCol="0" anchor="ctr"/>
+          <a:lstStyle/>
+          <a:p>
+            <a:pPr algn="ctr"/>
+            <a:r>
+              <a:rPr lang="en-IN" sz="1100" b="1" dirty="0"/>
+              <a:t>Service with Data Communication Across Components</a:t>
+            </a:r>
+          </a:p>
+        </p:txBody>
+      </p:sp>
+      <p:cxnSp>
+        <p:nvCxnSpPr>
+          <p:cNvPr id="45" name="Connector: Elbow 44">
+            <a:extLst>
+              <a:ext uri="{FF2B5EF4-FFF2-40B4-BE49-F238E27FC236}">
+                <a16:creationId xmlns:a16="http://schemas.microsoft.com/office/drawing/2014/main" id="{8CDB0FA8-FF4B-0773-193A-8CB9FDCEBAA8}"/>
+              </a:ext>
+            </a:extLst>
+          </p:cNvPr>
+          <p:cNvCxnSpPr>
+            <a:stCxn id="37" idx="2"/>
+            <a:endCxn id="43" idx="3"/>
+          </p:cNvCxnSpPr>
+          <p:nvPr/>
+        </p:nvCxnSpPr>
+        <p:spPr>
+          <a:xfrm rot="5400000">
+            <a:off x="9384696" y="4548793"/>
+            <a:ext cx="788615" cy="1354667"/>
+          </a:xfrm>
+          <a:prstGeom prst="bentConnector2">
+            <a:avLst/>
+          </a:prstGeom>
+          <a:ln>
+            <a:tailEnd type="triangle"/>
+          </a:ln>
+        </p:spPr>
+        <p:style>
+          <a:lnRef idx="2">
+            <a:schemeClr val="accent1"/>
+          </a:lnRef>
+          <a:fillRef idx="0">
+            <a:schemeClr val="accent1"/>
+          </a:fillRef>
+          <a:effectRef idx="1">
+            <a:schemeClr val="accent1"/>
+          </a:effectRef>
+          <a:fontRef idx="minor">
+            <a:schemeClr val="tx1"/>
+          </a:fontRef>
+        </p:style>
+      </p:cxnSp>
+      <p:sp>
+        <p:nvSpPr>
+          <p:cNvPr id="46" name="Rectangle 45">
+            <a:extLst>
+              <a:ext uri="{FF2B5EF4-FFF2-40B4-BE49-F238E27FC236}">
+                <a16:creationId xmlns:a16="http://schemas.microsoft.com/office/drawing/2014/main" id="{84524287-E618-7D9C-F6FA-6BFF3F0DD9A1}"/>
+              </a:ext>
+            </a:extLst>
+          </p:cNvPr>
+          <p:cNvSpPr/>
+          <p:nvPr/>
+        </p:nvSpPr>
+        <p:spPr>
+          <a:xfrm>
+            <a:off x="9422343" y="6000856"/>
+            <a:ext cx="1540933" cy="646331"/>
+          </a:xfrm>
+          <a:prstGeom prst="rect">
+            <a:avLst/>
+          </a:prstGeom>
+          <a:solidFill>
+            <a:srgbClr val="FF0000"/>
+          </a:solidFill>
+        </p:spPr>
+        <p:style>
+          <a:lnRef idx="1">
+            <a:schemeClr val="accent1"/>
+          </a:lnRef>
+          <a:fillRef idx="2">
+            <a:schemeClr val="accent1"/>
+          </a:fillRef>
+          <a:effectRef idx="1">
+            <a:schemeClr val="accent1"/>
+          </a:effectRef>
+          <a:fontRef idx="minor">
+            <a:schemeClr val="dk1"/>
+          </a:fontRef>
+        </p:style>
+        <p:txBody>
+          <a:bodyPr rtlCol="0" anchor="ctr"/>
+          <a:lstStyle/>
+          <a:p>
+            <a:pPr algn="ctr"/>
+            <a:r>
+              <a:rPr lang="en-IN" sz="1100" b="1" dirty="0"/>
+              <a:t>Service with Asynchronous HTTP Calls</a:t>
+            </a:r>
+          </a:p>
+        </p:txBody>
+      </p:sp>
+      <p:cxnSp>
+        <p:nvCxnSpPr>
+          <p:cNvPr id="52" name="Connector: Elbow 51">
+            <a:extLst>
+              <a:ext uri="{FF2B5EF4-FFF2-40B4-BE49-F238E27FC236}">
+                <a16:creationId xmlns:a16="http://schemas.microsoft.com/office/drawing/2014/main" id="{24C65C2D-3254-56A4-3E5E-E2BA90478349}"/>
+              </a:ext>
+            </a:extLst>
+          </p:cNvPr>
+          <p:cNvCxnSpPr>
+            <a:stCxn id="37" idx="3"/>
+            <a:endCxn id="46" idx="3"/>
+          </p:cNvCxnSpPr>
+          <p:nvPr/>
+        </p:nvCxnSpPr>
+        <p:spPr>
+          <a:xfrm flipH="1">
+            <a:off x="10963276" y="4298420"/>
+            <a:ext cx="451909" cy="2025602"/>
+          </a:xfrm>
+          <a:prstGeom prst="bentConnector3">
+            <a:avLst>
+              <a:gd name="adj1" fmla="val -50585"/>
+            </a:avLst>
+          </a:prstGeom>
+          <a:ln>
+            <a:tailEnd type="triangle"/>
+          </a:ln>
+        </p:spPr>
+        <p:style>
+          <a:lnRef idx="2">
+            <a:schemeClr val="accent1"/>
+          </a:lnRef>
+          <a:fillRef idx="0">
+            <a:schemeClr val="accent1"/>
+          </a:fillRef>
+          <a:effectRef idx="1">
+            <a:schemeClr val="accent1"/>
+          </a:effectRef>
+          <a:fontRef idx="minor">
+            <a:schemeClr val="tx1"/>
+          </a:fontRef>
+        </p:style>
+      </p:cxnSp>
+      <p:sp>
+        <p:nvSpPr>
+          <p:cNvPr id="53" name="TextBox 52">
+            <a:extLst>
+              <a:ext uri="{FF2B5EF4-FFF2-40B4-BE49-F238E27FC236}">
+                <a16:creationId xmlns:a16="http://schemas.microsoft.com/office/drawing/2014/main" id="{AD8A93CA-A921-2297-FABB-AC18079E8BCE}"/>
+              </a:ext>
+            </a:extLst>
+          </p:cNvPr>
+          <p:cNvSpPr txBox="1"/>
+          <p:nvPr/>
+        </p:nvSpPr>
+        <p:spPr>
+          <a:xfrm>
+            <a:off x="262467" y="5808133"/>
+            <a:ext cx="5130800" cy="584775"/>
+          </a:xfrm>
+          <a:prstGeom prst="rect">
+            <a:avLst/>
+          </a:prstGeom>
+          <a:noFill/>
+          <a:ln w="76200">
+            <a:solidFill>
+              <a:srgbClr val="7030A0"/>
+            </a:solidFill>
+          </a:ln>
+        </p:spPr>
+        <p:txBody>
+          <a:bodyPr wrap="square" rtlCol="0">
+            <a:spAutoFit/>
+          </a:bodyPr>
+          <a:lstStyle/>
+          <a:p>
+            <a:pPr algn="ctr"/>
+            <a:r>
+              <a:rPr lang="en-IN" sz="3200" b="1" dirty="0"/>
+              <a:t>Angular App Layers</a:t>
+            </a:r>
+          </a:p>
+        </p:txBody>
+      </p:sp>
+    </p:spTree>
+    <p:extLst>
+      <p:ext uri="{BB962C8B-B14F-4D97-AF65-F5344CB8AC3E}">
+        <p14:creationId xmlns:p14="http://schemas.microsoft.com/office/powerpoint/2010/main" val="3480420044"/>
       </p:ext>
     </p:extLst>
   </p:cSld>

--- a/my-ng-app/Angular_Training_Images.pptx
+++ b/my-ng-app/Angular_Training_Images.pptx
@@ -11,6 +11,9 @@
     <p:sldId id="259" r:id="rId5"/>
     <p:sldId id="260" r:id="rId6"/>
     <p:sldId id="261" r:id="rId7"/>
+    <p:sldId id="262" r:id="rId8"/>
+    <p:sldId id="263" r:id="rId9"/>
+    <p:sldId id="264" r:id="rId10"/>
   </p:sldIdLst>
   <p:sldSz cx="12192000" cy="6858000"/>
   <p:notesSz cx="6858000" cy="9144000"/>
@@ -266,7 +269,7 @@
           <a:p>
             <a:fld id="{35E7C7C1-050F-4B17-8FDC-37C455263954}" type="datetimeFigureOut">
               <a:rPr lang="en-IN" smtClean="0"/>
-              <a:t>21-03-2024</a:t>
+              <a:t>22-03-2024</a:t>
             </a:fld>
             <a:endParaRPr lang="en-IN"/>
           </a:p>
@@ -466,7 +469,7 @@
           <a:p>
             <a:fld id="{35E7C7C1-050F-4B17-8FDC-37C455263954}" type="datetimeFigureOut">
               <a:rPr lang="en-IN" smtClean="0"/>
-              <a:t>21-03-2024</a:t>
+              <a:t>22-03-2024</a:t>
             </a:fld>
             <a:endParaRPr lang="en-IN"/>
           </a:p>
@@ -676,7 +679,7 @@
           <a:p>
             <a:fld id="{35E7C7C1-050F-4B17-8FDC-37C455263954}" type="datetimeFigureOut">
               <a:rPr lang="en-IN" smtClean="0"/>
-              <a:t>21-03-2024</a:t>
+              <a:t>22-03-2024</a:t>
             </a:fld>
             <a:endParaRPr lang="en-IN"/>
           </a:p>
@@ -876,7 +879,7 @@
           <a:p>
             <a:fld id="{35E7C7C1-050F-4B17-8FDC-37C455263954}" type="datetimeFigureOut">
               <a:rPr lang="en-IN" smtClean="0"/>
-              <a:t>21-03-2024</a:t>
+              <a:t>22-03-2024</a:t>
             </a:fld>
             <a:endParaRPr lang="en-IN"/>
           </a:p>
@@ -1152,7 +1155,7 @@
           <a:p>
             <a:fld id="{35E7C7C1-050F-4B17-8FDC-37C455263954}" type="datetimeFigureOut">
               <a:rPr lang="en-IN" smtClean="0"/>
-              <a:t>21-03-2024</a:t>
+              <a:t>22-03-2024</a:t>
             </a:fld>
             <a:endParaRPr lang="en-IN"/>
           </a:p>
@@ -1420,7 +1423,7 @@
           <a:p>
             <a:fld id="{35E7C7C1-050F-4B17-8FDC-37C455263954}" type="datetimeFigureOut">
               <a:rPr lang="en-IN" smtClean="0"/>
-              <a:t>21-03-2024</a:t>
+              <a:t>22-03-2024</a:t>
             </a:fld>
             <a:endParaRPr lang="en-IN"/>
           </a:p>
@@ -1835,7 +1838,7 @@
           <a:p>
             <a:fld id="{35E7C7C1-050F-4B17-8FDC-37C455263954}" type="datetimeFigureOut">
               <a:rPr lang="en-IN" smtClean="0"/>
-              <a:t>21-03-2024</a:t>
+              <a:t>22-03-2024</a:t>
             </a:fld>
             <a:endParaRPr lang="en-IN"/>
           </a:p>
@@ -1977,7 +1980,7 @@
           <a:p>
             <a:fld id="{35E7C7C1-050F-4B17-8FDC-37C455263954}" type="datetimeFigureOut">
               <a:rPr lang="en-IN" smtClean="0"/>
-              <a:t>21-03-2024</a:t>
+              <a:t>22-03-2024</a:t>
             </a:fld>
             <a:endParaRPr lang="en-IN"/>
           </a:p>
@@ -2090,7 +2093,7 @@
           <a:p>
             <a:fld id="{35E7C7C1-050F-4B17-8FDC-37C455263954}" type="datetimeFigureOut">
               <a:rPr lang="en-IN" smtClean="0"/>
-              <a:t>21-03-2024</a:t>
+              <a:t>22-03-2024</a:t>
             </a:fld>
             <a:endParaRPr lang="en-IN"/>
           </a:p>
@@ -2403,7 +2406,7 @@
           <a:p>
             <a:fld id="{35E7C7C1-050F-4B17-8FDC-37C455263954}" type="datetimeFigureOut">
               <a:rPr lang="en-IN" smtClean="0"/>
-              <a:t>21-03-2024</a:t>
+              <a:t>22-03-2024</a:t>
             </a:fld>
             <a:endParaRPr lang="en-IN"/>
           </a:p>
@@ -2692,7 +2695,7 @@
           <a:p>
             <a:fld id="{35E7C7C1-050F-4B17-8FDC-37C455263954}" type="datetimeFigureOut">
               <a:rPr lang="en-IN" smtClean="0"/>
-              <a:t>21-03-2024</a:t>
+              <a:t>22-03-2024</a:t>
             </a:fld>
             <a:endParaRPr lang="en-IN"/>
           </a:p>
@@ -2935,7 +2938,7 @@
           <a:p>
             <a:fld id="{35E7C7C1-050F-4B17-8FDC-37C455263954}" type="datetimeFigureOut">
               <a:rPr lang="en-IN" smtClean="0"/>
-              <a:t>21-03-2024</a:t>
+              <a:t>22-03-2024</a:t>
             </a:fld>
             <a:endParaRPr lang="en-IN"/>
           </a:p>
@@ -8426,6 +8429,2634 @@
     <p:extLst>
       <p:ext uri="{BB962C8B-B14F-4D97-AF65-F5344CB8AC3E}">
         <p14:creationId xmlns:p14="http://schemas.microsoft.com/office/powerpoint/2010/main" val="3480420044"/>
+      </p:ext>
+    </p:extLst>
+  </p:cSld>
+  <p:clrMapOvr>
+    <a:masterClrMapping/>
+  </p:clrMapOvr>
+</p:sld>
+</file>
+
+<file path=ppt/slides/slide7.xml><?xml version="1.0" encoding="utf-8"?>
+<p:sld xmlns:a="http://schemas.openxmlformats.org/drawingml/2006/main" xmlns:r="http://schemas.openxmlformats.org/officeDocument/2006/relationships" xmlns:p="http://schemas.openxmlformats.org/presentationml/2006/main">
+  <p:cSld>
+    <p:spTree>
+      <p:nvGrpSpPr>
+        <p:cNvPr id="1" name=""/>
+        <p:cNvGrpSpPr/>
+        <p:nvPr/>
+      </p:nvGrpSpPr>
+      <p:grpSpPr>
+        <a:xfrm>
+          <a:off x="0" y="0"/>
+          <a:ext cx="0" cy="0"/>
+          <a:chOff x="0" y="0"/>
+          <a:chExt cx="0" cy="0"/>
+        </a:xfrm>
+      </p:grpSpPr>
+      <p:sp>
+        <p:nvSpPr>
+          <p:cNvPr id="2" name="Rectangle 1">
+            <a:extLst>
+              <a:ext uri="{FF2B5EF4-FFF2-40B4-BE49-F238E27FC236}">
+                <a16:creationId xmlns:a16="http://schemas.microsoft.com/office/drawing/2014/main" id="{F09A4DB0-44C8-E0A7-8F28-327A94847389}"/>
+              </a:ext>
+            </a:extLst>
+          </p:cNvPr>
+          <p:cNvSpPr/>
+          <p:nvPr/>
+        </p:nvSpPr>
+        <p:spPr>
+          <a:xfrm>
+            <a:off x="211666" y="490880"/>
+            <a:ext cx="11091333" cy="5875866"/>
+          </a:xfrm>
+          <a:prstGeom prst="rect">
+            <a:avLst/>
+          </a:prstGeom>
+        </p:spPr>
+        <p:style>
+          <a:lnRef idx="1">
+            <a:schemeClr val="accent2"/>
+          </a:lnRef>
+          <a:fillRef idx="2">
+            <a:schemeClr val="accent2"/>
+          </a:fillRef>
+          <a:effectRef idx="1">
+            <a:schemeClr val="accent2"/>
+          </a:effectRef>
+          <a:fontRef idx="minor">
+            <a:schemeClr val="dk1"/>
+          </a:fontRef>
+        </p:style>
+        <p:txBody>
+          <a:bodyPr rtlCol="0" anchor="ctr"/>
+          <a:lstStyle/>
+          <a:p>
+            <a:pPr algn="ctr"/>
+            <a:endParaRPr lang="en-IN"/>
+          </a:p>
+        </p:txBody>
+      </p:sp>
+      <p:sp>
+        <p:nvSpPr>
+          <p:cNvPr id="3" name="Rectangle 2">
+            <a:extLst>
+              <a:ext uri="{FF2B5EF4-FFF2-40B4-BE49-F238E27FC236}">
+                <a16:creationId xmlns:a16="http://schemas.microsoft.com/office/drawing/2014/main" id="{3440138B-E133-87F5-2DFF-06EE1758F487}"/>
+              </a:ext>
+            </a:extLst>
+          </p:cNvPr>
+          <p:cNvSpPr/>
+          <p:nvPr/>
+        </p:nvSpPr>
+        <p:spPr>
+          <a:xfrm>
+            <a:off x="5960533" y="491067"/>
+            <a:ext cx="98218" cy="5875866"/>
+          </a:xfrm>
+          <a:prstGeom prst="rect">
+            <a:avLst/>
+          </a:prstGeom>
+        </p:spPr>
+        <p:style>
+          <a:lnRef idx="2">
+            <a:schemeClr val="accent1">
+              <a:shade val="15000"/>
+            </a:schemeClr>
+          </a:lnRef>
+          <a:fillRef idx="1">
+            <a:schemeClr val="accent1"/>
+          </a:fillRef>
+          <a:effectRef idx="0">
+            <a:schemeClr val="accent1"/>
+          </a:effectRef>
+          <a:fontRef idx="minor">
+            <a:schemeClr val="lt1"/>
+          </a:fontRef>
+        </p:style>
+        <p:txBody>
+          <a:bodyPr rtlCol="0" anchor="ctr"/>
+          <a:lstStyle/>
+          <a:p>
+            <a:pPr algn="ctr"/>
+            <a:endParaRPr lang="en-IN"/>
+          </a:p>
+        </p:txBody>
+      </p:sp>
+      <p:sp>
+        <p:nvSpPr>
+          <p:cNvPr id="4" name="Rectangle 3">
+            <a:extLst>
+              <a:ext uri="{FF2B5EF4-FFF2-40B4-BE49-F238E27FC236}">
+                <a16:creationId xmlns:a16="http://schemas.microsoft.com/office/drawing/2014/main" id="{9E368496-18B1-8CD4-158F-AB0F7E702247}"/>
+              </a:ext>
+            </a:extLst>
+          </p:cNvPr>
+          <p:cNvSpPr/>
+          <p:nvPr/>
+        </p:nvSpPr>
+        <p:spPr>
+          <a:xfrm>
+            <a:off x="237068" y="3264747"/>
+            <a:ext cx="10893214" cy="45719"/>
+          </a:xfrm>
+          <a:prstGeom prst="rect">
+            <a:avLst/>
+          </a:prstGeom>
+        </p:spPr>
+        <p:style>
+          <a:lnRef idx="2">
+            <a:schemeClr val="accent1">
+              <a:shade val="15000"/>
+            </a:schemeClr>
+          </a:lnRef>
+          <a:fillRef idx="1">
+            <a:schemeClr val="accent1"/>
+          </a:fillRef>
+          <a:effectRef idx="0">
+            <a:schemeClr val="accent1"/>
+          </a:effectRef>
+          <a:fontRef idx="minor">
+            <a:schemeClr val="lt1"/>
+          </a:fontRef>
+        </p:style>
+        <p:txBody>
+          <a:bodyPr rtlCol="0" anchor="ctr"/>
+          <a:lstStyle/>
+          <a:p>
+            <a:pPr algn="ctr"/>
+            <a:endParaRPr lang="en-IN"/>
+          </a:p>
+        </p:txBody>
+      </p:sp>
+      <p:sp>
+        <p:nvSpPr>
+          <p:cNvPr id="5" name="TextBox 4">
+            <a:extLst>
+              <a:ext uri="{FF2B5EF4-FFF2-40B4-BE49-F238E27FC236}">
+                <a16:creationId xmlns:a16="http://schemas.microsoft.com/office/drawing/2014/main" id="{FD67B545-B337-344A-5A6D-02D8F0409F42}"/>
+              </a:ext>
+            </a:extLst>
+          </p:cNvPr>
+          <p:cNvSpPr txBox="1"/>
+          <p:nvPr/>
+        </p:nvSpPr>
+        <p:spPr>
+          <a:xfrm>
+            <a:off x="457200" y="575733"/>
+            <a:ext cx="4631267" cy="2308324"/>
+          </a:xfrm>
+          <a:prstGeom prst="rect">
+            <a:avLst/>
+          </a:prstGeom>
+          <a:noFill/>
+          <a:ln w="28575">
+            <a:solidFill>
+              <a:schemeClr val="tx1"/>
+            </a:solidFill>
+          </a:ln>
+        </p:spPr>
+        <p:txBody>
+          <a:bodyPr wrap="square" rtlCol="0">
+            <a:spAutoFit/>
+          </a:bodyPr>
+          <a:lstStyle/>
+          <a:p>
+            <a:r>
+              <a:rPr lang="en-IN" b="1" dirty="0"/>
+              <a:t>User Interface Elements</a:t>
+            </a:r>
+          </a:p>
+          <a:p>
+            <a:endParaRPr lang="en-IN" b="1" dirty="0"/>
+          </a:p>
+          <a:p>
+            <a:pPr marL="342900" indent="-342900">
+              <a:buAutoNum type="arabicPeriod"/>
+            </a:pPr>
+            <a:r>
+              <a:rPr lang="en-IN" b="1" dirty="0"/>
+              <a:t>Input Elements, Text, Number, etc.</a:t>
+            </a:r>
+          </a:p>
+          <a:p>
+            <a:pPr marL="342900" indent="-342900">
+              <a:buAutoNum type="arabicPeriod"/>
+            </a:pPr>
+            <a:endParaRPr lang="en-IN" b="1" dirty="0"/>
+          </a:p>
+          <a:p>
+            <a:endParaRPr lang="en-IN" b="1" dirty="0"/>
+          </a:p>
+          <a:p>
+            <a:pPr marL="342900" indent="-342900">
+              <a:buAutoNum type="arabicPeriod"/>
+            </a:pPr>
+            <a:r>
+              <a:rPr lang="en-IN" b="1" dirty="0"/>
+              <a:t>Layout Elements, Table, Div</a:t>
+            </a:r>
+          </a:p>
+          <a:p>
+            <a:pPr marL="342900" indent="-342900">
+              <a:buAutoNum type="arabicPeriod"/>
+            </a:pPr>
+            <a:r>
+              <a:rPr lang="en-IN" b="1" dirty="0"/>
+              <a:t>Interactive Event Based Elements, Button</a:t>
+            </a:r>
+          </a:p>
+        </p:txBody>
+      </p:sp>
+      <p:sp>
+        <p:nvSpPr>
+          <p:cNvPr id="6" name="TextBox 5">
+            <a:extLst>
+              <a:ext uri="{FF2B5EF4-FFF2-40B4-BE49-F238E27FC236}">
+                <a16:creationId xmlns:a16="http://schemas.microsoft.com/office/drawing/2014/main" id="{B9A4685A-6CC8-55BC-B7A1-259FA4279793}"/>
+              </a:ext>
+            </a:extLst>
+          </p:cNvPr>
+          <p:cNvSpPr txBox="1"/>
+          <p:nvPr/>
+        </p:nvSpPr>
+        <p:spPr>
+          <a:xfrm>
+            <a:off x="6185750" y="575733"/>
+            <a:ext cx="4990250" cy="2308324"/>
+          </a:xfrm>
+          <a:prstGeom prst="rect">
+            <a:avLst/>
+          </a:prstGeom>
+          <a:noFill/>
+          <a:ln w="28575">
+            <a:solidFill>
+              <a:schemeClr val="accent1"/>
+            </a:solidFill>
+          </a:ln>
+        </p:spPr>
+        <p:txBody>
+          <a:bodyPr wrap="square" rtlCol="0">
+            <a:spAutoFit/>
+          </a:bodyPr>
+          <a:lstStyle/>
+          <a:p>
+            <a:r>
+              <a:rPr lang="en-IN" b="1" dirty="0"/>
+              <a:t>Fields</a:t>
+            </a:r>
+          </a:p>
+          <a:p>
+            <a:endParaRPr lang="en-IN" b="1" dirty="0"/>
+          </a:p>
+          <a:p>
+            <a:pPr marL="342900" indent="-342900">
+              <a:buAutoNum type="arabicPeriod"/>
+            </a:pPr>
+            <a:r>
+              <a:rPr lang="en-IN" b="1" dirty="0"/>
+              <a:t>Properties those are exposed to Input Elements</a:t>
+            </a:r>
+          </a:p>
+          <a:p>
+            <a:endParaRPr lang="en-IN" b="1" dirty="0"/>
+          </a:p>
+          <a:p>
+            <a:r>
+              <a:rPr lang="en-IN" b="1" dirty="0"/>
+              <a:t>Inputs Bound with Fields are used to validate the received data, that why they  are also known as ‘Templates’</a:t>
+            </a:r>
+          </a:p>
+        </p:txBody>
+      </p:sp>
+      <p:cxnSp>
+        <p:nvCxnSpPr>
+          <p:cNvPr id="8" name="Straight Arrow Connector 7">
+            <a:extLst>
+              <a:ext uri="{FF2B5EF4-FFF2-40B4-BE49-F238E27FC236}">
+                <a16:creationId xmlns:a16="http://schemas.microsoft.com/office/drawing/2014/main" id="{597E0867-F040-4AEC-940F-C170C5E91641}"/>
+              </a:ext>
+            </a:extLst>
+          </p:cNvPr>
+          <p:cNvCxnSpPr/>
+          <p:nvPr/>
+        </p:nvCxnSpPr>
+        <p:spPr>
+          <a:xfrm flipH="1">
+            <a:off x="4597400" y="1371600"/>
+            <a:ext cx="1828800" cy="0"/>
+          </a:xfrm>
+          <a:prstGeom prst="straightConnector1">
+            <a:avLst/>
+          </a:prstGeom>
+          <a:ln>
+            <a:tailEnd type="triangle"/>
+          </a:ln>
+        </p:spPr>
+        <p:style>
+          <a:lnRef idx="2">
+            <a:schemeClr val="accent1"/>
+          </a:lnRef>
+          <a:fillRef idx="0">
+            <a:schemeClr val="accent1"/>
+          </a:fillRef>
+          <a:effectRef idx="1">
+            <a:schemeClr val="accent1"/>
+          </a:effectRef>
+          <a:fontRef idx="minor">
+            <a:schemeClr val="tx1"/>
+          </a:fontRef>
+        </p:style>
+      </p:cxnSp>
+      <p:sp>
+        <p:nvSpPr>
+          <p:cNvPr id="9" name="TextBox 8">
+            <a:extLst>
+              <a:ext uri="{FF2B5EF4-FFF2-40B4-BE49-F238E27FC236}">
+                <a16:creationId xmlns:a16="http://schemas.microsoft.com/office/drawing/2014/main" id="{4DF219DD-5CD7-0F1C-59C0-9E23B09A0AC8}"/>
+              </a:ext>
+            </a:extLst>
+          </p:cNvPr>
+          <p:cNvSpPr txBox="1"/>
+          <p:nvPr/>
+        </p:nvSpPr>
+        <p:spPr>
+          <a:xfrm>
+            <a:off x="595208" y="4025436"/>
+            <a:ext cx="4990250" cy="2031325"/>
+          </a:xfrm>
+          <a:prstGeom prst="rect">
+            <a:avLst/>
+          </a:prstGeom>
+          <a:noFill/>
+          <a:ln w="28575">
+            <a:solidFill>
+              <a:schemeClr val="accent1"/>
+            </a:solidFill>
+          </a:ln>
+        </p:spPr>
+        <p:txBody>
+          <a:bodyPr wrap="square" rtlCol="0">
+            <a:spAutoFit/>
+          </a:bodyPr>
+          <a:lstStyle/>
+          <a:p>
+            <a:r>
+              <a:rPr lang="en-IN" b="1" dirty="0"/>
+              <a:t>Logic</a:t>
+            </a:r>
+          </a:p>
+          <a:p>
+            <a:endParaRPr lang="en-IN" b="1" dirty="0"/>
+          </a:p>
+          <a:p>
+            <a:r>
+              <a:rPr lang="en-IN" b="1" dirty="0"/>
+              <a:t>Methods, exposed to Buttons or Input Elements</a:t>
+            </a:r>
+          </a:p>
+          <a:p>
+            <a:endParaRPr lang="en-IN" b="1" dirty="0"/>
+          </a:p>
+          <a:p>
+            <a:r>
+              <a:rPr lang="en-IN" b="1" dirty="0"/>
+              <a:t>Input Elements exposed to Methods, are known as ‘Templates’ , Custom Validations</a:t>
+            </a:r>
+          </a:p>
+        </p:txBody>
+      </p:sp>
+      <p:cxnSp>
+        <p:nvCxnSpPr>
+          <p:cNvPr id="11" name="Straight Arrow Connector 10">
+            <a:extLst>
+              <a:ext uri="{FF2B5EF4-FFF2-40B4-BE49-F238E27FC236}">
+                <a16:creationId xmlns:a16="http://schemas.microsoft.com/office/drawing/2014/main" id="{B7BAB1A6-FFFB-FDA7-21B7-05EE9047B085}"/>
+              </a:ext>
+            </a:extLst>
+          </p:cNvPr>
+          <p:cNvCxnSpPr>
+            <a:cxnSpLocks/>
+          </p:cNvCxnSpPr>
+          <p:nvPr/>
+        </p:nvCxnSpPr>
+        <p:spPr>
+          <a:xfrm flipH="1" flipV="1">
+            <a:off x="1634067" y="2633133"/>
+            <a:ext cx="1456266" cy="1337734"/>
+          </a:xfrm>
+          <a:prstGeom prst="straightConnector1">
+            <a:avLst/>
+          </a:prstGeom>
+          <a:ln>
+            <a:tailEnd type="triangle"/>
+          </a:ln>
+        </p:spPr>
+        <p:style>
+          <a:lnRef idx="2">
+            <a:schemeClr val="accent1"/>
+          </a:lnRef>
+          <a:fillRef idx="0">
+            <a:schemeClr val="accent1"/>
+          </a:fillRef>
+          <a:effectRef idx="1">
+            <a:schemeClr val="accent1"/>
+          </a:effectRef>
+          <a:fontRef idx="minor">
+            <a:schemeClr val="tx1"/>
+          </a:fontRef>
+        </p:style>
+      </p:cxnSp>
+      <p:cxnSp>
+        <p:nvCxnSpPr>
+          <p:cNvPr id="13" name="Connector: Elbow 12">
+            <a:extLst>
+              <a:ext uri="{FF2B5EF4-FFF2-40B4-BE49-F238E27FC236}">
+                <a16:creationId xmlns:a16="http://schemas.microsoft.com/office/drawing/2014/main" id="{4D64206B-E664-A00E-180A-1842339D971F}"/>
+              </a:ext>
+            </a:extLst>
+          </p:cNvPr>
+          <p:cNvCxnSpPr>
+            <a:stCxn id="9" idx="1"/>
+            <a:endCxn id="5" idx="1"/>
+          </p:cNvCxnSpPr>
+          <p:nvPr/>
+        </p:nvCxnSpPr>
+        <p:spPr>
+          <a:xfrm rot="10800000">
+            <a:off x="457200" y="1729895"/>
+            <a:ext cx="138008" cy="3311204"/>
+          </a:xfrm>
+          <a:prstGeom prst="bentConnector3">
+            <a:avLst>
+              <a:gd name="adj1" fmla="val 265643"/>
+            </a:avLst>
+          </a:prstGeom>
+          <a:ln>
+            <a:tailEnd type="triangle"/>
+          </a:ln>
+        </p:spPr>
+        <p:style>
+          <a:lnRef idx="2">
+            <a:schemeClr val="accent1"/>
+          </a:lnRef>
+          <a:fillRef idx="0">
+            <a:schemeClr val="accent1"/>
+          </a:fillRef>
+          <a:effectRef idx="1">
+            <a:schemeClr val="accent1"/>
+          </a:effectRef>
+          <a:fontRef idx="minor">
+            <a:schemeClr val="tx1"/>
+          </a:fontRef>
+        </p:style>
+      </p:cxnSp>
+      <p:sp>
+        <p:nvSpPr>
+          <p:cNvPr id="16" name="TextBox 15">
+            <a:extLst>
+              <a:ext uri="{FF2B5EF4-FFF2-40B4-BE49-F238E27FC236}">
+                <a16:creationId xmlns:a16="http://schemas.microsoft.com/office/drawing/2014/main" id="{884252F0-9A08-1A72-210D-D18CC6C0CD76}"/>
+              </a:ext>
+            </a:extLst>
+          </p:cNvPr>
+          <p:cNvSpPr txBox="1"/>
+          <p:nvPr/>
+        </p:nvSpPr>
+        <p:spPr>
+          <a:xfrm>
+            <a:off x="6265333" y="3429000"/>
+            <a:ext cx="4864948" cy="2031325"/>
+          </a:xfrm>
+          <a:prstGeom prst="rect">
+            <a:avLst/>
+          </a:prstGeom>
+          <a:noFill/>
+          <a:ln w="28575">
+            <a:solidFill>
+              <a:schemeClr val="accent1"/>
+            </a:solidFill>
+          </a:ln>
+        </p:spPr>
+        <p:txBody>
+          <a:bodyPr wrap="square" rtlCol="0">
+            <a:spAutoFit/>
+          </a:bodyPr>
+          <a:lstStyle/>
+          <a:p>
+            <a:r>
+              <a:rPr lang="en-IN" b="1" dirty="0"/>
+              <a:t>Client-Side Logic</a:t>
+            </a:r>
+          </a:p>
+          <a:p>
+            <a:endParaRPr lang="en-IN" b="1" dirty="0"/>
+          </a:p>
+          <a:p>
+            <a:r>
+              <a:rPr lang="en-IN" b="1" dirty="0"/>
+              <a:t>Only Methods those works on Data Entered by End-User as well as the Validation Logic Execution.</a:t>
+            </a:r>
+          </a:p>
+          <a:p>
+            <a:endParaRPr lang="en-IN" b="1" dirty="0"/>
+          </a:p>
+          <a:p>
+            <a:r>
+              <a:rPr lang="en-IN" b="1" dirty="0"/>
+              <a:t>AKA Domain Logic </a:t>
+            </a:r>
+          </a:p>
+        </p:txBody>
+      </p:sp>
+      <p:sp>
+        <p:nvSpPr>
+          <p:cNvPr id="17" name="TextBox 16">
+            <a:extLst>
+              <a:ext uri="{FF2B5EF4-FFF2-40B4-BE49-F238E27FC236}">
+                <a16:creationId xmlns:a16="http://schemas.microsoft.com/office/drawing/2014/main" id="{D75A8965-D255-C42A-692D-71743176C390}"/>
+              </a:ext>
+            </a:extLst>
+          </p:cNvPr>
+          <p:cNvSpPr txBox="1"/>
+          <p:nvPr/>
+        </p:nvSpPr>
+        <p:spPr>
+          <a:xfrm>
+            <a:off x="4267200" y="76200"/>
+            <a:ext cx="2624667" cy="380999"/>
+          </a:xfrm>
+          <a:prstGeom prst="rect">
+            <a:avLst/>
+          </a:prstGeom>
+          <a:noFill/>
+          <a:ln>
+            <a:solidFill>
+              <a:schemeClr val="accent1"/>
+            </a:solidFill>
+          </a:ln>
+        </p:spPr>
+        <p:txBody>
+          <a:bodyPr wrap="square" rtlCol="0">
+            <a:spAutoFit/>
+          </a:bodyPr>
+          <a:lstStyle/>
+          <a:p>
+            <a:pPr algn="ctr"/>
+            <a:r>
+              <a:rPr lang="en-IN" b="1" dirty="0"/>
+              <a:t>HTML Forms</a:t>
+            </a:r>
+          </a:p>
+        </p:txBody>
+      </p:sp>
+      <p:sp>
+        <p:nvSpPr>
+          <p:cNvPr id="18" name="TextBox 17">
+            <a:extLst>
+              <a:ext uri="{FF2B5EF4-FFF2-40B4-BE49-F238E27FC236}">
+                <a16:creationId xmlns:a16="http://schemas.microsoft.com/office/drawing/2014/main" id="{D1D50E0A-09B3-AA9D-6E5E-6F044E8333D7}"/>
+              </a:ext>
+            </a:extLst>
+          </p:cNvPr>
+          <p:cNvSpPr txBox="1"/>
+          <p:nvPr/>
+        </p:nvSpPr>
+        <p:spPr>
+          <a:xfrm>
+            <a:off x="5016500" y="1306882"/>
+            <a:ext cx="982133" cy="369332"/>
+          </a:xfrm>
+          <a:prstGeom prst="rect">
+            <a:avLst/>
+          </a:prstGeom>
+          <a:noFill/>
+          <a:ln>
+            <a:solidFill>
+              <a:schemeClr val="accent1"/>
+            </a:solidFill>
+          </a:ln>
+        </p:spPr>
+        <p:txBody>
+          <a:bodyPr wrap="square" rtlCol="0">
+            <a:spAutoFit/>
+          </a:bodyPr>
+          <a:lstStyle/>
+          <a:p>
+            <a:pPr algn="ctr"/>
+            <a:r>
+              <a:rPr lang="en-IN" b="1" dirty="0"/>
+              <a:t>name</a:t>
+            </a:r>
+          </a:p>
+        </p:txBody>
+      </p:sp>
+    </p:spTree>
+    <p:extLst>
+      <p:ext uri="{BB962C8B-B14F-4D97-AF65-F5344CB8AC3E}">
+        <p14:creationId xmlns:p14="http://schemas.microsoft.com/office/powerpoint/2010/main" val="3766351092"/>
+      </p:ext>
+    </p:extLst>
+  </p:cSld>
+  <p:clrMapOvr>
+    <a:masterClrMapping/>
+  </p:clrMapOvr>
+</p:sld>
+</file>
+
+<file path=ppt/slides/slide8.xml><?xml version="1.0" encoding="utf-8"?>
+<p:sld xmlns:a="http://schemas.openxmlformats.org/drawingml/2006/main" xmlns:r="http://schemas.openxmlformats.org/officeDocument/2006/relationships" xmlns:p="http://schemas.openxmlformats.org/presentationml/2006/main">
+  <p:cSld>
+    <p:spTree>
+      <p:nvGrpSpPr>
+        <p:cNvPr id="1" name=""/>
+        <p:cNvGrpSpPr/>
+        <p:nvPr/>
+      </p:nvGrpSpPr>
+      <p:grpSpPr>
+        <a:xfrm>
+          <a:off x="0" y="0"/>
+          <a:ext cx="0" cy="0"/>
+          <a:chOff x="0" y="0"/>
+          <a:chExt cx="0" cy="0"/>
+        </a:xfrm>
+      </p:grpSpPr>
+      <p:sp>
+        <p:nvSpPr>
+          <p:cNvPr id="2" name="Rectangle 1">
+            <a:extLst>
+              <a:ext uri="{FF2B5EF4-FFF2-40B4-BE49-F238E27FC236}">
+                <a16:creationId xmlns:a16="http://schemas.microsoft.com/office/drawing/2014/main" id="{FE9939C9-4C1E-7068-BD13-EA22ADBD77C6}"/>
+              </a:ext>
+            </a:extLst>
+          </p:cNvPr>
+          <p:cNvSpPr/>
+          <p:nvPr/>
+        </p:nvSpPr>
+        <p:spPr>
+          <a:xfrm>
+            <a:off x="1168400" y="2006600"/>
+            <a:ext cx="2794000" cy="1498600"/>
+          </a:xfrm>
+          <a:prstGeom prst="rect">
+            <a:avLst/>
+          </a:prstGeom>
+        </p:spPr>
+        <p:style>
+          <a:lnRef idx="2">
+            <a:schemeClr val="accent1">
+              <a:shade val="15000"/>
+            </a:schemeClr>
+          </a:lnRef>
+          <a:fillRef idx="1">
+            <a:schemeClr val="accent1"/>
+          </a:fillRef>
+          <a:effectRef idx="0">
+            <a:schemeClr val="accent1"/>
+          </a:effectRef>
+          <a:fontRef idx="minor">
+            <a:schemeClr val="lt1"/>
+          </a:fontRef>
+        </p:style>
+        <p:txBody>
+          <a:bodyPr rtlCol="0" anchor="ctr"/>
+          <a:lstStyle/>
+          <a:p>
+            <a:pPr algn="ctr"/>
+            <a:r>
+              <a:rPr lang="en-IN" dirty="0"/>
+              <a:t>Form with HTML Elements with Validation Rules</a:t>
+            </a:r>
+          </a:p>
+          <a:p>
+            <a:pPr algn="ctr"/>
+            <a:r>
+              <a:rPr lang="en-IN" sz="1600" b="1" dirty="0"/>
+              <a:t>Validations are Tightly Coupled with HTML Elements</a:t>
+            </a:r>
+          </a:p>
+        </p:txBody>
+      </p:sp>
+      <p:sp>
+        <p:nvSpPr>
+          <p:cNvPr id="3" name="Arrow: Down 2">
+            <a:extLst>
+              <a:ext uri="{FF2B5EF4-FFF2-40B4-BE49-F238E27FC236}">
+                <a16:creationId xmlns:a16="http://schemas.microsoft.com/office/drawing/2014/main" id="{BAA02DAF-E44C-2DB0-651C-04DEAC72711C}"/>
+              </a:ext>
+            </a:extLst>
+          </p:cNvPr>
+          <p:cNvSpPr/>
+          <p:nvPr/>
+        </p:nvSpPr>
+        <p:spPr>
+          <a:xfrm>
+            <a:off x="2294467" y="643467"/>
+            <a:ext cx="482600" cy="1363133"/>
+          </a:xfrm>
+          <a:prstGeom prst="downArrow">
+            <a:avLst/>
+          </a:prstGeom>
+          <a:solidFill>
+            <a:srgbClr val="FF0000"/>
+          </a:solidFill>
+        </p:spPr>
+        <p:style>
+          <a:lnRef idx="2">
+            <a:schemeClr val="accent1">
+              <a:shade val="15000"/>
+            </a:schemeClr>
+          </a:lnRef>
+          <a:fillRef idx="1">
+            <a:schemeClr val="accent1"/>
+          </a:fillRef>
+          <a:effectRef idx="0">
+            <a:schemeClr val="accent1"/>
+          </a:effectRef>
+          <a:fontRef idx="minor">
+            <a:schemeClr val="lt1"/>
+          </a:fontRef>
+        </p:style>
+        <p:txBody>
+          <a:bodyPr rtlCol="0" anchor="ctr"/>
+          <a:lstStyle/>
+          <a:p>
+            <a:pPr algn="ctr"/>
+            <a:endParaRPr lang="en-IN"/>
+          </a:p>
+        </p:txBody>
+      </p:sp>
+      <p:sp>
+        <p:nvSpPr>
+          <p:cNvPr id="4" name="TextBox 3">
+            <a:extLst>
+              <a:ext uri="{FF2B5EF4-FFF2-40B4-BE49-F238E27FC236}">
+                <a16:creationId xmlns:a16="http://schemas.microsoft.com/office/drawing/2014/main" id="{CF62C169-C9FA-DDDA-E0D9-59728B479366}"/>
+              </a:ext>
+            </a:extLst>
+          </p:cNvPr>
+          <p:cNvSpPr txBox="1"/>
+          <p:nvPr/>
+        </p:nvSpPr>
+        <p:spPr>
+          <a:xfrm>
+            <a:off x="1168400" y="67733"/>
+            <a:ext cx="2599267" cy="523220"/>
+          </a:xfrm>
+          <a:prstGeom prst="rect">
+            <a:avLst/>
+          </a:prstGeom>
+          <a:noFill/>
+          <a:ln>
+            <a:solidFill>
+              <a:schemeClr val="accent1"/>
+            </a:solidFill>
+          </a:ln>
+        </p:spPr>
+        <p:txBody>
+          <a:bodyPr wrap="square" rtlCol="0">
+            <a:spAutoFit/>
+          </a:bodyPr>
+          <a:lstStyle/>
+          <a:p>
+            <a:pPr algn="ctr"/>
+            <a:r>
+              <a:rPr lang="en-IN" sz="2800" b="1" dirty="0"/>
+              <a:t>UI Validations</a:t>
+            </a:r>
+          </a:p>
+        </p:txBody>
+      </p:sp>
+      <p:sp>
+        <p:nvSpPr>
+          <p:cNvPr id="5" name="Oval 4">
+            <a:extLst>
+              <a:ext uri="{FF2B5EF4-FFF2-40B4-BE49-F238E27FC236}">
+                <a16:creationId xmlns:a16="http://schemas.microsoft.com/office/drawing/2014/main" id="{A5E5D12B-BC3B-AD86-0BEC-326EDD7B2A63}"/>
+              </a:ext>
+            </a:extLst>
+          </p:cNvPr>
+          <p:cNvSpPr/>
+          <p:nvPr/>
+        </p:nvSpPr>
+        <p:spPr>
+          <a:xfrm>
+            <a:off x="8161867" y="423334"/>
+            <a:ext cx="1498600" cy="1303866"/>
+          </a:xfrm>
+          <a:prstGeom prst="ellipse">
+            <a:avLst/>
+          </a:prstGeom>
+          <a:solidFill>
+            <a:srgbClr val="FFFF00"/>
+          </a:solidFill>
+        </p:spPr>
+        <p:style>
+          <a:lnRef idx="2">
+            <a:schemeClr val="accent1">
+              <a:shade val="15000"/>
+            </a:schemeClr>
+          </a:lnRef>
+          <a:fillRef idx="1">
+            <a:schemeClr val="accent1"/>
+          </a:fillRef>
+          <a:effectRef idx="0">
+            <a:schemeClr val="accent1"/>
+          </a:effectRef>
+          <a:fontRef idx="minor">
+            <a:schemeClr val="lt1"/>
+          </a:fontRef>
+        </p:style>
+        <p:txBody>
+          <a:bodyPr rtlCol="0" anchor="ctr"/>
+          <a:lstStyle/>
+          <a:p>
+            <a:pPr algn="ctr"/>
+            <a:r>
+              <a:rPr lang="en-IN" sz="1400" dirty="0">
+                <a:solidFill>
+                  <a:srgbClr val="FF0000"/>
+                </a:solidFill>
+              </a:rPr>
+              <a:t>Model</a:t>
+            </a:r>
+          </a:p>
+        </p:txBody>
+      </p:sp>
+      <p:sp>
+        <p:nvSpPr>
+          <p:cNvPr id="6" name="Oval 5">
+            <a:extLst>
+              <a:ext uri="{FF2B5EF4-FFF2-40B4-BE49-F238E27FC236}">
+                <a16:creationId xmlns:a16="http://schemas.microsoft.com/office/drawing/2014/main" id="{DF832EC5-32BB-1CEA-222C-EF31BC52E9F5}"/>
+              </a:ext>
+            </a:extLst>
+          </p:cNvPr>
+          <p:cNvSpPr/>
+          <p:nvPr/>
+        </p:nvSpPr>
+        <p:spPr>
+          <a:xfrm>
+            <a:off x="6265334" y="2548466"/>
+            <a:ext cx="1498600" cy="1303866"/>
+          </a:xfrm>
+          <a:prstGeom prst="ellipse">
+            <a:avLst/>
+          </a:prstGeom>
+        </p:spPr>
+        <p:style>
+          <a:lnRef idx="2">
+            <a:schemeClr val="accent1">
+              <a:shade val="15000"/>
+            </a:schemeClr>
+          </a:lnRef>
+          <a:fillRef idx="1">
+            <a:schemeClr val="accent1"/>
+          </a:fillRef>
+          <a:effectRef idx="0">
+            <a:schemeClr val="accent1"/>
+          </a:effectRef>
+          <a:fontRef idx="minor">
+            <a:schemeClr val="lt1"/>
+          </a:fontRef>
+        </p:style>
+        <p:txBody>
+          <a:bodyPr rtlCol="0" anchor="ctr"/>
+          <a:lstStyle/>
+          <a:p>
+            <a:pPr algn="ctr"/>
+            <a:r>
+              <a:rPr lang="en-IN" sz="1400" dirty="0"/>
+              <a:t>View</a:t>
+            </a:r>
+          </a:p>
+        </p:txBody>
+      </p:sp>
+      <p:sp>
+        <p:nvSpPr>
+          <p:cNvPr id="7" name="Oval 6">
+            <a:extLst>
+              <a:ext uri="{FF2B5EF4-FFF2-40B4-BE49-F238E27FC236}">
+                <a16:creationId xmlns:a16="http://schemas.microsoft.com/office/drawing/2014/main" id="{D24E5453-72E1-7033-EB1E-400848ADEF8F}"/>
+              </a:ext>
+            </a:extLst>
+          </p:cNvPr>
+          <p:cNvSpPr/>
+          <p:nvPr/>
+        </p:nvSpPr>
+        <p:spPr>
+          <a:xfrm>
+            <a:off x="10414001" y="2548466"/>
+            <a:ext cx="1498600" cy="1303866"/>
+          </a:xfrm>
+          <a:prstGeom prst="ellipse">
+            <a:avLst/>
+          </a:prstGeom>
+          <a:solidFill>
+            <a:srgbClr val="7030A0"/>
+          </a:solidFill>
+        </p:spPr>
+        <p:style>
+          <a:lnRef idx="2">
+            <a:schemeClr val="accent1">
+              <a:shade val="15000"/>
+            </a:schemeClr>
+          </a:lnRef>
+          <a:fillRef idx="1">
+            <a:schemeClr val="accent1"/>
+          </a:fillRef>
+          <a:effectRef idx="0">
+            <a:schemeClr val="accent1"/>
+          </a:effectRef>
+          <a:fontRef idx="minor">
+            <a:schemeClr val="lt1"/>
+          </a:fontRef>
+        </p:style>
+        <p:txBody>
+          <a:bodyPr rtlCol="0" anchor="ctr"/>
+          <a:lstStyle/>
+          <a:p>
+            <a:pPr algn="ctr"/>
+            <a:r>
+              <a:rPr lang="en-IN" sz="1400" dirty="0"/>
+              <a:t>Controllers</a:t>
+            </a:r>
+          </a:p>
+        </p:txBody>
+      </p:sp>
+      <p:sp>
+        <p:nvSpPr>
+          <p:cNvPr id="8" name="TextBox 7">
+            <a:extLst>
+              <a:ext uri="{FF2B5EF4-FFF2-40B4-BE49-F238E27FC236}">
+                <a16:creationId xmlns:a16="http://schemas.microsoft.com/office/drawing/2014/main" id="{CD8AA264-6FA0-1EBB-7A76-E6911129CFEA}"/>
+              </a:ext>
+            </a:extLst>
+          </p:cNvPr>
+          <p:cNvSpPr txBox="1"/>
+          <p:nvPr/>
+        </p:nvSpPr>
+        <p:spPr>
+          <a:xfrm>
+            <a:off x="9897533" y="329343"/>
+            <a:ext cx="1803400" cy="1477328"/>
+          </a:xfrm>
+          <a:prstGeom prst="rect">
+            <a:avLst/>
+          </a:prstGeom>
+          <a:noFill/>
+          <a:ln>
+            <a:solidFill>
+              <a:schemeClr val="accent1"/>
+            </a:solidFill>
+          </a:ln>
+        </p:spPr>
+        <p:txBody>
+          <a:bodyPr wrap="square" rtlCol="0">
+            <a:spAutoFit/>
+          </a:bodyPr>
+          <a:lstStyle/>
+          <a:p>
+            <a:r>
+              <a:rPr lang="en-IN" b="1" dirty="0"/>
+              <a:t>Domain Logic &amp; Model Classes used for Exposing to View</a:t>
+            </a:r>
+          </a:p>
+        </p:txBody>
+      </p:sp>
+      <p:sp>
+        <p:nvSpPr>
+          <p:cNvPr id="9" name="TextBox 8">
+            <a:extLst>
+              <a:ext uri="{FF2B5EF4-FFF2-40B4-BE49-F238E27FC236}">
+                <a16:creationId xmlns:a16="http://schemas.microsoft.com/office/drawing/2014/main" id="{C73373E4-8163-933F-F387-65DE864D3F34}"/>
+              </a:ext>
+            </a:extLst>
+          </p:cNvPr>
+          <p:cNvSpPr txBox="1"/>
+          <p:nvPr/>
+        </p:nvSpPr>
+        <p:spPr>
+          <a:xfrm>
+            <a:off x="10193867" y="4123267"/>
+            <a:ext cx="1625600" cy="369332"/>
+          </a:xfrm>
+          <a:prstGeom prst="rect">
+            <a:avLst/>
+          </a:prstGeom>
+          <a:noFill/>
+          <a:ln>
+            <a:solidFill>
+              <a:schemeClr val="accent1"/>
+            </a:solidFill>
+          </a:ln>
+        </p:spPr>
+        <p:txBody>
+          <a:bodyPr wrap="square" rtlCol="0">
+            <a:spAutoFit/>
+          </a:bodyPr>
+          <a:lstStyle/>
+          <a:p>
+            <a:pPr algn="ctr"/>
+            <a:r>
+              <a:rPr lang="en-IN" b="1" dirty="0"/>
+              <a:t>Action Logic</a:t>
+            </a:r>
+          </a:p>
+        </p:txBody>
+      </p:sp>
+      <p:sp>
+        <p:nvSpPr>
+          <p:cNvPr id="10" name="TextBox 9">
+            <a:extLst>
+              <a:ext uri="{FF2B5EF4-FFF2-40B4-BE49-F238E27FC236}">
+                <a16:creationId xmlns:a16="http://schemas.microsoft.com/office/drawing/2014/main" id="{62E534A0-E355-9E80-F934-0296A04D45D7}"/>
+              </a:ext>
+            </a:extLst>
+          </p:cNvPr>
+          <p:cNvSpPr txBox="1"/>
+          <p:nvPr/>
+        </p:nvSpPr>
+        <p:spPr>
+          <a:xfrm>
+            <a:off x="6256868" y="4123267"/>
+            <a:ext cx="1625600" cy="369332"/>
+          </a:xfrm>
+          <a:prstGeom prst="rect">
+            <a:avLst/>
+          </a:prstGeom>
+          <a:noFill/>
+          <a:ln>
+            <a:solidFill>
+              <a:schemeClr val="accent1"/>
+            </a:solidFill>
+          </a:ln>
+        </p:spPr>
+        <p:txBody>
+          <a:bodyPr wrap="square" rtlCol="0">
+            <a:spAutoFit/>
+          </a:bodyPr>
+          <a:lstStyle/>
+          <a:p>
+            <a:pPr algn="ctr"/>
+            <a:r>
+              <a:rPr lang="en-IN" b="1" dirty="0"/>
+              <a:t>UI Facilitator</a:t>
+            </a:r>
+          </a:p>
+        </p:txBody>
+      </p:sp>
+      <p:sp>
+        <p:nvSpPr>
+          <p:cNvPr id="11" name="Rectangle 10">
+            <a:extLst>
+              <a:ext uri="{FF2B5EF4-FFF2-40B4-BE49-F238E27FC236}">
+                <a16:creationId xmlns:a16="http://schemas.microsoft.com/office/drawing/2014/main" id="{D98C936F-7767-168E-863C-467DC1ACA76B}"/>
+              </a:ext>
+            </a:extLst>
+          </p:cNvPr>
+          <p:cNvSpPr/>
+          <p:nvPr/>
+        </p:nvSpPr>
+        <p:spPr>
+          <a:xfrm>
+            <a:off x="8161867" y="5291667"/>
+            <a:ext cx="1735666" cy="524933"/>
+          </a:xfrm>
+          <a:prstGeom prst="rect">
+            <a:avLst/>
+          </a:prstGeom>
+        </p:spPr>
+        <p:style>
+          <a:lnRef idx="2">
+            <a:schemeClr val="accent1">
+              <a:shade val="15000"/>
+            </a:schemeClr>
+          </a:lnRef>
+          <a:fillRef idx="1">
+            <a:schemeClr val="accent1"/>
+          </a:fillRef>
+          <a:effectRef idx="0">
+            <a:schemeClr val="accent1"/>
+          </a:effectRef>
+          <a:fontRef idx="minor">
+            <a:schemeClr val="lt1"/>
+          </a:fontRef>
+        </p:style>
+        <p:txBody>
+          <a:bodyPr rtlCol="0" anchor="ctr"/>
+          <a:lstStyle/>
+          <a:p>
+            <a:pPr algn="ctr"/>
+            <a:r>
+              <a:rPr lang="en-IN" b="1" dirty="0"/>
+              <a:t>End-User</a:t>
+            </a:r>
+          </a:p>
+        </p:txBody>
+      </p:sp>
+      <p:cxnSp>
+        <p:nvCxnSpPr>
+          <p:cNvPr id="13" name="Connector: Elbow 12">
+            <a:extLst>
+              <a:ext uri="{FF2B5EF4-FFF2-40B4-BE49-F238E27FC236}">
+                <a16:creationId xmlns:a16="http://schemas.microsoft.com/office/drawing/2014/main" id="{4F86420F-3FF0-F17F-CDD2-0EF6201EF32B}"/>
+              </a:ext>
+            </a:extLst>
+          </p:cNvPr>
+          <p:cNvCxnSpPr>
+            <a:stCxn id="11" idx="0"/>
+            <a:endCxn id="7" idx="4"/>
+          </p:cNvCxnSpPr>
+          <p:nvPr/>
+        </p:nvCxnSpPr>
+        <p:spPr>
+          <a:xfrm rot="5400000" flipH="1" flipV="1">
+            <a:off x="9376833" y="3505200"/>
+            <a:ext cx="1439335" cy="2133601"/>
+          </a:xfrm>
+          <a:prstGeom prst="bentConnector3">
+            <a:avLst/>
+          </a:prstGeom>
+          <a:ln>
+            <a:tailEnd type="triangle"/>
+          </a:ln>
+        </p:spPr>
+        <p:style>
+          <a:lnRef idx="2">
+            <a:schemeClr val="accent1"/>
+          </a:lnRef>
+          <a:fillRef idx="0">
+            <a:schemeClr val="accent1"/>
+          </a:fillRef>
+          <a:effectRef idx="1">
+            <a:schemeClr val="accent1"/>
+          </a:effectRef>
+          <a:fontRef idx="minor">
+            <a:schemeClr val="tx1"/>
+          </a:fontRef>
+        </p:style>
+      </p:cxnSp>
+      <p:sp>
+        <p:nvSpPr>
+          <p:cNvPr id="14" name="TextBox 13">
+            <a:extLst>
+              <a:ext uri="{FF2B5EF4-FFF2-40B4-BE49-F238E27FC236}">
+                <a16:creationId xmlns:a16="http://schemas.microsoft.com/office/drawing/2014/main" id="{E9F51F13-A54C-D45A-B4BE-215489D49997}"/>
+              </a:ext>
+            </a:extLst>
+          </p:cNvPr>
+          <p:cNvSpPr txBox="1"/>
+          <p:nvPr/>
+        </p:nvSpPr>
+        <p:spPr>
+          <a:xfrm>
+            <a:off x="9973733" y="5198533"/>
+            <a:ext cx="1845734" cy="1200329"/>
+          </a:xfrm>
+          <a:prstGeom prst="rect">
+            <a:avLst/>
+          </a:prstGeom>
+          <a:noFill/>
+          <a:ln>
+            <a:solidFill>
+              <a:schemeClr val="accent1"/>
+            </a:solidFill>
+          </a:ln>
+        </p:spPr>
+        <p:txBody>
+          <a:bodyPr wrap="square" rtlCol="0">
+            <a:spAutoFit/>
+          </a:bodyPr>
+          <a:lstStyle/>
+          <a:p>
+            <a:r>
+              <a:rPr lang="en-IN" dirty="0"/>
+              <a:t>1. End-User Needs List of Values in List View</a:t>
+            </a:r>
+          </a:p>
+        </p:txBody>
+      </p:sp>
+      <p:cxnSp>
+        <p:nvCxnSpPr>
+          <p:cNvPr id="16" name="Connector: Elbow 15">
+            <a:extLst>
+              <a:ext uri="{FF2B5EF4-FFF2-40B4-BE49-F238E27FC236}">
+                <a16:creationId xmlns:a16="http://schemas.microsoft.com/office/drawing/2014/main" id="{C85CAB9C-CBAD-44A9-8D5B-4B1CC140C106}"/>
+              </a:ext>
+            </a:extLst>
+          </p:cNvPr>
+          <p:cNvCxnSpPr>
+            <a:stCxn id="7" idx="1"/>
+            <a:endCxn id="5" idx="4"/>
+          </p:cNvCxnSpPr>
+          <p:nvPr/>
+        </p:nvCxnSpPr>
+        <p:spPr>
+          <a:xfrm rot="16200000" flipV="1">
+            <a:off x="9266211" y="1372157"/>
+            <a:ext cx="1012213" cy="1722299"/>
+          </a:xfrm>
+          <a:prstGeom prst="bentConnector3">
+            <a:avLst/>
+          </a:prstGeom>
+          <a:ln>
+            <a:tailEnd type="triangle"/>
+          </a:ln>
+        </p:spPr>
+        <p:style>
+          <a:lnRef idx="2">
+            <a:schemeClr val="accent1"/>
+          </a:lnRef>
+          <a:fillRef idx="0">
+            <a:schemeClr val="accent1"/>
+          </a:fillRef>
+          <a:effectRef idx="1">
+            <a:schemeClr val="accent1"/>
+          </a:effectRef>
+          <a:fontRef idx="minor">
+            <a:schemeClr val="tx1"/>
+          </a:fontRef>
+        </p:style>
+      </p:cxnSp>
+      <p:sp>
+        <p:nvSpPr>
+          <p:cNvPr id="17" name="TextBox 16">
+            <a:extLst>
+              <a:ext uri="{FF2B5EF4-FFF2-40B4-BE49-F238E27FC236}">
+                <a16:creationId xmlns:a16="http://schemas.microsoft.com/office/drawing/2014/main" id="{375C57CE-23A4-5329-FE4B-70522F286DED}"/>
+              </a:ext>
+            </a:extLst>
+          </p:cNvPr>
+          <p:cNvSpPr txBox="1"/>
+          <p:nvPr/>
+        </p:nvSpPr>
+        <p:spPr>
+          <a:xfrm>
+            <a:off x="9355667" y="1902134"/>
+            <a:ext cx="1964266" cy="646331"/>
+          </a:xfrm>
+          <a:prstGeom prst="rect">
+            <a:avLst/>
+          </a:prstGeom>
+          <a:noFill/>
+          <a:ln>
+            <a:solidFill>
+              <a:schemeClr val="accent1"/>
+            </a:solidFill>
+          </a:ln>
+        </p:spPr>
+        <p:txBody>
+          <a:bodyPr wrap="square" rtlCol="0">
+            <a:spAutoFit/>
+          </a:bodyPr>
+          <a:lstStyle/>
+          <a:p>
+            <a:r>
+              <a:rPr lang="en-IN" dirty="0"/>
+              <a:t>2. </a:t>
+            </a:r>
+            <a:r>
+              <a:rPr lang="en-IN" b="1" dirty="0"/>
+              <a:t>Demand data to Model</a:t>
+            </a:r>
+            <a:endParaRPr lang="en-IN" dirty="0"/>
+          </a:p>
+        </p:txBody>
+      </p:sp>
+      <p:cxnSp>
+        <p:nvCxnSpPr>
+          <p:cNvPr id="19" name="Connector: Elbow 18">
+            <a:extLst>
+              <a:ext uri="{FF2B5EF4-FFF2-40B4-BE49-F238E27FC236}">
+                <a16:creationId xmlns:a16="http://schemas.microsoft.com/office/drawing/2014/main" id="{772E4B88-107C-95C4-5056-D31E7899F5BD}"/>
+              </a:ext>
+            </a:extLst>
+          </p:cNvPr>
+          <p:cNvCxnSpPr>
+            <a:cxnSpLocks/>
+            <a:stCxn id="5" idx="3"/>
+            <a:endCxn id="7" idx="2"/>
+          </p:cNvCxnSpPr>
+          <p:nvPr/>
+        </p:nvCxnSpPr>
+        <p:spPr>
+          <a:xfrm rot="16200000" flipH="1">
+            <a:off x="8565593" y="1351991"/>
+            <a:ext cx="1664146" cy="2032669"/>
+          </a:xfrm>
+          <a:prstGeom prst="bentConnector2">
+            <a:avLst/>
+          </a:prstGeom>
+          <a:ln>
+            <a:tailEnd type="triangle"/>
+          </a:ln>
+        </p:spPr>
+        <p:style>
+          <a:lnRef idx="2">
+            <a:schemeClr val="accent1"/>
+          </a:lnRef>
+          <a:fillRef idx="0">
+            <a:schemeClr val="accent1"/>
+          </a:fillRef>
+          <a:effectRef idx="1">
+            <a:schemeClr val="accent1"/>
+          </a:effectRef>
+          <a:fontRef idx="minor">
+            <a:schemeClr val="tx1"/>
+          </a:fontRef>
+        </p:style>
+      </p:cxnSp>
+      <p:sp>
+        <p:nvSpPr>
+          <p:cNvPr id="21" name="TextBox 20">
+            <a:extLst>
+              <a:ext uri="{FF2B5EF4-FFF2-40B4-BE49-F238E27FC236}">
+                <a16:creationId xmlns:a16="http://schemas.microsoft.com/office/drawing/2014/main" id="{17EADE06-606C-1233-FF33-87F75E2F65BA}"/>
+              </a:ext>
+            </a:extLst>
+          </p:cNvPr>
+          <p:cNvSpPr txBox="1"/>
+          <p:nvPr/>
+        </p:nvSpPr>
+        <p:spPr>
+          <a:xfrm>
+            <a:off x="8388016" y="2667293"/>
+            <a:ext cx="1708485" cy="646331"/>
+          </a:xfrm>
+          <a:prstGeom prst="rect">
+            <a:avLst/>
+          </a:prstGeom>
+          <a:noFill/>
+          <a:ln>
+            <a:solidFill>
+              <a:schemeClr val="accent1"/>
+            </a:solidFill>
+          </a:ln>
+        </p:spPr>
+        <p:txBody>
+          <a:bodyPr wrap="square" rtlCol="0">
+            <a:spAutoFit/>
+          </a:bodyPr>
+          <a:lstStyle/>
+          <a:p>
+            <a:r>
+              <a:rPr lang="en-IN" dirty="0"/>
+              <a:t>3. </a:t>
+            </a:r>
+            <a:r>
+              <a:rPr lang="en-IN" b="1" dirty="0"/>
+              <a:t>Pass Data To Controller</a:t>
+            </a:r>
+            <a:endParaRPr lang="en-IN" dirty="0"/>
+          </a:p>
+        </p:txBody>
+      </p:sp>
+      <p:cxnSp>
+        <p:nvCxnSpPr>
+          <p:cNvPr id="23" name="Connector: Elbow 22">
+            <a:extLst>
+              <a:ext uri="{FF2B5EF4-FFF2-40B4-BE49-F238E27FC236}">
+                <a16:creationId xmlns:a16="http://schemas.microsoft.com/office/drawing/2014/main" id="{6C1273C9-8F23-4CA0-B6B1-0F32409CE178}"/>
+              </a:ext>
+            </a:extLst>
+          </p:cNvPr>
+          <p:cNvCxnSpPr>
+            <a:stCxn id="7" idx="3"/>
+            <a:endCxn id="6" idx="5"/>
+          </p:cNvCxnSpPr>
+          <p:nvPr/>
+        </p:nvCxnSpPr>
+        <p:spPr>
+          <a:xfrm rot="5400000">
+            <a:off x="9088968" y="2116887"/>
+            <a:ext cx="12700" cy="3088997"/>
+          </a:xfrm>
+          <a:prstGeom prst="bentConnector3">
+            <a:avLst>
+              <a:gd name="adj1" fmla="val 3303520"/>
+            </a:avLst>
+          </a:prstGeom>
+          <a:ln>
+            <a:tailEnd type="triangle"/>
+          </a:ln>
+        </p:spPr>
+        <p:style>
+          <a:lnRef idx="2">
+            <a:schemeClr val="accent1"/>
+          </a:lnRef>
+          <a:fillRef idx="0">
+            <a:schemeClr val="accent1"/>
+          </a:fillRef>
+          <a:effectRef idx="1">
+            <a:schemeClr val="accent1"/>
+          </a:effectRef>
+          <a:fontRef idx="minor">
+            <a:schemeClr val="tx1"/>
+          </a:fontRef>
+        </p:style>
+      </p:cxnSp>
+      <p:sp>
+        <p:nvSpPr>
+          <p:cNvPr id="24" name="TextBox 23">
+            <a:extLst>
+              <a:ext uri="{FF2B5EF4-FFF2-40B4-BE49-F238E27FC236}">
+                <a16:creationId xmlns:a16="http://schemas.microsoft.com/office/drawing/2014/main" id="{8F805328-6ECD-A9E5-2024-3CAAD657BEFF}"/>
+              </a:ext>
+            </a:extLst>
+          </p:cNvPr>
+          <p:cNvSpPr txBox="1"/>
+          <p:nvPr/>
+        </p:nvSpPr>
+        <p:spPr>
+          <a:xfrm>
+            <a:off x="8063832" y="3498220"/>
+            <a:ext cx="1708485" cy="646331"/>
+          </a:xfrm>
+          <a:prstGeom prst="rect">
+            <a:avLst/>
+          </a:prstGeom>
+          <a:noFill/>
+          <a:ln>
+            <a:solidFill>
+              <a:schemeClr val="accent1"/>
+            </a:solidFill>
+          </a:ln>
+        </p:spPr>
+        <p:txBody>
+          <a:bodyPr wrap="square" rtlCol="0">
+            <a:spAutoFit/>
+          </a:bodyPr>
+          <a:lstStyle/>
+          <a:p>
+            <a:r>
+              <a:rPr lang="en-IN" b="1" dirty="0"/>
+              <a:t>4. Pass Data to View</a:t>
+            </a:r>
+          </a:p>
+        </p:txBody>
+      </p:sp>
+      <p:cxnSp>
+        <p:nvCxnSpPr>
+          <p:cNvPr id="26" name="Connector: Elbow 25">
+            <a:extLst>
+              <a:ext uri="{FF2B5EF4-FFF2-40B4-BE49-F238E27FC236}">
+                <a16:creationId xmlns:a16="http://schemas.microsoft.com/office/drawing/2014/main" id="{6CEC8D71-E99D-3D0E-FA17-8FE23DB67FB1}"/>
+              </a:ext>
+            </a:extLst>
+          </p:cNvPr>
+          <p:cNvCxnSpPr>
+            <a:stCxn id="5" idx="2"/>
+            <a:endCxn id="6" idx="0"/>
+          </p:cNvCxnSpPr>
+          <p:nvPr/>
+        </p:nvCxnSpPr>
+        <p:spPr>
+          <a:xfrm rot="10800000" flipV="1">
+            <a:off x="7014635" y="1075266"/>
+            <a:ext cx="1147233" cy="1473199"/>
+          </a:xfrm>
+          <a:prstGeom prst="bentConnector2">
+            <a:avLst/>
+          </a:prstGeom>
+          <a:ln>
+            <a:tailEnd type="triangle"/>
+          </a:ln>
+        </p:spPr>
+        <p:style>
+          <a:lnRef idx="2">
+            <a:schemeClr val="accent1"/>
+          </a:lnRef>
+          <a:fillRef idx="0">
+            <a:schemeClr val="accent1"/>
+          </a:fillRef>
+          <a:effectRef idx="1">
+            <a:schemeClr val="accent1"/>
+          </a:effectRef>
+          <a:fontRef idx="minor">
+            <a:schemeClr val="tx1"/>
+          </a:fontRef>
+        </p:style>
+      </p:cxnSp>
+      <p:sp>
+        <p:nvSpPr>
+          <p:cNvPr id="27" name="TextBox 26">
+            <a:extLst>
+              <a:ext uri="{FF2B5EF4-FFF2-40B4-BE49-F238E27FC236}">
+                <a16:creationId xmlns:a16="http://schemas.microsoft.com/office/drawing/2014/main" id="{19BC7E50-B571-1DFA-44E4-4445450898A5}"/>
+              </a:ext>
+            </a:extLst>
+          </p:cNvPr>
+          <p:cNvSpPr txBox="1"/>
+          <p:nvPr/>
+        </p:nvSpPr>
+        <p:spPr>
+          <a:xfrm>
+            <a:off x="5448300" y="1262541"/>
+            <a:ext cx="2491317" cy="1200329"/>
+          </a:xfrm>
+          <a:prstGeom prst="rect">
+            <a:avLst/>
+          </a:prstGeom>
+          <a:noFill/>
+          <a:ln>
+            <a:solidFill>
+              <a:schemeClr val="accent1"/>
+            </a:solidFill>
+          </a:ln>
+        </p:spPr>
+        <p:txBody>
+          <a:bodyPr wrap="square" rtlCol="0">
+            <a:spAutoFit/>
+          </a:bodyPr>
+          <a:lstStyle/>
+          <a:p>
+            <a:r>
+              <a:rPr lang="en-IN" b="1" dirty="0"/>
+              <a:t>5. Schema of the Data to be shown on View is Received from the Model</a:t>
+            </a:r>
+          </a:p>
+        </p:txBody>
+      </p:sp>
+      <p:cxnSp>
+        <p:nvCxnSpPr>
+          <p:cNvPr id="29" name="Connector: Elbow 28">
+            <a:extLst>
+              <a:ext uri="{FF2B5EF4-FFF2-40B4-BE49-F238E27FC236}">
+                <a16:creationId xmlns:a16="http://schemas.microsoft.com/office/drawing/2014/main" id="{C48492E3-E1F1-E55C-38A1-0184BC1EFD59}"/>
+              </a:ext>
+            </a:extLst>
+          </p:cNvPr>
+          <p:cNvCxnSpPr>
+            <a:stCxn id="6" idx="3"/>
+            <a:endCxn id="11" idx="0"/>
+          </p:cNvCxnSpPr>
+          <p:nvPr/>
+        </p:nvCxnSpPr>
+        <p:spPr>
+          <a:xfrm rot="16200000" flipH="1">
+            <a:off x="6942108" y="3204075"/>
+            <a:ext cx="1630282" cy="2544901"/>
+          </a:xfrm>
+          <a:prstGeom prst="bentConnector3">
+            <a:avLst>
+              <a:gd name="adj1" fmla="val 73370"/>
+            </a:avLst>
+          </a:prstGeom>
+          <a:ln>
+            <a:tailEnd type="triangle"/>
+          </a:ln>
+        </p:spPr>
+        <p:style>
+          <a:lnRef idx="2">
+            <a:schemeClr val="accent1"/>
+          </a:lnRef>
+          <a:fillRef idx="0">
+            <a:schemeClr val="accent1"/>
+          </a:fillRef>
+          <a:effectRef idx="1">
+            <a:schemeClr val="accent1"/>
+          </a:effectRef>
+          <a:fontRef idx="minor">
+            <a:schemeClr val="tx1"/>
+          </a:fontRef>
+        </p:style>
+      </p:cxnSp>
+      <p:sp>
+        <p:nvSpPr>
+          <p:cNvPr id="31" name="Oval 30">
+            <a:extLst>
+              <a:ext uri="{FF2B5EF4-FFF2-40B4-BE49-F238E27FC236}">
+                <a16:creationId xmlns:a16="http://schemas.microsoft.com/office/drawing/2014/main" id="{B2B26170-3E9B-EAB4-2AA4-661F2AEF17D6}"/>
+              </a:ext>
+            </a:extLst>
+          </p:cNvPr>
+          <p:cNvSpPr/>
+          <p:nvPr/>
+        </p:nvSpPr>
+        <p:spPr>
+          <a:xfrm>
+            <a:off x="2365989" y="3821385"/>
+            <a:ext cx="1498600" cy="1303866"/>
+          </a:xfrm>
+          <a:prstGeom prst="ellipse">
+            <a:avLst/>
+          </a:prstGeom>
+          <a:solidFill>
+            <a:srgbClr val="FFFF00"/>
+          </a:solidFill>
+        </p:spPr>
+        <p:style>
+          <a:lnRef idx="2">
+            <a:schemeClr val="accent1">
+              <a:shade val="15000"/>
+            </a:schemeClr>
+          </a:lnRef>
+          <a:fillRef idx="1">
+            <a:schemeClr val="accent1"/>
+          </a:fillRef>
+          <a:effectRef idx="0">
+            <a:schemeClr val="accent1"/>
+          </a:effectRef>
+          <a:fontRef idx="minor">
+            <a:schemeClr val="lt1"/>
+          </a:fontRef>
+        </p:style>
+        <p:txBody>
+          <a:bodyPr rtlCol="0" anchor="ctr"/>
+          <a:lstStyle/>
+          <a:p>
+            <a:pPr algn="ctr"/>
+            <a:r>
+              <a:rPr lang="en-IN" sz="1400" dirty="0">
+                <a:solidFill>
+                  <a:srgbClr val="FF0000"/>
+                </a:solidFill>
+              </a:rPr>
+              <a:t>Model</a:t>
+            </a:r>
+          </a:p>
+        </p:txBody>
+      </p:sp>
+      <p:sp>
+        <p:nvSpPr>
+          <p:cNvPr id="32" name="Oval 31">
+            <a:extLst>
+              <a:ext uri="{FF2B5EF4-FFF2-40B4-BE49-F238E27FC236}">
+                <a16:creationId xmlns:a16="http://schemas.microsoft.com/office/drawing/2014/main" id="{69851283-FAB7-A7A9-B17B-24EF6FBCDEE6}"/>
+              </a:ext>
+            </a:extLst>
+          </p:cNvPr>
+          <p:cNvSpPr/>
+          <p:nvPr/>
+        </p:nvSpPr>
+        <p:spPr>
+          <a:xfrm>
+            <a:off x="346132" y="4920847"/>
+            <a:ext cx="1498600" cy="1303866"/>
+          </a:xfrm>
+          <a:prstGeom prst="ellipse">
+            <a:avLst/>
+          </a:prstGeom>
+        </p:spPr>
+        <p:style>
+          <a:lnRef idx="2">
+            <a:schemeClr val="accent1">
+              <a:shade val="15000"/>
+            </a:schemeClr>
+          </a:lnRef>
+          <a:fillRef idx="1">
+            <a:schemeClr val="accent1"/>
+          </a:fillRef>
+          <a:effectRef idx="0">
+            <a:schemeClr val="accent1"/>
+          </a:effectRef>
+          <a:fontRef idx="minor">
+            <a:schemeClr val="lt1"/>
+          </a:fontRef>
+        </p:style>
+        <p:txBody>
+          <a:bodyPr rtlCol="0" anchor="ctr"/>
+          <a:lstStyle/>
+          <a:p>
+            <a:pPr algn="ctr"/>
+            <a:r>
+              <a:rPr lang="en-IN" sz="1400" dirty="0"/>
+              <a:t>View</a:t>
+            </a:r>
+          </a:p>
+        </p:txBody>
+      </p:sp>
+      <p:sp>
+        <p:nvSpPr>
+          <p:cNvPr id="33" name="Oval 32">
+            <a:extLst>
+              <a:ext uri="{FF2B5EF4-FFF2-40B4-BE49-F238E27FC236}">
+                <a16:creationId xmlns:a16="http://schemas.microsoft.com/office/drawing/2014/main" id="{A78D2E20-2C4D-9DE9-07B9-3F62DE9BDACA}"/>
+              </a:ext>
+            </a:extLst>
+          </p:cNvPr>
+          <p:cNvSpPr/>
+          <p:nvPr/>
+        </p:nvSpPr>
+        <p:spPr>
+          <a:xfrm>
+            <a:off x="4208603" y="5146764"/>
+            <a:ext cx="1498600" cy="1303866"/>
+          </a:xfrm>
+          <a:prstGeom prst="ellipse">
+            <a:avLst/>
+          </a:prstGeom>
+          <a:solidFill>
+            <a:srgbClr val="7030A0"/>
+          </a:solidFill>
+        </p:spPr>
+        <p:style>
+          <a:lnRef idx="2">
+            <a:schemeClr val="accent1">
+              <a:shade val="15000"/>
+            </a:schemeClr>
+          </a:lnRef>
+          <a:fillRef idx="1">
+            <a:schemeClr val="accent1"/>
+          </a:fillRef>
+          <a:effectRef idx="0">
+            <a:schemeClr val="accent1"/>
+          </a:effectRef>
+          <a:fontRef idx="minor">
+            <a:schemeClr val="lt1"/>
+          </a:fontRef>
+        </p:style>
+        <p:txBody>
+          <a:bodyPr rtlCol="0" anchor="ctr"/>
+          <a:lstStyle/>
+          <a:p>
+            <a:pPr algn="ctr"/>
+            <a:r>
+              <a:rPr lang="en-IN" sz="1400" dirty="0"/>
+              <a:t>Controllers</a:t>
+            </a:r>
+          </a:p>
+        </p:txBody>
+      </p:sp>
+      <p:cxnSp>
+        <p:nvCxnSpPr>
+          <p:cNvPr id="35" name="Connector: Elbow 34">
+            <a:extLst>
+              <a:ext uri="{FF2B5EF4-FFF2-40B4-BE49-F238E27FC236}">
+                <a16:creationId xmlns:a16="http://schemas.microsoft.com/office/drawing/2014/main" id="{BC71D409-4CE6-5572-4DB6-2DBED0818151}"/>
+              </a:ext>
+            </a:extLst>
+          </p:cNvPr>
+          <p:cNvCxnSpPr>
+            <a:stCxn id="32" idx="0"/>
+            <a:endCxn id="31" idx="2"/>
+          </p:cNvCxnSpPr>
+          <p:nvPr/>
+        </p:nvCxnSpPr>
+        <p:spPr>
+          <a:xfrm rot="5400000" flipH="1" flipV="1">
+            <a:off x="1506946" y="4061805"/>
+            <a:ext cx="447529" cy="1270557"/>
+          </a:xfrm>
+          <a:prstGeom prst="bentConnector2">
+            <a:avLst/>
+          </a:prstGeom>
+          <a:ln>
+            <a:tailEnd type="triangle"/>
+          </a:ln>
+        </p:spPr>
+        <p:style>
+          <a:lnRef idx="2">
+            <a:schemeClr val="accent1"/>
+          </a:lnRef>
+          <a:fillRef idx="0">
+            <a:schemeClr val="accent1"/>
+          </a:fillRef>
+          <a:effectRef idx="1">
+            <a:schemeClr val="accent1"/>
+          </a:effectRef>
+          <a:fontRef idx="minor">
+            <a:schemeClr val="tx1"/>
+          </a:fontRef>
+        </p:style>
+      </p:cxnSp>
+      <p:cxnSp>
+        <p:nvCxnSpPr>
+          <p:cNvPr id="37" name="Connector: Elbow 36">
+            <a:extLst>
+              <a:ext uri="{FF2B5EF4-FFF2-40B4-BE49-F238E27FC236}">
+                <a16:creationId xmlns:a16="http://schemas.microsoft.com/office/drawing/2014/main" id="{B3225EC5-E61D-9890-C275-38C2CF7650BE}"/>
+              </a:ext>
+            </a:extLst>
+          </p:cNvPr>
+          <p:cNvCxnSpPr>
+            <a:stCxn id="33" idx="0"/>
+            <a:endCxn id="31" idx="6"/>
+          </p:cNvCxnSpPr>
+          <p:nvPr/>
+        </p:nvCxnSpPr>
+        <p:spPr>
+          <a:xfrm rot="16200000" flipV="1">
+            <a:off x="4074523" y="4263384"/>
+            <a:ext cx="673446" cy="1093314"/>
+          </a:xfrm>
+          <a:prstGeom prst="bentConnector2">
+            <a:avLst/>
+          </a:prstGeom>
+          <a:ln>
+            <a:tailEnd type="triangle"/>
+          </a:ln>
+        </p:spPr>
+        <p:style>
+          <a:lnRef idx="2">
+            <a:schemeClr val="accent1"/>
+          </a:lnRef>
+          <a:fillRef idx="0">
+            <a:schemeClr val="accent1"/>
+          </a:fillRef>
+          <a:effectRef idx="1">
+            <a:schemeClr val="accent1"/>
+          </a:effectRef>
+          <a:fontRef idx="minor">
+            <a:schemeClr val="tx1"/>
+          </a:fontRef>
+        </p:style>
+      </p:cxnSp>
+      <p:cxnSp>
+        <p:nvCxnSpPr>
+          <p:cNvPr id="39" name="Connector: Elbow 38">
+            <a:extLst>
+              <a:ext uri="{FF2B5EF4-FFF2-40B4-BE49-F238E27FC236}">
+                <a16:creationId xmlns:a16="http://schemas.microsoft.com/office/drawing/2014/main" id="{BB10AEA3-102C-03F0-9732-B9A372E3E0F8}"/>
+              </a:ext>
+            </a:extLst>
+          </p:cNvPr>
+          <p:cNvCxnSpPr>
+            <a:stCxn id="33" idx="2"/>
+            <a:endCxn id="32" idx="6"/>
+          </p:cNvCxnSpPr>
+          <p:nvPr/>
+        </p:nvCxnSpPr>
+        <p:spPr>
+          <a:xfrm rot="10800000">
+            <a:off x="1844733" y="5572781"/>
+            <a:ext cx="2363871" cy="225917"/>
+          </a:xfrm>
+          <a:prstGeom prst="bentConnector3">
+            <a:avLst/>
+          </a:prstGeom>
+          <a:ln>
+            <a:tailEnd type="triangle"/>
+          </a:ln>
+        </p:spPr>
+        <p:style>
+          <a:lnRef idx="2">
+            <a:schemeClr val="accent1"/>
+          </a:lnRef>
+          <a:fillRef idx="0">
+            <a:schemeClr val="accent1"/>
+          </a:fillRef>
+          <a:effectRef idx="1">
+            <a:schemeClr val="accent1"/>
+          </a:effectRef>
+          <a:fontRef idx="minor">
+            <a:schemeClr val="tx1"/>
+          </a:fontRef>
+        </p:style>
+      </p:cxnSp>
+    </p:spTree>
+    <p:extLst>
+      <p:ext uri="{BB962C8B-B14F-4D97-AF65-F5344CB8AC3E}">
+        <p14:creationId xmlns:p14="http://schemas.microsoft.com/office/powerpoint/2010/main" val="1679089131"/>
+      </p:ext>
+    </p:extLst>
+  </p:cSld>
+  <p:clrMapOvr>
+    <a:masterClrMapping/>
+  </p:clrMapOvr>
+</p:sld>
+</file>
+
+<file path=ppt/slides/slide9.xml><?xml version="1.0" encoding="utf-8"?>
+<p:sld xmlns:a="http://schemas.openxmlformats.org/drawingml/2006/main" xmlns:r="http://schemas.openxmlformats.org/officeDocument/2006/relationships" xmlns:p="http://schemas.openxmlformats.org/presentationml/2006/main">
+  <p:cSld>
+    <p:spTree>
+      <p:nvGrpSpPr>
+        <p:cNvPr id="1" name=""/>
+        <p:cNvGrpSpPr/>
+        <p:nvPr/>
+      </p:nvGrpSpPr>
+      <p:grpSpPr>
+        <a:xfrm>
+          <a:off x="0" y="0"/>
+          <a:ext cx="0" cy="0"/>
+          <a:chOff x="0" y="0"/>
+          <a:chExt cx="0" cy="0"/>
+        </a:xfrm>
+      </p:grpSpPr>
+      <p:sp>
+        <p:nvSpPr>
+          <p:cNvPr id="2" name="Rectangle 1">
+            <a:extLst>
+              <a:ext uri="{FF2B5EF4-FFF2-40B4-BE49-F238E27FC236}">
+                <a16:creationId xmlns:a16="http://schemas.microsoft.com/office/drawing/2014/main" id="{DBC524C0-99AF-E867-7DBB-A04EC1C15129}"/>
+              </a:ext>
+            </a:extLst>
+          </p:cNvPr>
+          <p:cNvSpPr/>
+          <p:nvPr/>
+        </p:nvSpPr>
+        <p:spPr>
+          <a:xfrm>
+            <a:off x="313267" y="304800"/>
+            <a:ext cx="2065866" cy="668867"/>
+          </a:xfrm>
+          <a:prstGeom prst="rect">
+            <a:avLst/>
+          </a:prstGeom>
+        </p:spPr>
+        <p:style>
+          <a:lnRef idx="2">
+            <a:schemeClr val="accent1">
+              <a:shade val="15000"/>
+            </a:schemeClr>
+          </a:lnRef>
+          <a:fillRef idx="1">
+            <a:schemeClr val="accent1"/>
+          </a:fillRef>
+          <a:effectRef idx="0">
+            <a:schemeClr val="accent1"/>
+          </a:effectRef>
+          <a:fontRef idx="minor">
+            <a:schemeClr val="lt1"/>
+          </a:fontRef>
+        </p:style>
+        <p:txBody>
+          <a:bodyPr rtlCol="0" anchor="ctr"/>
+          <a:lstStyle/>
+          <a:p>
+            <a:pPr algn="ctr"/>
+            <a:r>
+              <a:rPr lang="en-IN" dirty="0"/>
+              <a:t>Constructor</a:t>
+            </a:r>
+          </a:p>
+        </p:txBody>
+      </p:sp>
+      <p:sp>
+        <p:nvSpPr>
+          <p:cNvPr id="3" name="Rectangle 2">
+            <a:extLst>
+              <a:ext uri="{FF2B5EF4-FFF2-40B4-BE49-F238E27FC236}">
+                <a16:creationId xmlns:a16="http://schemas.microsoft.com/office/drawing/2014/main" id="{8432C010-5F52-C99A-C03E-69CE079729EC}"/>
+              </a:ext>
+            </a:extLst>
+          </p:cNvPr>
+          <p:cNvSpPr/>
+          <p:nvPr/>
+        </p:nvSpPr>
+        <p:spPr>
+          <a:xfrm>
+            <a:off x="8636001" y="956734"/>
+            <a:ext cx="2065866" cy="668867"/>
+          </a:xfrm>
+          <a:prstGeom prst="rect">
+            <a:avLst/>
+          </a:prstGeom>
+        </p:spPr>
+        <p:style>
+          <a:lnRef idx="2">
+            <a:schemeClr val="accent1">
+              <a:shade val="15000"/>
+            </a:schemeClr>
+          </a:lnRef>
+          <a:fillRef idx="1">
+            <a:schemeClr val="accent1"/>
+          </a:fillRef>
+          <a:effectRef idx="0">
+            <a:schemeClr val="accent1"/>
+          </a:effectRef>
+          <a:fontRef idx="minor">
+            <a:schemeClr val="lt1"/>
+          </a:fontRef>
+        </p:style>
+        <p:txBody>
+          <a:bodyPr rtlCol="0" anchor="ctr"/>
+          <a:lstStyle/>
+          <a:p>
+            <a:pPr algn="ctr"/>
+            <a:r>
+              <a:rPr lang="en-IN" dirty="0" err="1"/>
+              <a:t>ngOnInit</a:t>
+            </a:r>
+            <a:endParaRPr lang="en-IN" dirty="0"/>
+          </a:p>
+        </p:txBody>
+      </p:sp>
+      <p:sp>
+        <p:nvSpPr>
+          <p:cNvPr id="4" name="Rectangle 3">
+            <a:extLst>
+              <a:ext uri="{FF2B5EF4-FFF2-40B4-BE49-F238E27FC236}">
+                <a16:creationId xmlns:a16="http://schemas.microsoft.com/office/drawing/2014/main" id="{D2AC9B74-B17C-B912-698E-C638D2B2C97B}"/>
+              </a:ext>
+            </a:extLst>
+          </p:cNvPr>
+          <p:cNvSpPr/>
+          <p:nvPr/>
+        </p:nvSpPr>
+        <p:spPr>
+          <a:xfrm>
+            <a:off x="4423834" y="452967"/>
+            <a:ext cx="2065866" cy="668867"/>
+          </a:xfrm>
+          <a:prstGeom prst="rect">
+            <a:avLst/>
+          </a:prstGeom>
+        </p:spPr>
+        <p:style>
+          <a:lnRef idx="2">
+            <a:schemeClr val="accent1">
+              <a:shade val="15000"/>
+            </a:schemeClr>
+          </a:lnRef>
+          <a:fillRef idx="1">
+            <a:schemeClr val="accent1"/>
+          </a:fillRef>
+          <a:effectRef idx="0">
+            <a:schemeClr val="accent1"/>
+          </a:effectRef>
+          <a:fontRef idx="minor">
+            <a:schemeClr val="lt1"/>
+          </a:fontRef>
+        </p:style>
+        <p:txBody>
+          <a:bodyPr rtlCol="0" anchor="ctr"/>
+          <a:lstStyle/>
+          <a:p>
+            <a:pPr algn="ctr"/>
+            <a:r>
+              <a:rPr lang="en-IN" dirty="0" err="1"/>
+              <a:t>ngOnChanges</a:t>
+            </a:r>
+            <a:endParaRPr lang="en-IN" dirty="0"/>
+          </a:p>
+        </p:txBody>
+      </p:sp>
+      <p:sp>
+        <p:nvSpPr>
+          <p:cNvPr id="5" name="Rectangle 4">
+            <a:extLst>
+              <a:ext uri="{FF2B5EF4-FFF2-40B4-BE49-F238E27FC236}">
+                <a16:creationId xmlns:a16="http://schemas.microsoft.com/office/drawing/2014/main" id="{28726FF8-6036-E190-C761-EA5BAFEF4EC7}"/>
+              </a:ext>
+            </a:extLst>
+          </p:cNvPr>
+          <p:cNvSpPr/>
+          <p:nvPr/>
+        </p:nvSpPr>
+        <p:spPr>
+          <a:xfrm>
+            <a:off x="5266267" y="2984500"/>
+            <a:ext cx="2065866" cy="668867"/>
+          </a:xfrm>
+          <a:prstGeom prst="rect">
+            <a:avLst/>
+          </a:prstGeom>
+        </p:spPr>
+        <p:style>
+          <a:lnRef idx="2">
+            <a:schemeClr val="accent1">
+              <a:shade val="15000"/>
+            </a:schemeClr>
+          </a:lnRef>
+          <a:fillRef idx="1">
+            <a:schemeClr val="accent1"/>
+          </a:fillRef>
+          <a:effectRef idx="0">
+            <a:schemeClr val="accent1"/>
+          </a:effectRef>
+          <a:fontRef idx="minor">
+            <a:schemeClr val="lt1"/>
+          </a:fontRef>
+        </p:style>
+        <p:txBody>
+          <a:bodyPr rtlCol="0" anchor="ctr"/>
+          <a:lstStyle/>
+          <a:p>
+            <a:pPr algn="ctr"/>
+            <a:r>
+              <a:rPr lang="en-IN" dirty="0" err="1"/>
+              <a:t>ViewContent</a:t>
+            </a:r>
+            <a:endParaRPr lang="en-IN" dirty="0"/>
+          </a:p>
+        </p:txBody>
+      </p:sp>
+      <p:sp>
+        <p:nvSpPr>
+          <p:cNvPr id="6" name="Rectangle 5">
+            <a:extLst>
+              <a:ext uri="{FF2B5EF4-FFF2-40B4-BE49-F238E27FC236}">
+                <a16:creationId xmlns:a16="http://schemas.microsoft.com/office/drawing/2014/main" id="{EEC30958-0AF9-A9CB-CDF6-36D57B9BE875}"/>
+              </a:ext>
+            </a:extLst>
+          </p:cNvPr>
+          <p:cNvSpPr/>
+          <p:nvPr/>
+        </p:nvSpPr>
+        <p:spPr>
+          <a:xfrm>
+            <a:off x="2582334" y="5067299"/>
+            <a:ext cx="2065866" cy="668867"/>
+          </a:xfrm>
+          <a:prstGeom prst="rect">
+            <a:avLst/>
+          </a:prstGeom>
+        </p:spPr>
+        <p:style>
+          <a:lnRef idx="2">
+            <a:schemeClr val="accent1">
+              <a:shade val="15000"/>
+            </a:schemeClr>
+          </a:lnRef>
+          <a:fillRef idx="1">
+            <a:schemeClr val="accent1"/>
+          </a:fillRef>
+          <a:effectRef idx="0">
+            <a:schemeClr val="accent1"/>
+          </a:effectRef>
+          <a:fontRef idx="minor">
+            <a:schemeClr val="lt1"/>
+          </a:fontRef>
+        </p:style>
+        <p:txBody>
+          <a:bodyPr rtlCol="0" anchor="ctr"/>
+          <a:lstStyle/>
+          <a:p>
+            <a:pPr algn="ctr"/>
+            <a:r>
+              <a:rPr lang="en-IN" dirty="0" err="1"/>
+              <a:t>ngOnDestroy</a:t>
+            </a:r>
+            <a:endParaRPr lang="en-IN" dirty="0"/>
+          </a:p>
+        </p:txBody>
+      </p:sp>
+      <p:sp>
+        <p:nvSpPr>
+          <p:cNvPr id="11" name="TextBox 10">
+            <a:extLst>
+              <a:ext uri="{FF2B5EF4-FFF2-40B4-BE49-F238E27FC236}">
+                <a16:creationId xmlns:a16="http://schemas.microsoft.com/office/drawing/2014/main" id="{166C4682-1994-CCEC-EC25-5D745677C09E}"/>
+              </a:ext>
+            </a:extLst>
+          </p:cNvPr>
+          <p:cNvSpPr txBox="1"/>
+          <p:nvPr/>
+        </p:nvSpPr>
+        <p:spPr>
+          <a:xfrm>
+            <a:off x="228600" y="1109133"/>
+            <a:ext cx="2150533" cy="1384995"/>
+          </a:xfrm>
+          <a:prstGeom prst="rect">
+            <a:avLst/>
+          </a:prstGeom>
+          <a:noFill/>
+          <a:ln>
+            <a:solidFill>
+              <a:schemeClr val="accent1"/>
+            </a:solidFill>
+          </a:ln>
+        </p:spPr>
+        <p:txBody>
+          <a:bodyPr wrap="square" rtlCol="0">
+            <a:spAutoFit/>
+          </a:bodyPr>
+          <a:lstStyle/>
+          <a:p>
+            <a:pPr algn="ctr"/>
+            <a:r>
+              <a:rPr lang="en-IN" sz="1200" b="1" dirty="0"/>
+              <a:t>Called Only Once when the Component is Activated for Loading</a:t>
+            </a:r>
+          </a:p>
+          <a:p>
+            <a:pPr algn="ctr"/>
+            <a:endParaRPr lang="en-IN" sz="1200" b="1" dirty="0"/>
+          </a:p>
+          <a:p>
+            <a:pPr algn="ctr"/>
+            <a:r>
+              <a:rPr lang="en-IN" sz="1200" b="1" dirty="0"/>
+              <a:t>Initial Values for Object Members, Scalar Properties, etc.</a:t>
+            </a:r>
+          </a:p>
+        </p:txBody>
+      </p:sp>
+      <p:cxnSp>
+        <p:nvCxnSpPr>
+          <p:cNvPr id="14" name="Connector: Elbow 13">
+            <a:extLst>
+              <a:ext uri="{FF2B5EF4-FFF2-40B4-BE49-F238E27FC236}">
+                <a16:creationId xmlns:a16="http://schemas.microsoft.com/office/drawing/2014/main" id="{C1DE5933-6303-0CCD-D05C-3D8C4FC08B21}"/>
+              </a:ext>
+            </a:extLst>
+          </p:cNvPr>
+          <p:cNvCxnSpPr>
+            <a:stCxn id="2" idx="3"/>
+            <a:endCxn id="4" idx="0"/>
+          </p:cNvCxnSpPr>
+          <p:nvPr/>
+        </p:nvCxnSpPr>
+        <p:spPr>
+          <a:xfrm flipV="1">
+            <a:off x="2379133" y="452967"/>
+            <a:ext cx="3077634" cy="186267"/>
+          </a:xfrm>
+          <a:prstGeom prst="bentConnector4">
+            <a:avLst>
+              <a:gd name="adj1" fmla="val 33219"/>
+              <a:gd name="adj2" fmla="val 302273"/>
+            </a:avLst>
+          </a:prstGeom>
+          <a:ln>
+            <a:tailEnd type="triangle"/>
+          </a:ln>
+        </p:spPr>
+        <p:style>
+          <a:lnRef idx="2">
+            <a:schemeClr val="accent1"/>
+          </a:lnRef>
+          <a:fillRef idx="0">
+            <a:schemeClr val="accent1"/>
+          </a:fillRef>
+          <a:effectRef idx="1">
+            <a:schemeClr val="accent1"/>
+          </a:effectRef>
+          <a:fontRef idx="minor">
+            <a:schemeClr val="tx1"/>
+          </a:fontRef>
+        </p:style>
+      </p:cxnSp>
+      <p:sp>
+        <p:nvSpPr>
+          <p:cNvPr id="16" name="TextBox 15">
+            <a:extLst>
+              <a:ext uri="{FF2B5EF4-FFF2-40B4-BE49-F238E27FC236}">
+                <a16:creationId xmlns:a16="http://schemas.microsoft.com/office/drawing/2014/main" id="{F69CE9AD-3AD9-E069-2DD3-5432F633221F}"/>
+              </a:ext>
+            </a:extLst>
+          </p:cNvPr>
+          <p:cNvSpPr txBox="1"/>
+          <p:nvPr/>
+        </p:nvSpPr>
+        <p:spPr>
+          <a:xfrm>
+            <a:off x="3746501" y="1270001"/>
+            <a:ext cx="3238500" cy="1200329"/>
+          </a:xfrm>
+          <a:prstGeom prst="rect">
+            <a:avLst/>
+          </a:prstGeom>
+          <a:noFill/>
+          <a:ln>
+            <a:solidFill>
+              <a:schemeClr val="accent1"/>
+            </a:solidFill>
+          </a:ln>
+        </p:spPr>
+        <p:txBody>
+          <a:bodyPr wrap="square" rtlCol="0">
+            <a:spAutoFit/>
+          </a:bodyPr>
+          <a:lstStyle/>
+          <a:p>
+            <a:pPr algn="ctr"/>
+            <a:r>
+              <a:rPr lang="en-IN" sz="1200" b="1" dirty="0"/>
+              <a:t>Look for Changed in the Component’s Properties those which will be a reason to Update UI</a:t>
+            </a:r>
+          </a:p>
+          <a:p>
+            <a:pPr algn="ctr"/>
+            <a:endParaRPr lang="en-IN" sz="1200" b="1" dirty="0"/>
+          </a:p>
+          <a:p>
+            <a:pPr algn="ctr"/>
+            <a:r>
+              <a:rPr lang="en-IN" sz="1200" b="1" dirty="0"/>
+              <a:t>The Child Component will execute </a:t>
+            </a:r>
+            <a:r>
+              <a:rPr lang="en-IN" sz="1200" b="1" dirty="0" err="1"/>
+              <a:t>ngOnChanges</a:t>
+            </a:r>
+            <a:r>
+              <a:rPr lang="en-IN" sz="1200" b="1" dirty="0"/>
+              <a:t> for each @Input() change</a:t>
+            </a:r>
+          </a:p>
+        </p:txBody>
+      </p:sp>
+      <p:cxnSp>
+        <p:nvCxnSpPr>
+          <p:cNvPr id="18" name="Connector: Elbow 17">
+            <a:extLst>
+              <a:ext uri="{FF2B5EF4-FFF2-40B4-BE49-F238E27FC236}">
+                <a16:creationId xmlns:a16="http://schemas.microsoft.com/office/drawing/2014/main" id="{8A49DFEB-1AA3-BB6E-F4A1-11A3D621C460}"/>
+              </a:ext>
+            </a:extLst>
+          </p:cNvPr>
+          <p:cNvCxnSpPr>
+            <a:stCxn id="4" idx="2"/>
+            <a:endCxn id="5" idx="0"/>
+          </p:cNvCxnSpPr>
+          <p:nvPr/>
+        </p:nvCxnSpPr>
+        <p:spPr>
+          <a:xfrm rot="16200000" flipH="1">
+            <a:off x="4946650" y="1631950"/>
+            <a:ext cx="1862666" cy="842433"/>
+          </a:xfrm>
+          <a:prstGeom prst="bentConnector3">
+            <a:avLst/>
+          </a:prstGeom>
+          <a:ln>
+            <a:tailEnd type="triangle"/>
+          </a:ln>
+        </p:spPr>
+        <p:style>
+          <a:lnRef idx="2">
+            <a:schemeClr val="accent1"/>
+          </a:lnRef>
+          <a:fillRef idx="0">
+            <a:schemeClr val="accent1"/>
+          </a:fillRef>
+          <a:effectRef idx="1">
+            <a:schemeClr val="accent1"/>
+          </a:effectRef>
+          <a:fontRef idx="minor">
+            <a:schemeClr val="tx1"/>
+          </a:fontRef>
+        </p:style>
+      </p:cxnSp>
+      <p:sp>
+        <p:nvSpPr>
+          <p:cNvPr id="19" name="TextBox 18">
+            <a:extLst>
+              <a:ext uri="{FF2B5EF4-FFF2-40B4-BE49-F238E27FC236}">
+                <a16:creationId xmlns:a16="http://schemas.microsoft.com/office/drawing/2014/main" id="{BFC39569-0942-0E58-71D8-6D30D81FC747}"/>
+              </a:ext>
+            </a:extLst>
+          </p:cNvPr>
+          <p:cNvSpPr txBox="1"/>
+          <p:nvPr/>
+        </p:nvSpPr>
+        <p:spPr>
+          <a:xfrm>
+            <a:off x="7480301" y="3543300"/>
+            <a:ext cx="2311400" cy="1107996"/>
+          </a:xfrm>
+          <a:prstGeom prst="rect">
+            <a:avLst/>
+          </a:prstGeom>
+          <a:noFill/>
+          <a:ln>
+            <a:solidFill>
+              <a:schemeClr val="accent1"/>
+            </a:solidFill>
+          </a:ln>
+        </p:spPr>
+        <p:txBody>
+          <a:bodyPr wrap="square" rtlCol="0">
+            <a:spAutoFit/>
+          </a:bodyPr>
+          <a:lstStyle/>
+          <a:p>
+            <a:pPr algn="ctr"/>
+            <a:r>
+              <a:rPr lang="en-IN" sz="1100" b="1" dirty="0"/>
+              <a:t>Generate HTML Based on Initial Property Data Set for Component</a:t>
+            </a:r>
+          </a:p>
+          <a:p>
+            <a:pPr algn="ctr"/>
+            <a:endParaRPr lang="en-IN" sz="1100" b="1" dirty="0"/>
+          </a:p>
+          <a:p>
+            <a:pPr algn="ctr"/>
+            <a:r>
+              <a:rPr lang="en-IN" sz="1100" b="1" dirty="0"/>
+              <a:t>The UI will be changed only when its bounded property is changed by the Component </a:t>
+            </a:r>
+          </a:p>
+        </p:txBody>
+      </p:sp>
+      <p:cxnSp>
+        <p:nvCxnSpPr>
+          <p:cNvPr id="21" name="Connector: Elbow 20">
+            <a:extLst>
+              <a:ext uri="{FF2B5EF4-FFF2-40B4-BE49-F238E27FC236}">
+                <a16:creationId xmlns:a16="http://schemas.microsoft.com/office/drawing/2014/main" id="{5CCE160B-8DC7-5905-9443-4EF7533A2D8D}"/>
+              </a:ext>
+            </a:extLst>
+          </p:cNvPr>
+          <p:cNvCxnSpPr>
+            <a:stCxn id="4" idx="3"/>
+            <a:endCxn id="3" idx="0"/>
+          </p:cNvCxnSpPr>
+          <p:nvPr/>
+        </p:nvCxnSpPr>
+        <p:spPr>
+          <a:xfrm>
+            <a:off x="6489700" y="787401"/>
+            <a:ext cx="3179234" cy="169333"/>
+          </a:xfrm>
+          <a:prstGeom prst="bentConnector2">
+            <a:avLst/>
+          </a:prstGeom>
+          <a:ln>
+            <a:tailEnd type="triangle"/>
+          </a:ln>
+        </p:spPr>
+        <p:style>
+          <a:lnRef idx="2">
+            <a:schemeClr val="accent1"/>
+          </a:lnRef>
+          <a:fillRef idx="0">
+            <a:schemeClr val="accent1"/>
+          </a:fillRef>
+          <a:effectRef idx="1">
+            <a:schemeClr val="accent1"/>
+          </a:effectRef>
+          <a:fontRef idx="minor">
+            <a:schemeClr val="tx1"/>
+          </a:fontRef>
+        </p:style>
+      </p:cxnSp>
+      <p:sp>
+        <p:nvSpPr>
+          <p:cNvPr id="22" name="TextBox 21">
+            <a:extLst>
+              <a:ext uri="{FF2B5EF4-FFF2-40B4-BE49-F238E27FC236}">
+                <a16:creationId xmlns:a16="http://schemas.microsoft.com/office/drawing/2014/main" id="{8F88CFB6-9EB5-9194-93DD-3C7C5D1A827D}"/>
+              </a:ext>
+            </a:extLst>
+          </p:cNvPr>
+          <p:cNvSpPr txBox="1"/>
+          <p:nvPr/>
+        </p:nvSpPr>
+        <p:spPr>
+          <a:xfrm>
+            <a:off x="8636001" y="1755464"/>
+            <a:ext cx="2717799" cy="1107996"/>
+          </a:xfrm>
+          <a:prstGeom prst="rect">
+            <a:avLst/>
+          </a:prstGeom>
+          <a:noFill/>
+          <a:ln>
+            <a:solidFill>
+              <a:schemeClr val="accent1"/>
+            </a:solidFill>
+          </a:ln>
+        </p:spPr>
+        <p:txBody>
+          <a:bodyPr wrap="square" rtlCol="0">
+            <a:spAutoFit/>
+          </a:bodyPr>
+          <a:lstStyle/>
+          <a:p>
+            <a:pPr algn="ctr"/>
+            <a:r>
+              <a:rPr lang="en-IN" sz="1100" b="1" dirty="0"/>
+              <a:t>Perform Resource Intensive Operations e.g. HTTP Calls</a:t>
+            </a:r>
+          </a:p>
+          <a:p>
+            <a:pPr algn="ctr"/>
+            <a:r>
+              <a:rPr lang="en-IN" sz="1100" b="1" dirty="0"/>
+              <a:t>This will be executed only Once and Property Changes will be notified to Component and hence the Component will Update the UI </a:t>
+            </a:r>
+          </a:p>
+        </p:txBody>
+      </p:sp>
+      <p:cxnSp>
+        <p:nvCxnSpPr>
+          <p:cNvPr id="24" name="Connector: Elbow 23">
+            <a:extLst>
+              <a:ext uri="{FF2B5EF4-FFF2-40B4-BE49-F238E27FC236}">
+                <a16:creationId xmlns:a16="http://schemas.microsoft.com/office/drawing/2014/main" id="{F0C2120A-23E5-C2A7-FF36-0360F7A0FB82}"/>
+              </a:ext>
+            </a:extLst>
+          </p:cNvPr>
+          <p:cNvCxnSpPr>
+            <a:stCxn id="3" idx="1"/>
+            <a:endCxn id="5" idx="3"/>
+          </p:cNvCxnSpPr>
+          <p:nvPr/>
+        </p:nvCxnSpPr>
+        <p:spPr>
+          <a:xfrm rot="10800000" flipV="1">
+            <a:off x="7332133" y="1291168"/>
+            <a:ext cx="1303868" cy="2027766"/>
+          </a:xfrm>
+          <a:prstGeom prst="bentConnector3">
+            <a:avLst/>
+          </a:prstGeom>
+          <a:ln>
+            <a:tailEnd type="triangle"/>
+          </a:ln>
+        </p:spPr>
+        <p:style>
+          <a:lnRef idx="2">
+            <a:schemeClr val="accent1"/>
+          </a:lnRef>
+          <a:fillRef idx="0">
+            <a:schemeClr val="accent1"/>
+          </a:fillRef>
+          <a:effectRef idx="1">
+            <a:schemeClr val="accent1"/>
+          </a:effectRef>
+          <a:fontRef idx="minor">
+            <a:schemeClr val="tx1"/>
+          </a:fontRef>
+        </p:style>
+      </p:cxnSp>
+      <p:cxnSp>
+        <p:nvCxnSpPr>
+          <p:cNvPr id="26" name="Connector: Elbow 25">
+            <a:extLst>
+              <a:ext uri="{FF2B5EF4-FFF2-40B4-BE49-F238E27FC236}">
+                <a16:creationId xmlns:a16="http://schemas.microsoft.com/office/drawing/2014/main" id="{88B0C433-05FC-F0C9-5576-E549B584989E}"/>
+              </a:ext>
+            </a:extLst>
+          </p:cNvPr>
+          <p:cNvCxnSpPr>
+            <a:cxnSpLocks/>
+            <a:stCxn id="5" idx="1"/>
+            <a:endCxn id="6" idx="0"/>
+          </p:cNvCxnSpPr>
+          <p:nvPr/>
+        </p:nvCxnSpPr>
+        <p:spPr>
+          <a:xfrm rot="10800000" flipV="1">
+            <a:off x="3615267" y="3318933"/>
+            <a:ext cx="1651000" cy="1748365"/>
+          </a:xfrm>
+          <a:prstGeom prst="bentConnector2">
+            <a:avLst/>
+          </a:prstGeom>
+          <a:ln>
+            <a:tailEnd type="triangle"/>
+          </a:ln>
+        </p:spPr>
+        <p:style>
+          <a:lnRef idx="2">
+            <a:schemeClr val="accent1"/>
+          </a:lnRef>
+          <a:fillRef idx="0">
+            <a:schemeClr val="accent1"/>
+          </a:fillRef>
+          <a:effectRef idx="1">
+            <a:schemeClr val="accent1"/>
+          </a:effectRef>
+          <a:fontRef idx="minor">
+            <a:schemeClr val="tx1"/>
+          </a:fontRef>
+        </p:style>
+      </p:cxnSp>
+      <p:sp>
+        <p:nvSpPr>
+          <p:cNvPr id="29" name="TextBox 28">
+            <a:extLst>
+              <a:ext uri="{FF2B5EF4-FFF2-40B4-BE49-F238E27FC236}">
+                <a16:creationId xmlns:a16="http://schemas.microsoft.com/office/drawing/2014/main" id="{184AF561-35F7-BDE9-AC93-EBCE0C158146}"/>
+              </a:ext>
+            </a:extLst>
+          </p:cNvPr>
+          <p:cNvSpPr txBox="1"/>
+          <p:nvPr/>
+        </p:nvSpPr>
+        <p:spPr>
+          <a:xfrm>
+            <a:off x="1651000" y="5881469"/>
+            <a:ext cx="3928533" cy="461665"/>
+          </a:xfrm>
+          <a:prstGeom prst="rect">
+            <a:avLst/>
+          </a:prstGeom>
+          <a:noFill/>
+          <a:ln>
+            <a:solidFill>
+              <a:schemeClr val="accent1"/>
+            </a:solidFill>
+          </a:ln>
+        </p:spPr>
+        <p:txBody>
+          <a:bodyPr wrap="square" rtlCol="0">
+            <a:spAutoFit/>
+          </a:bodyPr>
+          <a:lstStyle/>
+          <a:p>
+            <a:pPr algn="ctr"/>
+            <a:r>
+              <a:rPr lang="en-IN" sz="1200" b="1" dirty="0"/>
+              <a:t>Component is Being Destroyed when we move away from it or close it explicitly</a:t>
+            </a:r>
+          </a:p>
+        </p:txBody>
+      </p:sp>
+    </p:spTree>
+    <p:extLst>
+      <p:ext uri="{BB962C8B-B14F-4D97-AF65-F5344CB8AC3E}">
+        <p14:creationId xmlns:p14="http://schemas.microsoft.com/office/powerpoint/2010/main" val="2547870874"/>
       </p:ext>
     </p:extLst>
   </p:cSld>

--- a/my-ng-app/Angular_Training_Images.pptx
+++ b/my-ng-app/Angular_Training_Images.pptx
@@ -14,6 +14,7 @@
     <p:sldId id="262" r:id="rId8"/>
     <p:sldId id="263" r:id="rId9"/>
     <p:sldId id="264" r:id="rId10"/>
+    <p:sldId id="265" r:id="rId11"/>
   </p:sldIdLst>
   <p:sldSz cx="12192000" cy="6858000"/>
   <p:notesSz cx="6858000" cy="9144000"/>
@@ -269,7 +270,7 @@
           <a:p>
             <a:fld id="{35E7C7C1-050F-4B17-8FDC-37C455263954}" type="datetimeFigureOut">
               <a:rPr lang="en-IN" smtClean="0"/>
-              <a:t>22-03-2024</a:t>
+              <a:t>26-03-2024</a:t>
             </a:fld>
             <a:endParaRPr lang="en-IN"/>
           </a:p>
@@ -469,7 +470,7 @@
           <a:p>
             <a:fld id="{35E7C7C1-050F-4B17-8FDC-37C455263954}" type="datetimeFigureOut">
               <a:rPr lang="en-IN" smtClean="0"/>
-              <a:t>22-03-2024</a:t>
+              <a:t>26-03-2024</a:t>
             </a:fld>
             <a:endParaRPr lang="en-IN"/>
           </a:p>
@@ -679,7 +680,7 @@
           <a:p>
             <a:fld id="{35E7C7C1-050F-4B17-8FDC-37C455263954}" type="datetimeFigureOut">
               <a:rPr lang="en-IN" smtClean="0"/>
-              <a:t>22-03-2024</a:t>
+              <a:t>26-03-2024</a:t>
             </a:fld>
             <a:endParaRPr lang="en-IN"/>
           </a:p>
@@ -879,7 +880,7 @@
           <a:p>
             <a:fld id="{35E7C7C1-050F-4B17-8FDC-37C455263954}" type="datetimeFigureOut">
               <a:rPr lang="en-IN" smtClean="0"/>
-              <a:t>22-03-2024</a:t>
+              <a:t>26-03-2024</a:t>
             </a:fld>
             <a:endParaRPr lang="en-IN"/>
           </a:p>
@@ -1155,7 +1156,7 @@
           <a:p>
             <a:fld id="{35E7C7C1-050F-4B17-8FDC-37C455263954}" type="datetimeFigureOut">
               <a:rPr lang="en-IN" smtClean="0"/>
-              <a:t>22-03-2024</a:t>
+              <a:t>26-03-2024</a:t>
             </a:fld>
             <a:endParaRPr lang="en-IN"/>
           </a:p>
@@ -1423,7 +1424,7 @@
           <a:p>
             <a:fld id="{35E7C7C1-050F-4B17-8FDC-37C455263954}" type="datetimeFigureOut">
               <a:rPr lang="en-IN" smtClean="0"/>
-              <a:t>22-03-2024</a:t>
+              <a:t>26-03-2024</a:t>
             </a:fld>
             <a:endParaRPr lang="en-IN"/>
           </a:p>
@@ -1838,7 +1839,7 @@
           <a:p>
             <a:fld id="{35E7C7C1-050F-4B17-8FDC-37C455263954}" type="datetimeFigureOut">
               <a:rPr lang="en-IN" smtClean="0"/>
-              <a:t>22-03-2024</a:t>
+              <a:t>26-03-2024</a:t>
             </a:fld>
             <a:endParaRPr lang="en-IN"/>
           </a:p>
@@ -1980,7 +1981,7 @@
           <a:p>
             <a:fld id="{35E7C7C1-050F-4B17-8FDC-37C455263954}" type="datetimeFigureOut">
               <a:rPr lang="en-IN" smtClean="0"/>
-              <a:t>22-03-2024</a:t>
+              <a:t>26-03-2024</a:t>
             </a:fld>
             <a:endParaRPr lang="en-IN"/>
           </a:p>
@@ -2093,7 +2094,7 @@
           <a:p>
             <a:fld id="{35E7C7C1-050F-4B17-8FDC-37C455263954}" type="datetimeFigureOut">
               <a:rPr lang="en-IN" smtClean="0"/>
-              <a:t>22-03-2024</a:t>
+              <a:t>26-03-2024</a:t>
             </a:fld>
             <a:endParaRPr lang="en-IN"/>
           </a:p>
@@ -2406,7 +2407,7 @@
           <a:p>
             <a:fld id="{35E7C7C1-050F-4B17-8FDC-37C455263954}" type="datetimeFigureOut">
               <a:rPr lang="en-IN" smtClean="0"/>
-              <a:t>22-03-2024</a:t>
+              <a:t>26-03-2024</a:t>
             </a:fld>
             <a:endParaRPr lang="en-IN"/>
           </a:p>
@@ -2695,7 +2696,7 @@
           <a:p>
             <a:fld id="{35E7C7C1-050F-4B17-8FDC-37C455263954}" type="datetimeFigureOut">
               <a:rPr lang="en-IN" smtClean="0"/>
-              <a:t>22-03-2024</a:t>
+              <a:t>26-03-2024</a:t>
             </a:fld>
             <a:endParaRPr lang="en-IN"/>
           </a:p>
@@ -2938,7 +2939,7 @@
           <a:p>
             <a:fld id="{35E7C7C1-050F-4B17-8FDC-37C455263954}" type="datetimeFigureOut">
               <a:rPr lang="en-IN" smtClean="0"/>
-              <a:t>22-03-2024</a:t>
+              <a:t>26-03-2024</a:t>
             </a:fld>
             <a:endParaRPr lang="en-IN"/>
           </a:p>
@@ -4175,6 +4176,1033 @@
 </p:sld>
 </file>
 
+<file path=ppt/slides/slide10.xml><?xml version="1.0" encoding="utf-8"?>
+<p:sld xmlns:a="http://schemas.openxmlformats.org/drawingml/2006/main" xmlns:r="http://schemas.openxmlformats.org/officeDocument/2006/relationships" xmlns:p="http://schemas.openxmlformats.org/presentationml/2006/main">
+  <p:cSld>
+    <p:spTree>
+      <p:nvGrpSpPr>
+        <p:cNvPr id="1" name=""/>
+        <p:cNvGrpSpPr/>
+        <p:nvPr/>
+      </p:nvGrpSpPr>
+      <p:grpSpPr>
+        <a:xfrm>
+          <a:off x="0" y="0"/>
+          <a:ext cx="0" cy="0"/>
+          <a:chOff x="0" y="0"/>
+          <a:chExt cx="0" cy="0"/>
+        </a:xfrm>
+      </p:grpSpPr>
+      <p:sp>
+        <p:nvSpPr>
+          <p:cNvPr id="2" name="Rectangle 1">
+            <a:extLst>
+              <a:ext uri="{FF2B5EF4-FFF2-40B4-BE49-F238E27FC236}">
+                <a16:creationId xmlns:a16="http://schemas.microsoft.com/office/drawing/2014/main" id="{966F0BBA-5A6F-743E-1558-349DB6932F96}"/>
+              </a:ext>
+            </a:extLst>
+          </p:cNvPr>
+          <p:cNvSpPr/>
+          <p:nvPr/>
+        </p:nvSpPr>
+        <p:spPr>
+          <a:xfrm>
+            <a:off x="677333" y="914399"/>
+            <a:ext cx="4639734" cy="5012267"/>
+          </a:xfrm>
+          <a:prstGeom prst="rect">
+            <a:avLst/>
+          </a:prstGeom>
+        </p:spPr>
+        <p:style>
+          <a:lnRef idx="1">
+            <a:schemeClr val="accent4"/>
+          </a:lnRef>
+          <a:fillRef idx="2">
+            <a:schemeClr val="accent4"/>
+          </a:fillRef>
+          <a:effectRef idx="1">
+            <a:schemeClr val="accent4"/>
+          </a:effectRef>
+          <a:fontRef idx="minor">
+            <a:schemeClr val="dk1"/>
+          </a:fontRef>
+        </p:style>
+        <p:txBody>
+          <a:bodyPr rtlCol="0" anchor="ctr"/>
+          <a:lstStyle/>
+          <a:p>
+            <a:pPr algn="ctr"/>
+            <a:endParaRPr lang="en-IN"/>
+          </a:p>
+        </p:txBody>
+      </p:sp>
+      <p:sp>
+        <p:nvSpPr>
+          <p:cNvPr id="3" name="TextBox 2">
+            <a:extLst>
+              <a:ext uri="{FF2B5EF4-FFF2-40B4-BE49-F238E27FC236}">
+                <a16:creationId xmlns:a16="http://schemas.microsoft.com/office/drawing/2014/main" id="{32DC442B-D2F6-5C01-5940-5EB5F00E46F1}"/>
+              </a:ext>
+            </a:extLst>
+          </p:cNvPr>
+          <p:cNvSpPr txBox="1"/>
+          <p:nvPr/>
+        </p:nvSpPr>
+        <p:spPr>
+          <a:xfrm>
+            <a:off x="804333" y="1109133"/>
+            <a:ext cx="4402667" cy="646331"/>
+          </a:xfrm>
+          <a:prstGeom prst="rect">
+            <a:avLst/>
+          </a:prstGeom>
+          <a:noFill/>
+          <a:ln w="76200">
+            <a:solidFill>
+              <a:srgbClr val="FFFF00"/>
+            </a:solidFill>
+          </a:ln>
+        </p:spPr>
+        <p:txBody>
+          <a:bodyPr wrap="square" rtlCol="0">
+            <a:spAutoFit/>
+          </a:bodyPr>
+          <a:lstStyle/>
+          <a:p>
+            <a:pPr algn="ctr"/>
+            <a:r>
+              <a:rPr lang="en-IN" b="1" dirty="0"/>
+              <a:t>Container </a:t>
+            </a:r>
+          </a:p>
+          <a:p>
+            <a:pPr algn="ctr"/>
+            <a:r>
+              <a:rPr lang="en-IN" b="1" dirty="0"/>
+              <a:t>Component</a:t>
+            </a:r>
+          </a:p>
+        </p:txBody>
+      </p:sp>
+      <p:sp>
+        <p:nvSpPr>
+          <p:cNvPr id="4" name="Cube 3">
+            <a:extLst>
+              <a:ext uri="{FF2B5EF4-FFF2-40B4-BE49-F238E27FC236}">
+                <a16:creationId xmlns:a16="http://schemas.microsoft.com/office/drawing/2014/main" id="{4E3D3581-8A83-44B3-02EA-1CB5B2B1F89E}"/>
+              </a:ext>
+            </a:extLst>
+          </p:cNvPr>
+          <p:cNvSpPr/>
+          <p:nvPr/>
+        </p:nvSpPr>
+        <p:spPr>
+          <a:xfrm>
+            <a:off x="7611535" y="46567"/>
+            <a:ext cx="1710265" cy="867833"/>
+          </a:xfrm>
+          <a:prstGeom prst="cube">
+            <a:avLst>
+              <a:gd name="adj" fmla="val 9878"/>
+            </a:avLst>
+          </a:prstGeom>
+        </p:spPr>
+        <p:style>
+          <a:lnRef idx="2">
+            <a:schemeClr val="accent1">
+              <a:shade val="15000"/>
+            </a:schemeClr>
+          </a:lnRef>
+          <a:fillRef idx="1">
+            <a:schemeClr val="accent1"/>
+          </a:fillRef>
+          <a:effectRef idx="0">
+            <a:schemeClr val="accent1"/>
+          </a:effectRef>
+          <a:fontRef idx="minor">
+            <a:schemeClr val="lt1"/>
+          </a:fontRef>
+        </p:style>
+        <p:txBody>
+          <a:bodyPr rtlCol="0" anchor="ctr"/>
+          <a:lstStyle/>
+          <a:p>
+            <a:pPr algn="ctr"/>
+            <a:r>
+              <a:rPr lang="en-IN" dirty="0"/>
+              <a:t>Collection Manipulation</a:t>
+            </a:r>
+          </a:p>
+        </p:txBody>
+      </p:sp>
+      <p:sp>
+        <p:nvSpPr>
+          <p:cNvPr id="5" name="TextBox 4">
+            <a:extLst>
+              <a:ext uri="{FF2B5EF4-FFF2-40B4-BE49-F238E27FC236}">
+                <a16:creationId xmlns:a16="http://schemas.microsoft.com/office/drawing/2014/main" id="{87603C9A-2E52-573E-3829-FC065CF52C25}"/>
+              </a:ext>
+            </a:extLst>
+          </p:cNvPr>
+          <p:cNvSpPr txBox="1"/>
+          <p:nvPr/>
+        </p:nvSpPr>
+        <p:spPr>
+          <a:xfrm>
+            <a:off x="9728200" y="46567"/>
+            <a:ext cx="2125133" cy="646331"/>
+          </a:xfrm>
+          <a:prstGeom prst="rect">
+            <a:avLst/>
+          </a:prstGeom>
+          <a:noFill/>
+          <a:ln>
+            <a:solidFill>
+              <a:srgbClr val="002060"/>
+            </a:solidFill>
+          </a:ln>
+        </p:spPr>
+        <p:txBody>
+          <a:bodyPr wrap="square" rtlCol="0">
+            <a:spAutoFit/>
+          </a:bodyPr>
+          <a:lstStyle/>
+          <a:p>
+            <a:pPr algn="ctr"/>
+            <a:r>
+              <a:rPr lang="en-IN" b="1" dirty="0"/>
+              <a:t>Utility Class as a Angular Service</a:t>
+            </a:r>
+          </a:p>
+        </p:txBody>
+      </p:sp>
+      <p:cxnSp>
+        <p:nvCxnSpPr>
+          <p:cNvPr id="7" name="Connector: Elbow 6">
+            <a:extLst>
+              <a:ext uri="{FF2B5EF4-FFF2-40B4-BE49-F238E27FC236}">
+                <a16:creationId xmlns:a16="http://schemas.microsoft.com/office/drawing/2014/main" id="{456248CF-F468-98C9-CB72-378F89DB1264}"/>
+              </a:ext>
+            </a:extLst>
+          </p:cNvPr>
+          <p:cNvCxnSpPr>
+            <a:cxnSpLocks/>
+            <a:stCxn id="4" idx="2"/>
+            <a:endCxn id="8" idx="3"/>
+          </p:cNvCxnSpPr>
+          <p:nvPr/>
+        </p:nvCxnSpPr>
+        <p:spPr>
+          <a:xfrm rot="10800000" flipV="1">
+            <a:off x="4174067" y="523345"/>
+            <a:ext cx="3437468" cy="1766951"/>
+          </a:xfrm>
+          <a:prstGeom prst="bentConnector3">
+            <a:avLst/>
+          </a:prstGeom>
+          <a:ln>
+            <a:tailEnd type="triangle"/>
+          </a:ln>
+        </p:spPr>
+        <p:style>
+          <a:lnRef idx="2">
+            <a:schemeClr val="accent1"/>
+          </a:lnRef>
+          <a:fillRef idx="0">
+            <a:schemeClr val="accent1"/>
+          </a:fillRef>
+          <a:effectRef idx="1">
+            <a:schemeClr val="accent1"/>
+          </a:effectRef>
+          <a:fontRef idx="minor">
+            <a:schemeClr val="tx1"/>
+          </a:fontRef>
+        </p:style>
+      </p:cxnSp>
+      <p:sp>
+        <p:nvSpPr>
+          <p:cNvPr id="8" name="TextBox 7">
+            <a:extLst>
+              <a:ext uri="{FF2B5EF4-FFF2-40B4-BE49-F238E27FC236}">
+                <a16:creationId xmlns:a16="http://schemas.microsoft.com/office/drawing/2014/main" id="{1F1325F2-4F02-69F9-F2FE-9C87B95218F5}"/>
+              </a:ext>
+            </a:extLst>
+          </p:cNvPr>
+          <p:cNvSpPr txBox="1"/>
+          <p:nvPr/>
+        </p:nvSpPr>
+        <p:spPr>
+          <a:xfrm>
+            <a:off x="1159933" y="1967131"/>
+            <a:ext cx="3014134" cy="646331"/>
+          </a:xfrm>
+          <a:prstGeom prst="rect">
+            <a:avLst/>
+          </a:prstGeom>
+          <a:noFill/>
+          <a:ln>
+            <a:solidFill>
+              <a:srgbClr val="002060"/>
+            </a:solidFill>
+          </a:ln>
+        </p:spPr>
+        <p:txBody>
+          <a:bodyPr wrap="square" rtlCol="0">
+            <a:spAutoFit/>
+          </a:bodyPr>
+          <a:lstStyle/>
+          <a:p>
+            <a:pPr algn="ctr"/>
+            <a:r>
+              <a:rPr lang="en-IN" b="1" dirty="0"/>
+              <a:t>Injection of Utility Class Service in Component</a:t>
+            </a:r>
+          </a:p>
+        </p:txBody>
+      </p:sp>
+      <p:sp>
+        <p:nvSpPr>
+          <p:cNvPr id="10" name="Rectangle 9">
+            <a:extLst>
+              <a:ext uri="{FF2B5EF4-FFF2-40B4-BE49-F238E27FC236}">
+                <a16:creationId xmlns:a16="http://schemas.microsoft.com/office/drawing/2014/main" id="{239CCA3C-BF49-6A8F-C5DD-E4CF691A2F35}"/>
+              </a:ext>
+            </a:extLst>
+          </p:cNvPr>
+          <p:cNvSpPr/>
+          <p:nvPr/>
+        </p:nvSpPr>
+        <p:spPr>
+          <a:xfrm>
+            <a:off x="736600" y="3835400"/>
+            <a:ext cx="2015067" cy="804333"/>
+          </a:xfrm>
+          <a:prstGeom prst="rect">
+            <a:avLst/>
+          </a:prstGeom>
+        </p:spPr>
+        <p:style>
+          <a:lnRef idx="2">
+            <a:schemeClr val="accent1">
+              <a:shade val="15000"/>
+            </a:schemeClr>
+          </a:lnRef>
+          <a:fillRef idx="1">
+            <a:schemeClr val="accent1"/>
+          </a:fillRef>
+          <a:effectRef idx="0">
+            <a:schemeClr val="accent1"/>
+          </a:effectRef>
+          <a:fontRef idx="minor">
+            <a:schemeClr val="lt1"/>
+          </a:fontRef>
+        </p:style>
+        <p:txBody>
+          <a:bodyPr rtlCol="0" anchor="ctr"/>
+          <a:lstStyle/>
+          <a:p>
+            <a:pPr algn="ctr"/>
+            <a:r>
+              <a:rPr lang="en-IN" dirty="0"/>
+              <a:t>Department</a:t>
+            </a:r>
+          </a:p>
+          <a:p>
+            <a:pPr algn="ctr"/>
+            <a:r>
+              <a:rPr lang="en-IN" dirty="0"/>
+              <a:t>Component</a:t>
+            </a:r>
+          </a:p>
+        </p:txBody>
+      </p:sp>
+      <p:sp>
+        <p:nvSpPr>
+          <p:cNvPr id="11" name="Rectangle 10">
+            <a:extLst>
+              <a:ext uri="{FF2B5EF4-FFF2-40B4-BE49-F238E27FC236}">
+                <a16:creationId xmlns:a16="http://schemas.microsoft.com/office/drawing/2014/main" id="{097976E1-A1A0-090C-A31F-CCD0EEF58DD5}"/>
+              </a:ext>
+            </a:extLst>
+          </p:cNvPr>
+          <p:cNvSpPr/>
+          <p:nvPr/>
+        </p:nvSpPr>
+        <p:spPr>
+          <a:xfrm>
+            <a:off x="2760134" y="4957233"/>
+            <a:ext cx="2015067" cy="804333"/>
+          </a:xfrm>
+          <a:prstGeom prst="rect">
+            <a:avLst/>
+          </a:prstGeom>
+        </p:spPr>
+        <p:style>
+          <a:lnRef idx="2">
+            <a:schemeClr val="accent1">
+              <a:shade val="15000"/>
+            </a:schemeClr>
+          </a:lnRef>
+          <a:fillRef idx="1">
+            <a:schemeClr val="accent1"/>
+          </a:fillRef>
+          <a:effectRef idx="0">
+            <a:schemeClr val="accent1"/>
+          </a:effectRef>
+          <a:fontRef idx="minor">
+            <a:schemeClr val="lt1"/>
+          </a:fontRef>
+        </p:style>
+        <p:txBody>
+          <a:bodyPr rtlCol="0" anchor="ctr"/>
+          <a:lstStyle/>
+          <a:p>
+            <a:pPr algn="ctr"/>
+            <a:r>
+              <a:rPr lang="en-IN" dirty="0"/>
+              <a:t>Employee</a:t>
+            </a:r>
+          </a:p>
+          <a:p>
+            <a:pPr algn="ctr"/>
+            <a:r>
+              <a:rPr lang="en-IN" dirty="0"/>
+              <a:t>Component</a:t>
+            </a:r>
+          </a:p>
+        </p:txBody>
+      </p:sp>
+      <p:sp>
+        <p:nvSpPr>
+          <p:cNvPr id="14" name="TextBox 13">
+            <a:extLst>
+              <a:ext uri="{FF2B5EF4-FFF2-40B4-BE49-F238E27FC236}">
+                <a16:creationId xmlns:a16="http://schemas.microsoft.com/office/drawing/2014/main" id="{583E4C71-ACEF-D7B2-A74C-BCDEC2C029BE}"/>
+              </a:ext>
+            </a:extLst>
+          </p:cNvPr>
+          <p:cNvSpPr txBox="1"/>
+          <p:nvPr/>
+        </p:nvSpPr>
+        <p:spPr>
+          <a:xfrm>
+            <a:off x="3060700" y="2935812"/>
+            <a:ext cx="2015067" cy="954107"/>
+          </a:xfrm>
+          <a:prstGeom prst="rect">
+            <a:avLst/>
+          </a:prstGeom>
+          <a:noFill/>
+          <a:ln>
+            <a:solidFill>
+              <a:schemeClr val="tx1"/>
+            </a:solidFill>
+          </a:ln>
+        </p:spPr>
+        <p:txBody>
+          <a:bodyPr wrap="square" rtlCol="0">
+            <a:spAutoFit/>
+          </a:bodyPr>
+          <a:lstStyle/>
+          <a:p>
+            <a:pPr algn="ctr"/>
+            <a:r>
+              <a:rPr lang="en-IN" sz="1400" b="1" dirty="0"/>
+              <a:t>Show employees based on Selected </a:t>
+            </a:r>
+            <a:r>
+              <a:rPr lang="en-IN" sz="1400" b="1" dirty="0" err="1"/>
+              <a:t>DeptName</a:t>
+            </a:r>
+            <a:r>
+              <a:rPr lang="en-IN" sz="1400" b="1" dirty="0"/>
+              <a:t> with no Relationship</a:t>
+            </a:r>
+          </a:p>
+        </p:txBody>
+      </p:sp>
+      <p:sp>
+        <p:nvSpPr>
+          <p:cNvPr id="15" name="Cube 14">
+            <a:extLst>
+              <a:ext uri="{FF2B5EF4-FFF2-40B4-BE49-F238E27FC236}">
+                <a16:creationId xmlns:a16="http://schemas.microsoft.com/office/drawing/2014/main" id="{89A76EA3-2789-AA96-DE26-86695813691F}"/>
+              </a:ext>
+            </a:extLst>
+          </p:cNvPr>
+          <p:cNvSpPr/>
+          <p:nvPr/>
+        </p:nvSpPr>
+        <p:spPr>
+          <a:xfrm>
+            <a:off x="7366000" y="2290295"/>
+            <a:ext cx="2565400" cy="2781237"/>
+          </a:xfrm>
+          <a:prstGeom prst="cube">
+            <a:avLst>
+              <a:gd name="adj" fmla="val 8797"/>
+            </a:avLst>
+          </a:prstGeom>
+        </p:spPr>
+        <p:style>
+          <a:lnRef idx="2">
+            <a:schemeClr val="accent6"/>
+          </a:lnRef>
+          <a:fillRef idx="1">
+            <a:schemeClr val="lt1"/>
+          </a:fillRef>
+          <a:effectRef idx="0">
+            <a:schemeClr val="accent6"/>
+          </a:effectRef>
+          <a:fontRef idx="minor">
+            <a:schemeClr val="dk1"/>
+          </a:fontRef>
+        </p:style>
+        <p:txBody>
+          <a:bodyPr rtlCol="0" anchor="ctr"/>
+          <a:lstStyle/>
+          <a:p>
+            <a:pPr algn="ctr"/>
+            <a:endParaRPr lang="en-IN"/>
+          </a:p>
+        </p:txBody>
+      </p:sp>
+      <p:cxnSp>
+        <p:nvCxnSpPr>
+          <p:cNvPr id="17" name="Connector: Curved 16">
+            <a:extLst>
+              <a:ext uri="{FF2B5EF4-FFF2-40B4-BE49-F238E27FC236}">
+                <a16:creationId xmlns:a16="http://schemas.microsoft.com/office/drawing/2014/main" id="{C923A80B-EA46-4EFC-24DC-9558023024F1}"/>
+              </a:ext>
+            </a:extLst>
+          </p:cNvPr>
+          <p:cNvCxnSpPr>
+            <a:cxnSpLocks/>
+            <a:stCxn id="10" idx="0"/>
+            <a:endCxn id="18" idx="1"/>
+          </p:cNvCxnSpPr>
+          <p:nvPr/>
+        </p:nvCxnSpPr>
+        <p:spPr>
+          <a:xfrm rot="5400000" flipH="1" flipV="1">
+            <a:off x="4132616" y="538516"/>
+            <a:ext cx="908403" cy="5685367"/>
+          </a:xfrm>
+          <a:prstGeom prst="curvedConnector2">
+            <a:avLst/>
+          </a:prstGeom>
+          <a:ln>
+            <a:tailEnd type="triangle"/>
+          </a:ln>
+        </p:spPr>
+        <p:style>
+          <a:lnRef idx="2">
+            <a:schemeClr val="accent1"/>
+          </a:lnRef>
+          <a:fillRef idx="0">
+            <a:schemeClr val="accent1"/>
+          </a:fillRef>
+          <a:effectRef idx="1">
+            <a:schemeClr val="accent1"/>
+          </a:effectRef>
+          <a:fontRef idx="minor">
+            <a:schemeClr val="tx1"/>
+          </a:fontRef>
+        </p:style>
+      </p:cxnSp>
+      <p:sp>
+        <p:nvSpPr>
+          <p:cNvPr id="18" name="TextBox 17">
+            <a:extLst>
+              <a:ext uri="{FF2B5EF4-FFF2-40B4-BE49-F238E27FC236}">
+                <a16:creationId xmlns:a16="http://schemas.microsoft.com/office/drawing/2014/main" id="{7C29DAC6-05A5-C128-C5B9-0212461FBC55}"/>
+              </a:ext>
+            </a:extLst>
+          </p:cNvPr>
+          <p:cNvSpPr txBox="1"/>
+          <p:nvPr/>
+        </p:nvSpPr>
+        <p:spPr>
+          <a:xfrm>
+            <a:off x="7429501" y="2696164"/>
+            <a:ext cx="2180166" cy="461665"/>
+          </a:xfrm>
+          <a:prstGeom prst="rect">
+            <a:avLst/>
+          </a:prstGeom>
+          <a:noFill/>
+          <a:ln>
+            <a:solidFill>
+              <a:schemeClr val="tx1"/>
+            </a:solidFill>
+          </a:ln>
+        </p:spPr>
+        <p:txBody>
+          <a:bodyPr wrap="square" rtlCol="0">
+            <a:spAutoFit/>
+          </a:bodyPr>
+          <a:lstStyle/>
+          <a:p>
+            <a:pPr algn="ctr"/>
+            <a:r>
+              <a:rPr lang="en-IN" sz="1200" b="1" dirty="0"/>
+              <a:t>Listen Value from Department Component</a:t>
+            </a:r>
+          </a:p>
+        </p:txBody>
+      </p:sp>
+      <p:sp>
+        <p:nvSpPr>
+          <p:cNvPr id="20" name="Cylinder 19">
+            <a:extLst>
+              <a:ext uri="{FF2B5EF4-FFF2-40B4-BE49-F238E27FC236}">
+                <a16:creationId xmlns:a16="http://schemas.microsoft.com/office/drawing/2014/main" id="{D241692F-40EB-DFD3-81B7-B5BEB44D7D98}"/>
+              </a:ext>
+            </a:extLst>
+          </p:cNvPr>
+          <p:cNvSpPr/>
+          <p:nvPr/>
+        </p:nvSpPr>
+        <p:spPr>
+          <a:xfrm>
+            <a:off x="7497236" y="3310346"/>
+            <a:ext cx="1998132" cy="804334"/>
+          </a:xfrm>
+          <a:prstGeom prst="can">
+            <a:avLst/>
+          </a:prstGeom>
+        </p:spPr>
+        <p:style>
+          <a:lnRef idx="2">
+            <a:schemeClr val="accent1">
+              <a:shade val="15000"/>
+            </a:schemeClr>
+          </a:lnRef>
+          <a:fillRef idx="1">
+            <a:schemeClr val="accent1"/>
+          </a:fillRef>
+          <a:effectRef idx="0">
+            <a:schemeClr val="accent1"/>
+          </a:effectRef>
+          <a:fontRef idx="minor">
+            <a:schemeClr val="lt1"/>
+          </a:fontRef>
+        </p:style>
+        <p:txBody>
+          <a:bodyPr rtlCol="0" anchor="ctr"/>
+          <a:lstStyle/>
+          <a:p>
+            <a:pPr algn="ctr"/>
+            <a:r>
+              <a:rPr lang="en-IN" sz="1400" b="1" dirty="0"/>
+              <a:t>Store Listened Value</a:t>
+            </a:r>
+          </a:p>
+        </p:txBody>
+      </p:sp>
+      <p:sp>
+        <p:nvSpPr>
+          <p:cNvPr id="21" name="Lightning Bolt 20">
+            <a:extLst>
+              <a:ext uri="{FF2B5EF4-FFF2-40B4-BE49-F238E27FC236}">
+                <a16:creationId xmlns:a16="http://schemas.microsoft.com/office/drawing/2014/main" id="{950B9F58-AC71-879B-C03D-2E0CCE32EF71}"/>
+              </a:ext>
+            </a:extLst>
+          </p:cNvPr>
+          <p:cNvSpPr/>
+          <p:nvPr/>
+        </p:nvSpPr>
+        <p:spPr>
+          <a:xfrm>
+            <a:off x="7738534" y="4237566"/>
+            <a:ext cx="1151466" cy="719667"/>
+          </a:xfrm>
+          <a:prstGeom prst="lightningBolt">
+            <a:avLst/>
+          </a:prstGeom>
+          <a:solidFill>
+            <a:srgbClr val="FF0000"/>
+          </a:solidFill>
+        </p:spPr>
+        <p:style>
+          <a:lnRef idx="2">
+            <a:schemeClr val="accent1">
+              <a:shade val="15000"/>
+            </a:schemeClr>
+          </a:lnRef>
+          <a:fillRef idx="1">
+            <a:schemeClr val="accent1"/>
+          </a:fillRef>
+          <a:effectRef idx="0">
+            <a:schemeClr val="accent1"/>
+          </a:effectRef>
+          <a:fontRef idx="minor">
+            <a:schemeClr val="lt1"/>
+          </a:fontRef>
+        </p:style>
+        <p:txBody>
+          <a:bodyPr rtlCol="0" anchor="ctr"/>
+          <a:lstStyle/>
+          <a:p>
+            <a:pPr algn="ctr"/>
+            <a:endParaRPr lang="en-IN"/>
+          </a:p>
+        </p:txBody>
+      </p:sp>
+      <p:sp>
+        <p:nvSpPr>
+          <p:cNvPr id="22" name="TextBox 21">
+            <a:extLst>
+              <a:ext uri="{FF2B5EF4-FFF2-40B4-BE49-F238E27FC236}">
+                <a16:creationId xmlns:a16="http://schemas.microsoft.com/office/drawing/2014/main" id="{38E2E598-6C95-E18D-1613-30C741DC01AF}"/>
+              </a:ext>
+            </a:extLst>
+          </p:cNvPr>
+          <p:cNvSpPr txBox="1"/>
+          <p:nvPr/>
+        </p:nvSpPr>
+        <p:spPr>
+          <a:xfrm>
+            <a:off x="9982199" y="5025785"/>
+            <a:ext cx="1998134" cy="923330"/>
+          </a:xfrm>
+          <a:prstGeom prst="rect">
+            <a:avLst/>
+          </a:prstGeom>
+          <a:noFill/>
+          <a:ln>
+            <a:solidFill>
+              <a:schemeClr val="tx1"/>
+            </a:solidFill>
+          </a:ln>
+        </p:spPr>
+        <p:txBody>
+          <a:bodyPr wrap="square" rtlCol="0">
+            <a:spAutoFit/>
+          </a:bodyPr>
+          <a:lstStyle/>
+          <a:p>
+            <a:pPr algn="ctr"/>
+            <a:r>
+              <a:rPr lang="en-IN" b="1" dirty="0"/>
+              <a:t>Event that will be raised when value is received</a:t>
+            </a:r>
+          </a:p>
+        </p:txBody>
+      </p:sp>
+      <p:cxnSp>
+        <p:nvCxnSpPr>
+          <p:cNvPr id="24" name="Connector: Curved 23">
+            <a:extLst>
+              <a:ext uri="{FF2B5EF4-FFF2-40B4-BE49-F238E27FC236}">
+                <a16:creationId xmlns:a16="http://schemas.microsoft.com/office/drawing/2014/main" id="{31295794-3C8B-008E-4F19-7ABCBAB68DC6}"/>
+              </a:ext>
+            </a:extLst>
+          </p:cNvPr>
+          <p:cNvCxnSpPr>
+            <a:stCxn id="22" idx="1"/>
+            <a:endCxn id="21" idx="5"/>
+          </p:cNvCxnSpPr>
+          <p:nvPr/>
+        </p:nvCxnSpPr>
+        <p:spPr>
+          <a:xfrm rot="10800000">
+            <a:off x="8622231" y="4637614"/>
+            <a:ext cx="1359968" cy="849836"/>
+          </a:xfrm>
+          <a:prstGeom prst="curvedConnector3">
+            <a:avLst/>
+          </a:prstGeom>
+          <a:ln w="19050" cap="flat" cmpd="sng" algn="ctr">
+            <a:solidFill>
+              <a:schemeClr val="accent1"/>
+            </a:solidFill>
+            <a:prstDash val="dash"/>
+            <a:round/>
+            <a:headEnd type="none" w="med" len="med"/>
+            <a:tailEnd type="none" w="med" len="med"/>
+          </a:ln>
+        </p:spPr>
+        <p:style>
+          <a:lnRef idx="0">
+            <a:scrgbClr r="0" g="0" b="0"/>
+          </a:lnRef>
+          <a:fillRef idx="0">
+            <a:scrgbClr r="0" g="0" b="0"/>
+          </a:fillRef>
+          <a:effectRef idx="0">
+            <a:scrgbClr r="0" g="0" b="0"/>
+          </a:effectRef>
+          <a:fontRef idx="minor">
+            <a:schemeClr val="tx1"/>
+          </a:fontRef>
+        </p:style>
+      </p:cxnSp>
+      <p:cxnSp>
+        <p:nvCxnSpPr>
+          <p:cNvPr id="26" name="Straight Arrow Connector 25">
+            <a:extLst>
+              <a:ext uri="{FF2B5EF4-FFF2-40B4-BE49-F238E27FC236}">
+                <a16:creationId xmlns:a16="http://schemas.microsoft.com/office/drawing/2014/main" id="{FAEE4781-EA9A-5E7D-75CB-7DB181303EAD}"/>
+              </a:ext>
+            </a:extLst>
+          </p:cNvPr>
+          <p:cNvCxnSpPr>
+            <a:stCxn id="20" idx="3"/>
+            <a:endCxn id="21" idx="6"/>
+          </p:cNvCxnSpPr>
+          <p:nvPr/>
+        </p:nvCxnSpPr>
+        <p:spPr>
+          <a:xfrm flipH="1">
+            <a:off x="8424083" y="4114680"/>
+            <a:ext cx="72219" cy="325459"/>
+          </a:xfrm>
+          <a:prstGeom prst="straightConnector1">
+            <a:avLst/>
+          </a:prstGeom>
+          <a:ln>
+            <a:tailEnd type="triangle"/>
+          </a:ln>
+        </p:spPr>
+        <p:style>
+          <a:lnRef idx="2">
+            <a:schemeClr val="accent1"/>
+          </a:lnRef>
+          <a:fillRef idx="0">
+            <a:schemeClr val="accent1"/>
+          </a:fillRef>
+          <a:effectRef idx="1">
+            <a:schemeClr val="accent1"/>
+          </a:effectRef>
+          <a:fontRef idx="minor">
+            <a:schemeClr val="tx1"/>
+          </a:fontRef>
+        </p:style>
+      </p:cxnSp>
+      <p:cxnSp>
+        <p:nvCxnSpPr>
+          <p:cNvPr id="28" name="Connector: Curved 27">
+            <a:extLst>
+              <a:ext uri="{FF2B5EF4-FFF2-40B4-BE49-F238E27FC236}">
+                <a16:creationId xmlns:a16="http://schemas.microsoft.com/office/drawing/2014/main" id="{7D0B78BD-AFEC-4E47-23B9-CA265F6809B4}"/>
+              </a:ext>
+            </a:extLst>
+          </p:cNvPr>
+          <p:cNvCxnSpPr>
+            <a:endCxn id="21" idx="1"/>
+          </p:cNvCxnSpPr>
+          <p:nvPr/>
+        </p:nvCxnSpPr>
+        <p:spPr>
+          <a:xfrm flipV="1">
+            <a:off x="3767668" y="4367173"/>
+            <a:ext cx="3970866" cy="590060"/>
+          </a:xfrm>
+          <a:prstGeom prst="curvedConnector4">
+            <a:avLst>
+              <a:gd name="adj1" fmla="val 50000"/>
+              <a:gd name="adj2" fmla="val 160707"/>
+            </a:avLst>
+          </a:prstGeom>
+          <a:ln>
+            <a:tailEnd type="triangle"/>
+          </a:ln>
+        </p:spPr>
+        <p:style>
+          <a:lnRef idx="2">
+            <a:schemeClr val="accent1"/>
+          </a:lnRef>
+          <a:fillRef idx="0">
+            <a:schemeClr val="accent1"/>
+          </a:fillRef>
+          <a:effectRef idx="1">
+            <a:schemeClr val="accent1"/>
+          </a:effectRef>
+          <a:fontRef idx="minor">
+            <a:schemeClr val="tx1"/>
+          </a:fontRef>
+        </p:style>
+      </p:cxnSp>
+      <p:sp>
+        <p:nvSpPr>
+          <p:cNvPr id="29" name="TextBox 28">
+            <a:extLst>
+              <a:ext uri="{FF2B5EF4-FFF2-40B4-BE49-F238E27FC236}">
+                <a16:creationId xmlns:a16="http://schemas.microsoft.com/office/drawing/2014/main" id="{C973EC03-0E86-690A-FB76-F757857B5BCB}"/>
+              </a:ext>
+            </a:extLst>
+          </p:cNvPr>
+          <p:cNvSpPr txBox="1"/>
+          <p:nvPr/>
+        </p:nvSpPr>
+        <p:spPr>
+          <a:xfrm>
+            <a:off x="5499102" y="3835400"/>
+            <a:ext cx="1625598" cy="523220"/>
+          </a:xfrm>
+          <a:prstGeom prst="rect">
+            <a:avLst/>
+          </a:prstGeom>
+          <a:noFill/>
+          <a:ln>
+            <a:solidFill>
+              <a:schemeClr val="tx1"/>
+            </a:solidFill>
+          </a:ln>
+        </p:spPr>
+        <p:txBody>
+          <a:bodyPr wrap="square" rtlCol="0">
+            <a:spAutoFit/>
+          </a:bodyPr>
+          <a:lstStyle/>
+          <a:p>
+            <a:pPr algn="ctr"/>
+            <a:r>
+              <a:rPr lang="en-IN" sz="1400" b="1" dirty="0"/>
+              <a:t>Subscribe to the Event</a:t>
+            </a:r>
+          </a:p>
+        </p:txBody>
+      </p:sp>
+      <p:cxnSp>
+        <p:nvCxnSpPr>
+          <p:cNvPr id="31" name="Connector: Curved 30">
+            <a:extLst>
+              <a:ext uri="{FF2B5EF4-FFF2-40B4-BE49-F238E27FC236}">
+                <a16:creationId xmlns:a16="http://schemas.microsoft.com/office/drawing/2014/main" id="{A0535193-4CB7-69A5-F423-4E962E30CD1E}"/>
+              </a:ext>
+            </a:extLst>
+          </p:cNvPr>
+          <p:cNvCxnSpPr>
+            <a:stCxn id="21" idx="3"/>
+            <a:endCxn id="11" idx="3"/>
+          </p:cNvCxnSpPr>
+          <p:nvPr/>
+        </p:nvCxnSpPr>
+        <p:spPr>
+          <a:xfrm rot="10800000" flipV="1">
+            <a:off x="4775202" y="4734502"/>
+            <a:ext cx="3497059" cy="624897"/>
+          </a:xfrm>
+          <a:prstGeom prst="curvedConnector3">
+            <a:avLst/>
+          </a:prstGeom>
+          <a:ln>
+            <a:tailEnd type="triangle"/>
+          </a:ln>
+        </p:spPr>
+        <p:style>
+          <a:lnRef idx="2">
+            <a:schemeClr val="accent1"/>
+          </a:lnRef>
+          <a:fillRef idx="0">
+            <a:schemeClr val="accent1"/>
+          </a:fillRef>
+          <a:effectRef idx="1">
+            <a:schemeClr val="accent1"/>
+          </a:effectRef>
+          <a:fontRef idx="minor">
+            <a:schemeClr val="tx1"/>
+          </a:fontRef>
+        </p:style>
+      </p:cxnSp>
+      <p:sp>
+        <p:nvSpPr>
+          <p:cNvPr id="32" name="TextBox 31">
+            <a:extLst>
+              <a:ext uri="{FF2B5EF4-FFF2-40B4-BE49-F238E27FC236}">
+                <a16:creationId xmlns:a16="http://schemas.microsoft.com/office/drawing/2014/main" id="{5B43F7BA-C4A4-7F64-3D30-04129D5DC317}"/>
+              </a:ext>
+            </a:extLst>
+          </p:cNvPr>
+          <p:cNvSpPr txBox="1"/>
+          <p:nvPr/>
+        </p:nvSpPr>
+        <p:spPr>
+          <a:xfrm>
+            <a:off x="5892806" y="5359399"/>
+            <a:ext cx="1625598" cy="954107"/>
+          </a:xfrm>
+          <a:prstGeom prst="rect">
+            <a:avLst/>
+          </a:prstGeom>
+          <a:noFill/>
+          <a:ln>
+            <a:solidFill>
+              <a:schemeClr val="tx1"/>
+            </a:solidFill>
+          </a:ln>
+        </p:spPr>
+        <p:txBody>
+          <a:bodyPr wrap="square" rtlCol="0">
+            <a:spAutoFit/>
+          </a:bodyPr>
+          <a:lstStyle/>
+          <a:p>
+            <a:pPr algn="ctr"/>
+            <a:r>
+              <a:rPr lang="en-IN" sz="1400" b="1" dirty="0"/>
+              <a:t>When the Value is listened, it will be notified to the subscriber</a:t>
+            </a:r>
+          </a:p>
+        </p:txBody>
+      </p:sp>
+      <p:sp>
+        <p:nvSpPr>
+          <p:cNvPr id="33" name="TextBox 32">
+            <a:extLst>
+              <a:ext uri="{FF2B5EF4-FFF2-40B4-BE49-F238E27FC236}">
+                <a16:creationId xmlns:a16="http://schemas.microsoft.com/office/drawing/2014/main" id="{92055C4F-34F0-B0AB-8AB9-474DD55E061B}"/>
+              </a:ext>
+            </a:extLst>
+          </p:cNvPr>
+          <p:cNvSpPr txBox="1"/>
+          <p:nvPr/>
+        </p:nvSpPr>
+        <p:spPr>
+          <a:xfrm>
+            <a:off x="10075333" y="1764017"/>
+            <a:ext cx="1998134" cy="1384995"/>
+          </a:xfrm>
+          <a:prstGeom prst="rect">
+            <a:avLst/>
+          </a:prstGeom>
+          <a:noFill/>
+          <a:ln>
+            <a:solidFill>
+              <a:schemeClr val="tx1"/>
+            </a:solidFill>
+          </a:ln>
+        </p:spPr>
+        <p:txBody>
+          <a:bodyPr wrap="square" rtlCol="0">
+            <a:spAutoFit/>
+          </a:bodyPr>
+          <a:lstStyle/>
+          <a:p>
+            <a:pPr algn="ctr"/>
+            <a:r>
+              <a:rPr lang="en-IN" sz="1400" b="1" dirty="0"/>
+              <a:t>Angular Service to Share / Communicate data across component’s those who does not related with each other</a:t>
+            </a:r>
+          </a:p>
+        </p:txBody>
+      </p:sp>
+    </p:spTree>
+    <p:extLst>
+      <p:ext uri="{BB962C8B-B14F-4D97-AF65-F5344CB8AC3E}">
+        <p14:creationId xmlns:p14="http://schemas.microsoft.com/office/powerpoint/2010/main" val="2537253271"/>
+      </p:ext>
+    </p:extLst>
+  </p:cSld>
+  <p:clrMapOvr>
+    <a:masterClrMapping/>
+  </p:clrMapOvr>
+</p:sld>
+</file>
+
 <file path=ppt/slides/slide2.xml><?xml version="1.0" encoding="utf-8"?>
 <p:sld xmlns:a="http://schemas.openxmlformats.org/drawingml/2006/main" xmlns:r="http://schemas.openxmlformats.org/officeDocument/2006/relationships" xmlns:p="http://schemas.openxmlformats.org/presentationml/2006/main">
   <p:cSld>
@@ -7143,6 +8171,51 @@
           </a:fillRef>
           <a:effectRef idx="1">
             <a:schemeClr val="accent1"/>
+          </a:effectRef>
+          <a:fontRef idx="minor">
+            <a:schemeClr val="tx1"/>
+          </a:fontRef>
+        </p:style>
+      </p:cxnSp>
+      <p:cxnSp>
+        <p:nvCxnSpPr>
+          <p:cNvPr id="18" name="Connector: Elbow 17">
+            <a:extLst>
+              <a:ext uri="{FF2B5EF4-FFF2-40B4-BE49-F238E27FC236}">
+                <a16:creationId xmlns:a16="http://schemas.microsoft.com/office/drawing/2014/main" id="{5D0B6714-CC60-2A44-78B9-7DC938FDBDC6}"/>
+              </a:ext>
+            </a:extLst>
+          </p:cNvPr>
+          <p:cNvCxnSpPr>
+            <a:stCxn id="13" idx="0"/>
+            <a:endCxn id="14" idx="3"/>
+          </p:cNvCxnSpPr>
+          <p:nvPr/>
+        </p:nvCxnSpPr>
+        <p:spPr>
+          <a:xfrm rot="5400000" flipH="1" flipV="1">
+            <a:off x="7546633" y="2944768"/>
+            <a:ext cx="1480235" cy="596902"/>
+          </a:xfrm>
+          <a:prstGeom prst="bentConnector4">
+            <a:avLst>
+              <a:gd name="adj1" fmla="val 7776"/>
+              <a:gd name="adj2" fmla="val 138298"/>
+            </a:avLst>
+          </a:prstGeom>
+          <a:ln>
+            <a:tailEnd type="triangle"/>
+          </a:ln>
+        </p:spPr>
+        <p:style>
+          <a:lnRef idx="3">
+            <a:schemeClr val="dk1"/>
+          </a:lnRef>
+          <a:fillRef idx="0">
+            <a:schemeClr val="dk1"/>
+          </a:fillRef>
+          <a:effectRef idx="2">
+            <a:schemeClr val="dk1"/>
           </a:effectRef>
           <a:fontRef idx="minor">
             <a:schemeClr val="tx1"/>

--- a/my-ng-app/Angular_Training_Images.pptx
+++ b/my-ng-app/Angular_Training_Images.pptx
@@ -15,6 +15,10 @@
     <p:sldId id="263" r:id="rId9"/>
     <p:sldId id="264" r:id="rId10"/>
     <p:sldId id="265" r:id="rId11"/>
+    <p:sldId id="266" r:id="rId12"/>
+    <p:sldId id="267" r:id="rId13"/>
+    <p:sldId id="268" r:id="rId14"/>
+    <p:sldId id="269" r:id="rId15"/>
   </p:sldIdLst>
   <p:sldSz cx="12192000" cy="6858000"/>
   <p:notesSz cx="6858000" cy="9144000"/>
@@ -270,7 +274,7 @@
           <a:p>
             <a:fld id="{35E7C7C1-050F-4B17-8FDC-37C455263954}" type="datetimeFigureOut">
               <a:rPr lang="en-IN" smtClean="0"/>
-              <a:t>26-03-2024</a:t>
+              <a:t>27-03-2024</a:t>
             </a:fld>
             <a:endParaRPr lang="en-IN"/>
           </a:p>
@@ -470,7 +474,7 @@
           <a:p>
             <a:fld id="{35E7C7C1-050F-4B17-8FDC-37C455263954}" type="datetimeFigureOut">
               <a:rPr lang="en-IN" smtClean="0"/>
-              <a:t>26-03-2024</a:t>
+              <a:t>27-03-2024</a:t>
             </a:fld>
             <a:endParaRPr lang="en-IN"/>
           </a:p>
@@ -680,7 +684,7 @@
           <a:p>
             <a:fld id="{35E7C7C1-050F-4B17-8FDC-37C455263954}" type="datetimeFigureOut">
               <a:rPr lang="en-IN" smtClean="0"/>
-              <a:t>26-03-2024</a:t>
+              <a:t>27-03-2024</a:t>
             </a:fld>
             <a:endParaRPr lang="en-IN"/>
           </a:p>
@@ -880,7 +884,7 @@
           <a:p>
             <a:fld id="{35E7C7C1-050F-4B17-8FDC-37C455263954}" type="datetimeFigureOut">
               <a:rPr lang="en-IN" smtClean="0"/>
-              <a:t>26-03-2024</a:t>
+              <a:t>27-03-2024</a:t>
             </a:fld>
             <a:endParaRPr lang="en-IN"/>
           </a:p>
@@ -1156,7 +1160,7 @@
           <a:p>
             <a:fld id="{35E7C7C1-050F-4B17-8FDC-37C455263954}" type="datetimeFigureOut">
               <a:rPr lang="en-IN" smtClean="0"/>
-              <a:t>26-03-2024</a:t>
+              <a:t>27-03-2024</a:t>
             </a:fld>
             <a:endParaRPr lang="en-IN"/>
           </a:p>
@@ -1424,7 +1428,7 @@
           <a:p>
             <a:fld id="{35E7C7C1-050F-4B17-8FDC-37C455263954}" type="datetimeFigureOut">
               <a:rPr lang="en-IN" smtClean="0"/>
-              <a:t>26-03-2024</a:t>
+              <a:t>27-03-2024</a:t>
             </a:fld>
             <a:endParaRPr lang="en-IN"/>
           </a:p>
@@ -1839,7 +1843,7 @@
           <a:p>
             <a:fld id="{35E7C7C1-050F-4B17-8FDC-37C455263954}" type="datetimeFigureOut">
               <a:rPr lang="en-IN" smtClean="0"/>
-              <a:t>26-03-2024</a:t>
+              <a:t>27-03-2024</a:t>
             </a:fld>
             <a:endParaRPr lang="en-IN"/>
           </a:p>
@@ -1981,7 +1985,7 @@
           <a:p>
             <a:fld id="{35E7C7C1-050F-4B17-8FDC-37C455263954}" type="datetimeFigureOut">
               <a:rPr lang="en-IN" smtClean="0"/>
-              <a:t>26-03-2024</a:t>
+              <a:t>27-03-2024</a:t>
             </a:fld>
             <a:endParaRPr lang="en-IN"/>
           </a:p>
@@ -2094,7 +2098,7 @@
           <a:p>
             <a:fld id="{35E7C7C1-050F-4B17-8FDC-37C455263954}" type="datetimeFigureOut">
               <a:rPr lang="en-IN" smtClean="0"/>
-              <a:t>26-03-2024</a:t>
+              <a:t>27-03-2024</a:t>
             </a:fld>
             <a:endParaRPr lang="en-IN"/>
           </a:p>
@@ -2407,7 +2411,7 @@
           <a:p>
             <a:fld id="{35E7C7C1-050F-4B17-8FDC-37C455263954}" type="datetimeFigureOut">
               <a:rPr lang="en-IN" smtClean="0"/>
-              <a:t>26-03-2024</a:t>
+              <a:t>27-03-2024</a:t>
             </a:fld>
             <a:endParaRPr lang="en-IN"/>
           </a:p>
@@ -2696,7 +2700,7 @@
           <a:p>
             <a:fld id="{35E7C7C1-050F-4B17-8FDC-37C455263954}" type="datetimeFigureOut">
               <a:rPr lang="en-IN" smtClean="0"/>
-              <a:t>26-03-2024</a:t>
+              <a:t>27-03-2024</a:t>
             </a:fld>
             <a:endParaRPr lang="en-IN"/>
           </a:p>
@@ -2939,7 +2943,7 @@
           <a:p>
             <a:fld id="{35E7C7C1-050F-4B17-8FDC-37C455263954}" type="datetimeFigureOut">
               <a:rPr lang="en-IN" smtClean="0"/>
-              <a:t>26-03-2024</a:t>
+              <a:t>27-03-2024</a:t>
             </a:fld>
             <a:endParaRPr lang="en-IN"/>
           </a:p>
@@ -5194,6 +5198,4553 @@
     <p:extLst>
       <p:ext uri="{BB962C8B-B14F-4D97-AF65-F5344CB8AC3E}">
         <p14:creationId xmlns:p14="http://schemas.microsoft.com/office/powerpoint/2010/main" val="2537253271"/>
+      </p:ext>
+    </p:extLst>
+  </p:cSld>
+  <p:clrMapOvr>
+    <a:masterClrMapping/>
+  </p:clrMapOvr>
+</p:sld>
+</file>
+
+<file path=ppt/slides/slide11.xml><?xml version="1.0" encoding="utf-8"?>
+<p:sld xmlns:a="http://schemas.openxmlformats.org/drawingml/2006/main" xmlns:r="http://schemas.openxmlformats.org/officeDocument/2006/relationships" xmlns:p="http://schemas.openxmlformats.org/presentationml/2006/main">
+  <p:cSld>
+    <p:spTree>
+      <p:nvGrpSpPr>
+        <p:cNvPr id="1" name=""/>
+        <p:cNvGrpSpPr/>
+        <p:nvPr/>
+      </p:nvGrpSpPr>
+      <p:grpSpPr>
+        <a:xfrm>
+          <a:off x="0" y="0"/>
+          <a:ext cx="0" cy="0"/>
+          <a:chOff x="0" y="0"/>
+          <a:chExt cx="0" cy="0"/>
+        </a:xfrm>
+      </p:grpSpPr>
+      <p:sp>
+        <p:nvSpPr>
+          <p:cNvPr id="2" name="Flowchart: Process 1">
+            <a:extLst>
+              <a:ext uri="{FF2B5EF4-FFF2-40B4-BE49-F238E27FC236}">
+                <a16:creationId xmlns:a16="http://schemas.microsoft.com/office/drawing/2014/main" id="{8509A85F-230A-E01E-DF16-B0A75FAC62AD}"/>
+              </a:ext>
+            </a:extLst>
+          </p:cNvPr>
+          <p:cNvSpPr/>
+          <p:nvPr/>
+        </p:nvSpPr>
+        <p:spPr>
+          <a:xfrm>
+            <a:off x="5614738" y="288758"/>
+            <a:ext cx="5494420" cy="6264442"/>
+          </a:xfrm>
+          <a:prstGeom prst="flowChartProcess">
+            <a:avLst/>
+          </a:prstGeom>
+        </p:spPr>
+        <p:style>
+          <a:lnRef idx="1">
+            <a:schemeClr val="accent2"/>
+          </a:lnRef>
+          <a:fillRef idx="2">
+            <a:schemeClr val="accent2"/>
+          </a:fillRef>
+          <a:effectRef idx="1">
+            <a:schemeClr val="accent2"/>
+          </a:effectRef>
+          <a:fontRef idx="minor">
+            <a:schemeClr val="dk1"/>
+          </a:fontRef>
+        </p:style>
+        <p:txBody>
+          <a:bodyPr rtlCol="0" anchor="ctr"/>
+          <a:lstStyle/>
+          <a:p>
+            <a:pPr algn="ctr"/>
+            <a:endParaRPr lang="en-IN"/>
+          </a:p>
+        </p:txBody>
+      </p:sp>
+      <p:sp>
+        <p:nvSpPr>
+          <p:cNvPr id="3" name="TextBox 2">
+            <a:extLst>
+              <a:ext uri="{FF2B5EF4-FFF2-40B4-BE49-F238E27FC236}">
+                <a16:creationId xmlns:a16="http://schemas.microsoft.com/office/drawing/2014/main" id="{20741119-09CE-9D30-16A6-7A7F7230C2C6}"/>
+              </a:ext>
+            </a:extLst>
+          </p:cNvPr>
+          <p:cNvSpPr txBox="1"/>
+          <p:nvPr/>
+        </p:nvSpPr>
+        <p:spPr>
+          <a:xfrm>
+            <a:off x="5999747" y="376989"/>
+            <a:ext cx="4981074" cy="369332"/>
+          </a:xfrm>
+          <a:prstGeom prst="rect">
+            <a:avLst/>
+          </a:prstGeom>
+          <a:noFill/>
+          <a:ln>
+            <a:solidFill>
+              <a:schemeClr val="accent1"/>
+            </a:solidFill>
+          </a:ln>
+        </p:spPr>
+        <p:txBody>
+          <a:bodyPr wrap="square" rtlCol="0">
+            <a:spAutoFit/>
+          </a:bodyPr>
+          <a:lstStyle/>
+          <a:p>
+            <a:pPr algn="ctr"/>
+            <a:r>
+              <a:rPr lang="en-IN" b="1" dirty="0"/>
+              <a:t>Server-Side Application</a:t>
+            </a:r>
+          </a:p>
+        </p:txBody>
+      </p:sp>
+      <p:sp>
+        <p:nvSpPr>
+          <p:cNvPr id="4" name="Cylinder 3">
+            <a:extLst>
+              <a:ext uri="{FF2B5EF4-FFF2-40B4-BE49-F238E27FC236}">
+                <a16:creationId xmlns:a16="http://schemas.microsoft.com/office/drawing/2014/main" id="{AE8F3FF9-68A5-9C05-7496-A9A10D8C9D30}"/>
+              </a:ext>
+            </a:extLst>
+          </p:cNvPr>
+          <p:cNvSpPr/>
+          <p:nvPr/>
+        </p:nvSpPr>
+        <p:spPr>
+          <a:xfrm>
+            <a:off x="11221453" y="1427747"/>
+            <a:ext cx="890336" cy="617621"/>
+          </a:xfrm>
+          <a:prstGeom prst="can">
+            <a:avLst/>
+          </a:prstGeom>
+        </p:spPr>
+        <p:style>
+          <a:lnRef idx="2">
+            <a:schemeClr val="accent1">
+              <a:shade val="15000"/>
+            </a:schemeClr>
+          </a:lnRef>
+          <a:fillRef idx="1">
+            <a:schemeClr val="accent1"/>
+          </a:fillRef>
+          <a:effectRef idx="0">
+            <a:schemeClr val="accent1"/>
+          </a:effectRef>
+          <a:fontRef idx="minor">
+            <a:schemeClr val="lt1"/>
+          </a:fontRef>
+        </p:style>
+        <p:txBody>
+          <a:bodyPr rtlCol="0" anchor="ctr"/>
+          <a:lstStyle/>
+          <a:p>
+            <a:pPr algn="ctr"/>
+            <a:endParaRPr lang="en-IN"/>
+          </a:p>
+        </p:txBody>
+      </p:sp>
+      <p:sp>
+        <p:nvSpPr>
+          <p:cNvPr id="5" name="Cylinder 4">
+            <a:extLst>
+              <a:ext uri="{FF2B5EF4-FFF2-40B4-BE49-F238E27FC236}">
+                <a16:creationId xmlns:a16="http://schemas.microsoft.com/office/drawing/2014/main" id="{2D22F84B-FD15-FBE5-2168-E084512DEBBE}"/>
+              </a:ext>
+            </a:extLst>
+          </p:cNvPr>
+          <p:cNvSpPr/>
+          <p:nvPr/>
+        </p:nvSpPr>
+        <p:spPr>
+          <a:xfrm>
+            <a:off x="11245516" y="2486526"/>
+            <a:ext cx="890336" cy="617621"/>
+          </a:xfrm>
+          <a:prstGeom prst="can">
+            <a:avLst/>
+          </a:prstGeom>
+        </p:spPr>
+        <p:style>
+          <a:lnRef idx="2">
+            <a:schemeClr val="accent1">
+              <a:shade val="15000"/>
+            </a:schemeClr>
+          </a:lnRef>
+          <a:fillRef idx="1">
+            <a:schemeClr val="accent1"/>
+          </a:fillRef>
+          <a:effectRef idx="0">
+            <a:schemeClr val="accent1"/>
+          </a:effectRef>
+          <a:fontRef idx="minor">
+            <a:schemeClr val="lt1"/>
+          </a:fontRef>
+        </p:style>
+        <p:txBody>
+          <a:bodyPr rtlCol="0" anchor="ctr"/>
+          <a:lstStyle/>
+          <a:p>
+            <a:pPr algn="ctr"/>
+            <a:endParaRPr lang="en-IN"/>
+          </a:p>
+        </p:txBody>
+      </p:sp>
+      <p:sp>
+        <p:nvSpPr>
+          <p:cNvPr id="6" name="Cylinder 5">
+            <a:extLst>
+              <a:ext uri="{FF2B5EF4-FFF2-40B4-BE49-F238E27FC236}">
+                <a16:creationId xmlns:a16="http://schemas.microsoft.com/office/drawing/2014/main" id="{41C023F2-CB73-5449-DE45-918C3DD2E265}"/>
+              </a:ext>
+            </a:extLst>
+          </p:cNvPr>
+          <p:cNvSpPr/>
+          <p:nvPr/>
+        </p:nvSpPr>
+        <p:spPr>
+          <a:xfrm>
+            <a:off x="11245516" y="3545305"/>
+            <a:ext cx="890336" cy="617621"/>
+          </a:xfrm>
+          <a:prstGeom prst="can">
+            <a:avLst/>
+          </a:prstGeom>
+        </p:spPr>
+        <p:style>
+          <a:lnRef idx="2">
+            <a:schemeClr val="accent1">
+              <a:shade val="15000"/>
+            </a:schemeClr>
+          </a:lnRef>
+          <a:fillRef idx="1">
+            <a:schemeClr val="accent1"/>
+          </a:fillRef>
+          <a:effectRef idx="0">
+            <a:schemeClr val="accent1"/>
+          </a:effectRef>
+          <a:fontRef idx="minor">
+            <a:schemeClr val="lt1"/>
+          </a:fontRef>
+        </p:style>
+        <p:txBody>
+          <a:bodyPr rtlCol="0" anchor="ctr"/>
+          <a:lstStyle/>
+          <a:p>
+            <a:pPr algn="ctr"/>
+            <a:endParaRPr lang="en-IN"/>
+          </a:p>
+        </p:txBody>
+      </p:sp>
+      <p:sp>
+        <p:nvSpPr>
+          <p:cNvPr id="7" name="Cylinder 6">
+            <a:extLst>
+              <a:ext uri="{FF2B5EF4-FFF2-40B4-BE49-F238E27FC236}">
+                <a16:creationId xmlns:a16="http://schemas.microsoft.com/office/drawing/2014/main" id="{A354FDBB-1DE3-DD54-01B2-B7FED6EB400A}"/>
+              </a:ext>
+            </a:extLst>
+          </p:cNvPr>
+          <p:cNvSpPr/>
+          <p:nvPr/>
+        </p:nvSpPr>
+        <p:spPr>
+          <a:xfrm>
+            <a:off x="11301664" y="4379495"/>
+            <a:ext cx="890336" cy="617621"/>
+          </a:xfrm>
+          <a:prstGeom prst="can">
+            <a:avLst/>
+          </a:prstGeom>
+        </p:spPr>
+        <p:style>
+          <a:lnRef idx="2">
+            <a:schemeClr val="accent1">
+              <a:shade val="15000"/>
+            </a:schemeClr>
+          </a:lnRef>
+          <a:fillRef idx="1">
+            <a:schemeClr val="accent1"/>
+          </a:fillRef>
+          <a:effectRef idx="0">
+            <a:schemeClr val="accent1"/>
+          </a:effectRef>
+          <a:fontRef idx="minor">
+            <a:schemeClr val="lt1"/>
+          </a:fontRef>
+        </p:style>
+        <p:txBody>
+          <a:bodyPr rtlCol="0" anchor="ctr"/>
+          <a:lstStyle/>
+          <a:p>
+            <a:pPr algn="ctr"/>
+            <a:endParaRPr lang="en-IN"/>
+          </a:p>
+        </p:txBody>
+      </p:sp>
+      <p:sp>
+        <p:nvSpPr>
+          <p:cNvPr id="8" name="Flowchart: Process 7">
+            <a:extLst>
+              <a:ext uri="{FF2B5EF4-FFF2-40B4-BE49-F238E27FC236}">
+                <a16:creationId xmlns:a16="http://schemas.microsoft.com/office/drawing/2014/main" id="{97C17A0C-087F-F145-7E9E-E730400D046A}"/>
+              </a:ext>
+            </a:extLst>
+          </p:cNvPr>
+          <p:cNvSpPr/>
+          <p:nvPr/>
+        </p:nvSpPr>
+        <p:spPr>
+          <a:xfrm>
+            <a:off x="10034337" y="1211179"/>
+            <a:ext cx="946484" cy="3994484"/>
+          </a:xfrm>
+          <a:prstGeom prst="flowChartProcess">
+            <a:avLst/>
+          </a:prstGeom>
+        </p:spPr>
+        <p:style>
+          <a:lnRef idx="2">
+            <a:schemeClr val="accent1">
+              <a:shade val="15000"/>
+            </a:schemeClr>
+          </a:lnRef>
+          <a:fillRef idx="1">
+            <a:schemeClr val="accent1"/>
+          </a:fillRef>
+          <a:effectRef idx="0">
+            <a:schemeClr val="accent1"/>
+          </a:effectRef>
+          <a:fontRef idx="minor">
+            <a:schemeClr val="lt1"/>
+          </a:fontRef>
+        </p:style>
+        <p:txBody>
+          <a:bodyPr rtlCol="0" anchor="ctr"/>
+          <a:lstStyle/>
+          <a:p>
+            <a:pPr algn="ctr"/>
+            <a:r>
+              <a:rPr lang="en-IN" dirty="0"/>
+              <a:t>Data</a:t>
+            </a:r>
+          </a:p>
+          <a:p>
+            <a:pPr algn="ctr"/>
+            <a:r>
+              <a:rPr lang="en-IN" dirty="0"/>
+              <a:t>Access</a:t>
+            </a:r>
+          </a:p>
+          <a:p>
+            <a:pPr algn="ctr"/>
+            <a:r>
+              <a:rPr lang="en-IN" dirty="0"/>
+              <a:t>Layer</a:t>
+            </a:r>
+          </a:p>
+          <a:p>
+            <a:pPr algn="ctr"/>
+            <a:endParaRPr lang="en-IN" dirty="0"/>
+          </a:p>
+        </p:txBody>
+      </p:sp>
+      <p:cxnSp>
+        <p:nvCxnSpPr>
+          <p:cNvPr id="10" name="Connector: Elbow 9">
+            <a:extLst>
+              <a:ext uri="{FF2B5EF4-FFF2-40B4-BE49-F238E27FC236}">
+                <a16:creationId xmlns:a16="http://schemas.microsoft.com/office/drawing/2014/main" id="{9600C6AA-4DAB-DC4C-2957-BD45265F1370}"/>
+              </a:ext>
+            </a:extLst>
+          </p:cNvPr>
+          <p:cNvCxnSpPr>
+            <a:stCxn id="8" idx="3"/>
+            <a:endCxn id="4" idx="2"/>
+          </p:cNvCxnSpPr>
+          <p:nvPr/>
+        </p:nvCxnSpPr>
+        <p:spPr>
+          <a:xfrm flipV="1">
+            <a:off x="10980821" y="1736558"/>
+            <a:ext cx="240632" cy="1471863"/>
+          </a:xfrm>
+          <a:prstGeom prst="bentConnector3">
+            <a:avLst/>
+          </a:prstGeom>
+          <a:ln>
+            <a:headEnd type="triangle"/>
+            <a:tailEnd type="triangle"/>
+          </a:ln>
+        </p:spPr>
+        <p:style>
+          <a:lnRef idx="3">
+            <a:schemeClr val="dk1"/>
+          </a:lnRef>
+          <a:fillRef idx="0">
+            <a:schemeClr val="dk1"/>
+          </a:fillRef>
+          <a:effectRef idx="2">
+            <a:schemeClr val="dk1"/>
+          </a:effectRef>
+          <a:fontRef idx="minor">
+            <a:schemeClr val="tx1"/>
+          </a:fontRef>
+        </p:style>
+      </p:cxnSp>
+      <p:cxnSp>
+        <p:nvCxnSpPr>
+          <p:cNvPr id="12" name="Connector: Elbow 11">
+            <a:extLst>
+              <a:ext uri="{FF2B5EF4-FFF2-40B4-BE49-F238E27FC236}">
+                <a16:creationId xmlns:a16="http://schemas.microsoft.com/office/drawing/2014/main" id="{809BD14A-C08D-338F-E9EF-4B19A7EEC067}"/>
+              </a:ext>
+            </a:extLst>
+          </p:cNvPr>
+          <p:cNvCxnSpPr>
+            <a:cxnSpLocks/>
+            <a:stCxn id="8" idx="3"/>
+            <a:endCxn id="7" idx="2"/>
+          </p:cNvCxnSpPr>
+          <p:nvPr/>
+        </p:nvCxnSpPr>
+        <p:spPr>
+          <a:xfrm>
+            <a:off x="10980821" y="3208421"/>
+            <a:ext cx="320843" cy="1479885"/>
+          </a:xfrm>
+          <a:prstGeom prst="bentConnector3">
+            <a:avLst>
+              <a:gd name="adj1" fmla="val 50000"/>
+            </a:avLst>
+          </a:prstGeom>
+          <a:ln>
+            <a:headEnd type="triangle"/>
+            <a:tailEnd type="triangle"/>
+          </a:ln>
+        </p:spPr>
+        <p:style>
+          <a:lnRef idx="2">
+            <a:schemeClr val="dk1"/>
+          </a:lnRef>
+          <a:fillRef idx="0">
+            <a:schemeClr val="dk1"/>
+          </a:fillRef>
+          <a:effectRef idx="1">
+            <a:schemeClr val="dk1"/>
+          </a:effectRef>
+          <a:fontRef idx="minor">
+            <a:schemeClr val="tx1"/>
+          </a:fontRef>
+        </p:style>
+      </p:cxnSp>
+      <p:sp>
+        <p:nvSpPr>
+          <p:cNvPr id="14" name="Rectangle: Rounded Corners 13">
+            <a:extLst>
+              <a:ext uri="{FF2B5EF4-FFF2-40B4-BE49-F238E27FC236}">
+                <a16:creationId xmlns:a16="http://schemas.microsoft.com/office/drawing/2014/main" id="{A8AD073D-6CE9-9FCB-A06C-6748CEE54679}"/>
+              </a:ext>
+            </a:extLst>
+          </p:cNvPr>
+          <p:cNvSpPr/>
+          <p:nvPr/>
+        </p:nvSpPr>
+        <p:spPr>
+          <a:xfrm>
+            <a:off x="8269706" y="1211179"/>
+            <a:ext cx="1540042" cy="3994484"/>
+          </a:xfrm>
+          <a:prstGeom prst="roundRect">
+            <a:avLst/>
+          </a:prstGeom>
+        </p:spPr>
+        <p:style>
+          <a:lnRef idx="2">
+            <a:schemeClr val="accent1">
+              <a:shade val="15000"/>
+            </a:schemeClr>
+          </a:lnRef>
+          <a:fillRef idx="1">
+            <a:schemeClr val="accent1"/>
+          </a:fillRef>
+          <a:effectRef idx="0">
+            <a:schemeClr val="accent1"/>
+          </a:effectRef>
+          <a:fontRef idx="minor">
+            <a:schemeClr val="lt1"/>
+          </a:fontRef>
+        </p:style>
+        <p:txBody>
+          <a:bodyPr rtlCol="0" anchor="ctr"/>
+          <a:lstStyle/>
+          <a:p>
+            <a:pPr algn="ctr"/>
+            <a:r>
+              <a:rPr lang="en-IN" dirty="0"/>
+              <a:t>Business</a:t>
+            </a:r>
+          </a:p>
+          <a:p>
+            <a:pPr algn="ctr"/>
+            <a:r>
+              <a:rPr lang="en-IN" dirty="0"/>
+              <a:t>WF Layer</a:t>
+            </a:r>
+          </a:p>
+        </p:txBody>
+      </p:sp>
+      <p:cxnSp>
+        <p:nvCxnSpPr>
+          <p:cNvPr id="19" name="Connector: Elbow 18">
+            <a:extLst>
+              <a:ext uri="{FF2B5EF4-FFF2-40B4-BE49-F238E27FC236}">
+                <a16:creationId xmlns:a16="http://schemas.microsoft.com/office/drawing/2014/main" id="{AD8A94C7-57CC-4B0D-4001-274664F297C4}"/>
+              </a:ext>
+            </a:extLst>
+          </p:cNvPr>
+          <p:cNvCxnSpPr>
+            <a:stCxn id="14" idx="0"/>
+            <a:endCxn id="8" idx="0"/>
+          </p:cNvCxnSpPr>
+          <p:nvPr/>
+        </p:nvCxnSpPr>
+        <p:spPr>
+          <a:xfrm rot="5400000" flipH="1" flipV="1">
+            <a:off x="9773653" y="477253"/>
+            <a:ext cx="12700" cy="1467852"/>
+          </a:xfrm>
+          <a:prstGeom prst="bentConnector3">
+            <a:avLst>
+              <a:gd name="adj1" fmla="val 1800000"/>
+            </a:avLst>
+          </a:prstGeom>
+          <a:ln>
+            <a:headEnd type="triangle"/>
+            <a:tailEnd type="triangle"/>
+          </a:ln>
+        </p:spPr>
+        <p:style>
+          <a:lnRef idx="2">
+            <a:schemeClr val="accent1"/>
+          </a:lnRef>
+          <a:fillRef idx="0">
+            <a:schemeClr val="accent1"/>
+          </a:fillRef>
+          <a:effectRef idx="1">
+            <a:schemeClr val="accent1"/>
+          </a:effectRef>
+          <a:fontRef idx="minor">
+            <a:schemeClr val="tx1"/>
+          </a:fontRef>
+        </p:style>
+      </p:cxnSp>
+      <p:sp>
+        <p:nvSpPr>
+          <p:cNvPr id="35" name="Cube 34">
+            <a:extLst>
+              <a:ext uri="{FF2B5EF4-FFF2-40B4-BE49-F238E27FC236}">
+                <a16:creationId xmlns:a16="http://schemas.microsoft.com/office/drawing/2014/main" id="{898B7673-54DA-2A3C-01BB-24FEF9F310F7}"/>
+              </a:ext>
+            </a:extLst>
+          </p:cNvPr>
+          <p:cNvSpPr/>
+          <p:nvPr/>
+        </p:nvSpPr>
+        <p:spPr>
+          <a:xfrm>
+            <a:off x="744153" y="3429000"/>
+            <a:ext cx="2863517" cy="2093495"/>
+          </a:xfrm>
+          <a:prstGeom prst="cube">
+            <a:avLst>
+              <a:gd name="adj" fmla="val 6992"/>
+            </a:avLst>
+          </a:prstGeom>
+        </p:spPr>
+        <p:style>
+          <a:lnRef idx="2">
+            <a:schemeClr val="accent1">
+              <a:shade val="15000"/>
+            </a:schemeClr>
+          </a:lnRef>
+          <a:fillRef idx="1">
+            <a:schemeClr val="accent1"/>
+          </a:fillRef>
+          <a:effectRef idx="0">
+            <a:schemeClr val="accent1"/>
+          </a:effectRef>
+          <a:fontRef idx="minor">
+            <a:schemeClr val="lt1"/>
+          </a:fontRef>
+        </p:style>
+        <p:txBody>
+          <a:bodyPr rtlCol="0" anchor="ctr"/>
+          <a:lstStyle/>
+          <a:p>
+            <a:pPr algn="ctr"/>
+            <a:r>
+              <a:rPr lang="en-IN" sz="1400" b="1" dirty="0"/>
+              <a:t>Angular Front-End Application</a:t>
+            </a:r>
+          </a:p>
+          <a:p>
+            <a:pPr algn="ctr"/>
+            <a:endParaRPr lang="en-IN" sz="1400" b="1" dirty="0"/>
+          </a:p>
+          <a:p>
+            <a:pPr algn="ctr"/>
+            <a:r>
+              <a:rPr lang="en-IN" sz="1400" b="1" dirty="0"/>
+              <a:t>Components + Services + Routing + CSS Framework / Library</a:t>
+            </a:r>
+          </a:p>
+        </p:txBody>
+      </p:sp>
+      <p:sp>
+        <p:nvSpPr>
+          <p:cNvPr id="40" name="Cube 39">
+            <a:extLst>
+              <a:ext uri="{FF2B5EF4-FFF2-40B4-BE49-F238E27FC236}">
+                <a16:creationId xmlns:a16="http://schemas.microsoft.com/office/drawing/2014/main" id="{83DFA8F6-9639-ADD4-46D2-642DBD814B52}"/>
+              </a:ext>
+            </a:extLst>
+          </p:cNvPr>
+          <p:cNvSpPr/>
+          <p:nvPr/>
+        </p:nvSpPr>
+        <p:spPr>
+          <a:xfrm>
+            <a:off x="5950623" y="2045368"/>
+            <a:ext cx="2045370" cy="2502568"/>
+          </a:xfrm>
+          <a:prstGeom prst="cube">
+            <a:avLst>
+              <a:gd name="adj" fmla="val 20294"/>
+            </a:avLst>
+          </a:prstGeom>
+        </p:spPr>
+        <p:style>
+          <a:lnRef idx="2">
+            <a:schemeClr val="accent1">
+              <a:shade val="15000"/>
+            </a:schemeClr>
+          </a:lnRef>
+          <a:fillRef idx="1">
+            <a:schemeClr val="accent1"/>
+          </a:fillRef>
+          <a:effectRef idx="0">
+            <a:schemeClr val="accent1"/>
+          </a:effectRef>
+          <a:fontRef idx="minor">
+            <a:schemeClr val="lt1"/>
+          </a:fontRef>
+        </p:style>
+        <p:txBody>
+          <a:bodyPr rtlCol="0" anchor="ctr"/>
+          <a:lstStyle/>
+          <a:p>
+            <a:pPr algn="ctr"/>
+            <a:r>
+              <a:rPr lang="en-IN" sz="1400" b="1" dirty="0"/>
+              <a:t>JSON Data Communication</a:t>
+            </a:r>
+          </a:p>
+          <a:p>
+            <a:pPr algn="ctr"/>
+            <a:r>
+              <a:rPr lang="en-IN" sz="1400" b="1" dirty="0"/>
+              <a:t>REST</a:t>
+            </a:r>
+          </a:p>
+          <a:p>
+            <a:pPr algn="ctr"/>
+            <a:r>
+              <a:rPr lang="en-IN" sz="1400" b="1" dirty="0"/>
+              <a:t>APIs</a:t>
+            </a:r>
+          </a:p>
+        </p:txBody>
+      </p:sp>
+      <p:cxnSp>
+        <p:nvCxnSpPr>
+          <p:cNvPr id="42" name="Connector: Elbow 41">
+            <a:extLst>
+              <a:ext uri="{FF2B5EF4-FFF2-40B4-BE49-F238E27FC236}">
+                <a16:creationId xmlns:a16="http://schemas.microsoft.com/office/drawing/2014/main" id="{B40F23BA-FC66-A93D-15B9-8C1E6AD50339}"/>
+              </a:ext>
+            </a:extLst>
+          </p:cNvPr>
+          <p:cNvCxnSpPr>
+            <a:cxnSpLocks/>
+            <a:stCxn id="40" idx="3"/>
+            <a:endCxn id="14" idx="2"/>
+          </p:cNvCxnSpPr>
+          <p:nvPr/>
+        </p:nvCxnSpPr>
+        <p:spPr>
+          <a:xfrm rot="16200000" flipH="1">
+            <a:off x="7573882" y="3739817"/>
+            <a:ext cx="657727" cy="2273963"/>
+          </a:xfrm>
+          <a:prstGeom prst="bentConnector3">
+            <a:avLst>
+              <a:gd name="adj1" fmla="val 134756"/>
+            </a:avLst>
+          </a:prstGeom>
+          <a:ln>
+            <a:headEnd type="triangle"/>
+            <a:tailEnd type="triangle"/>
+          </a:ln>
+        </p:spPr>
+        <p:style>
+          <a:lnRef idx="2">
+            <a:schemeClr val="accent1"/>
+          </a:lnRef>
+          <a:fillRef idx="0">
+            <a:schemeClr val="accent1"/>
+          </a:fillRef>
+          <a:effectRef idx="1">
+            <a:schemeClr val="accent1"/>
+          </a:effectRef>
+          <a:fontRef idx="minor">
+            <a:schemeClr val="tx1"/>
+          </a:fontRef>
+        </p:style>
+      </p:cxnSp>
+      <p:cxnSp>
+        <p:nvCxnSpPr>
+          <p:cNvPr id="45" name="Connector: Elbow 44">
+            <a:extLst>
+              <a:ext uri="{FF2B5EF4-FFF2-40B4-BE49-F238E27FC236}">
+                <a16:creationId xmlns:a16="http://schemas.microsoft.com/office/drawing/2014/main" id="{7CB5792D-A495-ADC5-5597-41CF0893A27E}"/>
+              </a:ext>
+            </a:extLst>
+          </p:cNvPr>
+          <p:cNvCxnSpPr>
+            <a:cxnSpLocks/>
+            <a:stCxn id="28" idx="3"/>
+            <a:endCxn id="24" idx="1"/>
+          </p:cNvCxnSpPr>
+          <p:nvPr/>
+        </p:nvCxnSpPr>
+        <p:spPr>
+          <a:xfrm>
+            <a:off x="3276600" y="969433"/>
+            <a:ext cx="1614015" cy="2575872"/>
+          </a:xfrm>
+          <a:prstGeom prst="bentConnector3">
+            <a:avLst/>
+          </a:prstGeom>
+          <a:ln>
+            <a:headEnd type="triangle"/>
+            <a:tailEnd type="triangle"/>
+          </a:ln>
+        </p:spPr>
+        <p:style>
+          <a:lnRef idx="2">
+            <a:schemeClr val="accent1"/>
+          </a:lnRef>
+          <a:fillRef idx="0">
+            <a:schemeClr val="accent1"/>
+          </a:fillRef>
+          <a:effectRef idx="1">
+            <a:schemeClr val="accent1"/>
+          </a:effectRef>
+          <a:fontRef idx="minor">
+            <a:schemeClr val="tx1"/>
+          </a:fontRef>
+        </p:style>
+      </p:cxnSp>
+      <p:sp>
+        <p:nvSpPr>
+          <p:cNvPr id="24" name="Cylinder 23">
+            <a:extLst>
+              <a:ext uri="{FF2B5EF4-FFF2-40B4-BE49-F238E27FC236}">
+                <a16:creationId xmlns:a16="http://schemas.microsoft.com/office/drawing/2014/main" id="{2BA9ED49-9085-516A-9780-B01143AB9C53}"/>
+              </a:ext>
+            </a:extLst>
+          </p:cNvPr>
+          <p:cNvSpPr/>
+          <p:nvPr/>
+        </p:nvSpPr>
+        <p:spPr>
+          <a:xfrm rot="16200000">
+            <a:off x="5021301" y="2986505"/>
+            <a:ext cx="856227" cy="1117600"/>
+          </a:xfrm>
+          <a:prstGeom prst="can">
+            <a:avLst/>
+          </a:prstGeom>
+        </p:spPr>
+        <p:style>
+          <a:lnRef idx="2">
+            <a:schemeClr val="accent1">
+              <a:shade val="15000"/>
+            </a:schemeClr>
+          </a:lnRef>
+          <a:fillRef idx="1">
+            <a:schemeClr val="accent1"/>
+          </a:fillRef>
+          <a:effectRef idx="0">
+            <a:schemeClr val="accent1"/>
+          </a:effectRef>
+          <a:fontRef idx="minor">
+            <a:schemeClr val="lt1"/>
+          </a:fontRef>
+        </p:style>
+        <p:txBody>
+          <a:bodyPr rtlCol="0" anchor="ctr"/>
+          <a:lstStyle/>
+          <a:p>
+            <a:pPr algn="ctr"/>
+            <a:endParaRPr lang="en-IN" dirty="0"/>
+          </a:p>
+        </p:txBody>
+      </p:sp>
+      <p:sp>
+        <p:nvSpPr>
+          <p:cNvPr id="26" name="TextBox 25">
+            <a:extLst>
+              <a:ext uri="{FF2B5EF4-FFF2-40B4-BE49-F238E27FC236}">
+                <a16:creationId xmlns:a16="http://schemas.microsoft.com/office/drawing/2014/main" id="{8B1E8C11-7B21-D8B5-038D-3665A6F94C6D}"/>
+              </a:ext>
+            </a:extLst>
+          </p:cNvPr>
+          <p:cNvSpPr txBox="1"/>
+          <p:nvPr/>
+        </p:nvSpPr>
+        <p:spPr>
+          <a:xfrm>
+            <a:off x="5223880" y="3296652"/>
+            <a:ext cx="614448" cy="369332"/>
+          </a:xfrm>
+          <a:prstGeom prst="rect">
+            <a:avLst/>
+          </a:prstGeom>
+          <a:noFill/>
+        </p:spPr>
+        <p:txBody>
+          <a:bodyPr wrap="square" rtlCol="0">
+            <a:spAutoFit/>
+          </a:bodyPr>
+          <a:lstStyle/>
+          <a:p>
+            <a:pPr algn="ctr"/>
+            <a:r>
+              <a:rPr lang="en-IN" b="1" dirty="0">
+                <a:solidFill>
+                  <a:srgbClr val="FFFF00"/>
+                </a:solidFill>
+              </a:rPr>
+              <a:t>EP</a:t>
+            </a:r>
+          </a:p>
+        </p:txBody>
+      </p:sp>
+      <p:sp>
+        <p:nvSpPr>
+          <p:cNvPr id="28" name="Rectangle 27">
+            <a:extLst>
+              <a:ext uri="{FF2B5EF4-FFF2-40B4-BE49-F238E27FC236}">
+                <a16:creationId xmlns:a16="http://schemas.microsoft.com/office/drawing/2014/main" id="{3863193E-364C-3B6E-35BF-F8715A2C3938}"/>
+              </a:ext>
+            </a:extLst>
+          </p:cNvPr>
+          <p:cNvSpPr/>
+          <p:nvPr/>
+        </p:nvSpPr>
+        <p:spPr>
+          <a:xfrm>
+            <a:off x="76200" y="67733"/>
+            <a:ext cx="3200400" cy="1803400"/>
+          </a:xfrm>
+          <a:prstGeom prst="rect">
+            <a:avLst/>
+          </a:prstGeom>
+        </p:spPr>
+        <p:style>
+          <a:lnRef idx="1">
+            <a:schemeClr val="accent2"/>
+          </a:lnRef>
+          <a:fillRef idx="2">
+            <a:schemeClr val="accent2"/>
+          </a:fillRef>
+          <a:effectRef idx="1">
+            <a:schemeClr val="accent2"/>
+          </a:effectRef>
+          <a:fontRef idx="minor">
+            <a:schemeClr val="dk1"/>
+          </a:fontRef>
+        </p:style>
+        <p:txBody>
+          <a:bodyPr rtlCol="0" anchor="ctr"/>
+          <a:lstStyle/>
+          <a:p>
+            <a:pPr algn="ctr"/>
+            <a:endParaRPr lang="en-IN"/>
+          </a:p>
+        </p:txBody>
+      </p:sp>
+      <p:sp>
+        <p:nvSpPr>
+          <p:cNvPr id="32" name="Rectangle 31">
+            <a:extLst>
+              <a:ext uri="{FF2B5EF4-FFF2-40B4-BE49-F238E27FC236}">
+                <a16:creationId xmlns:a16="http://schemas.microsoft.com/office/drawing/2014/main" id="{F8236B4C-BF8A-69C7-24F5-C0517DAC00A2}"/>
+              </a:ext>
+            </a:extLst>
+          </p:cNvPr>
+          <p:cNvSpPr/>
+          <p:nvPr/>
+        </p:nvSpPr>
+        <p:spPr>
+          <a:xfrm>
+            <a:off x="80211" y="1217529"/>
+            <a:ext cx="3196389" cy="645138"/>
+          </a:xfrm>
+          <a:prstGeom prst="rect">
+            <a:avLst/>
+          </a:prstGeom>
+        </p:spPr>
+        <p:style>
+          <a:lnRef idx="2">
+            <a:schemeClr val="accent1">
+              <a:shade val="15000"/>
+            </a:schemeClr>
+          </a:lnRef>
+          <a:fillRef idx="1">
+            <a:schemeClr val="accent1"/>
+          </a:fillRef>
+          <a:effectRef idx="0">
+            <a:schemeClr val="accent1"/>
+          </a:effectRef>
+          <a:fontRef idx="minor">
+            <a:schemeClr val="lt1"/>
+          </a:fontRef>
+        </p:style>
+        <p:txBody>
+          <a:bodyPr rtlCol="0" anchor="ctr"/>
+          <a:lstStyle/>
+          <a:p>
+            <a:pPr algn="ctr"/>
+            <a:r>
+              <a:rPr lang="en-IN" sz="1100" b="1" dirty="0"/>
+              <a:t>Angular Build JS Files (JS code for Components, Services, Pipes, Validations, etc.) and CSS</a:t>
+            </a:r>
+          </a:p>
+        </p:txBody>
+      </p:sp>
+      <p:cxnSp>
+        <p:nvCxnSpPr>
+          <p:cNvPr id="41" name="Connector: Elbow 40">
+            <a:extLst>
+              <a:ext uri="{FF2B5EF4-FFF2-40B4-BE49-F238E27FC236}">
+                <a16:creationId xmlns:a16="http://schemas.microsoft.com/office/drawing/2014/main" id="{A3059767-6046-8E5B-E86B-4D52DB05BA67}"/>
+              </a:ext>
+            </a:extLst>
+          </p:cNvPr>
+          <p:cNvCxnSpPr>
+            <a:stCxn id="32" idx="2"/>
+            <a:endCxn id="35" idx="2"/>
+          </p:cNvCxnSpPr>
+          <p:nvPr/>
+        </p:nvCxnSpPr>
+        <p:spPr>
+          <a:xfrm rot="5400000">
+            <a:off x="-131854" y="2738675"/>
+            <a:ext cx="2686269" cy="934253"/>
+          </a:xfrm>
+          <a:prstGeom prst="bentConnector4">
+            <a:avLst>
+              <a:gd name="adj1" fmla="val 29154"/>
+              <a:gd name="adj2" fmla="val 124469"/>
+            </a:avLst>
+          </a:prstGeom>
+          <a:ln>
+            <a:headEnd type="triangle"/>
+            <a:tailEnd type="triangle"/>
+          </a:ln>
+        </p:spPr>
+        <p:style>
+          <a:lnRef idx="2">
+            <a:schemeClr val="accent1"/>
+          </a:lnRef>
+          <a:fillRef idx="0">
+            <a:schemeClr val="accent1"/>
+          </a:fillRef>
+          <a:effectRef idx="1">
+            <a:schemeClr val="accent1"/>
+          </a:effectRef>
+          <a:fontRef idx="minor">
+            <a:schemeClr val="tx1"/>
+          </a:fontRef>
+        </p:style>
+      </p:cxnSp>
+      <p:sp>
+        <p:nvSpPr>
+          <p:cNvPr id="43" name="Rectangle 42">
+            <a:extLst>
+              <a:ext uri="{FF2B5EF4-FFF2-40B4-BE49-F238E27FC236}">
+                <a16:creationId xmlns:a16="http://schemas.microsoft.com/office/drawing/2014/main" id="{2FFA6054-4F74-5364-9597-8A98C37BFBDD}"/>
+              </a:ext>
+            </a:extLst>
+          </p:cNvPr>
+          <p:cNvSpPr/>
+          <p:nvPr/>
+        </p:nvSpPr>
+        <p:spPr>
+          <a:xfrm>
+            <a:off x="143934" y="59267"/>
+            <a:ext cx="3073400" cy="1083733"/>
+          </a:xfrm>
+          <a:prstGeom prst="rect">
+            <a:avLst/>
+          </a:prstGeom>
+        </p:spPr>
+        <p:style>
+          <a:lnRef idx="1">
+            <a:schemeClr val="accent4"/>
+          </a:lnRef>
+          <a:fillRef idx="2">
+            <a:schemeClr val="accent4"/>
+          </a:fillRef>
+          <a:effectRef idx="1">
+            <a:schemeClr val="accent4"/>
+          </a:effectRef>
+          <a:fontRef idx="minor">
+            <a:schemeClr val="dk1"/>
+          </a:fontRef>
+        </p:style>
+        <p:txBody>
+          <a:bodyPr rtlCol="0" anchor="ctr"/>
+          <a:lstStyle/>
+          <a:p>
+            <a:pPr algn="ctr"/>
+            <a:r>
+              <a:rPr lang="en-IN" b="1" dirty="0"/>
+              <a:t>COMPONENT’s HTML + CSS + Data-Binding + Events</a:t>
+            </a:r>
+          </a:p>
+        </p:txBody>
+      </p:sp>
+      <p:sp>
+        <p:nvSpPr>
+          <p:cNvPr id="44" name="Arrow: Up-Down 43">
+            <a:extLst>
+              <a:ext uri="{FF2B5EF4-FFF2-40B4-BE49-F238E27FC236}">
+                <a16:creationId xmlns:a16="http://schemas.microsoft.com/office/drawing/2014/main" id="{6A58AAB7-3173-F9D6-218F-2B69B582B57F}"/>
+              </a:ext>
+            </a:extLst>
+          </p:cNvPr>
+          <p:cNvSpPr/>
+          <p:nvPr/>
+        </p:nvSpPr>
+        <p:spPr>
+          <a:xfrm>
+            <a:off x="1566333" y="965200"/>
+            <a:ext cx="220134" cy="462547"/>
+          </a:xfrm>
+          <a:prstGeom prst="upDownArrow">
+            <a:avLst/>
+          </a:prstGeom>
+          <a:solidFill>
+            <a:srgbClr val="FF0000"/>
+          </a:solidFill>
+        </p:spPr>
+        <p:style>
+          <a:lnRef idx="2">
+            <a:schemeClr val="accent1">
+              <a:shade val="15000"/>
+            </a:schemeClr>
+          </a:lnRef>
+          <a:fillRef idx="1">
+            <a:schemeClr val="accent1"/>
+          </a:fillRef>
+          <a:effectRef idx="0">
+            <a:schemeClr val="accent1"/>
+          </a:effectRef>
+          <a:fontRef idx="minor">
+            <a:schemeClr val="lt1"/>
+          </a:fontRef>
+        </p:style>
+        <p:txBody>
+          <a:bodyPr rtlCol="0" anchor="ctr"/>
+          <a:lstStyle/>
+          <a:p>
+            <a:pPr algn="ctr"/>
+            <a:endParaRPr lang="en-IN"/>
+          </a:p>
+        </p:txBody>
+      </p:sp>
+      <p:sp>
+        <p:nvSpPr>
+          <p:cNvPr id="48" name="TextBox 47">
+            <a:extLst>
+              <a:ext uri="{FF2B5EF4-FFF2-40B4-BE49-F238E27FC236}">
+                <a16:creationId xmlns:a16="http://schemas.microsoft.com/office/drawing/2014/main" id="{799B0261-4206-756A-D379-8AB1F0FBDDD5}"/>
+              </a:ext>
+            </a:extLst>
+          </p:cNvPr>
+          <p:cNvSpPr txBox="1"/>
+          <p:nvPr/>
+        </p:nvSpPr>
+        <p:spPr>
+          <a:xfrm>
+            <a:off x="2961351" y="2053166"/>
+            <a:ext cx="2428798" cy="954107"/>
+          </a:xfrm>
+          <a:prstGeom prst="rect">
+            <a:avLst/>
+          </a:prstGeom>
+          <a:noFill/>
+          <a:ln>
+            <a:solidFill>
+              <a:srgbClr val="002060"/>
+            </a:solidFill>
+          </a:ln>
+        </p:spPr>
+        <p:txBody>
+          <a:bodyPr wrap="square" rtlCol="0">
+            <a:spAutoFit/>
+          </a:bodyPr>
+          <a:lstStyle/>
+          <a:p>
+            <a:pPr algn="ctr"/>
+            <a:r>
+              <a:rPr lang="en-IN" sz="1400" b="1" dirty="0"/>
+              <a:t>Browser Makes HTTP Request to API Endpoint</a:t>
+            </a:r>
+          </a:p>
+          <a:p>
+            <a:pPr algn="ctr"/>
+            <a:r>
+              <a:rPr lang="en-IN" sz="1400" b="1" dirty="0"/>
+              <a:t>Using ‘Promise’ with Async Communication</a:t>
+            </a:r>
+          </a:p>
+        </p:txBody>
+      </p:sp>
+      <p:cxnSp>
+        <p:nvCxnSpPr>
+          <p:cNvPr id="51" name="Connector: Elbow 50">
+            <a:extLst>
+              <a:ext uri="{FF2B5EF4-FFF2-40B4-BE49-F238E27FC236}">
+                <a16:creationId xmlns:a16="http://schemas.microsoft.com/office/drawing/2014/main" id="{0CD25448-F75C-3735-DA8E-4C4E5F345936}"/>
+              </a:ext>
+            </a:extLst>
+          </p:cNvPr>
+          <p:cNvCxnSpPr>
+            <a:cxnSpLocks/>
+            <a:stCxn id="35" idx="3"/>
+            <a:endCxn id="24" idx="2"/>
+          </p:cNvCxnSpPr>
+          <p:nvPr/>
+        </p:nvCxnSpPr>
+        <p:spPr>
+          <a:xfrm rot="5400000" flipH="1" flipV="1">
+            <a:off x="3001531" y="3074611"/>
+            <a:ext cx="1549076" cy="3346692"/>
+          </a:xfrm>
+          <a:prstGeom prst="bentConnector3">
+            <a:avLst>
+              <a:gd name="adj1" fmla="val -14757"/>
+            </a:avLst>
+          </a:prstGeom>
+          <a:ln w="76200" cap="flat" cmpd="sng" algn="ctr">
+            <a:solidFill>
+              <a:schemeClr val="accent2"/>
+            </a:solidFill>
+            <a:prstDash val="dash"/>
+            <a:round/>
+            <a:headEnd type="none" w="med" len="med"/>
+            <a:tailEnd type="none" w="med" len="med"/>
+          </a:ln>
+        </p:spPr>
+        <p:style>
+          <a:lnRef idx="0">
+            <a:scrgbClr r="0" g="0" b="0"/>
+          </a:lnRef>
+          <a:fillRef idx="0">
+            <a:scrgbClr r="0" g="0" b="0"/>
+          </a:fillRef>
+          <a:effectRef idx="0">
+            <a:scrgbClr r="0" g="0" b="0"/>
+          </a:effectRef>
+          <a:fontRef idx="minor">
+            <a:schemeClr val="tx1"/>
+          </a:fontRef>
+        </p:style>
+      </p:cxnSp>
+    </p:spTree>
+    <p:extLst>
+      <p:ext uri="{BB962C8B-B14F-4D97-AF65-F5344CB8AC3E}">
+        <p14:creationId xmlns:p14="http://schemas.microsoft.com/office/powerpoint/2010/main" val="332712526"/>
+      </p:ext>
+    </p:extLst>
+  </p:cSld>
+  <p:clrMapOvr>
+    <a:masterClrMapping/>
+  </p:clrMapOvr>
+</p:sld>
+</file>
+
+<file path=ppt/slides/slide12.xml><?xml version="1.0" encoding="utf-8"?>
+<p:sld xmlns:a="http://schemas.openxmlformats.org/drawingml/2006/main" xmlns:r="http://schemas.openxmlformats.org/officeDocument/2006/relationships" xmlns:p="http://schemas.openxmlformats.org/presentationml/2006/main">
+  <p:cSld>
+    <p:spTree>
+      <p:nvGrpSpPr>
+        <p:cNvPr id="1" name=""/>
+        <p:cNvGrpSpPr/>
+        <p:nvPr/>
+      </p:nvGrpSpPr>
+      <p:grpSpPr>
+        <a:xfrm>
+          <a:off x="0" y="0"/>
+          <a:ext cx="0" cy="0"/>
+          <a:chOff x="0" y="0"/>
+          <a:chExt cx="0" cy="0"/>
+        </a:xfrm>
+      </p:grpSpPr>
+      <p:sp>
+        <p:nvSpPr>
+          <p:cNvPr id="2" name="Arrow: Down 1">
+            <a:extLst>
+              <a:ext uri="{FF2B5EF4-FFF2-40B4-BE49-F238E27FC236}">
+                <a16:creationId xmlns:a16="http://schemas.microsoft.com/office/drawing/2014/main" id="{DBF8F295-F8E1-8F99-634C-6262BE220AC7}"/>
+              </a:ext>
+            </a:extLst>
+          </p:cNvPr>
+          <p:cNvSpPr/>
+          <p:nvPr/>
+        </p:nvSpPr>
+        <p:spPr>
+          <a:xfrm>
+            <a:off x="465667" y="821267"/>
+            <a:ext cx="2133600" cy="5190067"/>
+          </a:xfrm>
+          <a:prstGeom prst="downArrow">
+            <a:avLst/>
+          </a:prstGeom>
+        </p:spPr>
+        <p:style>
+          <a:lnRef idx="2">
+            <a:schemeClr val="accent1">
+              <a:shade val="15000"/>
+            </a:schemeClr>
+          </a:lnRef>
+          <a:fillRef idx="1">
+            <a:schemeClr val="accent1"/>
+          </a:fillRef>
+          <a:effectRef idx="0">
+            <a:schemeClr val="accent1"/>
+          </a:effectRef>
+          <a:fontRef idx="minor">
+            <a:schemeClr val="lt1"/>
+          </a:fontRef>
+        </p:style>
+        <p:txBody>
+          <a:bodyPr rtlCol="0" anchor="ctr"/>
+          <a:lstStyle/>
+          <a:p>
+            <a:pPr algn="ctr"/>
+            <a:r>
+              <a:rPr lang="en-IN" dirty="0"/>
+              <a:t>Browser</a:t>
+            </a:r>
+          </a:p>
+          <a:p>
+            <a:pPr algn="ctr"/>
+            <a:r>
+              <a:rPr lang="en-IN" dirty="0"/>
+              <a:t>UI</a:t>
+            </a:r>
+          </a:p>
+          <a:p>
+            <a:pPr algn="ctr"/>
+            <a:r>
+              <a:rPr lang="en-IN" dirty="0"/>
+              <a:t>Thread</a:t>
+            </a:r>
+          </a:p>
+        </p:txBody>
+      </p:sp>
+      <p:sp>
+        <p:nvSpPr>
+          <p:cNvPr id="3" name="Arrow: Down 2">
+            <a:extLst>
+              <a:ext uri="{FF2B5EF4-FFF2-40B4-BE49-F238E27FC236}">
+                <a16:creationId xmlns:a16="http://schemas.microsoft.com/office/drawing/2014/main" id="{96FDF621-B14E-FF7C-89B9-CD1996F8BB25}"/>
+              </a:ext>
+            </a:extLst>
+          </p:cNvPr>
+          <p:cNvSpPr/>
+          <p:nvPr/>
+        </p:nvSpPr>
+        <p:spPr>
+          <a:xfrm>
+            <a:off x="9347200" y="821267"/>
+            <a:ext cx="2650067" cy="5190067"/>
+          </a:xfrm>
+          <a:prstGeom prst="downArrow">
+            <a:avLst/>
+          </a:prstGeom>
+          <a:solidFill>
+            <a:srgbClr val="7030A0"/>
+          </a:solidFill>
+        </p:spPr>
+        <p:style>
+          <a:lnRef idx="2">
+            <a:schemeClr val="accent1">
+              <a:shade val="15000"/>
+            </a:schemeClr>
+          </a:lnRef>
+          <a:fillRef idx="1">
+            <a:schemeClr val="accent1"/>
+          </a:fillRef>
+          <a:effectRef idx="0">
+            <a:schemeClr val="accent1"/>
+          </a:effectRef>
+          <a:fontRef idx="minor">
+            <a:schemeClr val="lt1"/>
+          </a:fontRef>
+        </p:style>
+        <p:txBody>
+          <a:bodyPr rtlCol="0" anchor="ctr"/>
+          <a:lstStyle/>
+          <a:p>
+            <a:pPr algn="ctr"/>
+            <a:r>
+              <a:rPr lang="en-IN" dirty="0"/>
+              <a:t>API</a:t>
+            </a:r>
+          </a:p>
+          <a:p>
+            <a:pPr algn="ctr"/>
+            <a:r>
+              <a:rPr lang="en-IN" dirty="0"/>
+              <a:t>Server</a:t>
+            </a:r>
+          </a:p>
+          <a:p>
+            <a:pPr algn="ctr"/>
+            <a:r>
+              <a:rPr lang="en-IN" dirty="0"/>
+              <a:t>Thread</a:t>
+            </a:r>
+          </a:p>
+          <a:p>
+            <a:pPr algn="ctr"/>
+            <a:r>
+              <a:rPr lang="en-IN" dirty="0"/>
+              <a:t>For</a:t>
+            </a:r>
+          </a:p>
+          <a:p>
+            <a:pPr algn="ctr"/>
+            <a:r>
+              <a:rPr lang="en-IN" dirty="0"/>
+              <a:t>Async</a:t>
+            </a:r>
+          </a:p>
+          <a:p>
+            <a:pPr algn="ctr"/>
+            <a:r>
+              <a:rPr lang="en-IN" dirty="0"/>
+              <a:t>Processing</a:t>
+            </a:r>
+          </a:p>
+        </p:txBody>
+      </p:sp>
+      <p:sp>
+        <p:nvSpPr>
+          <p:cNvPr id="4" name="Cylinder 3">
+            <a:extLst>
+              <a:ext uri="{FF2B5EF4-FFF2-40B4-BE49-F238E27FC236}">
+                <a16:creationId xmlns:a16="http://schemas.microsoft.com/office/drawing/2014/main" id="{1925ACE0-54D8-31FC-818D-533C33AC07C2}"/>
+              </a:ext>
+            </a:extLst>
+          </p:cNvPr>
+          <p:cNvSpPr/>
+          <p:nvPr/>
+        </p:nvSpPr>
+        <p:spPr>
+          <a:xfrm rot="16200000">
+            <a:off x="4648200" y="245533"/>
+            <a:ext cx="3259666" cy="5596467"/>
+          </a:xfrm>
+          <a:prstGeom prst="can">
+            <a:avLst>
+              <a:gd name="adj" fmla="val 7857"/>
+            </a:avLst>
+          </a:prstGeom>
+        </p:spPr>
+        <p:style>
+          <a:lnRef idx="2">
+            <a:schemeClr val="accent1">
+              <a:shade val="15000"/>
+            </a:schemeClr>
+          </a:lnRef>
+          <a:fillRef idx="1">
+            <a:schemeClr val="accent1"/>
+          </a:fillRef>
+          <a:effectRef idx="0">
+            <a:schemeClr val="accent1"/>
+          </a:effectRef>
+          <a:fontRef idx="minor">
+            <a:schemeClr val="lt1"/>
+          </a:fontRef>
+        </p:style>
+        <p:txBody>
+          <a:bodyPr rtlCol="0" anchor="ctr"/>
+          <a:lstStyle/>
+          <a:p>
+            <a:pPr algn="ctr"/>
+            <a:endParaRPr lang="en-IN"/>
+          </a:p>
+        </p:txBody>
+      </p:sp>
+      <p:sp>
+        <p:nvSpPr>
+          <p:cNvPr id="5" name="TextBox 4">
+            <a:extLst>
+              <a:ext uri="{FF2B5EF4-FFF2-40B4-BE49-F238E27FC236}">
+                <a16:creationId xmlns:a16="http://schemas.microsoft.com/office/drawing/2014/main" id="{40873CA1-B6B4-604A-C7EA-F2E0FB5FBBD4}"/>
+              </a:ext>
+            </a:extLst>
+          </p:cNvPr>
+          <p:cNvSpPr txBox="1"/>
+          <p:nvPr/>
+        </p:nvSpPr>
+        <p:spPr>
+          <a:xfrm>
+            <a:off x="4182533" y="179737"/>
+            <a:ext cx="4301067" cy="1169551"/>
+          </a:xfrm>
+          <a:prstGeom prst="rect">
+            <a:avLst/>
+          </a:prstGeom>
+          <a:noFill/>
+          <a:ln w="38100">
+            <a:solidFill>
+              <a:schemeClr val="tx1"/>
+            </a:solidFill>
+          </a:ln>
+        </p:spPr>
+        <p:txBody>
+          <a:bodyPr wrap="square" rtlCol="0">
+            <a:spAutoFit/>
+          </a:bodyPr>
+          <a:lstStyle/>
+          <a:p>
+            <a:pPr algn="ctr"/>
+            <a:r>
+              <a:rPr lang="en-IN" sz="1400" b="1" dirty="0"/>
+              <a:t>HTTP Pipeline</a:t>
+            </a:r>
+          </a:p>
+          <a:p>
+            <a:pPr algn="ctr"/>
+            <a:r>
+              <a:rPr lang="en-IN" sz="1400" b="1" dirty="0"/>
+              <a:t>Aka</a:t>
+            </a:r>
+          </a:p>
+          <a:p>
+            <a:pPr algn="ctr"/>
+            <a:r>
+              <a:rPr lang="en-IN" sz="1400" b="1" dirty="0"/>
+              <a:t>HTTP Context</a:t>
+            </a:r>
+          </a:p>
+          <a:p>
+            <a:pPr algn="ctr"/>
+            <a:r>
+              <a:rPr lang="en-IN" sz="1400" b="1" dirty="0"/>
+              <a:t>Manage the Channel for Communication from Browser to API Endpoints </a:t>
+            </a:r>
+          </a:p>
+        </p:txBody>
+      </p:sp>
+      <p:cxnSp>
+        <p:nvCxnSpPr>
+          <p:cNvPr id="7" name="Connector: Curved 6">
+            <a:extLst>
+              <a:ext uri="{FF2B5EF4-FFF2-40B4-BE49-F238E27FC236}">
+                <a16:creationId xmlns:a16="http://schemas.microsoft.com/office/drawing/2014/main" id="{43BD870A-CBAC-E2A0-39ED-6231A35DEECF}"/>
+              </a:ext>
+            </a:extLst>
+          </p:cNvPr>
+          <p:cNvCxnSpPr>
+            <a:stCxn id="2" idx="0"/>
+            <a:endCxn id="4" idx="1"/>
+          </p:cNvCxnSpPr>
+          <p:nvPr/>
+        </p:nvCxnSpPr>
+        <p:spPr>
+          <a:xfrm rot="16200000" flipH="1">
+            <a:off x="1394883" y="958851"/>
+            <a:ext cx="2222500" cy="1947333"/>
+          </a:xfrm>
+          <a:prstGeom prst="curvedConnector4">
+            <a:avLst>
+              <a:gd name="adj1" fmla="val -10286"/>
+              <a:gd name="adj2" fmla="val 76521"/>
+            </a:avLst>
+          </a:prstGeom>
+          <a:ln>
+            <a:tailEnd type="triangle"/>
+          </a:ln>
+        </p:spPr>
+        <p:style>
+          <a:lnRef idx="3">
+            <a:schemeClr val="accent2"/>
+          </a:lnRef>
+          <a:fillRef idx="0">
+            <a:schemeClr val="accent2"/>
+          </a:fillRef>
+          <a:effectRef idx="2">
+            <a:schemeClr val="accent2"/>
+          </a:effectRef>
+          <a:fontRef idx="minor">
+            <a:schemeClr val="tx1"/>
+          </a:fontRef>
+        </p:style>
+      </p:cxnSp>
+      <p:sp>
+        <p:nvSpPr>
+          <p:cNvPr id="9" name="Rectangle 8">
+            <a:extLst>
+              <a:ext uri="{FF2B5EF4-FFF2-40B4-BE49-F238E27FC236}">
+                <a16:creationId xmlns:a16="http://schemas.microsoft.com/office/drawing/2014/main" id="{5901A0CA-3651-F5AB-800B-65797337F524}"/>
+              </a:ext>
+            </a:extLst>
+          </p:cNvPr>
+          <p:cNvSpPr/>
+          <p:nvPr/>
+        </p:nvSpPr>
+        <p:spPr>
+          <a:xfrm>
+            <a:off x="3970867" y="1634067"/>
+            <a:ext cx="4775200" cy="677333"/>
+          </a:xfrm>
+          <a:prstGeom prst="rect">
+            <a:avLst/>
+          </a:prstGeom>
+          <a:solidFill>
+            <a:srgbClr val="FFC000"/>
+          </a:solidFill>
+        </p:spPr>
+        <p:style>
+          <a:lnRef idx="2">
+            <a:schemeClr val="accent1">
+              <a:shade val="15000"/>
+            </a:schemeClr>
+          </a:lnRef>
+          <a:fillRef idx="1">
+            <a:schemeClr val="accent1"/>
+          </a:fillRef>
+          <a:effectRef idx="0">
+            <a:schemeClr val="accent1"/>
+          </a:effectRef>
+          <a:fontRef idx="minor">
+            <a:schemeClr val="lt1"/>
+          </a:fontRef>
+        </p:style>
+        <p:txBody>
+          <a:bodyPr rtlCol="0" anchor="ctr"/>
+          <a:lstStyle/>
+          <a:p>
+            <a:pPr algn="ctr"/>
+            <a:r>
+              <a:rPr lang="en-IN" b="1" dirty="0"/>
+              <a:t>HTTP Request Message</a:t>
+            </a:r>
+          </a:p>
+        </p:txBody>
+      </p:sp>
+      <p:cxnSp>
+        <p:nvCxnSpPr>
+          <p:cNvPr id="11" name="Connector: Curved 10">
+            <a:extLst>
+              <a:ext uri="{FF2B5EF4-FFF2-40B4-BE49-F238E27FC236}">
+                <a16:creationId xmlns:a16="http://schemas.microsoft.com/office/drawing/2014/main" id="{8E5F2B8E-4F3B-73A2-33FB-2069636811F4}"/>
+              </a:ext>
+            </a:extLst>
+          </p:cNvPr>
+          <p:cNvCxnSpPr>
+            <a:stCxn id="4" idx="1"/>
+            <a:endCxn id="9" idx="1"/>
+          </p:cNvCxnSpPr>
+          <p:nvPr/>
+        </p:nvCxnSpPr>
+        <p:spPr>
+          <a:xfrm rot="10800000" flipH="1">
+            <a:off x="3479799" y="1972735"/>
+            <a:ext cx="491067" cy="1071033"/>
+          </a:xfrm>
+          <a:prstGeom prst="curvedConnector3">
+            <a:avLst>
+              <a:gd name="adj1" fmla="val 53448"/>
+            </a:avLst>
+          </a:prstGeom>
+          <a:ln>
+            <a:tailEnd type="triangle"/>
+          </a:ln>
+        </p:spPr>
+        <p:style>
+          <a:lnRef idx="3">
+            <a:schemeClr val="accent2"/>
+          </a:lnRef>
+          <a:fillRef idx="0">
+            <a:schemeClr val="accent2"/>
+          </a:fillRef>
+          <a:effectRef idx="2">
+            <a:schemeClr val="accent2"/>
+          </a:effectRef>
+          <a:fontRef idx="minor">
+            <a:schemeClr val="tx1"/>
+          </a:fontRef>
+        </p:style>
+      </p:cxnSp>
+      <p:cxnSp>
+        <p:nvCxnSpPr>
+          <p:cNvPr id="13" name="Connector: Curved 12">
+            <a:extLst>
+              <a:ext uri="{FF2B5EF4-FFF2-40B4-BE49-F238E27FC236}">
+                <a16:creationId xmlns:a16="http://schemas.microsoft.com/office/drawing/2014/main" id="{911EFEC6-9446-09C7-BA98-9E34E81C27DA}"/>
+              </a:ext>
+            </a:extLst>
+          </p:cNvPr>
+          <p:cNvCxnSpPr>
+            <a:cxnSpLocks/>
+            <a:stCxn id="9" idx="3"/>
+            <a:endCxn id="3" idx="0"/>
+          </p:cNvCxnSpPr>
+          <p:nvPr/>
+        </p:nvCxnSpPr>
+        <p:spPr>
+          <a:xfrm flipV="1">
+            <a:off x="8746067" y="821267"/>
+            <a:ext cx="1926167" cy="1151467"/>
+          </a:xfrm>
+          <a:prstGeom prst="curvedConnector4">
+            <a:avLst>
+              <a:gd name="adj1" fmla="val 15604"/>
+              <a:gd name="adj2" fmla="val 119853"/>
+            </a:avLst>
+          </a:prstGeom>
+          <a:ln>
+            <a:tailEnd type="triangle"/>
+          </a:ln>
+        </p:spPr>
+        <p:style>
+          <a:lnRef idx="3">
+            <a:schemeClr val="accent2"/>
+          </a:lnRef>
+          <a:fillRef idx="0">
+            <a:schemeClr val="accent2"/>
+          </a:fillRef>
+          <a:effectRef idx="2">
+            <a:schemeClr val="accent2"/>
+          </a:effectRef>
+          <a:fontRef idx="minor">
+            <a:schemeClr val="tx1"/>
+          </a:fontRef>
+        </p:style>
+      </p:cxnSp>
+      <p:sp>
+        <p:nvSpPr>
+          <p:cNvPr id="16" name="Rectangle 15">
+            <a:extLst>
+              <a:ext uri="{FF2B5EF4-FFF2-40B4-BE49-F238E27FC236}">
+                <a16:creationId xmlns:a16="http://schemas.microsoft.com/office/drawing/2014/main" id="{4E6FD8E6-DA4A-9696-EA5F-DF8A456C877E}"/>
+              </a:ext>
+            </a:extLst>
+          </p:cNvPr>
+          <p:cNvSpPr/>
+          <p:nvPr/>
+        </p:nvSpPr>
+        <p:spPr>
+          <a:xfrm>
+            <a:off x="3945466" y="3520018"/>
+            <a:ext cx="4775200" cy="677333"/>
+          </a:xfrm>
+          <a:prstGeom prst="rect">
+            <a:avLst/>
+          </a:prstGeom>
+          <a:solidFill>
+            <a:srgbClr val="FFC000"/>
+          </a:solidFill>
+        </p:spPr>
+        <p:style>
+          <a:lnRef idx="2">
+            <a:schemeClr val="accent1">
+              <a:shade val="15000"/>
+            </a:schemeClr>
+          </a:lnRef>
+          <a:fillRef idx="1">
+            <a:schemeClr val="accent1"/>
+          </a:fillRef>
+          <a:effectRef idx="0">
+            <a:schemeClr val="accent1"/>
+          </a:effectRef>
+          <a:fontRef idx="minor">
+            <a:schemeClr val="lt1"/>
+          </a:fontRef>
+        </p:style>
+        <p:txBody>
+          <a:bodyPr rtlCol="0" anchor="ctr"/>
+          <a:lstStyle/>
+          <a:p>
+            <a:pPr algn="ctr"/>
+            <a:r>
+              <a:rPr lang="en-IN" b="1" dirty="0"/>
+              <a:t>HTTP Response Message</a:t>
+            </a:r>
+          </a:p>
+        </p:txBody>
+      </p:sp>
+      <p:cxnSp>
+        <p:nvCxnSpPr>
+          <p:cNvPr id="18" name="Connector: Curved 17">
+            <a:extLst>
+              <a:ext uri="{FF2B5EF4-FFF2-40B4-BE49-F238E27FC236}">
+                <a16:creationId xmlns:a16="http://schemas.microsoft.com/office/drawing/2014/main" id="{E2693F6D-6E8B-1B3B-0126-546AC4E068CD}"/>
+              </a:ext>
+            </a:extLst>
+          </p:cNvPr>
+          <p:cNvCxnSpPr>
+            <a:cxnSpLocks/>
+            <a:stCxn id="3" idx="2"/>
+            <a:endCxn id="16" idx="3"/>
+          </p:cNvCxnSpPr>
+          <p:nvPr/>
+        </p:nvCxnSpPr>
+        <p:spPr>
+          <a:xfrm rot="5400000" flipH="1">
+            <a:off x="8620125" y="3959226"/>
+            <a:ext cx="2152649" cy="1951568"/>
+          </a:xfrm>
+          <a:prstGeom prst="curvedConnector4">
+            <a:avLst>
+              <a:gd name="adj1" fmla="val -10619"/>
+              <a:gd name="adj2" fmla="val 83948"/>
+            </a:avLst>
+          </a:prstGeom>
+          <a:ln>
+            <a:tailEnd type="triangle"/>
+          </a:ln>
+        </p:spPr>
+        <p:style>
+          <a:lnRef idx="3">
+            <a:schemeClr val="accent2"/>
+          </a:lnRef>
+          <a:fillRef idx="0">
+            <a:schemeClr val="accent2"/>
+          </a:fillRef>
+          <a:effectRef idx="2">
+            <a:schemeClr val="accent2"/>
+          </a:effectRef>
+          <a:fontRef idx="minor">
+            <a:schemeClr val="tx1"/>
+          </a:fontRef>
+        </p:style>
+      </p:cxnSp>
+      <p:cxnSp>
+        <p:nvCxnSpPr>
+          <p:cNvPr id="21" name="Connector: Curved 20">
+            <a:extLst>
+              <a:ext uri="{FF2B5EF4-FFF2-40B4-BE49-F238E27FC236}">
+                <a16:creationId xmlns:a16="http://schemas.microsoft.com/office/drawing/2014/main" id="{EE7F2887-FC1E-38CF-7771-C6D59E2B2AB4}"/>
+              </a:ext>
+            </a:extLst>
+          </p:cNvPr>
+          <p:cNvCxnSpPr>
+            <a:stCxn id="16" idx="1"/>
+            <a:endCxn id="4" idx="1"/>
+          </p:cNvCxnSpPr>
+          <p:nvPr/>
+        </p:nvCxnSpPr>
+        <p:spPr>
+          <a:xfrm rot="10800000">
+            <a:off x="3479800" y="3043767"/>
+            <a:ext cx="465666" cy="814918"/>
+          </a:xfrm>
+          <a:prstGeom prst="curvedConnector3">
+            <a:avLst>
+              <a:gd name="adj1" fmla="val 49091"/>
+            </a:avLst>
+          </a:prstGeom>
+          <a:ln>
+            <a:tailEnd type="triangle"/>
+          </a:ln>
+        </p:spPr>
+        <p:style>
+          <a:lnRef idx="3">
+            <a:schemeClr val="accent2"/>
+          </a:lnRef>
+          <a:fillRef idx="0">
+            <a:schemeClr val="accent2"/>
+          </a:fillRef>
+          <a:effectRef idx="2">
+            <a:schemeClr val="accent2"/>
+          </a:effectRef>
+          <a:fontRef idx="minor">
+            <a:schemeClr val="tx1"/>
+          </a:fontRef>
+        </p:style>
+      </p:cxnSp>
+      <p:cxnSp>
+        <p:nvCxnSpPr>
+          <p:cNvPr id="23" name="Connector: Curved 22">
+            <a:extLst>
+              <a:ext uri="{FF2B5EF4-FFF2-40B4-BE49-F238E27FC236}">
+                <a16:creationId xmlns:a16="http://schemas.microsoft.com/office/drawing/2014/main" id="{CA3BB749-9FED-8AED-E59C-15152F8682ED}"/>
+              </a:ext>
+            </a:extLst>
+          </p:cNvPr>
+          <p:cNvCxnSpPr>
+            <a:cxnSpLocks/>
+            <a:stCxn id="4" idx="1"/>
+            <a:endCxn id="2" idx="2"/>
+          </p:cNvCxnSpPr>
+          <p:nvPr/>
+        </p:nvCxnSpPr>
+        <p:spPr>
+          <a:xfrm rot="10800000" flipV="1">
+            <a:off x="1532468" y="3043766"/>
+            <a:ext cx="1947333" cy="2967567"/>
+          </a:xfrm>
+          <a:prstGeom prst="curvedConnector4">
+            <a:avLst>
+              <a:gd name="adj1" fmla="val 26522"/>
+              <a:gd name="adj2" fmla="val 107703"/>
+            </a:avLst>
+          </a:prstGeom>
+          <a:ln>
+            <a:tailEnd type="triangle"/>
+          </a:ln>
+        </p:spPr>
+        <p:style>
+          <a:lnRef idx="3">
+            <a:schemeClr val="accent2"/>
+          </a:lnRef>
+          <a:fillRef idx="0">
+            <a:schemeClr val="accent2"/>
+          </a:fillRef>
+          <a:effectRef idx="2">
+            <a:schemeClr val="accent2"/>
+          </a:effectRef>
+          <a:fontRef idx="minor">
+            <a:schemeClr val="tx1"/>
+          </a:fontRef>
+        </p:style>
+      </p:cxnSp>
+      <p:sp>
+        <p:nvSpPr>
+          <p:cNvPr id="26" name="TextBox 25">
+            <a:extLst>
+              <a:ext uri="{FF2B5EF4-FFF2-40B4-BE49-F238E27FC236}">
+                <a16:creationId xmlns:a16="http://schemas.microsoft.com/office/drawing/2014/main" id="{9565F03B-A24E-9AD3-2785-97DFD1141426}"/>
+              </a:ext>
+            </a:extLst>
+          </p:cNvPr>
+          <p:cNvSpPr txBox="1"/>
+          <p:nvPr/>
+        </p:nvSpPr>
+        <p:spPr>
+          <a:xfrm>
+            <a:off x="4428064" y="2557906"/>
+            <a:ext cx="3810003" cy="707886"/>
+          </a:xfrm>
+          <a:prstGeom prst="rect">
+            <a:avLst/>
+          </a:prstGeom>
+          <a:noFill/>
+          <a:ln w="57150">
+            <a:solidFill>
+              <a:schemeClr val="tx1"/>
+            </a:solidFill>
+          </a:ln>
+        </p:spPr>
+        <p:txBody>
+          <a:bodyPr wrap="square" rtlCol="0">
+            <a:spAutoFit/>
+          </a:bodyPr>
+          <a:lstStyle/>
+          <a:p>
+            <a:pPr algn="ctr"/>
+            <a:r>
+              <a:rPr lang="en-IN" sz="4000" b="1" dirty="0">
+                <a:solidFill>
+                  <a:srgbClr val="FFFF00"/>
+                </a:solidFill>
+              </a:rPr>
+              <a:t>Asynchronous</a:t>
+            </a:r>
+          </a:p>
+        </p:txBody>
+      </p:sp>
+      <p:sp>
+        <p:nvSpPr>
+          <p:cNvPr id="27" name="Rectangle 26">
+            <a:extLst>
+              <a:ext uri="{FF2B5EF4-FFF2-40B4-BE49-F238E27FC236}">
+                <a16:creationId xmlns:a16="http://schemas.microsoft.com/office/drawing/2014/main" id="{3FCEAE38-F423-93C4-0C3A-7A8F361AAA2A}"/>
+              </a:ext>
+            </a:extLst>
+          </p:cNvPr>
+          <p:cNvSpPr/>
+          <p:nvPr/>
+        </p:nvSpPr>
+        <p:spPr>
+          <a:xfrm>
+            <a:off x="3141134" y="5418667"/>
+            <a:ext cx="1879600" cy="884766"/>
+          </a:xfrm>
+          <a:prstGeom prst="rect">
+            <a:avLst/>
+          </a:prstGeom>
+        </p:spPr>
+        <p:style>
+          <a:lnRef idx="2">
+            <a:schemeClr val="accent1">
+              <a:shade val="15000"/>
+            </a:schemeClr>
+          </a:lnRef>
+          <a:fillRef idx="1">
+            <a:schemeClr val="accent1"/>
+          </a:fillRef>
+          <a:effectRef idx="0">
+            <a:schemeClr val="accent1"/>
+          </a:effectRef>
+          <a:fontRef idx="minor">
+            <a:schemeClr val="lt1"/>
+          </a:fontRef>
+        </p:style>
+        <p:txBody>
+          <a:bodyPr rtlCol="0" anchor="ctr"/>
+          <a:lstStyle/>
+          <a:p>
+            <a:pPr algn="ctr"/>
+            <a:r>
+              <a:rPr lang="en-IN" sz="1200" b="1" dirty="0"/>
+              <a:t>Promise</a:t>
+            </a:r>
+          </a:p>
+          <a:p>
+            <a:pPr algn="ctr"/>
+            <a:r>
+              <a:rPr lang="en-IN" sz="1200" b="1" dirty="0"/>
+              <a:t>Object form </a:t>
+            </a:r>
+          </a:p>
+          <a:p>
+            <a:pPr algn="ctr"/>
+            <a:r>
+              <a:rPr lang="en-IN" sz="1200" b="1" dirty="0"/>
+              <a:t>JS</a:t>
+            </a:r>
+          </a:p>
+          <a:p>
+            <a:pPr algn="ctr"/>
+            <a:r>
+              <a:rPr lang="en-IN" sz="1200" b="1" dirty="0"/>
+              <a:t>From Client</a:t>
+            </a:r>
+          </a:p>
+        </p:txBody>
+      </p:sp>
+      <p:sp>
+        <p:nvSpPr>
+          <p:cNvPr id="28" name="Rectangle 27">
+            <a:extLst>
+              <a:ext uri="{FF2B5EF4-FFF2-40B4-BE49-F238E27FC236}">
+                <a16:creationId xmlns:a16="http://schemas.microsoft.com/office/drawing/2014/main" id="{F59D51CA-DDCB-7255-26DF-FCDB7AE9B4C8}"/>
+              </a:ext>
+            </a:extLst>
+          </p:cNvPr>
+          <p:cNvSpPr/>
+          <p:nvPr/>
+        </p:nvSpPr>
+        <p:spPr>
+          <a:xfrm>
+            <a:off x="7082367" y="5418667"/>
+            <a:ext cx="1879600" cy="884766"/>
+          </a:xfrm>
+          <a:prstGeom prst="rect">
+            <a:avLst/>
+          </a:prstGeom>
+        </p:spPr>
+        <p:style>
+          <a:lnRef idx="2">
+            <a:schemeClr val="accent1">
+              <a:shade val="15000"/>
+            </a:schemeClr>
+          </a:lnRef>
+          <a:fillRef idx="1">
+            <a:schemeClr val="accent1"/>
+          </a:fillRef>
+          <a:effectRef idx="0">
+            <a:schemeClr val="accent1"/>
+          </a:effectRef>
+          <a:fontRef idx="minor">
+            <a:schemeClr val="lt1"/>
+          </a:fontRef>
+        </p:style>
+        <p:txBody>
+          <a:bodyPr rtlCol="0" anchor="ctr"/>
+          <a:lstStyle/>
+          <a:p>
+            <a:pPr algn="ctr"/>
+            <a:r>
+              <a:rPr lang="en-IN" sz="1200" b="1" dirty="0"/>
+              <a:t>Async State</a:t>
+            </a:r>
+          </a:p>
+          <a:p>
+            <a:pPr algn="ctr"/>
+            <a:r>
+              <a:rPr lang="en-IN" sz="1200" b="1" dirty="0"/>
+              <a:t>Object from Server</a:t>
+            </a:r>
+          </a:p>
+        </p:txBody>
+      </p:sp>
+      <p:cxnSp>
+        <p:nvCxnSpPr>
+          <p:cNvPr id="30" name="Connector: Curved 29">
+            <a:extLst>
+              <a:ext uri="{FF2B5EF4-FFF2-40B4-BE49-F238E27FC236}">
+                <a16:creationId xmlns:a16="http://schemas.microsoft.com/office/drawing/2014/main" id="{D5EA359B-E02B-D581-7B90-97F525447201}"/>
+              </a:ext>
+            </a:extLst>
+          </p:cNvPr>
+          <p:cNvCxnSpPr>
+            <a:stCxn id="27" idx="0"/>
+            <a:endCxn id="28" idx="0"/>
+          </p:cNvCxnSpPr>
+          <p:nvPr/>
+        </p:nvCxnSpPr>
+        <p:spPr>
+          <a:xfrm rot="5400000" flipH="1" flipV="1">
+            <a:off x="6051550" y="3448051"/>
+            <a:ext cx="12700" cy="3941233"/>
+          </a:xfrm>
+          <a:prstGeom prst="curvedConnector3">
+            <a:avLst>
+              <a:gd name="adj1" fmla="val 1800000"/>
+            </a:avLst>
+          </a:prstGeom>
+          <a:ln w="76200">
+            <a:solidFill>
+              <a:srgbClr val="FF0000"/>
+            </a:solidFill>
+            <a:tailEnd type="triangle"/>
+          </a:ln>
+        </p:spPr>
+        <p:style>
+          <a:lnRef idx="2">
+            <a:schemeClr val="accent1"/>
+          </a:lnRef>
+          <a:fillRef idx="0">
+            <a:schemeClr val="accent1"/>
+          </a:fillRef>
+          <a:effectRef idx="1">
+            <a:schemeClr val="accent1"/>
+          </a:effectRef>
+          <a:fontRef idx="minor">
+            <a:schemeClr val="tx1"/>
+          </a:fontRef>
+        </p:style>
+      </p:cxnSp>
+      <p:cxnSp>
+        <p:nvCxnSpPr>
+          <p:cNvPr id="32" name="Connector: Curved 31">
+            <a:extLst>
+              <a:ext uri="{FF2B5EF4-FFF2-40B4-BE49-F238E27FC236}">
+                <a16:creationId xmlns:a16="http://schemas.microsoft.com/office/drawing/2014/main" id="{696B5E34-D859-88BB-1119-41BBDEDBC240}"/>
+              </a:ext>
+            </a:extLst>
+          </p:cNvPr>
+          <p:cNvCxnSpPr>
+            <a:stCxn id="28" idx="2"/>
+            <a:endCxn id="27" idx="2"/>
+          </p:cNvCxnSpPr>
+          <p:nvPr/>
+        </p:nvCxnSpPr>
+        <p:spPr>
+          <a:xfrm rot="5400000">
+            <a:off x="6051551" y="4332817"/>
+            <a:ext cx="12700" cy="3941233"/>
+          </a:xfrm>
+          <a:prstGeom prst="curvedConnector3">
+            <a:avLst>
+              <a:gd name="adj1" fmla="val 1800000"/>
+            </a:avLst>
+          </a:prstGeom>
+          <a:ln w="76200">
+            <a:solidFill>
+              <a:srgbClr val="FF0000"/>
+            </a:solidFill>
+            <a:tailEnd type="triangle"/>
+          </a:ln>
+        </p:spPr>
+        <p:style>
+          <a:lnRef idx="2">
+            <a:schemeClr val="accent1"/>
+          </a:lnRef>
+          <a:fillRef idx="0">
+            <a:schemeClr val="accent1"/>
+          </a:fillRef>
+          <a:effectRef idx="1">
+            <a:schemeClr val="accent1"/>
+          </a:effectRef>
+          <a:fontRef idx="minor">
+            <a:schemeClr val="tx1"/>
+          </a:fontRef>
+        </p:style>
+      </p:cxnSp>
+    </p:spTree>
+    <p:extLst>
+      <p:ext uri="{BB962C8B-B14F-4D97-AF65-F5344CB8AC3E}">
+        <p14:creationId xmlns:p14="http://schemas.microsoft.com/office/powerpoint/2010/main" val="1975021418"/>
+      </p:ext>
+    </p:extLst>
+  </p:cSld>
+  <p:clrMapOvr>
+    <a:masterClrMapping/>
+  </p:clrMapOvr>
+</p:sld>
+</file>
+
+<file path=ppt/slides/slide13.xml><?xml version="1.0" encoding="utf-8"?>
+<p:sld xmlns:a="http://schemas.openxmlformats.org/drawingml/2006/main" xmlns:r="http://schemas.openxmlformats.org/officeDocument/2006/relationships" xmlns:p="http://schemas.openxmlformats.org/presentationml/2006/main">
+  <p:cSld>
+    <p:spTree>
+      <p:nvGrpSpPr>
+        <p:cNvPr id="1" name=""/>
+        <p:cNvGrpSpPr/>
+        <p:nvPr/>
+      </p:nvGrpSpPr>
+      <p:grpSpPr>
+        <a:xfrm>
+          <a:off x="0" y="0"/>
+          <a:ext cx="0" cy="0"/>
+          <a:chOff x="0" y="0"/>
+          <a:chExt cx="0" cy="0"/>
+        </a:xfrm>
+      </p:grpSpPr>
+      <p:sp>
+        <p:nvSpPr>
+          <p:cNvPr id="2" name="Rectangle 1">
+            <a:extLst>
+              <a:ext uri="{FF2B5EF4-FFF2-40B4-BE49-F238E27FC236}">
+                <a16:creationId xmlns:a16="http://schemas.microsoft.com/office/drawing/2014/main" id="{4AA2C247-9EA2-89D7-23F7-542772E396D6}"/>
+              </a:ext>
+            </a:extLst>
+          </p:cNvPr>
+          <p:cNvSpPr/>
+          <p:nvPr/>
+        </p:nvSpPr>
+        <p:spPr>
+          <a:xfrm>
+            <a:off x="0" y="0"/>
+            <a:ext cx="1413933" cy="6858000"/>
+          </a:xfrm>
+          <a:prstGeom prst="rect">
+            <a:avLst/>
+          </a:prstGeom>
+        </p:spPr>
+        <p:style>
+          <a:lnRef idx="2">
+            <a:schemeClr val="accent1">
+              <a:shade val="15000"/>
+            </a:schemeClr>
+          </a:lnRef>
+          <a:fillRef idx="1">
+            <a:schemeClr val="accent1"/>
+          </a:fillRef>
+          <a:effectRef idx="0">
+            <a:schemeClr val="accent1"/>
+          </a:effectRef>
+          <a:fontRef idx="minor">
+            <a:schemeClr val="lt1"/>
+          </a:fontRef>
+        </p:style>
+        <p:txBody>
+          <a:bodyPr rtlCol="0" anchor="ctr"/>
+          <a:lstStyle/>
+          <a:p>
+            <a:pPr algn="ctr"/>
+            <a:endParaRPr lang="en-IN"/>
+          </a:p>
+        </p:txBody>
+      </p:sp>
+      <p:sp>
+        <p:nvSpPr>
+          <p:cNvPr id="5" name="TextBox 4">
+            <a:extLst>
+              <a:ext uri="{FF2B5EF4-FFF2-40B4-BE49-F238E27FC236}">
+                <a16:creationId xmlns:a16="http://schemas.microsoft.com/office/drawing/2014/main" id="{7E9D4216-C135-A6ED-4893-3489F26E7A0F}"/>
+              </a:ext>
+            </a:extLst>
+          </p:cNvPr>
+          <p:cNvSpPr txBox="1"/>
+          <p:nvPr/>
+        </p:nvSpPr>
+        <p:spPr>
+          <a:xfrm>
+            <a:off x="-8467" y="33862"/>
+            <a:ext cx="1422400" cy="646331"/>
+          </a:xfrm>
+          <a:prstGeom prst="rect">
+            <a:avLst/>
+          </a:prstGeom>
+          <a:noFill/>
+        </p:spPr>
+        <p:txBody>
+          <a:bodyPr wrap="square" rtlCol="0">
+            <a:spAutoFit/>
+          </a:bodyPr>
+          <a:lstStyle/>
+          <a:p>
+            <a:pPr algn="ctr"/>
+            <a:r>
+              <a:rPr lang="en-IN" b="1" dirty="0">
+                <a:solidFill>
+                  <a:schemeClr val="bg1"/>
+                </a:solidFill>
+              </a:rPr>
+              <a:t>JS</a:t>
+            </a:r>
+          </a:p>
+          <a:p>
+            <a:pPr algn="ctr"/>
+            <a:r>
+              <a:rPr lang="en-IN" b="1" dirty="0">
+                <a:solidFill>
+                  <a:schemeClr val="bg1"/>
+                </a:solidFill>
+              </a:rPr>
+              <a:t>Client</a:t>
+            </a:r>
+          </a:p>
+        </p:txBody>
+      </p:sp>
+      <p:sp>
+        <p:nvSpPr>
+          <p:cNvPr id="4" name="Rectangle 3">
+            <a:extLst>
+              <a:ext uri="{FF2B5EF4-FFF2-40B4-BE49-F238E27FC236}">
+                <a16:creationId xmlns:a16="http://schemas.microsoft.com/office/drawing/2014/main" id="{7E67E90F-8FAF-D60F-8D50-0B9E52128803}"/>
+              </a:ext>
+            </a:extLst>
+          </p:cNvPr>
+          <p:cNvSpPr/>
+          <p:nvPr/>
+        </p:nvSpPr>
+        <p:spPr>
+          <a:xfrm>
+            <a:off x="10320867" y="0"/>
+            <a:ext cx="1871133" cy="6858000"/>
+          </a:xfrm>
+          <a:prstGeom prst="rect">
+            <a:avLst/>
+          </a:prstGeom>
+        </p:spPr>
+        <p:style>
+          <a:lnRef idx="2">
+            <a:schemeClr val="accent1">
+              <a:shade val="15000"/>
+            </a:schemeClr>
+          </a:lnRef>
+          <a:fillRef idx="1">
+            <a:schemeClr val="accent1"/>
+          </a:fillRef>
+          <a:effectRef idx="0">
+            <a:schemeClr val="accent1"/>
+          </a:effectRef>
+          <a:fontRef idx="minor">
+            <a:schemeClr val="lt1"/>
+          </a:fontRef>
+        </p:style>
+        <p:txBody>
+          <a:bodyPr rtlCol="0" anchor="ctr"/>
+          <a:lstStyle/>
+          <a:p>
+            <a:pPr algn="ctr"/>
+            <a:endParaRPr lang="en-IN"/>
+          </a:p>
+        </p:txBody>
+      </p:sp>
+      <p:sp>
+        <p:nvSpPr>
+          <p:cNvPr id="6" name="TextBox 5">
+            <a:extLst>
+              <a:ext uri="{FF2B5EF4-FFF2-40B4-BE49-F238E27FC236}">
+                <a16:creationId xmlns:a16="http://schemas.microsoft.com/office/drawing/2014/main" id="{B74C707D-1245-CA56-6F8B-5D10A11D56A0}"/>
+              </a:ext>
+            </a:extLst>
+          </p:cNvPr>
+          <p:cNvSpPr txBox="1"/>
+          <p:nvPr/>
+        </p:nvSpPr>
+        <p:spPr>
+          <a:xfrm>
+            <a:off x="10778067" y="143933"/>
+            <a:ext cx="1413933" cy="646331"/>
+          </a:xfrm>
+          <a:prstGeom prst="rect">
+            <a:avLst/>
+          </a:prstGeom>
+          <a:noFill/>
+        </p:spPr>
+        <p:txBody>
+          <a:bodyPr wrap="square" rtlCol="0">
+            <a:spAutoFit/>
+          </a:bodyPr>
+          <a:lstStyle/>
+          <a:p>
+            <a:pPr algn="ctr"/>
+            <a:r>
+              <a:rPr lang="en-IN" b="1" dirty="0">
+                <a:solidFill>
+                  <a:schemeClr val="bg1"/>
+                </a:solidFill>
+              </a:rPr>
+              <a:t>API</a:t>
+            </a:r>
+          </a:p>
+          <a:p>
+            <a:pPr algn="ctr"/>
+            <a:r>
+              <a:rPr lang="en-IN" b="1" dirty="0">
+                <a:solidFill>
+                  <a:schemeClr val="bg1"/>
+                </a:solidFill>
+              </a:rPr>
+              <a:t>Server</a:t>
+            </a:r>
+          </a:p>
+        </p:txBody>
+      </p:sp>
+      <p:sp>
+        <p:nvSpPr>
+          <p:cNvPr id="7" name="Arrow: Right 6">
+            <a:extLst>
+              <a:ext uri="{FF2B5EF4-FFF2-40B4-BE49-F238E27FC236}">
+                <a16:creationId xmlns:a16="http://schemas.microsoft.com/office/drawing/2014/main" id="{CE8B3B36-B551-0149-F54B-A0CA2373D0A8}"/>
+              </a:ext>
+            </a:extLst>
+          </p:cNvPr>
+          <p:cNvSpPr/>
+          <p:nvPr/>
+        </p:nvSpPr>
+        <p:spPr>
+          <a:xfrm>
+            <a:off x="1413934" y="143933"/>
+            <a:ext cx="8906934" cy="778934"/>
+          </a:xfrm>
+          <a:prstGeom prst="rightArrow">
+            <a:avLst/>
+          </a:prstGeom>
+        </p:spPr>
+        <p:style>
+          <a:lnRef idx="2">
+            <a:schemeClr val="accent1">
+              <a:shade val="15000"/>
+            </a:schemeClr>
+          </a:lnRef>
+          <a:fillRef idx="1">
+            <a:schemeClr val="accent1"/>
+          </a:fillRef>
+          <a:effectRef idx="0">
+            <a:schemeClr val="accent1"/>
+          </a:effectRef>
+          <a:fontRef idx="minor">
+            <a:schemeClr val="lt1"/>
+          </a:fontRef>
+        </p:style>
+        <p:txBody>
+          <a:bodyPr rtlCol="0" anchor="ctr"/>
+          <a:lstStyle/>
+          <a:p>
+            <a:pPr algn="ctr"/>
+            <a:r>
+              <a:rPr lang="en-IN" b="1" dirty="0"/>
+              <a:t>1. HTTP request Message (GET / POST / PUT / DELETE)</a:t>
+            </a:r>
+          </a:p>
+        </p:txBody>
+      </p:sp>
+      <p:sp>
+        <p:nvSpPr>
+          <p:cNvPr id="8" name="TextBox 7">
+            <a:extLst>
+              <a:ext uri="{FF2B5EF4-FFF2-40B4-BE49-F238E27FC236}">
+                <a16:creationId xmlns:a16="http://schemas.microsoft.com/office/drawing/2014/main" id="{39304475-FBDE-A12D-7337-23FDB90311A8}"/>
+              </a:ext>
+            </a:extLst>
+          </p:cNvPr>
+          <p:cNvSpPr txBox="1"/>
+          <p:nvPr/>
+        </p:nvSpPr>
+        <p:spPr>
+          <a:xfrm>
+            <a:off x="10320866" y="872067"/>
+            <a:ext cx="1803401" cy="954107"/>
+          </a:xfrm>
+          <a:prstGeom prst="rect">
+            <a:avLst/>
+          </a:prstGeom>
+          <a:noFill/>
+        </p:spPr>
+        <p:txBody>
+          <a:bodyPr wrap="square" rtlCol="0">
+            <a:spAutoFit/>
+          </a:bodyPr>
+          <a:lstStyle/>
+          <a:p>
+            <a:r>
+              <a:rPr lang="en-IN" sz="1400" b="1" dirty="0">
+                <a:solidFill>
+                  <a:schemeClr val="bg1"/>
+                </a:solidFill>
+              </a:rPr>
+              <a:t>2. Server Accept the Request and Generates Acknowledgement</a:t>
+            </a:r>
+          </a:p>
+        </p:txBody>
+      </p:sp>
+      <p:sp>
+        <p:nvSpPr>
+          <p:cNvPr id="9" name="Arrow: Left 8">
+            <a:extLst>
+              <a:ext uri="{FF2B5EF4-FFF2-40B4-BE49-F238E27FC236}">
+                <a16:creationId xmlns:a16="http://schemas.microsoft.com/office/drawing/2014/main" id="{E32098D3-ACD0-375A-7F13-3BE78CB94999}"/>
+              </a:ext>
+            </a:extLst>
+          </p:cNvPr>
+          <p:cNvSpPr/>
+          <p:nvPr/>
+        </p:nvSpPr>
+        <p:spPr>
+          <a:xfrm>
+            <a:off x="4377267" y="1100667"/>
+            <a:ext cx="5943598" cy="626533"/>
+          </a:xfrm>
+          <a:prstGeom prst="leftArrow">
+            <a:avLst/>
+          </a:prstGeom>
+        </p:spPr>
+        <p:style>
+          <a:lnRef idx="2">
+            <a:schemeClr val="accent1">
+              <a:shade val="15000"/>
+            </a:schemeClr>
+          </a:lnRef>
+          <a:fillRef idx="1">
+            <a:schemeClr val="accent1"/>
+          </a:fillRef>
+          <a:effectRef idx="0">
+            <a:schemeClr val="accent1"/>
+          </a:effectRef>
+          <a:fontRef idx="minor">
+            <a:schemeClr val="lt1"/>
+          </a:fontRef>
+        </p:style>
+        <p:txBody>
+          <a:bodyPr rtlCol="0" anchor="ctr"/>
+          <a:lstStyle/>
+          <a:p>
+            <a:pPr algn="ctr"/>
+            <a:r>
+              <a:rPr lang="en-IN" sz="1400" b="1" dirty="0"/>
+              <a:t>3. The Acknowledgement to Promise Object Created by Client</a:t>
+            </a:r>
+          </a:p>
+        </p:txBody>
+      </p:sp>
+      <p:sp>
+        <p:nvSpPr>
+          <p:cNvPr id="10" name="TextBox 9">
+            <a:extLst>
+              <a:ext uri="{FF2B5EF4-FFF2-40B4-BE49-F238E27FC236}">
+                <a16:creationId xmlns:a16="http://schemas.microsoft.com/office/drawing/2014/main" id="{F3A6905A-9027-FFF3-139C-4F76D1B69C2A}"/>
+              </a:ext>
+            </a:extLst>
+          </p:cNvPr>
+          <p:cNvSpPr txBox="1"/>
+          <p:nvPr/>
+        </p:nvSpPr>
+        <p:spPr>
+          <a:xfrm>
+            <a:off x="10380133" y="1981200"/>
+            <a:ext cx="1744134" cy="523220"/>
+          </a:xfrm>
+          <a:prstGeom prst="rect">
+            <a:avLst/>
+          </a:prstGeom>
+          <a:noFill/>
+        </p:spPr>
+        <p:txBody>
+          <a:bodyPr wrap="square" rtlCol="0">
+            <a:spAutoFit/>
+          </a:bodyPr>
+          <a:lstStyle/>
+          <a:p>
+            <a:r>
+              <a:rPr lang="en-IN" sz="1400" b="1" dirty="0">
+                <a:solidFill>
+                  <a:schemeClr val="bg1"/>
+                </a:solidFill>
+              </a:rPr>
+              <a:t>4. Server Continue an execution</a:t>
+            </a:r>
+          </a:p>
+        </p:txBody>
+      </p:sp>
+      <p:sp>
+        <p:nvSpPr>
+          <p:cNvPr id="11" name="Arrow: Right 10">
+            <a:extLst>
+              <a:ext uri="{FF2B5EF4-FFF2-40B4-BE49-F238E27FC236}">
+                <a16:creationId xmlns:a16="http://schemas.microsoft.com/office/drawing/2014/main" id="{8BB064A2-8BB3-0250-1EAD-1BDC0E25E2F6}"/>
+              </a:ext>
+            </a:extLst>
+          </p:cNvPr>
+          <p:cNvSpPr/>
+          <p:nvPr/>
+        </p:nvSpPr>
+        <p:spPr>
+          <a:xfrm>
+            <a:off x="1413932" y="1143000"/>
+            <a:ext cx="2963333" cy="541866"/>
+          </a:xfrm>
+          <a:prstGeom prst="rightArrow">
+            <a:avLst/>
+          </a:prstGeom>
+        </p:spPr>
+        <p:style>
+          <a:lnRef idx="2">
+            <a:schemeClr val="accent1">
+              <a:shade val="15000"/>
+            </a:schemeClr>
+          </a:lnRef>
+          <a:fillRef idx="1">
+            <a:schemeClr val="accent1"/>
+          </a:fillRef>
+          <a:effectRef idx="0">
+            <a:schemeClr val="accent1"/>
+          </a:effectRef>
+          <a:fontRef idx="minor">
+            <a:schemeClr val="lt1"/>
+          </a:fontRef>
+        </p:style>
+        <p:txBody>
+          <a:bodyPr rtlCol="0" anchor="ctr"/>
+          <a:lstStyle/>
+          <a:p>
+            <a:pPr algn="ctr"/>
+            <a:r>
+              <a:rPr lang="en-IN" sz="1400" b="1" dirty="0"/>
+              <a:t>5. Promise Subscription</a:t>
+            </a:r>
+          </a:p>
+        </p:txBody>
+      </p:sp>
+      <p:sp>
+        <p:nvSpPr>
+          <p:cNvPr id="12" name="TextBox 11">
+            <a:extLst>
+              <a:ext uri="{FF2B5EF4-FFF2-40B4-BE49-F238E27FC236}">
+                <a16:creationId xmlns:a16="http://schemas.microsoft.com/office/drawing/2014/main" id="{2A4157A4-C66A-38A7-09B0-B634AAACFF6B}"/>
+              </a:ext>
+            </a:extLst>
+          </p:cNvPr>
+          <p:cNvSpPr txBox="1"/>
+          <p:nvPr/>
+        </p:nvSpPr>
+        <p:spPr>
+          <a:xfrm>
+            <a:off x="-8467" y="1684866"/>
+            <a:ext cx="1422397" cy="646331"/>
+          </a:xfrm>
+          <a:prstGeom prst="rect">
+            <a:avLst/>
+          </a:prstGeom>
+          <a:noFill/>
+        </p:spPr>
+        <p:txBody>
+          <a:bodyPr wrap="square" rtlCol="0">
+            <a:spAutoFit/>
+          </a:bodyPr>
+          <a:lstStyle/>
+          <a:p>
+            <a:r>
+              <a:rPr lang="en-IN" sz="1200" b="1" dirty="0">
+                <a:solidFill>
+                  <a:schemeClr val="bg1"/>
+                </a:solidFill>
+              </a:rPr>
+              <a:t>6. Client Continue its Execution </a:t>
+            </a:r>
+          </a:p>
+        </p:txBody>
+      </p:sp>
+      <p:cxnSp>
+        <p:nvCxnSpPr>
+          <p:cNvPr id="14" name="Connector: Curved 13">
+            <a:extLst>
+              <a:ext uri="{FF2B5EF4-FFF2-40B4-BE49-F238E27FC236}">
+                <a16:creationId xmlns:a16="http://schemas.microsoft.com/office/drawing/2014/main" id="{25864CAF-6F43-70D7-CDD6-B43D1BAC81EA}"/>
+              </a:ext>
+            </a:extLst>
+          </p:cNvPr>
+          <p:cNvCxnSpPr>
+            <a:cxnSpLocks/>
+            <a:stCxn id="18" idx="2"/>
+          </p:cNvCxnSpPr>
+          <p:nvPr/>
+        </p:nvCxnSpPr>
+        <p:spPr>
+          <a:xfrm rot="16200000" flipH="1">
+            <a:off x="8022691" y="1095909"/>
+            <a:ext cx="1666882" cy="2929464"/>
+          </a:xfrm>
+          <a:prstGeom prst="curvedConnector2">
+            <a:avLst/>
+          </a:prstGeom>
+          <a:ln w="76200">
+            <a:tailEnd type="triangle"/>
+          </a:ln>
+        </p:spPr>
+        <p:style>
+          <a:lnRef idx="2">
+            <a:schemeClr val="accent1"/>
+          </a:lnRef>
+          <a:fillRef idx="0">
+            <a:schemeClr val="accent1"/>
+          </a:fillRef>
+          <a:effectRef idx="1">
+            <a:schemeClr val="accent1"/>
+          </a:effectRef>
+          <a:fontRef idx="minor">
+            <a:schemeClr val="tx1"/>
+          </a:fontRef>
+        </p:style>
+      </p:cxnSp>
+      <p:sp>
+        <p:nvSpPr>
+          <p:cNvPr id="16" name="TextBox 15">
+            <a:extLst>
+              <a:ext uri="{FF2B5EF4-FFF2-40B4-BE49-F238E27FC236}">
+                <a16:creationId xmlns:a16="http://schemas.microsoft.com/office/drawing/2014/main" id="{CC503012-6BDC-1B58-46BE-790BF5DC2AC6}"/>
+              </a:ext>
+            </a:extLst>
+          </p:cNvPr>
+          <p:cNvSpPr txBox="1"/>
+          <p:nvPr/>
+        </p:nvSpPr>
+        <p:spPr>
+          <a:xfrm>
+            <a:off x="6375401" y="2044761"/>
+            <a:ext cx="3564466" cy="646331"/>
+          </a:xfrm>
+          <a:prstGeom prst="rect">
+            <a:avLst/>
+          </a:prstGeom>
+          <a:noFill/>
+          <a:ln w="57150">
+            <a:solidFill>
+              <a:schemeClr val="tx1"/>
+            </a:solidFill>
+          </a:ln>
+        </p:spPr>
+        <p:txBody>
+          <a:bodyPr wrap="square" rtlCol="0">
+            <a:spAutoFit/>
+          </a:bodyPr>
+          <a:lstStyle/>
+          <a:p>
+            <a:r>
+              <a:rPr lang="en-IN" b="1" dirty="0"/>
+              <a:t>7.The Promise Keep Waiting for the Response from the Server</a:t>
+            </a:r>
+          </a:p>
+        </p:txBody>
+      </p:sp>
+      <p:sp>
+        <p:nvSpPr>
+          <p:cNvPr id="18" name="Rectangle 17">
+            <a:extLst>
+              <a:ext uri="{FF2B5EF4-FFF2-40B4-BE49-F238E27FC236}">
+                <a16:creationId xmlns:a16="http://schemas.microsoft.com/office/drawing/2014/main" id="{B70A949F-839E-E7D7-7D72-15CC8A283564}"/>
+              </a:ext>
+            </a:extLst>
+          </p:cNvPr>
+          <p:cNvSpPr/>
+          <p:nvPr/>
+        </p:nvSpPr>
+        <p:spPr>
+          <a:xfrm>
+            <a:off x="6951133" y="1570774"/>
+            <a:ext cx="880534" cy="156426"/>
+          </a:xfrm>
+          <a:prstGeom prst="rect">
+            <a:avLst/>
+          </a:prstGeom>
+        </p:spPr>
+        <p:style>
+          <a:lnRef idx="2">
+            <a:schemeClr val="accent1">
+              <a:shade val="15000"/>
+            </a:schemeClr>
+          </a:lnRef>
+          <a:fillRef idx="1">
+            <a:schemeClr val="accent1"/>
+          </a:fillRef>
+          <a:effectRef idx="0">
+            <a:schemeClr val="accent1"/>
+          </a:effectRef>
+          <a:fontRef idx="minor">
+            <a:schemeClr val="lt1"/>
+          </a:fontRef>
+        </p:style>
+        <p:txBody>
+          <a:bodyPr rtlCol="0" anchor="ctr"/>
+          <a:lstStyle/>
+          <a:p>
+            <a:pPr algn="ctr"/>
+            <a:endParaRPr lang="en-IN"/>
+          </a:p>
+        </p:txBody>
+      </p:sp>
+      <p:sp>
+        <p:nvSpPr>
+          <p:cNvPr id="20" name="TextBox 19">
+            <a:extLst>
+              <a:ext uri="{FF2B5EF4-FFF2-40B4-BE49-F238E27FC236}">
+                <a16:creationId xmlns:a16="http://schemas.microsoft.com/office/drawing/2014/main" id="{1D70C369-0B65-7FBA-17E1-3A473F82743F}"/>
+              </a:ext>
+            </a:extLst>
+          </p:cNvPr>
+          <p:cNvSpPr txBox="1"/>
+          <p:nvPr/>
+        </p:nvSpPr>
+        <p:spPr>
+          <a:xfrm>
+            <a:off x="10473267" y="3437467"/>
+            <a:ext cx="1583266" cy="1169551"/>
+          </a:xfrm>
+          <a:prstGeom prst="rect">
+            <a:avLst/>
+          </a:prstGeom>
+          <a:noFill/>
+          <a:ln w="76200">
+            <a:solidFill>
+              <a:schemeClr val="bg1"/>
+            </a:solidFill>
+          </a:ln>
+        </p:spPr>
+        <p:txBody>
+          <a:bodyPr wrap="square" rtlCol="0">
+            <a:spAutoFit/>
+          </a:bodyPr>
+          <a:lstStyle/>
+          <a:p>
+            <a:r>
+              <a:rPr lang="en-IN" sz="1400" b="1" dirty="0">
+                <a:solidFill>
+                  <a:schemeClr val="bg1"/>
+                </a:solidFill>
+              </a:rPr>
+              <a:t>8. Server Completes Execution and ready with Response</a:t>
+            </a:r>
+          </a:p>
+        </p:txBody>
+      </p:sp>
+      <p:sp>
+        <p:nvSpPr>
+          <p:cNvPr id="21" name="Rectangle 20">
+            <a:extLst>
+              <a:ext uri="{FF2B5EF4-FFF2-40B4-BE49-F238E27FC236}">
+                <a16:creationId xmlns:a16="http://schemas.microsoft.com/office/drawing/2014/main" id="{27A63CB1-DC0A-CA03-0ECD-F3655F728D45}"/>
+              </a:ext>
+            </a:extLst>
+          </p:cNvPr>
+          <p:cNvSpPr/>
+          <p:nvPr/>
+        </p:nvSpPr>
+        <p:spPr>
+          <a:xfrm>
+            <a:off x="4356105" y="2669864"/>
+            <a:ext cx="1701800" cy="1165536"/>
+          </a:xfrm>
+          <a:prstGeom prst="rect">
+            <a:avLst/>
+          </a:prstGeom>
+        </p:spPr>
+        <p:style>
+          <a:lnRef idx="2">
+            <a:schemeClr val="accent1">
+              <a:shade val="15000"/>
+            </a:schemeClr>
+          </a:lnRef>
+          <a:fillRef idx="1">
+            <a:schemeClr val="accent1"/>
+          </a:fillRef>
+          <a:effectRef idx="0">
+            <a:schemeClr val="accent1"/>
+          </a:effectRef>
+          <a:fontRef idx="minor">
+            <a:schemeClr val="lt1"/>
+          </a:fontRef>
+        </p:style>
+        <p:txBody>
+          <a:bodyPr rtlCol="0" anchor="ctr"/>
+          <a:lstStyle/>
+          <a:p>
+            <a:pPr algn="ctr"/>
+            <a:r>
+              <a:rPr lang="en-IN" b="1" dirty="0"/>
+              <a:t>9. Response Back to Promise</a:t>
+            </a:r>
+          </a:p>
+        </p:txBody>
+      </p:sp>
+      <p:cxnSp>
+        <p:nvCxnSpPr>
+          <p:cNvPr id="23" name="Connector: Curved 22">
+            <a:extLst>
+              <a:ext uri="{FF2B5EF4-FFF2-40B4-BE49-F238E27FC236}">
+                <a16:creationId xmlns:a16="http://schemas.microsoft.com/office/drawing/2014/main" id="{A638BD43-AFEC-3944-3352-FECD8C3EF8C7}"/>
+              </a:ext>
+            </a:extLst>
+          </p:cNvPr>
+          <p:cNvCxnSpPr>
+            <a:stCxn id="20" idx="1"/>
+            <a:endCxn id="21" idx="3"/>
+          </p:cNvCxnSpPr>
+          <p:nvPr/>
+        </p:nvCxnSpPr>
+        <p:spPr>
+          <a:xfrm rot="10800000">
+            <a:off x="6057905" y="3252633"/>
+            <a:ext cx="4415362" cy="769611"/>
+          </a:xfrm>
+          <a:prstGeom prst="curvedConnector3">
+            <a:avLst/>
+          </a:prstGeom>
+          <a:ln w="76200">
+            <a:tailEnd type="triangle"/>
+          </a:ln>
+        </p:spPr>
+        <p:style>
+          <a:lnRef idx="2">
+            <a:schemeClr val="accent1"/>
+          </a:lnRef>
+          <a:fillRef idx="0">
+            <a:schemeClr val="accent1"/>
+          </a:fillRef>
+          <a:effectRef idx="1">
+            <a:schemeClr val="accent1"/>
+          </a:effectRef>
+          <a:fontRef idx="minor">
+            <a:schemeClr val="tx1"/>
+          </a:fontRef>
+        </p:style>
+      </p:cxnSp>
+      <p:cxnSp>
+        <p:nvCxnSpPr>
+          <p:cNvPr id="26" name="Straight Arrow Connector 25">
+            <a:extLst>
+              <a:ext uri="{FF2B5EF4-FFF2-40B4-BE49-F238E27FC236}">
+                <a16:creationId xmlns:a16="http://schemas.microsoft.com/office/drawing/2014/main" id="{62AA08A9-4579-E7ED-A1FF-273E7B77E209}"/>
+              </a:ext>
+            </a:extLst>
+          </p:cNvPr>
+          <p:cNvCxnSpPr>
+            <a:stCxn id="9" idx="2"/>
+            <a:endCxn id="21" idx="0"/>
+          </p:cNvCxnSpPr>
+          <p:nvPr/>
+        </p:nvCxnSpPr>
+        <p:spPr>
+          <a:xfrm>
+            <a:off x="4690534" y="1727200"/>
+            <a:ext cx="516471" cy="942664"/>
+          </a:xfrm>
+          <a:prstGeom prst="straightConnector1">
+            <a:avLst/>
+          </a:prstGeom>
+          <a:ln w="19050" cap="flat" cmpd="sng" algn="ctr">
+            <a:solidFill>
+              <a:schemeClr val="dk1"/>
+            </a:solidFill>
+            <a:prstDash val="dash"/>
+            <a:round/>
+            <a:headEnd type="none" w="med" len="med"/>
+            <a:tailEnd type="none" w="med" len="med"/>
+          </a:ln>
+        </p:spPr>
+        <p:style>
+          <a:lnRef idx="0">
+            <a:scrgbClr r="0" g="0" b="0"/>
+          </a:lnRef>
+          <a:fillRef idx="0">
+            <a:scrgbClr r="0" g="0" b="0"/>
+          </a:fillRef>
+          <a:effectRef idx="0">
+            <a:scrgbClr r="0" g="0" b="0"/>
+          </a:effectRef>
+          <a:fontRef idx="minor">
+            <a:schemeClr val="tx1"/>
+          </a:fontRef>
+        </p:style>
+      </p:cxnSp>
+      <p:sp>
+        <p:nvSpPr>
+          <p:cNvPr id="27" name="Rectangle 26">
+            <a:extLst>
+              <a:ext uri="{FF2B5EF4-FFF2-40B4-BE49-F238E27FC236}">
+                <a16:creationId xmlns:a16="http://schemas.microsoft.com/office/drawing/2014/main" id="{5A5F6602-88AC-9068-57E6-BBD7DAD37B5E}"/>
+              </a:ext>
+            </a:extLst>
+          </p:cNvPr>
+          <p:cNvSpPr/>
+          <p:nvPr/>
+        </p:nvSpPr>
+        <p:spPr>
+          <a:xfrm>
+            <a:off x="2472267" y="1521287"/>
+            <a:ext cx="736604" cy="84640"/>
+          </a:xfrm>
+          <a:prstGeom prst="rect">
+            <a:avLst/>
+          </a:prstGeom>
+        </p:spPr>
+        <p:style>
+          <a:lnRef idx="2">
+            <a:schemeClr val="accent1">
+              <a:shade val="15000"/>
+            </a:schemeClr>
+          </a:lnRef>
+          <a:fillRef idx="1">
+            <a:schemeClr val="accent1"/>
+          </a:fillRef>
+          <a:effectRef idx="0">
+            <a:schemeClr val="accent1"/>
+          </a:effectRef>
+          <a:fontRef idx="minor">
+            <a:schemeClr val="lt1"/>
+          </a:fontRef>
+        </p:style>
+        <p:txBody>
+          <a:bodyPr rtlCol="0" anchor="ctr"/>
+          <a:lstStyle/>
+          <a:p>
+            <a:pPr algn="ctr"/>
+            <a:endParaRPr lang="en-IN"/>
+          </a:p>
+        </p:txBody>
+      </p:sp>
+      <p:cxnSp>
+        <p:nvCxnSpPr>
+          <p:cNvPr id="29" name="Connector: Curved 28">
+            <a:extLst>
+              <a:ext uri="{FF2B5EF4-FFF2-40B4-BE49-F238E27FC236}">
+                <a16:creationId xmlns:a16="http://schemas.microsoft.com/office/drawing/2014/main" id="{6F3FC568-F180-172D-7F22-D38AD34FB199}"/>
+              </a:ext>
+            </a:extLst>
+          </p:cNvPr>
+          <p:cNvCxnSpPr>
+            <a:cxnSpLocks/>
+            <a:stCxn id="27" idx="2"/>
+            <a:endCxn id="21" idx="1"/>
+          </p:cNvCxnSpPr>
+          <p:nvPr/>
+        </p:nvCxnSpPr>
+        <p:spPr>
+          <a:xfrm rot="16200000" flipH="1">
+            <a:off x="2774985" y="1671511"/>
+            <a:ext cx="1646705" cy="1515536"/>
+          </a:xfrm>
+          <a:prstGeom prst="curvedConnector2">
+            <a:avLst/>
+          </a:prstGeom>
+          <a:ln w="76200">
+            <a:tailEnd type="triangle"/>
+          </a:ln>
+        </p:spPr>
+        <p:style>
+          <a:lnRef idx="2">
+            <a:schemeClr val="accent1"/>
+          </a:lnRef>
+          <a:fillRef idx="0">
+            <a:schemeClr val="accent1"/>
+          </a:fillRef>
+          <a:effectRef idx="1">
+            <a:schemeClr val="accent1"/>
+          </a:effectRef>
+          <a:fontRef idx="minor">
+            <a:schemeClr val="tx1"/>
+          </a:fontRef>
+        </p:style>
+      </p:cxnSp>
+      <p:sp>
+        <p:nvSpPr>
+          <p:cNvPr id="30" name="TextBox 29">
+            <a:extLst>
+              <a:ext uri="{FF2B5EF4-FFF2-40B4-BE49-F238E27FC236}">
+                <a16:creationId xmlns:a16="http://schemas.microsoft.com/office/drawing/2014/main" id="{70D993E8-1067-7ADB-33CB-5C3BE0A35843}"/>
+              </a:ext>
+            </a:extLst>
+          </p:cNvPr>
+          <p:cNvSpPr txBox="1"/>
+          <p:nvPr/>
+        </p:nvSpPr>
+        <p:spPr>
+          <a:xfrm>
+            <a:off x="2286000" y="2367926"/>
+            <a:ext cx="1689108" cy="1200329"/>
+          </a:xfrm>
+          <a:prstGeom prst="rect">
+            <a:avLst/>
+          </a:prstGeom>
+          <a:noFill/>
+          <a:ln w="57150">
+            <a:solidFill>
+              <a:schemeClr val="tx1"/>
+            </a:solidFill>
+          </a:ln>
+        </p:spPr>
+        <p:txBody>
+          <a:bodyPr wrap="square" rtlCol="0">
+            <a:spAutoFit/>
+          </a:bodyPr>
+          <a:lstStyle/>
+          <a:p>
+            <a:r>
+              <a:rPr lang="en-IN" b="1" dirty="0"/>
+              <a:t>10. Unpack the Response using the Subscription</a:t>
+            </a:r>
+          </a:p>
+        </p:txBody>
+      </p:sp>
+      <p:sp>
+        <p:nvSpPr>
+          <p:cNvPr id="31" name="Rectangle 30">
+            <a:extLst>
+              <a:ext uri="{FF2B5EF4-FFF2-40B4-BE49-F238E27FC236}">
+                <a16:creationId xmlns:a16="http://schemas.microsoft.com/office/drawing/2014/main" id="{31440521-DFBB-03E9-212E-53657CB92B44}"/>
+              </a:ext>
+            </a:extLst>
+          </p:cNvPr>
+          <p:cNvSpPr/>
+          <p:nvPr/>
+        </p:nvSpPr>
+        <p:spPr>
+          <a:xfrm>
+            <a:off x="3793067" y="4224867"/>
+            <a:ext cx="1515537" cy="595531"/>
+          </a:xfrm>
+          <a:prstGeom prst="rect">
+            <a:avLst/>
+          </a:prstGeom>
+        </p:spPr>
+        <p:style>
+          <a:lnRef idx="2">
+            <a:schemeClr val="accent1">
+              <a:shade val="15000"/>
+            </a:schemeClr>
+          </a:lnRef>
+          <a:fillRef idx="1">
+            <a:schemeClr val="accent1"/>
+          </a:fillRef>
+          <a:effectRef idx="0">
+            <a:schemeClr val="accent1"/>
+          </a:effectRef>
+          <a:fontRef idx="minor">
+            <a:schemeClr val="lt1"/>
+          </a:fontRef>
+        </p:style>
+        <p:txBody>
+          <a:bodyPr rtlCol="0" anchor="ctr"/>
+          <a:lstStyle/>
+          <a:p>
+            <a:pPr algn="ctr"/>
+            <a:r>
+              <a:rPr lang="en-IN" b="1" dirty="0"/>
+              <a:t>Success</a:t>
+            </a:r>
+          </a:p>
+          <a:p>
+            <a:pPr algn="ctr"/>
+            <a:r>
+              <a:rPr lang="en-IN" b="1" dirty="0"/>
+              <a:t>Response</a:t>
+            </a:r>
+          </a:p>
+        </p:txBody>
+      </p:sp>
+      <p:sp>
+        <p:nvSpPr>
+          <p:cNvPr id="32" name="Rectangle 31">
+            <a:extLst>
+              <a:ext uri="{FF2B5EF4-FFF2-40B4-BE49-F238E27FC236}">
+                <a16:creationId xmlns:a16="http://schemas.microsoft.com/office/drawing/2014/main" id="{72480D40-B3A7-E457-8AB6-24C6D1199B76}"/>
+              </a:ext>
+            </a:extLst>
+          </p:cNvPr>
+          <p:cNvSpPr/>
+          <p:nvPr/>
+        </p:nvSpPr>
+        <p:spPr>
+          <a:xfrm>
+            <a:off x="5435596" y="4214711"/>
+            <a:ext cx="1515537" cy="595531"/>
+          </a:xfrm>
+          <a:prstGeom prst="rect">
+            <a:avLst/>
+          </a:prstGeom>
+        </p:spPr>
+        <p:style>
+          <a:lnRef idx="2">
+            <a:schemeClr val="accent1">
+              <a:shade val="15000"/>
+            </a:schemeClr>
+          </a:lnRef>
+          <a:fillRef idx="1">
+            <a:schemeClr val="accent1"/>
+          </a:fillRef>
+          <a:effectRef idx="0">
+            <a:schemeClr val="accent1"/>
+          </a:effectRef>
+          <a:fontRef idx="minor">
+            <a:schemeClr val="lt1"/>
+          </a:fontRef>
+        </p:style>
+        <p:txBody>
+          <a:bodyPr rtlCol="0" anchor="ctr"/>
+          <a:lstStyle/>
+          <a:p>
+            <a:pPr algn="ctr"/>
+            <a:r>
+              <a:rPr lang="en-IN" b="1" dirty="0"/>
+              <a:t>Failed Response</a:t>
+            </a:r>
+          </a:p>
+        </p:txBody>
+      </p:sp>
+      <p:cxnSp>
+        <p:nvCxnSpPr>
+          <p:cNvPr id="34" name="Connector: Curved 33">
+            <a:extLst>
+              <a:ext uri="{FF2B5EF4-FFF2-40B4-BE49-F238E27FC236}">
+                <a16:creationId xmlns:a16="http://schemas.microsoft.com/office/drawing/2014/main" id="{44B1EB62-3206-6A06-40E0-80B12A17E1E5}"/>
+              </a:ext>
+            </a:extLst>
+          </p:cNvPr>
+          <p:cNvCxnSpPr>
+            <a:stCxn id="21" idx="2"/>
+            <a:endCxn id="31" idx="0"/>
+          </p:cNvCxnSpPr>
+          <p:nvPr/>
+        </p:nvCxnSpPr>
+        <p:spPr>
+          <a:xfrm rot="5400000">
+            <a:off x="4684188" y="3702049"/>
+            <a:ext cx="389467" cy="656169"/>
+          </a:xfrm>
+          <a:prstGeom prst="curvedConnector3">
+            <a:avLst/>
+          </a:prstGeom>
+          <a:ln>
+            <a:tailEnd type="triangle"/>
+          </a:ln>
+        </p:spPr>
+        <p:style>
+          <a:lnRef idx="2">
+            <a:schemeClr val="accent1"/>
+          </a:lnRef>
+          <a:fillRef idx="0">
+            <a:schemeClr val="accent1"/>
+          </a:fillRef>
+          <a:effectRef idx="1">
+            <a:schemeClr val="accent1"/>
+          </a:effectRef>
+          <a:fontRef idx="minor">
+            <a:schemeClr val="tx1"/>
+          </a:fontRef>
+        </p:style>
+      </p:cxnSp>
+      <p:cxnSp>
+        <p:nvCxnSpPr>
+          <p:cNvPr id="36" name="Connector: Curved 35">
+            <a:extLst>
+              <a:ext uri="{FF2B5EF4-FFF2-40B4-BE49-F238E27FC236}">
+                <a16:creationId xmlns:a16="http://schemas.microsoft.com/office/drawing/2014/main" id="{5DD720D2-4694-2E4D-6625-8782ED3F7FB9}"/>
+              </a:ext>
+            </a:extLst>
+          </p:cNvPr>
+          <p:cNvCxnSpPr>
+            <a:stCxn id="21" idx="2"/>
+            <a:endCxn id="32" idx="0"/>
+          </p:cNvCxnSpPr>
+          <p:nvPr/>
+        </p:nvCxnSpPr>
+        <p:spPr>
+          <a:xfrm rot="16200000" flipH="1">
+            <a:off x="5510530" y="3531875"/>
+            <a:ext cx="379311" cy="986360"/>
+          </a:xfrm>
+          <a:prstGeom prst="curvedConnector3">
+            <a:avLst/>
+          </a:prstGeom>
+          <a:ln>
+            <a:tailEnd type="triangle"/>
+          </a:ln>
+        </p:spPr>
+        <p:style>
+          <a:lnRef idx="2">
+            <a:schemeClr val="accent1"/>
+          </a:lnRef>
+          <a:fillRef idx="0">
+            <a:schemeClr val="accent1"/>
+          </a:fillRef>
+          <a:effectRef idx="1">
+            <a:schemeClr val="accent1"/>
+          </a:effectRef>
+          <a:fontRef idx="minor">
+            <a:schemeClr val="tx1"/>
+          </a:fontRef>
+        </p:style>
+      </p:cxnSp>
+      <p:sp>
+        <p:nvSpPr>
+          <p:cNvPr id="37" name="Rectangle 36">
+            <a:extLst>
+              <a:ext uri="{FF2B5EF4-FFF2-40B4-BE49-F238E27FC236}">
+                <a16:creationId xmlns:a16="http://schemas.microsoft.com/office/drawing/2014/main" id="{225373F3-FEAB-3BA0-CC81-8F2AB598FE94}"/>
+              </a:ext>
+            </a:extLst>
+          </p:cNvPr>
+          <p:cNvSpPr/>
+          <p:nvPr/>
+        </p:nvSpPr>
+        <p:spPr>
+          <a:xfrm>
+            <a:off x="-8467" y="3474197"/>
+            <a:ext cx="1413933" cy="1052607"/>
+          </a:xfrm>
+          <a:prstGeom prst="rect">
+            <a:avLst/>
+          </a:prstGeom>
+          <a:ln w="38100">
+            <a:solidFill>
+              <a:schemeClr val="bg1"/>
+            </a:solidFill>
+          </a:ln>
+        </p:spPr>
+        <p:style>
+          <a:lnRef idx="2">
+            <a:schemeClr val="accent1">
+              <a:shade val="15000"/>
+            </a:schemeClr>
+          </a:lnRef>
+          <a:fillRef idx="1">
+            <a:schemeClr val="accent1"/>
+          </a:fillRef>
+          <a:effectRef idx="0">
+            <a:schemeClr val="accent1"/>
+          </a:effectRef>
+          <a:fontRef idx="minor">
+            <a:schemeClr val="lt1"/>
+          </a:fontRef>
+        </p:style>
+        <p:txBody>
+          <a:bodyPr rtlCol="0" anchor="ctr"/>
+          <a:lstStyle/>
+          <a:p>
+            <a:pPr algn="ctr"/>
+            <a:r>
+              <a:rPr lang="en-IN" sz="1200" b="1" dirty="0"/>
+              <a:t>11. The Unpacked Response is delivered to Client</a:t>
+            </a:r>
+          </a:p>
+        </p:txBody>
+      </p:sp>
+      <p:cxnSp>
+        <p:nvCxnSpPr>
+          <p:cNvPr id="39" name="Connector: Curved 38">
+            <a:extLst>
+              <a:ext uri="{FF2B5EF4-FFF2-40B4-BE49-F238E27FC236}">
+                <a16:creationId xmlns:a16="http://schemas.microsoft.com/office/drawing/2014/main" id="{C46B2A49-D9C8-7614-79E9-928F098AC233}"/>
+              </a:ext>
+            </a:extLst>
+          </p:cNvPr>
+          <p:cNvCxnSpPr>
+            <a:stCxn id="30" idx="1"/>
+            <a:endCxn id="37" idx="3"/>
+          </p:cNvCxnSpPr>
+          <p:nvPr/>
+        </p:nvCxnSpPr>
+        <p:spPr>
+          <a:xfrm rot="10800000" flipV="1">
+            <a:off x="1405466" y="2968091"/>
+            <a:ext cx="880534" cy="1032410"/>
+          </a:xfrm>
+          <a:prstGeom prst="curvedConnector3">
+            <a:avLst/>
+          </a:prstGeom>
+          <a:ln w="57150">
+            <a:tailEnd type="triangle"/>
+          </a:ln>
+        </p:spPr>
+        <p:style>
+          <a:lnRef idx="2">
+            <a:schemeClr val="accent1"/>
+          </a:lnRef>
+          <a:fillRef idx="0">
+            <a:schemeClr val="accent1"/>
+          </a:fillRef>
+          <a:effectRef idx="1">
+            <a:schemeClr val="accent1"/>
+          </a:effectRef>
+          <a:fontRef idx="minor">
+            <a:schemeClr val="tx1"/>
+          </a:fontRef>
+        </p:style>
+      </p:cxnSp>
+      <p:sp>
+        <p:nvSpPr>
+          <p:cNvPr id="41" name="TextBox 40">
+            <a:extLst>
+              <a:ext uri="{FF2B5EF4-FFF2-40B4-BE49-F238E27FC236}">
+                <a16:creationId xmlns:a16="http://schemas.microsoft.com/office/drawing/2014/main" id="{99EC4835-98D5-B250-52C5-B922687A77B7}"/>
+              </a:ext>
+            </a:extLst>
+          </p:cNvPr>
+          <p:cNvSpPr txBox="1"/>
+          <p:nvPr/>
+        </p:nvSpPr>
+        <p:spPr>
+          <a:xfrm>
+            <a:off x="2032000" y="5173134"/>
+            <a:ext cx="7611533" cy="1200329"/>
+          </a:xfrm>
+          <a:prstGeom prst="rect">
+            <a:avLst/>
+          </a:prstGeom>
+          <a:noFill/>
+          <a:ln w="57150">
+            <a:solidFill>
+              <a:srgbClr val="00B0F0"/>
+            </a:solidFill>
+          </a:ln>
+        </p:spPr>
+        <p:txBody>
+          <a:bodyPr wrap="square" rtlCol="0">
+            <a:spAutoFit/>
+          </a:bodyPr>
+          <a:lstStyle/>
+          <a:p>
+            <a:pPr algn="ctr"/>
+            <a:r>
+              <a:rPr lang="en-IN" sz="3600" b="1" dirty="0"/>
+              <a:t>PROMISE BASED ASYNC EXECUTION in JavaScript Apps</a:t>
+            </a:r>
+          </a:p>
+        </p:txBody>
+      </p:sp>
+    </p:spTree>
+    <p:extLst>
+      <p:ext uri="{BB962C8B-B14F-4D97-AF65-F5344CB8AC3E}">
+        <p14:creationId xmlns:p14="http://schemas.microsoft.com/office/powerpoint/2010/main" val="2366103055"/>
+      </p:ext>
+    </p:extLst>
+  </p:cSld>
+  <p:clrMapOvr>
+    <a:masterClrMapping/>
+  </p:clrMapOvr>
+</p:sld>
+</file>
+
+<file path=ppt/slides/slide14.xml><?xml version="1.0" encoding="utf-8"?>
+<p:sld xmlns:a="http://schemas.openxmlformats.org/drawingml/2006/main" xmlns:r="http://schemas.openxmlformats.org/officeDocument/2006/relationships" xmlns:p="http://schemas.openxmlformats.org/presentationml/2006/main">
+  <p:cSld>
+    <p:spTree>
+      <p:nvGrpSpPr>
+        <p:cNvPr id="1" name=""/>
+        <p:cNvGrpSpPr/>
+        <p:nvPr/>
+      </p:nvGrpSpPr>
+      <p:grpSpPr>
+        <a:xfrm>
+          <a:off x="0" y="0"/>
+          <a:ext cx="0" cy="0"/>
+          <a:chOff x="0" y="0"/>
+          <a:chExt cx="0" cy="0"/>
+        </a:xfrm>
+      </p:grpSpPr>
+      <p:sp>
+        <p:nvSpPr>
+          <p:cNvPr id="2" name="Rectangle 1">
+            <a:extLst>
+              <a:ext uri="{FF2B5EF4-FFF2-40B4-BE49-F238E27FC236}">
+                <a16:creationId xmlns:a16="http://schemas.microsoft.com/office/drawing/2014/main" id="{4AA2C247-9EA2-89D7-23F7-542772E396D6}"/>
+              </a:ext>
+            </a:extLst>
+          </p:cNvPr>
+          <p:cNvSpPr/>
+          <p:nvPr/>
+        </p:nvSpPr>
+        <p:spPr>
+          <a:xfrm>
+            <a:off x="0" y="0"/>
+            <a:ext cx="1413933" cy="6858000"/>
+          </a:xfrm>
+          <a:prstGeom prst="rect">
+            <a:avLst/>
+          </a:prstGeom>
+        </p:spPr>
+        <p:style>
+          <a:lnRef idx="2">
+            <a:schemeClr val="accent1">
+              <a:shade val="15000"/>
+            </a:schemeClr>
+          </a:lnRef>
+          <a:fillRef idx="1">
+            <a:schemeClr val="accent1"/>
+          </a:fillRef>
+          <a:effectRef idx="0">
+            <a:schemeClr val="accent1"/>
+          </a:effectRef>
+          <a:fontRef idx="minor">
+            <a:schemeClr val="lt1"/>
+          </a:fontRef>
+        </p:style>
+        <p:txBody>
+          <a:bodyPr rtlCol="0" anchor="ctr"/>
+          <a:lstStyle/>
+          <a:p>
+            <a:pPr algn="ctr"/>
+            <a:endParaRPr lang="en-IN"/>
+          </a:p>
+        </p:txBody>
+      </p:sp>
+      <p:sp>
+        <p:nvSpPr>
+          <p:cNvPr id="5" name="TextBox 4">
+            <a:extLst>
+              <a:ext uri="{FF2B5EF4-FFF2-40B4-BE49-F238E27FC236}">
+                <a16:creationId xmlns:a16="http://schemas.microsoft.com/office/drawing/2014/main" id="{7E9D4216-C135-A6ED-4893-3489F26E7A0F}"/>
+              </a:ext>
+            </a:extLst>
+          </p:cNvPr>
+          <p:cNvSpPr txBox="1"/>
+          <p:nvPr/>
+        </p:nvSpPr>
+        <p:spPr>
+          <a:xfrm>
+            <a:off x="-8467" y="33862"/>
+            <a:ext cx="1422400" cy="646331"/>
+          </a:xfrm>
+          <a:prstGeom prst="rect">
+            <a:avLst/>
+          </a:prstGeom>
+          <a:noFill/>
+        </p:spPr>
+        <p:txBody>
+          <a:bodyPr wrap="square" rtlCol="0">
+            <a:spAutoFit/>
+          </a:bodyPr>
+          <a:lstStyle/>
+          <a:p>
+            <a:pPr algn="ctr"/>
+            <a:r>
+              <a:rPr lang="en-IN" b="1" dirty="0">
+                <a:solidFill>
+                  <a:schemeClr val="bg1"/>
+                </a:solidFill>
+              </a:rPr>
+              <a:t>JS</a:t>
+            </a:r>
+          </a:p>
+          <a:p>
+            <a:pPr algn="ctr"/>
+            <a:r>
+              <a:rPr lang="en-IN" b="1" dirty="0">
+                <a:solidFill>
+                  <a:schemeClr val="bg1"/>
+                </a:solidFill>
+              </a:rPr>
+              <a:t>Client</a:t>
+            </a:r>
+          </a:p>
+        </p:txBody>
+      </p:sp>
+      <p:sp>
+        <p:nvSpPr>
+          <p:cNvPr id="4" name="Rectangle 3">
+            <a:extLst>
+              <a:ext uri="{FF2B5EF4-FFF2-40B4-BE49-F238E27FC236}">
+                <a16:creationId xmlns:a16="http://schemas.microsoft.com/office/drawing/2014/main" id="{7E67E90F-8FAF-D60F-8D50-0B9E52128803}"/>
+              </a:ext>
+            </a:extLst>
+          </p:cNvPr>
+          <p:cNvSpPr/>
+          <p:nvPr/>
+        </p:nvSpPr>
+        <p:spPr>
+          <a:xfrm>
+            <a:off x="10320867" y="0"/>
+            <a:ext cx="1871133" cy="6858000"/>
+          </a:xfrm>
+          <a:prstGeom prst="rect">
+            <a:avLst/>
+          </a:prstGeom>
+        </p:spPr>
+        <p:style>
+          <a:lnRef idx="2">
+            <a:schemeClr val="accent1">
+              <a:shade val="15000"/>
+            </a:schemeClr>
+          </a:lnRef>
+          <a:fillRef idx="1">
+            <a:schemeClr val="accent1"/>
+          </a:fillRef>
+          <a:effectRef idx="0">
+            <a:schemeClr val="accent1"/>
+          </a:effectRef>
+          <a:fontRef idx="minor">
+            <a:schemeClr val="lt1"/>
+          </a:fontRef>
+        </p:style>
+        <p:txBody>
+          <a:bodyPr rtlCol="0" anchor="ctr"/>
+          <a:lstStyle/>
+          <a:p>
+            <a:pPr algn="ctr"/>
+            <a:endParaRPr lang="en-IN"/>
+          </a:p>
+        </p:txBody>
+      </p:sp>
+      <p:sp>
+        <p:nvSpPr>
+          <p:cNvPr id="6" name="TextBox 5">
+            <a:extLst>
+              <a:ext uri="{FF2B5EF4-FFF2-40B4-BE49-F238E27FC236}">
+                <a16:creationId xmlns:a16="http://schemas.microsoft.com/office/drawing/2014/main" id="{B74C707D-1245-CA56-6F8B-5D10A11D56A0}"/>
+              </a:ext>
+            </a:extLst>
+          </p:cNvPr>
+          <p:cNvSpPr txBox="1"/>
+          <p:nvPr/>
+        </p:nvSpPr>
+        <p:spPr>
+          <a:xfrm>
+            <a:off x="10778067" y="143933"/>
+            <a:ext cx="1413933" cy="646331"/>
+          </a:xfrm>
+          <a:prstGeom prst="rect">
+            <a:avLst/>
+          </a:prstGeom>
+          <a:noFill/>
+        </p:spPr>
+        <p:txBody>
+          <a:bodyPr wrap="square" rtlCol="0">
+            <a:spAutoFit/>
+          </a:bodyPr>
+          <a:lstStyle/>
+          <a:p>
+            <a:pPr algn="ctr"/>
+            <a:r>
+              <a:rPr lang="en-IN" b="1" dirty="0">
+                <a:solidFill>
+                  <a:schemeClr val="bg1"/>
+                </a:solidFill>
+              </a:rPr>
+              <a:t>API</a:t>
+            </a:r>
+          </a:p>
+          <a:p>
+            <a:pPr algn="ctr"/>
+            <a:r>
+              <a:rPr lang="en-IN" b="1" dirty="0">
+                <a:solidFill>
+                  <a:schemeClr val="bg1"/>
+                </a:solidFill>
+              </a:rPr>
+              <a:t>Server</a:t>
+            </a:r>
+          </a:p>
+        </p:txBody>
+      </p:sp>
+      <p:sp>
+        <p:nvSpPr>
+          <p:cNvPr id="7" name="Arrow: Right 6">
+            <a:extLst>
+              <a:ext uri="{FF2B5EF4-FFF2-40B4-BE49-F238E27FC236}">
+                <a16:creationId xmlns:a16="http://schemas.microsoft.com/office/drawing/2014/main" id="{CE8B3B36-B551-0149-F54B-A0CA2373D0A8}"/>
+              </a:ext>
+            </a:extLst>
+          </p:cNvPr>
+          <p:cNvSpPr/>
+          <p:nvPr/>
+        </p:nvSpPr>
+        <p:spPr>
+          <a:xfrm>
+            <a:off x="1413934" y="143933"/>
+            <a:ext cx="8906934" cy="778934"/>
+          </a:xfrm>
+          <a:prstGeom prst="rightArrow">
+            <a:avLst/>
+          </a:prstGeom>
+        </p:spPr>
+        <p:style>
+          <a:lnRef idx="2">
+            <a:schemeClr val="accent1">
+              <a:shade val="15000"/>
+            </a:schemeClr>
+          </a:lnRef>
+          <a:fillRef idx="1">
+            <a:schemeClr val="accent1"/>
+          </a:fillRef>
+          <a:effectRef idx="0">
+            <a:schemeClr val="accent1"/>
+          </a:effectRef>
+          <a:fontRef idx="minor">
+            <a:schemeClr val="lt1"/>
+          </a:fontRef>
+        </p:style>
+        <p:txBody>
+          <a:bodyPr rtlCol="0" anchor="ctr"/>
+          <a:lstStyle/>
+          <a:p>
+            <a:pPr algn="ctr"/>
+            <a:r>
+              <a:rPr lang="en-IN" b="1" dirty="0"/>
+              <a:t>1. HTTP request Message (GET / POST / PUT / DELETE)</a:t>
+            </a:r>
+          </a:p>
+        </p:txBody>
+      </p:sp>
+      <p:sp>
+        <p:nvSpPr>
+          <p:cNvPr id="8" name="TextBox 7">
+            <a:extLst>
+              <a:ext uri="{FF2B5EF4-FFF2-40B4-BE49-F238E27FC236}">
+                <a16:creationId xmlns:a16="http://schemas.microsoft.com/office/drawing/2014/main" id="{39304475-FBDE-A12D-7337-23FDB90311A8}"/>
+              </a:ext>
+            </a:extLst>
+          </p:cNvPr>
+          <p:cNvSpPr txBox="1"/>
+          <p:nvPr/>
+        </p:nvSpPr>
+        <p:spPr>
+          <a:xfrm>
+            <a:off x="10320866" y="872067"/>
+            <a:ext cx="1803401" cy="954107"/>
+          </a:xfrm>
+          <a:prstGeom prst="rect">
+            <a:avLst/>
+          </a:prstGeom>
+          <a:noFill/>
+        </p:spPr>
+        <p:txBody>
+          <a:bodyPr wrap="square" rtlCol="0">
+            <a:spAutoFit/>
+          </a:bodyPr>
+          <a:lstStyle/>
+          <a:p>
+            <a:r>
+              <a:rPr lang="en-IN" sz="1400" b="1" dirty="0">
+                <a:solidFill>
+                  <a:schemeClr val="bg1"/>
+                </a:solidFill>
+              </a:rPr>
+              <a:t>2. Server Accept the Request and Generates Acknowledgement</a:t>
+            </a:r>
+          </a:p>
+        </p:txBody>
+      </p:sp>
+      <p:sp>
+        <p:nvSpPr>
+          <p:cNvPr id="9" name="Arrow: Left 8">
+            <a:extLst>
+              <a:ext uri="{FF2B5EF4-FFF2-40B4-BE49-F238E27FC236}">
+                <a16:creationId xmlns:a16="http://schemas.microsoft.com/office/drawing/2014/main" id="{E32098D3-ACD0-375A-7F13-3BE78CB94999}"/>
+              </a:ext>
+            </a:extLst>
+          </p:cNvPr>
+          <p:cNvSpPr/>
+          <p:nvPr/>
+        </p:nvSpPr>
+        <p:spPr>
+          <a:xfrm>
+            <a:off x="5757333" y="1100667"/>
+            <a:ext cx="4563532" cy="626533"/>
+          </a:xfrm>
+          <a:prstGeom prst="leftArrow">
+            <a:avLst/>
+          </a:prstGeom>
+        </p:spPr>
+        <p:style>
+          <a:lnRef idx="2">
+            <a:schemeClr val="accent1">
+              <a:shade val="15000"/>
+            </a:schemeClr>
+          </a:lnRef>
+          <a:fillRef idx="1">
+            <a:schemeClr val="accent1"/>
+          </a:fillRef>
+          <a:effectRef idx="0">
+            <a:schemeClr val="accent1"/>
+          </a:effectRef>
+          <a:fontRef idx="minor">
+            <a:schemeClr val="lt1"/>
+          </a:fontRef>
+        </p:style>
+        <p:txBody>
+          <a:bodyPr rtlCol="0" anchor="ctr"/>
+          <a:lstStyle/>
+          <a:p>
+            <a:pPr algn="ctr"/>
+            <a:r>
+              <a:rPr lang="en-IN" sz="1100" b="1" dirty="0"/>
+              <a:t>3. The Acknowledgement to Promise Object Created by Client</a:t>
+            </a:r>
+          </a:p>
+        </p:txBody>
+      </p:sp>
+      <p:sp>
+        <p:nvSpPr>
+          <p:cNvPr id="10" name="TextBox 9">
+            <a:extLst>
+              <a:ext uri="{FF2B5EF4-FFF2-40B4-BE49-F238E27FC236}">
+                <a16:creationId xmlns:a16="http://schemas.microsoft.com/office/drawing/2014/main" id="{F3A6905A-9027-FFF3-139C-4F76D1B69C2A}"/>
+              </a:ext>
+            </a:extLst>
+          </p:cNvPr>
+          <p:cNvSpPr txBox="1"/>
+          <p:nvPr/>
+        </p:nvSpPr>
+        <p:spPr>
+          <a:xfrm>
+            <a:off x="10380133" y="1981200"/>
+            <a:ext cx="1744134" cy="523220"/>
+          </a:xfrm>
+          <a:prstGeom prst="rect">
+            <a:avLst/>
+          </a:prstGeom>
+          <a:noFill/>
+        </p:spPr>
+        <p:txBody>
+          <a:bodyPr wrap="square" rtlCol="0">
+            <a:spAutoFit/>
+          </a:bodyPr>
+          <a:lstStyle/>
+          <a:p>
+            <a:r>
+              <a:rPr lang="en-IN" sz="1400" b="1" dirty="0">
+                <a:solidFill>
+                  <a:schemeClr val="bg1"/>
+                </a:solidFill>
+              </a:rPr>
+              <a:t>4. Server Continue an execution</a:t>
+            </a:r>
+          </a:p>
+        </p:txBody>
+      </p:sp>
+      <p:sp>
+        <p:nvSpPr>
+          <p:cNvPr id="11" name="Arrow: Right 10">
+            <a:extLst>
+              <a:ext uri="{FF2B5EF4-FFF2-40B4-BE49-F238E27FC236}">
+                <a16:creationId xmlns:a16="http://schemas.microsoft.com/office/drawing/2014/main" id="{8BB064A2-8BB3-0250-1EAD-1BDC0E25E2F6}"/>
+              </a:ext>
+            </a:extLst>
+          </p:cNvPr>
+          <p:cNvSpPr/>
+          <p:nvPr/>
+        </p:nvSpPr>
+        <p:spPr>
+          <a:xfrm>
+            <a:off x="1413931" y="1143000"/>
+            <a:ext cx="2819397" cy="541866"/>
+          </a:xfrm>
+          <a:prstGeom prst="rightArrow">
+            <a:avLst/>
+          </a:prstGeom>
+        </p:spPr>
+        <p:style>
+          <a:lnRef idx="2">
+            <a:schemeClr val="accent1">
+              <a:shade val="15000"/>
+            </a:schemeClr>
+          </a:lnRef>
+          <a:fillRef idx="1">
+            <a:schemeClr val="accent1"/>
+          </a:fillRef>
+          <a:effectRef idx="0">
+            <a:schemeClr val="accent1"/>
+          </a:effectRef>
+          <a:fontRef idx="minor">
+            <a:schemeClr val="lt1"/>
+          </a:fontRef>
+        </p:style>
+        <p:txBody>
+          <a:bodyPr rtlCol="0" anchor="ctr"/>
+          <a:lstStyle/>
+          <a:p>
+            <a:pPr algn="ctr"/>
+            <a:r>
+              <a:rPr lang="en-IN" sz="1050" b="1" dirty="0"/>
+              <a:t>5. Observable Subscription</a:t>
+            </a:r>
+          </a:p>
+        </p:txBody>
+      </p:sp>
+      <p:sp>
+        <p:nvSpPr>
+          <p:cNvPr id="12" name="TextBox 11">
+            <a:extLst>
+              <a:ext uri="{FF2B5EF4-FFF2-40B4-BE49-F238E27FC236}">
+                <a16:creationId xmlns:a16="http://schemas.microsoft.com/office/drawing/2014/main" id="{2A4157A4-C66A-38A7-09B0-B634AAACFF6B}"/>
+              </a:ext>
+            </a:extLst>
+          </p:cNvPr>
+          <p:cNvSpPr txBox="1"/>
+          <p:nvPr/>
+        </p:nvSpPr>
+        <p:spPr>
+          <a:xfrm>
+            <a:off x="-8467" y="1684866"/>
+            <a:ext cx="1422397" cy="646331"/>
+          </a:xfrm>
+          <a:prstGeom prst="rect">
+            <a:avLst/>
+          </a:prstGeom>
+          <a:noFill/>
+        </p:spPr>
+        <p:txBody>
+          <a:bodyPr wrap="square" rtlCol="0">
+            <a:spAutoFit/>
+          </a:bodyPr>
+          <a:lstStyle/>
+          <a:p>
+            <a:r>
+              <a:rPr lang="en-IN" sz="1200" b="1" dirty="0">
+                <a:solidFill>
+                  <a:schemeClr val="bg1"/>
+                </a:solidFill>
+              </a:rPr>
+              <a:t>6. Client Continue its Execution </a:t>
+            </a:r>
+          </a:p>
+        </p:txBody>
+      </p:sp>
+      <p:cxnSp>
+        <p:nvCxnSpPr>
+          <p:cNvPr id="14" name="Connector: Curved 13">
+            <a:extLst>
+              <a:ext uri="{FF2B5EF4-FFF2-40B4-BE49-F238E27FC236}">
+                <a16:creationId xmlns:a16="http://schemas.microsoft.com/office/drawing/2014/main" id="{25864CAF-6F43-70D7-CDD6-B43D1BAC81EA}"/>
+              </a:ext>
+            </a:extLst>
+          </p:cNvPr>
+          <p:cNvCxnSpPr>
+            <a:cxnSpLocks/>
+            <a:stCxn id="18" idx="2"/>
+          </p:cNvCxnSpPr>
+          <p:nvPr/>
+        </p:nvCxnSpPr>
+        <p:spPr>
+          <a:xfrm rot="16200000" flipH="1">
+            <a:off x="8022691" y="1095909"/>
+            <a:ext cx="1666882" cy="2929464"/>
+          </a:xfrm>
+          <a:prstGeom prst="curvedConnector2">
+            <a:avLst/>
+          </a:prstGeom>
+          <a:ln w="76200">
+            <a:tailEnd type="triangle"/>
+          </a:ln>
+        </p:spPr>
+        <p:style>
+          <a:lnRef idx="2">
+            <a:schemeClr val="accent1"/>
+          </a:lnRef>
+          <a:fillRef idx="0">
+            <a:schemeClr val="accent1"/>
+          </a:fillRef>
+          <a:effectRef idx="1">
+            <a:schemeClr val="accent1"/>
+          </a:effectRef>
+          <a:fontRef idx="minor">
+            <a:schemeClr val="tx1"/>
+          </a:fontRef>
+        </p:style>
+      </p:cxnSp>
+      <p:sp>
+        <p:nvSpPr>
+          <p:cNvPr id="16" name="TextBox 15">
+            <a:extLst>
+              <a:ext uri="{FF2B5EF4-FFF2-40B4-BE49-F238E27FC236}">
+                <a16:creationId xmlns:a16="http://schemas.microsoft.com/office/drawing/2014/main" id="{CC503012-6BDC-1B58-46BE-790BF5DC2AC6}"/>
+              </a:ext>
+            </a:extLst>
+          </p:cNvPr>
+          <p:cNvSpPr txBox="1"/>
+          <p:nvPr/>
+        </p:nvSpPr>
+        <p:spPr>
+          <a:xfrm>
+            <a:off x="6375401" y="2044761"/>
+            <a:ext cx="3564466" cy="646331"/>
+          </a:xfrm>
+          <a:prstGeom prst="rect">
+            <a:avLst/>
+          </a:prstGeom>
+          <a:noFill/>
+          <a:ln w="57150">
+            <a:solidFill>
+              <a:schemeClr val="tx1"/>
+            </a:solidFill>
+          </a:ln>
+        </p:spPr>
+        <p:txBody>
+          <a:bodyPr wrap="square" rtlCol="0">
+            <a:spAutoFit/>
+          </a:bodyPr>
+          <a:lstStyle/>
+          <a:p>
+            <a:r>
+              <a:rPr lang="en-IN" b="1" dirty="0"/>
+              <a:t>7.The Promise Keep Waiting for the Response from the Server</a:t>
+            </a:r>
+          </a:p>
+        </p:txBody>
+      </p:sp>
+      <p:sp>
+        <p:nvSpPr>
+          <p:cNvPr id="18" name="Rectangle 17">
+            <a:extLst>
+              <a:ext uri="{FF2B5EF4-FFF2-40B4-BE49-F238E27FC236}">
+                <a16:creationId xmlns:a16="http://schemas.microsoft.com/office/drawing/2014/main" id="{B70A949F-839E-E7D7-7D72-15CC8A283564}"/>
+              </a:ext>
+            </a:extLst>
+          </p:cNvPr>
+          <p:cNvSpPr/>
+          <p:nvPr/>
+        </p:nvSpPr>
+        <p:spPr>
+          <a:xfrm>
+            <a:off x="6951133" y="1570774"/>
+            <a:ext cx="880534" cy="156426"/>
+          </a:xfrm>
+          <a:prstGeom prst="rect">
+            <a:avLst/>
+          </a:prstGeom>
+        </p:spPr>
+        <p:style>
+          <a:lnRef idx="2">
+            <a:schemeClr val="accent1">
+              <a:shade val="15000"/>
+            </a:schemeClr>
+          </a:lnRef>
+          <a:fillRef idx="1">
+            <a:schemeClr val="accent1"/>
+          </a:fillRef>
+          <a:effectRef idx="0">
+            <a:schemeClr val="accent1"/>
+          </a:effectRef>
+          <a:fontRef idx="minor">
+            <a:schemeClr val="lt1"/>
+          </a:fontRef>
+        </p:style>
+        <p:txBody>
+          <a:bodyPr rtlCol="0" anchor="ctr"/>
+          <a:lstStyle/>
+          <a:p>
+            <a:pPr algn="ctr"/>
+            <a:endParaRPr lang="en-IN"/>
+          </a:p>
+        </p:txBody>
+      </p:sp>
+      <p:sp>
+        <p:nvSpPr>
+          <p:cNvPr id="20" name="TextBox 19">
+            <a:extLst>
+              <a:ext uri="{FF2B5EF4-FFF2-40B4-BE49-F238E27FC236}">
+                <a16:creationId xmlns:a16="http://schemas.microsoft.com/office/drawing/2014/main" id="{1D70C369-0B65-7FBA-17E1-3A473F82743F}"/>
+              </a:ext>
+            </a:extLst>
+          </p:cNvPr>
+          <p:cNvSpPr txBox="1"/>
+          <p:nvPr/>
+        </p:nvSpPr>
+        <p:spPr>
+          <a:xfrm>
+            <a:off x="10473267" y="3437467"/>
+            <a:ext cx="1583266" cy="1169551"/>
+          </a:xfrm>
+          <a:prstGeom prst="rect">
+            <a:avLst/>
+          </a:prstGeom>
+          <a:noFill/>
+          <a:ln w="76200">
+            <a:solidFill>
+              <a:schemeClr val="bg1"/>
+            </a:solidFill>
+          </a:ln>
+        </p:spPr>
+        <p:txBody>
+          <a:bodyPr wrap="square" rtlCol="0">
+            <a:spAutoFit/>
+          </a:bodyPr>
+          <a:lstStyle/>
+          <a:p>
+            <a:r>
+              <a:rPr lang="en-IN" sz="1400" b="1" dirty="0">
+                <a:solidFill>
+                  <a:schemeClr val="bg1"/>
+                </a:solidFill>
+              </a:rPr>
+              <a:t>8. Server Completes Execution and ready with Response</a:t>
+            </a:r>
+          </a:p>
+        </p:txBody>
+      </p:sp>
+      <p:sp>
+        <p:nvSpPr>
+          <p:cNvPr id="21" name="Rectangle 20">
+            <a:extLst>
+              <a:ext uri="{FF2B5EF4-FFF2-40B4-BE49-F238E27FC236}">
+                <a16:creationId xmlns:a16="http://schemas.microsoft.com/office/drawing/2014/main" id="{27A63CB1-DC0A-CA03-0ECD-F3655F728D45}"/>
+              </a:ext>
+            </a:extLst>
+          </p:cNvPr>
+          <p:cNvSpPr/>
+          <p:nvPr/>
+        </p:nvSpPr>
+        <p:spPr>
+          <a:xfrm>
+            <a:off x="4250265" y="1107669"/>
+            <a:ext cx="1490132" cy="646331"/>
+          </a:xfrm>
+          <a:prstGeom prst="rect">
+            <a:avLst/>
+          </a:prstGeom>
+        </p:spPr>
+        <p:style>
+          <a:lnRef idx="2">
+            <a:schemeClr val="accent1">
+              <a:shade val="15000"/>
+            </a:schemeClr>
+          </a:lnRef>
+          <a:fillRef idx="1">
+            <a:schemeClr val="accent1"/>
+          </a:fillRef>
+          <a:effectRef idx="0">
+            <a:schemeClr val="accent1"/>
+          </a:effectRef>
+          <a:fontRef idx="minor">
+            <a:schemeClr val="lt1"/>
+          </a:fontRef>
+        </p:style>
+        <p:txBody>
+          <a:bodyPr rtlCol="0" anchor="ctr"/>
+          <a:lstStyle/>
+          <a:p>
+            <a:pPr algn="ctr"/>
+            <a:r>
+              <a:rPr lang="en-IN" sz="1400" b="1" dirty="0"/>
+              <a:t>Observable</a:t>
+            </a:r>
+          </a:p>
+          <a:p>
+            <a:pPr algn="ctr"/>
+            <a:r>
+              <a:rPr lang="en-IN" sz="1400" b="1" dirty="0"/>
+              <a:t>Holds the Promise</a:t>
+            </a:r>
+          </a:p>
+        </p:txBody>
+      </p:sp>
+      <p:cxnSp>
+        <p:nvCxnSpPr>
+          <p:cNvPr id="23" name="Connector: Curved 22">
+            <a:extLst>
+              <a:ext uri="{FF2B5EF4-FFF2-40B4-BE49-F238E27FC236}">
+                <a16:creationId xmlns:a16="http://schemas.microsoft.com/office/drawing/2014/main" id="{A638BD43-AFEC-3944-3352-FECD8C3EF8C7}"/>
+              </a:ext>
+            </a:extLst>
+          </p:cNvPr>
+          <p:cNvCxnSpPr>
+            <a:cxnSpLocks/>
+            <a:stCxn id="20" idx="1"/>
+            <a:endCxn id="21" idx="2"/>
+          </p:cNvCxnSpPr>
+          <p:nvPr/>
+        </p:nvCxnSpPr>
+        <p:spPr>
+          <a:xfrm rot="10800000">
+            <a:off x="4995331" y="1754001"/>
+            <a:ext cx="5477936" cy="2268243"/>
+          </a:xfrm>
+          <a:prstGeom prst="curvedConnector2">
+            <a:avLst/>
+          </a:prstGeom>
+          <a:ln w="76200">
+            <a:tailEnd type="triangle"/>
+          </a:ln>
+        </p:spPr>
+        <p:style>
+          <a:lnRef idx="2">
+            <a:schemeClr val="accent1"/>
+          </a:lnRef>
+          <a:fillRef idx="0">
+            <a:schemeClr val="accent1"/>
+          </a:fillRef>
+          <a:effectRef idx="1">
+            <a:schemeClr val="accent1"/>
+          </a:effectRef>
+          <a:fontRef idx="minor">
+            <a:schemeClr val="tx1"/>
+          </a:fontRef>
+        </p:style>
+      </p:cxnSp>
+      <p:sp>
+        <p:nvSpPr>
+          <p:cNvPr id="30" name="TextBox 29">
+            <a:extLst>
+              <a:ext uri="{FF2B5EF4-FFF2-40B4-BE49-F238E27FC236}">
+                <a16:creationId xmlns:a16="http://schemas.microsoft.com/office/drawing/2014/main" id="{70D993E8-1067-7ADB-33CB-5C3BE0A35843}"/>
+              </a:ext>
+            </a:extLst>
+          </p:cNvPr>
+          <p:cNvSpPr txBox="1"/>
+          <p:nvPr/>
+        </p:nvSpPr>
+        <p:spPr>
+          <a:xfrm>
+            <a:off x="2093379" y="2427535"/>
+            <a:ext cx="1689108" cy="769441"/>
+          </a:xfrm>
+          <a:prstGeom prst="rect">
+            <a:avLst/>
+          </a:prstGeom>
+          <a:noFill/>
+          <a:ln w="57150">
+            <a:solidFill>
+              <a:schemeClr val="tx1"/>
+            </a:solidFill>
+          </a:ln>
+        </p:spPr>
+        <p:txBody>
+          <a:bodyPr wrap="square" rtlCol="0">
+            <a:spAutoFit/>
+          </a:bodyPr>
+          <a:lstStyle/>
+          <a:p>
+            <a:r>
+              <a:rPr lang="en-IN" sz="1100" b="1" dirty="0"/>
+              <a:t>10. Client is Notified data from the Observable over the active subscription</a:t>
+            </a:r>
+          </a:p>
+        </p:txBody>
+      </p:sp>
+      <p:sp>
+        <p:nvSpPr>
+          <p:cNvPr id="31" name="Rectangle 30">
+            <a:extLst>
+              <a:ext uri="{FF2B5EF4-FFF2-40B4-BE49-F238E27FC236}">
+                <a16:creationId xmlns:a16="http://schemas.microsoft.com/office/drawing/2014/main" id="{31440521-DFBB-03E9-212E-53657CB92B44}"/>
+              </a:ext>
+            </a:extLst>
+          </p:cNvPr>
+          <p:cNvSpPr/>
+          <p:nvPr/>
+        </p:nvSpPr>
+        <p:spPr>
+          <a:xfrm>
+            <a:off x="3793067" y="4224867"/>
+            <a:ext cx="1515537" cy="595531"/>
+          </a:xfrm>
+          <a:prstGeom prst="rect">
+            <a:avLst/>
+          </a:prstGeom>
+        </p:spPr>
+        <p:style>
+          <a:lnRef idx="2">
+            <a:schemeClr val="accent1">
+              <a:shade val="15000"/>
+            </a:schemeClr>
+          </a:lnRef>
+          <a:fillRef idx="1">
+            <a:schemeClr val="accent1"/>
+          </a:fillRef>
+          <a:effectRef idx="0">
+            <a:schemeClr val="accent1"/>
+          </a:effectRef>
+          <a:fontRef idx="minor">
+            <a:schemeClr val="lt1"/>
+          </a:fontRef>
+        </p:style>
+        <p:txBody>
+          <a:bodyPr rtlCol="0" anchor="ctr"/>
+          <a:lstStyle/>
+          <a:p>
+            <a:pPr algn="ctr"/>
+            <a:r>
+              <a:rPr lang="en-IN" b="1" dirty="0"/>
+              <a:t>Success</a:t>
+            </a:r>
+          </a:p>
+          <a:p>
+            <a:pPr algn="ctr"/>
+            <a:r>
+              <a:rPr lang="en-IN" b="1" dirty="0"/>
+              <a:t>Response</a:t>
+            </a:r>
+          </a:p>
+        </p:txBody>
+      </p:sp>
+      <p:sp>
+        <p:nvSpPr>
+          <p:cNvPr id="32" name="Rectangle 31">
+            <a:extLst>
+              <a:ext uri="{FF2B5EF4-FFF2-40B4-BE49-F238E27FC236}">
+                <a16:creationId xmlns:a16="http://schemas.microsoft.com/office/drawing/2014/main" id="{72480D40-B3A7-E457-8AB6-24C6D1199B76}"/>
+              </a:ext>
+            </a:extLst>
+          </p:cNvPr>
+          <p:cNvSpPr/>
+          <p:nvPr/>
+        </p:nvSpPr>
+        <p:spPr>
+          <a:xfrm>
+            <a:off x="5435596" y="4214711"/>
+            <a:ext cx="1515537" cy="595531"/>
+          </a:xfrm>
+          <a:prstGeom prst="rect">
+            <a:avLst/>
+          </a:prstGeom>
+        </p:spPr>
+        <p:style>
+          <a:lnRef idx="2">
+            <a:schemeClr val="accent1">
+              <a:shade val="15000"/>
+            </a:schemeClr>
+          </a:lnRef>
+          <a:fillRef idx="1">
+            <a:schemeClr val="accent1"/>
+          </a:fillRef>
+          <a:effectRef idx="0">
+            <a:schemeClr val="accent1"/>
+          </a:effectRef>
+          <a:fontRef idx="minor">
+            <a:schemeClr val="lt1"/>
+          </a:fontRef>
+        </p:style>
+        <p:txBody>
+          <a:bodyPr rtlCol="0" anchor="ctr"/>
+          <a:lstStyle/>
+          <a:p>
+            <a:pPr algn="ctr"/>
+            <a:r>
+              <a:rPr lang="en-IN" b="1" dirty="0"/>
+              <a:t>Failed Response</a:t>
+            </a:r>
+          </a:p>
+        </p:txBody>
+      </p:sp>
+      <p:cxnSp>
+        <p:nvCxnSpPr>
+          <p:cNvPr id="34" name="Connector: Curved 33">
+            <a:extLst>
+              <a:ext uri="{FF2B5EF4-FFF2-40B4-BE49-F238E27FC236}">
+                <a16:creationId xmlns:a16="http://schemas.microsoft.com/office/drawing/2014/main" id="{44B1EB62-3206-6A06-40E0-80B12A17E1E5}"/>
+              </a:ext>
+            </a:extLst>
+          </p:cNvPr>
+          <p:cNvCxnSpPr>
+            <a:cxnSpLocks/>
+            <a:stCxn id="21" idx="2"/>
+            <a:endCxn id="31" idx="0"/>
+          </p:cNvCxnSpPr>
+          <p:nvPr/>
+        </p:nvCxnSpPr>
+        <p:spPr>
+          <a:xfrm rot="5400000">
+            <a:off x="3537651" y="2767186"/>
+            <a:ext cx="2470867" cy="444495"/>
+          </a:xfrm>
+          <a:prstGeom prst="curvedConnector3">
+            <a:avLst/>
+          </a:prstGeom>
+          <a:ln>
+            <a:tailEnd type="triangle"/>
+          </a:ln>
+        </p:spPr>
+        <p:style>
+          <a:lnRef idx="2">
+            <a:schemeClr val="accent1"/>
+          </a:lnRef>
+          <a:fillRef idx="0">
+            <a:schemeClr val="accent1"/>
+          </a:fillRef>
+          <a:effectRef idx="1">
+            <a:schemeClr val="accent1"/>
+          </a:effectRef>
+          <a:fontRef idx="minor">
+            <a:schemeClr val="tx1"/>
+          </a:fontRef>
+        </p:style>
+      </p:cxnSp>
+      <p:cxnSp>
+        <p:nvCxnSpPr>
+          <p:cNvPr id="36" name="Connector: Curved 35">
+            <a:extLst>
+              <a:ext uri="{FF2B5EF4-FFF2-40B4-BE49-F238E27FC236}">
+                <a16:creationId xmlns:a16="http://schemas.microsoft.com/office/drawing/2014/main" id="{5DD720D2-4694-2E4D-6625-8782ED3F7FB9}"/>
+              </a:ext>
+            </a:extLst>
+          </p:cNvPr>
+          <p:cNvCxnSpPr>
+            <a:cxnSpLocks/>
+            <a:stCxn id="21" idx="2"/>
+            <a:endCxn id="32" idx="0"/>
+          </p:cNvCxnSpPr>
+          <p:nvPr/>
+        </p:nvCxnSpPr>
+        <p:spPr>
+          <a:xfrm rot="16200000" flipH="1">
+            <a:off x="4363993" y="2385338"/>
+            <a:ext cx="2460711" cy="1198034"/>
+          </a:xfrm>
+          <a:prstGeom prst="curvedConnector3">
+            <a:avLst/>
+          </a:prstGeom>
+          <a:ln>
+            <a:tailEnd type="triangle"/>
+          </a:ln>
+        </p:spPr>
+        <p:style>
+          <a:lnRef idx="2">
+            <a:schemeClr val="accent1"/>
+          </a:lnRef>
+          <a:fillRef idx="0">
+            <a:schemeClr val="accent1"/>
+          </a:fillRef>
+          <a:effectRef idx="1">
+            <a:schemeClr val="accent1"/>
+          </a:effectRef>
+          <a:fontRef idx="minor">
+            <a:schemeClr val="tx1"/>
+          </a:fontRef>
+        </p:style>
+      </p:cxnSp>
+      <p:sp>
+        <p:nvSpPr>
+          <p:cNvPr id="37" name="Rectangle 36">
+            <a:extLst>
+              <a:ext uri="{FF2B5EF4-FFF2-40B4-BE49-F238E27FC236}">
+                <a16:creationId xmlns:a16="http://schemas.microsoft.com/office/drawing/2014/main" id="{225373F3-FEAB-3BA0-CC81-8F2AB598FE94}"/>
+              </a:ext>
+            </a:extLst>
+          </p:cNvPr>
+          <p:cNvSpPr/>
+          <p:nvPr/>
+        </p:nvSpPr>
+        <p:spPr>
+          <a:xfrm>
+            <a:off x="-8467" y="3474197"/>
+            <a:ext cx="1413933" cy="1052607"/>
+          </a:xfrm>
+          <a:prstGeom prst="rect">
+            <a:avLst/>
+          </a:prstGeom>
+          <a:ln w="38100">
+            <a:solidFill>
+              <a:schemeClr val="bg1"/>
+            </a:solidFill>
+          </a:ln>
+        </p:spPr>
+        <p:style>
+          <a:lnRef idx="2">
+            <a:schemeClr val="accent1">
+              <a:shade val="15000"/>
+            </a:schemeClr>
+          </a:lnRef>
+          <a:fillRef idx="1">
+            <a:schemeClr val="accent1"/>
+          </a:fillRef>
+          <a:effectRef idx="0">
+            <a:schemeClr val="accent1"/>
+          </a:effectRef>
+          <a:fontRef idx="minor">
+            <a:schemeClr val="lt1"/>
+          </a:fontRef>
+        </p:style>
+        <p:txBody>
+          <a:bodyPr rtlCol="0" anchor="ctr"/>
+          <a:lstStyle/>
+          <a:p>
+            <a:pPr algn="ctr"/>
+            <a:r>
+              <a:rPr lang="en-IN" sz="1200" b="1" dirty="0"/>
+              <a:t>11. The Unpacked Response is delivered to Client</a:t>
+            </a:r>
+          </a:p>
+        </p:txBody>
+      </p:sp>
+      <p:cxnSp>
+        <p:nvCxnSpPr>
+          <p:cNvPr id="39" name="Connector: Curved 38">
+            <a:extLst>
+              <a:ext uri="{FF2B5EF4-FFF2-40B4-BE49-F238E27FC236}">
+                <a16:creationId xmlns:a16="http://schemas.microsoft.com/office/drawing/2014/main" id="{C46B2A49-D9C8-7614-79E9-928F098AC233}"/>
+              </a:ext>
+            </a:extLst>
+          </p:cNvPr>
+          <p:cNvCxnSpPr>
+            <a:stCxn id="30" idx="1"/>
+            <a:endCxn id="37" idx="3"/>
+          </p:cNvCxnSpPr>
+          <p:nvPr/>
+        </p:nvCxnSpPr>
+        <p:spPr>
+          <a:xfrm rot="10800000" flipV="1">
+            <a:off x="1405467" y="2812255"/>
+            <a:ext cx="687913" cy="1188245"/>
+          </a:xfrm>
+          <a:prstGeom prst="curvedConnector3">
+            <a:avLst/>
+          </a:prstGeom>
+          <a:ln w="57150">
+            <a:tailEnd type="triangle"/>
+          </a:ln>
+        </p:spPr>
+        <p:style>
+          <a:lnRef idx="2">
+            <a:schemeClr val="accent1"/>
+          </a:lnRef>
+          <a:fillRef idx="0">
+            <a:schemeClr val="accent1"/>
+          </a:fillRef>
+          <a:effectRef idx="1">
+            <a:schemeClr val="accent1"/>
+          </a:effectRef>
+          <a:fontRef idx="minor">
+            <a:schemeClr val="tx1"/>
+          </a:fontRef>
+        </p:style>
+      </p:cxnSp>
+      <p:sp>
+        <p:nvSpPr>
+          <p:cNvPr id="41" name="TextBox 40">
+            <a:extLst>
+              <a:ext uri="{FF2B5EF4-FFF2-40B4-BE49-F238E27FC236}">
+                <a16:creationId xmlns:a16="http://schemas.microsoft.com/office/drawing/2014/main" id="{99EC4835-98D5-B250-52C5-B922687A77B7}"/>
+              </a:ext>
+            </a:extLst>
+          </p:cNvPr>
+          <p:cNvSpPr txBox="1"/>
+          <p:nvPr/>
+        </p:nvSpPr>
+        <p:spPr>
+          <a:xfrm>
+            <a:off x="2093379" y="5241737"/>
+            <a:ext cx="7611533" cy="523220"/>
+          </a:xfrm>
+          <a:prstGeom prst="rect">
+            <a:avLst/>
+          </a:prstGeom>
+          <a:noFill/>
+          <a:ln w="57150">
+            <a:solidFill>
+              <a:srgbClr val="00B0F0"/>
+            </a:solidFill>
+          </a:ln>
+        </p:spPr>
+        <p:txBody>
+          <a:bodyPr wrap="square" rtlCol="0">
+            <a:spAutoFit/>
+          </a:bodyPr>
+          <a:lstStyle/>
+          <a:p>
+            <a:pPr algn="ctr"/>
+            <a:r>
+              <a:rPr lang="en-IN" sz="2800" b="1" dirty="0"/>
+              <a:t>Observable for HTTP Calls in Angular</a:t>
+            </a:r>
+          </a:p>
+        </p:txBody>
+      </p:sp>
+      <p:cxnSp>
+        <p:nvCxnSpPr>
+          <p:cNvPr id="60" name="Connector: Curved 59">
+            <a:extLst>
+              <a:ext uri="{FF2B5EF4-FFF2-40B4-BE49-F238E27FC236}">
+                <a16:creationId xmlns:a16="http://schemas.microsoft.com/office/drawing/2014/main" id="{C4E57E7C-D539-7447-3BC3-77CFF37CECD2}"/>
+              </a:ext>
+            </a:extLst>
+          </p:cNvPr>
+          <p:cNvCxnSpPr>
+            <a:cxnSpLocks/>
+            <a:stCxn id="21" idx="2"/>
+            <a:endCxn id="30" idx="3"/>
+          </p:cNvCxnSpPr>
+          <p:nvPr/>
+        </p:nvCxnSpPr>
+        <p:spPr>
+          <a:xfrm rot="5400000">
+            <a:off x="3859781" y="1676706"/>
+            <a:ext cx="1058256" cy="1212844"/>
+          </a:xfrm>
+          <a:prstGeom prst="curvedConnector2">
+            <a:avLst/>
+          </a:prstGeom>
+          <a:ln w="57150">
+            <a:tailEnd type="triangle"/>
+          </a:ln>
+        </p:spPr>
+        <p:style>
+          <a:lnRef idx="2">
+            <a:schemeClr val="accent1"/>
+          </a:lnRef>
+          <a:fillRef idx="0">
+            <a:schemeClr val="accent1"/>
+          </a:fillRef>
+          <a:effectRef idx="1">
+            <a:schemeClr val="accent1"/>
+          </a:effectRef>
+          <a:fontRef idx="minor">
+            <a:schemeClr val="tx1"/>
+          </a:fontRef>
+        </p:style>
+      </p:cxnSp>
+    </p:spTree>
+    <p:extLst>
+      <p:ext uri="{BB962C8B-B14F-4D97-AF65-F5344CB8AC3E}">
+        <p14:creationId xmlns:p14="http://schemas.microsoft.com/office/powerpoint/2010/main" val="3961096561"/>
       </p:ext>
     </p:extLst>
   </p:cSld>

--- a/my-ng-app/Angular_Training_Images.pptx
+++ b/my-ng-app/Angular_Training_Images.pptx
@@ -18,7 +18,10 @@
     <p:sldId id="266" r:id="rId12"/>
     <p:sldId id="267" r:id="rId13"/>
     <p:sldId id="268" r:id="rId14"/>
-    <p:sldId id="269" r:id="rId15"/>
+    <p:sldId id="270" r:id="rId15"/>
+    <p:sldId id="269" r:id="rId16"/>
+    <p:sldId id="271" r:id="rId17"/>
+    <p:sldId id="272" r:id="rId18"/>
   </p:sldIdLst>
   <p:sldSz cx="12192000" cy="6858000"/>
   <p:notesSz cx="6858000" cy="9144000"/>
@@ -274,7 +277,7 @@
           <a:p>
             <a:fld id="{35E7C7C1-050F-4B17-8FDC-37C455263954}" type="datetimeFigureOut">
               <a:rPr lang="en-IN" smtClean="0"/>
-              <a:t>27-03-2024</a:t>
+              <a:t>28-03-2024</a:t>
             </a:fld>
             <a:endParaRPr lang="en-IN"/>
           </a:p>
@@ -474,7 +477,7 @@
           <a:p>
             <a:fld id="{35E7C7C1-050F-4B17-8FDC-37C455263954}" type="datetimeFigureOut">
               <a:rPr lang="en-IN" smtClean="0"/>
-              <a:t>27-03-2024</a:t>
+              <a:t>28-03-2024</a:t>
             </a:fld>
             <a:endParaRPr lang="en-IN"/>
           </a:p>
@@ -684,7 +687,7 @@
           <a:p>
             <a:fld id="{35E7C7C1-050F-4B17-8FDC-37C455263954}" type="datetimeFigureOut">
               <a:rPr lang="en-IN" smtClean="0"/>
-              <a:t>27-03-2024</a:t>
+              <a:t>28-03-2024</a:t>
             </a:fld>
             <a:endParaRPr lang="en-IN"/>
           </a:p>
@@ -884,7 +887,7 @@
           <a:p>
             <a:fld id="{35E7C7C1-050F-4B17-8FDC-37C455263954}" type="datetimeFigureOut">
               <a:rPr lang="en-IN" smtClean="0"/>
-              <a:t>27-03-2024</a:t>
+              <a:t>28-03-2024</a:t>
             </a:fld>
             <a:endParaRPr lang="en-IN"/>
           </a:p>
@@ -1160,7 +1163,7 @@
           <a:p>
             <a:fld id="{35E7C7C1-050F-4B17-8FDC-37C455263954}" type="datetimeFigureOut">
               <a:rPr lang="en-IN" smtClean="0"/>
-              <a:t>27-03-2024</a:t>
+              <a:t>28-03-2024</a:t>
             </a:fld>
             <a:endParaRPr lang="en-IN"/>
           </a:p>
@@ -1428,7 +1431,7 @@
           <a:p>
             <a:fld id="{35E7C7C1-050F-4B17-8FDC-37C455263954}" type="datetimeFigureOut">
               <a:rPr lang="en-IN" smtClean="0"/>
-              <a:t>27-03-2024</a:t>
+              <a:t>28-03-2024</a:t>
             </a:fld>
             <a:endParaRPr lang="en-IN"/>
           </a:p>
@@ -1843,7 +1846,7 @@
           <a:p>
             <a:fld id="{35E7C7C1-050F-4B17-8FDC-37C455263954}" type="datetimeFigureOut">
               <a:rPr lang="en-IN" smtClean="0"/>
-              <a:t>27-03-2024</a:t>
+              <a:t>28-03-2024</a:t>
             </a:fld>
             <a:endParaRPr lang="en-IN"/>
           </a:p>
@@ -1985,7 +1988,7 @@
           <a:p>
             <a:fld id="{35E7C7C1-050F-4B17-8FDC-37C455263954}" type="datetimeFigureOut">
               <a:rPr lang="en-IN" smtClean="0"/>
-              <a:t>27-03-2024</a:t>
+              <a:t>28-03-2024</a:t>
             </a:fld>
             <a:endParaRPr lang="en-IN"/>
           </a:p>
@@ -2098,7 +2101,7 @@
           <a:p>
             <a:fld id="{35E7C7C1-050F-4B17-8FDC-37C455263954}" type="datetimeFigureOut">
               <a:rPr lang="en-IN" smtClean="0"/>
-              <a:t>27-03-2024</a:t>
+              <a:t>28-03-2024</a:t>
             </a:fld>
             <a:endParaRPr lang="en-IN"/>
           </a:p>
@@ -2411,7 +2414,7 @@
           <a:p>
             <a:fld id="{35E7C7C1-050F-4B17-8FDC-37C455263954}" type="datetimeFigureOut">
               <a:rPr lang="en-IN" smtClean="0"/>
-              <a:t>27-03-2024</a:t>
+              <a:t>28-03-2024</a:t>
             </a:fld>
             <a:endParaRPr lang="en-IN"/>
           </a:p>
@@ -2700,7 +2703,7 @@
           <a:p>
             <a:fld id="{35E7C7C1-050F-4B17-8FDC-37C455263954}" type="datetimeFigureOut">
               <a:rPr lang="en-IN" smtClean="0"/>
-              <a:t>27-03-2024</a:t>
+              <a:t>28-03-2024</a:t>
             </a:fld>
             <a:endParaRPr lang="en-IN"/>
           </a:p>
@@ -2943,7 +2946,7 @@
           <a:p>
             <a:fld id="{35E7C7C1-050F-4B17-8FDC-37C455263954}" type="datetimeFigureOut">
               <a:rPr lang="en-IN" smtClean="0"/>
-              <a:t>27-03-2024</a:t>
+              <a:t>28-03-2024</a:t>
             </a:fld>
             <a:endParaRPr lang="en-IN"/>
           </a:p>
@@ -8606,6 +8609,1732 @@
           <p:cNvPr id="2" name="Rectangle 1">
             <a:extLst>
               <a:ext uri="{FF2B5EF4-FFF2-40B4-BE49-F238E27FC236}">
+                <a16:creationId xmlns:a16="http://schemas.microsoft.com/office/drawing/2014/main" id="{53EFC00C-9DAB-8156-8226-94F69F58F6FD}"/>
+              </a:ext>
+            </a:extLst>
+          </p:cNvPr>
+          <p:cNvSpPr/>
+          <p:nvPr/>
+        </p:nvSpPr>
+        <p:spPr>
+          <a:xfrm>
+            <a:off x="3928534" y="829727"/>
+            <a:ext cx="4089400" cy="1964267"/>
+          </a:xfrm>
+          <a:prstGeom prst="rect">
+            <a:avLst/>
+          </a:prstGeom>
+        </p:spPr>
+        <p:style>
+          <a:lnRef idx="2">
+            <a:schemeClr val="accent1">
+              <a:shade val="15000"/>
+            </a:schemeClr>
+          </a:lnRef>
+          <a:fillRef idx="1">
+            <a:schemeClr val="accent1"/>
+          </a:fillRef>
+          <a:effectRef idx="0">
+            <a:schemeClr val="accent1"/>
+          </a:effectRef>
+          <a:fontRef idx="minor">
+            <a:schemeClr val="lt1"/>
+          </a:fontRef>
+        </p:style>
+        <p:txBody>
+          <a:bodyPr rtlCol="0" anchor="ctr"/>
+          <a:lstStyle/>
+          <a:p>
+            <a:pPr algn="ctr"/>
+            <a:endParaRPr lang="en-IN"/>
+          </a:p>
+        </p:txBody>
+      </p:sp>
+      <p:sp>
+        <p:nvSpPr>
+          <p:cNvPr id="3" name="TextBox 2">
+            <a:extLst>
+              <a:ext uri="{FF2B5EF4-FFF2-40B4-BE49-F238E27FC236}">
+                <a16:creationId xmlns:a16="http://schemas.microsoft.com/office/drawing/2014/main" id="{CB748BDE-8BCA-9BE1-F9D4-77DF5421A519}"/>
+              </a:ext>
+            </a:extLst>
+          </p:cNvPr>
+          <p:cNvSpPr txBox="1"/>
+          <p:nvPr/>
+        </p:nvSpPr>
+        <p:spPr>
+          <a:xfrm>
+            <a:off x="8585200" y="1227661"/>
+            <a:ext cx="2523067" cy="369332"/>
+          </a:xfrm>
+          <a:prstGeom prst="rect">
+            <a:avLst/>
+          </a:prstGeom>
+          <a:noFill/>
+          <a:ln>
+            <a:solidFill>
+              <a:srgbClr val="0070C0"/>
+            </a:solidFill>
+          </a:ln>
+        </p:spPr>
+        <p:txBody>
+          <a:bodyPr wrap="square" rtlCol="0">
+            <a:spAutoFit/>
+          </a:bodyPr>
+          <a:lstStyle/>
+          <a:p>
+            <a:pPr algn="ctr"/>
+            <a:r>
+              <a:rPr lang="en-IN" b="1" dirty="0"/>
+              <a:t>Provider</a:t>
+            </a:r>
+          </a:p>
+        </p:txBody>
+      </p:sp>
+      <p:sp>
+        <p:nvSpPr>
+          <p:cNvPr id="4" name="TextBox 3">
+            <a:extLst>
+              <a:ext uri="{FF2B5EF4-FFF2-40B4-BE49-F238E27FC236}">
+                <a16:creationId xmlns:a16="http://schemas.microsoft.com/office/drawing/2014/main" id="{32035818-851D-D8A6-B57A-CF6BEE4D73C8}"/>
+              </a:ext>
+            </a:extLst>
+          </p:cNvPr>
+          <p:cNvSpPr txBox="1"/>
+          <p:nvPr/>
+        </p:nvSpPr>
+        <p:spPr>
+          <a:xfrm>
+            <a:off x="482600" y="1227661"/>
+            <a:ext cx="2523067" cy="369332"/>
+          </a:xfrm>
+          <a:prstGeom prst="rect">
+            <a:avLst/>
+          </a:prstGeom>
+          <a:noFill/>
+          <a:ln>
+            <a:solidFill>
+              <a:srgbClr val="0070C0"/>
+            </a:solidFill>
+          </a:ln>
+        </p:spPr>
+        <p:txBody>
+          <a:bodyPr wrap="square" rtlCol="0">
+            <a:spAutoFit/>
+          </a:bodyPr>
+          <a:lstStyle/>
+          <a:p>
+            <a:pPr algn="ctr"/>
+            <a:r>
+              <a:rPr lang="en-IN" b="1" dirty="0"/>
+              <a:t>Subscriber</a:t>
+            </a:r>
+          </a:p>
+        </p:txBody>
+      </p:sp>
+      <p:sp>
+        <p:nvSpPr>
+          <p:cNvPr id="5" name="Rectangle 4">
+            <a:extLst>
+              <a:ext uri="{FF2B5EF4-FFF2-40B4-BE49-F238E27FC236}">
+                <a16:creationId xmlns:a16="http://schemas.microsoft.com/office/drawing/2014/main" id="{2C89D93E-825B-F39F-EDDC-F9D3B37DA738}"/>
+              </a:ext>
+            </a:extLst>
+          </p:cNvPr>
+          <p:cNvSpPr/>
+          <p:nvPr/>
+        </p:nvSpPr>
+        <p:spPr>
+          <a:xfrm>
+            <a:off x="7128933" y="1412327"/>
+            <a:ext cx="660400" cy="399534"/>
+          </a:xfrm>
+          <a:prstGeom prst="rect">
+            <a:avLst/>
+          </a:prstGeom>
+          <a:solidFill>
+            <a:schemeClr val="accent2"/>
+          </a:solidFill>
+        </p:spPr>
+        <p:style>
+          <a:lnRef idx="2">
+            <a:schemeClr val="accent1">
+              <a:shade val="15000"/>
+            </a:schemeClr>
+          </a:lnRef>
+          <a:fillRef idx="1">
+            <a:schemeClr val="accent1"/>
+          </a:fillRef>
+          <a:effectRef idx="0">
+            <a:schemeClr val="accent1"/>
+          </a:effectRef>
+          <a:fontRef idx="minor">
+            <a:schemeClr val="lt1"/>
+          </a:fontRef>
+        </p:style>
+        <p:txBody>
+          <a:bodyPr rtlCol="0" anchor="ctr"/>
+          <a:lstStyle/>
+          <a:p>
+            <a:pPr algn="ctr"/>
+            <a:r>
+              <a:rPr lang="en-IN" dirty="0"/>
+              <a:t>A</a:t>
+            </a:r>
+          </a:p>
+        </p:txBody>
+      </p:sp>
+      <p:sp>
+        <p:nvSpPr>
+          <p:cNvPr id="6" name="Rectangle 5">
+            <a:extLst>
+              <a:ext uri="{FF2B5EF4-FFF2-40B4-BE49-F238E27FC236}">
+                <a16:creationId xmlns:a16="http://schemas.microsoft.com/office/drawing/2014/main" id="{6B27B655-E312-1BA5-F6CC-A6B6630CEBAF}"/>
+              </a:ext>
+            </a:extLst>
+          </p:cNvPr>
+          <p:cNvSpPr/>
+          <p:nvPr/>
+        </p:nvSpPr>
+        <p:spPr>
+          <a:xfrm>
+            <a:off x="6307666" y="1412327"/>
+            <a:ext cx="660400" cy="399534"/>
+          </a:xfrm>
+          <a:prstGeom prst="rect">
+            <a:avLst/>
+          </a:prstGeom>
+          <a:solidFill>
+            <a:schemeClr val="accent2"/>
+          </a:solidFill>
+        </p:spPr>
+        <p:style>
+          <a:lnRef idx="2">
+            <a:schemeClr val="accent1">
+              <a:shade val="15000"/>
+            </a:schemeClr>
+          </a:lnRef>
+          <a:fillRef idx="1">
+            <a:schemeClr val="accent1"/>
+          </a:fillRef>
+          <a:effectRef idx="0">
+            <a:schemeClr val="accent1"/>
+          </a:effectRef>
+          <a:fontRef idx="minor">
+            <a:schemeClr val="lt1"/>
+          </a:fontRef>
+        </p:style>
+        <p:txBody>
+          <a:bodyPr rtlCol="0" anchor="ctr"/>
+          <a:lstStyle/>
+          <a:p>
+            <a:pPr algn="ctr"/>
+            <a:r>
+              <a:rPr lang="en-IN" dirty="0"/>
+              <a:t>B</a:t>
+            </a:r>
+          </a:p>
+        </p:txBody>
+      </p:sp>
+      <p:sp>
+        <p:nvSpPr>
+          <p:cNvPr id="7" name="Rectangle 6">
+            <a:extLst>
+              <a:ext uri="{FF2B5EF4-FFF2-40B4-BE49-F238E27FC236}">
+                <a16:creationId xmlns:a16="http://schemas.microsoft.com/office/drawing/2014/main" id="{912D8EDC-147F-DC2E-CB47-A1A3018893CB}"/>
+              </a:ext>
+            </a:extLst>
+          </p:cNvPr>
+          <p:cNvSpPr/>
+          <p:nvPr/>
+        </p:nvSpPr>
+        <p:spPr>
+          <a:xfrm>
+            <a:off x="5486399" y="1412327"/>
+            <a:ext cx="660400" cy="399534"/>
+          </a:xfrm>
+          <a:prstGeom prst="rect">
+            <a:avLst/>
+          </a:prstGeom>
+          <a:solidFill>
+            <a:schemeClr val="accent2"/>
+          </a:solidFill>
+        </p:spPr>
+        <p:style>
+          <a:lnRef idx="2">
+            <a:schemeClr val="accent1">
+              <a:shade val="15000"/>
+            </a:schemeClr>
+          </a:lnRef>
+          <a:fillRef idx="1">
+            <a:schemeClr val="accent1"/>
+          </a:fillRef>
+          <a:effectRef idx="0">
+            <a:schemeClr val="accent1"/>
+          </a:effectRef>
+          <a:fontRef idx="minor">
+            <a:schemeClr val="lt1"/>
+          </a:fontRef>
+        </p:style>
+        <p:txBody>
+          <a:bodyPr rtlCol="0" anchor="ctr"/>
+          <a:lstStyle/>
+          <a:p>
+            <a:pPr algn="ctr"/>
+            <a:r>
+              <a:rPr lang="en-IN" dirty="0"/>
+              <a:t>C</a:t>
+            </a:r>
+          </a:p>
+        </p:txBody>
+      </p:sp>
+      <p:sp>
+        <p:nvSpPr>
+          <p:cNvPr id="8" name="Rectangle 7">
+            <a:extLst>
+              <a:ext uri="{FF2B5EF4-FFF2-40B4-BE49-F238E27FC236}">
+                <a16:creationId xmlns:a16="http://schemas.microsoft.com/office/drawing/2014/main" id="{AFC3CC4B-1D93-A668-5408-D2A01190B6F1}"/>
+              </a:ext>
+            </a:extLst>
+          </p:cNvPr>
+          <p:cNvSpPr/>
+          <p:nvPr/>
+        </p:nvSpPr>
+        <p:spPr>
+          <a:xfrm>
+            <a:off x="4665132" y="1412327"/>
+            <a:ext cx="660400" cy="399534"/>
+          </a:xfrm>
+          <a:prstGeom prst="rect">
+            <a:avLst/>
+          </a:prstGeom>
+          <a:solidFill>
+            <a:schemeClr val="accent2"/>
+          </a:solidFill>
+        </p:spPr>
+        <p:style>
+          <a:lnRef idx="2">
+            <a:schemeClr val="accent1">
+              <a:shade val="15000"/>
+            </a:schemeClr>
+          </a:lnRef>
+          <a:fillRef idx="1">
+            <a:schemeClr val="accent1"/>
+          </a:fillRef>
+          <a:effectRef idx="0">
+            <a:schemeClr val="accent1"/>
+          </a:effectRef>
+          <a:fontRef idx="minor">
+            <a:schemeClr val="lt1"/>
+          </a:fontRef>
+        </p:style>
+        <p:txBody>
+          <a:bodyPr rtlCol="0" anchor="ctr"/>
+          <a:lstStyle/>
+          <a:p>
+            <a:pPr algn="ctr"/>
+            <a:r>
+              <a:rPr lang="en-IN" dirty="0"/>
+              <a:t>D</a:t>
+            </a:r>
+          </a:p>
+        </p:txBody>
+      </p:sp>
+      <p:sp>
+        <p:nvSpPr>
+          <p:cNvPr id="9" name="TextBox 8">
+            <a:extLst>
+              <a:ext uri="{FF2B5EF4-FFF2-40B4-BE49-F238E27FC236}">
+                <a16:creationId xmlns:a16="http://schemas.microsoft.com/office/drawing/2014/main" id="{A53ED9B8-BD20-A0C0-4653-4AA2D9F449A7}"/>
+              </a:ext>
+            </a:extLst>
+          </p:cNvPr>
+          <p:cNvSpPr txBox="1"/>
+          <p:nvPr/>
+        </p:nvSpPr>
+        <p:spPr>
+          <a:xfrm>
+            <a:off x="4555065" y="58228"/>
+            <a:ext cx="2523067" cy="369332"/>
+          </a:xfrm>
+          <a:prstGeom prst="rect">
+            <a:avLst/>
+          </a:prstGeom>
+          <a:noFill/>
+          <a:ln>
+            <a:solidFill>
+              <a:srgbClr val="0070C0"/>
+            </a:solidFill>
+          </a:ln>
+        </p:spPr>
+        <p:txBody>
+          <a:bodyPr wrap="square" rtlCol="0">
+            <a:spAutoFit/>
+          </a:bodyPr>
+          <a:lstStyle/>
+          <a:p>
+            <a:pPr algn="ctr"/>
+            <a:r>
+              <a:rPr lang="en-IN" b="1" dirty="0"/>
+              <a:t>Observable</a:t>
+            </a:r>
+          </a:p>
+        </p:txBody>
+      </p:sp>
+      <p:cxnSp>
+        <p:nvCxnSpPr>
+          <p:cNvPr id="11" name="Connector: Curved 10">
+            <a:extLst>
+              <a:ext uri="{FF2B5EF4-FFF2-40B4-BE49-F238E27FC236}">
+                <a16:creationId xmlns:a16="http://schemas.microsoft.com/office/drawing/2014/main" id="{630776B4-AE70-02A7-E053-6038CD042FBD}"/>
+              </a:ext>
+            </a:extLst>
+          </p:cNvPr>
+          <p:cNvCxnSpPr>
+            <a:cxnSpLocks/>
+            <a:stCxn id="3" idx="2"/>
+            <a:endCxn id="2" idx="3"/>
+          </p:cNvCxnSpPr>
+          <p:nvPr/>
+        </p:nvCxnSpPr>
+        <p:spPr>
+          <a:xfrm rot="5400000">
+            <a:off x="8824900" y="790027"/>
+            <a:ext cx="214868" cy="1828800"/>
+          </a:xfrm>
+          <a:prstGeom prst="curvedConnector2">
+            <a:avLst/>
+          </a:prstGeom>
+          <a:ln>
+            <a:tailEnd type="triangle"/>
+          </a:ln>
+        </p:spPr>
+        <p:style>
+          <a:lnRef idx="2">
+            <a:schemeClr val="accent1"/>
+          </a:lnRef>
+          <a:fillRef idx="0">
+            <a:schemeClr val="accent1"/>
+          </a:fillRef>
+          <a:effectRef idx="1">
+            <a:schemeClr val="accent1"/>
+          </a:effectRef>
+          <a:fontRef idx="minor">
+            <a:schemeClr val="tx1"/>
+          </a:fontRef>
+        </p:style>
+      </p:cxnSp>
+      <p:cxnSp>
+        <p:nvCxnSpPr>
+          <p:cNvPr id="13" name="Connector: Curved 12">
+            <a:extLst>
+              <a:ext uri="{FF2B5EF4-FFF2-40B4-BE49-F238E27FC236}">
+                <a16:creationId xmlns:a16="http://schemas.microsoft.com/office/drawing/2014/main" id="{A61E4633-D911-D7FE-2BF3-14ED9A7AE1E2}"/>
+              </a:ext>
+            </a:extLst>
+          </p:cNvPr>
+          <p:cNvCxnSpPr>
+            <a:cxnSpLocks/>
+            <a:stCxn id="4" idx="0"/>
+            <a:endCxn id="2" idx="1"/>
+          </p:cNvCxnSpPr>
+          <p:nvPr/>
+        </p:nvCxnSpPr>
+        <p:spPr>
+          <a:xfrm rot="16200000" flipH="1">
+            <a:off x="2544234" y="427561"/>
+            <a:ext cx="584200" cy="2184400"/>
+          </a:xfrm>
+          <a:prstGeom prst="curvedConnector4">
+            <a:avLst>
+              <a:gd name="adj1" fmla="val -39130"/>
+              <a:gd name="adj2" fmla="val 78876"/>
+            </a:avLst>
+          </a:prstGeom>
+          <a:ln>
+            <a:tailEnd type="triangle"/>
+          </a:ln>
+        </p:spPr>
+        <p:style>
+          <a:lnRef idx="2">
+            <a:schemeClr val="accent1"/>
+          </a:lnRef>
+          <a:fillRef idx="0">
+            <a:schemeClr val="accent1"/>
+          </a:fillRef>
+          <a:effectRef idx="1">
+            <a:schemeClr val="accent1"/>
+          </a:effectRef>
+          <a:fontRef idx="minor">
+            <a:schemeClr val="tx1"/>
+          </a:fontRef>
+        </p:style>
+      </p:cxnSp>
+      <p:cxnSp>
+        <p:nvCxnSpPr>
+          <p:cNvPr id="15" name="Connector: Curved 14">
+            <a:extLst>
+              <a:ext uri="{FF2B5EF4-FFF2-40B4-BE49-F238E27FC236}">
+                <a16:creationId xmlns:a16="http://schemas.microsoft.com/office/drawing/2014/main" id="{FCC8021F-F405-2802-E042-ACC38C9D0330}"/>
+              </a:ext>
+            </a:extLst>
+          </p:cNvPr>
+          <p:cNvCxnSpPr>
+            <a:cxnSpLocks/>
+            <a:stCxn id="2" idx="1"/>
+            <a:endCxn id="4" idx="2"/>
+          </p:cNvCxnSpPr>
+          <p:nvPr/>
+        </p:nvCxnSpPr>
+        <p:spPr>
+          <a:xfrm rot="10800000">
+            <a:off x="1744134" y="1596993"/>
+            <a:ext cx="2184400" cy="214868"/>
+          </a:xfrm>
+          <a:prstGeom prst="curvedConnector2">
+            <a:avLst/>
+          </a:prstGeom>
+          <a:ln>
+            <a:tailEnd type="triangle"/>
+          </a:ln>
+        </p:spPr>
+        <p:style>
+          <a:lnRef idx="2">
+            <a:schemeClr val="accent1"/>
+          </a:lnRef>
+          <a:fillRef idx="0">
+            <a:schemeClr val="accent1"/>
+          </a:fillRef>
+          <a:effectRef idx="1">
+            <a:schemeClr val="accent1"/>
+          </a:effectRef>
+          <a:fontRef idx="minor">
+            <a:schemeClr val="tx1"/>
+          </a:fontRef>
+        </p:style>
+      </p:cxnSp>
+      <p:sp>
+        <p:nvSpPr>
+          <p:cNvPr id="16" name="Arrow: Left 15">
+            <a:extLst>
+              <a:ext uri="{FF2B5EF4-FFF2-40B4-BE49-F238E27FC236}">
+                <a16:creationId xmlns:a16="http://schemas.microsoft.com/office/drawing/2014/main" id="{DA25A7F2-17C8-EC24-606F-605ED62E899F}"/>
+              </a:ext>
+            </a:extLst>
+          </p:cNvPr>
+          <p:cNvSpPr/>
+          <p:nvPr/>
+        </p:nvSpPr>
+        <p:spPr>
+          <a:xfrm>
+            <a:off x="3928534" y="1989661"/>
+            <a:ext cx="4089400" cy="482600"/>
+          </a:xfrm>
+          <a:prstGeom prst="leftArrow">
+            <a:avLst/>
+          </a:prstGeom>
+          <a:solidFill>
+            <a:srgbClr val="FFFF00"/>
+          </a:solidFill>
+        </p:spPr>
+        <p:style>
+          <a:lnRef idx="2">
+            <a:schemeClr val="accent1">
+              <a:shade val="15000"/>
+            </a:schemeClr>
+          </a:lnRef>
+          <a:fillRef idx="1">
+            <a:schemeClr val="accent1"/>
+          </a:fillRef>
+          <a:effectRef idx="0">
+            <a:schemeClr val="accent1"/>
+          </a:effectRef>
+          <a:fontRef idx="minor">
+            <a:schemeClr val="lt1"/>
+          </a:fontRef>
+        </p:style>
+        <p:txBody>
+          <a:bodyPr rtlCol="0" anchor="ctr"/>
+          <a:lstStyle/>
+          <a:p>
+            <a:pPr algn="ctr"/>
+            <a:r>
+              <a:rPr lang="en-IN" dirty="0">
+                <a:ln w="0"/>
+                <a:solidFill>
+                  <a:schemeClr val="tx1"/>
+                </a:solidFill>
+                <a:effectLst>
+                  <a:outerShdw blurRad="38100" dist="19050" dir="2700000" algn="tl" rotWithShape="0">
+                    <a:schemeClr val="dk1">
+                      <a:alpha val="40000"/>
+                    </a:schemeClr>
+                  </a:outerShdw>
+                </a:effectLst>
+              </a:rPr>
+              <a:t>Dispatch Data to Subscriber</a:t>
+            </a:r>
+          </a:p>
+        </p:txBody>
+      </p:sp>
+      <p:sp>
+        <p:nvSpPr>
+          <p:cNvPr id="17" name="Rectangle 16">
+            <a:extLst>
+              <a:ext uri="{FF2B5EF4-FFF2-40B4-BE49-F238E27FC236}">
+                <a16:creationId xmlns:a16="http://schemas.microsoft.com/office/drawing/2014/main" id="{64C3E16D-7B7A-897A-B341-C47E4EAF1650}"/>
+              </a:ext>
+            </a:extLst>
+          </p:cNvPr>
+          <p:cNvSpPr/>
+          <p:nvPr/>
+        </p:nvSpPr>
+        <p:spPr>
+          <a:xfrm>
+            <a:off x="3928534" y="1412327"/>
+            <a:ext cx="660400" cy="399534"/>
+          </a:xfrm>
+          <a:prstGeom prst="rect">
+            <a:avLst/>
+          </a:prstGeom>
+          <a:solidFill>
+            <a:schemeClr val="accent2"/>
+          </a:solidFill>
+        </p:spPr>
+        <p:style>
+          <a:lnRef idx="2">
+            <a:schemeClr val="accent1">
+              <a:shade val="15000"/>
+            </a:schemeClr>
+          </a:lnRef>
+          <a:fillRef idx="1">
+            <a:schemeClr val="accent1"/>
+          </a:fillRef>
+          <a:effectRef idx="0">
+            <a:schemeClr val="accent1"/>
+          </a:effectRef>
+          <a:fontRef idx="minor">
+            <a:schemeClr val="lt1"/>
+          </a:fontRef>
+        </p:style>
+        <p:txBody>
+          <a:bodyPr rtlCol="0" anchor="ctr"/>
+          <a:lstStyle/>
+          <a:p>
+            <a:pPr algn="ctr"/>
+            <a:r>
+              <a:rPr lang="en-IN" dirty="0"/>
+              <a:t>E</a:t>
+            </a:r>
+          </a:p>
+        </p:txBody>
+      </p:sp>
+      <p:sp>
+        <p:nvSpPr>
+          <p:cNvPr id="18" name="Rectangle 17">
+            <a:extLst>
+              <a:ext uri="{FF2B5EF4-FFF2-40B4-BE49-F238E27FC236}">
+                <a16:creationId xmlns:a16="http://schemas.microsoft.com/office/drawing/2014/main" id="{26CB30BC-8698-0F3D-AF9F-EEDDF7F5AA69}"/>
+              </a:ext>
+            </a:extLst>
+          </p:cNvPr>
+          <p:cNvSpPr/>
+          <p:nvPr/>
+        </p:nvSpPr>
+        <p:spPr>
+          <a:xfrm>
+            <a:off x="3725333" y="3725336"/>
+            <a:ext cx="4089400" cy="1964267"/>
+          </a:xfrm>
+          <a:prstGeom prst="rect">
+            <a:avLst/>
+          </a:prstGeom>
+        </p:spPr>
+        <p:style>
+          <a:lnRef idx="2">
+            <a:schemeClr val="accent1">
+              <a:shade val="15000"/>
+            </a:schemeClr>
+          </a:lnRef>
+          <a:fillRef idx="1">
+            <a:schemeClr val="accent1"/>
+          </a:fillRef>
+          <a:effectRef idx="0">
+            <a:schemeClr val="accent1"/>
+          </a:effectRef>
+          <a:fontRef idx="minor">
+            <a:schemeClr val="lt1"/>
+          </a:fontRef>
+        </p:style>
+        <p:txBody>
+          <a:bodyPr rtlCol="0" anchor="ctr"/>
+          <a:lstStyle/>
+          <a:p>
+            <a:pPr algn="ctr"/>
+            <a:endParaRPr lang="en-IN"/>
+          </a:p>
+        </p:txBody>
+      </p:sp>
+      <p:sp>
+        <p:nvSpPr>
+          <p:cNvPr id="19" name="TextBox 18">
+            <a:extLst>
+              <a:ext uri="{FF2B5EF4-FFF2-40B4-BE49-F238E27FC236}">
+                <a16:creationId xmlns:a16="http://schemas.microsoft.com/office/drawing/2014/main" id="{074BB39C-9B41-746D-09D2-C5780F5EB5BE}"/>
+              </a:ext>
+            </a:extLst>
+          </p:cNvPr>
+          <p:cNvSpPr txBox="1"/>
+          <p:nvPr/>
+        </p:nvSpPr>
+        <p:spPr>
+          <a:xfrm>
+            <a:off x="8381999" y="4123270"/>
+            <a:ext cx="2523067" cy="369332"/>
+          </a:xfrm>
+          <a:prstGeom prst="rect">
+            <a:avLst/>
+          </a:prstGeom>
+          <a:noFill/>
+          <a:ln>
+            <a:solidFill>
+              <a:srgbClr val="0070C0"/>
+            </a:solidFill>
+          </a:ln>
+        </p:spPr>
+        <p:txBody>
+          <a:bodyPr wrap="square" rtlCol="0">
+            <a:spAutoFit/>
+          </a:bodyPr>
+          <a:lstStyle/>
+          <a:p>
+            <a:pPr algn="ctr"/>
+            <a:r>
+              <a:rPr lang="en-IN" b="1" dirty="0"/>
+              <a:t>Provider A</a:t>
+            </a:r>
+          </a:p>
+        </p:txBody>
+      </p:sp>
+      <p:sp>
+        <p:nvSpPr>
+          <p:cNvPr id="20" name="TextBox 19">
+            <a:extLst>
+              <a:ext uri="{FF2B5EF4-FFF2-40B4-BE49-F238E27FC236}">
+                <a16:creationId xmlns:a16="http://schemas.microsoft.com/office/drawing/2014/main" id="{A40D1865-7582-34F6-D84C-D94E17759D4A}"/>
+              </a:ext>
+            </a:extLst>
+          </p:cNvPr>
+          <p:cNvSpPr txBox="1"/>
+          <p:nvPr/>
+        </p:nvSpPr>
+        <p:spPr>
+          <a:xfrm>
+            <a:off x="313267" y="3429000"/>
+            <a:ext cx="2523067" cy="369332"/>
+          </a:xfrm>
+          <a:prstGeom prst="rect">
+            <a:avLst/>
+          </a:prstGeom>
+          <a:noFill/>
+          <a:ln>
+            <a:solidFill>
+              <a:srgbClr val="0070C0"/>
+            </a:solidFill>
+          </a:ln>
+        </p:spPr>
+        <p:txBody>
+          <a:bodyPr wrap="square" rtlCol="0">
+            <a:spAutoFit/>
+          </a:bodyPr>
+          <a:lstStyle/>
+          <a:p>
+            <a:pPr algn="ctr"/>
+            <a:r>
+              <a:rPr lang="en-IN" b="1" dirty="0"/>
+              <a:t>Subscriber</a:t>
+            </a:r>
+          </a:p>
+        </p:txBody>
+      </p:sp>
+      <p:sp>
+        <p:nvSpPr>
+          <p:cNvPr id="21" name="Rectangle 20">
+            <a:extLst>
+              <a:ext uri="{FF2B5EF4-FFF2-40B4-BE49-F238E27FC236}">
+                <a16:creationId xmlns:a16="http://schemas.microsoft.com/office/drawing/2014/main" id="{922EAA11-CF07-D947-07B5-73B0F4B95FAF}"/>
+              </a:ext>
+            </a:extLst>
+          </p:cNvPr>
+          <p:cNvSpPr/>
+          <p:nvPr/>
+        </p:nvSpPr>
+        <p:spPr>
+          <a:xfrm>
+            <a:off x="6925732" y="4307936"/>
+            <a:ext cx="660400" cy="399534"/>
+          </a:xfrm>
+          <a:prstGeom prst="rect">
+            <a:avLst/>
+          </a:prstGeom>
+          <a:solidFill>
+            <a:schemeClr val="accent2"/>
+          </a:solidFill>
+        </p:spPr>
+        <p:style>
+          <a:lnRef idx="2">
+            <a:schemeClr val="accent1">
+              <a:shade val="15000"/>
+            </a:schemeClr>
+          </a:lnRef>
+          <a:fillRef idx="1">
+            <a:schemeClr val="accent1"/>
+          </a:fillRef>
+          <a:effectRef idx="0">
+            <a:schemeClr val="accent1"/>
+          </a:effectRef>
+          <a:fontRef idx="minor">
+            <a:schemeClr val="lt1"/>
+          </a:fontRef>
+        </p:style>
+        <p:txBody>
+          <a:bodyPr rtlCol="0" anchor="ctr"/>
+          <a:lstStyle/>
+          <a:p>
+            <a:pPr algn="ctr"/>
+            <a:r>
+              <a:rPr lang="en-IN" dirty="0"/>
+              <a:t>A</a:t>
+            </a:r>
+          </a:p>
+        </p:txBody>
+      </p:sp>
+      <p:sp>
+        <p:nvSpPr>
+          <p:cNvPr id="22" name="Rectangle 21">
+            <a:extLst>
+              <a:ext uri="{FF2B5EF4-FFF2-40B4-BE49-F238E27FC236}">
+                <a16:creationId xmlns:a16="http://schemas.microsoft.com/office/drawing/2014/main" id="{9DD3BA2E-1BCA-06A4-F5BE-49DC5C301B6B}"/>
+              </a:ext>
+            </a:extLst>
+          </p:cNvPr>
+          <p:cNvSpPr/>
+          <p:nvPr/>
+        </p:nvSpPr>
+        <p:spPr>
+          <a:xfrm>
+            <a:off x="6104465" y="4307936"/>
+            <a:ext cx="660400" cy="399534"/>
+          </a:xfrm>
+          <a:prstGeom prst="rect">
+            <a:avLst/>
+          </a:prstGeom>
+          <a:solidFill>
+            <a:schemeClr val="accent2"/>
+          </a:solidFill>
+        </p:spPr>
+        <p:style>
+          <a:lnRef idx="2">
+            <a:schemeClr val="accent1">
+              <a:shade val="15000"/>
+            </a:schemeClr>
+          </a:lnRef>
+          <a:fillRef idx="1">
+            <a:schemeClr val="accent1"/>
+          </a:fillRef>
+          <a:effectRef idx="0">
+            <a:schemeClr val="accent1"/>
+          </a:effectRef>
+          <a:fontRef idx="minor">
+            <a:schemeClr val="lt1"/>
+          </a:fontRef>
+        </p:style>
+        <p:txBody>
+          <a:bodyPr rtlCol="0" anchor="ctr"/>
+          <a:lstStyle/>
+          <a:p>
+            <a:pPr algn="ctr"/>
+            <a:r>
+              <a:rPr lang="en-IN" dirty="0"/>
+              <a:t>B</a:t>
+            </a:r>
+          </a:p>
+        </p:txBody>
+      </p:sp>
+      <p:sp>
+        <p:nvSpPr>
+          <p:cNvPr id="23" name="Rectangle 22">
+            <a:extLst>
+              <a:ext uri="{FF2B5EF4-FFF2-40B4-BE49-F238E27FC236}">
+                <a16:creationId xmlns:a16="http://schemas.microsoft.com/office/drawing/2014/main" id="{A5489B57-3CD4-6BD8-427C-F37556A69C3F}"/>
+              </a:ext>
+            </a:extLst>
+          </p:cNvPr>
+          <p:cNvSpPr/>
+          <p:nvPr/>
+        </p:nvSpPr>
+        <p:spPr>
+          <a:xfrm>
+            <a:off x="5283198" y="4307936"/>
+            <a:ext cx="660400" cy="399534"/>
+          </a:xfrm>
+          <a:prstGeom prst="rect">
+            <a:avLst/>
+          </a:prstGeom>
+          <a:solidFill>
+            <a:schemeClr val="accent2"/>
+          </a:solidFill>
+        </p:spPr>
+        <p:style>
+          <a:lnRef idx="2">
+            <a:schemeClr val="accent1">
+              <a:shade val="15000"/>
+            </a:schemeClr>
+          </a:lnRef>
+          <a:fillRef idx="1">
+            <a:schemeClr val="accent1"/>
+          </a:fillRef>
+          <a:effectRef idx="0">
+            <a:schemeClr val="accent1"/>
+          </a:effectRef>
+          <a:fontRef idx="minor">
+            <a:schemeClr val="lt1"/>
+          </a:fontRef>
+        </p:style>
+        <p:txBody>
+          <a:bodyPr rtlCol="0" anchor="ctr"/>
+          <a:lstStyle/>
+          <a:p>
+            <a:pPr algn="ctr"/>
+            <a:r>
+              <a:rPr lang="en-IN" dirty="0"/>
+              <a:t>C</a:t>
+            </a:r>
+          </a:p>
+        </p:txBody>
+      </p:sp>
+      <p:sp>
+        <p:nvSpPr>
+          <p:cNvPr id="24" name="Rectangle 23">
+            <a:extLst>
+              <a:ext uri="{FF2B5EF4-FFF2-40B4-BE49-F238E27FC236}">
+                <a16:creationId xmlns:a16="http://schemas.microsoft.com/office/drawing/2014/main" id="{9FF10892-96D8-383E-37FB-8761925B93B9}"/>
+              </a:ext>
+            </a:extLst>
+          </p:cNvPr>
+          <p:cNvSpPr/>
+          <p:nvPr/>
+        </p:nvSpPr>
+        <p:spPr>
+          <a:xfrm>
+            <a:off x="4461931" y="4307936"/>
+            <a:ext cx="660400" cy="399534"/>
+          </a:xfrm>
+          <a:prstGeom prst="rect">
+            <a:avLst/>
+          </a:prstGeom>
+          <a:solidFill>
+            <a:schemeClr val="accent2"/>
+          </a:solidFill>
+        </p:spPr>
+        <p:style>
+          <a:lnRef idx="2">
+            <a:schemeClr val="accent1">
+              <a:shade val="15000"/>
+            </a:schemeClr>
+          </a:lnRef>
+          <a:fillRef idx="1">
+            <a:schemeClr val="accent1"/>
+          </a:fillRef>
+          <a:effectRef idx="0">
+            <a:schemeClr val="accent1"/>
+          </a:effectRef>
+          <a:fontRef idx="minor">
+            <a:schemeClr val="lt1"/>
+          </a:fontRef>
+        </p:style>
+        <p:txBody>
+          <a:bodyPr rtlCol="0" anchor="ctr"/>
+          <a:lstStyle/>
+          <a:p>
+            <a:pPr algn="ctr"/>
+            <a:r>
+              <a:rPr lang="en-IN" dirty="0"/>
+              <a:t>D</a:t>
+            </a:r>
+          </a:p>
+        </p:txBody>
+      </p:sp>
+      <p:sp>
+        <p:nvSpPr>
+          <p:cNvPr id="25" name="TextBox 24">
+            <a:extLst>
+              <a:ext uri="{FF2B5EF4-FFF2-40B4-BE49-F238E27FC236}">
+                <a16:creationId xmlns:a16="http://schemas.microsoft.com/office/drawing/2014/main" id="{9C034433-BFED-54CF-A28D-5EBDA17F205E}"/>
+              </a:ext>
+            </a:extLst>
+          </p:cNvPr>
+          <p:cNvSpPr txBox="1"/>
+          <p:nvPr/>
+        </p:nvSpPr>
+        <p:spPr>
+          <a:xfrm>
+            <a:off x="4351864" y="2953837"/>
+            <a:ext cx="2523067" cy="369332"/>
+          </a:xfrm>
+          <a:prstGeom prst="rect">
+            <a:avLst/>
+          </a:prstGeom>
+          <a:noFill/>
+          <a:ln>
+            <a:solidFill>
+              <a:srgbClr val="0070C0"/>
+            </a:solidFill>
+          </a:ln>
+        </p:spPr>
+        <p:txBody>
+          <a:bodyPr wrap="square" rtlCol="0">
+            <a:spAutoFit/>
+          </a:bodyPr>
+          <a:lstStyle/>
+          <a:p>
+            <a:pPr algn="ctr"/>
+            <a:r>
+              <a:rPr lang="en-IN" b="1" dirty="0"/>
+              <a:t>Observable</a:t>
+            </a:r>
+          </a:p>
+        </p:txBody>
+      </p:sp>
+      <p:cxnSp>
+        <p:nvCxnSpPr>
+          <p:cNvPr id="26" name="Connector: Curved 25">
+            <a:extLst>
+              <a:ext uri="{FF2B5EF4-FFF2-40B4-BE49-F238E27FC236}">
+                <a16:creationId xmlns:a16="http://schemas.microsoft.com/office/drawing/2014/main" id="{E67BC08F-CBE3-8800-7919-CF120C109B07}"/>
+              </a:ext>
+            </a:extLst>
+          </p:cNvPr>
+          <p:cNvCxnSpPr>
+            <a:cxnSpLocks/>
+            <a:stCxn id="19" idx="2"/>
+            <a:endCxn id="18" idx="3"/>
+          </p:cNvCxnSpPr>
+          <p:nvPr/>
+        </p:nvCxnSpPr>
+        <p:spPr>
+          <a:xfrm rot="5400000">
+            <a:off x="8621699" y="3685636"/>
+            <a:ext cx="214868" cy="1828800"/>
+          </a:xfrm>
+          <a:prstGeom prst="curvedConnector2">
+            <a:avLst/>
+          </a:prstGeom>
+          <a:ln>
+            <a:tailEnd type="triangle"/>
+          </a:ln>
+        </p:spPr>
+        <p:style>
+          <a:lnRef idx="2">
+            <a:schemeClr val="accent1"/>
+          </a:lnRef>
+          <a:fillRef idx="0">
+            <a:schemeClr val="accent1"/>
+          </a:fillRef>
+          <a:effectRef idx="1">
+            <a:schemeClr val="accent1"/>
+          </a:effectRef>
+          <a:fontRef idx="minor">
+            <a:schemeClr val="tx1"/>
+          </a:fontRef>
+        </p:style>
+      </p:cxnSp>
+      <p:sp>
+        <p:nvSpPr>
+          <p:cNvPr id="29" name="Arrow: Left 28">
+            <a:extLst>
+              <a:ext uri="{FF2B5EF4-FFF2-40B4-BE49-F238E27FC236}">
+                <a16:creationId xmlns:a16="http://schemas.microsoft.com/office/drawing/2014/main" id="{658A3F60-8C13-5571-ECCE-F3CA74109E2B}"/>
+              </a:ext>
+            </a:extLst>
+          </p:cNvPr>
+          <p:cNvSpPr/>
+          <p:nvPr/>
+        </p:nvSpPr>
+        <p:spPr>
+          <a:xfrm>
+            <a:off x="3699933" y="5698069"/>
+            <a:ext cx="4089400" cy="482600"/>
+          </a:xfrm>
+          <a:prstGeom prst="leftArrow">
+            <a:avLst/>
+          </a:prstGeom>
+          <a:solidFill>
+            <a:srgbClr val="FFFF00"/>
+          </a:solidFill>
+        </p:spPr>
+        <p:style>
+          <a:lnRef idx="2">
+            <a:schemeClr val="accent1">
+              <a:shade val="15000"/>
+            </a:schemeClr>
+          </a:lnRef>
+          <a:fillRef idx="1">
+            <a:schemeClr val="accent1"/>
+          </a:fillRef>
+          <a:effectRef idx="0">
+            <a:schemeClr val="accent1"/>
+          </a:effectRef>
+          <a:fontRef idx="minor">
+            <a:schemeClr val="lt1"/>
+          </a:fontRef>
+        </p:style>
+        <p:txBody>
+          <a:bodyPr rtlCol="0" anchor="ctr"/>
+          <a:lstStyle/>
+          <a:p>
+            <a:pPr algn="ctr"/>
+            <a:r>
+              <a:rPr lang="en-IN" dirty="0">
+                <a:ln w="0"/>
+                <a:solidFill>
+                  <a:schemeClr val="tx1"/>
+                </a:solidFill>
+                <a:effectLst>
+                  <a:outerShdw blurRad="38100" dist="19050" dir="2700000" algn="tl" rotWithShape="0">
+                    <a:schemeClr val="dk1">
+                      <a:alpha val="40000"/>
+                    </a:schemeClr>
+                  </a:outerShdw>
+                </a:effectLst>
+              </a:rPr>
+              <a:t>Dispatch Data to Subscriber</a:t>
+            </a:r>
+          </a:p>
+        </p:txBody>
+      </p:sp>
+      <p:sp>
+        <p:nvSpPr>
+          <p:cNvPr id="30" name="Rectangle 29">
+            <a:extLst>
+              <a:ext uri="{FF2B5EF4-FFF2-40B4-BE49-F238E27FC236}">
+                <a16:creationId xmlns:a16="http://schemas.microsoft.com/office/drawing/2014/main" id="{B595B7AA-9E4D-5361-FDE2-695E07312C0B}"/>
+              </a:ext>
+            </a:extLst>
+          </p:cNvPr>
+          <p:cNvSpPr/>
+          <p:nvPr/>
+        </p:nvSpPr>
+        <p:spPr>
+          <a:xfrm>
+            <a:off x="3725333" y="4307936"/>
+            <a:ext cx="660400" cy="399534"/>
+          </a:xfrm>
+          <a:prstGeom prst="rect">
+            <a:avLst/>
+          </a:prstGeom>
+          <a:solidFill>
+            <a:schemeClr val="accent2"/>
+          </a:solidFill>
+        </p:spPr>
+        <p:style>
+          <a:lnRef idx="2">
+            <a:schemeClr val="accent1">
+              <a:shade val="15000"/>
+            </a:schemeClr>
+          </a:lnRef>
+          <a:fillRef idx="1">
+            <a:schemeClr val="accent1"/>
+          </a:fillRef>
+          <a:effectRef idx="0">
+            <a:schemeClr val="accent1"/>
+          </a:effectRef>
+          <a:fontRef idx="minor">
+            <a:schemeClr val="lt1"/>
+          </a:fontRef>
+        </p:style>
+        <p:txBody>
+          <a:bodyPr rtlCol="0" anchor="ctr"/>
+          <a:lstStyle/>
+          <a:p>
+            <a:pPr algn="ctr"/>
+            <a:r>
+              <a:rPr lang="en-IN" dirty="0"/>
+              <a:t>E</a:t>
+            </a:r>
+          </a:p>
+        </p:txBody>
+      </p:sp>
+      <p:sp>
+        <p:nvSpPr>
+          <p:cNvPr id="31" name="TextBox 30">
+            <a:extLst>
+              <a:ext uri="{FF2B5EF4-FFF2-40B4-BE49-F238E27FC236}">
+                <a16:creationId xmlns:a16="http://schemas.microsoft.com/office/drawing/2014/main" id="{2039EEA4-4481-D3EF-FF4A-814C8238E727}"/>
+              </a:ext>
+            </a:extLst>
+          </p:cNvPr>
+          <p:cNvSpPr txBox="1"/>
+          <p:nvPr/>
+        </p:nvSpPr>
+        <p:spPr>
+          <a:xfrm>
+            <a:off x="8365065" y="5075202"/>
+            <a:ext cx="2523067" cy="369332"/>
+          </a:xfrm>
+          <a:prstGeom prst="rect">
+            <a:avLst/>
+          </a:prstGeom>
+          <a:noFill/>
+          <a:ln>
+            <a:solidFill>
+              <a:srgbClr val="0070C0"/>
+            </a:solidFill>
+          </a:ln>
+        </p:spPr>
+        <p:txBody>
+          <a:bodyPr wrap="square" rtlCol="0">
+            <a:spAutoFit/>
+          </a:bodyPr>
+          <a:lstStyle/>
+          <a:p>
+            <a:pPr algn="ctr"/>
+            <a:r>
+              <a:rPr lang="en-IN" b="1" dirty="0"/>
+              <a:t>Provider B</a:t>
+            </a:r>
+          </a:p>
+        </p:txBody>
+      </p:sp>
+      <p:sp>
+        <p:nvSpPr>
+          <p:cNvPr id="32" name="Rectangle 31">
+            <a:extLst>
+              <a:ext uri="{FF2B5EF4-FFF2-40B4-BE49-F238E27FC236}">
+                <a16:creationId xmlns:a16="http://schemas.microsoft.com/office/drawing/2014/main" id="{0049319A-7146-6DC1-70F3-10C96356F48C}"/>
+              </a:ext>
+            </a:extLst>
+          </p:cNvPr>
+          <p:cNvSpPr/>
+          <p:nvPr/>
+        </p:nvSpPr>
+        <p:spPr>
+          <a:xfrm>
+            <a:off x="6968066" y="4968339"/>
+            <a:ext cx="660400" cy="399534"/>
+          </a:xfrm>
+          <a:prstGeom prst="rect">
+            <a:avLst/>
+          </a:prstGeom>
+          <a:solidFill>
+            <a:schemeClr val="accent2"/>
+          </a:solidFill>
+        </p:spPr>
+        <p:style>
+          <a:lnRef idx="2">
+            <a:schemeClr val="accent1">
+              <a:shade val="15000"/>
+            </a:schemeClr>
+          </a:lnRef>
+          <a:fillRef idx="1">
+            <a:schemeClr val="accent1"/>
+          </a:fillRef>
+          <a:effectRef idx="0">
+            <a:schemeClr val="accent1"/>
+          </a:effectRef>
+          <a:fontRef idx="minor">
+            <a:schemeClr val="lt1"/>
+          </a:fontRef>
+        </p:style>
+        <p:txBody>
+          <a:bodyPr rtlCol="0" anchor="ctr"/>
+          <a:lstStyle/>
+          <a:p>
+            <a:pPr algn="ctr"/>
+            <a:r>
+              <a:rPr lang="en-IN" dirty="0"/>
+              <a:t>A1</a:t>
+            </a:r>
+          </a:p>
+        </p:txBody>
+      </p:sp>
+      <p:sp>
+        <p:nvSpPr>
+          <p:cNvPr id="33" name="Rectangle 32">
+            <a:extLst>
+              <a:ext uri="{FF2B5EF4-FFF2-40B4-BE49-F238E27FC236}">
+                <a16:creationId xmlns:a16="http://schemas.microsoft.com/office/drawing/2014/main" id="{DAEE386A-71B4-7C63-65BB-FADF5391D949}"/>
+              </a:ext>
+            </a:extLst>
+          </p:cNvPr>
+          <p:cNvSpPr/>
+          <p:nvPr/>
+        </p:nvSpPr>
+        <p:spPr>
+          <a:xfrm>
+            <a:off x="6146799" y="4968339"/>
+            <a:ext cx="660400" cy="399534"/>
+          </a:xfrm>
+          <a:prstGeom prst="rect">
+            <a:avLst/>
+          </a:prstGeom>
+          <a:solidFill>
+            <a:schemeClr val="accent2"/>
+          </a:solidFill>
+        </p:spPr>
+        <p:style>
+          <a:lnRef idx="2">
+            <a:schemeClr val="accent1">
+              <a:shade val="15000"/>
+            </a:schemeClr>
+          </a:lnRef>
+          <a:fillRef idx="1">
+            <a:schemeClr val="accent1"/>
+          </a:fillRef>
+          <a:effectRef idx="0">
+            <a:schemeClr val="accent1"/>
+          </a:effectRef>
+          <a:fontRef idx="minor">
+            <a:schemeClr val="lt1"/>
+          </a:fontRef>
+        </p:style>
+        <p:txBody>
+          <a:bodyPr rtlCol="0" anchor="ctr"/>
+          <a:lstStyle/>
+          <a:p>
+            <a:pPr algn="ctr"/>
+            <a:r>
+              <a:rPr lang="en-IN" dirty="0"/>
+              <a:t>B1</a:t>
+            </a:r>
+          </a:p>
+        </p:txBody>
+      </p:sp>
+      <p:sp>
+        <p:nvSpPr>
+          <p:cNvPr id="34" name="Rectangle 33">
+            <a:extLst>
+              <a:ext uri="{FF2B5EF4-FFF2-40B4-BE49-F238E27FC236}">
+                <a16:creationId xmlns:a16="http://schemas.microsoft.com/office/drawing/2014/main" id="{EB17BDC5-FFFD-5433-AC6F-319B4521F4FC}"/>
+              </a:ext>
+            </a:extLst>
+          </p:cNvPr>
+          <p:cNvSpPr/>
+          <p:nvPr/>
+        </p:nvSpPr>
+        <p:spPr>
+          <a:xfrm>
+            <a:off x="5325532" y="4968339"/>
+            <a:ext cx="660400" cy="399534"/>
+          </a:xfrm>
+          <a:prstGeom prst="rect">
+            <a:avLst/>
+          </a:prstGeom>
+          <a:solidFill>
+            <a:schemeClr val="accent2"/>
+          </a:solidFill>
+        </p:spPr>
+        <p:style>
+          <a:lnRef idx="2">
+            <a:schemeClr val="accent1">
+              <a:shade val="15000"/>
+            </a:schemeClr>
+          </a:lnRef>
+          <a:fillRef idx="1">
+            <a:schemeClr val="accent1"/>
+          </a:fillRef>
+          <a:effectRef idx="0">
+            <a:schemeClr val="accent1"/>
+          </a:effectRef>
+          <a:fontRef idx="minor">
+            <a:schemeClr val="lt1"/>
+          </a:fontRef>
+        </p:style>
+        <p:txBody>
+          <a:bodyPr rtlCol="0" anchor="ctr"/>
+          <a:lstStyle/>
+          <a:p>
+            <a:pPr algn="ctr"/>
+            <a:r>
+              <a:rPr lang="en-IN" dirty="0"/>
+              <a:t>C1</a:t>
+            </a:r>
+          </a:p>
+        </p:txBody>
+      </p:sp>
+      <p:sp>
+        <p:nvSpPr>
+          <p:cNvPr id="35" name="Rectangle 34">
+            <a:extLst>
+              <a:ext uri="{FF2B5EF4-FFF2-40B4-BE49-F238E27FC236}">
+                <a16:creationId xmlns:a16="http://schemas.microsoft.com/office/drawing/2014/main" id="{E3A501EE-C07B-3DBA-FB52-887B372ED50B}"/>
+              </a:ext>
+            </a:extLst>
+          </p:cNvPr>
+          <p:cNvSpPr/>
+          <p:nvPr/>
+        </p:nvSpPr>
+        <p:spPr>
+          <a:xfrm>
+            <a:off x="4504265" y="4968339"/>
+            <a:ext cx="660400" cy="399534"/>
+          </a:xfrm>
+          <a:prstGeom prst="rect">
+            <a:avLst/>
+          </a:prstGeom>
+          <a:solidFill>
+            <a:schemeClr val="accent2"/>
+          </a:solidFill>
+        </p:spPr>
+        <p:style>
+          <a:lnRef idx="2">
+            <a:schemeClr val="accent1">
+              <a:shade val="15000"/>
+            </a:schemeClr>
+          </a:lnRef>
+          <a:fillRef idx="1">
+            <a:schemeClr val="accent1"/>
+          </a:fillRef>
+          <a:effectRef idx="0">
+            <a:schemeClr val="accent1"/>
+          </a:effectRef>
+          <a:fontRef idx="minor">
+            <a:schemeClr val="lt1"/>
+          </a:fontRef>
+        </p:style>
+        <p:txBody>
+          <a:bodyPr rtlCol="0" anchor="ctr"/>
+          <a:lstStyle/>
+          <a:p>
+            <a:pPr algn="ctr"/>
+            <a:r>
+              <a:rPr lang="en-IN" dirty="0"/>
+              <a:t>D1</a:t>
+            </a:r>
+          </a:p>
+        </p:txBody>
+      </p:sp>
+      <p:sp>
+        <p:nvSpPr>
+          <p:cNvPr id="36" name="Rectangle 35">
+            <a:extLst>
+              <a:ext uri="{FF2B5EF4-FFF2-40B4-BE49-F238E27FC236}">
+                <a16:creationId xmlns:a16="http://schemas.microsoft.com/office/drawing/2014/main" id="{220102E2-C9EA-27B3-BF3D-2FC97CFBCE33}"/>
+              </a:ext>
+            </a:extLst>
+          </p:cNvPr>
+          <p:cNvSpPr/>
+          <p:nvPr/>
+        </p:nvSpPr>
+        <p:spPr>
+          <a:xfrm>
+            <a:off x="3767667" y="4968339"/>
+            <a:ext cx="660400" cy="399534"/>
+          </a:xfrm>
+          <a:prstGeom prst="rect">
+            <a:avLst/>
+          </a:prstGeom>
+          <a:solidFill>
+            <a:schemeClr val="accent2"/>
+          </a:solidFill>
+        </p:spPr>
+        <p:style>
+          <a:lnRef idx="2">
+            <a:schemeClr val="accent1">
+              <a:shade val="15000"/>
+            </a:schemeClr>
+          </a:lnRef>
+          <a:fillRef idx="1">
+            <a:schemeClr val="accent1"/>
+          </a:fillRef>
+          <a:effectRef idx="0">
+            <a:schemeClr val="accent1"/>
+          </a:effectRef>
+          <a:fontRef idx="minor">
+            <a:schemeClr val="lt1"/>
+          </a:fontRef>
+        </p:style>
+        <p:txBody>
+          <a:bodyPr rtlCol="0" anchor="ctr"/>
+          <a:lstStyle/>
+          <a:p>
+            <a:pPr algn="ctr"/>
+            <a:r>
+              <a:rPr lang="en-IN" dirty="0"/>
+              <a:t>E1</a:t>
+            </a:r>
+          </a:p>
+        </p:txBody>
+      </p:sp>
+      <p:cxnSp>
+        <p:nvCxnSpPr>
+          <p:cNvPr id="38" name="Connector: Curved 37">
+            <a:extLst>
+              <a:ext uri="{FF2B5EF4-FFF2-40B4-BE49-F238E27FC236}">
+                <a16:creationId xmlns:a16="http://schemas.microsoft.com/office/drawing/2014/main" id="{67D89FC0-C1CF-4A16-3EB6-0648CE1E21EA}"/>
+              </a:ext>
+            </a:extLst>
+          </p:cNvPr>
+          <p:cNvCxnSpPr>
+            <a:cxnSpLocks/>
+            <a:stCxn id="31" idx="2"/>
+            <a:endCxn id="18" idx="3"/>
+          </p:cNvCxnSpPr>
+          <p:nvPr/>
+        </p:nvCxnSpPr>
+        <p:spPr>
+          <a:xfrm rot="5400000" flipH="1">
+            <a:off x="8352134" y="4170069"/>
+            <a:ext cx="737064" cy="1811866"/>
+          </a:xfrm>
+          <a:prstGeom prst="curvedConnector4">
+            <a:avLst>
+              <a:gd name="adj1" fmla="val -31015"/>
+              <a:gd name="adj2" fmla="val 84813"/>
+            </a:avLst>
+          </a:prstGeom>
+          <a:ln>
+            <a:tailEnd type="triangle"/>
+          </a:ln>
+        </p:spPr>
+        <p:style>
+          <a:lnRef idx="2">
+            <a:schemeClr val="accent1"/>
+          </a:lnRef>
+          <a:fillRef idx="0">
+            <a:schemeClr val="accent1"/>
+          </a:fillRef>
+          <a:effectRef idx="1">
+            <a:schemeClr val="accent1"/>
+          </a:effectRef>
+          <a:fontRef idx="minor">
+            <a:schemeClr val="tx1"/>
+          </a:fontRef>
+        </p:style>
+      </p:cxnSp>
+      <p:sp>
+        <p:nvSpPr>
+          <p:cNvPr id="40" name="Flowchart: Process 39">
+            <a:extLst>
+              <a:ext uri="{FF2B5EF4-FFF2-40B4-BE49-F238E27FC236}">
+                <a16:creationId xmlns:a16="http://schemas.microsoft.com/office/drawing/2014/main" id="{6630B040-ACAA-3A1B-2CE7-6A1C57204A97}"/>
+              </a:ext>
+            </a:extLst>
+          </p:cNvPr>
+          <p:cNvSpPr/>
+          <p:nvPr/>
+        </p:nvSpPr>
+        <p:spPr>
+          <a:xfrm>
+            <a:off x="1117600" y="4368800"/>
+            <a:ext cx="1346200" cy="677339"/>
+          </a:xfrm>
+          <a:prstGeom prst="flowChartProcess">
+            <a:avLst/>
+          </a:prstGeom>
+        </p:spPr>
+        <p:style>
+          <a:lnRef idx="2">
+            <a:schemeClr val="accent1">
+              <a:shade val="15000"/>
+            </a:schemeClr>
+          </a:lnRef>
+          <a:fillRef idx="1">
+            <a:schemeClr val="accent1"/>
+          </a:fillRef>
+          <a:effectRef idx="0">
+            <a:schemeClr val="accent1"/>
+          </a:effectRef>
+          <a:fontRef idx="minor">
+            <a:schemeClr val="lt1"/>
+          </a:fontRef>
+        </p:style>
+        <p:txBody>
+          <a:bodyPr rtlCol="0" anchor="ctr"/>
+          <a:lstStyle/>
+          <a:p>
+            <a:pPr algn="ctr"/>
+            <a:r>
+              <a:rPr lang="en-IN" dirty="0" err="1"/>
+              <a:t>forkJoin</a:t>
+            </a:r>
+            <a:r>
+              <a:rPr lang="en-IN" dirty="0"/>
+              <a:t>()</a:t>
+            </a:r>
+          </a:p>
+        </p:txBody>
+      </p:sp>
+      <p:cxnSp>
+        <p:nvCxnSpPr>
+          <p:cNvPr id="42" name="Connector: Curved 41">
+            <a:extLst>
+              <a:ext uri="{FF2B5EF4-FFF2-40B4-BE49-F238E27FC236}">
+                <a16:creationId xmlns:a16="http://schemas.microsoft.com/office/drawing/2014/main" id="{FC488E80-D276-99FD-F206-42E3791FC1FD}"/>
+              </a:ext>
+            </a:extLst>
+          </p:cNvPr>
+          <p:cNvCxnSpPr>
+            <a:stCxn id="40" idx="0"/>
+            <a:endCxn id="30" idx="1"/>
+          </p:cNvCxnSpPr>
+          <p:nvPr/>
+        </p:nvCxnSpPr>
+        <p:spPr>
+          <a:xfrm rot="16200000" flipH="1">
+            <a:off x="2688564" y="3470935"/>
+            <a:ext cx="138903" cy="1934633"/>
+          </a:xfrm>
+          <a:prstGeom prst="curvedConnector4">
+            <a:avLst>
+              <a:gd name="adj1" fmla="val -164575"/>
+              <a:gd name="adj2" fmla="val 67396"/>
+            </a:avLst>
+          </a:prstGeom>
+          <a:ln>
+            <a:tailEnd type="triangle"/>
+          </a:ln>
+        </p:spPr>
+        <p:style>
+          <a:lnRef idx="2">
+            <a:schemeClr val="accent1"/>
+          </a:lnRef>
+          <a:fillRef idx="0">
+            <a:schemeClr val="accent1"/>
+          </a:fillRef>
+          <a:effectRef idx="1">
+            <a:schemeClr val="accent1"/>
+          </a:effectRef>
+          <a:fontRef idx="minor">
+            <a:schemeClr val="tx1"/>
+          </a:fontRef>
+        </p:style>
+      </p:cxnSp>
+      <p:cxnSp>
+        <p:nvCxnSpPr>
+          <p:cNvPr id="44" name="Connector: Curved 43">
+            <a:extLst>
+              <a:ext uri="{FF2B5EF4-FFF2-40B4-BE49-F238E27FC236}">
+                <a16:creationId xmlns:a16="http://schemas.microsoft.com/office/drawing/2014/main" id="{47AF419E-9B62-F495-CA89-4D6FE78D91F4}"/>
+              </a:ext>
+            </a:extLst>
+          </p:cNvPr>
+          <p:cNvCxnSpPr>
+            <a:stCxn id="40" idx="2"/>
+            <a:endCxn id="30" idx="1"/>
+          </p:cNvCxnSpPr>
+          <p:nvPr/>
+        </p:nvCxnSpPr>
+        <p:spPr>
+          <a:xfrm rot="5400000" flipH="1" flipV="1">
+            <a:off x="2488798" y="3809604"/>
+            <a:ext cx="538436" cy="1934633"/>
+          </a:xfrm>
+          <a:prstGeom prst="curvedConnector4">
+            <a:avLst>
+              <a:gd name="adj1" fmla="val -42456"/>
+              <a:gd name="adj2" fmla="val 67396"/>
+            </a:avLst>
+          </a:prstGeom>
+          <a:ln>
+            <a:tailEnd type="triangle"/>
+          </a:ln>
+        </p:spPr>
+        <p:style>
+          <a:lnRef idx="2">
+            <a:schemeClr val="accent1"/>
+          </a:lnRef>
+          <a:fillRef idx="0">
+            <a:schemeClr val="accent1"/>
+          </a:fillRef>
+          <a:effectRef idx="1">
+            <a:schemeClr val="accent1"/>
+          </a:effectRef>
+          <a:fontRef idx="minor">
+            <a:schemeClr val="tx1"/>
+          </a:fontRef>
+        </p:style>
+      </p:cxnSp>
+      <p:cxnSp>
+        <p:nvCxnSpPr>
+          <p:cNvPr id="46" name="Connector: Curved 45">
+            <a:extLst>
+              <a:ext uri="{FF2B5EF4-FFF2-40B4-BE49-F238E27FC236}">
+                <a16:creationId xmlns:a16="http://schemas.microsoft.com/office/drawing/2014/main" id="{65A179D2-6CBE-0112-0312-634ECD77A264}"/>
+              </a:ext>
+            </a:extLst>
+          </p:cNvPr>
+          <p:cNvCxnSpPr>
+            <a:stCxn id="40" idx="1"/>
+            <a:endCxn id="20" idx="2"/>
+          </p:cNvCxnSpPr>
+          <p:nvPr/>
+        </p:nvCxnSpPr>
+        <p:spPr>
+          <a:xfrm rot="10800000" flipH="1">
+            <a:off x="1117599" y="3798332"/>
+            <a:ext cx="457201" cy="909138"/>
+          </a:xfrm>
+          <a:prstGeom prst="curvedConnector4">
+            <a:avLst>
+              <a:gd name="adj1" fmla="val -50000"/>
+              <a:gd name="adj2" fmla="val 68626"/>
+            </a:avLst>
+          </a:prstGeom>
+          <a:ln>
+            <a:tailEnd type="triangle"/>
+          </a:ln>
+        </p:spPr>
+        <p:style>
+          <a:lnRef idx="2">
+            <a:schemeClr val="accent1"/>
+          </a:lnRef>
+          <a:fillRef idx="0">
+            <a:schemeClr val="accent1"/>
+          </a:fillRef>
+          <a:effectRef idx="1">
+            <a:schemeClr val="accent1"/>
+          </a:effectRef>
+          <a:fontRef idx="minor">
+            <a:schemeClr val="tx1"/>
+          </a:fontRef>
+        </p:style>
+      </p:cxnSp>
+    </p:spTree>
+    <p:extLst>
+      <p:ext uri="{BB962C8B-B14F-4D97-AF65-F5344CB8AC3E}">
+        <p14:creationId xmlns:p14="http://schemas.microsoft.com/office/powerpoint/2010/main" val="3698849721"/>
+      </p:ext>
+    </p:extLst>
+  </p:cSld>
+  <p:clrMapOvr>
+    <a:masterClrMapping/>
+  </p:clrMapOvr>
+</p:sld>
+</file>
+
+<file path=ppt/slides/slide15.xml><?xml version="1.0" encoding="utf-8"?>
+<p:sld xmlns:a="http://schemas.openxmlformats.org/drawingml/2006/main" xmlns:r="http://schemas.openxmlformats.org/officeDocument/2006/relationships" xmlns:p="http://schemas.openxmlformats.org/presentationml/2006/main">
+  <p:cSld>
+    <p:spTree>
+      <p:nvGrpSpPr>
+        <p:cNvPr id="1" name=""/>
+        <p:cNvGrpSpPr/>
+        <p:nvPr/>
+      </p:nvGrpSpPr>
+      <p:grpSpPr>
+        <a:xfrm>
+          <a:off x="0" y="0"/>
+          <a:ext cx="0" cy="0"/>
+          <a:chOff x="0" y="0"/>
+          <a:chExt cx="0" cy="0"/>
+        </a:xfrm>
+      </p:grpSpPr>
+      <p:sp>
+        <p:nvSpPr>
+          <p:cNvPr id="2" name="Rectangle 1">
+            <a:extLst>
+              <a:ext uri="{FF2B5EF4-FFF2-40B4-BE49-F238E27FC236}">
                 <a16:creationId xmlns:a16="http://schemas.microsoft.com/office/drawing/2014/main" id="{4AA2C247-9EA2-89D7-23F7-542772E396D6}"/>
               </a:ext>
             </a:extLst>
@@ -9745,6 +11474,2380 @@
     <p:extLst>
       <p:ext uri="{BB962C8B-B14F-4D97-AF65-F5344CB8AC3E}">
         <p14:creationId xmlns:p14="http://schemas.microsoft.com/office/powerpoint/2010/main" val="3961096561"/>
+      </p:ext>
+    </p:extLst>
+  </p:cSld>
+  <p:clrMapOvr>
+    <a:masterClrMapping/>
+  </p:clrMapOvr>
+</p:sld>
+</file>
+
+<file path=ppt/slides/slide16.xml><?xml version="1.0" encoding="utf-8"?>
+<p:sld xmlns:a="http://schemas.openxmlformats.org/drawingml/2006/main" xmlns:r="http://schemas.openxmlformats.org/officeDocument/2006/relationships" xmlns:p="http://schemas.openxmlformats.org/presentationml/2006/main">
+  <p:cSld>
+    <p:spTree>
+      <p:nvGrpSpPr>
+        <p:cNvPr id="1" name=""/>
+        <p:cNvGrpSpPr/>
+        <p:nvPr/>
+      </p:nvGrpSpPr>
+      <p:grpSpPr>
+        <a:xfrm>
+          <a:off x="0" y="0"/>
+          <a:ext cx="0" cy="0"/>
+          <a:chOff x="0" y="0"/>
+          <a:chExt cx="0" cy="0"/>
+        </a:xfrm>
+      </p:grpSpPr>
+      <p:sp>
+        <p:nvSpPr>
+          <p:cNvPr id="2" name="Rectangle 1">
+            <a:extLst>
+              <a:ext uri="{FF2B5EF4-FFF2-40B4-BE49-F238E27FC236}">
+                <a16:creationId xmlns:a16="http://schemas.microsoft.com/office/drawing/2014/main" id="{F2D3C87D-A990-0176-3E65-D72A8E182DCD}"/>
+              </a:ext>
+            </a:extLst>
+          </p:cNvPr>
+          <p:cNvSpPr/>
+          <p:nvPr/>
+        </p:nvSpPr>
+        <p:spPr>
+          <a:xfrm>
+            <a:off x="304800" y="2175933"/>
+            <a:ext cx="2362200" cy="1473200"/>
+          </a:xfrm>
+          <a:prstGeom prst="rect">
+            <a:avLst/>
+          </a:prstGeom>
+        </p:spPr>
+        <p:style>
+          <a:lnRef idx="2">
+            <a:schemeClr val="accent1">
+              <a:shade val="15000"/>
+            </a:schemeClr>
+          </a:lnRef>
+          <a:fillRef idx="1">
+            <a:schemeClr val="accent1"/>
+          </a:fillRef>
+          <a:effectRef idx="0">
+            <a:schemeClr val="accent1"/>
+          </a:effectRef>
+          <a:fontRef idx="minor">
+            <a:schemeClr val="lt1"/>
+          </a:fontRef>
+        </p:style>
+        <p:txBody>
+          <a:bodyPr rtlCol="0" anchor="ctr"/>
+          <a:lstStyle/>
+          <a:p>
+            <a:pPr algn="ctr"/>
+            <a:r>
+              <a:rPr lang="en-IN" dirty="0"/>
+              <a:t>Angular</a:t>
+            </a:r>
+          </a:p>
+          <a:p>
+            <a:pPr algn="ctr"/>
+            <a:r>
+              <a:rPr lang="en-IN" dirty="0"/>
+              <a:t>Component</a:t>
+            </a:r>
+          </a:p>
+        </p:txBody>
+      </p:sp>
+      <p:sp>
+        <p:nvSpPr>
+          <p:cNvPr id="3" name="Flowchart: Process 2">
+            <a:extLst>
+              <a:ext uri="{FF2B5EF4-FFF2-40B4-BE49-F238E27FC236}">
+                <a16:creationId xmlns:a16="http://schemas.microsoft.com/office/drawing/2014/main" id="{C46E5E9E-E8CB-BE54-72C4-E2FECF8B6466}"/>
+              </a:ext>
+            </a:extLst>
+          </p:cNvPr>
+          <p:cNvSpPr/>
+          <p:nvPr/>
+        </p:nvSpPr>
+        <p:spPr>
+          <a:xfrm>
+            <a:off x="9990667" y="237066"/>
+            <a:ext cx="1557866" cy="1346200"/>
+          </a:xfrm>
+          <a:prstGeom prst="flowChartProcess">
+            <a:avLst/>
+          </a:prstGeom>
+        </p:spPr>
+        <p:style>
+          <a:lnRef idx="2">
+            <a:schemeClr val="accent1">
+              <a:shade val="15000"/>
+            </a:schemeClr>
+          </a:lnRef>
+          <a:fillRef idx="1">
+            <a:schemeClr val="accent1"/>
+          </a:fillRef>
+          <a:effectRef idx="0">
+            <a:schemeClr val="accent1"/>
+          </a:effectRef>
+          <a:fontRef idx="minor">
+            <a:schemeClr val="lt1"/>
+          </a:fontRef>
+        </p:style>
+        <p:txBody>
+          <a:bodyPr rtlCol="0" anchor="ctr"/>
+          <a:lstStyle/>
+          <a:p>
+            <a:pPr algn="ctr"/>
+            <a:r>
+              <a:rPr lang="en-IN" dirty="0"/>
+              <a:t>Category</a:t>
+            </a:r>
+          </a:p>
+        </p:txBody>
+      </p:sp>
+      <p:sp>
+        <p:nvSpPr>
+          <p:cNvPr id="4" name="Flowchart: Process 3">
+            <a:extLst>
+              <a:ext uri="{FF2B5EF4-FFF2-40B4-BE49-F238E27FC236}">
+                <a16:creationId xmlns:a16="http://schemas.microsoft.com/office/drawing/2014/main" id="{5A877171-826B-E850-74AD-AA8D03350009}"/>
+              </a:ext>
+            </a:extLst>
+          </p:cNvPr>
+          <p:cNvSpPr/>
+          <p:nvPr/>
+        </p:nvSpPr>
+        <p:spPr>
+          <a:xfrm>
+            <a:off x="9990667" y="4851400"/>
+            <a:ext cx="1557866" cy="1346200"/>
+          </a:xfrm>
+          <a:prstGeom prst="flowChartProcess">
+            <a:avLst/>
+          </a:prstGeom>
+        </p:spPr>
+        <p:style>
+          <a:lnRef idx="2">
+            <a:schemeClr val="accent1">
+              <a:shade val="15000"/>
+            </a:schemeClr>
+          </a:lnRef>
+          <a:fillRef idx="1">
+            <a:schemeClr val="accent1"/>
+          </a:fillRef>
+          <a:effectRef idx="0">
+            <a:schemeClr val="accent1"/>
+          </a:effectRef>
+          <a:fontRef idx="minor">
+            <a:schemeClr val="lt1"/>
+          </a:fontRef>
+        </p:style>
+        <p:txBody>
+          <a:bodyPr rtlCol="0" anchor="ctr"/>
+          <a:lstStyle/>
+          <a:p>
+            <a:pPr algn="ctr"/>
+            <a:r>
+              <a:rPr lang="en-IN" dirty="0"/>
+              <a:t>Product</a:t>
+            </a:r>
+          </a:p>
+        </p:txBody>
+      </p:sp>
+      <p:cxnSp>
+        <p:nvCxnSpPr>
+          <p:cNvPr id="6" name="Connector: Elbow 5">
+            <a:extLst>
+              <a:ext uri="{FF2B5EF4-FFF2-40B4-BE49-F238E27FC236}">
+                <a16:creationId xmlns:a16="http://schemas.microsoft.com/office/drawing/2014/main" id="{CBA32CCB-2F4E-DA3D-5962-423A5AEE6042}"/>
+              </a:ext>
+            </a:extLst>
+          </p:cNvPr>
+          <p:cNvCxnSpPr>
+            <a:stCxn id="2" idx="3"/>
+            <a:endCxn id="3" idx="1"/>
+          </p:cNvCxnSpPr>
+          <p:nvPr/>
+        </p:nvCxnSpPr>
+        <p:spPr>
+          <a:xfrm flipV="1">
+            <a:off x="2667000" y="910166"/>
+            <a:ext cx="7323667" cy="2002367"/>
+          </a:xfrm>
+          <a:prstGeom prst="bentConnector3">
+            <a:avLst/>
+          </a:prstGeom>
+          <a:ln>
+            <a:headEnd type="triangle"/>
+            <a:tailEnd type="triangle"/>
+          </a:ln>
+        </p:spPr>
+        <p:style>
+          <a:lnRef idx="2">
+            <a:schemeClr val="accent1"/>
+          </a:lnRef>
+          <a:fillRef idx="0">
+            <a:schemeClr val="accent1"/>
+          </a:fillRef>
+          <a:effectRef idx="1">
+            <a:schemeClr val="accent1"/>
+          </a:effectRef>
+          <a:fontRef idx="minor">
+            <a:schemeClr val="tx1"/>
+          </a:fontRef>
+        </p:style>
+      </p:cxnSp>
+      <p:cxnSp>
+        <p:nvCxnSpPr>
+          <p:cNvPr id="8" name="Connector: Elbow 7">
+            <a:extLst>
+              <a:ext uri="{FF2B5EF4-FFF2-40B4-BE49-F238E27FC236}">
+                <a16:creationId xmlns:a16="http://schemas.microsoft.com/office/drawing/2014/main" id="{DC1AB810-85C2-3125-C98C-9A1058A22D05}"/>
+              </a:ext>
+            </a:extLst>
+          </p:cNvPr>
+          <p:cNvCxnSpPr>
+            <a:stCxn id="2" idx="3"/>
+            <a:endCxn id="4" idx="1"/>
+          </p:cNvCxnSpPr>
+          <p:nvPr/>
+        </p:nvCxnSpPr>
+        <p:spPr>
+          <a:xfrm>
+            <a:off x="2667000" y="2912533"/>
+            <a:ext cx="7323667" cy="2611967"/>
+          </a:xfrm>
+          <a:prstGeom prst="bentConnector3">
+            <a:avLst/>
+          </a:prstGeom>
+          <a:ln>
+            <a:headEnd type="triangle"/>
+            <a:tailEnd type="triangle"/>
+          </a:ln>
+        </p:spPr>
+        <p:style>
+          <a:lnRef idx="2">
+            <a:schemeClr val="accent1"/>
+          </a:lnRef>
+          <a:fillRef idx="0">
+            <a:schemeClr val="accent1"/>
+          </a:fillRef>
+          <a:effectRef idx="1">
+            <a:schemeClr val="accent1"/>
+          </a:effectRef>
+          <a:fontRef idx="minor">
+            <a:schemeClr val="tx1"/>
+          </a:fontRef>
+        </p:style>
+      </p:cxnSp>
+      <p:cxnSp>
+        <p:nvCxnSpPr>
+          <p:cNvPr id="10" name="Connector: Curved 9">
+            <a:extLst>
+              <a:ext uri="{FF2B5EF4-FFF2-40B4-BE49-F238E27FC236}">
+                <a16:creationId xmlns:a16="http://schemas.microsoft.com/office/drawing/2014/main" id="{C24CC29F-2DBD-715E-B196-303B49CD7C77}"/>
+              </a:ext>
+            </a:extLst>
+          </p:cNvPr>
+          <p:cNvCxnSpPr/>
+          <p:nvPr/>
+        </p:nvCxnSpPr>
+        <p:spPr>
+          <a:xfrm rot="10800000" flipV="1">
+            <a:off x="3920067" y="1176867"/>
+            <a:ext cx="5647266" cy="999066"/>
+          </a:xfrm>
+          <a:prstGeom prst="curvedConnector3">
+            <a:avLst/>
+          </a:prstGeom>
+          <a:ln>
+            <a:tailEnd type="triangle"/>
+          </a:ln>
+        </p:spPr>
+        <p:style>
+          <a:lnRef idx="2">
+            <a:schemeClr val="accent1"/>
+          </a:lnRef>
+          <a:fillRef idx="0">
+            <a:schemeClr val="accent1"/>
+          </a:fillRef>
+          <a:effectRef idx="1">
+            <a:schemeClr val="accent1"/>
+          </a:effectRef>
+          <a:fontRef idx="minor">
+            <a:schemeClr val="tx1"/>
+          </a:fontRef>
+        </p:style>
+      </p:cxnSp>
+      <p:sp>
+        <p:nvSpPr>
+          <p:cNvPr id="11" name="TextBox 10">
+            <a:extLst>
+              <a:ext uri="{FF2B5EF4-FFF2-40B4-BE49-F238E27FC236}">
+                <a16:creationId xmlns:a16="http://schemas.microsoft.com/office/drawing/2014/main" id="{01048934-DEC9-288C-FF58-7C3992043618}"/>
+              </a:ext>
+            </a:extLst>
+          </p:cNvPr>
+          <p:cNvSpPr txBox="1"/>
+          <p:nvPr/>
+        </p:nvSpPr>
+        <p:spPr>
+          <a:xfrm>
+            <a:off x="3691467" y="1333500"/>
+            <a:ext cx="1905000" cy="369332"/>
+          </a:xfrm>
+          <a:prstGeom prst="rect">
+            <a:avLst/>
+          </a:prstGeom>
+          <a:noFill/>
+          <a:ln>
+            <a:solidFill>
+              <a:srgbClr val="92D050"/>
+            </a:solidFill>
+          </a:ln>
+        </p:spPr>
+        <p:txBody>
+          <a:bodyPr wrap="square" rtlCol="0">
+            <a:spAutoFit/>
+          </a:bodyPr>
+          <a:lstStyle/>
+          <a:p>
+            <a:pPr algn="ctr"/>
+            <a:r>
+              <a:rPr lang="en-IN" b="1" dirty="0"/>
+              <a:t>10ms</a:t>
+            </a:r>
+          </a:p>
+        </p:txBody>
+      </p:sp>
+      <p:cxnSp>
+        <p:nvCxnSpPr>
+          <p:cNvPr id="13" name="Connector: Curved 12">
+            <a:extLst>
+              <a:ext uri="{FF2B5EF4-FFF2-40B4-BE49-F238E27FC236}">
+                <a16:creationId xmlns:a16="http://schemas.microsoft.com/office/drawing/2014/main" id="{209243A6-3C0D-1861-4425-C50E6A6E9ACC}"/>
+              </a:ext>
+            </a:extLst>
+          </p:cNvPr>
+          <p:cNvCxnSpPr/>
+          <p:nvPr/>
+        </p:nvCxnSpPr>
+        <p:spPr>
+          <a:xfrm rot="10800000">
+            <a:off x="3920067" y="4013201"/>
+            <a:ext cx="5799666" cy="1236133"/>
+          </a:xfrm>
+          <a:prstGeom prst="curvedConnector3">
+            <a:avLst/>
+          </a:prstGeom>
+          <a:ln>
+            <a:tailEnd type="triangle"/>
+          </a:ln>
+        </p:spPr>
+        <p:style>
+          <a:lnRef idx="2">
+            <a:schemeClr val="accent1"/>
+          </a:lnRef>
+          <a:fillRef idx="0">
+            <a:schemeClr val="accent1"/>
+          </a:fillRef>
+          <a:effectRef idx="1">
+            <a:schemeClr val="accent1"/>
+          </a:effectRef>
+          <a:fontRef idx="minor">
+            <a:schemeClr val="tx1"/>
+          </a:fontRef>
+        </p:style>
+      </p:cxnSp>
+      <p:sp>
+        <p:nvSpPr>
+          <p:cNvPr id="14" name="TextBox 13">
+            <a:extLst>
+              <a:ext uri="{FF2B5EF4-FFF2-40B4-BE49-F238E27FC236}">
+                <a16:creationId xmlns:a16="http://schemas.microsoft.com/office/drawing/2014/main" id="{2BA56F1A-40EA-9AE3-5331-B0314DE442A1}"/>
+              </a:ext>
+            </a:extLst>
+          </p:cNvPr>
+          <p:cNvSpPr txBox="1"/>
+          <p:nvPr/>
+        </p:nvSpPr>
+        <p:spPr>
+          <a:xfrm>
+            <a:off x="3471334" y="4291569"/>
+            <a:ext cx="1905000" cy="369332"/>
+          </a:xfrm>
+          <a:prstGeom prst="rect">
+            <a:avLst/>
+          </a:prstGeom>
+          <a:noFill/>
+          <a:ln>
+            <a:solidFill>
+              <a:srgbClr val="92D050"/>
+            </a:solidFill>
+          </a:ln>
+        </p:spPr>
+        <p:txBody>
+          <a:bodyPr wrap="square" rtlCol="0">
+            <a:spAutoFit/>
+          </a:bodyPr>
+          <a:lstStyle/>
+          <a:p>
+            <a:pPr algn="ctr"/>
+            <a:r>
+              <a:rPr lang="en-IN" b="1" dirty="0"/>
+              <a:t>50ms</a:t>
+            </a:r>
+          </a:p>
+        </p:txBody>
+      </p:sp>
+      <p:sp>
+        <p:nvSpPr>
+          <p:cNvPr id="15" name="TextBox 14">
+            <a:extLst>
+              <a:ext uri="{FF2B5EF4-FFF2-40B4-BE49-F238E27FC236}">
+                <a16:creationId xmlns:a16="http://schemas.microsoft.com/office/drawing/2014/main" id="{CA0B6928-12A0-C0EE-5B47-2FEFCB1354EC}"/>
+              </a:ext>
+            </a:extLst>
+          </p:cNvPr>
+          <p:cNvSpPr txBox="1"/>
+          <p:nvPr/>
+        </p:nvSpPr>
+        <p:spPr>
+          <a:xfrm>
+            <a:off x="279400" y="3918634"/>
+            <a:ext cx="2463800" cy="646331"/>
+          </a:xfrm>
+          <a:prstGeom prst="rect">
+            <a:avLst/>
+          </a:prstGeom>
+          <a:noFill/>
+          <a:ln>
+            <a:solidFill>
+              <a:srgbClr val="FF0000"/>
+            </a:solidFill>
+          </a:ln>
+        </p:spPr>
+        <p:txBody>
+          <a:bodyPr wrap="square" rtlCol="0">
+            <a:spAutoFit/>
+          </a:bodyPr>
+          <a:lstStyle/>
+          <a:p>
+            <a:pPr algn="ctr"/>
+            <a:r>
+              <a:rPr lang="en-IN" b="1" dirty="0"/>
+              <a:t>Wait for Responses from Both Services</a:t>
+            </a:r>
+          </a:p>
+        </p:txBody>
+      </p:sp>
+      <p:sp>
+        <p:nvSpPr>
+          <p:cNvPr id="16" name="TextBox 15">
+            <a:extLst>
+              <a:ext uri="{FF2B5EF4-FFF2-40B4-BE49-F238E27FC236}">
+                <a16:creationId xmlns:a16="http://schemas.microsoft.com/office/drawing/2014/main" id="{84AA4E14-5D27-CF94-579A-F6D71DC041CC}"/>
+              </a:ext>
+            </a:extLst>
+          </p:cNvPr>
+          <p:cNvSpPr txBox="1"/>
+          <p:nvPr/>
+        </p:nvSpPr>
+        <p:spPr>
+          <a:xfrm>
+            <a:off x="50800" y="4728170"/>
+            <a:ext cx="3869267" cy="923330"/>
+          </a:xfrm>
+          <a:prstGeom prst="rect">
+            <a:avLst/>
+          </a:prstGeom>
+          <a:noFill/>
+          <a:ln>
+            <a:solidFill>
+              <a:srgbClr val="FF0000"/>
+            </a:solidFill>
+          </a:ln>
+        </p:spPr>
+        <p:txBody>
+          <a:bodyPr wrap="square" rtlCol="0">
+            <a:spAutoFit/>
+          </a:bodyPr>
+          <a:lstStyle/>
+          <a:p>
+            <a:pPr algn="ctr"/>
+            <a:r>
+              <a:rPr lang="en-IN" b="1" dirty="0"/>
+              <a:t>Show Data on UI by Combining / Filtering Some data received from Services</a:t>
+            </a:r>
+          </a:p>
+        </p:txBody>
+      </p:sp>
+      <p:graphicFrame>
+        <p:nvGraphicFramePr>
+          <p:cNvPr id="17" name="Table 16">
+            <a:extLst>
+              <a:ext uri="{FF2B5EF4-FFF2-40B4-BE49-F238E27FC236}">
+                <a16:creationId xmlns:a16="http://schemas.microsoft.com/office/drawing/2014/main" id="{8268F8EB-7408-CE65-D4F9-58300E6ADF3F}"/>
+              </a:ext>
+            </a:extLst>
+          </p:cNvPr>
+          <p:cNvGraphicFramePr>
+            <a:graphicFrameLocks noGrp="1"/>
+          </p:cNvGraphicFramePr>
+          <p:nvPr>
+            <p:extLst>
+              <p:ext uri="{D42A27DB-BD31-4B8C-83A1-F6EECF244321}">
+                <p14:modId xmlns:p14="http://schemas.microsoft.com/office/powerpoint/2010/main" val="3167319546"/>
+              </p:ext>
+            </p:extLst>
+          </p:nvPr>
+        </p:nvGraphicFramePr>
+        <p:xfrm>
+          <a:off x="8250767" y="1834261"/>
+          <a:ext cx="3479800" cy="741680"/>
+        </p:xfrm>
+        <a:graphic>
+          <a:graphicData uri="http://schemas.openxmlformats.org/drawingml/2006/table">
+            <a:tbl>
+              <a:tblPr firstRow="1" bandRow="1">
+                <a:tableStyleId>{5C22544A-7EE6-4342-B048-85BDC9FD1C3A}</a:tableStyleId>
+              </a:tblPr>
+              <a:tblGrid>
+                <a:gridCol w="869950">
+                  <a:extLst>
+                    <a:ext uri="{9D8B030D-6E8A-4147-A177-3AD203B41FA5}">
+                      <a16:colId xmlns:a16="http://schemas.microsoft.com/office/drawing/2014/main" val="2558037669"/>
+                    </a:ext>
+                  </a:extLst>
+                </a:gridCol>
+                <a:gridCol w="869950">
+                  <a:extLst>
+                    <a:ext uri="{9D8B030D-6E8A-4147-A177-3AD203B41FA5}">
+                      <a16:colId xmlns:a16="http://schemas.microsoft.com/office/drawing/2014/main" val="3269988750"/>
+                    </a:ext>
+                  </a:extLst>
+                </a:gridCol>
+                <a:gridCol w="869950">
+                  <a:extLst>
+                    <a:ext uri="{9D8B030D-6E8A-4147-A177-3AD203B41FA5}">
+                      <a16:colId xmlns:a16="http://schemas.microsoft.com/office/drawing/2014/main" val="3364653469"/>
+                    </a:ext>
+                  </a:extLst>
+                </a:gridCol>
+                <a:gridCol w="869950">
+                  <a:extLst>
+                    <a:ext uri="{9D8B030D-6E8A-4147-A177-3AD203B41FA5}">
+                      <a16:colId xmlns:a16="http://schemas.microsoft.com/office/drawing/2014/main" val="885587627"/>
+                    </a:ext>
+                  </a:extLst>
+                </a:gridCol>
+              </a:tblGrid>
+              <a:tr h="370840">
+                <a:tc>
+                  <a:txBody>
+                    <a:bodyPr/>
+                    <a:lstStyle/>
+                    <a:p>
+                      <a:r>
+                        <a:rPr lang="en-IN" sz="1100" dirty="0" err="1"/>
+                        <a:t>CatUId</a:t>
+                      </a:r>
+                      <a:endParaRPr lang="en-IN" sz="1100" dirty="0"/>
+                    </a:p>
+                  </a:txBody>
+                  <a:tcPr/>
+                </a:tc>
+                <a:tc>
+                  <a:txBody>
+                    <a:bodyPr/>
+                    <a:lstStyle/>
+                    <a:p>
+                      <a:r>
+                        <a:rPr lang="en-IN" sz="1100" dirty="0" err="1"/>
+                        <a:t>CatId</a:t>
+                      </a:r>
+                      <a:endParaRPr lang="en-IN" sz="1100" dirty="0"/>
+                    </a:p>
+                  </a:txBody>
+                  <a:tcPr/>
+                </a:tc>
+                <a:tc>
+                  <a:txBody>
+                    <a:bodyPr/>
+                    <a:lstStyle/>
+                    <a:p>
+                      <a:r>
+                        <a:rPr lang="en-IN" sz="1100" dirty="0" err="1"/>
+                        <a:t>CatName</a:t>
+                      </a:r>
+                      <a:endParaRPr lang="en-IN" sz="1100" dirty="0"/>
+                    </a:p>
+                  </a:txBody>
+                  <a:tcPr/>
+                </a:tc>
+                <a:tc>
+                  <a:txBody>
+                    <a:bodyPr/>
+                    <a:lstStyle/>
+                    <a:p>
+                      <a:r>
+                        <a:rPr lang="en-IN" sz="1100" dirty="0" err="1"/>
+                        <a:t>BasePrice</a:t>
+                      </a:r>
+                      <a:endParaRPr lang="en-IN" sz="1100" dirty="0"/>
+                    </a:p>
+                  </a:txBody>
+                  <a:tcPr/>
+                </a:tc>
+                <a:extLst>
+                  <a:ext uri="{0D108BD9-81ED-4DB2-BD59-A6C34878D82A}">
+                    <a16:rowId xmlns:a16="http://schemas.microsoft.com/office/drawing/2014/main" val="3170333920"/>
+                  </a:ext>
+                </a:extLst>
+              </a:tr>
+              <a:tr h="370840">
+                <a:tc>
+                  <a:txBody>
+                    <a:bodyPr/>
+                    <a:lstStyle/>
+                    <a:p>
+                      <a:endParaRPr lang="en-IN" sz="1100"/>
+                    </a:p>
+                  </a:txBody>
+                  <a:tcPr/>
+                </a:tc>
+                <a:tc>
+                  <a:txBody>
+                    <a:bodyPr/>
+                    <a:lstStyle/>
+                    <a:p>
+                      <a:endParaRPr lang="en-IN" sz="1100"/>
+                    </a:p>
+                  </a:txBody>
+                  <a:tcPr/>
+                </a:tc>
+                <a:tc>
+                  <a:txBody>
+                    <a:bodyPr/>
+                    <a:lstStyle/>
+                    <a:p>
+                      <a:endParaRPr lang="en-IN" sz="1100"/>
+                    </a:p>
+                  </a:txBody>
+                  <a:tcPr/>
+                </a:tc>
+                <a:tc>
+                  <a:txBody>
+                    <a:bodyPr/>
+                    <a:lstStyle/>
+                    <a:p>
+                      <a:endParaRPr lang="en-IN" sz="1100" dirty="0"/>
+                    </a:p>
+                  </a:txBody>
+                  <a:tcPr/>
+                </a:tc>
+                <a:extLst>
+                  <a:ext uri="{0D108BD9-81ED-4DB2-BD59-A6C34878D82A}">
+                    <a16:rowId xmlns:a16="http://schemas.microsoft.com/office/drawing/2014/main" val="1289448557"/>
+                  </a:ext>
+                </a:extLst>
+              </a:tr>
+            </a:tbl>
+          </a:graphicData>
+        </a:graphic>
+      </p:graphicFrame>
+      <p:graphicFrame>
+        <p:nvGraphicFramePr>
+          <p:cNvPr id="19" name="Table 18">
+            <a:extLst>
+              <a:ext uri="{FF2B5EF4-FFF2-40B4-BE49-F238E27FC236}">
+                <a16:creationId xmlns:a16="http://schemas.microsoft.com/office/drawing/2014/main" id="{BC86ABD4-1EE7-C93B-C115-7A195C980232}"/>
+              </a:ext>
+            </a:extLst>
+          </p:cNvPr>
+          <p:cNvGraphicFramePr>
+            <a:graphicFrameLocks noGrp="1"/>
+          </p:cNvGraphicFramePr>
+          <p:nvPr>
+            <p:extLst>
+              <p:ext uri="{D42A27DB-BD31-4B8C-83A1-F6EECF244321}">
+                <p14:modId xmlns:p14="http://schemas.microsoft.com/office/powerpoint/2010/main" val="2489910297"/>
+              </p:ext>
+            </p:extLst>
+          </p:nvPr>
+        </p:nvGraphicFramePr>
+        <p:xfrm>
+          <a:off x="6900332" y="3842369"/>
+          <a:ext cx="5012268" cy="741680"/>
+        </p:xfrm>
+        <a:graphic>
+          <a:graphicData uri="http://schemas.openxmlformats.org/drawingml/2006/table">
+            <a:tbl>
+              <a:tblPr firstRow="1" bandRow="1">
+                <a:tableStyleId>{5C22544A-7EE6-4342-B048-85BDC9FD1C3A}</a:tableStyleId>
+              </a:tblPr>
+              <a:tblGrid>
+                <a:gridCol w="835378">
+                  <a:extLst>
+                    <a:ext uri="{9D8B030D-6E8A-4147-A177-3AD203B41FA5}">
+                      <a16:colId xmlns:a16="http://schemas.microsoft.com/office/drawing/2014/main" val="2038048161"/>
+                    </a:ext>
+                  </a:extLst>
+                </a:gridCol>
+                <a:gridCol w="835378">
+                  <a:extLst>
+                    <a:ext uri="{9D8B030D-6E8A-4147-A177-3AD203B41FA5}">
+                      <a16:colId xmlns:a16="http://schemas.microsoft.com/office/drawing/2014/main" val="1737020519"/>
+                    </a:ext>
+                  </a:extLst>
+                </a:gridCol>
+                <a:gridCol w="835378">
+                  <a:extLst>
+                    <a:ext uri="{9D8B030D-6E8A-4147-A177-3AD203B41FA5}">
+                      <a16:colId xmlns:a16="http://schemas.microsoft.com/office/drawing/2014/main" val="1816542944"/>
+                    </a:ext>
+                  </a:extLst>
+                </a:gridCol>
+                <a:gridCol w="835378">
+                  <a:extLst>
+                    <a:ext uri="{9D8B030D-6E8A-4147-A177-3AD203B41FA5}">
+                      <a16:colId xmlns:a16="http://schemas.microsoft.com/office/drawing/2014/main" val="30759365"/>
+                    </a:ext>
+                  </a:extLst>
+                </a:gridCol>
+                <a:gridCol w="835378">
+                  <a:extLst>
+                    <a:ext uri="{9D8B030D-6E8A-4147-A177-3AD203B41FA5}">
+                      <a16:colId xmlns:a16="http://schemas.microsoft.com/office/drawing/2014/main" val="39951074"/>
+                    </a:ext>
+                  </a:extLst>
+                </a:gridCol>
+                <a:gridCol w="835378">
+                  <a:extLst>
+                    <a:ext uri="{9D8B030D-6E8A-4147-A177-3AD203B41FA5}">
+                      <a16:colId xmlns:a16="http://schemas.microsoft.com/office/drawing/2014/main" val="2742613910"/>
+                    </a:ext>
+                  </a:extLst>
+                </a:gridCol>
+              </a:tblGrid>
+              <a:tr h="370840">
+                <a:tc>
+                  <a:txBody>
+                    <a:bodyPr/>
+                    <a:lstStyle/>
+                    <a:p>
+                      <a:r>
+                        <a:rPr lang="en-IN" sz="1100" dirty="0" err="1"/>
+                        <a:t>PUId</a:t>
+                      </a:r>
+                      <a:endParaRPr lang="en-IN" sz="1100" dirty="0"/>
+                    </a:p>
+                  </a:txBody>
+                  <a:tcPr/>
+                </a:tc>
+                <a:tc>
+                  <a:txBody>
+                    <a:bodyPr/>
+                    <a:lstStyle/>
+                    <a:p>
+                      <a:r>
+                        <a:rPr lang="en-IN" sz="1100" dirty="0" err="1"/>
+                        <a:t>Pid</a:t>
+                      </a:r>
+                      <a:endParaRPr lang="en-IN" sz="1100" dirty="0"/>
+                    </a:p>
+                  </a:txBody>
+                  <a:tcPr/>
+                </a:tc>
+                <a:tc>
+                  <a:txBody>
+                    <a:bodyPr/>
+                    <a:lstStyle/>
+                    <a:p>
+                      <a:r>
+                        <a:rPr lang="en-IN" sz="1100" dirty="0" err="1"/>
+                        <a:t>Pname</a:t>
+                      </a:r>
+                      <a:endParaRPr lang="en-IN" sz="1100" dirty="0"/>
+                    </a:p>
+                  </a:txBody>
+                  <a:tcPr/>
+                </a:tc>
+                <a:tc>
+                  <a:txBody>
+                    <a:bodyPr/>
+                    <a:lstStyle/>
+                    <a:p>
+                      <a:r>
+                        <a:rPr lang="en-IN" sz="1100" dirty="0"/>
+                        <a:t>Man</a:t>
+                      </a:r>
+                    </a:p>
+                  </a:txBody>
+                  <a:tcPr/>
+                </a:tc>
+                <a:tc>
+                  <a:txBody>
+                    <a:bodyPr/>
+                    <a:lstStyle/>
+                    <a:p>
+                      <a:r>
+                        <a:rPr lang="en-IN" sz="1100" dirty="0" err="1"/>
+                        <a:t>Desc</a:t>
+                      </a:r>
+                      <a:endParaRPr lang="en-IN" sz="1100" dirty="0"/>
+                    </a:p>
+                  </a:txBody>
+                  <a:tcPr/>
+                </a:tc>
+                <a:tc>
+                  <a:txBody>
+                    <a:bodyPr/>
+                    <a:lstStyle/>
+                    <a:p>
+                      <a:r>
+                        <a:rPr lang="en-IN" sz="1100" dirty="0"/>
+                        <a:t>Price</a:t>
+                      </a:r>
+                    </a:p>
+                  </a:txBody>
+                  <a:tcPr/>
+                </a:tc>
+                <a:extLst>
+                  <a:ext uri="{0D108BD9-81ED-4DB2-BD59-A6C34878D82A}">
+                    <a16:rowId xmlns:a16="http://schemas.microsoft.com/office/drawing/2014/main" val="3513027049"/>
+                  </a:ext>
+                </a:extLst>
+              </a:tr>
+              <a:tr h="370840">
+                <a:tc>
+                  <a:txBody>
+                    <a:bodyPr/>
+                    <a:lstStyle/>
+                    <a:p>
+                      <a:endParaRPr lang="en-IN" sz="1100" dirty="0"/>
+                    </a:p>
+                  </a:txBody>
+                  <a:tcPr/>
+                </a:tc>
+                <a:tc>
+                  <a:txBody>
+                    <a:bodyPr/>
+                    <a:lstStyle/>
+                    <a:p>
+                      <a:endParaRPr lang="en-IN" sz="1100" dirty="0"/>
+                    </a:p>
+                  </a:txBody>
+                  <a:tcPr/>
+                </a:tc>
+                <a:tc>
+                  <a:txBody>
+                    <a:bodyPr/>
+                    <a:lstStyle/>
+                    <a:p>
+                      <a:endParaRPr lang="en-IN" sz="1100" dirty="0"/>
+                    </a:p>
+                  </a:txBody>
+                  <a:tcPr/>
+                </a:tc>
+                <a:tc>
+                  <a:txBody>
+                    <a:bodyPr/>
+                    <a:lstStyle/>
+                    <a:p>
+                      <a:endParaRPr lang="en-IN" sz="1100" dirty="0"/>
+                    </a:p>
+                  </a:txBody>
+                  <a:tcPr/>
+                </a:tc>
+                <a:tc>
+                  <a:txBody>
+                    <a:bodyPr/>
+                    <a:lstStyle/>
+                    <a:p>
+                      <a:endParaRPr lang="en-IN" sz="1100" dirty="0"/>
+                    </a:p>
+                  </a:txBody>
+                  <a:tcPr/>
+                </a:tc>
+                <a:tc>
+                  <a:txBody>
+                    <a:bodyPr/>
+                    <a:lstStyle/>
+                    <a:p>
+                      <a:endParaRPr lang="en-IN" sz="1100" dirty="0"/>
+                    </a:p>
+                  </a:txBody>
+                  <a:tcPr/>
+                </a:tc>
+                <a:extLst>
+                  <a:ext uri="{0D108BD9-81ED-4DB2-BD59-A6C34878D82A}">
+                    <a16:rowId xmlns:a16="http://schemas.microsoft.com/office/drawing/2014/main" val="4209767197"/>
+                  </a:ext>
+                </a:extLst>
+              </a:tr>
+            </a:tbl>
+          </a:graphicData>
+        </a:graphic>
+      </p:graphicFrame>
+      <p:graphicFrame>
+        <p:nvGraphicFramePr>
+          <p:cNvPr id="20" name="Table 19">
+            <a:extLst>
+              <a:ext uri="{FF2B5EF4-FFF2-40B4-BE49-F238E27FC236}">
+                <a16:creationId xmlns:a16="http://schemas.microsoft.com/office/drawing/2014/main" id="{0A0E08BE-B5AC-9A62-DDB6-EE7367496DDA}"/>
+              </a:ext>
+            </a:extLst>
+          </p:cNvPr>
+          <p:cNvGraphicFramePr>
+            <a:graphicFrameLocks noGrp="1"/>
+          </p:cNvGraphicFramePr>
+          <p:nvPr>
+            <p:extLst>
+              <p:ext uri="{D42A27DB-BD31-4B8C-83A1-F6EECF244321}">
+                <p14:modId xmlns:p14="http://schemas.microsoft.com/office/powerpoint/2010/main" val="2338987940"/>
+              </p:ext>
+            </p:extLst>
+          </p:nvPr>
+        </p:nvGraphicFramePr>
+        <p:xfrm>
+          <a:off x="304800" y="5944001"/>
+          <a:ext cx="5376336" cy="741680"/>
+        </p:xfrm>
+        <a:graphic>
+          <a:graphicData uri="http://schemas.openxmlformats.org/drawingml/2006/table">
+            <a:tbl>
+              <a:tblPr firstRow="1" bandRow="1">
+                <a:tableStyleId>{5C22544A-7EE6-4342-B048-85BDC9FD1C3A}</a:tableStyleId>
+              </a:tblPr>
+              <a:tblGrid>
+                <a:gridCol w="768048">
+                  <a:extLst>
+                    <a:ext uri="{9D8B030D-6E8A-4147-A177-3AD203B41FA5}">
+                      <a16:colId xmlns:a16="http://schemas.microsoft.com/office/drawing/2014/main" val="667504085"/>
+                    </a:ext>
+                  </a:extLst>
+                </a:gridCol>
+                <a:gridCol w="768048">
+                  <a:extLst>
+                    <a:ext uri="{9D8B030D-6E8A-4147-A177-3AD203B41FA5}">
+                      <a16:colId xmlns:a16="http://schemas.microsoft.com/office/drawing/2014/main" val="546835154"/>
+                    </a:ext>
+                  </a:extLst>
+                </a:gridCol>
+                <a:gridCol w="768048">
+                  <a:extLst>
+                    <a:ext uri="{9D8B030D-6E8A-4147-A177-3AD203B41FA5}">
+                      <a16:colId xmlns:a16="http://schemas.microsoft.com/office/drawing/2014/main" val="633432647"/>
+                    </a:ext>
+                  </a:extLst>
+                </a:gridCol>
+                <a:gridCol w="768048">
+                  <a:extLst>
+                    <a:ext uri="{9D8B030D-6E8A-4147-A177-3AD203B41FA5}">
+                      <a16:colId xmlns:a16="http://schemas.microsoft.com/office/drawing/2014/main" val="3847728744"/>
+                    </a:ext>
+                  </a:extLst>
+                </a:gridCol>
+                <a:gridCol w="768048">
+                  <a:extLst>
+                    <a:ext uri="{9D8B030D-6E8A-4147-A177-3AD203B41FA5}">
+                      <a16:colId xmlns:a16="http://schemas.microsoft.com/office/drawing/2014/main" val="47257647"/>
+                    </a:ext>
+                  </a:extLst>
+                </a:gridCol>
+                <a:gridCol w="768048">
+                  <a:extLst>
+                    <a:ext uri="{9D8B030D-6E8A-4147-A177-3AD203B41FA5}">
+                      <a16:colId xmlns:a16="http://schemas.microsoft.com/office/drawing/2014/main" val="2703177256"/>
+                    </a:ext>
+                  </a:extLst>
+                </a:gridCol>
+                <a:gridCol w="768048">
+                  <a:extLst>
+                    <a:ext uri="{9D8B030D-6E8A-4147-A177-3AD203B41FA5}">
+                      <a16:colId xmlns:a16="http://schemas.microsoft.com/office/drawing/2014/main" val="218377200"/>
+                    </a:ext>
+                  </a:extLst>
+                </a:gridCol>
+              </a:tblGrid>
+              <a:tr h="370840">
+                <a:tc>
+                  <a:txBody>
+                    <a:bodyPr/>
+                    <a:lstStyle/>
+                    <a:p>
+                      <a:r>
+                        <a:rPr lang="en-IN" sz="1100" dirty="0" err="1"/>
+                        <a:t>CatId</a:t>
+                      </a:r>
+                      <a:endParaRPr lang="en-IN" sz="1100" dirty="0"/>
+                    </a:p>
+                  </a:txBody>
+                  <a:tcPr/>
+                </a:tc>
+                <a:tc>
+                  <a:txBody>
+                    <a:bodyPr/>
+                    <a:lstStyle/>
+                    <a:p>
+                      <a:r>
+                        <a:rPr lang="en-IN" sz="1100" dirty="0" err="1"/>
+                        <a:t>Cname</a:t>
+                      </a:r>
+                      <a:endParaRPr lang="en-IN" sz="1100" dirty="0"/>
+                    </a:p>
+                  </a:txBody>
+                  <a:tcPr/>
+                </a:tc>
+                <a:tc>
+                  <a:txBody>
+                    <a:bodyPr/>
+                    <a:lstStyle/>
+                    <a:p>
+                      <a:r>
+                        <a:rPr lang="en-IN" sz="1100" dirty="0" err="1"/>
+                        <a:t>ProdId</a:t>
+                      </a:r>
+                      <a:endParaRPr lang="en-IN" sz="1100" dirty="0"/>
+                    </a:p>
+                  </a:txBody>
+                  <a:tcPr/>
+                </a:tc>
+                <a:tc>
+                  <a:txBody>
+                    <a:bodyPr/>
+                    <a:lstStyle/>
+                    <a:p>
+                      <a:r>
+                        <a:rPr lang="en-IN" sz="1100" dirty="0" err="1"/>
+                        <a:t>PName</a:t>
+                      </a:r>
+                      <a:endParaRPr lang="en-IN" sz="1100" dirty="0"/>
+                    </a:p>
+                  </a:txBody>
+                  <a:tcPr/>
+                </a:tc>
+                <a:tc>
+                  <a:txBody>
+                    <a:bodyPr/>
+                    <a:lstStyle/>
+                    <a:p>
+                      <a:r>
+                        <a:rPr lang="en-IN" sz="1100" dirty="0"/>
+                        <a:t>Price</a:t>
+                      </a:r>
+                    </a:p>
+                  </a:txBody>
+                  <a:tcPr/>
+                </a:tc>
+                <a:tc>
+                  <a:txBody>
+                    <a:bodyPr/>
+                    <a:lstStyle/>
+                    <a:p>
+                      <a:r>
+                        <a:rPr lang="en-IN" sz="1100" dirty="0"/>
+                        <a:t>Man</a:t>
+                      </a:r>
+                    </a:p>
+                  </a:txBody>
+                  <a:tcPr/>
+                </a:tc>
+                <a:tc>
+                  <a:txBody>
+                    <a:bodyPr/>
+                    <a:lstStyle/>
+                    <a:p>
+                      <a:r>
+                        <a:rPr lang="en-IN" sz="1100" dirty="0"/>
+                        <a:t>Tax</a:t>
+                      </a:r>
+                    </a:p>
+                  </a:txBody>
+                  <a:tcPr/>
+                </a:tc>
+                <a:extLst>
+                  <a:ext uri="{0D108BD9-81ED-4DB2-BD59-A6C34878D82A}">
+                    <a16:rowId xmlns:a16="http://schemas.microsoft.com/office/drawing/2014/main" val="3368585881"/>
+                  </a:ext>
+                </a:extLst>
+              </a:tr>
+              <a:tr h="370840">
+                <a:tc>
+                  <a:txBody>
+                    <a:bodyPr/>
+                    <a:lstStyle/>
+                    <a:p>
+                      <a:endParaRPr lang="en-IN" sz="1100"/>
+                    </a:p>
+                  </a:txBody>
+                  <a:tcPr/>
+                </a:tc>
+                <a:tc>
+                  <a:txBody>
+                    <a:bodyPr/>
+                    <a:lstStyle/>
+                    <a:p>
+                      <a:endParaRPr lang="en-IN" sz="1100"/>
+                    </a:p>
+                  </a:txBody>
+                  <a:tcPr/>
+                </a:tc>
+                <a:tc>
+                  <a:txBody>
+                    <a:bodyPr/>
+                    <a:lstStyle/>
+                    <a:p>
+                      <a:endParaRPr lang="en-IN" sz="1100"/>
+                    </a:p>
+                  </a:txBody>
+                  <a:tcPr/>
+                </a:tc>
+                <a:tc>
+                  <a:txBody>
+                    <a:bodyPr/>
+                    <a:lstStyle/>
+                    <a:p>
+                      <a:endParaRPr lang="en-IN" sz="1100" dirty="0"/>
+                    </a:p>
+                  </a:txBody>
+                  <a:tcPr/>
+                </a:tc>
+                <a:tc>
+                  <a:txBody>
+                    <a:bodyPr/>
+                    <a:lstStyle/>
+                    <a:p>
+                      <a:endParaRPr lang="en-IN" sz="1100"/>
+                    </a:p>
+                  </a:txBody>
+                  <a:tcPr/>
+                </a:tc>
+                <a:tc>
+                  <a:txBody>
+                    <a:bodyPr/>
+                    <a:lstStyle/>
+                    <a:p>
+                      <a:endParaRPr lang="en-IN" sz="1100"/>
+                    </a:p>
+                  </a:txBody>
+                  <a:tcPr/>
+                </a:tc>
+                <a:tc>
+                  <a:txBody>
+                    <a:bodyPr/>
+                    <a:lstStyle/>
+                    <a:p>
+                      <a:endParaRPr lang="en-IN" sz="1100" dirty="0"/>
+                    </a:p>
+                  </a:txBody>
+                  <a:tcPr/>
+                </a:tc>
+                <a:extLst>
+                  <a:ext uri="{0D108BD9-81ED-4DB2-BD59-A6C34878D82A}">
+                    <a16:rowId xmlns:a16="http://schemas.microsoft.com/office/drawing/2014/main" val="3853660331"/>
+                  </a:ext>
+                </a:extLst>
+              </a:tr>
+            </a:tbl>
+          </a:graphicData>
+        </a:graphic>
+      </p:graphicFrame>
+    </p:spTree>
+    <p:extLst>
+      <p:ext uri="{BB962C8B-B14F-4D97-AF65-F5344CB8AC3E}">
+        <p14:creationId xmlns:p14="http://schemas.microsoft.com/office/powerpoint/2010/main" val="1352933190"/>
+      </p:ext>
+    </p:extLst>
+  </p:cSld>
+  <p:clrMapOvr>
+    <a:masterClrMapping/>
+  </p:clrMapOvr>
+</p:sld>
+</file>
+
+<file path=ppt/slides/slide17.xml><?xml version="1.0" encoding="utf-8"?>
+<p:sld xmlns:a="http://schemas.openxmlformats.org/drawingml/2006/main" xmlns:r="http://schemas.openxmlformats.org/officeDocument/2006/relationships" xmlns:p="http://schemas.openxmlformats.org/presentationml/2006/main">
+  <p:cSld>
+    <p:spTree>
+      <p:nvGrpSpPr>
+        <p:cNvPr id="1" name=""/>
+        <p:cNvGrpSpPr/>
+        <p:nvPr/>
+      </p:nvGrpSpPr>
+      <p:grpSpPr>
+        <a:xfrm>
+          <a:off x="0" y="0"/>
+          <a:ext cx="0" cy="0"/>
+          <a:chOff x="0" y="0"/>
+          <a:chExt cx="0" cy="0"/>
+        </a:xfrm>
+      </p:grpSpPr>
+      <p:sp>
+        <p:nvSpPr>
+          <p:cNvPr id="2" name="Rectangle 1">
+            <a:extLst>
+              <a:ext uri="{FF2B5EF4-FFF2-40B4-BE49-F238E27FC236}">
+                <a16:creationId xmlns:a16="http://schemas.microsoft.com/office/drawing/2014/main" id="{F2D3C87D-A990-0176-3E65-D72A8E182DCD}"/>
+              </a:ext>
+            </a:extLst>
+          </p:cNvPr>
+          <p:cNvSpPr/>
+          <p:nvPr/>
+        </p:nvSpPr>
+        <p:spPr>
+          <a:xfrm>
+            <a:off x="304800" y="2175933"/>
+            <a:ext cx="2362200" cy="1473200"/>
+          </a:xfrm>
+          <a:prstGeom prst="rect">
+            <a:avLst/>
+          </a:prstGeom>
+        </p:spPr>
+        <p:style>
+          <a:lnRef idx="2">
+            <a:schemeClr val="accent1">
+              <a:shade val="15000"/>
+            </a:schemeClr>
+          </a:lnRef>
+          <a:fillRef idx="1">
+            <a:schemeClr val="accent1"/>
+          </a:fillRef>
+          <a:effectRef idx="0">
+            <a:schemeClr val="accent1"/>
+          </a:effectRef>
+          <a:fontRef idx="minor">
+            <a:schemeClr val="lt1"/>
+          </a:fontRef>
+        </p:style>
+        <p:txBody>
+          <a:bodyPr rtlCol="0" anchor="ctr"/>
+          <a:lstStyle/>
+          <a:p>
+            <a:pPr algn="ctr"/>
+            <a:r>
+              <a:rPr lang="en-IN" dirty="0"/>
+              <a:t>Angular</a:t>
+            </a:r>
+          </a:p>
+          <a:p>
+            <a:pPr algn="ctr"/>
+            <a:r>
+              <a:rPr lang="en-IN" dirty="0"/>
+              <a:t>Component</a:t>
+            </a:r>
+          </a:p>
+        </p:txBody>
+      </p:sp>
+      <p:sp>
+        <p:nvSpPr>
+          <p:cNvPr id="3" name="Flowchart: Process 2">
+            <a:extLst>
+              <a:ext uri="{FF2B5EF4-FFF2-40B4-BE49-F238E27FC236}">
+                <a16:creationId xmlns:a16="http://schemas.microsoft.com/office/drawing/2014/main" id="{C46E5E9E-E8CB-BE54-72C4-E2FECF8B6466}"/>
+              </a:ext>
+            </a:extLst>
+          </p:cNvPr>
+          <p:cNvSpPr/>
+          <p:nvPr/>
+        </p:nvSpPr>
+        <p:spPr>
+          <a:xfrm>
+            <a:off x="9990667" y="237066"/>
+            <a:ext cx="1557866" cy="1346200"/>
+          </a:xfrm>
+          <a:prstGeom prst="flowChartProcess">
+            <a:avLst/>
+          </a:prstGeom>
+        </p:spPr>
+        <p:style>
+          <a:lnRef idx="2">
+            <a:schemeClr val="accent1">
+              <a:shade val="15000"/>
+            </a:schemeClr>
+          </a:lnRef>
+          <a:fillRef idx="1">
+            <a:schemeClr val="accent1"/>
+          </a:fillRef>
+          <a:effectRef idx="0">
+            <a:schemeClr val="accent1"/>
+          </a:effectRef>
+          <a:fontRef idx="minor">
+            <a:schemeClr val="lt1"/>
+          </a:fontRef>
+        </p:style>
+        <p:txBody>
+          <a:bodyPr rtlCol="0" anchor="ctr"/>
+          <a:lstStyle/>
+          <a:p>
+            <a:pPr algn="ctr"/>
+            <a:r>
+              <a:rPr lang="en-IN" dirty="0"/>
+              <a:t>Category</a:t>
+            </a:r>
+          </a:p>
+        </p:txBody>
+      </p:sp>
+      <p:sp>
+        <p:nvSpPr>
+          <p:cNvPr id="4" name="Flowchart: Process 3">
+            <a:extLst>
+              <a:ext uri="{FF2B5EF4-FFF2-40B4-BE49-F238E27FC236}">
+                <a16:creationId xmlns:a16="http://schemas.microsoft.com/office/drawing/2014/main" id="{5A877171-826B-E850-74AD-AA8D03350009}"/>
+              </a:ext>
+            </a:extLst>
+          </p:cNvPr>
+          <p:cNvSpPr/>
+          <p:nvPr/>
+        </p:nvSpPr>
+        <p:spPr>
+          <a:xfrm>
+            <a:off x="9990667" y="4851400"/>
+            <a:ext cx="1557866" cy="1346200"/>
+          </a:xfrm>
+          <a:prstGeom prst="flowChartProcess">
+            <a:avLst/>
+          </a:prstGeom>
+        </p:spPr>
+        <p:style>
+          <a:lnRef idx="2">
+            <a:schemeClr val="accent1">
+              <a:shade val="15000"/>
+            </a:schemeClr>
+          </a:lnRef>
+          <a:fillRef idx="1">
+            <a:schemeClr val="accent1"/>
+          </a:fillRef>
+          <a:effectRef idx="0">
+            <a:schemeClr val="accent1"/>
+          </a:effectRef>
+          <a:fontRef idx="minor">
+            <a:schemeClr val="lt1"/>
+          </a:fontRef>
+        </p:style>
+        <p:txBody>
+          <a:bodyPr rtlCol="0" anchor="ctr"/>
+          <a:lstStyle/>
+          <a:p>
+            <a:pPr algn="ctr"/>
+            <a:r>
+              <a:rPr lang="en-IN" dirty="0"/>
+              <a:t>Product</a:t>
+            </a:r>
+          </a:p>
+        </p:txBody>
+      </p:sp>
+      <p:sp>
+        <p:nvSpPr>
+          <p:cNvPr id="16" name="TextBox 15">
+            <a:extLst>
+              <a:ext uri="{FF2B5EF4-FFF2-40B4-BE49-F238E27FC236}">
+                <a16:creationId xmlns:a16="http://schemas.microsoft.com/office/drawing/2014/main" id="{84AA4E14-5D27-CF94-579A-F6D71DC041CC}"/>
+              </a:ext>
+            </a:extLst>
+          </p:cNvPr>
+          <p:cNvSpPr txBox="1"/>
+          <p:nvPr/>
+        </p:nvSpPr>
+        <p:spPr>
+          <a:xfrm>
+            <a:off x="50800" y="4728170"/>
+            <a:ext cx="3869267" cy="923330"/>
+          </a:xfrm>
+          <a:prstGeom prst="rect">
+            <a:avLst/>
+          </a:prstGeom>
+          <a:noFill/>
+          <a:ln>
+            <a:solidFill>
+              <a:srgbClr val="FF0000"/>
+            </a:solidFill>
+          </a:ln>
+        </p:spPr>
+        <p:txBody>
+          <a:bodyPr wrap="square" rtlCol="0">
+            <a:spAutoFit/>
+          </a:bodyPr>
+          <a:lstStyle/>
+          <a:p>
+            <a:pPr algn="ctr"/>
+            <a:r>
+              <a:rPr lang="en-IN" b="1" dirty="0"/>
+              <a:t>Show Data on UI by Combining / Filtering Some data received from Services</a:t>
+            </a:r>
+          </a:p>
+        </p:txBody>
+      </p:sp>
+      <p:graphicFrame>
+        <p:nvGraphicFramePr>
+          <p:cNvPr id="17" name="Table 16">
+            <a:extLst>
+              <a:ext uri="{FF2B5EF4-FFF2-40B4-BE49-F238E27FC236}">
+                <a16:creationId xmlns:a16="http://schemas.microsoft.com/office/drawing/2014/main" id="{8268F8EB-7408-CE65-D4F9-58300E6ADF3F}"/>
+              </a:ext>
+            </a:extLst>
+          </p:cNvPr>
+          <p:cNvGraphicFramePr>
+            <a:graphicFrameLocks noGrp="1"/>
+          </p:cNvGraphicFramePr>
+          <p:nvPr>
+            <p:extLst>
+              <p:ext uri="{D42A27DB-BD31-4B8C-83A1-F6EECF244321}">
+                <p14:modId xmlns:p14="http://schemas.microsoft.com/office/powerpoint/2010/main" val="3606843261"/>
+              </p:ext>
+            </p:extLst>
+          </p:nvPr>
+        </p:nvGraphicFramePr>
+        <p:xfrm>
+          <a:off x="8597900" y="1822874"/>
+          <a:ext cx="3479800" cy="741680"/>
+        </p:xfrm>
+        <a:graphic>
+          <a:graphicData uri="http://schemas.openxmlformats.org/drawingml/2006/table">
+            <a:tbl>
+              <a:tblPr firstRow="1" bandRow="1">
+                <a:tableStyleId>{5C22544A-7EE6-4342-B048-85BDC9FD1C3A}</a:tableStyleId>
+              </a:tblPr>
+              <a:tblGrid>
+                <a:gridCol w="869950">
+                  <a:extLst>
+                    <a:ext uri="{9D8B030D-6E8A-4147-A177-3AD203B41FA5}">
+                      <a16:colId xmlns:a16="http://schemas.microsoft.com/office/drawing/2014/main" val="2558037669"/>
+                    </a:ext>
+                  </a:extLst>
+                </a:gridCol>
+                <a:gridCol w="869950">
+                  <a:extLst>
+                    <a:ext uri="{9D8B030D-6E8A-4147-A177-3AD203B41FA5}">
+                      <a16:colId xmlns:a16="http://schemas.microsoft.com/office/drawing/2014/main" val="3269988750"/>
+                    </a:ext>
+                  </a:extLst>
+                </a:gridCol>
+                <a:gridCol w="869950">
+                  <a:extLst>
+                    <a:ext uri="{9D8B030D-6E8A-4147-A177-3AD203B41FA5}">
+                      <a16:colId xmlns:a16="http://schemas.microsoft.com/office/drawing/2014/main" val="3364653469"/>
+                    </a:ext>
+                  </a:extLst>
+                </a:gridCol>
+                <a:gridCol w="869950">
+                  <a:extLst>
+                    <a:ext uri="{9D8B030D-6E8A-4147-A177-3AD203B41FA5}">
+                      <a16:colId xmlns:a16="http://schemas.microsoft.com/office/drawing/2014/main" val="885587627"/>
+                    </a:ext>
+                  </a:extLst>
+                </a:gridCol>
+              </a:tblGrid>
+              <a:tr h="370840">
+                <a:tc>
+                  <a:txBody>
+                    <a:bodyPr/>
+                    <a:lstStyle/>
+                    <a:p>
+                      <a:r>
+                        <a:rPr lang="en-IN" sz="1100" dirty="0" err="1"/>
+                        <a:t>CatUId</a:t>
+                      </a:r>
+                      <a:endParaRPr lang="en-IN" sz="1100" dirty="0"/>
+                    </a:p>
+                  </a:txBody>
+                  <a:tcPr/>
+                </a:tc>
+                <a:tc>
+                  <a:txBody>
+                    <a:bodyPr/>
+                    <a:lstStyle/>
+                    <a:p>
+                      <a:r>
+                        <a:rPr lang="en-IN" sz="1100" dirty="0" err="1"/>
+                        <a:t>CatId</a:t>
+                      </a:r>
+                      <a:endParaRPr lang="en-IN" sz="1100" dirty="0"/>
+                    </a:p>
+                  </a:txBody>
+                  <a:tcPr/>
+                </a:tc>
+                <a:tc>
+                  <a:txBody>
+                    <a:bodyPr/>
+                    <a:lstStyle/>
+                    <a:p>
+                      <a:r>
+                        <a:rPr lang="en-IN" sz="1100" dirty="0" err="1"/>
+                        <a:t>CatName</a:t>
+                      </a:r>
+                      <a:endParaRPr lang="en-IN" sz="1100" dirty="0"/>
+                    </a:p>
+                  </a:txBody>
+                  <a:tcPr/>
+                </a:tc>
+                <a:tc>
+                  <a:txBody>
+                    <a:bodyPr/>
+                    <a:lstStyle/>
+                    <a:p>
+                      <a:r>
+                        <a:rPr lang="en-IN" sz="1100" dirty="0" err="1"/>
+                        <a:t>BasePrice</a:t>
+                      </a:r>
+                      <a:endParaRPr lang="en-IN" sz="1100" dirty="0"/>
+                    </a:p>
+                  </a:txBody>
+                  <a:tcPr/>
+                </a:tc>
+                <a:extLst>
+                  <a:ext uri="{0D108BD9-81ED-4DB2-BD59-A6C34878D82A}">
+                    <a16:rowId xmlns:a16="http://schemas.microsoft.com/office/drawing/2014/main" val="3170333920"/>
+                  </a:ext>
+                </a:extLst>
+              </a:tr>
+              <a:tr h="370840">
+                <a:tc>
+                  <a:txBody>
+                    <a:bodyPr/>
+                    <a:lstStyle/>
+                    <a:p>
+                      <a:endParaRPr lang="en-IN" sz="1100"/>
+                    </a:p>
+                  </a:txBody>
+                  <a:tcPr/>
+                </a:tc>
+                <a:tc>
+                  <a:txBody>
+                    <a:bodyPr/>
+                    <a:lstStyle/>
+                    <a:p>
+                      <a:endParaRPr lang="en-IN" sz="1100"/>
+                    </a:p>
+                  </a:txBody>
+                  <a:tcPr/>
+                </a:tc>
+                <a:tc>
+                  <a:txBody>
+                    <a:bodyPr/>
+                    <a:lstStyle/>
+                    <a:p>
+                      <a:endParaRPr lang="en-IN" sz="1100"/>
+                    </a:p>
+                  </a:txBody>
+                  <a:tcPr/>
+                </a:tc>
+                <a:tc>
+                  <a:txBody>
+                    <a:bodyPr/>
+                    <a:lstStyle/>
+                    <a:p>
+                      <a:endParaRPr lang="en-IN" sz="1100" dirty="0"/>
+                    </a:p>
+                  </a:txBody>
+                  <a:tcPr/>
+                </a:tc>
+                <a:extLst>
+                  <a:ext uri="{0D108BD9-81ED-4DB2-BD59-A6C34878D82A}">
+                    <a16:rowId xmlns:a16="http://schemas.microsoft.com/office/drawing/2014/main" val="1289448557"/>
+                  </a:ext>
+                </a:extLst>
+              </a:tr>
+            </a:tbl>
+          </a:graphicData>
+        </a:graphic>
+      </p:graphicFrame>
+      <p:graphicFrame>
+        <p:nvGraphicFramePr>
+          <p:cNvPr id="19" name="Table 18">
+            <a:extLst>
+              <a:ext uri="{FF2B5EF4-FFF2-40B4-BE49-F238E27FC236}">
+                <a16:creationId xmlns:a16="http://schemas.microsoft.com/office/drawing/2014/main" id="{BC86ABD4-1EE7-C93B-C115-7A195C980232}"/>
+              </a:ext>
+            </a:extLst>
+          </p:cNvPr>
+          <p:cNvGraphicFramePr>
+            <a:graphicFrameLocks noGrp="1"/>
+          </p:cNvGraphicFramePr>
+          <p:nvPr/>
+        </p:nvGraphicFramePr>
+        <p:xfrm>
+          <a:off x="6900332" y="3842369"/>
+          <a:ext cx="5012268" cy="741680"/>
+        </p:xfrm>
+        <a:graphic>
+          <a:graphicData uri="http://schemas.openxmlformats.org/drawingml/2006/table">
+            <a:tbl>
+              <a:tblPr firstRow="1" bandRow="1">
+                <a:tableStyleId>{5C22544A-7EE6-4342-B048-85BDC9FD1C3A}</a:tableStyleId>
+              </a:tblPr>
+              <a:tblGrid>
+                <a:gridCol w="835378">
+                  <a:extLst>
+                    <a:ext uri="{9D8B030D-6E8A-4147-A177-3AD203B41FA5}">
+                      <a16:colId xmlns:a16="http://schemas.microsoft.com/office/drawing/2014/main" val="2038048161"/>
+                    </a:ext>
+                  </a:extLst>
+                </a:gridCol>
+                <a:gridCol w="835378">
+                  <a:extLst>
+                    <a:ext uri="{9D8B030D-6E8A-4147-A177-3AD203B41FA5}">
+                      <a16:colId xmlns:a16="http://schemas.microsoft.com/office/drawing/2014/main" val="1737020519"/>
+                    </a:ext>
+                  </a:extLst>
+                </a:gridCol>
+                <a:gridCol w="835378">
+                  <a:extLst>
+                    <a:ext uri="{9D8B030D-6E8A-4147-A177-3AD203B41FA5}">
+                      <a16:colId xmlns:a16="http://schemas.microsoft.com/office/drawing/2014/main" val="1816542944"/>
+                    </a:ext>
+                  </a:extLst>
+                </a:gridCol>
+                <a:gridCol w="835378">
+                  <a:extLst>
+                    <a:ext uri="{9D8B030D-6E8A-4147-A177-3AD203B41FA5}">
+                      <a16:colId xmlns:a16="http://schemas.microsoft.com/office/drawing/2014/main" val="30759365"/>
+                    </a:ext>
+                  </a:extLst>
+                </a:gridCol>
+                <a:gridCol w="835378">
+                  <a:extLst>
+                    <a:ext uri="{9D8B030D-6E8A-4147-A177-3AD203B41FA5}">
+                      <a16:colId xmlns:a16="http://schemas.microsoft.com/office/drawing/2014/main" val="39951074"/>
+                    </a:ext>
+                  </a:extLst>
+                </a:gridCol>
+                <a:gridCol w="835378">
+                  <a:extLst>
+                    <a:ext uri="{9D8B030D-6E8A-4147-A177-3AD203B41FA5}">
+                      <a16:colId xmlns:a16="http://schemas.microsoft.com/office/drawing/2014/main" val="2742613910"/>
+                    </a:ext>
+                  </a:extLst>
+                </a:gridCol>
+              </a:tblGrid>
+              <a:tr h="370840">
+                <a:tc>
+                  <a:txBody>
+                    <a:bodyPr/>
+                    <a:lstStyle/>
+                    <a:p>
+                      <a:r>
+                        <a:rPr lang="en-IN" sz="1100" dirty="0" err="1"/>
+                        <a:t>PUId</a:t>
+                      </a:r>
+                      <a:endParaRPr lang="en-IN" sz="1100" dirty="0"/>
+                    </a:p>
+                  </a:txBody>
+                  <a:tcPr/>
+                </a:tc>
+                <a:tc>
+                  <a:txBody>
+                    <a:bodyPr/>
+                    <a:lstStyle/>
+                    <a:p>
+                      <a:r>
+                        <a:rPr lang="en-IN" sz="1100" dirty="0" err="1"/>
+                        <a:t>Pid</a:t>
+                      </a:r>
+                      <a:endParaRPr lang="en-IN" sz="1100" dirty="0"/>
+                    </a:p>
+                  </a:txBody>
+                  <a:tcPr/>
+                </a:tc>
+                <a:tc>
+                  <a:txBody>
+                    <a:bodyPr/>
+                    <a:lstStyle/>
+                    <a:p>
+                      <a:r>
+                        <a:rPr lang="en-IN" sz="1100" dirty="0" err="1"/>
+                        <a:t>Pname</a:t>
+                      </a:r>
+                      <a:endParaRPr lang="en-IN" sz="1100" dirty="0"/>
+                    </a:p>
+                  </a:txBody>
+                  <a:tcPr/>
+                </a:tc>
+                <a:tc>
+                  <a:txBody>
+                    <a:bodyPr/>
+                    <a:lstStyle/>
+                    <a:p>
+                      <a:r>
+                        <a:rPr lang="en-IN" sz="1100" dirty="0"/>
+                        <a:t>Man</a:t>
+                      </a:r>
+                    </a:p>
+                  </a:txBody>
+                  <a:tcPr/>
+                </a:tc>
+                <a:tc>
+                  <a:txBody>
+                    <a:bodyPr/>
+                    <a:lstStyle/>
+                    <a:p>
+                      <a:r>
+                        <a:rPr lang="en-IN" sz="1100" dirty="0" err="1"/>
+                        <a:t>Desc</a:t>
+                      </a:r>
+                      <a:endParaRPr lang="en-IN" sz="1100" dirty="0"/>
+                    </a:p>
+                  </a:txBody>
+                  <a:tcPr/>
+                </a:tc>
+                <a:tc>
+                  <a:txBody>
+                    <a:bodyPr/>
+                    <a:lstStyle/>
+                    <a:p>
+                      <a:r>
+                        <a:rPr lang="en-IN" sz="1100" dirty="0"/>
+                        <a:t>Price</a:t>
+                      </a:r>
+                    </a:p>
+                  </a:txBody>
+                  <a:tcPr/>
+                </a:tc>
+                <a:extLst>
+                  <a:ext uri="{0D108BD9-81ED-4DB2-BD59-A6C34878D82A}">
+                    <a16:rowId xmlns:a16="http://schemas.microsoft.com/office/drawing/2014/main" val="3513027049"/>
+                  </a:ext>
+                </a:extLst>
+              </a:tr>
+              <a:tr h="370840">
+                <a:tc>
+                  <a:txBody>
+                    <a:bodyPr/>
+                    <a:lstStyle/>
+                    <a:p>
+                      <a:endParaRPr lang="en-IN" sz="1100" dirty="0"/>
+                    </a:p>
+                  </a:txBody>
+                  <a:tcPr/>
+                </a:tc>
+                <a:tc>
+                  <a:txBody>
+                    <a:bodyPr/>
+                    <a:lstStyle/>
+                    <a:p>
+                      <a:endParaRPr lang="en-IN" sz="1100" dirty="0"/>
+                    </a:p>
+                  </a:txBody>
+                  <a:tcPr/>
+                </a:tc>
+                <a:tc>
+                  <a:txBody>
+                    <a:bodyPr/>
+                    <a:lstStyle/>
+                    <a:p>
+                      <a:endParaRPr lang="en-IN" sz="1100" dirty="0"/>
+                    </a:p>
+                  </a:txBody>
+                  <a:tcPr/>
+                </a:tc>
+                <a:tc>
+                  <a:txBody>
+                    <a:bodyPr/>
+                    <a:lstStyle/>
+                    <a:p>
+                      <a:endParaRPr lang="en-IN" sz="1100" dirty="0"/>
+                    </a:p>
+                  </a:txBody>
+                  <a:tcPr/>
+                </a:tc>
+                <a:tc>
+                  <a:txBody>
+                    <a:bodyPr/>
+                    <a:lstStyle/>
+                    <a:p>
+                      <a:endParaRPr lang="en-IN" sz="1100" dirty="0"/>
+                    </a:p>
+                  </a:txBody>
+                  <a:tcPr/>
+                </a:tc>
+                <a:tc>
+                  <a:txBody>
+                    <a:bodyPr/>
+                    <a:lstStyle/>
+                    <a:p>
+                      <a:endParaRPr lang="en-IN" sz="1100" dirty="0"/>
+                    </a:p>
+                  </a:txBody>
+                  <a:tcPr/>
+                </a:tc>
+                <a:extLst>
+                  <a:ext uri="{0D108BD9-81ED-4DB2-BD59-A6C34878D82A}">
+                    <a16:rowId xmlns:a16="http://schemas.microsoft.com/office/drawing/2014/main" val="4209767197"/>
+                  </a:ext>
+                </a:extLst>
+              </a:tr>
+            </a:tbl>
+          </a:graphicData>
+        </a:graphic>
+      </p:graphicFrame>
+      <p:graphicFrame>
+        <p:nvGraphicFramePr>
+          <p:cNvPr id="20" name="Table 19">
+            <a:extLst>
+              <a:ext uri="{FF2B5EF4-FFF2-40B4-BE49-F238E27FC236}">
+                <a16:creationId xmlns:a16="http://schemas.microsoft.com/office/drawing/2014/main" id="{0A0E08BE-B5AC-9A62-DDB6-EE7367496DDA}"/>
+              </a:ext>
+            </a:extLst>
+          </p:cNvPr>
+          <p:cNvGraphicFramePr>
+            <a:graphicFrameLocks noGrp="1"/>
+          </p:cNvGraphicFramePr>
+          <p:nvPr/>
+        </p:nvGraphicFramePr>
+        <p:xfrm>
+          <a:off x="304800" y="5944001"/>
+          <a:ext cx="5376336" cy="741680"/>
+        </p:xfrm>
+        <a:graphic>
+          <a:graphicData uri="http://schemas.openxmlformats.org/drawingml/2006/table">
+            <a:tbl>
+              <a:tblPr firstRow="1" bandRow="1">
+                <a:tableStyleId>{5C22544A-7EE6-4342-B048-85BDC9FD1C3A}</a:tableStyleId>
+              </a:tblPr>
+              <a:tblGrid>
+                <a:gridCol w="768048">
+                  <a:extLst>
+                    <a:ext uri="{9D8B030D-6E8A-4147-A177-3AD203B41FA5}">
+                      <a16:colId xmlns:a16="http://schemas.microsoft.com/office/drawing/2014/main" val="667504085"/>
+                    </a:ext>
+                  </a:extLst>
+                </a:gridCol>
+                <a:gridCol w="768048">
+                  <a:extLst>
+                    <a:ext uri="{9D8B030D-6E8A-4147-A177-3AD203B41FA5}">
+                      <a16:colId xmlns:a16="http://schemas.microsoft.com/office/drawing/2014/main" val="546835154"/>
+                    </a:ext>
+                  </a:extLst>
+                </a:gridCol>
+                <a:gridCol w="768048">
+                  <a:extLst>
+                    <a:ext uri="{9D8B030D-6E8A-4147-A177-3AD203B41FA5}">
+                      <a16:colId xmlns:a16="http://schemas.microsoft.com/office/drawing/2014/main" val="633432647"/>
+                    </a:ext>
+                  </a:extLst>
+                </a:gridCol>
+                <a:gridCol w="768048">
+                  <a:extLst>
+                    <a:ext uri="{9D8B030D-6E8A-4147-A177-3AD203B41FA5}">
+                      <a16:colId xmlns:a16="http://schemas.microsoft.com/office/drawing/2014/main" val="3847728744"/>
+                    </a:ext>
+                  </a:extLst>
+                </a:gridCol>
+                <a:gridCol w="768048">
+                  <a:extLst>
+                    <a:ext uri="{9D8B030D-6E8A-4147-A177-3AD203B41FA5}">
+                      <a16:colId xmlns:a16="http://schemas.microsoft.com/office/drawing/2014/main" val="47257647"/>
+                    </a:ext>
+                  </a:extLst>
+                </a:gridCol>
+                <a:gridCol w="768048">
+                  <a:extLst>
+                    <a:ext uri="{9D8B030D-6E8A-4147-A177-3AD203B41FA5}">
+                      <a16:colId xmlns:a16="http://schemas.microsoft.com/office/drawing/2014/main" val="2703177256"/>
+                    </a:ext>
+                  </a:extLst>
+                </a:gridCol>
+                <a:gridCol w="768048">
+                  <a:extLst>
+                    <a:ext uri="{9D8B030D-6E8A-4147-A177-3AD203B41FA5}">
+                      <a16:colId xmlns:a16="http://schemas.microsoft.com/office/drawing/2014/main" val="218377200"/>
+                    </a:ext>
+                  </a:extLst>
+                </a:gridCol>
+              </a:tblGrid>
+              <a:tr h="370840">
+                <a:tc>
+                  <a:txBody>
+                    <a:bodyPr/>
+                    <a:lstStyle/>
+                    <a:p>
+                      <a:r>
+                        <a:rPr lang="en-IN" sz="1100" dirty="0" err="1"/>
+                        <a:t>CatId</a:t>
+                      </a:r>
+                      <a:endParaRPr lang="en-IN" sz="1100" dirty="0"/>
+                    </a:p>
+                  </a:txBody>
+                  <a:tcPr/>
+                </a:tc>
+                <a:tc>
+                  <a:txBody>
+                    <a:bodyPr/>
+                    <a:lstStyle/>
+                    <a:p>
+                      <a:r>
+                        <a:rPr lang="en-IN" sz="1100" dirty="0" err="1"/>
+                        <a:t>Cname</a:t>
+                      </a:r>
+                      <a:endParaRPr lang="en-IN" sz="1100" dirty="0"/>
+                    </a:p>
+                  </a:txBody>
+                  <a:tcPr/>
+                </a:tc>
+                <a:tc>
+                  <a:txBody>
+                    <a:bodyPr/>
+                    <a:lstStyle/>
+                    <a:p>
+                      <a:r>
+                        <a:rPr lang="en-IN" sz="1100" dirty="0" err="1"/>
+                        <a:t>ProdId</a:t>
+                      </a:r>
+                      <a:endParaRPr lang="en-IN" sz="1100" dirty="0"/>
+                    </a:p>
+                  </a:txBody>
+                  <a:tcPr/>
+                </a:tc>
+                <a:tc>
+                  <a:txBody>
+                    <a:bodyPr/>
+                    <a:lstStyle/>
+                    <a:p>
+                      <a:r>
+                        <a:rPr lang="en-IN" sz="1100" dirty="0" err="1"/>
+                        <a:t>PName</a:t>
+                      </a:r>
+                      <a:endParaRPr lang="en-IN" sz="1100" dirty="0"/>
+                    </a:p>
+                  </a:txBody>
+                  <a:tcPr/>
+                </a:tc>
+                <a:tc>
+                  <a:txBody>
+                    <a:bodyPr/>
+                    <a:lstStyle/>
+                    <a:p>
+                      <a:r>
+                        <a:rPr lang="en-IN" sz="1100" dirty="0"/>
+                        <a:t>Price</a:t>
+                      </a:r>
+                    </a:p>
+                  </a:txBody>
+                  <a:tcPr/>
+                </a:tc>
+                <a:tc>
+                  <a:txBody>
+                    <a:bodyPr/>
+                    <a:lstStyle/>
+                    <a:p>
+                      <a:r>
+                        <a:rPr lang="en-IN" sz="1100" dirty="0"/>
+                        <a:t>Man</a:t>
+                      </a:r>
+                    </a:p>
+                  </a:txBody>
+                  <a:tcPr/>
+                </a:tc>
+                <a:tc>
+                  <a:txBody>
+                    <a:bodyPr/>
+                    <a:lstStyle/>
+                    <a:p>
+                      <a:r>
+                        <a:rPr lang="en-IN" sz="1100" dirty="0"/>
+                        <a:t>Tax</a:t>
+                      </a:r>
+                    </a:p>
+                  </a:txBody>
+                  <a:tcPr/>
+                </a:tc>
+                <a:extLst>
+                  <a:ext uri="{0D108BD9-81ED-4DB2-BD59-A6C34878D82A}">
+                    <a16:rowId xmlns:a16="http://schemas.microsoft.com/office/drawing/2014/main" val="3368585881"/>
+                  </a:ext>
+                </a:extLst>
+              </a:tr>
+              <a:tr h="370840">
+                <a:tc>
+                  <a:txBody>
+                    <a:bodyPr/>
+                    <a:lstStyle/>
+                    <a:p>
+                      <a:endParaRPr lang="en-IN" sz="1100"/>
+                    </a:p>
+                  </a:txBody>
+                  <a:tcPr/>
+                </a:tc>
+                <a:tc>
+                  <a:txBody>
+                    <a:bodyPr/>
+                    <a:lstStyle/>
+                    <a:p>
+                      <a:endParaRPr lang="en-IN" sz="1100"/>
+                    </a:p>
+                  </a:txBody>
+                  <a:tcPr/>
+                </a:tc>
+                <a:tc>
+                  <a:txBody>
+                    <a:bodyPr/>
+                    <a:lstStyle/>
+                    <a:p>
+                      <a:endParaRPr lang="en-IN" sz="1100"/>
+                    </a:p>
+                  </a:txBody>
+                  <a:tcPr/>
+                </a:tc>
+                <a:tc>
+                  <a:txBody>
+                    <a:bodyPr/>
+                    <a:lstStyle/>
+                    <a:p>
+                      <a:endParaRPr lang="en-IN" sz="1100" dirty="0"/>
+                    </a:p>
+                  </a:txBody>
+                  <a:tcPr/>
+                </a:tc>
+                <a:tc>
+                  <a:txBody>
+                    <a:bodyPr/>
+                    <a:lstStyle/>
+                    <a:p>
+                      <a:endParaRPr lang="en-IN" sz="1100"/>
+                    </a:p>
+                  </a:txBody>
+                  <a:tcPr/>
+                </a:tc>
+                <a:tc>
+                  <a:txBody>
+                    <a:bodyPr/>
+                    <a:lstStyle/>
+                    <a:p>
+                      <a:endParaRPr lang="en-IN" sz="1100"/>
+                    </a:p>
+                  </a:txBody>
+                  <a:tcPr/>
+                </a:tc>
+                <a:tc>
+                  <a:txBody>
+                    <a:bodyPr/>
+                    <a:lstStyle/>
+                    <a:p>
+                      <a:endParaRPr lang="en-IN" sz="1100" dirty="0"/>
+                    </a:p>
+                  </a:txBody>
+                  <a:tcPr/>
+                </a:tc>
+                <a:extLst>
+                  <a:ext uri="{0D108BD9-81ED-4DB2-BD59-A6C34878D82A}">
+                    <a16:rowId xmlns:a16="http://schemas.microsoft.com/office/drawing/2014/main" val="3853660331"/>
+                  </a:ext>
+                </a:extLst>
+              </a:tr>
+            </a:tbl>
+          </a:graphicData>
+        </a:graphic>
+      </p:graphicFrame>
+      <p:sp>
+        <p:nvSpPr>
+          <p:cNvPr id="5" name="Flowchart: Process 4">
+            <a:extLst>
+              <a:ext uri="{FF2B5EF4-FFF2-40B4-BE49-F238E27FC236}">
+                <a16:creationId xmlns:a16="http://schemas.microsoft.com/office/drawing/2014/main" id="{A5CB0670-2598-A664-C28A-89A90C4A74C3}"/>
+              </a:ext>
+            </a:extLst>
+          </p:cNvPr>
+          <p:cNvSpPr/>
+          <p:nvPr/>
+        </p:nvSpPr>
+        <p:spPr>
+          <a:xfrm>
+            <a:off x="4385733" y="1540933"/>
+            <a:ext cx="2150534" cy="2521569"/>
+          </a:xfrm>
+          <a:prstGeom prst="flowChartProcess">
+            <a:avLst/>
+          </a:prstGeom>
+        </p:spPr>
+        <p:style>
+          <a:lnRef idx="2">
+            <a:schemeClr val="accent1">
+              <a:shade val="15000"/>
+            </a:schemeClr>
+          </a:lnRef>
+          <a:fillRef idx="1">
+            <a:schemeClr val="accent1"/>
+          </a:fillRef>
+          <a:effectRef idx="0">
+            <a:schemeClr val="accent1"/>
+          </a:effectRef>
+          <a:fontRef idx="minor">
+            <a:schemeClr val="lt1"/>
+          </a:fontRef>
+        </p:style>
+        <p:txBody>
+          <a:bodyPr rtlCol="0" anchor="ctr"/>
+          <a:lstStyle/>
+          <a:p>
+            <a:pPr algn="ctr"/>
+            <a:r>
+              <a:rPr lang="en-IN" sz="1400" dirty="0"/>
+              <a:t>An API that will </a:t>
+            </a:r>
+            <a:r>
+              <a:rPr lang="en-IN" sz="1200" dirty="0"/>
+              <a:t>internally</a:t>
+            </a:r>
+            <a:r>
+              <a:rPr lang="en-IN" sz="1400" dirty="0"/>
+              <a:t> Manage all Outgoing calls to get data. Then it will manipulate it as per need for UI.</a:t>
+            </a:r>
+          </a:p>
+          <a:p>
+            <a:pPr algn="ctr"/>
+            <a:r>
+              <a:rPr lang="en-IN" sz="1400" dirty="0"/>
+              <a:t>This is a responsibility of Front-End Developer</a:t>
+            </a:r>
+          </a:p>
+          <a:p>
+            <a:pPr algn="ctr"/>
+            <a:endParaRPr lang="en-IN" sz="1400" dirty="0"/>
+          </a:p>
+          <a:p>
+            <a:pPr algn="ctr"/>
+            <a:r>
+              <a:rPr lang="en-IN" sz="1400" dirty="0"/>
+              <a:t>Use</a:t>
+            </a:r>
+          </a:p>
+          <a:p>
+            <a:pPr algn="ctr"/>
+            <a:r>
+              <a:rPr lang="en-IN" sz="1400" dirty="0"/>
+              <a:t>Node.js, ASP.NET Core, JAVA</a:t>
+            </a:r>
+            <a:r>
+              <a:rPr lang="en-IN" sz="1400"/>
+              <a:t>, Python</a:t>
+            </a:r>
+            <a:endParaRPr lang="en-IN" sz="1400" dirty="0"/>
+          </a:p>
+        </p:txBody>
+      </p:sp>
+      <p:sp>
+        <p:nvSpPr>
+          <p:cNvPr id="7" name="TextBox 6">
+            <a:extLst>
+              <a:ext uri="{FF2B5EF4-FFF2-40B4-BE49-F238E27FC236}">
+                <a16:creationId xmlns:a16="http://schemas.microsoft.com/office/drawing/2014/main" id="{DE72B6CC-C4FD-9E8F-6279-A27D7C79E227}"/>
+              </a:ext>
+            </a:extLst>
+          </p:cNvPr>
+          <p:cNvSpPr txBox="1"/>
+          <p:nvPr/>
+        </p:nvSpPr>
+        <p:spPr>
+          <a:xfrm>
+            <a:off x="4021667" y="910166"/>
+            <a:ext cx="2743200" cy="646331"/>
+          </a:xfrm>
+          <a:prstGeom prst="rect">
+            <a:avLst/>
+          </a:prstGeom>
+          <a:noFill/>
+          <a:ln>
+            <a:solidFill>
+              <a:srgbClr val="FF0000"/>
+            </a:solidFill>
+          </a:ln>
+        </p:spPr>
+        <p:txBody>
+          <a:bodyPr wrap="square" rtlCol="0">
+            <a:spAutoFit/>
+          </a:bodyPr>
+          <a:lstStyle/>
+          <a:p>
+            <a:pPr algn="ctr"/>
+            <a:r>
+              <a:rPr lang="en-IN" b="1" dirty="0"/>
+              <a:t>Back-End For Front-End (BFF)</a:t>
+            </a:r>
+          </a:p>
+        </p:txBody>
+      </p:sp>
+      <p:cxnSp>
+        <p:nvCxnSpPr>
+          <p:cNvPr id="12" name="Connector: Elbow 11">
+            <a:extLst>
+              <a:ext uri="{FF2B5EF4-FFF2-40B4-BE49-F238E27FC236}">
+                <a16:creationId xmlns:a16="http://schemas.microsoft.com/office/drawing/2014/main" id="{948B0826-93B8-54CE-8045-6E37CF018544}"/>
+              </a:ext>
+            </a:extLst>
+          </p:cNvPr>
+          <p:cNvCxnSpPr>
+            <a:stCxn id="5" idx="3"/>
+            <a:endCxn id="3" idx="1"/>
+          </p:cNvCxnSpPr>
+          <p:nvPr/>
+        </p:nvCxnSpPr>
+        <p:spPr>
+          <a:xfrm flipV="1">
+            <a:off x="6536267" y="910166"/>
+            <a:ext cx="3454400" cy="1891552"/>
+          </a:xfrm>
+          <a:prstGeom prst="bentConnector3">
+            <a:avLst/>
+          </a:prstGeom>
+          <a:ln>
+            <a:headEnd type="triangle"/>
+            <a:tailEnd type="triangle"/>
+          </a:ln>
+        </p:spPr>
+        <p:style>
+          <a:lnRef idx="2">
+            <a:schemeClr val="accent1"/>
+          </a:lnRef>
+          <a:fillRef idx="0">
+            <a:schemeClr val="accent1"/>
+          </a:fillRef>
+          <a:effectRef idx="1">
+            <a:schemeClr val="accent1"/>
+          </a:effectRef>
+          <a:fontRef idx="minor">
+            <a:schemeClr val="tx1"/>
+          </a:fontRef>
+        </p:style>
+      </p:cxnSp>
+      <p:cxnSp>
+        <p:nvCxnSpPr>
+          <p:cNvPr id="21" name="Connector: Elbow 20">
+            <a:extLst>
+              <a:ext uri="{FF2B5EF4-FFF2-40B4-BE49-F238E27FC236}">
+                <a16:creationId xmlns:a16="http://schemas.microsoft.com/office/drawing/2014/main" id="{7D68BF63-9908-62F3-8258-CEED2273E91C}"/>
+              </a:ext>
+            </a:extLst>
+          </p:cNvPr>
+          <p:cNvCxnSpPr>
+            <a:stCxn id="5" idx="3"/>
+            <a:endCxn id="4" idx="1"/>
+          </p:cNvCxnSpPr>
+          <p:nvPr/>
+        </p:nvCxnSpPr>
+        <p:spPr>
+          <a:xfrm>
+            <a:off x="6536267" y="2801718"/>
+            <a:ext cx="3454400" cy="2722782"/>
+          </a:xfrm>
+          <a:prstGeom prst="bentConnector3">
+            <a:avLst/>
+          </a:prstGeom>
+          <a:ln>
+            <a:headEnd type="triangle"/>
+            <a:tailEnd type="triangle"/>
+          </a:ln>
+        </p:spPr>
+        <p:style>
+          <a:lnRef idx="2">
+            <a:schemeClr val="accent1"/>
+          </a:lnRef>
+          <a:fillRef idx="0">
+            <a:schemeClr val="accent1"/>
+          </a:fillRef>
+          <a:effectRef idx="1">
+            <a:schemeClr val="accent1"/>
+          </a:effectRef>
+          <a:fontRef idx="minor">
+            <a:schemeClr val="tx1"/>
+          </a:fontRef>
+        </p:style>
+      </p:cxnSp>
+      <p:cxnSp>
+        <p:nvCxnSpPr>
+          <p:cNvPr id="23" name="Connector: Curved 22">
+            <a:extLst>
+              <a:ext uri="{FF2B5EF4-FFF2-40B4-BE49-F238E27FC236}">
+                <a16:creationId xmlns:a16="http://schemas.microsoft.com/office/drawing/2014/main" id="{F41D3474-1DC7-0E64-3717-B9C4BC8A671C}"/>
+              </a:ext>
+            </a:extLst>
+          </p:cNvPr>
+          <p:cNvCxnSpPr>
+            <a:stCxn id="5" idx="2"/>
+            <a:endCxn id="20" idx="3"/>
+          </p:cNvCxnSpPr>
+          <p:nvPr/>
+        </p:nvCxnSpPr>
+        <p:spPr>
+          <a:xfrm rot="16200000" flipH="1">
+            <a:off x="4444899" y="5078603"/>
+            <a:ext cx="2252339" cy="220136"/>
+          </a:xfrm>
+          <a:prstGeom prst="curvedConnector4">
+            <a:avLst>
+              <a:gd name="adj1" fmla="val 41768"/>
+              <a:gd name="adj2" fmla="val 592301"/>
+            </a:avLst>
+          </a:prstGeom>
+          <a:ln>
+            <a:tailEnd type="triangle"/>
+          </a:ln>
+        </p:spPr>
+        <p:style>
+          <a:lnRef idx="2">
+            <a:schemeClr val="accent1"/>
+          </a:lnRef>
+          <a:fillRef idx="0">
+            <a:schemeClr val="accent1"/>
+          </a:fillRef>
+          <a:effectRef idx="1">
+            <a:schemeClr val="accent1"/>
+          </a:effectRef>
+          <a:fontRef idx="minor">
+            <a:schemeClr val="tx1"/>
+          </a:fontRef>
+        </p:style>
+      </p:cxnSp>
+      <p:cxnSp>
+        <p:nvCxnSpPr>
+          <p:cNvPr id="25" name="Connector: Elbow 24">
+            <a:extLst>
+              <a:ext uri="{FF2B5EF4-FFF2-40B4-BE49-F238E27FC236}">
+                <a16:creationId xmlns:a16="http://schemas.microsoft.com/office/drawing/2014/main" id="{395B28DC-A5E9-F51C-FCF9-1EA0E87C64A1}"/>
+              </a:ext>
+            </a:extLst>
+          </p:cNvPr>
+          <p:cNvCxnSpPr>
+            <a:stCxn id="2" idx="0"/>
+            <a:endCxn id="5" idx="1"/>
+          </p:cNvCxnSpPr>
+          <p:nvPr/>
+        </p:nvCxnSpPr>
+        <p:spPr>
+          <a:xfrm rot="16200000" flipH="1">
+            <a:off x="2622923" y="1038909"/>
+            <a:ext cx="625785" cy="2899833"/>
+          </a:xfrm>
+          <a:prstGeom prst="bentConnector4">
+            <a:avLst>
+              <a:gd name="adj1" fmla="val -36530"/>
+              <a:gd name="adj2" fmla="val 70365"/>
+            </a:avLst>
+          </a:prstGeom>
+          <a:ln>
+            <a:headEnd type="triangle"/>
+            <a:tailEnd type="triangle"/>
+          </a:ln>
+        </p:spPr>
+        <p:style>
+          <a:lnRef idx="2">
+            <a:schemeClr val="accent1"/>
+          </a:lnRef>
+          <a:fillRef idx="0">
+            <a:schemeClr val="accent1"/>
+          </a:fillRef>
+          <a:effectRef idx="1">
+            <a:schemeClr val="accent1"/>
+          </a:effectRef>
+          <a:fontRef idx="minor">
+            <a:schemeClr val="tx1"/>
+          </a:fontRef>
+        </p:style>
+      </p:cxnSp>
+    </p:spTree>
+    <p:extLst>
+      <p:ext uri="{BB962C8B-B14F-4D97-AF65-F5344CB8AC3E}">
+        <p14:creationId xmlns:p14="http://schemas.microsoft.com/office/powerpoint/2010/main" val="3654188757"/>
       </p:ext>
     </p:extLst>
   </p:cSld>

--- a/my-ng-app/Angular_Training_Images.pptx
+++ b/my-ng-app/Angular_Training_Images.pptx
@@ -22,6 +22,7 @@
     <p:sldId id="269" r:id="rId16"/>
     <p:sldId id="271" r:id="rId17"/>
     <p:sldId id="272" r:id="rId18"/>
+    <p:sldId id="273" r:id="rId19"/>
   </p:sldIdLst>
   <p:sldSz cx="12192000" cy="6858000"/>
   <p:notesSz cx="6858000" cy="9144000"/>
@@ -277,7 +278,7 @@
           <a:p>
             <a:fld id="{35E7C7C1-050F-4B17-8FDC-37C455263954}" type="datetimeFigureOut">
               <a:rPr lang="en-IN" smtClean="0"/>
-              <a:t>28-03-2024</a:t>
+              <a:t>29-03-2024</a:t>
             </a:fld>
             <a:endParaRPr lang="en-IN"/>
           </a:p>
@@ -477,7 +478,7 @@
           <a:p>
             <a:fld id="{35E7C7C1-050F-4B17-8FDC-37C455263954}" type="datetimeFigureOut">
               <a:rPr lang="en-IN" smtClean="0"/>
-              <a:t>28-03-2024</a:t>
+              <a:t>29-03-2024</a:t>
             </a:fld>
             <a:endParaRPr lang="en-IN"/>
           </a:p>
@@ -687,7 +688,7 @@
           <a:p>
             <a:fld id="{35E7C7C1-050F-4B17-8FDC-37C455263954}" type="datetimeFigureOut">
               <a:rPr lang="en-IN" smtClean="0"/>
-              <a:t>28-03-2024</a:t>
+              <a:t>29-03-2024</a:t>
             </a:fld>
             <a:endParaRPr lang="en-IN"/>
           </a:p>
@@ -887,7 +888,7 @@
           <a:p>
             <a:fld id="{35E7C7C1-050F-4B17-8FDC-37C455263954}" type="datetimeFigureOut">
               <a:rPr lang="en-IN" smtClean="0"/>
-              <a:t>28-03-2024</a:t>
+              <a:t>29-03-2024</a:t>
             </a:fld>
             <a:endParaRPr lang="en-IN"/>
           </a:p>
@@ -1163,7 +1164,7 @@
           <a:p>
             <a:fld id="{35E7C7C1-050F-4B17-8FDC-37C455263954}" type="datetimeFigureOut">
               <a:rPr lang="en-IN" smtClean="0"/>
-              <a:t>28-03-2024</a:t>
+              <a:t>29-03-2024</a:t>
             </a:fld>
             <a:endParaRPr lang="en-IN"/>
           </a:p>
@@ -1431,7 +1432,7 @@
           <a:p>
             <a:fld id="{35E7C7C1-050F-4B17-8FDC-37C455263954}" type="datetimeFigureOut">
               <a:rPr lang="en-IN" smtClean="0"/>
-              <a:t>28-03-2024</a:t>
+              <a:t>29-03-2024</a:t>
             </a:fld>
             <a:endParaRPr lang="en-IN"/>
           </a:p>
@@ -1846,7 +1847,7 @@
           <a:p>
             <a:fld id="{35E7C7C1-050F-4B17-8FDC-37C455263954}" type="datetimeFigureOut">
               <a:rPr lang="en-IN" smtClean="0"/>
-              <a:t>28-03-2024</a:t>
+              <a:t>29-03-2024</a:t>
             </a:fld>
             <a:endParaRPr lang="en-IN"/>
           </a:p>
@@ -1988,7 +1989,7 @@
           <a:p>
             <a:fld id="{35E7C7C1-050F-4B17-8FDC-37C455263954}" type="datetimeFigureOut">
               <a:rPr lang="en-IN" smtClean="0"/>
-              <a:t>28-03-2024</a:t>
+              <a:t>29-03-2024</a:t>
             </a:fld>
             <a:endParaRPr lang="en-IN"/>
           </a:p>
@@ -2101,7 +2102,7 @@
           <a:p>
             <a:fld id="{35E7C7C1-050F-4B17-8FDC-37C455263954}" type="datetimeFigureOut">
               <a:rPr lang="en-IN" smtClean="0"/>
-              <a:t>28-03-2024</a:t>
+              <a:t>29-03-2024</a:t>
             </a:fld>
             <a:endParaRPr lang="en-IN"/>
           </a:p>
@@ -2414,7 +2415,7 @@
           <a:p>
             <a:fld id="{35E7C7C1-050F-4B17-8FDC-37C455263954}" type="datetimeFigureOut">
               <a:rPr lang="en-IN" smtClean="0"/>
-              <a:t>28-03-2024</a:t>
+              <a:t>29-03-2024</a:t>
             </a:fld>
             <a:endParaRPr lang="en-IN"/>
           </a:p>
@@ -2703,7 +2704,7 @@
           <a:p>
             <a:fld id="{35E7C7C1-050F-4B17-8FDC-37C455263954}" type="datetimeFigureOut">
               <a:rPr lang="en-IN" smtClean="0"/>
-              <a:t>28-03-2024</a:t>
+              <a:t>29-03-2024</a:t>
             </a:fld>
             <a:endParaRPr lang="en-IN"/>
           </a:p>
@@ -2946,7 +2947,7 @@
           <a:p>
             <a:fld id="{35E7C7C1-050F-4B17-8FDC-37C455263954}" type="datetimeFigureOut">
               <a:rPr lang="en-IN" smtClean="0"/>
-              <a:t>28-03-2024</a:t>
+              <a:t>29-03-2024</a:t>
             </a:fld>
             <a:endParaRPr lang="en-IN"/>
           </a:p>
@@ -13848,6 +13849,894 @@
     <p:extLst>
       <p:ext uri="{BB962C8B-B14F-4D97-AF65-F5344CB8AC3E}">
         <p14:creationId xmlns:p14="http://schemas.microsoft.com/office/powerpoint/2010/main" val="3654188757"/>
+      </p:ext>
+    </p:extLst>
+  </p:cSld>
+  <p:clrMapOvr>
+    <a:masterClrMapping/>
+  </p:clrMapOvr>
+</p:sld>
+</file>
+
+<file path=ppt/slides/slide18.xml><?xml version="1.0" encoding="utf-8"?>
+<p:sld xmlns:a="http://schemas.openxmlformats.org/drawingml/2006/main" xmlns:r="http://schemas.openxmlformats.org/officeDocument/2006/relationships" xmlns:p="http://schemas.openxmlformats.org/presentationml/2006/main">
+  <p:cSld>
+    <p:spTree>
+      <p:nvGrpSpPr>
+        <p:cNvPr id="1" name=""/>
+        <p:cNvGrpSpPr/>
+        <p:nvPr/>
+      </p:nvGrpSpPr>
+      <p:grpSpPr>
+        <a:xfrm>
+          <a:off x="0" y="0"/>
+          <a:ext cx="0" cy="0"/>
+          <a:chOff x="0" y="0"/>
+          <a:chExt cx="0" cy="0"/>
+        </a:xfrm>
+      </p:grpSpPr>
+      <p:sp>
+        <p:nvSpPr>
+          <p:cNvPr id="2" name="Rectangle 1">
+            <a:extLst>
+              <a:ext uri="{FF2B5EF4-FFF2-40B4-BE49-F238E27FC236}">
+                <a16:creationId xmlns:a16="http://schemas.microsoft.com/office/drawing/2014/main" id="{483DA5D6-3139-4067-2501-C93FA599CE22}"/>
+              </a:ext>
+            </a:extLst>
+          </p:cNvPr>
+          <p:cNvSpPr/>
+          <p:nvPr/>
+        </p:nvSpPr>
+        <p:spPr>
+          <a:xfrm>
+            <a:off x="6637867" y="592667"/>
+            <a:ext cx="4097866" cy="5554133"/>
+          </a:xfrm>
+          <a:prstGeom prst="rect">
+            <a:avLst/>
+          </a:prstGeom>
+        </p:spPr>
+        <p:style>
+          <a:lnRef idx="2">
+            <a:schemeClr val="accent6"/>
+          </a:lnRef>
+          <a:fillRef idx="1">
+            <a:schemeClr val="lt1"/>
+          </a:fillRef>
+          <a:effectRef idx="0">
+            <a:schemeClr val="accent6"/>
+          </a:effectRef>
+          <a:fontRef idx="minor">
+            <a:schemeClr val="dk1"/>
+          </a:fontRef>
+        </p:style>
+        <p:txBody>
+          <a:bodyPr rtlCol="0" anchor="ctr"/>
+          <a:lstStyle/>
+          <a:p>
+            <a:pPr algn="ctr"/>
+            <a:endParaRPr lang="en-IN"/>
+          </a:p>
+        </p:txBody>
+      </p:sp>
+      <p:sp>
+        <p:nvSpPr>
+          <p:cNvPr id="3" name="TextBox 2">
+            <a:extLst>
+              <a:ext uri="{FF2B5EF4-FFF2-40B4-BE49-F238E27FC236}">
+                <a16:creationId xmlns:a16="http://schemas.microsoft.com/office/drawing/2014/main" id="{30FF5756-2599-990B-9184-B6BEEB63D7D3}"/>
+              </a:ext>
+            </a:extLst>
+          </p:cNvPr>
+          <p:cNvSpPr txBox="1"/>
+          <p:nvPr/>
+        </p:nvSpPr>
+        <p:spPr>
+          <a:xfrm>
+            <a:off x="6747933" y="711200"/>
+            <a:ext cx="3835400" cy="369332"/>
+          </a:xfrm>
+          <a:prstGeom prst="rect">
+            <a:avLst/>
+          </a:prstGeom>
+          <a:noFill/>
+          <a:ln>
+            <a:solidFill>
+              <a:schemeClr val="accent1"/>
+            </a:solidFill>
+          </a:ln>
+        </p:spPr>
+        <p:txBody>
+          <a:bodyPr wrap="square" rtlCol="0">
+            <a:spAutoFit/>
+          </a:bodyPr>
+          <a:lstStyle/>
+          <a:p>
+            <a:pPr algn="ctr"/>
+            <a:r>
+              <a:rPr lang="en-IN" b="1" dirty="0"/>
+              <a:t>Server-Side App</a:t>
+            </a:r>
+          </a:p>
+        </p:txBody>
+      </p:sp>
+      <p:sp>
+        <p:nvSpPr>
+          <p:cNvPr id="4" name="Rectangle 3">
+            <a:extLst>
+              <a:ext uri="{FF2B5EF4-FFF2-40B4-BE49-F238E27FC236}">
+                <a16:creationId xmlns:a16="http://schemas.microsoft.com/office/drawing/2014/main" id="{8DEFBA48-CFCA-72F9-B64A-FB23C2492F60}"/>
+              </a:ext>
+            </a:extLst>
+          </p:cNvPr>
+          <p:cNvSpPr/>
+          <p:nvPr/>
+        </p:nvSpPr>
+        <p:spPr>
+          <a:xfrm>
+            <a:off x="7586133" y="2358998"/>
+            <a:ext cx="2844800" cy="491067"/>
+          </a:xfrm>
+          <a:prstGeom prst="rect">
+            <a:avLst/>
+          </a:prstGeom>
+        </p:spPr>
+        <p:style>
+          <a:lnRef idx="2">
+            <a:schemeClr val="accent1">
+              <a:shade val="15000"/>
+            </a:schemeClr>
+          </a:lnRef>
+          <a:fillRef idx="1">
+            <a:schemeClr val="accent1"/>
+          </a:fillRef>
+          <a:effectRef idx="0">
+            <a:schemeClr val="accent1"/>
+          </a:effectRef>
+          <a:fontRef idx="minor">
+            <a:schemeClr val="lt1"/>
+          </a:fontRef>
+        </p:style>
+        <p:txBody>
+          <a:bodyPr rtlCol="0" anchor="ctr"/>
+          <a:lstStyle/>
+          <a:p>
+            <a:pPr algn="ctr"/>
+            <a:r>
+              <a:rPr lang="en-IN" dirty="0" err="1"/>
+              <a:t>ProductAPI</a:t>
+            </a:r>
+            <a:endParaRPr lang="en-IN" dirty="0"/>
+          </a:p>
+        </p:txBody>
+      </p:sp>
+      <p:sp>
+        <p:nvSpPr>
+          <p:cNvPr id="5" name="Rectangle 4">
+            <a:extLst>
+              <a:ext uri="{FF2B5EF4-FFF2-40B4-BE49-F238E27FC236}">
+                <a16:creationId xmlns:a16="http://schemas.microsoft.com/office/drawing/2014/main" id="{E3D90580-8B09-9301-B958-72F16C7B99B9}"/>
+              </a:ext>
+            </a:extLst>
+          </p:cNvPr>
+          <p:cNvSpPr/>
+          <p:nvPr/>
+        </p:nvSpPr>
+        <p:spPr>
+          <a:xfrm>
+            <a:off x="7586133" y="3183466"/>
+            <a:ext cx="2844800" cy="491067"/>
+          </a:xfrm>
+          <a:prstGeom prst="rect">
+            <a:avLst/>
+          </a:prstGeom>
+        </p:spPr>
+        <p:style>
+          <a:lnRef idx="2">
+            <a:schemeClr val="accent1">
+              <a:shade val="15000"/>
+            </a:schemeClr>
+          </a:lnRef>
+          <a:fillRef idx="1">
+            <a:schemeClr val="accent1"/>
+          </a:fillRef>
+          <a:effectRef idx="0">
+            <a:schemeClr val="accent1"/>
+          </a:effectRef>
+          <a:fontRef idx="minor">
+            <a:schemeClr val="lt1"/>
+          </a:fontRef>
+        </p:style>
+        <p:txBody>
+          <a:bodyPr rtlCol="0" anchor="ctr"/>
+          <a:lstStyle/>
+          <a:p>
+            <a:pPr algn="ctr"/>
+            <a:r>
+              <a:rPr lang="en-IN" dirty="0" err="1"/>
+              <a:t>OrderAPI</a:t>
+            </a:r>
+            <a:endParaRPr lang="en-IN" dirty="0"/>
+          </a:p>
+        </p:txBody>
+      </p:sp>
+      <p:sp>
+        <p:nvSpPr>
+          <p:cNvPr id="6" name="Rectangle 5">
+            <a:extLst>
+              <a:ext uri="{FF2B5EF4-FFF2-40B4-BE49-F238E27FC236}">
+                <a16:creationId xmlns:a16="http://schemas.microsoft.com/office/drawing/2014/main" id="{A332A082-BA50-53C3-4CD0-6D64D4720B81}"/>
+              </a:ext>
+            </a:extLst>
+          </p:cNvPr>
+          <p:cNvSpPr/>
+          <p:nvPr/>
+        </p:nvSpPr>
+        <p:spPr>
+          <a:xfrm>
+            <a:off x="7560733" y="4027499"/>
+            <a:ext cx="2844800" cy="491067"/>
+          </a:xfrm>
+          <a:prstGeom prst="rect">
+            <a:avLst/>
+          </a:prstGeom>
+        </p:spPr>
+        <p:style>
+          <a:lnRef idx="2">
+            <a:schemeClr val="accent1">
+              <a:shade val="15000"/>
+            </a:schemeClr>
+          </a:lnRef>
+          <a:fillRef idx="1">
+            <a:schemeClr val="accent1"/>
+          </a:fillRef>
+          <a:effectRef idx="0">
+            <a:schemeClr val="accent1"/>
+          </a:effectRef>
+          <a:fontRef idx="minor">
+            <a:schemeClr val="lt1"/>
+          </a:fontRef>
+        </p:style>
+        <p:txBody>
+          <a:bodyPr rtlCol="0" anchor="ctr"/>
+          <a:lstStyle/>
+          <a:p>
+            <a:pPr algn="ctr"/>
+            <a:r>
+              <a:rPr lang="en-IN" dirty="0" err="1"/>
+              <a:t>BillAPI</a:t>
+            </a:r>
+            <a:endParaRPr lang="en-IN" dirty="0"/>
+          </a:p>
+        </p:txBody>
+      </p:sp>
+      <p:sp>
+        <p:nvSpPr>
+          <p:cNvPr id="7" name="Rectangle 6">
+            <a:extLst>
+              <a:ext uri="{FF2B5EF4-FFF2-40B4-BE49-F238E27FC236}">
+                <a16:creationId xmlns:a16="http://schemas.microsoft.com/office/drawing/2014/main" id="{28BC9B37-84E0-94E3-C252-A338C825788A}"/>
+              </a:ext>
+            </a:extLst>
+          </p:cNvPr>
+          <p:cNvSpPr/>
+          <p:nvPr/>
+        </p:nvSpPr>
+        <p:spPr>
+          <a:xfrm>
+            <a:off x="7239000" y="1574800"/>
+            <a:ext cx="3191933" cy="491067"/>
+          </a:xfrm>
+          <a:prstGeom prst="rect">
+            <a:avLst/>
+          </a:prstGeom>
+        </p:spPr>
+        <p:style>
+          <a:lnRef idx="2">
+            <a:schemeClr val="accent1">
+              <a:shade val="15000"/>
+            </a:schemeClr>
+          </a:lnRef>
+          <a:fillRef idx="1">
+            <a:schemeClr val="accent1"/>
+          </a:fillRef>
+          <a:effectRef idx="0">
+            <a:schemeClr val="accent1"/>
+          </a:effectRef>
+          <a:fontRef idx="minor">
+            <a:schemeClr val="lt1"/>
+          </a:fontRef>
+        </p:style>
+        <p:txBody>
+          <a:bodyPr rtlCol="0" anchor="ctr"/>
+          <a:lstStyle/>
+          <a:p>
+            <a:pPr algn="ctr"/>
+            <a:r>
+              <a:rPr lang="en-IN" dirty="0" err="1"/>
+              <a:t>AuthAPI</a:t>
+            </a:r>
+            <a:endParaRPr lang="en-IN" dirty="0"/>
+          </a:p>
+        </p:txBody>
+      </p:sp>
+      <p:cxnSp>
+        <p:nvCxnSpPr>
+          <p:cNvPr id="9" name="Connector: Elbow 8">
+            <a:extLst>
+              <a:ext uri="{FF2B5EF4-FFF2-40B4-BE49-F238E27FC236}">
+                <a16:creationId xmlns:a16="http://schemas.microsoft.com/office/drawing/2014/main" id="{CDF736AA-4287-2B52-FE16-02BB582F7C64}"/>
+              </a:ext>
+            </a:extLst>
+          </p:cNvPr>
+          <p:cNvCxnSpPr>
+            <a:cxnSpLocks/>
+            <a:stCxn id="28" idx="0"/>
+            <a:endCxn id="7" idx="1"/>
+          </p:cNvCxnSpPr>
+          <p:nvPr/>
+        </p:nvCxnSpPr>
+        <p:spPr>
+          <a:xfrm rot="5400000" flipH="1" flipV="1">
+            <a:off x="4146035" y="-488433"/>
+            <a:ext cx="784197" cy="5401733"/>
+          </a:xfrm>
+          <a:prstGeom prst="bentConnector2">
+            <a:avLst/>
+          </a:prstGeom>
+          <a:ln>
+            <a:tailEnd type="triangle"/>
+          </a:ln>
+        </p:spPr>
+        <p:style>
+          <a:lnRef idx="2">
+            <a:schemeClr val="accent1"/>
+          </a:lnRef>
+          <a:fillRef idx="0">
+            <a:schemeClr val="accent1"/>
+          </a:fillRef>
+          <a:effectRef idx="1">
+            <a:schemeClr val="accent1"/>
+          </a:effectRef>
+          <a:fontRef idx="minor">
+            <a:schemeClr val="tx1"/>
+          </a:fontRef>
+        </p:style>
+      </p:cxnSp>
+      <p:cxnSp>
+        <p:nvCxnSpPr>
+          <p:cNvPr id="11" name="Connector: Curved 10">
+            <a:extLst>
+              <a:ext uri="{FF2B5EF4-FFF2-40B4-BE49-F238E27FC236}">
+                <a16:creationId xmlns:a16="http://schemas.microsoft.com/office/drawing/2014/main" id="{26E72D53-673F-84E9-DCAE-5A1649DB396C}"/>
+              </a:ext>
+            </a:extLst>
+          </p:cNvPr>
+          <p:cNvCxnSpPr>
+            <a:stCxn id="7" idx="3"/>
+            <a:endCxn id="4" idx="1"/>
+          </p:cNvCxnSpPr>
+          <p:nvPr/>
+        </p:nvCxnSpPr>
+        <p:spPr>
+          <a:xfrm flipH="1">
+            <a:off x="7586133" y="1820334"/>
+            <a:ext cx="2844800" cy="784198"/>
+          </a:xfrm>
+          <a:prstGeom prst="curvedConnector5">
+            <a:avLst>
+              <a:gd name="adj1" fmla="val -8036"/>
+              <a:gd name="adj2" fmla="val 50000"/>
+              <a:gd name="adj3" fmla="val 108036"/>
+            </a:avLst>
+          </a:prstGeom>
+          <a:ln>
+            <a:tailEnd type="triangle"/>
+          </a:ln>
+        </p:spPr>
+        <p:style>
+          <a:lnRef idx="2">
+            <a:schemeClr val="accent1"/>
+          </a:lnRef>
+          <a:fillRef idx="0">
+            <a:schemeClr val="accent1"/>
+          </a:fillRef>
+          <a:effectRef idx="1">
+            <a:schemeClr val="accent1"/>
+          </a:effectRef>
+          <a:fontRef idx="minor">
+            <a:schemeClr val="tx1"/>
+          </a:fontRef>
+        </p:style>
+      </p:cxnSp>
+      <p:cxnSp>
+        <p:nvCxnSpPr>
+          <p:cNvPr id="13" name="Connector: Curved 12">
+            <a:extLst>
+              <a:ext uri="{FF2B5EF4-FFF2-40B4-BE49-F238E27FC236}">
+                <a16:creationId xmlns:a16="http://schemas.microsoft.com/office/drawing/2014/main" id="{CB0D5F77-0B3B-BE57-AB7A-66D264CD936D}"/>
+              </a:ext>
+            </a:extLst>
+          </p:cNvPr>
+          <p:cNvCxnSpPr>
+            <a:cxnSpLocks/>
+            <a:stCxn id="7" idx="2"/>
+            <a:endCxn id="5" idx="1"/>
+          </p:cNvCxnSpPr>
+          <p:nvPr/>
+        </p:nvCxnSpPr>
+        <p:spPr>
+          <a:xfrm rot="5400000">
+            <a:off x="7528984" y="2123016"/>
+            <a:ext cx="1363133" cy="1248834"/>
+          </a:xfrm>
+          <a:prstGeom prst="curvedConnector4">
+            <a:avLst>
+              <a:gd name="adj1" fmla="val 40994"/>
+              <a:gd name="adj2" fmla="val 118305"/>
+            </a:avLst>
+          </a:prstGeom>
+          <a:ln>
+            <a:tailEnd type="triangle"/>
+          </a:ln>
+        </p:spPr>
+        <p:style>
+          <a:lnRef idx="2">
+            <a:schemeClr val="accent1"/>
+          </a:lnRef>
+          <a:fillRef idx="0">
+            <a:schemeClr val="accent1"/>
+          </a:fillRef>
+          <a:effectRef idx="1">
+            <a:schemeClr val="accent1"/>
+          </a:effectRef>
+          <a:fontRef idx="minor">
+            <a:schemeClr val="tx1"/>
+          </a:fontRef>
+        </p:style>
+      </p:cxnSp>
+      <p:cxnSp>
+        <p:nvCxnSpPr>
+          <p:cNvPr id="16" name="Connector: Curved 15">
+            <a:extLst>
+              <a:ext uri="{FF2B5EF4-FFF2-40B4-BE49-F238E27FC236}">
+                <a16:creationId xmlns:a16="http://schemas.microsoft.com/office/drawing/2014/main" id="{32C2541F-7190-D4E3-808F-C3C5C5AED974}"/>
+              </a:ext>
+            </a:extLst>
+          </p:cNvPr>
+          <p:cNvCxnSpPr>
+            <a:cxnSpLocks/>
+            <a:stCxn id="7" idx="3"/>
+            <a:endCxn id="6" idx="3"/>
+          </p:cNvCxnSpPr>
+          <p:nvPr/>
+        </p:nvCxnSpPr>
+        <p:spPr>
+          <a:xfrm flipH="1">
+            <a:off x="10405533" y="1820334"/>
+            <a:ext cx="25400" cy="2452699"/>
+          </a:xfrm>
+          <a:prstGeom prst="curvedConnector3">
+            <a:avLst>
+              <a:gd name="adj1" fmla="val -900000"/>
+            </a:avLst>
+          </a:prstGeom>
+          <a:ln>
+            <a:tailEnd type="triangle"/>
+          </a:ln>
+        </p:spPr>
+        <p:style>
+          <a:lnRef idx="2">
+            <a:schemeClr val="accent1"/>
+          </a:lnRef>
+          <a:fillRef idx="0">
+            <a:schemeClr val="accent1"/>
+          </a:fillRef>
+          <a:effectRef idx="1">
+            <a:schemeClr val="accent1"/>
+          </a:effectRef>
+          <a:fontRef idx="minor">
+            <a:schemeClr val="tx1"/>
+          </a:fontRef>
+        </p:style>
+      </p:cxnSp>
+      <p:sp>
+        <p:nvSpPr>
+          <p:cNvPr id="18" name="Cylinder 17">
+            <a:extLst>
+              <a:ext uri="{FF2B5EF4-FFF2-40B4-BE49-F238E27FC236}">
+                <a16:creationId xmlns:a16="http://schemas.microsoft.com/office/drawing/2014/main" id="{6E95162F-AB3E-E421-B3D3-0410BC038BA0}"/>
+              </a:ext>
+            </a:extLst>
+          </p:cNvPr>
+          <p:cNvSpPr/>
+          <p:nvPr/>
+        </p:nvSpPr>
+        <p:spPr>
+          <a:xfrm>
+            <a:off x="10930467" y="1185333"/>
+            <a:ext cx="1071031" cy="804334"/>
+          </a:xfrm>
+          <a:prstGeom prst="can">
+            <a:avLst/>
+          </a:prstGeom>
+        </p:spPr>
+        <p:style>
+          <a:lnRef idx="2">
+            <a:schemeClr val="accent1">
+              <a:shade val="15000"/>
+            </a:schemeClr>
+          </a:lnRef>
+          <a:fillRef idx="1">
+            <a:schemeClr val="accent1"/>
+          </a:fillRef>
+          <a:effectRef idx="0">
+            <a:schemeClr val="accent1"/>
+          </a:effectRef>
+          <a:fontRef idx="minor">
+            <a:schemeClr val="lt1"/>
+          </a:fontRef>
+        </p:style>
+        <p:txBody>
+          <a:bodyPr rtlCol="0" anchor="ctr"/>
+          <a:lstStyle/>
+          <a:p>
+            <a:pPr algn="ctr"/>
+            <a:r>
+              <a:rPr lang="en-IN" dirty="0"/>
+              <a:t>Auth</a:t>
+            </a:r>
+          </a:p>
+          <a:p>
+            <a:pPr algn="ctr"/>
+            <a:r>
+              <a:rPr lang="en-IN" dirty="0"/>
+              <a:t>Db</a:t>
+            </a:r>
+          </a:p>
+        </p:txBody>
+      </p:sp>
+      <p:cxnSp>
+        <p:nvCxnSpPr>
+          <p:cNvPr id="20" name="Connector: Elbow 19">
+            <a:extLst>
+              <a:ext uri="{FF2B5EF4-FFF2-40B4-BE49-F238E27FC236}">
+                <a16:creationId xmlns:a16="http://schemas.microsoft.com/office/drawing/2014/main" id="{41EA4EDC-0E6C-8AA6-5C17-D879DCEDB85F}"/>
+              </a:ext>
+            </a:extLst>
+          </p:cNvPr>
+          <p:cNvCxnSpPr>
+            <a:stCxn id="7" idx="0"/>
+            <a:endCxn id="18" idx="1"/>
+          </p:cNvCxnSpPr>
+          <p:nvPr/>
+        </p:nvCxnSpPr>
+        <p:spPr>
+          <a:xfrm rot="5400000" flipH="1" flipV="1">
+            <a:off x="9955742" y="64559"/>
+            <a:ext cx="389467" cy="2631016"/>
+          </a:xfrm>
+          <a:prstGeom prst="bentConnector3">
+            <a:avLst>
+              <a:gd name="adj1" fmla="val 158696"/>
+            </a:avLst>
+          </a:prstGeom>
+          <a:ln>
+            <a:headEnd type="triangle"/>
+            <a:tailEnd type="triangle"/>
+          </a:ln>
+        </p:spPr>
+        <p:style>
+          <a:lnRef idx="2">
+            <a:schemeClr val="accent1"/>
+          </a:lnRef>
+          <a:fillRef idx="0">
+            <a:schemeClr val="accent1"/>
+          </a:fillRef>
+          <a:effectRef idx="1">
+            <a:schemeClr val="accent1"/>
+          </a:effectRef>
+          <a:fontRef idx="minor">
+            <a:schemeClr val="tx1"/>
+          </a:fontRef>
+        </p:style>
+      </p:cxnSp>
+      <p:sp>
+        <p:nvSpPr>
+          <p:cNvPr id="21" name="Cylinder 20">
+            <a:extLst>
+              <a:ext uri="{FF2B5EF4-FFF2-40B4-BE49-F238E27FC236}">
+                <a16:creationId xmlns:a16="http://schemas.microsoft.com/office/drawing/2014/main" id="{3BAC5957-82BC-C0B9-9759-ED5B5C749745}"/>
+              </a:ext>
+            </a:extLst>
+          </p:cNvPr>
+          <p:cNvSpPr/>
+          <p:nvPr/>
+        </p:nvSpPr>
+        <p:spPr>
+          <a:xfrm>
+            <a:off x="10926234" y="3069165"/>
+            <a:ext cx="1071031" cy="804334"/>
+          </a:xfrm>
+          <a:prstGeom prst="can">
+            <a:avLst/>
+          </a:prstGeom>
+        </p:spPr>
+        <p:style>
+          <a:lnRef idx="2">
+            <a:schemeClr val="accent1">
+              <a:shade val="15000"/>
+            </a:schemeClr>
+          </a:lnRef>
+          <a:fillRef idx="1">
+            <a:schemeClr val="accent1"/>
+          </a:fillRef>
+          <a:effectRef idx="0">
+            <a:schemeClr val="accent1"/>
+          </a:effectRef>
+          <a:fontRef idx="minor">
+            <a:schemeClr val="lt1"/>
+          </a:fontRef>
+        </p:style>
+        <p:txBody>
+          <a:bodyPr rtlCol="0" anchor="ctr"/>
+          <a:lstStyle/>
+          <a:p>
+            <a:pPr algn="ctr"/>
+            <a:r>
+              <a:rPr lang="en-IN" dirty="0"/>
+              <a:t>Biz</a:t>
+            </a:r>
+          </a:p>
+          <a:p>
+            <a:pPr algn="ctr"/>
+            <a:r>
+              <a:rPr lang="en-IN" dirty="0"/>
+              <a:t>Db</a:t>
+            </a:r>
+          </a:p>
+        </p:txBody>
+      </p:sp>
+      <p:cxnSp>
+        <p:nvCxnSpPr>
+          <p:cNvPr id="23" name="Connector: Elbow 22">
+            <a:extLst>
+              <a:ext uri="{FF2B5EF4-FFF2-40B4-BE49-F238E27FC236}">
+                <a16:creationId xmlns:a16="http://schemas.microsoft.com/office/drawing/2014/main" id="{C728B206-0832-8761-4D57-8D75113C855F}"/>
+              </a:ext>
+            </a:extLst>
+          </p:cNvPr>
+          <p:cNvCxnSpPr>
+            <a:stCxn id="4" idx="3"/>
+            <a:endCxn id="21" idx="1"/>
+          </p:cNvCxnSpPr>
+          <p:nvPr/>
+        </p:nvCxnSpPr>
+        <p:spPr>
+          <a:xfrm>
+            <a:off x="10430933" y="2604532"/>
+            <a:ext cx="1030817" cy="464633"/>
+          </a:xfrm>
+          <a:prstGeom prst="bentConnector2">
+            <a:avLst/>
+          </a:prstGeom>
+          <a:ln>
+            <a:headEnd type="triangle"/>
+            <a:tailEnd type="triangle"/>
+          </a:ln>
+        </p:spPr>
+        <p:style>
+          <a:lnRef idx="2">
+            <a:schemeClr val="accent1"/>
+          </a:lnRef>
+          <a:fillRef idx="0">
+            <a:schemeClr val="accent1"/>
+          </a:fillRef>
+          <a:effectRef idx="1">
+            <a:schemeClr val="accent1"/>
+          </a:effectRef>
+          <a:fontRef idx="minor">
+            <a:schemeClr val="tx1"/>
+          </a:fontRef>
+        </p:style>
+      </p:cxnSp>
+      <p:cxnSp>
+        <p:nvCxnSpPr>
+          <p:cNvPr id="25" name="Connector: Elbow 24">
+            <a:extLst>
+              <a:ext uri="{FF2B5EF4-FFF2-40B4-BE49-F238E27FC236}">
+                <a16:creationId xmlns:a16="http://schemas.microsoft.com/office/drawing/2014/main" id="{114FAA8E-F452-D78D-202D-7206A86A55DD}"/>
+              </a:ext>
+            </a:extLst>
+          </p:cNvPr>
+          <p:cNvCxnSpPr>
+            <a:stCxn id="5" idx="3"/>
+            <a:endCxn id="21" idx="1"/>
+          </p:cNvCxnSpPr>
+          <p:nvPr/>
+        </p:nvCxnSpPr>
+        <p:spPr>
+          <a:xfrm flipV="1">
+            <a:off x="10430933" y="3069165"/>
+            <a:ext cx="1030817" cy="359835"/>
+          </a:xfrm>
+          <a:prstGeom prst="bentConnector4">
+            <a:avLst>
+              <a:gd name="adj1" fmla="val 24025"/>
+              <a:gd name="adj2" fmla="val 163529"/>
+            </a:avLst>
+          </a:prstGeom>
+          <a:ln>
+            <a:headEnd type="triangle"/>
+            <a:tailEnd type="triangle"/>
+          </a:ln>
+        </p:spPr>
+        <p:style>
+          <a:lnRef idx="2">
+            <a:schemeClr val="accent1"/>
+          </a:lnRef>
+          <a:fillRef idx="0">
+            <a:schemeClr val="accent1"/>
+          </a:fillRef>
+          <a:effectRef idx="1">
+            <a:schemeClr val="accent1"/>
+          </a:effectRef>
+          <a:fontRef idx="minor">
+            <a:schemeClr val="tx1"/>
+          </a:fontRef>
+        </p:style>
+      </p:cxnSp>
+      <p:cxnSp>
+        <p:nvCxnSpPr>
+          <p:cNvPr id="27" name="Connector: Elbow 26">
+            <a:extLst>
+              <a:ext uri="{FF2B5EF4-FFF2-40B4-BE49-F238E27FC236}">
+                <a16:creationId xmlns:a16="http://schemas.microsoft.com/office/drawing/2014/main" id="{7609F7BF-2A7B-1EC5-4E7A-44E84296135E}"/>
+              </a:ext>
+            </a:extLst>
+          </p:cNvPr>
+          <p:cNvCxnSpPr>
+            <a:stCxn id="6" idx="3"/>
+            <a:endCxn id="21" idx="3"/>
+          </p:cNvCxnSpPr>
+          <p:nvPr/>
+        </p:nvCxnSpPr>
+        <p:spPr>
+          <a:xfrm flipV="1">
+            <a:off x="10405533" y="3873499"/>
+            <a:ext cx="1056217" cy="399534"/>
+          </a:xfrm>
+          <a:prstGeom prst="bentConnector2">
+            <a:avLst/>
+          </a:prstGeom>
+          <a:ln>
+            <a:headEnd type="triangle"/>
+            <a:tailEnd type="triangle"/>
+          </a:ln>
+        </p:spPr>
+        <p:style>
+          <a:lnRef idx="2">
+            <a:schemeClr val="accent1"/>
+          </a:lnRef>
+          <a:fillRef idx="0">
+            <a:schemeClr val="accent1"/>
+          </a:fillRef>
+          <a:effectRef idx="1">
+            <a:schemeClr val="accent1"/>
+          </a:effectRef>
+          <a:fontRef idx="minor">
+            <a:schemeClr val="tx1"/>
+          </a:fontRef>
+        </p:style>
+      </p:cxnSp>
+      <p:sp>
+        <p:nvSpPr>
+          <p:cNvPr id="28" name="Rectangle 27">
+            <a:extLst>
+              <a:ext uri="{FF2B5EF4-FFF2-40B4-BE49-F238E27FC236}">
+                <a16:creationId xmlns:a16="http://schemas.microsoft.com/office/drawing/2014/main" id="{953A50EE-CD33-F049-9D8A-0EF2BC983D12}"/>
+              </a:ext>
+            </a:extLst>
+          </p:cNvPr>
+          <p:cNvSpPr/>
+          <p:nvPr/>
+        </p:nvSpPr>
+        <p:spPr>
+          <a:xfrm>
+            <a:off x="575733" y="2604531"/>
+            <a:ext cx="2523067" cy="1422968"/>
+          </a:xfrm>
+          <a:prstGeom prst="rect">
+            <a:avLst/>
+          </a:prstGeom>
+        </p:spPr>
+        <p:style>
+          <a:lnRef idx="2">
+            <a:schemeClr val="accent1">
+              <a:shade val="15000"/>
+            </a:schemeClr>
+          </a:lnRef>
+          <a:fillRef idx="1">
+            <a:schemeClr val="accent1"/>
+          </a:fillRef>
+          <a:effectRef idx="0">
+            <a:schemeClr val="accent1"/>
+          </a:effectRef>
+          <a:fontRef idx="minor">
+            <a:schemeClr val="lt1"/>
+          </a:fontRef>
+        </p:style>
+        <p:txBody>
+          <a:bodyPr rtlCol="0" anchor="ctr"/>
+          <a:lstStyle/>
+          <a:p>
+            <a:pPr algn="ctr"/>
+            <a:r>
+              <a:rPr lang="en-IN" dirty="0"/>
+              <a:t>Browser Based App</a:t>
+            </a:r>
+          </a:p>
+        </p:txBody>
+      </p:sp>
+      <p:sp>
+        <p:nvSpPr>
+          <p:cNvPr id="30" name="TextBox 29">
+            <a:extLst>
+              <a:ext uri="{FF2B5EF4-FFF2-40B4-BE49-F238E27FC236}">
+                <a16:creationId xmlns:a16="http://schemas.microsoft.com/office/drawing/2014/main" id="{D35D0342-EC65-EC6D-57C5-8B799D846212}"/>
+              </a:ext>
+            </a:extLst>
+          </p:cNvPr>
+          <p:cNvSpPr txBox="1"/>
+          <p:nvPr/>
+        </p:nvSpPr>
+        <p:spPr>
+          <a:xfrm>
+            <a:off x="2734733" y="1185333"/>
+            <a:ext cx="3598334" cy="923330"/>
+          </a:xfrm>
+          <a:prstGeom prst="rect">
+            <a:avLst/>
+          </a:prstGeom>
+          <a:noFill/>
+          <a:ln>
+            <a:solidFill>
+              <a:schemeClr val="accent1"/>
+            </a:solidFill>
+          </a:ln>
+        </p:spPr>
+        <p:txBody>
+          <a:bodyPr wrap="square" rtlCol="0">
+            <a:spAutoFit/>
+          </a:bodyPr>
+          <a:lstStyle/>
+          <a:p>
+            <a:pPr algn="ctr"/>
+            <a:r>
+              <a:rPr lang="en-IN" b="1" dirty="0"/>
+              <a:t>Login Request</a:t>
+            </a:r>
+          </a:p>
+          <a:p>
+            <a:pPr algn="ctr"/>
+            <a:r>
+              <a:rPr lang="en-IN" b="1" dirty="0"/>
+              <a:t>Auth Token Authorization</a:t>
+            </a:r>
+          </a:p>
+          <a:p>
+            <a:pPr algn="ctr"/>
+            <a:r>
+              <a:rPr lang="en-IN" b="1" dirty="0"/>
+              <a:t>Guards</a:t>
+            </a:r>
+          </a:p>
+        </p:txBody>
+      </p:sp>
+    </p:spTree>
+    <p:extLst>
+      <p:ext uri="{BB962C8B-B14F-4D97-AF65-F5344CB8AC3E}">
+        <p14:creationId xmlns:p14="http://schemas.microsoft.com/office/powerpoint/2010/main" val="3428868503"/>
       </p:ext>
     </p:extLst>
   </p:cSld>

--- a/my-ng-app/Angular_Training_Images.pptx
+++ b/my-ng-app/Angular_Training_Images.pptx
@@ -23,6 +23,12 @@
     <p:sldId id="271" r:id="rId17"/>
     <p:sldId id="272" r:id="rId18"/>
     <p:sldId id="273" r:id="rId19"/>
+    <p:sldId id="274" r:id="rId20"/>
+    <p:sldId id="277" r:id="rId21"/>
+    <p:sldId id="275" r:id="rId22"/>
+    <p:sldId id="276" r:id="rId23"/>
+    <p:sldId id="278" r:id="rId24"/>
+    <p:sldId id="279" r:id="rId25"/>
   </p:sldIdLst>
   <p:sldSz cx="12192000" cy="6858000"/>
   <p:notesSz cx="6858000" cy="9144000"/>
@@ -278,7 +284,7 @@
           <a:p>
             <a:fld id="{35E7C7C1-050F-4B17-8FDC-37C455263954}" type="datetimeFigureOut">
               <a:rPr lang="en-IN" smtClean="0"/>
-              <a:t>29-03-2024</a:t>
+              <a:t>01-04-2024</a:t>
             </a:fld>
             <a:endParaRPr lang="en-IN"/>
           </a:p>
@@ -478,7 +484,7 @@
           <a:p>
             <a:fld id="{35E7C7C1-050F-4B17-8FDC-37C455263954}" type="datetimeFigureOut">
               <a:rPr lang="en-IN" smtClean="0"/>
-              <a:t>29-03-2024</a:t>
+              <a:t>01-04-2024</a:t>
             </a:fld>
             <a:endParaRPr lang="en-IN"/>
           </a:p>
@@ -688,7 +694,7 @@
           <a:p>
             <a:fld id="{35E7C7C1-050F-4B17-8FDC-37C455263954}" type="datetimeFigureOut">
               <a:rPr lang="en-IN" smtClean="0"/>
-              <a:t>29-03-2024</a:t>
+              <a:t>01-04-2024</a:t>
             </a:fld>
             <a:endParaRPr lang="en-IN"/>
           </a:p>
@@ -888,7 +894,7 @@
           <a:p>
             <a:fld id="{35E7C7C1-050F-4B17-8FDC-37C455263954}" type="datetimeFigureOut">
               <a:rPr lang="en-IN" smtClean="0"/>
-              <a:t>29-03-2024</a:t>
+              <a:t>01-04-2024</a:t>
             </a:fld>
             <a:endParaRPr lang="en-IN"/>
           </a:p>
@@ -1164,7 +1170,7 @@
           <a:p>
             <a:fld id="{35E7C7C1-050F-4B17-8FDC-37C455263954}" type="datetimeFigureOut">
               <a:rPr lang="en-IN" smtClean="0"/>
-              <a:t>29-03-2024</a:t>
+              <a:t>01-04-2024</a:t>
             </a:fld>
             <a:endParaRPr lang="en-IN"/>
           </a:p>
@@ -1432,7 +1438,7 @@
           <a:p>
             <a:fld id="{35E7C7C1-050F-4B17-8FDC-37C455263954}" type="datetimeFigureOut">
               <a:rPr lang="en-IN" smtClean="0"/>
-              <a:t>29-03-2024</a:t>
+              <a:t>01-04-2024</a:t>
             </a:fld>
             <a:endParaRPr lang="en-IN"/>
           </a:p>
@@ -1847,7 +1853,7 @@
           <a:p>
             <a:fld id="{35E7C7C1-050F-4B17-8FDC-37C455263954}" type="datetimeFigureOut">
               <a:rPr lang="en-IN" smtClean="0"/>
-              <a:t>29-03-2024</a:t>
+              <a:t>01-04-2024</a:t>
             </a:fld>
             <a:endParaRPr lang="en-IN"/>
           </a:p>
@@ -1989,7 +1995,7 @@
           <a:p>
             <a:fld id="{35E7C7C1-050F-4B17-8FDC-37C455263954}" type="datetimeFigureOut">
               <a:rPr lang="en-IN" smtClean="0"/>
-              <a:t>29-03-2024</a:t>
+              <a:t>01-04-2024</a:t>
             </a:fld>
             <a:endParaRPr lang="en-IN"/>
           </a:p>
@@ -2102,7 +2108,7 @@
           <a:p>
             <a:fld id="{35E7C7C1-050F-4B17-8FDC-37C455263954}" type="datetimeFigureOut">
               <a:rPr lang="en-IN" smtClean="0"/>
-              <a:t>29-03-2024</a:t>
+              <a:t>01-04-2024</a:t>
             </a:fld>
             <a:endParaRPr lang="en-IN"/>
           </a:p>
@@ -2415,7 +2421,7 @@
           <a:p>
             <a:fld id="{35E7C7C1-050F-4B17-8FDC-37C455263954}" type="datetimeFigureOut">
               <a:rPr lang="en-IN" smtClean="0"/>
-              <a:t>29-03-2024</a:t>
+              <a:t>01-04-2024</a:t>
             </a:fld>
             <a:endParaRPr lang="en-IN"/>
           </a:p>
@@ -2704,7 +2710,7 @@
           <a:p>
             <a:fld id="{35E7C7C1-050F-4B17-8FDC-37C455263954}" type="datetimeFigureOut">
               <a:rPr lang="en-IN" smtClean="0"/>
-              <a:t>29-03-2024</a:t>
+              <a:t>01-04-2024</a:t>
             </a:fld>
             <a:endParaRPr lang="en-IN"/>
           </a:p>
@@ -2947,7 +2953,7 @@
           <a:p>
             <a:fld id="{35E7C7C1-050F-4B17-8FDC-37C455263954}" type="datetimeFigureOut">
               <a:rPr lang="en-IN" smtClean="0"/>
-              <a:t>29-03-2024</a:t>
+              <a:t>01-04-2024</a:t>
             </a:fld>
             <a:endParaRPr lang="en-IN"/>
           </a:p>
@@ -14746,6 +14752,252 @@
 </p:sld>
 </file>
 
+<file path=ppt/slides/slide19.xml><?xml version="1.0" encoding="utf-8"?>
+<p:sld xmlns:a="http://schemas.openxmlformats.org/drawingml/2006/main" xmlns:r="http://schemas.openxmlformats.org/officeDocument/2006/relationships" xmlns:p="http://schemas.openxmlformats.org/presentationml/2006/main">
+  <p:cSld>
+    <p:spTree>
+      <p:nvGrpSpPr>
+        <p:cNvPr id="1" name=""/>
+        <p:cNvGrpSpPr/>
+        <p:nvPr/>
+      </p:nvGrpSpPr>
+      <p:grpSpPr>
+        <a:xfrm>
+          <a:off x="0" y="0"/>
+          <a:ext cx="0" cy="0"/>
+          <a:chOff x="0" y="0"/>
+          <a:chExt cx="0" cy="0"/>
+        </a:xfrm>
+      </p:grpSpPr>
+      <p:sp>
+        <p:nvSpPr>
+          <p:cNvPr id="3" name="TextBox 2">
+            <a:extLst>
+              <a:ext uri="{FF2B5EF4-FFF2-40B4-BE49-F238E27FC236}">
+                <a16:creationId xmlns:a16="http://schemas.microsoft.com/office/drawing/2014/main" id="{8589996C-F0D8-9B22-488B-83F5D7476895}"/>
+              </a:ext>
+            </a:extLst>
+          </p:cNvPr>
+          <p:cNvSpPr txBox="1"/>
+          <p:nvPr/>
+        </p:nvSpPr>
+        <p:spPr>
+          <a:xfrm>
+            <a:off x="3225800" y="120134"/>
+            <a:ext cx="6096000" cy="369332"/>
+          </a:xfrm>
+          <a:prstGeom prst="rect">
+            <a:avLst/>
+          </a:prstGeom>
+          <a:noFill/>
+        </p:spPr>
+        <p:txBody>
+          <a:bodyPr wrap="square">
+            <a:spAutoFit/>
+          </a:bodyPr>
+          <a:lstStyle/>
+          <a:p>
+            <a:pPr algn="ctr"/>
+            <a:r>
+              <a:rPr lang="en-IN" b="1" i="0" dirty="0">
+                <a:solidFill>
+                  <a:srgbClr val="333333"/>
+                </a:solidFill>
+                <a:effectLst/>
+                <a:latin typeface="Roboto" panose="02000000000000000000" pitchFamily="2" charset="0"/>
+              </a:rPr>
+              <a:t>Angular Signals</a:t>
+            </a:r>
+            <a:endParaRPr lang="en-IN" b="1" dirty="0"/>
+          </a:p>
+        </p:txBody>
+      </p:sp>
+      <p:sp>
+        <p:nvSpPr>
+          <p:cNvPr id="5" name="TextBox 4">
+            <a:extLst>
+              <a:ext uri="{FF2B5EF4-FFF2-40B4-BE49-F238E27FC236}">
+                <a16:creationId xmlns:a16="http://schemas.microsoft.com/office/drawing/2014/main" id="{404287FD-C8DE-8986-FE1C-D7E79BBDB2A6}"/>
+              </a:ext>
+            </a:extLst>
+          </p:cNvPr>
+          <p:cNvSpPr txBox="1"/>
+          <p:nvPr/>
+        </p:nvSpPr>
+        <p:spPr>
+          <a:xfrm>
+            <a:off x="304800" y="681335"/>
+            <a:ext cx="11557000" cy="646331"/>
+          </a:xfrm>
+          <a:prstGeom prst="rect">
+            <a:avLst/>
+          </a:prstGeom>
+          <a:noFill/>
+        </p:spPr>
+        <p:txBody>
+          <a:bodyPr wrap="square">
+            <a:spAutoFit/>
+          </a:bodyPr>
+          <a:lstStyle/>
+          <a:p>
+            <a:r>
+              <a:rPr lang="en-US" b="1" i="0" dirty="0">
+                <a:solidFill>
+                  <a:srgbClr val="444444"/>
+                </a:solidFill>
+                <a:effectLst/>
+                <a:latin typeface="Roboto" panose="02000000000000000000" pitchFamily="2" charset="0"/>
+              </a:rPr>
+              <a:t>Angular Signals </a:t>
+            </a:r>
+            <a:r>
+              <a:rPr lang="en-US" b="0" i="0" dirty="0">
+                <a:solidFill>
+                  <a:srgbClr val="444444"/>
+                </a:solidFill>
+                <a:effectLst/>
+                <a:latin typeface="Roboto" panose="02000000000000000000" pitchFamily="2" charset="0"/>
+              </a:rPr>
+              <a:t>is a system that granularly tracks how and where your state is used throughout an application, allowing the framework to optimize rendering updates.</a:t>
+            </a:r>
+            <a:endParaRPr lang="en-IN" dirty="0"/>
+          </a:p>
+        </p:txBody>
+      </p:sp>
+      <p:sp>
+        <p:nvSpPr>
+          <p:cNvPr id="7" name="TextBox 6">
+            <a:extLst>
+              <a:ext uri="{FF2B5EF4-FFF2-40B4-BE49-F238E27FC236}">
+                <a16:creationId xmlns:a16="http://schemas.microsoft.com/office/drawing/2014/main" id="{11C2F5D4-E670-8406-257A-F7E1082A61B8}"/>
+              </a:ext>
+            </a:extLst>
+          </p:cNvPr>
+          <p:cNvSpPr txBox="1"/>
+          <p:nvPr/>
+        </p:nvSpPr>
+        <p:spPr>
+          <a:xfrm>
+            <a:off x="186267" y="1811867"/>
+            <a:ext cx="11895666" cy="1477328"/>
+          </a:xfrm>
+          <a:prstGeom prst="rect">
+            <a:avLst/>
+          </a:prstGeom>
+          <a:noFill/>
+        </p:spPr>
+        <p:txBody>
+          <a:bodyPr wrap="square">
+            <a:spAutoFit/>
+          </a:bodyPr>
+          <a:lstStyle/>
+          <a:p>
+            <a:pPr algn="l"/>
+            <a:r>
+              <a:rPr lang="en-US" b="1" i="0" dirty="0">
+                <a:solidFill>
+                  <a:srgbClr val="333333"/>
+                </a:solidFill>
+                <a:effectLst/>
+                <a:latin typeface="Roboto" panose="02000000000000000000" pitchFamily="2" charset="0"/>
+              </a:rPr>
+              <a:t>What are signals?</a:t>
+            </a:r>
+          </a:p>
+          <a:p>
+            <a:pPr algn="l"/>
+            <a:r>
+              <a:rPr lang="en-US" b="0" i="0" dirty="0">
+                <a:solidFill>
+                  <a:srgbClr val="444444"/>
+                </a:solidFill>
+                <a:effectLst/>
+                <a:latin typeface="Roboto" panose="02000000000000000000" pitchFamily="2" charset="0"/>
+              </a:rPr>
+              <a:t>A signal is a wrapper around a value that can notify interested consumers when that value changes. Signals can contain any value, from simple primitives to complex data structures.</a:t>
+            </a:r>
+          </a:p>
+          <a:p>
+            <a:pPr algn="l"/>
+            <a:r>
+              <a:rPr lang="en-US" b="0" i="0" dirty="0">
+                <a:solidFill>
+                  <a:srgbClr val="444444"/>
+                </a:solidFill>
+                <a:effectLst/>
+                <a:latin typeface="Roboto" panose="02000000000000000000" pitchFamily="2" charset="0"/>
+              </a:rPr>
+              <a:t>A signal's value is always read through a getter function, which allows Angular to track where the signal is used.</a:t>
+            </a:r>
+          </a:p>
+          <a:p>
+            <a:pPr algn="l"/>
+            <a:r>
+              <a:rPr lang="en-US" b="0" i="0" dirty="0">
+                <a:solidFill>
+                  <a:srgbClr val="444444"/>
+                </a:solidFill>
+                <a:effectLst/>
+                <a:latin typeface="Roboto" panose="02000000000000000000" pitchFamily="2" charset="0"/>
+              </a:rPr>
+              <a:t>Signals may be either </a:t>
+            </a:r>
+            <a:r>
+              <a:rPr lang="en-US" b="0" i="1" dirty="0">
+                <a:solidFill>
+                  <a:srgbClr val="444444"/>
+                </a:solidFill>
+                <a:effectLst/>
+                <a:latin typeface="Roboto" panose="02000000000000000000" pitchFamily="2" charset="0"/>
+              </a:rPr>
+              <a:t>writable</a:t>
+            </a:r>
+            <a:r>
+              <a:rPr lang="en-US" b="0" i="0" dirty="0">
+                <a:solidFill>
+                  <a:srgbClr val="444444"/>
+                </a:solidFill>
+                <a:effectLst/>
+                <a:latin typeface="Roboto" panose="02000000000000000000" pitchFamily="2" charset="0"/>
+              </a:rPr>
+              <a:t> or </a:t>
+            </a:r>
+            <a:r>
+              <a:rPr lang="en-US" b="0" i="1" dirty="0">
+                <a:solidFill>
+                  <a:srgbClr val="444444"/>
+                </a:solidFill>
+                <a:effectLst/>
+                <a:latin typeface="Roboto" panose="02000000000000000000" pitchFamily="2" charset="0"/>
+              </a:rPr>
+              <a:t>read-only</a:t>
+            </a:r>
+            <a:r>
+              <a:rPr lang="en-US" b="0" i="0" dirty="0">
+                <a:solidFill>
+                  <a:srgbClr val="444444"/>
+                </a:solidFill>
+                <a:effectLst/>
+                <a:latin typeface="Roboto" panose="02000000000000000000" pitchFamily="2" charset="0"/>
+              </a:rPr>
+              <a:t>.</a:t>
+            </a:r>
+          </a:p>
+        </p:txBody>
+      </p:sp>
+    </p:spTree>
+    <p:extLst>
+      <p:ext uri="{BB962C8B-B14F-4D97-AF65-F5344CB8AC3E}">
+        <p14:creationId xmlns:p14="http://schemas.microsoft.com/office/powerpoint/2010/main" val="2430502359"/>
+      </p:ext>
+    </p:extLst>
+  </p:cSld>
+  <p:clrMapOvr>
+    <a:masterClrMapping/>
+  </p:clrMapOvr>
+</p:sld>
+</file>
+
 <file path=ppt/slides/slide2.xml><?xml version="1.0" encoding="utf-8"?>
 <p:sld xmlns:a="http://schemas.openxmlformats.org/drawingml/2006/main" xmlns:r="http://schemas.openxmlformats.org/officeDocument/2006/relationships" xmlns:p="http://schemas.openxmlformats.org/presentationml/2006/main">
   <p:cSld>
@@ -15692,6 +15944,3798 @@
     <p:extLst>
       <p:ext uri="{BB962C8B-B14F-4D97-AF65-F5344CB8AC3E}">
         <p14:creationId xmlns:p14="http://schemas.microsoft.com/office/powerpoint/2010/main" val="1470882033"/>
+      </p:ext>
+    </p:extLst>
+  </p:cSld>
+  <p:clrMapOvr>
+    <a:masterClrMapping/>
+  </p:clrMapOvr>
+</p:sld>
+</file>
+
+<file path=ppt/slides/slide20.xml><?xml version="1.0" encoding="utf-8"?>
+<p:sld xmlns:a="http://schemas.openxmlformats.org/drawingml/2006/main" xmlns:r="http://schemas.openxmlformats.org/officeDocument/2006/relationships" xmlns:p="http://schemas.openxmlformats.org/presentationml/2006/main">
+  <p:cSld>
+    <p:spTree>
+      <p:nvGrpSpPr>
+        <p:cNvPr id="1" name=""/>
+        <p:cNvGrpSpPr/>
+        <p:nvPr/>
+      </p:nvGrpSpPr>
+      <p:grpSpPr>
+        <a:xfrm>
+          <a:off x="0" y="0"/>
+          <a:ext cx="0" cy="0"/>
+          <a:chOff x="0" y="0"/>
+          <a:chExt cx="0" cy="0"/>
+        </a:xfrm>
+      </p:grpSpPr>
+      <p:sp>
+        <p:nvSpPr>
+          <p:cNvPr id="3" name="TextBox 2">
+            <a:extLst>
+              <a:ext uri="{FF2B5EF4-FFF2-40B4-BE49-F238E27FC236}">
+                <a16:creationId xmlns:a16="http://schemas.microsoft.com/office/drawing/2014/main" id="{2102CDED-949E-180E-3BC7-9508C6331CEA}"/>
+              </a:ext>
+            </a:extLst>
+          </p:cNvPr>
+          <p:cNvSpPr txBox="1"/>
+          <p:nvPr/>
+        </p:nvSpPr>
+        <p:spPr>
+          <a:xfrm>
+            <a:off x="160866" y="58846"/>
+            <a:ext cx="6096000" cy="6740307"/>
+          </a:xfrm>
+          <a:prstGeom prst="rect">
+            <a:avLst/>
+          </a:prstGeom>
+          <a:noFill/>
+        </p:spPr>
+        <p:txBody>
+          <a:bodyPr wrap="square">
+            <a:spAutoFit/>
+          </a:bodyPr>
+          <a:lstStyle/>
+          <a:p>
+            <a:pPr algn="just">
+              <a:buFont typeface="+mj-lt"/>
+              <a:buAutoNum type="arabicPeriod"/>
+            </a:pPr>
+            <a:r>
+              <a:rPr lang="en-US" b="1" i="0" dirty="0">
+                <a:solidFill>
+                  <a:srgbClr val="242424"/>
+                </a:solidFill>
+                <a:effectLst/>
+                <a:latin typeface="source-serif-pro"/>
+              </a:rPr>
+              <a:t>Imagine Your House: </a:t>
+            </a:r>
+            <a:r>
+              <a:rPr lang="en-US" b="0" i="0" dirty="0">
+                <a:solidFill>
+                  <a:srgbClr val="242424"/>
+                </a:solidFill>
+                <a:effectLst/>
+                <a:latin typeface="source-serif-pro"/>
+              </a:rPr>
+              <a:t>Think of your Angular application like a large house with many rooms. Each room is like a component in your app.</a:t>
+            </a:r>
+          </a:p>
+          <a:p>
+            <a:pPr algn="just">
+              <a:buFont typeface="+mj-lt"/>
+              <a:buAutoNum type="arabicPeriod"/>
+            </a:pPr>
+            <a:endParaRPr lang="en-US" b="0" i="0" dirty="0">
+              <a:solidFill>
+                <a:srgbClr val="242424"/>
+              </a:solidFill>
+              <a:effectLst/>
+              <a:latin typeface="source-serif-pro"/>
+            </a:endParaRPr>
+          </a:p>
+          <a:p>
+            <a:pPr algn="just">
+              <a:buFont typeface="+mj-lt"/>
+              <a:buAutoNum type="arabicPeriod"/>
+            </a:pPr>
+            <a:r>
+              <a:rPr lang="en-US" b="1" i="0" dirty="0">
+                <a:solidFill>
+                  <a:srgbClr val="242424"/>
+                </a:solidFill>
+                <a:effectLst/>
+                <a:latin typeface="source-serif-pro"/>
+              </a:rPr>
+              <a:t>Change Detection Without Signals: </a:t>
+            </a:r>
+            <a:r>
+              <a:rPr lang="en-US" b="0" i="0" dirty="0">
+                <a:solidFill>
+                  <a:srgbClr val="242424"/>
+                </a:solidFill>
+                <a:effectLst/>
+                <a:latin typeface="source-serif-pro"/>
+              </a:rPr>
+              <a:t>Traditionally, when something changes in one room (component), Angular checks all other rooms to see if they’re affected. It’s like turning on all the lights in the entire house to find a change in one room.</a:t>
+            </a:r>
+          </a:p>
+          <a:p>
+            <a:pPr algn="just">
+              <a:buFont typeface="+mj-lt"/>
+              <a:buAutoNum type="arabicPeriod"/>
+            </a:pPr>
+            <a:endParaRPr lang="en-US" b="0" i="0" dirty="0">
+              <a:solidFill>
+                <a:srgbClr val="242424"/>
+              </a:solidFill>
+              <a:effectLst/>
+              <a:latin typeface="source-serif-pro"/>
+            </a:endParaRPr>
+          </a:p>
+          <a:p>
+            <a:pPr algn="just">
+              <a:buFont typeface="+mj-lt"/>
+              <a:buAutoNum type="arabicPeriod"/>
+            </a:pPr>
+            <a:r>
+              <a:rPr lang="en-US" b="1" i="0" dirty="0">
+                <a:solidFill>
+                  <a:srgbClr val="242424"/>
+                </a:solidFill>
+                <a:effectLst/>
+                <a:latin typeface="source-serif-pro"/>
+              </a:rPr>
+              <a:t>Introducing Signals: </a:t>
+            </a:r>
+            <a:r>
+              <a:rPr lang="en-US" b="0" i="0" dirty="0">
+                <a:solidFill>
+                  <a:srgbClr val="242424"/>
+                </a:solidFill>
+                <a:effectLst/>
+                <a:latin typeface="source-serif-pro"/>
+              </a:rPr>
+              <a:t>Signals are like motion sensors in each room. When something changes in a room, only the connected rooms (components) are checked. This is more efficient because it avoids unnecessary checks.</a:t>
+            </a:r>
+          </a:p>
+          <a:p>
+            <a:pPr algn="just">
+              <a:buFont typeface="+mj-lt"/>
+              <a:buAutoNum type="arabicPeriod"/>
+            </a:pPr>
+            <a:endParaRPr lang="en-US" b="0" i="0" dirty="0">
+              <a:solidFill>
+                <a:srgbClr val="242424"/>
+              </a:solidFill>
+              <a:effectLst/>
+              <a:latin typeface="source-serif-pro"/>
+            </a:endParaRPr>
+          </a:p>
+          <a:p>
+            <a:pPr algn="just">
+              <a:buFont typeface="+mj-lt"/>
+              <a:buAutoNum type="arabicPeriod"/>
+            </a:pPr>
+            <a:r>
+              <a:rPr lang="en-US" b="1" i="0" dirty="0">
+                <a:solidFill>
+                  <a:srgbClr val="242424"/>
+                </a:solidFill>
+                <a:effectLst/>
+                <a:latin typeface="source-serif-pro"/>
+              </a:rPr>
+              <a:t>Benefits of Signals Over Zones: </a:t>
+            </a:r>
+            <a:r>
+              <a:rPr lang="en-US" b="0" i="0" dirty="0">
+                <a:solidFill>
+                  <a:srgbClr val="242424"/>
+                </a:solidFill>
+                <a:effectLst/>
+                <a:latin typeface="source-serif-pro"/>
+              </a:rPr>
+              <a:t>Signals eliminate the need for Zones, which are like a security system. While Zones can be helpful, they add complexity. Signals offer a more straightforward way to ensure security without the overhead.</a:t>
+            </a:r>
+          </a:p>
+          <a:p>
+            <a:pPr algn="just">
+              <a:buFont typeface="+mj-lt"/>
+              <a:buAutoNum type="arabicPeriod"/>
+            </a:pPr>
+            <a:endParaRPr lang="en-US" b="0" i="0" dirty="0">
+              <a:solidFill>
+                <a:srgbClr val="242424"/>
+              </a:solidFill>
+              <a:effectLst/>
+              <a:latin typeface="source-serif-pro"/>
+            </a:endParaRPr>
+          </a:p>
+          <a:p>
+            <a:pPr algn="just">
+              <a:buFont typeface="+mj-lt"/>
+              <a:buAutoNum type="arabicPeriod"/>
+            </a:pPr>
+            <a:r>
+              <a:rPr lang="en-US" b="1" i="0" dirty="0">
+                <a:solidFill>
+                  <a:srgbClr val="242424"/>
+                </a:solidFill>
+                <a:effectLst/>
+                <a:latin typeface="source-serif-pro"/>
+              </a:rPr>
+              <a:t>Testing Made Easier:</a:t>
+            </a:r>
+            <a:r>
+              <a:rPr lang="en-US" b="0" i="0" dirty="0">
+                <a:solidFill>
+                  <a:srgbClr val="242424"/>
+                </a:solidFill>
+                <a:effectLst/>
+                <a:latin typeface="source-serif-pro"/>
+              </a:rPr>
+              <a:t> Signals make testing </a:t>
+            </a:r>
+            <a:r>
+              <a:rPr lang="en-US" b="0" i="0" dirty="0" err="1">
+                <a:solidFill>
+                  <a:srgbClr val="242424"/>
+                </a:solidFill>
+                <a:effectLst/>
+                <a:latin typeface="source-serif-pro"/>
+              </a:rPr>
+              <a:t>Anaular</a:t>
+            </a:r>
+            <a:r>
+              <a:rPr lang="en-US" b="0" i="0" dirty="0">
+                <a:solidFill>
+                  <a:srgbClr val="242424"/>
+                </a:solidFill>
+                <a:effectLst/>
+                <a:latin typeface="source-serif-pro"/>
+              </a:rPr>
+              <a:t> applications easier. They provide a predictable and deterministic way to trigger change detection. This means you can be more confident that your tests are accurately checking what they’re supposed to.</a:t>
+            </a:r>
+          </a:p>
+        </p:txBody>
+      </p:sp>
+      <p:pic>
+        <p:nvPicPr>
+          <p:cNvPr id="1026" name="Picture 2" descr="Angular Signals: Explained with Practical Examples | by ...">
+            <a:extLst>
+              <a:ext uri="{FF2B5EF4-FFF2-40B4-BE49-F238E27FC236}">
+                <a16:creationId xmlns:a16="http://schemas.microsoft.com/office/drawing/2014/main" id="{7256ACD1-0C34-88EC-0130-EFDFADB2F05E}"/>
+              </a:ext>
+            </a:extLst>
+          </p:cNvPr>
+          <p:cNvPicPr>
+            <a:picLocks noChangeAspect="1" noChangeArrowheads="1"/>
+          </p:cNvPicPr>
+          <p:nvPr/>
+        </p:nvPicPr>
+        <p:blipFill>
+          <a:blip r:embed="rId2">
+            <a:extLst>
+              <a:ext uri="{28A0092B-C50C-407E-A947-70E740481C1C}">
+                <a14:useLocalDpi xmlns:a14="http://schemas.microsoft.com/office/drawing/2010/main" val="0"/>
+              </a:ext>
+            </a:extLst>
+          </a:blip>
+          <a:srcRect/>
+          <a:stretch>
+            <a:fillRect/>
+          </a:stretch>
+        </p:blipFill>
+        <p:spPr bwMode="auto">
+          <a:xfrm>
+            <a:off x="6380692" y="1198033"/>
+            <a:ext cx="5495020" cy="2739920"/>
+          </a:xfrm>
+          <a:prstGeom prst="rect">
+            <a:avLst/>
+          </a:prstGeom>
+          <a:noFill/>
+          <a:extLst>
+            <a:ext uri="{909E8E84-426E-40DD-AFC4-6F175D3DCCD1}">
+              <a14:hiddenFill xmlns:a14="http://schemas.microsoft.com/office/drawing/2010/main">
+                <a:solidFill>
+                  <a:srgbClr val="FFFFFF"/>
+                </a:solidFill>
+              </a14:hiddenFill>
+            </a:ext>
+          </a:extLst>
+        </p:spPr>
+      </p:pic>
+      <p:sp>
+        <p:nvSpPr>
+          <p:cNvPr id="5" name="TextBox 4">
+            <a:extLst>
+              <a:ext uri="{FF2B5EF4-FFF2-40B4-BE49-F238E27FC236}">
+                <a16:creationId xmlns:a16="http://schemas.microsoft.com/office/drawing/2014/main" id="{987530F2-11A9-739B-686B-61576A7BB7A1}"/>
+              </a:ext>
+            </a:extLst>
+          </p:cNvPr>
+          <p:cNvSpPr txBox="1"/>
+          <p:nvPr/>
+        </p:nvSpPr>
+        <p:spPr>
+          <a:xfrm>
+            <a:off x="6380692" y="4466361"/>
+            <a:ext cx="5135034" cy="2062103"/>
+          </a:xfrm>
+          <a:prstGeom prst="rect">
+            <a:avLst/>
+          </a:prstGeom>
+          <a:noFill/>
+        </p:spPr>
+        <p:txBody>
+          <a:bodyPr wrap="square">
+            <a:spAutoFit/>
+          </a:bodyPr>
+          <a:lstStyle/>
+          <a:p>
+            <a:pPr algn="l">
+              <a:buFont typeface="Arial" panose="020B0604020202020204" pitchFamily="34" charset="0"/>
+              <a:buChar char="•"/>
+            </a:pPr>
+            <a:r>
+              <a:rPr lang="en-US" sz="1600" b="0" i="0" dirty="0">
+                <a:solidFill>
+                  <a:srgbClr val="242424"/>
+                </a:solidFill>
+                <a:effectLst/>
+                <a:latin typeface="source-serif-pro"/>
+              </a:rPr>
+              <a:t>Make applications more efficient by selectively checking only relevant components.</a:t>
+            </a:r>
+          </a:p>
+          <a:p>
+            <a:pPr algn="l">
+              <a:buFont typeface="Arial" panose="020B0604020202020204" pitchFamily="34" charset="0"/>
+              <a:buChar char="•"/>
+            </a:pPr>
+            <a:endParaRPr lang="en-US" sz="1600" b="0" i="0" dirty="0">
+              <a:solidFill>
+                <a:srgbClr val="242424"/>
+              </a:solidFill>
+              <a:effectLst/>
+              <a:latin typeface="source-serif-pro"/>
+            </a:endParaRPr>
+          </a:p>
+          <a:p>
+            <a:pPr algn="l">
+              <a:buFont typeface="Arial" panose="020B0604020202020204" pitchFamily="34" charset="0"/>
+              <a:buChar char="•"/>
+            </a:pPr>
+            <a:r>
+              <a:rPr lang="en-US" sz="1600" b="0" i="0" dirty="0">
+                <a:solidFill>
+                  <a:srgbClr val="242424"/>
+                </a:solidFill>
+                <a:effectLst/>
+                <a:latin typeface="source-serif-pro"/>
+              </a:rPr>
+              <a:t>Offer flexibility by providing security without the added complexity of Zones.</a:t>
+            </a:r>
+          </a:p>
+          <a:p>
+            <a:pPr algn="l">
+              <a:buFont typeface="Arial" panose="020B0604020202020204" pitchFamily="34" charset="0"/>
+              <a:buChar char="•"/>
+            </a:pPr>
+            <a:endParaRPr lang="en-US" sz="1600" b="0" i="0" dirty="0">
+              <a:solidFill>
+                <a:srgbClr val="242424"/>
+              </a:solidFill>
+              <a:effectLst/>
+              <a:latin typeface="source-serif-pro"/>
+            </a:endParaRPr>
+          </a:p>
+          <a:p>
+            <a:pPr algn="l">
+              <a:buFont typeface="Arial" panose="020B0604020202020204" pitchFamily="34" charset="0"/>
+              <a:buChar char="•"/>
+            </a:pPr>
+            <a:r>
+              <a:rPr lang="en-US" sz="1600" b="0" i="0" dirty="0">
+                <a:solidFill>
+                  <a:srgbClr val="242424"/>
+                </a:solidFill>
+                <a:effectLst/>
+                <a:latin typeface="source-serif-pro"/>
+              </a:rPr>
+              <a:t>Improve testability by providing a reliable way to trigger and test change detection.</a:t>
+            </a:r>
+          </a:p>
+        </p:txBody>
+      </p:sp>
+    </p:spTree>
+    <p:extLst>
+      <p:ext uri="{BB962C8B-B14F-4D97-AF65-F5344CB8AC3E}">
+        <p14:creationId xmlns:p14="http://schemas.microsoft.com/office/powerpoint/2010/main" val="929119179"/>
+      </p:ext>
+    </p:extLst>
+  </p:cSld>
+  <p:clrMapOvr>
+    <a:masterClrMapping/>
+  </p:clrMapOvr>
+</p:sld>
+</file>
+
+<file path=ppt/slides/slide21.xml><?xml version="1.0" encoding="utf-8"?>
+<p:sld xmlns:a="http://schemas.openxmlformats.org/drawingml/2006/main" xmlns:r="http://schemas.openxmlformats.org/officeDocument/2006/relationships" xmlns:p="http://schemas.openxmlformats.org/presentationml/2006/main">
+  <p:cSld>
+    <p:spTree>
+      <p:nvGrpSpPr>
+        <p:cNvPr id="1" name=""/>
+        <p:cNvGrpSpPr/>
+        <p:nvPr/>
+      </p:nvGrpSpPr>
+      <p:grpSpPr>
+        <a:xfrm>
+          <a:off x="0" y="0"/>
+          <a:ext cx="0" cy="0"/>
+          <a:chOff x="0" y="0"/>
+          <a:chExt cx="0" cy="0"/>
+        </a:xfrm>
+      </p:grpSpPr>
+      <p:sp>
+        <p:nvSpPr>
+          <p:cNvPr id="2" name="Rectangle 1">
+            <a:extLst>
+              <a:ext uri="{FF2B5EF4-FFF2-40B4-BE49-F238E27FC236}">
+                <a16:creationId xmlns:a16="http://schemas.microsoft.com/office/drawing/2014/main" id="{91A520A9-BC10-4867-9C2F-5AE5B7CFA522}"/>
+              </a:ext>
+            </a:extLst>
+          </p:cNvPr>
+          <p:cNvSpPr>
+            <a:spLocks noChangeArrowheads="1"/>
+          </p:cNvSpPr>
+          <p:nvPr/>
+        </p:nvSpPr>
+        <p:spPr bwMode="auto">
+          <a:xfrm>
+            <a:off x="148045" y="232795"/>
+            <a:ext cx="11260184" cy="1384995"/>
+          </a:xfrm>
+          <a:prstGeom prst="rect">
+            <a:avLst/>
+          </a:prstGeom>
+          <a:noFill/>
+          <a:ln>
+            <a:noFill/>
+          </a:ln>
+          <a:effectLst/>
+          <a:extLst>
+            <a:ext uri="{909E8E84-426E-40DD-AFC4-6F175D3DCCD1}">
+              <a14:hiddenFill xmlns:a14="http://schemas.microsoft.com/office/drawing/2010/main">
+                <a:solidFill>
+                  <a:schemeClr val="accent1"/>
+                </a:solidFill>
+              </a14:hiddenFill>
+            </a:ext>
+            <a:ext uri="{91240B29-F687-4F45-9708-019B960494DF}">
+              <a14:hiddenLine xmlns:a14="http://schemas.microsoft.com/office/drawing/2010/main" w="9525">
+                <a:solidFill>
+                  <a:schemeClr val="tx1"/>
+                </a:solidFill>
+                <a:miter lim="800000"/>
+                <a:headEnd/>
+                <a:tailEnd/>
+              </a14:hiddenLine>
+            </a:ext>
+            <a:ext uri="{AF507438-7753-43E0-B8FC-AC1667EBCBE1}">
+              <a14:hiddenEffects xmlns:a14="http://schemas.microsoft.com/office/drawing/2010/main">
+                <a:effectLst>
+                  <a:outerShdw dist="35921" dir="2700000" algn="ctr" rotWithShape="0">
+                    <a:schemeClr val="bg2"/>
+                  </a:outerShdw>
+                </a:effectLst>
+              </a14:hiddenEffects>
+            </a:ext>
+          </a:extLst>
+        </p:spPr>
+        <p:txBody>
+          <a:bodyPr vert="horz" wrap="square" lIns="38088" tIns="0" rIns="38088" bIns="0" numCol="1" anchor="ctr" anchorCtr="0" compatLnSpc="1">
+            <a:prstTxWarp prst="textNoShape">
+              <a:avLst/>
+            </a:prstTxWarp>
+            <a:spAutoFit/>
+          </a:bodyPr>
+          <a:lstStyle>
+            <a:lvl1pPr eaLnBrk="0" fontAlgn="base" hangingPunct="0">
+              <a:spcBef>
+                <a:spcPct val="0"/>
+              </a:spcBef>
+              <a:spcAft>
+                <a:spcPct val="0"/>
+              </a:spcAft>
+              <a:defRPr>
+                <a:solidFill>
+                  <a:schemeClr val="tx1"/>
+                </a:solidFill>
+                <a:latin typeface="Arial" panose="020B0604020202020204" pitchFamily="34" charset="0"/>
+              </a:defRPr>
+            </a:lvl1pPr>
+            <a:lvl2pPr eaLnBrk="0" fontAlgn="base" hangingPunct="0">
+              <a:spcBef>
+                <a:spcPct val="0"/>
+              </a:spcBef>
+              <a:spcAft>
+                <a:spcPct val="0"/>
+              </a:spcAft>
+              <a:defRPr>
+                <a:solidFill>
+                  <a:schemeClr val="tx1"/>
+                </a:solidFill>
+                <a:latin typeface="Arial" panose="020B0604020202020204" pitchFamily="34" charset="0"/>
+              </a:defRPr>
+            </a:lvl2pPr>
+            <a:lvl3pPr eaLnBrk="0" fontAlgn="base" hangingPunct="0">
+              <a:spcBef>
+                <a:spcPct val="0"/>
+              </a:spcBef>
+              <a:spcAft>
+                <a:spcPct val="0"/>
+              </a:spcAft>
+              <a:defRPr>
+                <a:solidFill>
+                  <a:schemeClr val="tx1"/>
+                </a:solidFill>
+                <a:latin typeface="Arial" panose="020B0604020202020204" pitchFamily="34" charset="0"/>
+              </a:defRPr>
+            </a:lvl3pPr>
+            <a:lvl4pPr eaLnBrk="0" fontAlgn="base" hangingPunct="0">
+              <a:spcBef>
+                <a:spcPct val="0"/>
+              </a:spcBef>
+              <a:spcAft>
+                <a:spcPct val="0"/>
+              </a:spcAft>
+              <a:defRPr>
+                <a:solidFill>
+                  <a:schemeClr val="tx1"/>
+                </a:solidFill>
+                <a:latin typeface="Arial" panose="020B0604020202020204" pitchFamily="34" charset="0"/>
+              </a:defRPr>
+            </a:lvl4pPr>
+            <a:lvl5pPr eaLnBrk="0" fontAlgn="base" hangingPunct="0">
+              <a:spcBef>
+                <a:spcPct val="0"/>
+              </a:spcBef>
+              <a:spcAft>
+                <a:spcPct val="0"/>
+              </a:spcAft>
+              <a:defRPr>
+                <a:solidFill>
+                  <a:schemeClr val="tx1"/>
+                </a:solidFill>
+                <a:latin typeface="Arial" panose="020B0604020202020204" pitchFamily="34" charset="0"/>
+              </a:defRPr>
+            </a:lvl5pPr>
+            <a:lvl6pPr eaLnBrk="0" fontAlgn="base" hangingPunct="0">
+              <a:spcBef>
+                <a:spcPct val="0"/>
+              </a:spcBef>
+              <a:spcAft>
+                <a:spcPct val="0"/>
+              </a:spcAft>
+              <a:defRPr>
+                <a:solidFill>
+                  <a:schemeClr val="tx1"/>
+                </a:solidFill>
+                <a:latin typeface="Arial" panose="020B0604020202020204" pitchFamily="34" charset="0"/>
+              </a:defRPr>
+            </a:lvl6pPr>
+            <a:lvl7pPr eaLnBrk="0" fontAlgn="base" hangingPunct="0">
+              <a:spcBef>
+                <a:spcPct val="0"/>
+              </a:spcBef>
+              <a:spcAft>
+                <a:spcPct val="0"/>
+              </a:spcAft>
+              <a:defRPr>
+                <a:solidFill>
+                  <a:schemeClr val="tx1"/>
+                </a:solidFill>
+                <a:latin typeface="Arial" panose="020B0604020202020204" pitchFamily="34" charset="0"/>
+              </a:defRPr>
+            </a:lvl7pPr>
+            <a:lvl8pPr eaLnBrk="0" fontAlgn="base" hangingPunct="0">
+              <a:spcBef>
+                <a:spcPct val="0"/>
+              </a:spcBef>
+              <a:spcAft>
+                <a:spcPct val="0"/>
+              </a:spcAft>
+              <a:defRPr>
+                <a:solidFill>
+                  <a:schemeClr val="tx1"/>
+                </a:solidFill>
+                <a:latin typeface="Arial" panose="020B0604020202020204" pitchFamily="34" charset="0"/>
+              </a:defRPr>
+            </a:lvl8pPr>
+            <a:lvl9pPr eaLnBrk="0" fontAlgn="base" hangingPunct="0">
+              <a:spcBef>
+                <a:spcPct val="0"/>
+              </a:spcBef>
+              <a:spcAft>
+                <a:spcPct val="0"/>
+              </a:spcAft>
+              <a:defRPr>
+                <a:solidFill>
+                  <a:schemeClr val="tx1"/>
+                </a:solidFill>
+                <a:latin typeface="Arial" panose="020B0604020202020204" pitchFamily="34" charset="0"/>
+              </a:defRPr>
+            </a:lvl9pPr>
+          </a:lstStyle>
+          <a:p>
+            <a:pPr marL="0" marR="0" lvl="0" indent="0" algn="l" defTabSz="914400" rtl="0" eaLnBrk="0" fontAlgn="base" latinLnBrk="0" hangingPunct="0">
+              <a:lnSpc>
+                <a:spcPct val="100000"/>
+              </a:lnSpc>
+              <a:spcBef>
+                <a:spcPct val="0"/>
+              </a:spcBef>
+              <a:spcAft>
+                <a:spcPct val="0"/>
+              </a:spcAft>
+              <a:buClrTx/>
+              <a:buSzTx/>
+              <a:buFontTx/>
+              <a:buNone/>
+              <a:tabLst/>
+            </a:pPr>
+            <a:r>
+              <a:rPr kumimoji="0" lang="en-US" altLang="en-US" sz="3600" b="1" i="0" u="none" strike="noStrike" cap="none" normalizeH="0" baseline="0" dirty="0">
+                <a:ln>
+                  <a:noFill/>
+                </a:ln>
+                <a:solidFill>
+                  <a:srgbClr val="333333"/>
+                </a:solidFill>
+                <a:effectLst/>
+                <a:latin typeface="Roboto" panose="02000000000000000000" pitchFamily="2" charset="0"/>
+              </a:rPr>
+              <a:t>Writable signals</a:t>
+            </a:r>
+          </a:p>
+          <a:p>
+            <a:pPr marL="0" marR="0" lvl="0" indent="0" algn="l" defTabSz="914400" rtl="0" eaLnBrk="0" fontAlgn="base" latinLnBrk="0" hangingPunct="0">
+              <a:lnSpc>
+                <a:spcPct val="100000"/>
+              </a:lnSpc>
+              <a:spcBef>
+                <a:spcPct val="0"/>
+              </a:spcBef>
+              <a:spcAft>
+                <a:spcPct val="0"/>
+              </a:spcAft>
+              <a:buClrTx/>
+              <a:buSzTx/>
+              <a:buFontTx/>
+              <a:buNone/>
+              <a:tabLst/>
+            </a:pPr>
+            <a:r>
+              <a:rPr kumimoji="0" lang="en-US" altLang="en-US" b="0" i="0" u="none" strike="noStrike" cap="none" normalizeH="0" baseline="0" dirty="0">
+                <a:ln>
+                  <a:noFill/>
+                </a:ln>
+                <a:solidFill>
+                  <a:srgbClr val="444444"/>
+                </a:solidFill>
+                <a:effectLst/>
+                <a:latin typeface="Roboto" panose="02000000000000000000" pitchFamily="2" charset="0"/>
+              </a:rPr>
+              <a:t>Writable signals provide an API for updating their values directly.</a:t>
+            </a:r>
+          </a:p>
+          <a:p>
+            <a:pPr marL="0" marR="0" lvl="0" indent="0" algn="l" defTabSz="914400" rtl="0" eaLnBrk="0" fontAlgn="base" latinLnBrk="0" hangingPunct="0">
+              <a:lnSpc>
+                <a:spcPct val="100000"/>
+              </a:lnSpc>
+              <a:spcBef>
+                <a:spcPct val="0"/>
+              </a:spcBef>
+              <a:spcAft>
+                <a:spcPct val="0"/>
+              </a:spcAft>
+              <a:buClrTx/>
+              <a:buSzTx/>
+              <a:buFontTx/>
+              <a:buNone/>
+              <a:tabLst/>
+            </a:pPr>
+            <a:r>
+              <a:rPr kumimoji="0" lang="en-US" altLang="en-US" b="0" i="0" u="none" strike="noStrike" cap="none" normalizeH="0" baseline="0" dirty="0">
+                <a:ln>
+                  <a:noFill/>
+                </a:ln>
+                <a:solidFill>
+                  <a:srgbClr val="444444"/>
+                </a:solidFill>
+                <a:effectLst/>
+                <a:latin typeface="Roboto" panose="02000000000000000000" pitchFamily="2" charset="0"/>
+              </a:rPr>
+              <a:t> You create writable signals by calling the </a:t>
+            </a:r>
+            <a:r>
+              <a:rPr kumimoji="0" lang="en-US" altLang="en-US" sz="3600" b="1" i="0" u="none" strike="noStrike" cap="none" normalizeH="0" baseline="0" dirty="0">
+                <a:ln>
+                  <a:noFill/>
+                </a:ln>
+                <a:solidFill>
+                  <a:srgbClr val="1669BB"/>
+                </a:solidFill>
+                <a:effectLst/>
+                <a:latin typeface="inherit"/>
+                <a:hlinkClick r:id="rId2"/>
+              </a:rPr>
+              <a:t>signal</a:t>
+            </a:r>
+            <a:r>
+              <a:rPr kumimoji="0" lang="en-US" altLang="en-US" b="0" i="0" u="none" strike="noStrike" cap="none" normalizeH="0" baseline="0" dirty="0">
+                <a:ln>
+                  <a:noFill/>
+                </a:ln>
+                <a:solidFill>
+                  <a:srgbClr val="444444"/>
+                </a:solidFill>
+                <a:effectLst/>
+                <a:latin typeface="Roboto" panose="02000000000000000000" pitchFamily="2" charset="0"/>
+              </a:rPr>
+              <a:t> function with the signal's initial value:</a:t>
+            </a:r>
+            <a:endParaRPr kumimoji="0" lang="en-US" altLang="en-US" sz="2800" b="0" i="0" u="none" strike="noStrike" cap="none" normalizeH="0" baseline="0" dirty="0">
+              <a:ln>
+                <a:noFill/>
+              </a:ln>
+              <a:solidFill>
+                <a:schemeClr val="tx1"/>
+              </a:solidFill>
+              <a:effectLst/>
+              <a:latin typeface="Arial" panose="020B0604020202020204" pitchFamily="34" charset="0"/>
+            </a:endParaRPr>
+          </a:p>
+        </p:txBody>
+      </p:sp>
+      <p:sp>
+        <p:nvSpPr>
+          <p:cNvPr id="4" name="TextBox 3">
+            <a:extLst>
+              <a:ext uri="{FF2B5EF4-FFF2-40B4-BE49-F238E27FC236}">
+                <a16:creationId xmlns:a16="http://schemas.microsoft.com/office/drawing/2014/main" id="{57E2B672-1380-30BB-A375-AF3EA3B2FB17}"/>
+              </a:ext>
+            </a:extLst>
+          </p:cNvPr>
+          <p:cNvSpPr txBox="1"/>
+          <p:nvPr/>
+        </p:nvSpPr>
+        <p:spPr>
+          <a:xfrm>
+            <a:off x="259081" y="2065496"/>
+            <a:ext cx="6143896" cy="1477328"/>
+          </a:xfrm>
+          <a:prstGeom prst="rect">
+            <a:avLst/>
+          </a:prstGeom>
+          <a:noFill/>
+        </p:spPr>
+        <p:txBody>
+          <a:bodyPr wrap="square">
+            <a:spAutoFit/>
+          </a:bodyPr>
+          <a:lstStyle/>
+          <a:p>
+            <a:r>
+              <a:rPr lang="en-IN" dirty="0" err="1"/>
+              <a:t>const</a:t>
+            </a:r>
+            <a:r>
+              <a:rPr lang="en-IN" dirty="0"/>
+              <a:t> count = signal(0);</a:t>
+            </a:r>
+          </a:p>
+          <a:p>
+            <a:endParaRPr lang="en-IN" dirty="0"/>
+          </a:p>
+          <a:p>
+            <a:r>
+              <a:rPr lang="en-IN" dirty="0"/>
+              <a:t>// Signals are getter functions - calling them reads their value.</a:t>
+            </a:r>
+          </a:p>
+          <a:p>
+            <a:r>
+              <a:rPr lang="en-IN" dirty="0"/>
+              <a:t>console.log('The count is: ' + count());</a:t>
+            </a:r>
+          </a:p>
+        </p:txBody>
+      </p:sp>
+      <p:sp>
+        <p:nvSpPr>
+          <p:cNvPr id="5" name="Rectangle 2">
+            <a:extLst>
+              <a:ext uri="{FF2B5EF4-FFF2-40B4-BE49-F238E27FC236}">
+                <a16:creationId xmlns:a16="http://schemas.microsoft.com/office/drawing/2014/main" id="{C33DEF5C-3078-F1AE-FB5A-CE59654B1FF8}"/>
+              </a:ext>
+            </a:extLst>
+          </p:cNvPr>
+          <p:cNvSpPr>
+            <a:spLocks noChangeArrowheads="1"/>
+          </p:cNvSpPr>
+          <p:nvPr/>
+        </p:nvSpPr>
+        <p:spPr bwMode="auto">
+          <a:xfrm>
+            <a:off x="148045" y="3653192"/>
+            <a:ext cx="9940542" cy="461665"/>
+          </a:xfrm>
+          <a:prstGeom prst="rect">
+            <a:avLst/>
+          </a:prstGeom>
+          <a:noFill/>
+          <a:ln>
+            <a:noFill/>
+          </a:ln>
+          <a:effectLst/>
+          <a:extLst>
+            <a:ext uri="{909E8E84-426E-40DD-AFC4-6F175D3DCCD1}">
+              <a14:hiddenFill xmlns:a14="http://schemas.microsoft.com/office/drawing/2010/main">
+                <a:solidFill>
+                  <a:schemeClr val="accent1"/>
+                </a:solidFill>
+              </a14:hiddenFill>
+            </a:ext>
+            <a:ext uri="{91240B29-F687-4F45-9708-019B960494DF}">
+              <a14:hiddenLine xmlns:a14="http://schemas.microsoft.com/office/drawing/2010/main" w="9525">
+                <a:solidFill>
+                  <a:schemeClr val="tx1"/>
+                </a:solidFill>
+                <a:miter lim="800000"/>
+                <a:headEnd/>
+                <a:tailEnd/>
+              </a14:hiddenLine>
+            </a:ext>
+            <a:ext uri="{AF507438-7753-43E0-B8FC-AC1667EBCBE1}">
+              <a14:hiddenEffects xmlns:a14="http://schemas.microsoft.com/office/drawing/2010/main">
+                <a:effectLst>
+                  <a:outerShdw dist="35921" dir="2700000" algn="ctr" rotWithShape="0">
+                    <a:schemeClr val="bg2"/>
+                  </a:outerShdw>
+                </a:effectLst>
+              </a14:hiddenEffects>
+            </a:ext>
+          </a:extLst>
+        </p:spPr>
+        <p:txBody>
+          <a:bodyPr vert="horz" wrap="none" lIns="91440" tIns="45720" rIns="91440" bIns="45720" numCol="1" anchor="ctr" anchorCtr="0" compatLnSpc="1">
+            <a:prstTxWarp prst="textNoShape">
+              <a:avLst/>
+            </a:prstTxWarp>
+            <a:spAutoFit/>
+          </a:bodyPr>
+          <a:lstStyle>
+            <a:lvl1pPr eaLnBrk="0" fontAlgn="base" hangingPunct="0">
+              <a:spcBef>
+                <a:spcPct val="0"/>
+              </a:spcBef>
+              <a:spcAft>
+                <a:spcPct val="0"/>
+              </a:spcAft>
+              <a:defRPr>
+                <a:solidFill>
+                  <a:schemeClr val="tx1"/>
+                </a:solidFill>
+                <a:latin typeface="Arial" panose="020B0604020202020204" pitchFamily="34" charset="0"/>
+              </a:defRPr>
+            </a:lvl1pPr>
+            <a:lvl2pPr eaLnBrk="0" fontAlgn="base" hangingPunct="0">
+              <a:spcBef>
+                <a:spcPct val="0"/>
+              </a:spcBef>
+              <a:spcAft>
+                <a:spcPct val="0"/>
+              </a:spcAft>
+              <a:defRPr>
+                <a:solidFill>
+                  <a:schemeClr val="tx1"/>
+                </a:solidFill>
+                <a:latin typeface="Arial" panose="020B0604020202020204" pitchFamily="34" charset="0"/>
+              </a:defRPr>
+            </a:lvl2pPr>
+            <a:lvl3pPr eaLnBrk="0" fontAlgn="base" hangingPunct="0">
+              <a:spcBef>
+                <a:spcPct val="0"/>
+              </a:spcBef>
+              <a:spcAft>
+                <a:spcPct val="0"/>
+              </a:spcAft>
+              <a:defRPr>
+                <a:solidFill>
+                  <a:schemeClr val="tx1"/>
+                </a:solidFill>
+                <a:latin typeface="Arial" panose="020B0604020202020204" pitchFamily="34" charset="0"/>
+              </a:defRPr>
+            </a:lvl3pPr>
+            <a:lvl4pPr eaLnBrk="0" fontAlgn="base" hangingPunct="0">
+              <a:spcBef>
+                <a:spcPct val="0"/>
+              </a:spcBef>
+              <a:spcAft>
+                <a:spcPct val="0"/>
+              </a:spcAft>
+              <a:defRPr>
+                <a:solidFill>
+                  <a:schemeClr val="tx1"/>
+                </a:solidFill>
+                <a:latin typeface="Arial" panose="020B0604020202020204" pitchFamily="34" charset="0"/>
+              </a:defRPr>
+            </a:lvl4pPr>
+            <a:lvl5pPr eaLnBrk="0" fontAlgn="base" hangingPunct="0">
+              <a:spcBef>
+                <a:spcPct val="0"/>
+              </a:spcBef>
+              <a:spcAft>
+                <a:spcPct val="0"/>
+              </a:spcAft>
+              <a:defRPr>
+                <a:solidFill>
+                  <a:schemeClr val="tx1"/>
+                </a:solidFill>
+                <a:latin typeface="Arial" panose="020B0604020202020204" pitchFamily="34" charset="0"/>
+              </a:defRPr>
+            </a:lvl5pPr>
+            <a:lvl6pPr eaLnBrk="0" fontAlgn="base" hangingPunct="0">
+              <a:spcBef>
+                <a:spcPct val="0"/>
+              </a:spcBef>
+              <a:spcAft>
+                <a:spcPct val="0"/>
+              </a:spcAft>
+              <a:defRPr>
+                <a:solidFill>
+                  <a:schemeClr val="tx1"/>
+                </a:solidFill>
+                <a:latin typeface="Arial" panose="020B0604020202020204" pitchFamily="34" charset="0"/>
+              </a:defRPr>
+            </a:lvl6pPr>
+            <a:lvl7pPr eaLnBrk="0" fontAlgn="base" hangingPunct="0">
+              <a:spcBef>
+                <a:spcPct val="0"/>
+              </a:spcBef>
+              <a:spcAft>
+                <a:spcPct val="0"/>
+              </a:spcAft>
+              <a:defRPr>
+                <a:solidFill>
+                  <a:schemeClr val="tx1"/>
+                </a:solidFill>
+                <a:latin typeface="Arial" panose="020B0604020202020204" pitchFamily="34" charset="0"/>
+              </a:defRPr>
+            </a:lvl7pPr>
+            <a:lvl8pPr eaLnBrk="0" fontAlgn="base" hangingPunct="0">
+              <a:spcBef>
+                <a:spcPct val="0"/>
+              </a:spcBef>
+              <a:spcAft>
+                <a:spcPct val="0"/>
+              </a:spcAft>
+              <a:defRPr>
+                <a:solidFill>
+                  <a:schemeClr val="tx1"/>
+                </a:solidFill>
+                <a:latin typeface="Arial" panose="020B0604020202020204" pitchFamily="34" charset="0"/>
+              </a:defRPr>
+            </a:lvl8pPr>
+            <a:lvl9pPr eaLnBrk="0" fontAlgn="base" hangingPunct="0">
+              <a:spcBef>
+                <a:spcPct val="0"/>
+              </a:spcBef>
+              <a:spcAft>
+                <a:spcPct val="0"/>
+              </a:spcAft>
+              <a:defRPr>
+                <a:solidFill>
+                  <a:schemeClr val="tx1"/>
+                </a:solidFill>
+                <a:latin typeface="Arial" panose="020B0604020202020204" pitchFamily="34" charset="0"/>
+              </a:defRPr>
+            </a:lvl9pPr>
+          </a:lstStyle>
+          <a:p>
+            <a:pPr marL="0" marR="0" lvl="0" indent="0" algn="l" defTabSz="914400" rtl="0" eaLnBrk="0" fontAlgn="base" latinLnBrk="0" hangingPunct="0">
+              <a:lnSpc>
+                <a:spcPct val="100000"/>
+              </a:lnSpc>
+              <a:spcBef>
+                <a:spcPct val="0"/>
+              </a:spcBef>
+              <a:spcAft>
+                <a:spcPct val="0"/>
+              </a:spcAft>
+              <a:buClrTx/>
+              <a:buSzTx/>
+              <a:buFontTx/>
+              <a:buNone/>
+              <a:tabLst/>
+            </a:pPr>
+            <a:r>
+              <a:rPr kumimoji="0" lang="en-US" altLang="en-US" sz="2400" b="0" i="0" u="none" strike="noStrike" cap="none" normalizeH="0" baseline="0" dirty="0">
+                <a:ln>
+                  <a:noFill/>
+                </a:ln>
+                <a:solidFill>
+                  <a:srgbClr val="444444"/>
+                </a:solidFill>
+                <a:effectLst/>
+                <a:latin typeface="Roboto" panose="02000000000000000000" pitchFamily="2" charset="0"/>
+              </a:rPr>
+              <a:t>To change the value of a writable signal, you can either </a:t>
+            </a:r>
+            <a:r>
+              <a:rPr kumimoji="0" lang="en-US" altLang="en-US" sz="1600" b="0" i="0" u="none" strike="noStrike" cap="none" normalizeH="0" baseline="0" dirty="0">
+                <a:ln>
+                  <a:noFill/>
+                </a:ln>
+                <a:solidFill>
+                  <a:srgbClr val="444444"/>
+                </a:solidFill>
+                <a:effectLst/>
+                <a:latin typeface="Roboto Mono" panose="020F0502020204030204" pitchFamily="49" charset="0"/>
+              </a:rPr>
+              <a:t>.set()</a:t>
+            </a:r>
+            <a:r>
+              <a:rPr kumimoji="0" lang="en-US" altLang="en-US" sz="2400" b="0" i="0" u="none" strike="noStrike" cap="none" normalizeH="0" baseline="0" dirty="0">
+                <a:ln>
+                  <a:noFill/>
+                </a:ln>
+                <a:solidFill>
+                  <a:srgbClr val="444444"/>
+                </a:solidFill>
+                <a:effectLst/>
+                <a:latin typeface="Roboto" panose="02000000000000000000" pitchFamily="2" charset="0"/>
+              </a:rPr>
+              <a:t> it directly:</a:t>
+            </a:r>
+            <a:r>
+              <a:rPr kumimoji="0" lang="en-US" altLang="en-US" sz="1200" b="0" i="0" u="none" strike="noStrike" cap="none" normalizeH="0" baseline="0" dirty="0">
+                <a:ln>
+                  <a:noFill/>
+                </a:ln>
+                <a:solidFill>
+                  <a:schemeClr val="tx1"/>
+                </a:solidFill>
+                <a:effectLst/>
+              </a:rPr>
+              <a:t> </a:t>
+            </a:r>
+            <a:endParaRPr kumimoji="0" lang="en-US" altLang="en-US" sz="3600" b="0" i="0" u="none" strike="noStrike" cap="none" normalizeH="0" baseline="0" dirty="0">
+              <a:ln>
+                <a:noFill/>
+              </a:ln>
+              <a:solidFill>
+                <a:schemeClr val="tx1"/>
+              </a:solidFill>
+              <a:effectLst/>
+              <a:latin typeface="Arial" panose="020B0604020202020204" pitchFamily="34" charset="0"/>
+            </a:endParaRPr>
+          </a:p>
+        </p:txBody>
+      </p:sp>
+      <p:sp>
+        <p:nvSpPr>
+          <p:cNvPr id="7" name="TextBox 6">
+            <a:extLst>
+              <a:ext uri="{FF2B5EF4-FFF2-40B4-BE49-F238E27FC236}">
+                <a16:creationId xmlns:a16="http://schemas.microsoft.com/office/drawing/2014/main" id="{C1D04E7B-E8E9-52F2-9EF5-D8EAA4E37EA7}"/>
+              </a:ext>
+            </a:extLst>
+          </p:cNvPr>
+          <p:cNvSpPr txBox="1"/>
+          <p:nvPr/>
+        </p:nvSpPr>
+        <p:spPr>
+          <a:xfrm>
+            <a:off x="259081" y="4114857"/>
+            <a:ext cx="6143896" cy="369332"/>
+          </a:xfrm>
+          <a:prstGeom prst="rect">
+            <a:avLst/>
+          </a:prstGeom>
+          <a:noFill/>
+        </p:spPr>
+        <p:txBody>
+          <a:bodyPr wrap="square">
+            <a:spAutoFit/>
+          </a:bodyPr>
+          <a:lstStyle/>
+          <a:p>
+            <a:r>
+              <a:rPr lang="en-IN" dirty="0" err="1"/>
+              <a:t>count.set</a:t>
+            </a:r>
+            <a:r>
+              <a:rPr lang="en-IN" dirty="0"/>
+              <a:t>(3);</a:t>
+            </a:r>
+          </a:p>
+        </p:txBody>
+      </p:sp>
+      <p:sp>
+        <p:nvSpPr>
+          <p:cNvPr id="8" name="Rectangle 3">
+            <a:extLst>
+              <a:ext uri="{FF2B5EF4-FFF2-40B4-BE49-F238E27FC236}">
+                <a16:creationId xmlns:a16="http://schemas.microsoft.com/office/drawing/2014/main" id="{72288542-C914-EC80-9392-F788957277BF}"/>
+              </a:ext>
+            </a:extLst>
+          </p:cNvPr>
+          <p:cNvSpPr>
+            <a:spLocks noChangeArrowheads="1"/>
+          </p:cNvSpPr>
+          <p:nvPr/>
+        </p:nvSpPr>
+        <p:spPr bwMode="auto">
+          <a:xfrm>
+            <a:off x="145870" y="4393420"/>
+            <a:ext cx="10653879" cy="461665"/>
+          </a:xfrm>
+          <a:prstGeom prst="rect">
+            <a:avLst/>
+          </a:prstGeom>
+          <a:noFill/>
+          <a:ln>
+            <a:noFill/>
+          </a:ln>
+          <a:effectLst/>
+          <a:extLst>
+            <a:ext uri="{909E8E84-426E-40DD-AFC4-6F175D3DCCD1}">
+              <a14:hiddenFill xmlns:a14="http://schemas.microsoft.com/office/drawing/2010/main">
+                <a:solidFill>
+                  <a:schemeClr val="accent1"/>
+                </a:solidFill>
+              </a14:hiddenFill>
+            </a:ext>
+            <a:ext uri="{91240B29-F687-4F45-9708-019B960494DF}">
+              <a14:hiddenLine xmlns:a14="http://schemas.microsoft.com/office/drawing/2010/main" w="9525">
+                <a:solidFill>
+                  <a:schemeClr val="tx1"/>
+                </a:solidFill>
+                <a:miter lim="800000"/>
+                <a:headEnd/>
+                <a:tailEnd/>
+              </a14:hiddenLine>
+            </a:ext>
+            <a:ext uri="{AF507438-7753-43E0-B8FC-AC1667EBCBE1}">
+              <a14:hiddenEffects xmlns:a14="http://schemas.microsoft.com/office/drawing/2010/main">
+                <a:effectLst>
+                  <a:outerShdw dist="35921" dir="2700000" algn="ctr" rotWithShape="0">
+                    <a:schemeClr val="bg2"/>
+                  </a:outerShdw>
+                </a:effectLst>
+              </a14:hiddenEffects>
+            </a:ext>
+          </a:extLst>
+        </p:spPr>
+        <p:txBody>
+          <a:bodyPr vert="horz" wrap="none" lIns="91440" tIns="45720" rIns="91440" bIns="45720" numCol="1" anchor="ctr" anchorCtr="0" compatLnSpc="1">
+            <a:prstTxWarp prst="textNoShape">
+              <a:avLst/>
+            </a:prstTxWarp>
+            <a:spAutoFit/>
+          </a:bodyPr>
+          <a:lstStyle>
+            <a:lvl1pPr eaLnBrk="0" fontAlgn="base" hangingPunct="0">
+              <a:spcBef>
+                <a:spcPct val="0"/>
+              </a:spcBef>
+              <a:spcAft>
+                <a:spcPct val="0"/>
+              </a:spcAft>
+              <a:defRPr>
+                <a:solidFill>
+                  <a:schemeClr val="tx1"/>
+                </a:solidFill>
+                <a:latin typeface="Arial" panose="020B0604020202020204" pitchFamily="34" charset="0"/>
+              </a:defRPr>
+            </a:lvl1pPr>
+            <a:lvl2pPr eaLnBrk="0" fontAlgn="base" hangingPunct="0">
+              <a:spcBef>
+                <a:spcPct val="0"/>
+              </a:spcBef>
+              <a:spcAft>
+                <a:spcPct val="0"/>
+              </a:spcAft>
+              <a:defRPr>
+                <a:solidFill>
+                  <a:schemeClr val="tx1"/>
+                </a:solidFill>
+                <a:latin typeface="Arial" panose="020B0604020202020204" pitchFamily="34" charset="0"/>
+              </a:defRPr>
+            </a:lvl2pPr>
+            <a:lvl3pPr eaLnBrk="0" fontAlgn="base" hangingPunct="0">
+              <a:spcBef>
+                <a:spcPct val="0"/>
+              </a:spcBef>
+              <a:spcAft>
+                <a:spcPct val="0"/>
+              </a:spcAft>
+              <a:defRPr>
+                <a:solidFill>
+                  <a:schemeClr val="tx1"/>
+                </a:solidFill>
+                <a:latin typeface="Arial" panose="020B0604020202020204" pitchFamily="34" charset="0"/>
+              </a:defRPr>
+            </a:lvl3pPr>
+            <a:lvl4pPr eaLnBrk="0" fontAlgn="base" hangingPunct="0">
+              <a:spcBef>
+                <a:spcPct val="0"/>
+              </a:spcBef>
+              <a:spcAft>
+                <a:spcPct val="0"/>
+              </a:spcAft>
+              <a:defRPr>
+                <a:solidFill>
+                  <a:schemeClr val="tx1"/>
+                </a:solidFill>
+                <a:latin typeface="Arial" panose="020B0604020202020204" pitchFamily="34" charset="0"/>
+              </a:defRPr>
+            </a:lvl4pPr>
+            <a:lvl5pPr eaLnBrk="0" fontAlgn="base" hangingPunct="0">
+              <a:spcBef>
+                <a:spcPct val="0"/>
+              </a:spcBef>
+              <a:spcAft>
+                <a:spcPct val="0"/>
+              </a:spcAft>
+              <a:defRPr>
+                <a:solidFill>
+                  <a:schemeClr val="tx1"/>
+                </a:solidFill>
+                <a:latin typeface="Arial" panose="020B0604020202020204" pitchFamily="34" charset="0"/>
+              </a:defRPr>
+            </a:lvl5pPr>
+            <a:lvl6pPr eaLnBrk="0" fontAlgn="base" hangingPunct="0">
+              <a:spcBef>
+                <a:spcPct val="0"/>
+              </a:spcBef>
+              <a:spcAft>
+                <a:spcPct val="0"/>
+              </a:spcAft>
+              <a:defRPr>
+                <a:solidFill>
+                  <a:schemeClr val="tx1"/>
+                </a:solidFill>
+                <a:latin typeface="Arial" panose="020B0604020202020204" pitchFamily="34" charset="0"/>
+              </a:defRPr>
+            </a:lvl6pPr>
+            <a:lvl7pPr eaLnBrk="0" fontAlgn="base" hangingPunct="0">
+              <a:spcBef>
+                <a:spcPct val="0"/>
+              </a:spcBef>
+              <a:spcAft>
+                <a:spcPct val="0"/>
+              </a:spcAft>
+              <a:defRPr>
+                <a:solidFill>
+                  <a:schemeClr val="tx1"/>
+                </a:solidFill>
+                <a:latin typeface="Arial" panose="020B0604020202020204" pitchFamily="34" charset="0"/>
+              </a:defRPr>
+            </a:lvl7pPr>
+            <a:lvl8pPr eaLnBrk="0" fontAlgn="base" hangingPunct="0">
+              <a:spcBef>
+                <a:spcPct val="0"/>
+              </a:spcBef>
+              <a:spcAft>
+                <a:spcPct val="0"/>
+              </a:spcAft>
+              <a:defRPr>
+                <a:solidFill>
+                  <a:schemeClr val="tx1"/>
+                </a:solidFill>
+                <a:latin typeface="Arial" panose="020B0604020202020204" pitchFamily="34" charset="0"/>
+              </a:defRPr>
+            </a:lvl8pPr>
+            <a:lvl9pPr eaLnBrk="0" fontAlgn="base" hangingPunct="0">
+              <a:spcBef>
+                <a:spcPct val="0"/>
+              </a:spcBef>
+              <a:spcAft>
+                <a:spcPct val="0"/>
+              </a:spcAft>
+              <a:defRPr>
+                <a:solidFill>
+                  <a:schemeClr val="tx1"/>
+                </a:solidFill>
+                <a:latin typeface="Arial" panose="020B0604020202020204" pitchFamily="34" charset="0"/>
+              </a:defRPr>
+            </a:lvl9pPr>
+          </a:lstStyle>
+          <a:p>
+            <a:pPr marL="0" marR="0" lvl="0" indent="0" algn="l" defTabSz="914400" rtl="0" eaLnBrk="0" fontAlgn="base" latinLnBrk="0" hangingPunct="0">
+              <a:lnSpc>
+                <a:spcPct val="100000"/>
+              </a:lnSpc>
+              <a:spcBef>
+                <a:spcPct val="0"/>
+              </a:spcBef>
+              <a:spcAft>
+                <a:spcPct val="0"/>
+              </a:spcAft>
+              <a:buClrTx/>
+              <a:buSzTx/>
+              <a:buFontTx/>
+              <a:buNone/>
+              <a:tabLst/>
+            </a:pPr>
+            <a:r>
+              <a:rPr kumimoji="0" lang="en-US" altLang="en-US" sz="2400" b="0" i="0" u="none" strike="noStrike" cap="none" normalizeH="0" baseline="0" dirty="0">
+                <a:ln>
+                  <a:noFill/>
+                </a:ln>
+                <a:solidFill>
+                  <a:srgbClr val="444444"/>
+                </a:solidFill>
+                <a:effectLst/>
+                <a:latin typeface="Roboto" panose="02000000000000000000" pitchFamily="2" charset="0"/>
+              </a:rPr>
+              <a:t>or use the </a:t>
+            </a:r>
+            <a:r>
+              <a:rPr kumimoji="0" lang="en-US" altLang="en-US" sz="1600" b="0" i="0" u="none" strike="noStrike" cap="none" normalizeH="0" baseline="0" dirty="0">
+                <a:ln>
+                  <a:noFill/>
+                </a:ln>
+                <a:solidFill>
+                  <a:srgbClr val="444444"/>
+                </a:solidFill>
+                <a:effectLst/>
+                <a:latin typeface="Roboto Mono" panose="00000009000000000000" pitchFamily="49" charset="0"/>
+              </a:rPr>
+              <a:t>.update()</a:t>
+            </a:r>
+            <a:r>
+              <a:rPr kumimoji="0" lang="en-US" altLang="en-US" sz="2400" b="0" i="0" u="none" strike="noStrike" cap="none" normalizeH="0" baseline="0" dirty="0">
+                <a:ln>
+                  <a:noFill/>
+                </a:ln>
+                <a:solidFill>
+                  <a:srgbClr val="444444"/>
+                </a:solidFill>
+                <a:effectLst/>
+                <a:latin typeface="Roboto" panose="02000000000000000000" pitchFamily="2" charset="0"/>
+              </a:rPr>
+              <a:t> operation to compute a new value from the previous one:</a:t>
+            </a:r>
+            <a:r>
+              <a:rPr kumimoji="0" lang="en-US" altLang="en-US" sz="1200" b="0" i="0" u="none" strike="noStrike" cap="none" normalizeH="0" baseline="0" dirty="0">
+                <a:ln>
+                  <a:noFill/>
+                </a:ln>
+                <a:solidFill>
+                  <a:schemeClr val="tx1"/>
+                </a:solidFill>
+                <a:effectLst/>
+              </a:rPr>
+              <a:t> </a:t>
+            </a:r>
+            <a:endParaRPr kumimoji="0" lang="en-US" altLang="en-US" sz="3600" b="0" i="0" u="none" strike="noStrike" cap="none" normalizeH="0" baseline="0" dirty="0">
+              <a:ln>
+                <a:noFill/>
+              </a:ln>
+              <a:solidFill>
+                <a:schemeClr val="tx1"/>
+              </a:solidFill>
+              <a:effectLst/>
+              <a:latin typeface="Arial" panose="020B0604020202020204" pitchFamily="34" charset="0"/>
+            </a:endParaRPr>
+          </a:p>
+        </p:txBody>
+      </p:sp>
+      <p:sp>
+        <p:nvSpPr>
+          <p:cNvPr id="10" name="TextBox 9">
+            <a:extLst>
+              <a:ext uri="{FF2B5EF4-FFF2-40B4-BE49-F238E27FC236}">
+                <a16:creationId xmlns:a16="http://schemas.microsoft.com/office/drawing/2014/main" id="{D42CB7D4-D4EA-87D9-13F9-50B592F3CD03}"/>
+              </a:ext>
+            </a:extLst>
+          </p:cNvPr>
+          <p:cNvSpPr txBox="1"/>
+          <p:nvPr/>
+        </p:nvSpPr>
+        <p:spPr>
+          <a:xfrm>
+            <a:off x="259081" y="5255060"/>
+            <a:ext cx="6143896" cy="646331"/>
+          </a:xfrm>
+          <a:prstGeom prst="rect">
+            <a:avLst/>
+          </a:prstGeom>
+          <a:noFill/>
+        </p:spPr>
+        <p:txBody>
+          <a:bodyPr wrap="square">
+            <a:spAutoFit/>
+          </a:bodyPr>
+          <a:lstStyle/>
+          <a:p>
+            <a:r>
+              <a:rPr lang="en-IN" dirty="0"/>
+              <a:t>// Increment the count by 1.</a:t>
+            </a:r>
+          </a:p>
+          <a:p>
+            <a:r>
+              <a:rPr lang="en-IN" dirty="0" err="1"/>
+              <a:t>count.update</a:t>
+            </a:r>
+            <a:r>
+              <a:rPr lang="en-IN" dirty="0"/>
+              <a:t>(value =&gt; value + 1);</a:t>
+            </a:r>
+          </a:p>
+        </p:txBody>
+      </p:sp>
+    </p:spTree>
+    <p:extLst>
+      <p:ext uri="{BB962C8B-B14F-4D97-AF65-F5344CB8AC3E}">
+        <p14:creationId xmlns:p14="http://schemas.microsoft.com/office/powerpoint/2010/main" val="3340387956"/>
+      </p:ext>
+    </p:extLst>
+  </p:cSld>
+  <p:clrMapOvr>
+    <a:masterClrMapping/>
+  </p:clrMapOvr>
+</p:sld>
+</file>
+
+<file path=ppt/slides/slide22.xml><?xml version="1.0" encoding="utf-8"?>
+<p:sld xmlns:a="http://schemas.openxmlformats.org/drawingml/2006/main" xmlns:r="http://schemas.openxmlformats.org/officeDocument/2006/relationships" xmlns:p="http://schemas.openxmlformats.org/presentationml/2006/main">
+  <p:cSld>
+    <p:spTree>
+      <p:nvGrpSpPr>
+        <p:cNvPr id="1" name=""/>
+        <p:cNvGrpSpPr/>
+        <p:nvPr/>
+      </p:nvGrpSpPr>
+      <p:grpSpPr>
+        <a:xfrm>
+          <a:off x="0" y="0"/>
+          <a:ext cx="0" cy="0"/>
+          <a:chOff x="0" y="0"/>
+          <a:chExt cx="0" cy="0"/>
+        </a:xfrm>
+      </p:grpSpPr>
+      <p:sp>
+        <p:nvSpPr>
+          <p:cNvPr id="3" name="TextBox 2">
+            <a:extLst>
+              <a:ext uri="{FF2B5EF4-FFF2-40B4-BE49-F238E27FC236}">
+                <a16:creationId xmlns:a16="http://schemas.microsoft.com/office/drawing/2014/main" id="{A7F95A52-0639-98F0-4F6A-4B7C518AE026}"/>
+              </a:ext>
+            </a:extLst>
+          </p:cNvPr>
+          <p:cNvSpPr txBox="1"/>
+          <p:nvPr/>
+        </p:nvSpPr>
+        <p:spPr>
+          <a:xfrm>
+            <a:off x="0" y="221734"/>
+            <a:ext cx="6096000" cy="523220"/>
+          </a:xfrm>
+          <a:prstGeom prst="rect">
+            <a:avLst/>
+          </a:prstGeom>
+          <a:noFill/>
+        </p:spPr>
+        <p:txBody>
+          <a:bodyPr wrap="square">
+            <a:spAutoFit/>
+          </a:bodyPr>
+          <a:lstStyle/>
+          <a:p>
+            <a:pPr algn="l"/>
+            <a:r>
+              <a:rPr lang="en-IN" sz="2800" b="1" i="0" dirty="0">
+                <a:solidFill>
+                  <a:srgbClr val="333333"/>
+                </a:solidFill>
+                <a:effectLst/>
+                <a:latin typeface="Roboto" panose="02000000000000000000" pitchFamily="2" charset="0"/>
+              </a:rPr>
+              <a:t>Computed signals</a:t>
+            </a:r>
+          </a:p>
+        </p:txBody>
+      </p:sp>
+      <p:sp>
+        <p:nvSpPr>
+          <p:cNvPr id="4" name="Rectangle 1">
+            <a:extLst>
+              <a:ext uri="{FF2B5EF4-FFF2-40B4-BE49-F238E27FC236}">
+                <a16:creationId xmlns:a16="http://schemas.microsoft.com/office/drawing/2014/main" id="{04A06554-7B29-F3C7-6EDB-A78C57085CEF}"/>
+              </a:ext>
+            </a:extLst>
+          </p:cNvPr>
+          <p:cNvSpPr>
+            <a:spLocks noChangeArrowheads="1"/>
+          </p:cNvSpPr>
+          <p:nvPr/>
+        </p:nvSpPr>
+        <p:spPr bwMode="auto">
+          <a:xfrm>
+            <a:off x="0" y="744954"/>
+            <a:ext cx="9601200" cy="769441"/>
+          </a:xfrm>
+          <a:prstGeom prst="rect">
+            <a:avLst/>
+          </a:prstGeom>
+          <a:solidFill>
+            <a:srgbClr val="FFFFFF"/>
+          </a:solidFill>
+          <a:ln>
+            <a:noFill/>
+          </a:ln>
+          <a:effectLst/>
+          <a:extLst>
+            <a:ext uri="{91240B29-F687-4F45-9708-019B960494DF}">
+              <a14:hiddenLine xmlns:a14="http://schemas.microsoft.com/office/drawing/2010/main" w="9525">
+                <a:solidFill>
+                  <a:schemeClr val="tx1"/>
+                </a:solidFill>
+                <a:miter lim="800000"/>
+                <a:headEnd/>
+                <a:tailEnd/>
+              </a14:hiddenLine>
+            </a:ext>
+            <a:ext uri="{AF507438-7753-43E0-B8FC-AC1667EBCBE1}">
+              <a14:hiddenEffects xmlns:a14="http://schemas.microsoft.com/office/drawing/2010/main">
+                <a:effectLst>
+                  <a:outerShdw dist="35921" dir="2700000" algn="ctr" rotWithShape="0">
+                    <a:schemeClr val="bg2"/>
+                  </a:outerShdw>
+                </a:effectLst>
+              </a14:hiddenEffects>
+            </a:ext>
+          </a:extLst>
+        </p:spPr>
+        <p:txBody>
+          <a:bodyPr vert="horz" wrap="square" lIns="91440" tIns="45720" rIns="91440" bIns="45720" numCol="1" anchor="ctr" anchorCtr="0" compatLnSpc="1">
+            <a:prstTxWarp prst="textNoShape">
+              <a:avLst/>
+            </a:prstTxWarp>
+            <a:spAutoFit/>
+          </a:bodyPr>
+          <a:lstStyle>
+            <a:lvl1pPr eaLnBrk="0" fontAlgn="base" hangingPunct="0">
+              <a:spcBef>
+                <a:spcPct val="0"/>
+              </a:spcBef>
+              <a:spcAft>
+                <a:spcPct val="0"/>
+              </a:spcAft>
+              <a:defRPr>
+                <a:solidFill>
+                  <a:schemeClr val="tx1"/>
+                </a:solidFill>
+                <a:latin typeface="Arial" panose="020B0604020202020204" pitchFamily="34" charset="0"/>
+              </a:defRPr>
+            </a:lvl1pPr>
+            <a:lvl2pPr eaLnBrk="0" fontAlgn="base" hangingPunct="0">
+              <a:spcBef>
+                <a:spcPct val="0"/>
+              </a:spcBef>
+              <a:spcAft>
+                <a:spcPct val="0"/>
+              </a:spcAft>
+              <a:defRPr>
+                <a:solidFill>
+                  <a:schemeClr val="tx1"/>
+                </a:solidFill>
+                <a:latin typeface="Arial" panose="020B0604020202020204" pitchFamily="34" charset="0"/>
+              </a:defRPr>
+            </a:lvl2pPr>
+            <a:lvl3pPr eaLnBrk="0" fontAlgn="base" hangingPunct="0">
+              <a:spcBef>
+                <a:spcPct val="0"/>
+              </a:spcBef>
+              <a:spcAft>
+                <a:spcPct val="0"/>
+              </a:spcAft>
+              <a:defRPr>
+                <a:solidFill>
+                  <a:schemeClr val="tx1"/>
+                </a:solidFill>
+                <a:latin typeface="Arial" panose="020B0604020202020204" pitchFamily="34" charset="0"/>
+              </a:defRPr>
+            </a:lvl3pPr>
+            <a:lvl4pPr eaLnBrk="0" fontAlgn="base" hangingPunct="0">
+              <a:spcBef>
+                <a:spcPct val="0"/>
+              </a:spcBef>
+              <a:spcAft>
+                <a:spcPct val="0"/>
+              </a:spcAft>
+              <a:defRPr>
+                <a:solidFill>
+                  <a:schemeClr val="tx1"/>
+                </a:solidFill>
+                <a:latin typeface="Arial" panose="020B0604020202020204" pitchFamily="34" charset="0"/>
+              </a:defRPr>
+            </a:lvl4pPr>
+            <a:lvl5pPr eaLnBrk="0" fontAlgn="base" hangingPunct="0">
+              <a:spcBef>
+                <a:spcPct val="0"/>
+              </a:spcBef>
+              <a:spcAft>
+                <a:spcPct val="0"/>
+              </a:spcAft>
+              <a:defRPr>
+                <a:solidFill>
+                  <a:schemeClr val="tx1"/>
+                </a:solidFill>
+                <a:latin typeface="Arial" panose="020B0604020202020204" pitchFamily="34" charset="0"/>
+              </a:defRPr>
+            </a:lvl5pPr>
+            <a:lvl6pPr eaLnBrk="0" fontAlgn="base" hangingPunct="0">
+              <a:spcBef>
+                <a:spcPct val="0"/>
+              </a:spcBef>
+              <a:spcAft>
+                <a:spcPct val="0"/>
+              </a:spcAft>
+              <a:defRPr>
+                <a:solidFill>
+                  <a:schemeClr val="tx1"/>
+                </a:solidFill>
+                <a:latin typeface="Arial" panose="020B0604020202020204" pitchFamily="34" charset="0"/>
+              </a:defRPr>
+            </a:lvl6pPr>
+            <a:lvl7pPr eaLnBrk="0" fontAlgn="base" hangingPunct="0">
+              <a:spcBef>
+                <a:spcPct val="0"/>
+              </a:spcBef>
+              <a:spcAft>
+                <a:spcPct val="0"/>
+              </a:spcAft>
+              <a:defRPr>
+                <a:solidFill>
+                  <a:schemeClr val="tx1"/>
+                </a:solidFill>
+                <a:latin typeface="Arial" panose="020B0604020202020204" pitchFamily="34" charset="0"/>
+              </a:defRPr>
+            </a:lvl7pPr>
+            <a:lvl8pPr eaLnBrk="0" fontAlgn="base" hangingPunct="0">
+              <a:spcBef>
+                <a:spcPct val="0"/>
+              </a:spcBef>
+              <a:spcAft>
+                <a:spcPct val="0"/>
+              </a:spcAft>
+              <a:defRPr>
+                <a:solidFill>
+                  <a:schemeClr val="tx1"/>
+                </a:solidFill>
+                <a:latin typeface="Arial" panose="020B0604020202020204" pitchFamily="34" charset="0"/>
+              </a:defRPr>
+            </a:lvl8pPr>
+            <a:lvl9pPr eaLnBrk="0" fontAlgn="base" hangingPunct="0">
+              <a:spcBef>
+                <a:spcPct val="0"/>
+              </a:spcBef>
+              <a:spcAft>
+                <a:spcPct val="0"/>
+              </a:spcAft>
+              <a:defRPr>
+                <a:solidFill>
+                  <a:schemeClr val="tx1"/>
+                </a:solidFill>
+                <a:latin typeface="Arial" panose="020B0604020202020204" pitchFamily="34" charset="0"/>
+              </a:defRPr>
+            </a:lvl9pPr>
+          </a:lstStyle>
+          <a:p>
+            <a:pPr marL="0" marR="0" lvl="0" indent="0" algn="l" defTabSz="914400" rtl="0" eaLnBrk="0" fontAlgn="base" latinLnBrk="0" hangingPunct="0">
+              <a:lnSpc>
+                <a:spcPct val="100000"/>
+              </a:lnSpc>
+              <a:spcBef>
+                <a:spcPct val="0"/>
+              </a:spcBef>
+              <a:spcAft>
+                <a:spcPct val="0"/>
+              </a:spcAft>
+              <a:buClrTx/>
+              <a:buSzTx/>
+              <a:buFontTx/>
+              <a:buNone/>
+              <a:tabLst/>
+            </a:pPr>
+            <a:r>
+              <a:rPr kumimoji="0" lang="en-US" altLang="en-US" sz="1600" b="0" i="0" u="none" strike="noStrike" cap="none" normalizeH="0" baseline="0" dirty="0">
+                <a:ln>
+                  <a:noFill/>
+                </a:ln>
+                <a:solidFill>
+                  <a:srgbClr val="444444"/>
+                </a:solidFill>
+                <a:effectLst/>
+                <a:latin typeface="Roboto" panose="02000000000000000000" pitchFamily="2" charset="0"/>
+              </a:rPr>
+              <a:t>A computed signal derives its value from other signals. </a:t>
+            </a:r>
+          </a:p>
+          <a:p>
+            <a:pPr marL="0" marR="0" lvl="0" indent="0" algn="l" defTabSz="914400" rtl="0" eaLnBrk="0" fontAlgn="base" latinLnBrk="0" hangingPunct="0">
+              <a:lnSpc>
+                <a:spcPct val="100000"/>
+              </a:lnSpc>
+              <a:spcBef>
+                <a:spcPct val="0"/>
+              </a:spcBef>
+              <a:spcAft>
+                <a:spcPct val="0"/>
+              </a:spcAft>
+              <a:buClrTx/>
+              <a:buSzTx/>
+              <a:buFontTx/>
+              <a:buNone/>
+              <a:tabLst/>
+            </a:pPr>
+            <a:r>
+              <a:rPr kumimoji="0" lang="en-US" altLang="en-US" sz="1600" b="0" i="0" u="none" strike="noStrike" cap="none" normalizeH="0" baseline="0" dirty="0">
+                <a:ln>
+                  <a:noFill/>
+                </a:ln>
+                <a:solidFill>
+                  <a:srgbClr val="444444"/>
+                </a:solidFill>
+                <a:effectLst/>
+                <a:latin typeface="Roboto" panose="02000000000000000000" pitchFamily="2" charset="0"/>
+              </a:rPr>
+              <a:t>Define one using </a:t>
+            </a:r>
+            <a:r>
+              <a:rPr kumimoji="0" lang="en-US" altLang="en-US" sz="2800" b="1" i="0" u="none" strike="noStrike" cap="none" normalizeH="0" baseline="0" dirty="0">
+                <a:ln>
+                  <a:noFill/>
+                </a:ln>
+                <a:solidFill>
+                  <a:srgbClr val="1669BB"/>
+                </a:solidFill>
+                <a:effectLst/>
+                <a:latin typeface="inherit"/>
+                <a:hlinkClick r:id="rId2"/>
+              </a:rPr>
+              <a:t>computed</a:t>
+            </a:r>
+            <a:r>
+              <a:rPr kumimoji="0" lang="en-US" altLang="en-US" sz="1600" b="0" i="0" u="none" strike="noStrike" cap="none" normalizeH="0" baseline="0" dirty="0">
+                <a:ln>
+                  <a:noFill/>
+                </a:ln>
+                <a:solidFill>
+                  <a:srgbClr val="444444"/>
+                </a:solidFill>
+                <a:effectLst/>
+                <a:latin typeface="Roboto" panose="02000000000000000000" pitchFamily="2" charset="0"/>
+              </a:rPr>
+              <a:t> and specifying a derivation function:</a:t>
+            </a:r>
+            <a:r>
+              <a:rPr kumimoji="0" lang="en-US" altLang="en-US" sz="1000" b="0" i="0" u="none" strike="noStrike" cap="none" normalizeH="0" baseline="0" dirty="0">
+                <a:ln>
+                  <a:noFill/>
+                </a:ln>
+                <a:solidFill>
+                  <a:schemeClr val="tx1"/>
+                </a:solidFill>
+                <a:effectLst/>
+              </a:rPr>
+              <a:t> </a:t>
+            </a:r>
+            <a:endParaRPr kumimoji="0" lang="en-US" altLang="en-US" sz="2400" b="0" i="0" u="none" strike="noStrike" cap="none" normalizeH="0" baseline="0" dirty="0">
+              <a:ln>
+                <a:noFill/>
+              </a:ln>
+              <a:solidFill>
+                <a:schemeClr val="tx1"/>
+              </a:solidFill>
+              <a:effectLst/>
+              <a:latin typeface="Arial" panose="020B0604020202020204" pitchFamily="34" charset="0"/>
+            </a:endParaRPr>
+          </a:p>
+        </p:txBody>
+      </p:sp>
+      <p:sp>
+        <p:nvSpPr>
+          <p:cNvPr id="6" name="TextBox 5">
+            <a:extLst>
+              <a:ext uri="{FF2B5EF4-FFF2-40B4-BE49-F238E27FC236}">
+                <a16:creationId xmlns:a16="http://schemas.microsoft.com/office/drawing/2014/main" id="{BD86146E-931A-7F55-DB44-5EC36E030588}"/>
+              </a:ext>
+            </a:extLst>
+          </p:cNvPr>
+          <p:cNvSpPr txBox="1"/>
+          <p:nvPr/>
+        </p:nvSpPr>
+        <p:spPr>
+          <a:xfrm>
+            <a:off x="-63502" y="1699567"/>
+            <a:ext cx="12109451" cy="1015663"/>
+          </a:xfrm>
+          <a:prstGeom prst="rect">
+            <a:avLst/>
+          </a:prstGeom>
+          <a:noFill/>
+        </p:spPr>
+        <p:txBody>
+          <a:bodyPr wrap="square">
+            <a:spAutoFit/>
+          </a:bodyPr>
+          <a:lstStyle/>
+          <a:p>
+            <a:r>
+              <a:rPr lang="en-IN" sz="2000" dirty="0" err="1"/>
+              <a:t>const</a:t>
+            </a:r>
+            <a:r>
+              <a:rPr lang="en-IN" sz="2000" dirty="0"/>
+              <a:t> count: </a:t>
+            </a:r>
+            <a:r>
+              <a:rPr lang="en-IN" sz="2000" dirty="0" err="1"/>
+              <a:t>WritableSignal</a:t>
+            </a:r>
+            <a:r>
+              <a:rPr lang="en-IN" sz="2000" dirty="0"/>
+              <a:t>&lt;number&gt; = signal(0);</a:t>
+            </a:r>
+          </a:p>
+          <a:p>
+            <a:endParaRPr lang="en-IN" sz="2000" dirty="0"/>
+          </a:p>
+          <a:p>
+            <a:r>
+              <a:rPr lang="en-IN" sz="2000" dirty="0" err="1"/>
+              <a:t>const</a:t>
+            </a:r>
+            <a:r>
+              <a:rPr lang="en-IN" sz="2000" dirty="0"/>
+              <a:t> </a:t>
+            </a:r>
+            <a:r>
+              <a:rPr lang="en-IN" sz="2000" dirty="0" err="1"/>
+              <a:t>doubleCount</a:t>
+            </a:r>
+            <a:r>
+              <a:rPr lang="en-IN" sz="2000" dirty="0"/>
+              <a:t>: Signal&lt;number&gt; = computed(() =&gt; count() * 2);</a:t>
+            </a:r>
+          </a:p>
+        </p:txBody>
+      </p:sp>
+      <p:sp>
+        <p:nvSpPr>
+          <p:cNvPr id="8" name="TextBox 7">
+            <a:extLst>
+              <a:ext uri="{FF2B5EF4-FFF2-40B4-BE49-F238E27FC236}">
+                <a16:creationId xmlns:a16="http://schemas.microsoft.com/office/drawing/2014/main" id="{A7DE0495-D3F2-D17E-57DD-4061C1DAE17B}"/>
+              </a:ext>
+            </a:extLst>
+          </p:cNvPr>
+          <p:cNvSpPr txBox="1"/>
+          <p:nvPr/>
+        </p:nvSpPr>
+        <p:spPr>
+          <a:xfrm>
+            <a:off x="-1" y="3219441"/>
+            <a:ext cx="11889317" cy="923330"/>
+          </a:xfrm>
+          <a:prstGeom prst="rect">
+            <a:avLst/>
+          </a:prstGeom>
+          <a:noFill/>
+        </p:spPr>
+        <p:txBody>
+          <a:bodyPr wrap="square">
+            <a:spAutoFit/>
+          </a:bodyPr>
+          <a:lstStyle/>
+          <a:p>
+            <a:pPr algn="l"/>
+            <a:r>
+              <a:rPr lang="en-US" b="0" i="0" dirty="0">
+                <a:solidFill>
+                  <a:srgbClr val="333333"/>
+                </a:solidFill>
+                <a:effectLst/>
+                <a:latin typeface="Roboto" panose="02000000000000000000" pitchFamily="2" charset="0"/>
+              </a:rPr>
+              <a:t>Computed signals are both lazily evaluated and </a:t>
+            </a:r>
+            <a:r>
+              <a:rPr lang="en-US" b="0" i="0" dirty="0" err="1">
+                <a:solidFill>
+                  <a:srgbClr val="333333"/>
+                </a:solidFill>
+                <a:effectLst/>
+                <a:latin typeface="Roboto" panose="02000000000000000000" pitchFamily="2" charset="0"/>
+              </a:rPr>
+              <a:t>memoized</a:t>
+            </a:r>
+            <a:endParaRPr lang="en-US" b="0" i="0" dirty="0">
+              <a:solidFill>
+                <a:srgbClr val="333333"/>
+              </a:solidFill>
+              <a:effectLst/>
+              <a:latin typeface="Roboto" panose="02000000000000000000" pitchFamily="2" charset="0"/>
+            </a:endParaRPr>
+          </a:p>
+          <a:p>
+            <a:br>
+              <a:rPr lang="en-US" dirty="0"/>
+            </a:br>
+            <a:endParaRPr lang="en-IN" dirty="0"/>
+          </a:p>
+        </p:txBody>
+      </p:sp>
+      <p:sp>
+        <p:nvSpPr>
+          <p:cNvPr id="9" name="Rectangle 2">
+            <a:extLst>
+              <a:ext uri="{FF2B5EF4-FFF2-40B4-BE49-F238E27FC236}">
+                <a16:creationId xmlns:a16="http://schemas.microsoft.com/office/drawing/2014/main" id="{3F62EFD0-6DF5-5633-8D0D-A3F5DDC22103}"/>
+              </a:ext>
+            </a:extLst>
+          </p:cNvPr>
+          <p:cNvSpPr>
+            <a:spLocks noChangeArrowheads="1"/>
+          </p:cNvSpPr>
+          <p:nvPr/>
+        </p:nvSpPr>
+        <p:spPr bwMode="auto">
+          <a:xfrm>
+            <a:off x="-63502" y="3681106"/>
+            <a:ext cx="11982451" cy="1015663"/>
+          </a:xfrm>
+          <a:prstGeom prst="rect">
+            <a:avLst/>
+          </a:prstGeom>
+          <a:noFill/>
+          <a:ln>
+            <a:noFill/>
+          </a:ln>
+          <a:effectLst/>
+          <a:extLst>
+            <a:ext uri="{909E8E84-426E-40DD-AFC4-6F175D3DCCD1}">
+              <a14:hiddenFill xmlns:a14="http://schemas.microsoft.com/office/drawing/2010/main">
+                <a:solidFill>
+                  <a:schemeClr val="accent1"/>
+                </a:solidFill>
+              </a14:hiddenFill>
+            </a:ext>
+            <a:ext uri="{91240B29-F687-4F45-9708-019B960494DF}">
+              <a14:hiddenLine xmlns:a14="http://schemas.microsoft.com/office/drawing/2010/main" w="9525">
+                <a:solidFill>
+                  <a:schemeClr val="tx1"/>
+                </a:solidFill>
+                <a:miter lim="800000"/>
+                <a:headEnd/>
+                <a:tailEnd/>
+              </a14:hiddenLine>
+            </a:ext>
+            <a:ext uri="{AF507438-7753-43E0-B8FC-AC1667EBCBE1}">
+              <a14:hiddenEffects xmlns:a14="http://schemas.microsoft.com/office/drawing/2010/main">
+                <a:effectLst>
+                  <a:outerShdw dist="35921" dir="2700000" algn="ctr" rotWithShape="0">
+                    <a:schemeClr val="bg2"/>
+                  </a:outerShdw>
+                </a:effectLst>
+              </a14:hiddenEffects>
+            </a:ext>
+          </a:extLst>
+        </p:spPr>
+        <p:txBody>
+          <a:bodyPr vert="horz" wrap="square" lIns="91440" tIns="45720" rIns="91440" bIns="45720" numCol="1" anchor="ctr" anchorCtr="0" compatLnSpc="1">
+            <a:prstTxWarp prst="textNoShape">
+              <a:avLst/>
+            </a:prstTxWarp>
+            <a:spAutoFit/>
+          </a:bodyPr>
+          <a:lstStyle>
+            <a:lvl1pPr eaLnBrk="0" fontAlgn="base" hangingPunct="0">
+              <a:spcBef>
+                <a:spcPct val="0"/>
+              </a:spcBef>
+              <a:spcAft>
+                <a:spcPct val="0"/>
+              </a:spcAft>
+              <a:defRPr>
+                <a:solidFill>
+                  <a:schemeClr val="tx1"/>
+                </a:solidFill>
+                <a:latin typeface="Arial" panose="020B0604020202020204" pitchFamily="34" charset="0"/>
+              </a:defRPr>
+            </a:lvl1pPr>
+            <a:lvl2pPr eaLnBrk="0" fontAlgn="base" hangingPunct="0">
+              <a:spcBef>
+                <a:spcPct val="0"/>
+              </a:spcBef>
+              <a:spcAft>
+                <a:spcPct val="0"/>
+              </a:spcAft>
+              <a:defRPr>
+                <a:solidFill>
+                  <a:schemeClr val="tx1"/>
+                </a:solidFill>
+                <a:latin typeface="Arial" panose="020B0604020202020204" pitchFamily="34" charset="0"/>
+              </a:defRPr>
+            </a:lvl2pPr>
+            <a:lvl3pPr eaLnBrk="0" fontAlgn="base" hangingPunct="0">
+              <a:spcBef>
+                <a:spcPct val="0"/>
+              </a:spcBef>
+              <a:spcAft>
+                <a:spcPct val="0"/>
+              </a:spcAft>
+              <a:defRPr>
+                <a:solidFill>
+                  <a:schemeClr val="tx1"/>
+                </a:solidFill>
+                <a:latin typeface="Arial" panose="020B0604020202020204" pitchFamily="34" charset="0"/>
+              </a:defRPr>
+            </a:lvl3pPr>
+            <a:lvl4pPr eaLnBrk="0" fontAlgn="base" hangingPunct="0">
+              <a:spcBef>
+                <a:spcPct val="0"/>
+              </a:spcBef>
+              <a:spcAft>
+                <a:spcPct val="0"/>
+              </a:spcAft>
+              <a:defRPr>
+                <a:solidFill>
+                  <a:schemeClr val="tx1"/>
+                </a:solidFill>
+                <a:latin typeface="Arial" panose="020B0604020202020204" pitchFamily="34" charset="0"/>
+              </a:defRPr>
+            </a:lvl4pPr>
+            <a:lvl5pPr eaLnBrk="0" fontAlgn="base" hangingPunct="0">
+              <a:spcBef>
+                <a:spcPct val="0"/>
+              </a:spcBef>
+              <a:spcAft>
+                <a:spcPct val="0"/>
+              </a:spcAft>
+              <a:defRPr>
+                <a:solidFill>
+                  <a:schemeClr val="tx1"/>
+                </a:solidFill>
+                <a:latin typeface="Arial" panose="020B0604020202020204" pitchFamily="34" charset="0"/>
+              </a:defRPr>
+            </a:lvl5pPr>
+            <a:lvl6pPr eaLnBrk="0" fontAlgn="base" hangingPunct="0">
+              <a:spcBef>
+                <a:spcPct val="0"/>
+              </a:spcBef>
+              <a:spcAft>
+                <a:spcPct val="0"/>
+              </a:spcAft>
+              <a:defRPr>
+                <a:solidFill>
+                  <a:schemeClr val="tx1"/>
+                </a:solidFill>
+                <a:latin typeface="Arial" panose="020B0604020202020204" pitchFamily="34" charset="0"/>
+              </a:defRPr>
+            </a:lvl6pPr>
+            <a:lvl7pPr eaLnBrk="0" fontAlgn="base" hangingPunct="0">
+              <a:spcBef>
+                <a:spcPct val="0"/>
+              </a:spcBef>
+              <a:spcAft>
+                <a:spcPct val="0"/>
+              </a:spcAft>
+              <a:defRPr>
+                <a:solidFill>
+                  <a:schemeClr val="tx1"/>
+                </a:solidFill>
+                <a:latin typeface="Arial" panose="020B0604020202020204" pitchFamily="34" charset="0"/>
+              </a:defRPr>
+            </a:lvl7pPr>
+            <a:lvl8pPr eaLnBrk="0" fontAlgn="base" hangingPunct="0">
+              <a:spcBef>
+                <a:spcPct val="0"/>
+              </a:spcBef>
+              <a:spcAft>
+                <a:spcPct val="0"/>
+              </a:spcAft>
+              <a:defRPr>
+                <a:solidFill>
+                  <a:schemeClr val="tx1"/>
+                </a:solidFill>
+                <a:latin typeface="Arial" panose="020B0604020202020204" pitchFamily="34" charset="0"/>
+              </a:defRPr>
+            </a:lvl8pPr>
+            <a:lvl9pPr eaLnBrk="0" fontAlgn="base" hangingPunct="0">
+              <a:spcBef>
+                <a:spcPct val="0"/>
+              </a:spcBef>
+              <a:spcAft>
+                <a:spcPct val="0"/>
+              </a:spcAft>
+              <a:defRPr>
+                <a:solidFill>
+                  <a:schemeClr val="tx1"/>
+                </a:solidFill>
+                <a:latin typeface="Arial" panose="020B0604020202020204" pitchFamily="34" charset="0"/>
+              </a:defRPr>
+            </a:lvl9pPr>
+          </a:lstStyle>
+          <a:p>
+            <a:pPr marL="0" marR="0" lvl="0" indent="0" algn="l" defTabSz="914400" rtl="0" eaLnBrk="0" fontAlgn="base" latinLnBrk="0" hangingPunct="0">
+              <a:lnSpc>
+                <a:spcPct val="100000"/>
+              </a:lnSpc>
+              <a:spcBef>
+                <a:spcPct val="0"/>
+              </a:spcBef>
+              <a:spcAft>
+                <a:spcPct val="0"/>
+              </a:spcAft>
+              <a:buClrTx/>
+              <a:buSzTx/>
+              <a:buFontTx/>
+              <a:buNone/>
+              <a:tabLst/>
+            </a:pPr>
+            <a:r>
+              <a:rPr kumimoji="0" lang="en-US" altLang="en-US" sz="1400" b="0" i="0" u="none" strike="noStrike" cap="none" normalizeH="0" baseline="0" dirty="0" err="1">
+                <a:ln>
+                  <a:noFill/>
+                </a:ln>
+                <a:solidFill>
+                  <a:srgbClr val="444444"/>
+                </a:solidFill>
+                <a:effectLst/>
+                <a:latin typeface="Roboto Mono" panose="00000009000000000000" pitchFamily="49" charset="0"/>
+              </a:rPr>
+              <a:t>doubleCount</a:t>
+            </a:r>
+            <a:r>
+              <a:rPr kumimoji="0" lang="en-US" altLang="en-US" sz="2000" b="0" i="0" u="none" strike="noStrike" cap="none" normalizeH="0" baseline="0" dirty="0" err="1">
+                <a:ln>
+                  <a:noFill/>
+                </a:ln>
+                <a:solidFill>
+                  <a:srgbClr val="444444"/>
+                </a:solidFill>
+                <a:effectLst/>
+                <a:latin typeface="Roboto" panose="02000000000000000000" pitchFamily="2" charset="0"/>
+              </a:rPr>
+              <a:t>'s</a:t>
+            </a:r>
+            <a:r>
+              <a:rPr kumimoji="0" lang="en-US" altLang="en-US" sz="2000" b="0" i="0" u="none" strike="noStrike" cap="none" normalizeH="0" baseline="0" dirty="0">
+                <a:ln>
+                  <a:noFill/>
+                </a:ln>
+                <a:solidFill>
+                  <a:srgbClr val="444444"/>
+                </a:solidFill>
+                <a:effectLst/>
+                <a:latin typeface="Roboto" panose="02000000000000000000" pitchFamily="2" charset="0"/>
+              </a:rPr>
+              <a:t> derivation function does not run to calculate its value until the first time </a:t>
+            </a:r>
+            <a:r>
+              <a:rPr kumimoji="0" lang="en-US" altLang="en-US" sz="1400" b="0" i="0" u="none" strike="noStrike" cap="none" normalizeH="0" baseline="0" dirty="0" err="1">
+                <a:ln>
+                  <a:noFill/>
+                </a:ln>
+                <a:solidFill>
+                  <a:srgbClr val="444444"/>
+                </a:solidFill>
+                <a:effectLst/>
+                <a:latin typeface="Roboto Mono" panose="00000009000000000000" pitchFamily="49" charset="0"/>
+              </a:rPr>
+              <a:t>doubleCount</a:t>
+            </a:r>
+            <a:r>
+              <a:rPr kumimoji="0" lang="en-US" altLang="en-US" sz="2000" b="0" i="0" u="none" strike="noStrike" cap="none" normalizeH="0" baseline="0" dirty="0">
+                <a:ln>
+                  <a:noFill/>
+                </a:ln>
+                <a:solidFill>
+                  <a:srgbClr val="444444"/>
+                </a:solidFill>
+                <a:effectLst/>
+                <a:latin typeface="Roboto" panose="02000000000000000000" pitchFamily="2" charset="0"/>
+              </a:rPr>
+              <a:t> is read. </a:t>
+            </a:r>
+          </a:p>
+          <a:p>
+            <a:pPr marL="0" marR="0" lvl="0" indent="0" algn="l" defTabSz="914400" rtl="0" eaLnBrk="0" fontAlgn="base" latinLnBrk="0" hangingPunct="0">
+              <a:lnSpc>
+                <a:spcPct val="100000"/>
+              </a:lnSpc>
+              <a:spcBef>
+                <a:spcPct val="0"/>
+              </a:spcBef>
+              <a:spcAft>
+                <a:spcPct val="0"/>
+              </a:spcAft>
+              <a:buClrTx/>
+              <a:buSzTx/>
+              <a:buFontTx/>
+              <a:buNone/>
+              <a:tabLst/>
+            </a:pPr>
+            <a:r>
+              <a:rPr kumimoji="0" lang="en-US" altLang="en-US" sz="2000" b="0" i="0" u="none" strike="noStrike" cap="none" normalizeH="0" baseline="0" dirty="0">
+                <a:ln>
+                  <a:noFill/>
+                </a:ln>
+                <a:solidFill>
+                  <a:srgbClr val="444444"/>
+                </a:solidFill>
+                <a:effectLst/>
+                <a:latin typeface="Roboto" panose="02000000000000000000" pitchFamily="2" charset="0"/>
+              </a:rPr>
+              <a:t>Once calculated, this value is cached, and future reads of </a:t>
+            </a:r>
+            <a:r>
+              <a:rPr kumimoji="0" lang="en-US" altLang="en-US" sz="1400" b="0" i="0" u="none" strike="noStrike" cap="none" normalizeH="0" baseline="0" dirty="0" err="1">
+                <a:ln>
+                  <a:noFill/>
+                </a:ln>
+                <a:solidFill>
+                  <a:srgbClr val="444444"/>
+                </a:solidFill>
+                <a:effectLst/>
+                <a:latin typeface="Roboto Mono" panose="00000009000000000000" pitchFamily="49" charset="0"/>
+              </a:rPr>
+              <a:t>doubleCount</a:t>
+            </a:r>
+            <a:r>
+              <a:rPr kumimoji="0" lang="en-US" altLang="en-US" sz="2000" b="0" i="0" u="none" strike="noStrike" cap="none" normalizeH="0" baseline="0" dirty="0">
+                <a:ln>
+                  <a:noFill/>
+                </a:ln>
+                <a:solidFill>
+                  <a:srgbClr val="444444"/>
+                </a:solidFill>
+                <a:effectLst/>
+                <a:latin typeface="Roboto" panose="02000000000000000000" pitchFamily="2" charset="0"/>
+              </a:rPr>
+              <a:t> will return the cached value without recalculating.</a:t>
+            </a:r>
+            <a:r>
+              <a:rPr kumimoji="0" lang="en-US" altLang="en-US" sz="1100" b="0" i="0" u="none" strike="noStrike" cap="none" normalizeH="0" baseline="0" dirty="0">
+                <a:ln>
+                  <a:noFill/>
+                </a:ln>
+                <a:solidFill>
+                  <a:schemeClr val="tx1"/>
+                </a:solidFill>
+                <a:effectLst/>
+              </a:rPr>
+              <a:t> </a:t>
+            </a:r>
+            <a:endParaRPr kumimoji="0" lang="en-US" altLang="en-US" sz="3200" b="0" i="0" u="none" strike="noStrike" cap="none" normalizeH="0" baseline="0" dirty="0">
+              <a:ln>
+                <a:noFill/>
+              </a:ln>
+              <a:solidFill>
+                <a:schemeClr val="tx1"/>
+              </a:solidFill>
+              <a:effectLst/>
+              <a:latin typeface="Arial" panose="020B0604020202020204" pitchFamily="34" charset="0"/>
+            </a:endParaRPr>
+          </a:p>
+        </p:txBody>
+      </p:sp>
+      <p:sp>
+        <p:nvSpPr>
+          <p:cNvPr id="10" name="Rectangle 3">
+            <a:extLst>
+              <a:ext uri="{FF2B5EF4-FFF2-40B4-BE49-F238E27FC236}">
+                <a16:creationId xmlns:a16="http://schemas.microsoft.com/office/drawing/2014/main" id="{D5882F9E-BBCD-2B95-03FE-49EB6FBF2596}"/>
+              </a:ext>
+            </a:extLst>
+          </p:cNvPr>
+          <p:cNvSpPr>
+            <a:spLocks noChangeArrowheads="1"/>
+          </p:cNvSpPr>
+          <p:nvPr/>
+        </p:nvSpPr>
+        <p:spPr bwMode="auto">
+          <a:xfrm>
+            <a:off x="-63502" y="4696769"/>
+            <a:ext cx="12109451" cy="584775"/>
+          </a:xfrm>
+          <a:prstGeom prst="rect">
+            <a:avLst/>
+          </a:prstGeom>
+          <a:noFill/>
+          <a:ln>
+            <a:noFill/>
+          </a:ln>
+          <a:effectLst/>
+          <a:extLst>
+            <a:ext uri="{909E8E84-426E-40DD-AFC4-6F175D3DCCD1}">
+              <a14:hiddenFill xmlns:a14="http://schemas.microsoft.com/office/drawing/2010/main">
+                <a:solidFill>
+                  <a:schemeClr val="accent1"/>
+                </a:solidFill>
+              </a14:hiddenFill>
+            </a:ext>
+            <a:ext uri="{91240B29-F687-4F45-9708-019B960494DF}">
+              <a14:hiddenLine xmlns:a14="http://schemas.microsoft.com/office/drawing/2010/main" w="9525">
+                <a:solidFill>
+                  <a:schemeClr val="tx1"/>
+                </a:solidFill>
+                <a:miter lim="800000"/>
+                <a:headEnd/>
+                <a:tailEnd/>
+              </a14:hiddenLine>
+            </a:ext>
+            <a:ext uri="{AF507438-7753-43E0-B8FC-AC1667EBCBE1}">
+              <a14:hiddenEffects xmlns:a14="http://schemas.microsoft.com/office/drawing/2010/main">
+                <a:effectLst>
+                  <a:outerShdw dist="35921" dir="2700000" algn="ctr" rotWithShape="0">
+                    <a:schemeClr val="bg2"/>
+                  </a:outerShdw>
+                </a:effectLst>
+              </a14:hiddenEffects>
+            </a:ext>
+          </a:extLst>
+        </p:spPr>
+        <p:txBody>
+          <a:bodyPr vert="horz" wrap="square" lIns="91440" tIns="45720" rIns="91440" bIns="45720" numCol="1" anchor="ctr" anchorCtr="0" compatLnSpc="1">
+            <a:prstTxWarp prst="textNoShape">
+              <a:avLst/>
+            </a:prstTxWarp>
+            <a:spAutoFit/>
+          </a:bodyPr>
+          <a:lstStyle>
+            <a:lvl1pPr eaLnBrk="0" fontAlgn="base" hangingPunct="0">
+              <a:spcBef>
+                <a:spcPct val="0"/>
+              </a:spcBef>
+              <a:spcAft>
+                <a:spcPct val="0"/>
+              </a:spcAft>
+              <a:defRPr>
+                <a:solidFill>
+                  <a:schemeClr val="tx1"/>
+                </a:solidFill>
+                <a:latin typeface="Arial" panose="020B0604020202020204" pitchFamily="34" charset="0"/>
+              </a:defRPr>
+            </a:lvl1pPr>
+            <a:lvl2pPr eaLnBrk="0" fontAlgn="base" hangingPunct="0">
+              <a:spcBef>
+                <a:spcPct val="0"/>
+              </a:spcBef>
+              <a:spcAft>
+                <a:spcPct val="0"/>
+              </a:spcAft>
+              <a:defRPr>
+                <a:solidFill>
+                  <a:schemeClr val="tx1"/>
+                </a:solidFill>
+                <a:latin typeface="Arial" panose="020B0604020202020204" pitchFamily="34" charset="0"/>
+              </a:defRPr>
+            </a:lvl2pPr>
+            <a:lvl3pPr eaLnBrk="0" fontAlgn="base" hangingPunct="0">
+              <a:spcBef>
+                <a:spcPct val="0"/>
+              </a:spcBef>
+              <a:spcAft>
+                <a:spcPct val="0"/>
+              </a:spcAft>
+              <a:defRPr>
+                <a:solidFill>
+                  <a:schemeClr val="tx1"/>
+                </a:solidFill>
+                <a:latin typeface="Arial" panose="020B0604020202020204" pitchFamily="34" charset="0"/>
+              </a:defRPr>
+            </a:lvl3pPr>
+            <a:lvl4pPr eaLnBrk="0" fontAlgn="base" hangingPunct="0">
+              <a:spcBef>
+                <a:spcPct val="0"/>
+              </a:spcBef>
+              <a:spcAft>
+                <a:spcPct val="0"/>
+              </a:spcAft>
+              <a:defRPr>
+                <a:solidFill>
+                  <a:schemeClr val="tx1"/>
+                </a:solidFill>
+                <a:latin typeface="Arial" panose="020B0604020202020204" pitchFamily="34" charset="0"/>
+              </a:defRPr>
+            </a:lvl4pPr>
+            <a:lvl5pPr eaLnBrk="0" fontAlgn="base" hangingPunct="0">
+              <a:spcBef>
+                <a:spcPct val="0"/>
+              </a:spcBef>
+              <a:spcAft>
+                <a:spcPct val="0"/>
+              </a:spcAft>
+              <a:defRPr>
+                <a:solidFill>
+                  <a:schemeClr val="tx1"/>
+                </a:solidFill>
+                <a:latin typeface="Arial" panose="020B0604020202020204" pitchFamily="34" charset="0"/>
+              </a:defRPr>
+            </a:lvl5pPr>
+            <a:lvl6pPr eaLnBrk="0" fontAlgn="base" hangingPunct="0">
+              <a:spcBef>
+                <a:spcPct val="0"/>
+              </a:spcBef>
+              <a:spcAft>
+                <a:spcPct val="0"/>
+              </a:spcAft>
+              <a:defRPr>
+                <a:solidFill>
+                  <a:schemeClr val="tx1"/>
+                </a:solidFill>
+                <a:latin typeface="Arial" panose="020B0604020202020204" pitchFamily="34" charset="0"/>
+              </a:defRPr>
+            </a:lvl6pPr>
+            <a:lvl7pPr eaLnBrk="0" fontAlgn="base" hangingPunct="0">
+              <a:spcBef>
+                <a:spcPct val="0"/>
+              </a:spcBef>
+              <a:spcAft>
+                <a:spcPct val="0"/>
+              </a:spcAft>
+              <a:defRPr>
+                <a:solidFill>
+                  <a:schemeClr val="tx1"/>
+                </a:solidFill>
+                <a:latin typeface="Arial" panose="020B0604020202020204" pitchFamily="34" charset="0"/>
+              </a:defRPr>
+            </a:lvl7pPr>
+            <a:lvl8pPr eaLnBrk="0" fontAlgn="base" hangingPunct="0">
+              <a:spcBef>
+                <a:spcPct val="0"/>
+              </a:spcBef>
+              <a:spcAft>
+                <a:spcPct val="0"/>
+              </a:spcAft>
+              <a:defRPr>
+                <a:solidFill>
+                  <a:schemeClr val="tx1"/>
+                </a:solidFill>
+                <a:latin typeface="Arial" panose="020B0604020202020204" pitchFamily="34" charset="0"/>
+              </a:defRPr>
+            </a:lvl8pPr>
+            <a:lvl9pPr eaLnBrk="0" fontAlgn="base" hangingPunct="0">
+              <a:spcBef>
+                <a:spcPct val="0"/>
+              </a:spcBef>
+              <a:spcAft>
+                <a:spcPct val="0"/>
+              </a:spcAft>
+              <a:defRPr>
+                <a:solidFill>
+                  <a:schemeClr val="tx1"/>
+                </a:solidFill>
+                <a:latin typeface="Arial" panose="020B0604020202020204" pitchFamily="34" charset="0"/>
+              </a:defRPr>
+            </a:lvl9pPr>
+          </a:lstStyle>
+          <a:p>
+            <a:pPr marL="0" marR="0" lvl="0" indent="0" algn="l" defTabSz="914400" rtl="0" eaLnBrk="0" fontAlgn="base" latinLnBrk="0" hangingPunct="0">
+              <a:lnSpc>
+                <a:spcPct val="100000"/>
+              </a:lnSpc>
+              <a:spcBef>
+                <a:spcPct val="0"/>
+              </a:spcBef>
+              <a:spcAft>
+                <a:spcPct val="0"/>
+              </a:spcAft>
+              <a:buClrTx/>
+              <a:buSzTx/>
+              <a:buFontTx/>
+              <a:buNone/>
+              <a:tabLst/>
+            </a:pPr>
+            <a:r>
+              <a:rPr kumimoji="0" lang="en-US" altLang="en-US" sz="1600" b="0" i="0" u="none" strike="noStrike" cap="none" normalizeH="0" baseline="0" dirty="0">
+                <a:ln>
+                  <a:noFill/>
+                </a:ln>
+                <a:solidFill>
+                  <a:srgbClr val="444444"/>
+                </a:solidFill>
+                <a:effectLst/>
+                <a:latin typeface="Roboto" panose="02000000000000000000" pitchFamily="2" charset="0"/>
+              </a:rPr>
+              <a:t>When </a:t>
+            </a:r>
+            <a:r>
+              <a:rPr kumimoji="0" lang="en-US" altLang="en-US" sz="1100" b="0" i="0" u="none" strike="noStrike" cap="none" normalizeH="0" baseline="0" dirty="0">
+                <a:ln>
+                  <a:noFill/>
+                </a:ln>
+                <a:solidFill>
+                  <a:srgbClr val="444444"/>
+                </a:solidFill>
+                <a:effectLst/>
+                <a:latin typeface="Roboto Mono" panose="00000009000000000000" pitchFamily="49" charset="0"/>
+              </a:rPr>
+              <a:t>count</a:t>
+            </a:r>
+            <a:r>
+              <a:rPr kumimoji="0" lang="en-US" altLang="en-US" sz="1600" b="0" i="0" u="none" strike="noStrike" cap="none" normalizeH="0" baseline="0" dirty="0">
+                <a:ln>
+                  <a:noFill/>
+                </a:ln>
+                <a:solidFill>
+                  <a:srgbClr val="444444"/>
+                </a:solidFill>
+                <a:effectLst/>
+                <a:latin typeface="Roboto" panose="02000000000000000000" pitchFamily="2" charset="0"/>
+              </a:rPr>
+              <a:t> changes, it tells </a:t>
+            </a:r>
+            <a:r>
+              <a:rPr kumimoji="0" lang="en-US" altLang="en-US" sz="1100" b="0" i="0" u="none" strike="noStrike" cap="none" normalizeH="0" baseline="0" dirty="0" err="1">
+                <a:ln>
+                  <a:noFill/>
+                </a:ln>
+                <a:solidFill>
+                  <a:srgbClr val="444444"/>
+                </a:solidFill>
+                <a:effectLst/>
+                <a:latin typeface="Roboto Mono" panose="00000009000000000000" pitchFamily="49" charset="0"/>
+              </a:rPr>
+              <a:t>doubleCount</a:t>
+            </a:r>
+            <a:r>
+              <a:rPr kumimoji="0" lang="en-US" altLang="en-US" sz="1600" b="0" i="0" u="none" strike="noStrike" cap="none" normalizeH="0" baseline="0" dirty="0">
+                <a:ln>
+                  <a:noFill/>
+                </a:ln>
+                <a:solidFill>
+                  <a:srgbClr val="444444"/>
+                </a:solidFill>
+                <a:effectLst/>
+                <a:latin typeface="Roboto" panose="02000000000000000000" pitchFamily="2" charset="0"/>
+              </a:rPr>
+              <a:t> that its cached value is no longer valid, </a:t>
+            </a:r>
+          </a:p>
+          <a:p>
+            <a:pPr marL="0" marR="0" lvl="0" indent="0" algn="l" defTabSz="914400" rtl="0" eaLnBrk="0" fontAlgn="base" latinLnBrk="0" hangingPunct="0">
+              <a:lnSpc>
+                <a:spcPct val="100000"/>
+              </a:lnSpc>
+              <a:spcBef>
+                <a:spcPct val="0"/>
+              </a:spcBef>
+              <a:spcAft>
+                <a:spcPct val="0"/>
+              </a:spcAft>
+              <a:buClrTx/>
+              <a:buSzTx/>
+              <a:buFontTx/>
+              <a:buNone/>
+              <a:tabLst/>
+            </a:pPr>
+            <a:r>
+              <a:rPr kumimoji="0" lang="en-US" altLang="en-US" sz="1600" b="0" i="0" u="none" strike="noStrike" cap="none" normalizeH="0" baseline="0" dirty="0">
+                <a:ln>
+                  <a:noFill/>
+                </a:ln>
+                <a:solidFill>
+                  <a:srgbClr val="444444"/>
+                </a:solidFill>
+                <a:effectLst/>
+                <a:latin typeface="Roboto" panose="02000000000000000000" pitchFamily="2" charset="0"/>
+              </a:rPr>
+              <a:t>and the value is only recalculated on the next read of </a:t>
+            </a:r>
+            <a:r>
+              <a:rPr kumimoji="0" lang="en-US" altLang="en-US" sz="1100" b="0" i="0" u="none" strike="noStrike" cap="none" normalizeH="0" baseline="0" dirty="0" err="1">
+                <a:ln>
+                  <a:noFill/>
+                </a:ln>
+                <a:solidFill>
+                  <a:srgbClr val="444444"/>
+                </a:solidFill>
+                <a:effectLst/>
+                <a:latin typeface="Roboto Mono" panose="00000009000000000000" pitchFamily="49" charset="0"/>
+              </a:rPr>
+              <a:t>doubleCount</a:t>
+            </a:r>
+            <a:r>
+              <a:rPr kumimoji="0" lang="en-US" altLang="en-US" sz="1600" b="0" i="0" u="none" strike="noStrike" cap="none" normalizeH="0" baseline="0" dirty="0">
+                <a:ln>
+                  <a:noFill/>
+                </a:ln>
+                <a:solidFill>
+                  <a:srgbClr val="444444"/>
+                </a:solidFill>
+                <a:effectLst/>
+                <a:latin typeface="Roboto" panose="02000000000000000000" pitchFamily="2" charset="0"/>
+              </a:rPr>
+              <a:t>.</a:t>
+            </a:r>
+            <a:r>
+              <a:rPr kumimoji="0" lang="en-US" altLang="en-US" sz="1000" b="0" i="0" u="none" strike="noStrike" cap="none" normalizeH="0" baseline="0" dirty="0">
+                <a:ln>
+                  <a:noFill/>
+                </a:ln>
+                <a:solidFill>
+                  <a:schemeClr val="tx1"/>
+                </a:solidFill>
+                <a:effectLst/>
+              </a:rPr>
+              <a:t> </a:t>
+            </a:r>
+            <a:endParaRPr kumimoji="0" lang="en-US" altLang="en-US" sz="2400" b="0" i="0" u="none" strike="noStrike" cap="none" normalizeH="0" baseline="0" dirty="0">
+              <a:ln>
+                <a:noFill/>
+              </a:ln>
+              <a:solidFill>
+                <a:schemeClr val="tx1"/>
+              </a:solidFill>
+              <a:effectLst/>
+              <a:latin typeface="Arial" panose="020B0604020202020204" pitchFamily="34" charset="0"/>
+            </a:endParaRPr>
+          </a:p>
+        </p:txBody>
+      </p:sp>
+      <p:sp>
+        <p:nvSpPr>
+          <p:cNvPr id="12" name="TextBox 11">
+            <a:extLst>
+              <a:ext uri="{FF2B5EF4-FFF2-40B4-BE49-F238E27FC236}">
+                <a16:creationId xmlns:a16="http://schemas.microsoft.com/office/drawing/2014/main" id="{03C4B99F-D902-D362-C68B-9DBD5582623B}"/>
+              </a:ext>
+            </a:extLst>
+          </p:cNvPr>
+          <p:cNvSpPr txBox="1"/>
+          <p:nvPr/>
+        </p:nvSpPr>
+        <p:spPr>
+          <a:xfrm>
+            <a:off x="0" y="5389266"/>
+            <a:ext cx="6159500" cy="646331"/>
+          </a:xfrm>
+          <a:prstGeom prst="rect">
+            <a:avLst/>
+          </a:prstGeom>
+          <a:noFill/>
+        </p:spPr>
+        <p:txBody>
+          <a:bodyPr wrap="square">
+            <a:spAutoFit/>
+          </a:bodyPr>
+          <a:lstStyle/>
+          <a:p>
+            <a:r>
+              <a:rPr lang="en-US" b="0" i="0" dirty="0">
+                <a:solidFill>
+                  <a:srgbClr val="444444"/>
+                </a:solidFill>
+                <a:effectLst/>
+                <a:latin typeface="Roboto" panose="02000000000000000000" pitchFamily="2" charset="0"/>
+              </a:rPr>
+              <a:t>As a result, it's safe to perform computationally expensive derivations in computed signals, such as filtering arrays.</a:t>
+            </a:r>
+            <a:endParaRPr lang="en-IN" dirty="0"/>
+          </a:p>
+        </p:txBody>
+      </p:sp>
+      <p:sp>
+        <p:nvSpPr>
+          <p:cNvPr id="14" name="TextBox 13">
+            <a:extLst>
+              <a:ext uri="{FF2B5EF4-FFF2-40B4-BE49-F238E27FC236}">
+                <a16:creationId xmlns:a16="http://schemas.microsoft.com/office/drawing/2014/main" id="{8B5A5A2D-2519-DD81-CD33-3F7059A15B5E}"/>
+              </a:ext>
+            </a:extLst>
+          </p:cNvPr>
+          <p:cNvSpPr txBox="1"/>
+          <p:nvPr/>
+        </p:nvSpPr>
+        <p:spPr>
+          <a:xfrm>
+            <a:off x="-63502" y="6143319"/>
+            <a:ext cx="6159500" cy="369332"/>
+          </a:xfrm>
+          <a:prstGeom prst="rect">
+            <a:avLst/>
+          </a:prstGeom>
+          <a:noFill/>
+        </p:spPr>
+        <p:txBody>
+          <a:bodyPr wrap="square">
+            <a:spAutoFit/>
+          </a:bodyPr>
+          <a:lstStyle/>
+          <a:p>
+            <a:pPr algn="l"/>
+            <a:r>
+              <a:rPr lang="en-US" b="0" i="0" dirty="0">
+                <a:solidFill>
+                  <a:srgbClr val="333333"/>
+                </a:solidFill>
+                <a:effectLst/>
+                <a:latin typeface="Roboto" panose="02000000000000000000" pitchFamily="2" charset="0"/>
+              </a:rPr>
+              <a:t>Computed signals are not writable signals</a:t>
+            </a:r>
+          </a:p>
+        </p:txBody>
+      </p:sp>
+    </p:spTree>
+    <p:extLst>
+      <p:ext uri="{BB962C8B-B14F-4D97-AF65-F5344CB8AC3E}">
+        <p14:creationId xmlns:p14="http://schemas.microsoft.com/office/powerpoint/2010/main" val="789968172"/>
+      </p:ext>
+    </p:extLst>
+  </p:cSld>
+  <p:clrMapOvr>
+    <a:masterClrMapping/>
+  </p:clrMapOvr>
+</p:sld>
+</file>
+
+<file path=ppt/slides/slide23.xml><?xml version="1.0" encoding="utf-8"?>
+<p:sld xmlns:a="http://schemas.openxmlformats.org/drawingml/2006/main" xmlns:r="http://schemas.openxmlformats.org/officeDocument/2006/relationships" xmlns:p="http://schemas.openxmlformats.org/presentationml/2006/main">
+  <p:cSld>
+    <p:spTree>
+      <p:nvGrpSpPr>
+        <p:cNvPr id="1" name=""/>
+        <p:cNvGrpSpPr/>
+        <p:nvPr/>
+      </p:nvGrpSpPr>
+      <p:grpSpPr>
+        <a:xfrm>
+          <a:off x="0" y="0"/>
+          <a:ext cx="0" cy="0"/>
+          <a:chOff x="0" y="0"/>
+          <a:chExt cx="0" cy="0"/>
+        </a:xfrm>
+      </p:grpSpPr>
+      <p:sp>
+        <p:nvSpPr>
+          <p:cNvPr id="3" name="TextBox 2">
+            <a:extLst>
+              <a:ext uri="{FF2B5EF4-FFF2-40B4-BE49-F238E27FC236}">
+                <a16:creationId xmlns:a16="http://schemas.microsoft.com/office/drawing/2014/main" id="{372AECC0-9495-88AF-ACED-4C250D897961}"/>
+              </a:ext>
+            </a:extLst>
+          </p:cNvPr>
+          <p:cNvSpPr txBox="1"/>
+          <p:nvPr/>
+        </p:nvSpPr>
+        <p:spPr>
+          <a:xfrm>
+            <a:off x="171450" y="224135"/>
+            <a:ext cx="6096000" cy="830997"/>
+          </a:xfrm>
+          <a:prstGeom prst="rect">
+            <a:avLst/>
+          </a:prstGeom>
+          <a:noFill/>
+        </p:spPr>
+        <p:txBody>
+          <a:bodyPr wrap="square">
+            <a:spAutoFit/>
+          </a:bodyPr>
+          <a:lstStyle/>
+          <a:p>
+            <a:pPr algn="l"/>
+            <a:r>
+              <a:rPr lang="en-IN" sz="2400" b="1" i="0" dirty="0">
+                <a:solidFill>
+                  <a:srgbClr val="333333"/>
+                </a:solidFill>
+                <a:effectLst/>
+                <a:latin typeface="Roboto" panose="02000000000000000000" pitchFamily="2" charset="0"/>
+              </a:rPr>
+              <a:t>Effects</a:t>
+            </a:r>
+            <a:br>
+              <a:rPr lang="en-IN" sz="2400" b="1" dirty="0"/>
+            </a:br>
+            <a:endParaRPr lang="en-IN" sz="2400" b="1" dirty="0"/>
+          </a:p>
+        </p:txBody>
+      </p:sp>
+      <p:sp>
+        <p:nvSpPr>
+          <p:cNvPr id="4" name="Rectangle 1">
+            <a:extLst>
+              <a:ext uri="{FF2B5EF4-FFF2-40B4-BE49-F238E27FC236}">
+                <a16:creationId xmlns:a16="http://schemas.microsoft.com/office/drawing/2014/main" id="{D7C59E1D-2A3B-D32F-02D0-414A56CC8DA5}"/>
+              </a:ext>
+            </a:extLst>
+          </p:cNvPr>
+          <p:cNvSpPr>
+            <a:spLocks noChangeArrowheads="1"/>
+          </p:cNvSpPr>
+          <p:nvPr/>
+        </p:nvSpPr>
+        <p:spPr bwMode="auto">
+          <a:xfrm>
+            <a:off x="0" y="639636"/>
+            <a:ext cx="7391767" cy="830997"/>
+          </a:xfrm>
+          <a:prstGeom prst="rect">
+            <a:avLst/>
+          </a:prstGeom>
+          <a:solidFill>
+            <a:srgbClr val="FFFFFF"/>
+          </a:solidFill>
+          <a:ln>
+            <a:noFill/>
+          </a:ln>
+          <a:effectLst/>
+          <a:extLst>
+            <a:ext uri="{91240B29-F687-4F45-9708-019B960494DF}">
+              <a14:hiddenLine xmlns:a14="http://schemas.microsoft.com/office/drawing/2010/main" w="9525">
+                <a:solidFill>
+                  <a:schemeClr val="tx1"/>
+                </a:solidFill>
+                <a:miter lim="800000"/>
+                <a:headEnd/>
+                <a:tailEnd/>
+              </a14:hiddenLine>
+            </a:ext>
+            <a:ext uri="{AF507438-7753-43E0-B8FC-AC1667EBCBE1}">
+              <a14:hiddenEffects xmlns:a14="http://schemas.microsoft.com/office/drawing/2010/main">
+                <a:effectLst>
+                  <a:outerShdw dist="35921" dir="2700000" algn="ctr" rotWithShape="0">
+                    <a:schemeClr val="bg2"/>
+                  </a:outerShdw>
+                </a:effectLst>
+              </a14:hiddenEffects>
+            </a:ext>
+          </a:extLst>
+        </p:spPr>
+        <p:txBody>
+          <a:bodyPr vert="horz" wrap="none" lIns="91440" tIns="45720" rIns="91440" bIns="45720" numCol="1" anchor="ctr" anchorCtr="0" compatLnSpc="1">
+            <a:prstTxWarp prst="textNoShape">
+              <a:avLst/>
+            </a:prstTxWarp>
+            <a:spAutoFit/>
+          </a:bodyPr>
+          <a:lstStyle>
+            <a:lvl1pPr eaLnBrk="0" fontAlgn="base" hangingPunct="0">
+              <a:spcBef>
+                <a:spcPct val="0"/>
+              </a:spcBef>
+              <a:spcAft>
+                <a:spcPct val="0"/>
+              </a:spcAft>
+              <a:defRPr>
+                <a:solidFill>
+                  <a:schemeClr val="tx1"/>
+                </a:solidFill>
+                <a:latin typeface="Arial" panose="020B0604020202020204" pitchFamily="34" charset="0"/>
+              </a:defRPr>
+            </a:lvl1pPr>
+            <a:lvl2pPr eaLnBrk="0" fontAlgn="base" hangingPunct="0">
+              <a:spcBef>
+                <a:spcPct val="0"/>
+              </a:spcBef>
+              <a:spcAft>
+                <a:spcPct val="0"/>
+              </a:spcAft>
+              <a:defRPr>
+                <a:solidFill>
+                  <a:schemeClr val="tx1"/>
+                </a:solidFill>
+                <a:latin typeface="Arial" panose="020B0604020202020204" pitchFamily="34" charset="0"/>
+              </a:defRPr>
+            </a:lvl2pPr>
+            <a:lvl3pPr eaLnBrk="0" fontAlgn="base" hangingPunct="0">
+              <a:spcBef>
+                <a:spcPct val="0"/>
+              </a:spcBef>
+              <a:spcAft>
+                <a:spcPct val="0"/>
+              </a:spcAft>
+              <a:defRPr>
+                <a:solidFill>
+                  <a:schemeClr val="tx1"/>
+                </a:solidFill>
+                <a:latin typeface="Arial" panose="020B0604020202020204" pitchFamily="34" charset="0"/>
+              </a:defRPr>
+            </a:lvl3pPr>
+            <a:lvl4pPr eaLnBrk="0" fontAlgn="base" hangingPunct="0">
+              <a:spcBef>
+                <a:spcPct val="0"/>
+              </a:spcBef>
+              <a:spcAft>
+                <a:spcPct val="0"/>
+              </a:spcAft>
+              <a:defRPr>
+                <a:solidFill>
+                  <a:schemeClr val="tx1"/>
+                </a:solidFill>
+                <a:latin typeface="Arial" panose="020B0604020202020204" pitchFamily="34" charset="0"/>
+              </a:defRPr>
+            </a:lvl4pPr>
+            <a:lvl5pPr eaLnBrk="0" fontAlgn="base" hangingPunct="0">
+              <a:spcBef>
+                <a:spcPct val="0"/>
+              </a:spcBef>
+              <a:spcAft>
+                <a:spcPct val="0"/>
+              </a:spcAft>
+              <a:defRPr>
+                <a:solidFill>
+                  <a:schemeClr val="tx1"/>
+                </a:solidFill>
+                <a:latin typeface="Arial" panose="020B0604020202020204" pitchFamily="34" charset="0"/>
+              </a:defRPr>
+            </a:lvl5pPr>
+            <a:lvl6pPr eaLnBrk="0" fontAlgn="base" hangingPunct="0">
+              <a:spcBef>
+                <a:spcPct val="0"/>
+              </a:spcBef>
+              <a:spcAft>
+                <a:spcPct val="0"/>
+              </a:spcAft>
+              <a:defRPr>
+                <a:solidFill>
+                  <a:schemeClr val="tx1"/>
+                </a:solidFill>
+                <a:latin typeface="Arial" panose="020B0604020202020204" pitchFamily="34" charset="0"/>
+              </a:defRPr>
+            </a:lvl6pPr>
+            <a:lvl7pPr eaLnBrk="0" fontAlgn="base" hangingPunct="0">
+              <a:spcBef>
+                <a:spcPct val="0"/>
+              </a:spcBef>
+              <a:spcAft>
+                <a:spcPct val="0"/>
+              </a:spcAft>
+              <a:defRPr>
+                <a:solidFill>
+                  <a:schemeClr val="tx1"/>
+                </a:solidFill>
+                <a:latin typeface="Arial" panose="020B0604020202020204" pitchFamily="34" charset="0"/>
+              </a:defRPr>
+            </a:lvl7pPr>
+            <a:lvl8pPr eaLnBrk="0" fontAlgn="base" hangingPunct="0">
+              <a:spcBef>
+                <a:spcPct val="0"/>
+              </a:spcBef>
+              <a:spcAft>
+                <a:spcPct val="0"/>
+              </a:spcAft>
+              <a:defRPr>
+                <a:solidFill>
+                  <a:schemeClr val="tx1"/>
+                </a:solidFill>
+                <a:latin typeface="Arial" panose="020B0604020202020204" pitchFamily="34" charset="0"/>
+              </a:defRPr>
+            </a:lvl8pPr>
+            <a:lvl9pPr eaLnBrk="0" fontAlgn="base" hangingPunct="0">
+              <a:spcBef>
+                <a:spcPct val="0"/>
+              </a:spcBef>
+              <a:spcAft>
+                <a:spcPct val="0"/>
+              </a:spcAft>
+              <a:defRPr>
+                <a:solidFill>
+                  <a:schemeClr val="tx1"/>
+                </a:solidFill>
+                <a:latin typeface="Arial" panose="020B0604020202020204" pitchFamily="34" charset="0"/>
+              </a:defRPr>
+            </a:lvl9pPr>
+          </a:lstStyle>
+          <a:p>
+            <a:pPr marL="0" marR="0" lvl="0" indent="0" algn="l" defTabSz="914400" rtl="0" eaLnBrk="0" fontAlgn="base" latinLnBrk="0" hangingPunct="0">
+              <a:lnSpc>
+                <a:spcPct val="100000"/>
+              </a:lnSpc>
+              <a:spcBef>
+                <a:spcPct val="0"/>
+              </a:spcBef>
+              <a:spcAft>
+                <a:spcPct val="0"/>
+              </a:spcAft>
+              <a:buClrTx/>
+              <a:buSzTx/>
+              <a:buFontTx/>
+              <a:buNone/>
+              <a:tabLst/>
+            </a:pPr>
+            <a:r>
+              <a:rPr kumimoji="0" lang="en-US" altLang="en-US" sz="1600" b="0" i="0" u="none" strike="noStrike" cap="none" normalizeH="0" baseline="0" dirty="0">
+                <a:ln>
+                  <a:noFill/>
+                </a:ln>
+                <a:solidFill>
+                  <a:srgbClr val="444444"/>
+                </a:solidFill>
+                <a:effectLst/>
+                <a:latin typeface="Roboto" panose="02000000000000000000" pitchFamily="2" charset="0"/>
+              </a:rPr>
+              <a:t>An effect is an operation that runs whenever one or more signal values change.</a:t>
+            </a:r>
+            <a:endParaRPr lang="en-US" altLang="en-US" sz="1600" dirty="0">
+              <a:solidFill>
+                <a:srgbClr val="444444"/>
+              </a:solidFill>
+              <a:latin typeface="Roboto" panose="02000000000000000000" pitchFamily="2" charset="0"/>
+            </a:endParaRPr>
+          </a:p>
+          <a:p>
+            <a:pPr marL="0" marR="0" lvl="0" indent="0" algn="l" defTabSz="914400" rtl="0" eaLnBrk="0" fontAlgn="base" latinLnBrk="0" hangingPunct="0">
+              <a:lnSpc>
+                <a:spcPct val="100000"/>
+              </a:lnSpc>
+              <a:spcBef>
+                <a:spcPct val="0"/>
+              </a:spcBef>
+              <a:spcAft>
+                <a:spcPct val="0"/>
+              </a:spcAft>
+              <a:buClrTx/>
+              <a:buSzTx/>
+              <a:buFontTx/>
+              <a:buNone/>
+              <a:tabLst/>
+            </a:pPr>
+            <a:r>
+              <a:rPr kumimoji="0" lang="en-US" altLang="en-US" sz="1600" b="0" i="0" u="none" strike="noStrike" cap="none" normalizeH="0" baseline="0" dirty="0">
+                <a:ln>
+                  <a:noFill/>
+                </a:ln>
+                <a:solidFill>
+                  <a:srgbClr val="444444"/>
+                </a:solidFill>
+                <a:effectLst/>
+                <a:latin typeface="Roboto" panose="02000000000000000000" pitchFamily="2" charset="0"/>
+              </a:rPr>
+              <a:t> You can create an effect with the </a:t>
+            </a:r>
+            <a:r>
+              <a:rPr kumimoji="0" lang="en-US" altLang="en-US" sz="3200" b="1" i="0" u="none" strike="noStrike" cap="none" normalizeH="0" baseline="0" dirty="0">
+                <a:ln>
+                  <a:noFill/>
+                </a:ln>
+                <a:solidFill>
+                  <a:srgbClr val="1669BB"/>
+                </a:solidFill>
+                <a:effectLst/>
+                <a:latin typeface="inherit"/>
+                <a:hlinkClick r:id="rId2"/>
+              </a:rPr>
+              <a:t>effect</a:t>
+            </a:r>
+            <a:r>
+              <a:rPr kumimoji="0" lang="en-US" altLang="en-US" sz="1600" b="0" i="0" u="none" strike="noStrike" cap="none" normalizeH="0" baseline="0" dirty="0">
+                <a:ln>
+                  <a:noFill/>
+                </a:ln>
+                <a:solidFill>
+                  <a:srgbClr val="444444"/>
+                </a:solidFill>
+                <a:effectLst/>
+                <a:latin typeface="Roboto" panose="02000000000000000000" pitchFamily="2" charset="0"/>
+              </a:rPr>
+              <a:t> function:</a:t>
+            </a:r>
+            <a:r>
+              <a:rPr kumimoji="0" lang="en-US" altLang="en-US" sz="1000" b="0" i="0" u="none" strike="noStrike" cap="none" normalizeH="0" baseline="0" dirty="0">
+                <a:ln>
+                  <a:noFill/>
+                </a:ln>
+                <a:solidFill>
+                  <a:schemeClr val="tx1"/>
+                </a:solidFill>
+                <a:effectLst/>
+              </a:rPr>
+              <a:t> </a:t>
+            </a:r>
+            <a:endParaRPr kumimoji="0" lang="en-US" altLang="en-US" sz="2400" b="0" i="0" u="none" strike="noStrike" cap="none" normalizeH="0" baseline="0" dirty="0">
+              <a:ln>
+                <a:noFill/>
+              </a:ln>
+              <a:solidFill>
+                <a:schemeClr val="tx1"/>
+              </a:solidFill>
+              <a:effectLst/>
+              <a:latin typeface="Arial" panose="020B0604020202020204" pitchFamily="34" charset="0"/>
+            </a:endParaRPr>
+          </a:p>
+        </p:txBody>
+      </p:sp>
+      <p:sp>
+        <p:nvSpPr>
+          <p:cNvPr id="6" name="TextBox 5">
+            <a:extLst>
+              <a:ext uri="{FF2B5EF4-FFF2-40B4-BE49-F238E27FC236}">
+                <a16:creationId xmlns:a16="http://schemas.microsoft.com/office/drawing/2014/main" id="{50BECA7B-B2C0-5F8C-F8CE-CB74E17AB7AE}"/>
+              </a:ext>
+            </a:extLst>
+          </p:cNvPr>
+          <p:cNvSpPr txBox="1"/>
+          <p:nvPr/>
+        </p:nvSpPr>
+        <p:spPr>
+          <a:xfrm>
+            <a:off x="5629275" y="1148060"/>
+            <a:ext cx="6115050" cy="923330"/>
+          </a:xfrm>
+          <a:prstGeom prst="rect">
+            <a:avLst/>
+          </a:prstGeom>
+          <a:noFill/>
+          <a:ln>
+            <a:solidFill>
+              <a:schemeClr val="accent1"/>
+            </a:solidFill>
+          </a:ln>
+        </p:spPr>
+        <p:txBody>
+          <a:bodyPr wrap="square">
+            <a:spAutoFit/>
+          </a:bodyPr>
+          <a:lstStyle/>
+          <a:p>
+            <a:r>
+              <a:rPr lang="en-IN" dirty="0"/>
+              <a:t>effect(() =&gt; {</a:t>
+            </a:r>
+          </a:p>
+          <a:p>
+            <a:r>
+              <a:rPr lang="en-IN" dirty="0"/>
+              <a:t>  console.log(`The current count is: ${count()}`);</a:t>
+            </a:r>
+          </a:p>
+          <a:p>
+            <a:r>
+              <a:rPr lang="en-IN" dirty="0"/>
+              <a:t>});</a:t>
+            </a:r>
+          </a:p>
+        </p:txBody>
+      </p:sp>
+      <p:sp>
+        <p:nvSpPr>
+          <p:cNvPr id="8" name="TextBox 7">
+            <a:extLst>
+              <a:ext uri="{FF2B5EF4-FFF2-40B4-BE49-F238E27FC236}">
+                <a16:creationId xmlns:a16="http://schemas.microsoft.com/office/drawing/2014/main" id="{EF2AF92B-97E5-1FBE-F7CE-1A5B2C01F3ED}"/>
+              </a:ext>
+            </a:extLst>
+          </p:cNvPr>
+          <p:cNvSpPr txBox="1"/>
+          <p:nvPr/>
+        </p:nvSpPr>
+        <p:spPr>
+          <a:xfrm>
+            <a:off x="419100" y="2164318"/>
+            <a:ext cx="11125200" cy="1754326"/>
+          </a:xfrm>
+          <a:prstGeom prst="rect">
+            <a:avLst/>
+          </a:prstGeom>
+          <a:noFill/>
+        </p:spPr>
+        <p:txBody>
+          <a:bodyPr wrap="square">
+            <a:spAutoFit/>
+          </a:bodyPr>
+          <a:lstStyle/>
+          <a:p>
+            <a:pPr algn="l"/>
+            <a:r>
+              <a:rPr lang="en-US" b="0" i="0" dirty="0">
+                <a:solidFill>
+                  <a:srgbClr val="444444"/>
+                </a:solidFill>
+                <a:effectLst/>
+                <a:latin typeface="Roboto" panose="02000000000000000000" pitchFamily="2" charset="0"/>
+              </a:rPr>
+              <a:t>Effects always run at least once. When an effect runs, it tracks any signal value reads. Whenever any of these signal values change, the effect runs again. Similar to computed signals, effects keep track of their dependencies dynamically, and only track signals which were read in the most recent execution.</a:t>
+            </a:r>
+          </a:p>
+          <a:p>
+            <a:pPr algn="l"/>
+            <a:endParaRPr lang="en-US" dirty="0">
+              <a:solidFill>
+                <a:srgbClr val="444444"/>
+              </a:solidFill>
+              <a:latin typeface="Roboto" panose="02000000000000000000" pitchFamily="2" charset="0"/>
+            </a:endParaRPr>
+          </a:p>
+          <a:p>
+            <a:pPr algn="l"/>
+            <a:endParaRPr lang="en-US" b="0" i="0" dirty="0">
+              <a:solidFill>
+                <a:srgbClr val="444444"/>
+              </a:solidFill>
+              <a:effectLst/>
+              <a:latin typeface="Roboto" panose="02000000000000000000" pitchFamily="2" charset="0"/>
+            </a:endParaRPr>
+          </a:p>
+          <a:p>
+            <a:pPr algn="l"/>
+            <a:r>
+              <a:rPr lang="en-US" b="0" i="0" dirty="0">
+                <a:solidFill>
+                  <a:srgbClr val="444444"/>
+                </a:solidFill>
+                <a:effectLst/>
+                <a:latin typeface="Roboto" panose="02000000000000000000" pitchFamily="2" charset="0"/>
+              </a:rPr>
+              <a:t>Effects always execute asynchronously, during the change detection process.</a:t>
+            </a:r>
+          </a:p>
+        </p:txBody>
+      </p:sp>
+    </p:spTree>
+    <p:extLst>
+      <p:ext uri="{BB962C8B-B14F-4D97-AF65-F5344CB8AC3E}">
+        <p14:creationId xmlns:p14="http://schemas.microsoft.com/office/powerpoint/2010/main" val="548601209"/>
+      </p:ext>
+    </p:extLst>
+  </p:cSld>
+  <p:clrMapOvr>
+    <a:masterClrMapping/>
+  </p:clrMapOvr>
+</p:sld>
+</file>
+
+<file path=ppt/slides/slide24.xml><?xml version="1.0" encoding="utf-8"?>
+<p:sld xmlns:a="http://schemas.openxmlformats.org/drawingml/2006/main" xmlns:r="http://schemas.openxmlformats.org/officeDocument/2006/relationships" xmlns:p="http://schemas.openxmlformats.org/presentationml/2006/main">
+  <p:cSld>
+    <p:spTree>
+      <p:nvGrpSpPr>
+        <p:cNvPr id="1" name=""/>
+        <p:cNvGrpSpPr/>
+        <p:nvPr/>
+      </p:nvGrpSpPr>
+      <p:grpSpPr>
+        <a:xfrm>
+          <a:off x="0" y="0"/>
+          <a:ext cx="0" cy="0"/>
+          <a:chOff x="0" y="0"/>
+          <a:chExt cx="0" cy="0"/>
+        </a:xfrm>
+      </p:grpSpPr>
+      <p:sp>
+        <p:nvSpPr>
+          <p:cNvPr id="2" name="Rectangle 1">
+            <a:extLst>
+              <a:ext uri="{FF2B5EF4-FFF2-40B4-BE49-F238E27FC236}">
+                <a16:creationId xmlns:a16="http://schemas.microsoft.com/office/drawing/2014/main" id="{56BBEE57-7C95-2C36-26DD-0FA970E79170}"/>
+              </a:ext>
+            </a:extLst>
+          </p:cNvPr>
+          <p:cNvSpPr/>
+          <p:nvPr/>
+        </p:nvSpPr>
+        <p:spPr>
+          <a:xfrm>
+            <a:off x="745067" y="465667"/>
+            <a:ext cx="10515600" cy="6070600"/>
+          </a:xfrm>
+          <a:prstGeom prst="rect">
+            <a:avLst/>
+          </a:prstGeom>
+        </p:spPr>
+        <p:style>
+          <a:lnRef idx="2">
+            <a:schemeClr val="accent1">
+              <a:shade val="15000"/>
+            </a:schemeClr>
+          </a:lnRef>
+          <a:fillRef idx="1">
+            <a:schemeClr val="accent1"/>
+          </a:fillRef>
+          <a:effectRef idx="0">
+            <a:schemeClr val="accent1"/>
+          </a:effectRef>
+          <a:fontRef idx="minor">
+            <a:schemeClr val="lt1"/>
+          </a:fontRef>
+        </p:style>
+        <p:txBody>
+          <a:bodyPr rtlCol="0" anchor="ctr"/>
+          <a:lstStyle/>
+          <a:p>
+            <a:pPr algn="ctr"/>
+            <a:endParaRPr lang="en-IN"/>
+          </a:p>
+        </p:txBody>
+      </p:sp>
+      <p:sp>
+        <p:nvSpPr>
+          <p:cNvPr id="3" name="TextBox 2">
+            <a:extLst>
+              <a:ext uri="{FF2B5EF4-FFF2-40B4-BE49-F238E27FC236}">
+                <a16:creationId xmlns:a16="http://schemas.microsoft.com/office/drawing/2014/main" id="{DAE7A0DD-DE63-E511-7C89-E57752449E5A}"/>
+              </a:ext>
+            </a:extLst>
+          </p:cNvPr>
+          <p:cNvSpPr txBox="1"/>
+          <p:nvPr/>
+        </p:nvSpPr>
+        <p:spPr>
+          <a:xfrm>
+            <a:off x="745067" y="567267"/>
+            <a:ext cx="3742266" cy="369332"/>
+          </a:xfrm>
+          <a:prstGeom prst="rect">
+            <a:avLst/>
+          </a:prstGeom>
+          <a:noFill/>
+          <a:ln>
+            <a:solidFill>
+              <a:srgbClr val="FFFF00"/>
+            </a:solidFill>
+          </a:ln>
+        </p:spPr>
+        <p:txBody>
+          <a:bodyPr wrap="square" rtlCol="0">
+            <a:spAutoFit/>
+          </a:bodyPr>
+          <a:lstStyle/>
+          <a:p>
+            <a:r>
+              <a:rPr lang="en-IN" b="1" dirty="0"/>
+              <a:t>Parent Component</a:t>
+            </a:r>
+          </a:p>
+        </p:txBody>
+      </p:sp>
+      <p:sp>
+        <p:nvSpPr>
+          <p:cNvPr id="4" name="Rectangle: Rounded Corners 3">
+            <a:extLst>
+              <a:ext uri="{FF2B5EF4-FFF2-40B4-BE49-F238E27FC236}">
+                <a16:creationId xmlns:a16="http://schemas.microsoft.com/office/drawing/2014/main" id="{6585D7BC-E091-3698-3DD0-3143BEC7A73E}"/>
+              </a:ext>
+            </a:extLst>
+          </p:cNvPr>
+          <p:cNvSpPr/>
+          <p:nvPr/>
+        </p:nvSpPr>
+        <p:spPr>
+          <a:xfrm>
+            <a:off x="4258733" y="1320800"/>
+            <a:ext cx="4275667" cy="1498600"/>
+          </a:xfrm>
+          <a:prstGeom prst="roundRect">
+            <a:avLst/>
+          </a:prstGeom>
+          <a:solidFill>
+            <a:srgbClr val="FFFF00"/>
+          </a:solidFill>
+        </p:spPr>
+        <p:style>
+          <a:lnRef idx="2">
+            <a:schemeClr val="accent1">
+              <a:shade val="15000"/>
+            </a:schemeClr>
+          </a:lnRef>
+          <a:fillRef idx="1">
+            <a:schemeClr val="accent1"/>
+          </a:fillRef>
+          <a:effectRef idx="0">
+            <a:schemeClr val="accent1"/>
+          </a:effectRef>
+          <a:fontRef idx="minor">
+            <a:schemeClr val="lt1"/>
+          </a:fontRef>
+        </p:style>
+        <p:txBody>
+          <a:bodyPr rtlCol="0" anchor="ctr"/>
+          <a:lstStyle/>
+          <a:p>
+            <a:pPr algn="ctr"/>
+            <a:endParaRPr lang="en-IN"/>
+          </a:p>
+        </p:txBody>
+      </p:sp>
+      <p:sp>
+        <p:nvSpPr>
+          <p:cNvPr id="5" name="TextBox 4">
+            <a:extLst>
+              <a:ext uri="{FF2B5EF4-FFF2-40B4-BE49-F238E27FC236}">
+                <a16:creationId xmlns:a16="http://schemas.microsoft.com/office/drawing/2014/main" id="{9AB43ED8-023A-7DDD-2AC5-B16769929A4D}"/>
+              </a:ext>
+            </a:extLst>
+          </p:cNvPr>
+          <p:cNvSpPr txBox="1"/>
+          <p:nvPr/>
+        </p:nvSpPr>
+        <p:spPr>
+          <a:xfrm>
+            <a:off x="4682067" y="1473200"/>
+            <a:ext cx="3581400" cy="369332"/>
+          </a:xfrm>
+          <a:prstGeom prst="rect">
+            <a:avLst/>
+          </a:prstGeom>
+          <a:noFill/>
+          <a:ln>
+            <a:solidFill>
+              <a:srgbClr val="FF0000"/>
+            </a:solidFill>
+          </a:ln>
+        </p:spPr>
+        <p:txBody>
+          <a:bodyPr wrap="square" rtlCol="0">
+            <a:spAutoFit/>
+          </a:bodyPr>
+          <a:lstStyle/>
+          <a:p>
+            <a:r>
+              <a:rPr lang="en-IN" dirty="0"/>
+              <a:t> name signal</a:t>
+            </a:r>
+          </a:p>
+        </p:txBody>
+      </p:sp>
+      <p:sp>
+        <p:nvSpPr>
+          <p:cNvPr id="6" name="TextBox 5">
+            <a:extLst>
+              <a:ext uri="{FF2B5EF4-FFF2-40B4-BE49-F238E27FC236}">
+                <a16:creationId xmlns:a16="http://schemas.microsoft.com/office/drawing/2014/main" id="{7F94FFB1-354A-57BB-597D-C57A06E5F4D6}"/>
+              </a:ext>
+            </a:extLst>
+          </p:cNvPr>
+          <p:cNvSpPr txBox="1"/>
+          <p:nvPr/>
+        </p:nvSpPr>
+        <p:spPr>
+          <a:xfrm>
+            <a:off x="4682067" y="2115066"/>
+            <a:ext cx="3581400" cy="369332"/>
+          </a:xfrm>
+          <a:prstGeom prst="rect">
+            <a:avLst/>
+          </a:prstGeom>
+          <a:noFill/>
+          <a:ln>
+            <a:solidFill>
+              <a:srgbClr val="FF0000"/>
+            </a:solidFill>
+          </a:ln>
+        </p:spPr>
+        <p:txBody>
+          <a:bodyPr wrap="square" rtlCol="0">
+            <a:spAutoFit/>
+          </a:bodyPr>
+          <a:lstStyle/>
+          <a:p>
+            <a:r>
+              <a:rPr lang="en-IN" dirty="0"/>
+              <a:t> </a:t>
+            </a:r>
+            <a:r>
+              <a:rPr lang="en-IN" dirty="0" err="1"/>
+              <a:t>nameInput</a:t>
+            </a:r>
+            <a:r>
+              <a:rPr lang="en-IN" dirty="0"/>
+              <a:t> signal</a:t>
+            </a:r>
+          </a:p>
+        </p:txBody>
+      </p:sp>
+      <p:sp>
+        <p:nvSpPr>
+          <p:cNvPr id="7" name="Rectangle 6">
+            <a:extLst>
+              <a:ext uri="{FF2B5EF4-FFF2-40B4-BE49-F238E27FC236}">
+                <a16:creationId xmlns:a16="http://schemas.microsoft.com/office/drawing/2014/main" id="{23D876CD-9389-2755-54E2-EA9EC9345241}"/>
+              </a:ext>
+            </a:extLst>
+          </p:cNvPr>
+          <p:cNvSpPr/>
+          <p:nvPr/>
+        </p:nvSpPr>
+        <p:spPr>
+          <a:xfrm>
+            <a:off x="931333" y="3793067"/>
+            <a:ext cx="10033000" cy="2497666"/>
+          </a:xfrm>
+          <a:prstGeom prst="rect">
+            <a:avLst/>
+          </a:prstGeom>
+          <a:solidFill>
+            <a:srgbClr val="002060"/>
+          </a:solidFill>
+        </p:spPr>
+        <p:style>
+          <a:lnRef idx="2">
+            <a:schemeClr val="accent1">
+              <a:shade val="15000"/>
+            </a:schemeClr>
+          </a:lnRef>
+          <a:fillRef idx="1">
+            <a:schemeClr val="accent1"/>
+          </a:fillRef>
+          <a:effectRef idx="0">
+            <a:schemeClr val="accent1"/>
+          </a:effectRef>
+          <a:fontRef idx="minor">
+            <a:schemeClr val="lt1"/>
+          </a:fontRef>
+        </p:style>
+        <p:txBody>
+          <a:bodyPr rtlCol="0" anchor="ctr"/>
+          <a:lstStyle/>
+          <a:p>
+            <a:pPr algn="ctr"/>
+            <a:endParaRPr lang="en-IN"/>
+          </a:p>
+        </p:txBody>
+      </p:sp>
+      <p:sp>
+        <p:nvSpPr>
+          <p:cNvPr id="8" name="TextBox 7">
+            <a:extLst>
+              <a:ext uri="{FF2B5EF4-FFF2-40B4-BE49-F238E27FC236}">
+                <a16:creationId xmlns:a16="http://schemas.microsoft.com/office/drawing/2014/main" id="{71032E1A-33E0-963A-38A8-2D50F85C9F76}"/>
+              </a:ext>
+            </a:extLst>
+          </p:cNvPr>
+          <p:cNvSpPr txBox="1"/>
+          <p:nvPr/>
+        </p:nvSpPr>
+        <p:spPr>
+          <a:xfrm>
+            <a:off x="1058334" y="4079333"/>
+            <a:ext cx="3742266" cy="369332"/>
+          </a:xfrm>
+          <a:prstGeom prst="rect">
+            <a:avLst/>
+          </a:prstGeom>
+          <a:noFill/>
+          <a:ln>
+            <a:solidFill>
+              <a:srgbClr val="FFFF00"/>
+            </a:solidFill>
+          </a:ln>
+        </p:spPr>
+        <p:txBody>
+          <a:bodyPr wrap="square" rtlCol="0">
+            <a:spAutoFit/>
+          </a:bodyPr>
+          <a:lstStyle/>
+          <a:p>
+            <a:r>
+              <a:rPr lang="en-IN" b="1" dirty="0">
+                <a:solidFill>
+                  <a:srgbClr val="FFFF00"/>
+                </a:solidFill>
+              </a:rPr>
+              <a:t>Child Component</a:t>
+            </a:r>
+          </a:p>
+        </p:txBody>
+      </p:sp>
+      <p:sp>
+        <p:nvSpPr>
+          <p:cNvPr id="9" name="Rectangle: Rounded Corners 8">
+            <a:extLst>
+              <a:ext uri="{FF2B5EF4-FFF2-40B4-BE49-F238E27FC236}">
+                <a16:creationId xmlns:a16="http://schemas.microsoft.com/office/drawing/2014/main" id="{8A9FC0EB-797D-0BCF-448E-F455EE8BAC9A}"/>
+              </a:ext>
+            </a:extLst>
+          </p:cNvPr>
+          <p:cNvSpPr/>
+          <p:nvPr/>
+        </p:nvSpPr>
+        <p:spPr>
+          <a:xfrm>
+            <a:off x="1329267" y="4626465"/>
+            <a:ext cx="3742266" cy="601133"/>
+          </a:xfrm>
+          <a:prstGeom prst="roundRect">
+            <a:avLst/>
+          </a:prstGeom>
+        </p:spPr>
+        <p:style>
+          <a:lnRef idx="2">
+            <a:schemeClr val="accent1">
+              <a:shade val="15000"/>
+            </a:schemeClr>
+          </a:lnRef>
+          <a:fillRef idx="1">
+            <a:schemeClr val="accent1"/>
+          </a:fillRef>
+          <a:effectRef idx="0">
+            <a:schemeClr val="accent1"/>
+          </a:effectRef>
+          <a:fontRef idx="minor">
+            <a:schemeClr val="lt1"/>
+          </a:fontRef>
+        </p:style>
+        <p:txBody>
+          <a:bodyPr rtlCol="0" anchor="ctr"/>
+          <a:lstStyle/>
+          <a:p>
+            <a:pPr algn="ctr"/>
+            <a:r>
+              <a:rPr lang="en-IN" dirty="0"/>
+              <a:t>Subscribe to the ‘name’ signal</a:t>
+            </a:r>
+          </a:p>
+        </p:txBody>
+      </p:sp>
+      <p:cxnSp>
+        <p:nvCxnSpPr>
+          <p:cNvPr id="11" name="Connector: Curved 10">
+            <a:extLst>
+              <a:ext uri="{FF2B5EF4-FFF2-40B4-BE49-F238E27FC236}">
+                <a16:creationId xmlns:a16="http://schemas.microsoft.com/office/drawing/2014/main" id="{064A3474-E3BA-2A99-9D24-CA60365E01BB}"/>
+              </a:ext>
+            </a:extLst>
+          </p:cNvPr>
+          <p:cNvCxnSpPr>
+            <a:cxnSpLocks/>
+            <a:stCxn id="9" idx="1"/>
+            <a:endCxn id="5" idx="1"/>
+          </p:cNvCxnSpPr>
+          <p:nvPr/>
+        </p:nvCxnSpPr>
+        <p:spPr>
+          <a:xfrm rot="10800000" flipH="1">
+            <a:off x="1329267" y="1657866"/>
+            <a:ext cx="3352800" cy="3269166"/>
+          </a:xfrm>
+          <a:prstGeom prst="curvedConnector3">
+            <a:avLst>
+              <a:gd name="adj1" fmla="val -6818"/>
+            </a:avLst>
+          </a:prstGeom>
+          <a:ln>
+            <a:tailEnd type="triangle"/>
+          </a:ln>
+        </p:spPr>
+        <p:style>
+          <a:lnRef idx="3">
+            <a:schemeClr val="accent2"/>
+          </a:lnRef>
+          <a:fillRef idx="0">
+            <a:schemeClr val="accent2"/>
+          </a:fillRef>
+          <a:effectRef idx="2">
+            <a:schemeClr val="accent2"/>
+          </a:effectRef>
+          <a:fontRef idx="minor">
+            <a:schemeClr val="tx1"/>
+          </a:fontRef>
+        </p:style>
+      </p:cxnSp>
+      <p:sp>
+        <p:nvSpPr>
+          <p:cNvPr id="13" name="Rectangle: Rounded Corners 12">
+            <a:extLst>
+              <a:ext uri="{FF2B5EF4-FFF2-40B4-BE49-F238E27FC236}">
+                <a16:creationId xmlns:a16="http://schemas.microsoft.com/office/drawing/2014/main" id="{93DB1632-BB4E-D7EB-3ECD-5AFCDF6563FB}"/>
+              </a:ext>
+            </a:extLst>
+          </p:cNvPr>
+          <p:cNvSpPr/>
+          <p:nvPr/>
+        </p:nvSpPr>
+        <p:spPr>
+          <a:xfrm>
+            <a:off x="6392334" y="5218563"/>
+            <a:ext cx="3742266" cy="601133"/>
+          </a:xfrm>
+          <a:prstGeom prst="roundRect">
+            <a:avLst/>
+          </a:prstGeom>
+        </p:spPr>
+        <p:style>
+          <a:lnRef idx="2">
+            <a:schemeClr val="accent1">
+              <a:shade val="15000"/>
+            </a:schemeClr>
+          </a:lnRef>
+          <a:fillRef idx="1">
+            <a:schemeClr val="accent1"/>
+          </a:fillRef>
+          <a:effectRef idx="0">
+            <a:schemeClr val="accent1"/>
+          </a:effectRef>
+          <a:fontRef idx="minor">
+            <a:schemeClr val="lt1"/>
+          </a:fontRef>
+        </p:style>
+        <p:txBody>
+          <a:bodyPr rtlCol="0" anchor="ctr"/>
+          <a:lstStyle/>
+          <a:p>
+            <a:pPr algn="ctr"/>
+            <a:r>
+              <a:rPr lang="en-IN" dirty="0"/>
+              <a:t>Subscribe to the ‘</a:t>
+            </a:r>
+            <a:r>
+              <a:rPr lang="en-IN" dirty="0" err="1"/>
+              <a:t>nameInput</a:t>
+            </a:r>
+            <a:r>
+              <a:rPr lang="en-IN" dirty="0"/>
+              <a:t>’ signal</a:t>
+            </a:r>
+          </a:p>
+        </p:txBody>
+      </p:sp>
+      <p:cxnSp>
+        <p:nvCxnSpPr>
+          <p:cNvPr id="15" name="Connector: Curved 14">
+            <a:extLst>
+              <a:ext uri="{FF2B5EF4-FFF2-40B4-BE49-F238E27FC236}">
+                <a16:creationId xmlns:a16="http://schemas.microsoft.com/office/drawing/2014/main" id="{78832C27-319D-F336-EFC0-97E141FC4C27}"/>
+              </a:ext>
+            </a:extLst>
+          </p:cNvPr>
+          <p:cNvCxnSpPr>
+            <a:stCxn id="13" idx="3"/>
+            <a:endCxn id="6" idx="3"/>
+          </p:cNvCxnSpPr>
+          <p:nvPr/>
+        </p:nvCxnSpPr>
+        <p:spPr>
+          <a:xfrm flipH="1" flipV="1">
+            <a:off x="8263467" y="2299732"/>
+            <a:ext cx="1871133" cy="3219398"/>
+          </a:xfrm>
+          <a:prstGeom prst="curvedConnector3">
+            <a:avLst>
+              <a:gd name="adj1" fmla="val -12217"/>
+            </a:avLst>
+          </a:prstGeom>
+          <a:ln>
+            <a:tailEnd type="triangle"/>
+          </a:ln>
+        </p:spPr>
+        <p:style>
+          <a:lnRef idx="3">
+            <a:schemeClr val="accent2"/>
+          </a:lnRef>
+          <a:fillRef idx="0">
+            <a:schemeClr val="accent2"/>
+          </a:fillRef>
+          <a:effectRef idx="2">
+            <a:schemeClr val="accent2"/>
+          </a:effectRef>
+          <a:fontRef idx="minor">
+            <a:schemeClr val="tx1"/>
+          </a:fontRef>
+        </p:style>
+      </p:cxnSp>
+    </p:spTree>
+    <p:extLst>
+      <p:ext uri="{BB962C8B-B14F-4D97-AF65-F5344CB8AC3E}">
+        <p14:creationId xmlns:p14="http://schemas.microsoft.com/office/powerpoint/2010/main" val="1320497646"/>
       </p:ext>
     </p:extLst>
   </p:cSld>

--- a/my-ng-app/Angular_Training_Images.pptx
+++ b/my-ng-app/Angular_Training_Images.pptx
@@ -29,6 +29,8 @@
     <p:sldId id="276" r:id="rId23"/>
     <p:sldId id="278" r:id="rId24"/>
     <p:sldId id="279" r:id="rId25"/>
+    <p:sldId id="280" r:id="rId26"/>
+    <p:sldId id="281" r:id="rId27"/>
   </p:sldIdLst>
   <p:sldSz cx="12192000" cy="6858000"/>
   <p:notesSz cx="6858000" cy="9144000"/>
@@ -19736,6 +19738,791 @@
     <p:extLst>
       <p:ext uri="{BB962C8B-B14F-4D97-AF65-F5344CB8AC3E}">
         <p14:creationId xmlns:p14="http://schemas.microsoft.com/office/powerpoint/2010/main" val="1320497646"/>
+      </p:ext>
+    </p:extLst>
+  </p:cSld>
+  <p:clrMapOvr>
+    <a:masterClrMapping/>
+  </p:clrMapOvr>
+</p:sld>
+</file>
+
+<file path=ppt/slides/slide25.xml><?xml version="1.0" encoding="utf-8"?>
+<p:sld xmlns:a="http://schemas.openxmlformats.org/drawingml/2006/main" xmlns:r="http://schemas.openxmlformats.org/officeDocument/2006/relationships" xmlns:p="http://schemas.openxmlformats.org/presentationml/2006/main">
+  <p:cSld>
+    <p:spTree>
+      <p:nvGrpSpPr>
+        <p:cNvPr id="1" name=""/>
+        <p:cNvGrpSpPr/>
+        <p:nvPr/>
+      </p:nvGrpSpPr>
+      <p:grpSpPr>
+        <a:xfrm>
+          <a:off x="0" y="0"/>
+          <a:ext cx="0" cy="0"/>
+          <a:chOff x="0" y="0"/>
+          <a:chExt cx="0" cy="0"/>
+        </a:xfrm>
+      </p:grpSpPr>
+      <p:sp>
+        <p:nvSpPr>
+          <p:cNvPr id="3" name="TextBox 2">
+            <a:extLst>
+              <a:ext uri="{FF2B5EF4-FFF2-40B4-BE49-F238E27FC236}">
+                <a16:creationId xmlns:a16="http://schemas.microsoft.com/office/drawing/2014/main" id="{CD3B1E9D-921C-E688-7C05-E655936DC0CF}"/>
+              </a:ext>
+            </a:extLst>
+          </p:cNvPr>
+          <p:cNvSpPr txBox="1"/>
+          <p:nvPr/>
+        </p:nvSpPr>
+        <p:spPr>
+          <a:xfrm>
+            <a:off x="0" y="255601"/>
+            <a:ext cx="6096000" cy="369332"/>
+          </a:xfrm>
+          <a:prstGeom prst="rect">
+            <a:avLst/>
+          </a:prstGeom>
+          <a:noFill/>
+        </p:spPr>
+        <p:txBody>
+          <a:bodyPr wrap="square">
+            <a:spAutoFit/>
+          </a:bodyPr>
+          <a:lstStyle/>
+          <a:p>
+            <a:r>
+              <a:rPr lang="en-IN" b="1" i="0" dirty="0">
+                <a:solidFill>
+                  <a:srgbClr val="333333"/>
+                </a:solidFill>
+                <a:effectLst/>
+                <a:latin typeface="Roboto" panose="02000000000000000000" pitchFamily="2" charset="0"/>
+              </a:rPr>
+              <a:t>Understanding Pipes</a:t>
+            </a:r>
+            <a:endParaRPr lang="en-IN" b="1" dirty="0"/>
+          </a:p>
+        </p:txBody>
+      </p:sp>
+      <p:sp>
+        <p:nvSpPr>
+          <p:cNvPr id="5" name="TextBox 4">
+            <a:extLst>
+              <a:ext uri="{FF2B5EF4-FFF2-40B4-BE49-F238E27FC236}">
+                <a16:creationId xmlns:a16="http://schemas.microsoft.com/office/drawing/2014/main" id="{CE971E4F-8AFB-A210-A289-A274EC93DA89}"/>
+              </a:ext>
+            </a:extLst>
+          </p:cNvPr>
+          <p:cNvSpPr txBox="1"/>
+          <p:nvPr/>
+        </p:nvSpPr>
+        <p:spPr>
+          <a:xfrm>
+            <a:off x="0" y="718235"/>
+            <a:ext cx="11836400" cy="369332"/>
+          </a:xfrm>
+          <a:prstGeom prst="rect">
+            <a:avLst/>
+          </a:prstGeom>
+          <a:noFill/>
+        </p:spPr>
+        <p:txBody>
+          <a:bodyPr wrap="square">
+            <a:spAutoFit/>
+          </a:bodyPr>
+          <a:lstStyle/>
+          <a:p>
+            <a:r>
+              <a:rPr lang="en-US" b="1" i="0" dirty="0">
+                <a:solidFill>
+                  <a:srgbClr val="444444"/>
+                </a:solidFill>
+                <a:effectLst/>
+                <a:latin typeface="Roboto" panose="02000000000000000000" pitchFamily="2" charset="0"/>
+              </a:rPr>
+              <a:t>Use </a:t>
+            </a:r>
+            <a:r>
+              <a:rPr lang="en-US" b="1" i="0" u="none" strike="noStrike" dirty="0">
+                <a:solidFill>
+                  <a:srgbClr val="1976D2"/>
+                </a:solidFill>
+                <a:effectLst/>
+                <a:latin typeface="Roboto" panose="02000000000000000000" pitchFamily="2" charset="0"/>
+              </a:rPr>
+              <a:t>pipes</a:t>
+            </a:r>
+            <a:r>
+              <a:rPr lang="en-US" b="1" i="0" dirty="0">
+                <a:solidFill>
+                  <a:srgbClr val="444444"/>
+                </a:solidFill>
+                <a:effectLst/>
+                <a:latin typeface="Roboto" panose="02000000000000000000" pitchFamily="2" charset="0"/>
+              </a:rPr>
+              <a:t> to transform strings, currency amounts, dates, and other data for display.</a:t>
+            </a:r>
+            <a:endParaRPr lang="en-IN" b="1" dirty="0"/>
+          </a:p>
+        </p:txBody>
+      </p:sp>
+      <p:sp>
+        <p:nvSpPr>
+          <p:cNvPr id="7" name="TextBox 6">
+            <a:extLst>
+              <a:ext uri="{FF2B5EF4-FFF2-40B4-BE49-F238E27FC236}">
+                <a16:creationId xmlns:a16="http://schemas.microsoft.com/office/drawing/2014/main" id="{C94D6A68-F136-966C-EFB9-0A378CBD16D5}"/>
+              </a:ext>
+            </a:extLst>
+          </p:cNvPr>
+          <p:cNvSpPr txBox="1"/>
+          <p:nvPr/>
+        </p:nvSpPr>
+        <p:spPr>
+          <a:xfrm>
+            <a:off x="143933" y="1464733"/>
+            <a:ext cx="11226800" cy="2031325"/>
+          </a:xfrm>
+          <a:prstGeom prst="rect">
+            <a:avLst/>
+          </a:prstGeom>
+          <a:noFill/>
+        </p:spPr>
+        <p:txBody>
+          <a:bodyPr wrap="square">
+            <a:spAutoFit/>
+          </a:bodyPr>
+          <a:lstStyle/>
+          <a:p>
+            <a:pPr algn="l"/>
+            <a:r>
+              <a:rPr lang="en-US" b="1" i="0" dirty="0">
+                <a:solidFill>
+                  <a:srgbClr val="333333"/>
+                </a:solidFill>
+                <a:effectLst/>
+                <a:latin typeface="Roboto" panose="02000000000000000000" pitchFamily="2" charset="0"/>
+              </a:rPr>
+              <a:t>What is a pipe</a:t>
+            </a:r>
+            <a:endParaRPr lang="en-US" b="1" i="0" dirty="0">
+              <a:solidFill>
+                <a:srgbClr val="6E6E6E"/>
+              </a:solidFill>
+              <a:effectLst/>
+              <a:latin typeface="Material Icons"/>
+            </a:endParaRPr>
+          </a:p>
+          <a:p>
+            <a:pPr algn="l"/>
+            <a:endParaRPr lang="en-US" dirty="0">
+              <a:solidFill>
+                <a:srgbClr val="6E6E6E"/>
+              </a:solidFill>
+              <a:latin typeface="Material Icons"/>
+            </a:endParaRPr>
+          </a:p>
+          <a:p>
+            <a:pPr algn="l"/>
+            <a:r>
+              <a:rPr lang="en-US" b="0" i="0" dirty="0">
+                <a:solidFill>
+                  <a:srgbClr val="444444"/>
+                </a:solidFill>
+                <a:effectLst/>
+                <a:latin typeface="Roboto" panose="02000000000000000000" pitchFamily="2" charset="0"/>
+              </a:rPr>
+              <a:t>Pipes are simple functions to use in </a:t>
+            </a:r>
+            <a:r>
+              <a:rPr lang="en-US" b="0" i="0" u="none" strike="noStrike" dirty="0">
+                <a:solidFill>
+                  <a:srgbClr val="1976D2"/>
+                </a:solidFill>
+                <a:effectLst/>
+                <a:latin typeface="inherit"/>
+                <a:hlinkClick r:id="rId2" tooltip="Definition of template expression"/>
+              </a:rPr>
+              <a:t>template expressions</a:t>
+            </a:r>
+            <a:r>
+              <a:rPr lang="en-US" b="0" i="0" dirty="0">
+                <a:solidFill>
+                  <a:srgbClr val="444444"/>
+                </a:solidFill>
+                <a:effectLst/>
+                <a:latin typeface="Roboto" panose="02000000000000000000" pitchFamily="2" charset="0"/>
+              </a:rPr>
+              <a:t> to accept an input value and return a transformed value.</a:t>
+            </a:r>
+          </a:p>
+          <a:p>
+            <a:pPr algn="l"/>
+            <a:r>
+              <a:rPr lang="en-US" b="0" i="0" dirty="0">
+                <a:solidFill>
+                  <a:srgbClr val="444444"/>
+                </a:solidFill>
+                <a:effectLst/>
+                <a:latin typeface="Roboto" panose="02000000000000000000" pitchFamily="2" charset="0"/>
+              </a:rPr>
+              <a:t>Pipes are useful because you can use them throughout your application, while only declaring each pipe once. </a:t>
+            </a:r>
+          </a:p>
+          <a:p>
+            <a:pPr algn="l"/>
+            <a:endParaRPr lang="en-US" dirty="0">
+              <a:solidFill>
+                <a:srgbClr val="444444"/>
+              </a:solidFill>
+              <a:latin typeface="Roboto" panose="02000000000000000000" pitchFamily="2" charset="0"/>
+            </a:endParaRPr>
+          </a:p>
+          <a:p>
+            <a:pPr algn="l"/>
+            <a:r>
+              <a:rPr lang="en-US" b="0" i="0" dirty="0">
+                <a:solidFill>
+                  <a:srgbClr val="444444"/>
+                </a:solidFill>
+                <a:effectLst/>
+                <a:latin typeface="Roboto" panose="02000000000000000000" pitchFamily="2" charset="0"/>
+              </a:rPr>
+              <a:t>For example, you would use a pipe to show a date as April 15, 1988 rather than the raw string format.</a:t>
+            </a:r>
+          </a:p>
+        </p:txBody>
+      </p:sp>
+    </p:spTree>
+    <p:extLst>
+      <p:ext uri="{BB962C8B-B14F-4D97-AF65-F5344CB8AC3E}">
+        <p14:creationId xmlns:p14="http://schemas.microsoft.com/office/powerpoint/2010/main" val="851621216"/>
+      </p:ext>
+    </p:extLst>
+  </p:cSld>
+  <p:clrMapOvr>
+    <a:masterClrMapping/>
+  </p:clrMapOvr>
+</p:sld>
+</file>
+
+<file path=ppt/slides/slide26.xml><?xml version="1.0" encoding="utf-8"?>
+<p:sld xmlns:a="http://schemas.openxmlformats.org/drawingml/2006/main" xmlns:r="http://schemas.openxmlformats.org/officeDocument/2006/relationships" xmlns:p="http://schemas.openxmlformats.org/presentationml/2006/main">
+  <p:cSld>
+    <p:bg>
+      <p:bgPr>
+        <a:solidFill>
+          <a:schemeClr val="bg1"/>
+        </a:solidFill>
+        <a:effectLst/>
+      </p:bgPr>
+    </p:bg>
+    <p:spTree>
+      <p:nvGrpSpPr>
+        <p:cNvPr id="1" name=""/>
+        <p:cNvGrpSpPr/>
+        <p:nvPr/>
+      </p:nvGrpSpPr>
+      <p:grpSpPr>
+        <a:xfrm>
+          <a:off x="0" y="0"/>
+          <a:ext cx="0" cy="0"/>
+          <a:chOff x="0" y="0"/>
+          <a:chExt cx="0" cy="0"/>
+        </a:xfrm>
+      </p:grpSpPr>
+      <p:sp useBgFill="1">
+        <p:nvSpPr>
+          <p:cNvPr id="10" name="Rectangle 9">
+            <a:extLst>
+              <a:ext uri="{FF2B5EF4-FFF2-40B4-BE49-F238E27FC236}">
+                <a16:creationId xmlns:a16="http://schemas.microsoft.com/office/drawing/2014/main" id="{C59AB4C8-9178-4F7A-8404-6890510B5917}"/>
+              </a:ext>
+              <a:ext uri="{C183D7F6-B498-43B3-948B-1728B52AA6E4}">
+                <adec:decorative xmlns:adec="http://schemas.microsoft.com/office/drawing/2017/decorative" val="1"/>
+              </a:ext>
+            </a:extLst>
+          </p:cNvPr>
+          <p:cNvSpPr>
+            <a:spLocks noGrp="1" noRot="1" noChangeAspect="1" noMove="1" noResize="1" noEditPoints="1" noAdjustHandles="1" noChangeArrowheads="1" noChangeShapeType="1" noTextEdit="1"/>
+          </p:cNvSpPr>
+          <p:nvPr>
+            <p:extLst>
+              <p:ext uri="{386F3935-93C4-4BCD-93E2-E3B085C9AB24}">
+                <p16:designElem xmlns:p16="http://schemas.microsoft.com/office/powerpoint/2015/main" val="1"/>
+              </p:ext>
+            </p:extLst>
+          </p:nvPr>
+        </p:nvSpPr>
+        <p:spPr>
+          <a:xfrm>
+            <a:off x="0" y="0"/>
+            <a:ext cx="12192000" cy="6858000"/>
+          </a:xfrm>
+          <a:prstGeom prst="rect">
+            <a:avLst/>
+          </a:prstGeom>
+          <a:ln>
+            <a:noFill/>
+          </a:ln>
+        </p:spPr>
+        <p:style>
+          <a:lnRef idx="2">
+            <a:schemeClr val="accent1">
+              <a:shade val="50000"/>
+            </a:schemeClr>
+          </a:lnRef>
+          <a:fillRef idx="1">
+            <a:schemeClr val="accent1"/>
+          </a:fillRef>
+          <a:effectRef idx="0">
+            <a:schemeClr val="accent1"/>
+          </a:effectRef>
+          <a:fontRef idx="minor">
+            <a:schemeClr val="lt1"/>
+          </a:fontRef>
+        </p:style>
+        <p:txBody>
+          <a:bodyPr rtlCol="0" anchor="ctr"/>
+          <a:lstStyle/>
+          <a:p>
+            <a:pPr algn="ctr"/>
+            <a:endParaRPr lang="en-US" dirty="0"/>
+          </a:p>
+        </p:txBody>
+      </p:sp>
+      <p:sp>
+        <p:nvSpPr>
+          <p:cNvPr id="3" name="TextBox 2">
+            <a:extLst>
+              <a:ext uri="{FF2B5EF4-FFF2-40B4-BE49-F238E27FC236}">
+                <a16:creationId xmlns:a16="http://schemas.microsoft.com/office/drawing/2014/main" id="{28FAA716-844A-DF31-FEF5-E3E9C06A38BD}"/>
+              </a:ext>
+            </a:extLst>
+          </p:cNvPr>
+          <p:cNvSpPr txBox="1"/>
+          <p:nvPr/>
+        </p:nvSpPr>
+        <p:spPr>
+          <a:xfrm>
+            <a:off x="638881" y="457201"/>
+            <a:ext cx="10909640" cy="1832654"/>
+          </a:xfrm>
+          <a:prstGeom prst="rect">
+            <a:avLst/>
+          </a:prstGeom>
+        </p:spPr>
+        <p:txBody>
+          <a:bodyPr vert="horz" lIns="91440" tIns="45720" rIns="91440" bIns="45720" rtlCol="0" anchor="b">
+            <a:normAutofit/>
+          </a:bodyPr>
+          <a:lstStyle/>
+          <a:p>
+            <a:pPr algn="ctr">
+              <a:lnSpc>
+                <a:spcPct val="90000"/>
+              </a:lnSpc>
+              <a:spcBef>
+                <a:spcPct val="0"/>
+              </a:spcBef>
+              <a:spcAft>
+                <a:spcPts val="600"/>
+              </a:spcAft>
+            </a:pPr>
+            <a:r>
+              <a:rPr lang="en-US" sz="6600" b="1" i="0" kern="1200">
+                <a:solidFill>
+                  <a:schemeClr val="tx1"/>
+                </a:solidFill>
+                <a:effectLst/>
+                <a:latin typeface="+mj-lt"/>
+                <a:ea typeface="+mj-ea"/>
+                <a:cs typeface="+mj-cs"/>
+              </a:rPr>
+              <a:t>Built-in pipes</a:t>
+            </a:r>
+          </a:p>
+        </p:txBody>
+      </p:sp>
+      <p:sp>
+        <p:nvSpPr>
+          <p:cNvPr id="12" name="sketch line">
+            <a:extLst>
+              <a:ext uri="{FF2B5EF4-FFF2-40B4-BE49-F238E27FC236}">
+                <a16:creationId xmlns:a16="http://schemas.microsoft.com/office/drawing/2014/main" id="{4CFDFB37-4BC7-42C6-915D-A6609139BFE7}"/>
+              </a:ext>
+              <a:ext uri="{C183D7F6-B498-43B3-948B-1728B52AA6E4}">
+                <adec:decorative xmlns:adec="http://schemas.microsoft.com/office/drawing/2017/decorative" val="1"/>
+              </a:ext>
+            </a:extLst>
+          </p:cNvPr>
+          <p:cNvSpPr>
+            <a:spLocks noGrp="1" noRot="1" noChangeAspect="1" noMove="1" noResize="1" noEditPoints="1" noAdjustHandles="1" noChangeArrowheads="1" noChangeShapeType="1" noTextEdit="1"/>
+          </p:cNvSpPr>
+          <p:nvPr>
+            <p:extLst>
+              <p:ext uri="{386F3935-93C4-4BCD-93E2-E3B085C9AB24}">
+                <p16:designElem xmlns:p16="http://schemas.microsoft.com/office/powerpoint/2015/main" val="1"/>
+              </p:ext>
+            </p:extLst>
+          </p:nvPr>
+        </p:nvSpPr>
+        <p:spPr>
+          <a:xfrm>
+            <a:off x="3807702" y="2343912"/>
+            <a:ext cx="4572000" cy="18288"/>
+          </a:xfrm>
+          <a:custGeom>
+            <a:avLst/>
+            <a:gdLst>
+              <a:gd name="connsiteX0" fmla="*/ 0 w 4572000"/>
+              <a:gd name="connsiteY0" fmla="*/ 0 h 18288"/>
+              <a:gd name="connsiteX1" fmla="*/ 515983 w 4572000"/>
+              <a:gd name="connsiteY1" fmla="*/ 0 h 18288"/>
+              <a:gd name="connsiteX2" fmla="*/ 1031966 w 4572000"/>
+              <a:gd name="connsiteY2" fmla="*/ 0 h 18288"/>
+              <a:gd name="connsiteX3" fmla="*/ 1639389 w 4572000"/>
+              <a:gd name="connsiteY3" fmla="*/ 0 h 18288"/>
+              <a:gd name="connsiteX4" fmla="*/ 2383971 w 4572000"/>
+              <a:gd name="connsiteY4" fmla="*/ 0 h 18288"/>
+              <a:gd name="connsiteX5" fmla="*/ 2945674 w 4572000"/>
+              <a:gd name="connsiteY5" fmla="*/ 0 h 18288"/>
+              <a:gd name="connsiteX6" fmla="*/ 3507377 w 4572000"/>
+              <a:gd name="connsiteY6" fmla="*/ 0 h 18288"/>
+              <a:gd name="connsiteX7" fmla="*/ 4572000 w 4572000"/>
+              <a:gd name="connsiteY7" fmla="*/ 0 h 18288"/>
+              <a:gd name="connsiteX8" fmla="*/ 4572000 w 4572000"/>
+              <a:gd name="connsiteY8" fmla="*/ 18288 h 18288"/>
+              <a:gd name="connsiteX9" fmla="*/ 3873137 w 4572000"/>
+              <a:gd name="connsiteY9" fmla="*/ 18288 h 18288"/>
+              <a:gd name="connsiteX10" fmla="*/ 3311434 w 4572000"/>
+              <a:gd name="connsiteY10" fmla="*/ 18288 h 18288"/>
+              <a:gd name="connsiteX11" fmla="*/ 2749731 w 4572000"/>
+              <a:gd name="connsiteY11" fmla="*/ 18288 h 18288"/>
+              <a:gd name="connsiteX12" fmla="*/ 2050869 w 4572000"/>
+              <a:gd name="connsiteY12" fmla="*/ 18288 h 18288"/>
+              <a:gd name="connsiteX13" fmla="*/ 1306286 w 4572000"/>
+              <a:gd name="connsiteY13" fmla="*/ 18288 h 18288"/>
+              <a:gd name="connsiteX14" fmla="*/ 790303 w 4572000"/>
+              <a:gd name="connsiteY14" fmla="*/ 18288 h 18288"/>
+              <a:gd name="connsiteX15" fmla="*/ 0 w 4572000"/>
+              <a:gd name="connsiteY15" fmla="*/ 18288 h 18288"/>
+              <a:gd name="connsiteX16" fmla="*/ 0 w 4572000"/>
+              <a:gd name="connsiteY16" fmla="*/ 0 h 18288"/>
+            </a:gdLst>
+            <a:ahLst/>
+            <a:cxnLst>
+              <a:cxn ang="0">
+                <a:pos x="connsiteX0" y="connsiteY0"/>
+              </a:cxn>
+              <a:cxn ang="0">
+                <a:pos x="connsiteX1" y="connsiteY1"/>
+              </a:cxn>
+              <a:cxn ang="0">
+                <a:pos x="connsiteX2" y="connsiteY2"/>
+              </a:cxn>
+              <a:cxn ang="0">
+                <a:pos x="connsiteX3" y="connsiteY3"/>
+              </a:cxn>
+              <a:cxn ang="0">
+                <a:pos x="connsiteX4" y="connsiteY4"/>
+              </a:cxn>
+              <a:cxn ang="0">
+                <a:pos x="connsiteX5" y="connsiteY5"/>
+              </a:cxn>
+              <a:cxn ang="0">
+                <a:pos x="connsiteX6" y="connsiteY6"/>
+              </a:cxn>
+              <a:cxn ang="0">
+                <a:pos x="connsiteX7" y="connsiteY7"/>
+              </a:cxn>
+              <a:cxn ang="0">
+                <a:pos x="connsiteX8" y="connsiteY8"/>
+              </a:cxn>
+              <a:cxn ang="0">
+                <a:pos x="connsiteX9" y="connsiteY9"/>
+              </a:cxn>
+              <a:cxn ang="0">
+                <a:pos x="connsiteX10" y="connsiteY10"/>
+              </a:cxn>
+              <a:cxn ang="0">
+                <a:pos x="connsiteX11" y="connsiteY11"/>
+              </a:cxn>
+              <a:cxn ang="0">
+                <a:pos x="connsiteX12" y="connsiteY12"/>
+              </a:cxn>
+              <a:cxn ang="0">
+                <a:pos x="connsiteX13" y="connsiteY13"/>
+              </a:cxn>
+              <a:cxn ang="0">
+                <a:pos x="connsiteX14" y="connsiteY14"/>
+              </a:cxn>
+              <a:cxn ang="0">
+                <a:pos x="connsiteX15" y="connsiteY15"/>
+              </a:cxn>
+              <a:cxn ang="0">
+                <a:pos x="connsiteX16" y="connsiteY16"/>
+              </a:cxn>
+            </a:cxnLst>
+            <a:rect l="l" t="t" r="r" b="b"/>
+            <a:pathLst>
+              <a:path w="4572000" h="18288" fill="none" extrusionOk="0">
+                <a:moveTo>
+                  <a:pt x="0" y="0"/>
+                </a:moveTo>
+                <a:cubicBezTo>
+                  <a:pt x="105156" y="-20963"/>
+                  <a:pt x="340432" y="822"/>
+                  <a:pt x="515983" y="0"/>
+                </a:cubicBezTo>
+                <a:cubicBezTo>
+                  <a:pt x="691534" y="-822"/>
+                  <a:pt x="850679" y="16479"/>
+                  <a:pt x="1031966" y="0"/>
+                </a:cubicBezTo>
+                <a:cubicBezTo>
+                  <a:pt x="1213253" y="-16479"/>
+                  <a:pt x="1443646" y="-18730"/>
+                  <a:pt x="1639389" y="0"/>
+                </a:cubicBezTo>
+                <a:cubicBezTo>
+                  <a:pt x="1835132" y="18730"/>
+                  <a:pt x="2159975" y="18531"/>
+                  <a:pt x="2383971" y="0"/>
+                </a:cubicBezTo>
+                <a:cubicBezTo>
+                  <a:pt x="2607967" y="-18531"/>
+                  <a:pt x="2719096" y="-12030"/>
+                  <a:pt x="2945674" y="0"/>
+                </a:cubicBezTo>
+                <a:cubicBezTo>
+                  <a:pt x="3172252" y="12030"/>
+                  <a:pt x="3269167" y="27666"/>
+                  <a:pt x="3507377" y="0"/>
+                </a:cubicBezTo>
+                <a:cubicBezTo>
+                  <a:pt x="3745587" y="-27666"/>
+                  <a:pt x="4116741" y="18705"/>
+                  <a:pt x="4572000" y="0"/>
+                </a:cubicBezTo>
+                <a:cubicBezTo>
+                  <a:pt x="4572895" y="8974"/>
+                  <a:pt x="4571454" y="9359"/>
+                  <a:pt x="4572000" y="18288"/>
+                </a:cubicBezTo>
+                <a:cubicBezTo>
+                  <a:pt x="4374698" y="3942"/>
+                  <a:pt x="4098874" y="-11042"/>
+                  <a:pt x="3873137" y="18288"/>
+                </a:cubicBezTo>
+                <a:cubicBezTo>
+                  <a:pt x="3647400" y="47618"/>
+                  <a:pt x="3517055" y="5421"/>
+                  <a:pt x="3311434" y="18288"/>
+                </a:cubicBezTo>
+                <a:cubicBezTo>
+                  <a:pt x="3105813" y="31155"/>
+                  <a:pt x="3025168" y="17856"/>
+                  <a:pt x="2749731" y="18288"/>
+                </a:cubicBezTo>
+                <a:cubicBezTo>
+                  <a:pt x="2474294" y="18720"/>
+                  <a:pt x="2291766" y="-14168"/>
+                  <a:pt x="2050869" y="18288"/>
+                </a:cubicBezTo>
+                <a:cubicBezTo>
+                  <a:pt x="1809972" y="50744"/>
+                  <a:pt x="1540276" y="46798"/>
+                  <a:pt x="1306286" y="18288"/>
+                </a:cubicBezTo>
+                <a:cubicBezTo>
+                  <a:pt x="1072296" y="-10222"/>
+                  <a:pt x="972445" y="19645"/>
+                  <a:pt x="790303" y="18288"/>
+                </a:cubicBezTo>
+                <a:cubicBezTo>
+                  <a:pt x="608161" y="16931"/>
+                  <a:pt x="200981" y="8241"/>
+                  <a:pt x="0" y="18288"/>
+                </a:cubicBezTo>
+                <a:cubicBezTo>
+                  <a:pt x="-229" y="14222"/>
+                  <a:pt x="509" y="5816"/>
+                  <a:pt x="0" y="0"/>
+                </a:cubicBezTo>
+                <a:close/>
+              </a:path>
+              <a:path w="4572000" h="18288" stroke="0" extrusionOk="0">
+                <a:moveTo>
+                  <a:pt x="0" y="0"/>
+                </a:moveTo>
+                <a:cubicBezTo>
+                  <a:pt x="143285" y="-9565"/>
+                  <a:pt x="327959" y="-11498"/>
+                  <a:pt x="561703" y="0"/>
+                </a:cubicBezTo>
+                <a:cubicBezTo>
+                  <a:pt x="795447" y="11498"/>
+                  <a:pt x="838260" y="18255"/>
+                  <a:pt x="1077686" y="0"/>
+                </a:cubicBezTo>
+                <a:cubicBezTo>
+                  <a:pt x="1317112" y="-18255"/>
+                  <a:pt x="1437472" y="23514"/>
+                  <a:pt x="1639389" y="0"/>
+                </a:cubicBezTo>
+                <a:cubicBezTo>
+                  <a:pt x="1841306" y="-23514"/>
+                  <a:pt x="2037142" y="-12551"/>
+                  <a:pt x="2292531" y="0"/>
+                </a:cubicBezTo>
+                <a:cubicBezTo>
+                  <a:pt x="2547920" y="12551"/>
+                  <a:pt x="2810436" y="-20352"/>
+                  <a:pt x="2991394" y="0"/>
+                </a:cubicBezTo>
+                <a:cubicBezTo>
+                  <a:pt x="3172352" y="20352"/>
+                  <a:pt x="3530025" y="-13347"/>
+                  <a:pt x="3735977" y="0"/>
+                </a:cubicBezTo>
+                <a:cubicBezTo>
+                  <a:pt x="3941929" y="13347"/>
+                  <a:pt x="4161497" y="34086"/>
+                  <a:pt x="4572000" y="0"/>
+                </a:cubicBezTo>
+                <a:cubicBezTo>
+                  <a:pt x="4571545" y="6162"/>
+                  <a:pt x="4571903" y="11775"/>
+                  <a:pt x="4572000" y="18288"/>
+                </a:cubicBezTo>
+                <a:cubicBezTo>
+                  <a:pt x="4228040" y="36490"/>
+                  <a:pt x="4199736" y="42557"/>
+                  <a:pt x="3873137" y="18288"/>
+                </a:cubicBezTo>
+                <a:cubicBezTo>
+                  <a:pt x="3546538" y="-5981"/>
+                  <a:pt x="3472124" y="16809"/>
+                  <a:pt x="3128554" y="18288"/>
+                </a:cubicBezTo>
+                <a:cubicBezTo>
+                  <a:pt x="2784984" y="19767"/>
+                  <a:pt x="2735896" y="-17781"/>
+                  <a:pt x="2383971" y="18288"/>
+                </a:cubicBezTo>
+                <a:cubicBezTo>
+                  <a:pt x="2032046" y="54357"/>
+                  <a:pt x="2019324" y="2920"/>
+                  <a:pt x="1867989" y="18288"/>
+                </a:cubicBezTo>
+                <a:cubicBezTo>
+                  <a:pt x="1716654" y="33656"/>
+                  <a:pt x="1418675" y="32575"/>
+                  <a:pt x="1169126" y="18288"/>
+                </a:cubicBezTo>
+                <a:cubicBezTo>
+                  <a:pt x="919577" y="4001"/>
+                  <a:pt x="798537" y="16165"/>
+                  <a:pt x="561703" y="18288"/>
+                </a:cubicBezTo>
+                <a:cubicBezTo>
+                  <a:pt x="324869" y="20411"/>
+                  <a:pt x="221395" y="-912"/>
+                  <a:pt x="0" y="18288"/>
+                </a:cubicBezTo>
+                <a:cubicBezTo>
+                  <a:pt x="766" y="10800"/>
+                  <a:pt x="-457" y="8180"/>
+                  <a:pt x="0" y="0"/>
+                </a:cubicBezTo>
+                <a:close/>
+              </a:path>
+            </a:pathLst>
+          </a:custGeom>
+          <a:solidFill>
+            <a:schemeClr val="accent2"/>
+          </a:solidFill>
+          <a:ln w="41275" cap="rnd">
+            <a:solidFill>
+              <a:schemeClr val="accent2"/>
+            </a:solidFill>
+            <a:round/>
+            <a:extLst>
+              <a:ext uri="{C807C97D-BFC1-408E-A445-0C87EB9F89A2}">
+                <ask:lineSketchStyleProps xmlns:ask="http://schemas.microsoft.com/office/drawing/2018/sketchyshapes" sd="2727557108">
+                  <a:prstGeom prst="rect">
+                    <a:avLst/>
+                  </a:prstGeom>
+                  <ask:type>
+                    <ask:lineSketchFreehand/>
+                  </ask:type>
+                </ask:lineSketchStyleProps>
+              </a:ext>
+            </a:extLst>
+          </a:ln>
+        </p:spPr>
+        <p:style>
+          <a:lnRef idx="2">
+            <a:schemeClr val="accent1">
+              <a:shade val="50000"/>
+            </a:schemeClr>
+          </a:lnRef>
+          <a:fillRef idx="1">
+            <a:schemeClr val="accent1"/>
+          </a:fillRef>
+          <a:effectRef idx="0">
+            <a:schemeClr val="accent1"/>
+          </a:effectRef>
+          <a:fontRef idx="minor">
+            <a:schemeClr val="lt1"/>
+          </a:fontRef>
+        </p:style>
+        <p:txBody>
+          <a:bodyPr rtlCol="0" anchor="ctr"/>
+          <a:lstStyle/>
+          <a:p>
+            <a:pPr algn="ctr"/>
+            <a:endParaRPr lang="en-US"/>
+          </a:p>
+        </p:txBody>
+      </p:sp>
+      <p:pic>
+        <p:nvPicPr>
+          <p:cNvPr id="5" name="Picture 4">
+            <a:extLst>
+              <a:ext uri="{FF2B5EF4-FFF2-40B4-BE49-F238E27FC236}">
+                <a16:creationId xmlns:a16="http://schemas.microsoft.com/office/drawing/2014/main" id="{2953DF97-6D06-09A9-60D7-450B21BE0C82}"/>
+              </a:ext>
+            </a:extLst>
+          </p:cNvPr>
+          <p:cNvPicPr>
+            <a:picLocks noChangeAspect="1"/>
+          </p:cNvPicPr>
+          <p:nvPr/>
+        </p:nvPicPr>
+        <p:blipFill>
+          <a:blip r:embed="rId2"/>
+          <a:stretch>
+            <a:fillRect/>
+          </a:stretch>
+        </p:blipFill>
+        <p:spPr>
+          <a:xfrm>
+            <a:off x="1129896" y="3124200"/>
+            <a:ext cx="9929159" cy="3102864"/>
+          </a:xfrm>
+          <a:prstGeom prst="rect">
+            <a:avLst/>
+          </a:prstGeom>
+        </p:spPr>
+      </p:pic>
+    </p:spTree>
+    <p:extLst>
+      <p:ext uri="{BB962C8B-B14F-4D97-AF65-F5344CB8AC3E}">
+        <p14:creationId xmlns:p14="http://schemas.microsoft.com/office/powerpoint/2010/main" val="223996393"/>
       </p:ext>
     </p:extLst>
   </p:cSld>

--- a/my-ng-app/Angular_Training_Images.pptx
+++ b/my-ng-app/Angular_Training_Images.pptx
@@ -31,6 +31,14 @@
     <p:sldId id="279" r:id="rId25"/>
     <p:sldId id="280" r:id="rId26"/>
     <p:sldId id="281" r:id="rId27"/>
+    <p:sldId id="282" r:id="rId28"/>
+    <p:sldId id="286" r:id="rId29"/>
+    <p:sldId id="283" r:id="rId30"/>
+    <p:sldId id="284" r:id="rId31"/>
+    <p:sldId id="285" r:id="rId32"/>
+    <p:sldId id="287" r:id="rId33"/>
+    <p:sldId id="288" r:id="rId34"/>
+    <p:sldId id="289" r:id="rId35"/>
   </p:sldIdLst>
   <p:sldSz cx="12192000" cy="6858000"/>
   <p:notesSz cx="6858000" cy="9144000"/>
@@ -286,7 +294,7 @@
           <a:p>
             <a:fld id="{35E7C7C1-050F-4B17-8FDC-37C455263954}" type="datetimeFigureOut">
               <a:rPr lang="en-IN" smtClean="0"/>
-              <a:t>01-04-2024</a:t>
+              <a:t>02-04-2024</a:t>
             </a:fld>
             <a:endParaRPr lang="en-IN"/>
           </a:p>
@@ -486,7 +494,7 @@
           <a:p>
             <a:fld id="{35E7C7C1-050F-4B17-8FDC-37C455263954}" type="datetimeFigureOut">
               <a:rPr lang="en-IN" smtClean="0"/>
-              <a:t>01-04-2024</a:t>
+              <a:t>02-04-2024</a:t>
             </a:fld>
             <a:endParaRPr lang="en-IN"/>
           </a:p>
@@ -696,7 +704,7 @@
           <a:p>
             <a:fld id="{35E7C7C1-050F-4B17-8FDC-37C455263954}" type="datetimeFigureOut">
               <a:rPr lang="en-IN" smtClean="0"/>
-              <a:t>01-04-2024</a:t>
+              <a:t>02-04-2024</a:t>
             </a:fld>
             <a:endParaRPr lang="en-IN"/>
           </a:p>
@@ -896,7 +904,7 @@
           <a:p>
             <a:fld id="{35E7C7C1-050F-4B17-8FDC-37C455263954}" type="datetimeFigureOut">
               <a:rPr lang="en-IN" smtClean="0"/>
-              <a:t>01-04-2024</a:t>
+              <a:t>02-04-2024</a:t>
             </a:fld>
             <a:endParaRPr lang="en-IN"/>
           </a:p>
@@ -1172,7 +1180,7 @@
           <a:p>
             <a:fld id="{35E7C7C1-050F-4B17-8FDC-37C455263954}" type="datetimeFigureOut">
               <a:rPr lang="en-IN" smtClean="0"/>
-              <a:t>01-04-2024</a:t>
+              <a:t>02-04-2024</a:t>
             </a:fld>
             <a:endParaRPr lang="en-IN"/>
           </a:p>
@@ -1440,7 +1448,7 @@
           <a:p>
             <a:fld id="{35E7C7C1-050F-4B17-8FDC-37C455263954}" type="datetimeFigureOut">
               <a:rPr lang="en-IN" smtClean="0"/>
-              <a:t>01-04-2024</a:t>
+              <a:t>02-04-2024</a:t>
             </a:fld>
             <a:endParaRPr lang="en-IN"/>
           </a:p>
@@ -1855,7 +1863,7 @@
           <a:p>
             <a:fld id="{35E7C7C1-050F-4B17-8FDC-37C455263954}" type="datetimeFigureOut">
               <a:rPr lang="en-IN" smtClean="0"/>
-              <a:t>01-04-2024</a:t>
+              <a:t>02-04-2024</a:t>
             </a:fld>
             <a:endParaRPr lang="en-IN"/>
           </a:p>
@@ -1997,7 +2005,7 @@
           <a:p>
             <a:fld id="{35E7C7C1-050F-4B17-8FDC-37C455263954}" type="datetimeFigureOut">
               <a:rPr lang="en-IN" smtClean="0"/>
-              <a:t>01-04-2024</a:t>
+              <a:t>02-04-2024</a:t>
             </a:fld>
             <a:endParaRPr lang="en-IN"/>
           </a:p>
@@ -2110,7 +2118,7 @@
           <a:p>
             <a:fld id="{35E7C7C1-050F-4B17-8FDC-37C455263954}" type="datetimeFigureOut">
               <a:rPr lang="en-IN" smtClean="0"/>
-              <a:t>01-04-2024</a:t>
+              <a:t>02-04-2024</a:t>
             </a:fld>
             <a:endParaRPr lang="en-IN"/>
           </a:p>
@@ -2423,7 +2431,7 @@
           <a:p>
             <a:fld id="{35E7C7C1-050F-4B17-8FDC-37C455263954}" type="datetimeFigureOut">
               <a:rPr lang="en-IN" smtClean="0"/>
-              <a:t>01-04-2024</a:t>
+              <a:t>02-04-2024</a:t>
             </a:fld>
             <a:endParaRPr lang="en-IN"/>
           </a:p>
@@ -2712,7 +2720,7 @@
           <a:p>
             <a:fld id="{35E7C7C1-050F-4B17-8FDC-37C455263954}" type="datetimeFigureOut">
               <a:rPr lang="en-IN" smtClean="0"/>
-              <a:t>01-04-2024</a:t>
+              <a:t>02-04-2024</a:t>
             </a:fld>
             <a:endParaRPr lang="en-IN"/>
           </a:p>
@@ -2955,7 +2963,7 @@
           <a:p>
             <a:fld id="{35E7C7C1-050F-4B17-8FDC-37C455263954}" type="datetimeFigureOut">
               <a:rPr lang="en-IN" smtClean="0"/>
-              <a:t>01-04-2024</a:t>
+              <a:t>02-04-2024</a:t>
             </a:fld>
             <a:endParaRPr lang="en-IN"/>
           </a:p>
@@ -20532,6 +20540,790 @@
 </p:sld>
 </file>
 
+<file path=ppt/slides/slide27.xml><?xml version="1.0" encoding="utf-8"?>
+<p:sld xmlns:a="http://schemas.openxmlformats.org/drawingml/2006/main" xmlns:r="http://schemas.openxmlformats.org/officeDocument/2006/relationships" xmlns:p="http://schemas.openxmlformats.org/presentationml/2006/main">
+  <p:cSld>
+    <p:spTree>
+      <p:nvGrpSpPr>
+        <p:cNvPr id="1" name=""/>
+        <p:cNvGrpSpPr/>
+        <p:nvPr/>
+      </p:nvGrpSpPr>
+      <p:grpSpPr>
+        <a:xfrm>
+          <a:off x="0" y="0"/>
+          <a:ext cx="0" cy="0"/>
+          <a:chOff x="0" y="0"/>
+          <a:chExt cx="0" cy="0"/>
+        </a:xfrm>
+      </p:grpSpPr>
+      <p:sp>
+        <p:nvSpPr>
+          <p:cNvPr id="3" name="TextBox 2">
+            <a:extLst>
+              <a:ext uri="{FF2B5EF4-FFF2-40B4-BE49-F238E27FC236}">
+                <a16:creationId xmlns:a16="http://schemas.microsoft.com/office/drawing/2014/main" id="{22C81375-AC20-61EB-8D16-5291407698C7}"/>
+              </a:ext>
+            </a:extLst>
+          </p:cNvPr>
+          <p:cNvSpPr txBox="1"/>
+          <p:nvPr/>
+        </p:nvSpPr>
+        <p:spPr>
+          <a:xfrm>
+            <a:off x="2827866" y="232602"/>
+            <a:ext cx="6536267" cy="646331"/>
+          </a:xfrm>
+          <a:prstGeom prst="rect">
+            <a:avLst/>
+          </a:prstGeom>
+          <a:noFill/>
+        </p:spPr>
+        <p:txBody>
+          <a:bodyPr wrap="square">
+            <a:spAutoFit/>
+          </a:bodyPr>
+          <a:lstStyle/>
+          <a:p>
+            <a:pPr algn="ctr"/>
+            <a:r>
+              <a:rPr lang="en-IN" sz="3600" b="1" i="0" dirty="0">
+                <a:solidFill>
+                  <a:srgbClr val="333333"/>
+                </a:solidFill>
+                <a:effectLst/>
+                <a:latin typeface="Roboto" panose="02000000000000000000" pitchFamily="2" charset="0"/>
+              </a:rPr>
+              <a:t>Server-side rendering</a:t>
+            </a:r>
+            <a:endParaRPr lang="en-IN" sz="3600" b="1" dirty="0"/>
+          </a:p>
+        </p:txBody>
+      </p:sp>
+      <p:sp>
+        <p:nvSpPr>
+          <p:cNvPr id="5" name="TextBox 4">
+            <a:extLst>
+              <a:ext uri="{FF2B5EF4-FFF2-40B4-BE49-F238E27FC236}">
+                <a16:creationId xmlns:a16="http://schemas.microsoft.com/office/drawing/2014/main" id="{F100EBE1-1B58-367E-253C-68E2820FD45A}"/>
+              </a:ext>
+            </a:extLst>
+          </p:cNvPr>
+          <p:cNvSpPr txBox="1"/>
+          <p:nvPr/>
+        </p:nvSpPr>
+        <p:spPr>
+          <a:xfrm>
+            <a:off x="1312333" y="2286000"/>
+            <a:ext cx="9008534" cy="3539430"/>
+          </a:xfrm>
+          <a:prstGeom prst="rect">
+            <a:avLst/>
+          </a:prstGeom>
+          <a:noFill/>
+        </p:spPr>
+        <p:txBody>
+          <a:bodyPr wrap="square">
+            <a:spAutoFit/>
+          </a:bodyPr>
+          <a:lstStyle/>
+          <a:p>
+            <a:pPr algn="ctr"/>
+            <a:r>
+              <a:rPr lang="en-US" sz="3200" b="1" i="0" dirty="0">
+                <a:solidFill>
+                  <a:srgbClr val="C00000"/>
+                </a:solidFill>
+                <a:effectLst/>
+                <a:latin typeface="Roboto" panose="02000000000000000000" pitchFamily="2" charset="0"/>
+              </a:rPr>
+              <a:t>Server-side rendering (SSR) is a process that involves rendering pages on the server, resulting in initial HTML content which contains initial page state. </a:t>
+            </a:r>
+          </a:p>
+          <a:p>
+            <a:pPr algn="ctr"/>
+            <a:r>
+              <a:rPr lang="en-US" sz="3200" b="1" i="0" dirty="0">
+                <a:solidFill>
+                  <a:srgbClr val="C00000"/>
+                </a:solidFill>
+                <a:effectLst/>
+                <a:latin typeface="Roboto" panose="02000000000000000000" pitchFamily="2" charset="0"/>
+              </a:rPr>
+              <a:t>Once the HTML content is delivered to a browser, Angular initializes the application and utilizes the data contained within the HTML.</a:t>
+            </a:r>
+            <a:endParaRPr lang="en-IN" sz="3200" b="1" dirty="0">
+              <a:solidFill>
+                <a:srgbClr val="C00000"/>
+              </a:solidFill>
+            </a:endParaRPr>
+          </a:p>
+        </p:txBody>
+      </p:sp>
+    </p:spTree>
+    <p:extLst>
+      <p:ext uri="{BB962C8B-B14F-4D97-AF65-F5344CB8AC3E}">
+        <p14:creationId xmlns:p14="http://schemas.microsoft.com/office/powerpoint/2010/main" val="1782913882"/>
+      </p:ext>
+    </p:extLst>
+  </p:cSld>
+  <p:clrMapOvr>
+    <a:masterClrMapping/>
+  </p:clrMapOvr>
+</p:sld>
+</file>
+
+<file path=ppt/slides/slide28.xml><?xml version="1.0" encoding="utf-8"?>
+<p:sld xmlns:a="http://schemas.openxmlformats.org/drawingml/2006/main" xmlns:r="http://schemas.openxmlformats.org/officeDocument/2006/relationships" xmlns:p="http://schemas.openxmlformats.org/presentationml/2006/main">
+  <p:cSld>
+    <p:bg>
+      <p:bgPr>
+        <a:solidFill>
+          <a:schemeClr val="bg1"/>
+        </a:solidFill>
+        <a:effectLst/>
+      </p:bgPr>
+    </p:bg>
+    <p:spTree>
+      <p:nvGrpSpPr>
+        <p:cNvPr id="1" name=""/>
+        <p:cNvGrpSpPr/>
+        <p:nvPr/>
+      </p:nvGrpSpPr>
+      <p:grpSpPr>
+        <a:xfrm>
+          <a:off x="0" y="0"/>
+          <a:ext cx="0" cy="0"/>
+          <a:chOff x="0" y="0"/>
+          <a:chExt cx="0" cy="0"/>
+        </a:xfrm>
+      </p:grpSpPr>
+      <p:sp>
+        <p:nvSpPr>
+          <p:cNvPr id="1031" name="Rectangle 1030">
+            <a:extLst>
+              <a:ext uri="{FF2B5EF4-FFF2-40B4-BE49-F238E27FC236}">
+                <a16:creationId xmlns:a16="http://schemas.microsoft.com/office/drawing/2014/main" id="{42A4FC2C-047E-45A5-965D-8E1E3BF09BC6}"/>
+              </a:ext>
+              <a:ext uri="{C183D7F6-B498-43B3-948B-1728B52AA6E4}">
+                <adec:decorative xmlns:adec="http://schemas.microsoft.com/office/drawing/2017/decorative" val="1"/>
+              </a:ext>
+            </a:extLst>
+          </p:cNvPr>
+          <p:cNvSpPr>
+            <a:spLocks noGrp="1" noRot="1" noChangeAspect="1" noMove="1" noResize="1" noEditPoints="1" noAdjustHandles="1" noChangeArrowheads="1" noChangeShapeType="1" noTextEdit="1"/>
+          </p:cNvSpPr>
+          <p:nvPr>
+            <p:extLst>
+              <p:ext uri="{386F3935-93C4-4BCD-93E2-E3B085C9AB24}">
+                <p16:designElem xmlns:p16="http://schemas.microsoft.com/office/powerpoint/2015/main" val="1"/>
+              </p:ext>
+            </p:extLst>
+          </p:nvPr>
+        </p:nvSpPr>
+        <p:spPr bwMode="white">
+          <a:xfrm>
+            <a:off x="1524" y="0"/>
+            <a:ext cx="12188952" cy="6858000"/>
+          </a:xfrm>
+          <a:prstGeom prst="rect">
+            <a:avLst/>
+          </a:prstGeom>
+          <a:noFill/>
+          <a:ln>
+            <a:noFill/>
+          </a:ln>
+        </p:spPr>
+        <p:style>
+          <a:lnRef idx="2">
+            <a:schemeClr val="accent1">
+              <a:shade val="50000"/>
+            </a:schemeClr>
+          </a:lnRef>
+          <a:fillRef idx="1">
+            <a:schemeClr val="accent1"/>
+          </a:fillRef>
+          <a:effectRef idx="0">
+            <a:schemeClr val="accent1"/>
+          </a:effectRef>
+          <a:fontRef idx="minor">
+            <a:schemeClr val="lt1"/>
+          </a:fontRef>
+        </p:style>
+        <p:txBody>
+          <a:bodyPr rtlCol="0" anchor="ctr"/>
+          <a:lstStyle>
+            <a:defPPr>
+              <a:defRPr lang="en-US"/>
+            </a:defPPr>
+            <a:lvl1pPr marL="0" algn="l" defTabSz="914400" rtl="0" eaLnBrk="1" latinLnBrk="0" hangingPunct="1">
+              <a:defRPr sz="1800" kern="1200">
+                <a:solidFill>
+                  <a:schemeClr val="lt1"/>
+                </a:solidFill>
+                <a:latin typeface="+mn-lt"/>
+                <a:ea typeface="+mn-ea"/>
+                <a:cs typeface="+mn-cs"/>
+              </a:defRPr>
+            </a:lvl1pPr>
+            <a:lvl2pPr marL="457200" algn="l" defTabSz="914400" rtl="0" eaLnBrk="1" latinLnBrk="0" hangingPunct="1">
+              <a:defRPr sz="1800" kern="1200">
+                <a:solidFill>
+                  <a:schemeClr val="lt1"/>
+                </a:solidFill>
+                <a:latin typeface="+mn-lt"/>
+                <a:ea typeface="+mn-ea"/>
+                <a:cs typeface="+mn-cs"/>
+              </a:defRPr>
+            </a:lvl2pPr>
+            <a:lvl3pPr marL="914400" algn="l" defTabSz="914400" rtl="0" eaLnBrk="1" latinLnBrk="0" hangingPunct="1">
+              <a:defRPr sz="1800" kern="1200">
+                <a:solidFill>
+                  <a:schemeClr val="lt1"/>
+                </a:solidFill>
+                <a:latin typeface="+mn-lt"/>
+                <a:ea typeface="+mn-ea"/>
+                <a:cs typeface="+mn-cs"/>
+              </a:defRPr>
+            </a:lvl3pPr>
+            <a:lvl4pPr marL="1371600" algn="l" defTabSz="914400" rtl="0" eaLnBrk="1" latinLnBrk="0" hangingPunct="1">
+              <a:defRPr sz="1800" kern="1200">
+                <a:solidFill>
+                  <a:schemeClr val="lt1"/>
+                </a:solidFill>
+                <a:latin typeface="+mn-lt"/>
+                <a:ea typeface="+mn-ea"/>
+                <a:cs typeface="+mn-cs"/>
+              </a:defRPr>
+            </a:lvl4pPr>
+            <a:lvl5pPr marL="1828800" algn="l" defTabSz="914400" rtl="0" eaLnBrk="1" latinLnBrk="0" hangingPunct="1">
+              <a:defRPr sz="1800" kern="1200">
+                <a:solidFill>
+                  <a:schemeClr val="lt1"/>
+                </a:solidFill>
+                <a:latin typeface="+mn-lt"/>
+                <a:ea typeface="+mn-ea"/>
+                <a:cs typeface="+mn-cs"/>
+              </a:defRPr>
+            </a:lvl5pPr>
+            <a:lvl6pPr marL="2286000" algn="l" defTabSz="914400" rtl="0" eaLnBrk="1" latinLnBrk="0" hangingPunct="1">
+              <a:defRPr sz="1800" kern="1200">
+                <a:solidFill>
+                  <a:schemeClr val="lt1"/>
+                </a:solidFill>
+                <a:latin typeface="+mn-lt"/>
+                <a:ea typeface="+mn-ea"/>
+                <a:cs typeface="+mn-cs"/>
+              </a:defRPr>
+            </a:lvl6pPr>
+            <a:lvl7pPr marL="2743200" algn="l" defTabSz="914400" rtl="0" eaLnBrk="1" latinLnBrk="0" hangingPunct="1">
+              <a:defRPr sz="1800" kern="1200">
+                <a:solidFill>
+                  <a:schemeClr val="lt1"/>
+                </a:solidFill>
+                <a:latin typeface="+mn-lt"/>
+                <a:ea typeface="+mn-ea"/>
+                <a:cs typeface="+mn-cs"/>
+              </a:defRPr>
+            </a:lvl7pPr>
+            <a:lvl8pPr marL="3200400" algn="l" defTabSz="914400" rtl="0" eaLnBrk="1" latinLnBrk="0" hangingPunct="1">
+              <a:defRPr sz="1800" kern="1200">
+                <a:solidFill>
+                  <a:schemeClr val="lt1"/>
+                </a:solidFill>
+                <a:latin typeface="+mn-lt"/>
+                <a:ea typeface="+mn-ea"/>
+                <a:cs typeface="+mn-cs"/>
+              </a:defRPr>
+            </a:lvl8pPr>
+            <a:lvl9pPr marL="3657600" algn="l" defTabSz="914400" rtl="0" eaLnBrk="1" latinLnBrk="0" hangingPunct="1">
+              <a:defRPr sz="1800" kern="1200">
+                <a:solidFill>
+                  <a:schemeClr val="lt1"/>
+                </a:solidFill>
+                <a:latin typeface="+mn-lt"/>
+                <a:ea typeface="+mn-ea"/>
+                <a:cs typeface="+mn-cs"/>
+              </a:defRPr>
+            </a:lvl9pPr>
+          </a:lstStyle>
+          <a:p>
+            <a:pPr algn="ctr"/>
+            <a:endParaRPr lang="en-US"/>
+          </a:p>
+        </p:txBody>
+      </p:sp>
+      <p:sp>
+        <p:nvSpPr>
+          <p:cNvPr id="3" name="TextBox 2">
+            <a:extLst>
+              <a:ext uri="{FF2B5EF4-FFF2-40B4-BE49-F238E27FC236}">
+                <a16:creationId xmlns:a16="http://schemas.microsoft.com/office/drawing/2014/main" id="{0A8F640D-6D6D-C04B-57B4-31D7253758A7}"/>
+              </a:ext>
+            </a:extLst>
+          </p:cNvPr>
+          <p:cNvSpPr txBox="1"/>
+          <p:nvPr/>
+        </p:nvSpPr>
+        <p:spPr>
+          <a:xfrm>
+            <a:off x="4758267" y="6585635"/>
+            <a:ext cx="6096000" cy="184666"/>
+          </a:xfrm>
+          <a:prstGeom prst="rect">
+            <a:avLst/>
+          </a:prstGeom>
+          <a:noFill/>
+        </p:spPr>
+        <p:txBody>
+          <a:bodyPr wrap="square">
+            <a:spAutoFit/>
+          </a:bodyPr>
+          <a:lstStyle/>
+          <a:p>
+            <a:r>
+              <a:rPr lang="en-IN" sz="600" dirty="0"/>
+              <a:t>https://blog.stackademic.com/server-side-rendering-angular-universal-bd31f64182c9</a:t>
+            </a:r>
+          </a:p>
+        </p:txBody>
+      </p:sp>
+      <p:pic>
+        <p:nvPicPr>
+          <p:cNvPr id="1030" name="Picture 6">
+            <a:extLst>
+              <a:ext uri="{FF2B5EF4-FFF2-40B4-BE49-F238E27FC236}">
+                <a16:creationId xmlns:a16="http://schemas.microsoft.com/office/drawing/2014/main" id="{71C25A96-93AF-CD3D-CDEB-1293DEA1D2B6}"/>
+              </a:ext>
+            </a:extLst>
+          </p:cNvPr>
+          <p:cNvPicPr>
+            <a:picLocks noChangeAspect="1" noChangeArrowheads="1"/>
+          </p:cNvPicPr>
+          <p:nvPr/>
+        </p:nvPicPr>
+        <p:blipFill>
+          <a:blip r:embed="rId2">
+            <a:extLst>
+              <a:ext uri="{28A0092B-C50C-407E-A947-70E740481C1C}">
+                <a14:useLocalDpi xmlns:a14="http://schemas.microsoft.com/office/drawing/2010/main" val="0"/>
+              </a:ext>
+            </a:extLst>
+          </a:blip>
+          <a:srcRect/>
+          <a:stretch>
+            <a:fillRect/>
+          </a:stretch>
+        </p:blipFill>
+        <p:spPr bwMode="auto">
+          <a:xfrm>
+            <a:off x="836581" y="641717"/>
+            <a:ext cx="5709132" cy="3025612"/>
+          </a:xfrm>
+          <a:prstGeom prst="rect">
+            <a:avLst/>
+          </a:prstGeom>
+          <a:noFill/>
+          <a:extLst>
+            <a:ext uri="{909E8E84-426E-40DD-AFC4-6F175D3DCCD1}">
+              <a14:hiddenFill xmlns:a14="http://schemas.microsoft.com/office/drawing/2010/main">
+                <a:solidFill>
+                  <a:srgbClr val="FFFFFF"/>
+                </a:solidFill>
+              </a14:hiddenFill>
+            </a:ext>
+          </a:extLst>
+        </p:spPr>
+      </p:pic>
+      <p:pic>
+        <p:nvPicPr>
+          <p:cNvPr id="8" name="Picture 7">
+            <a:extLst>
+              <a:ext uri="{FF2B5EF4-FFF2-40B4-BE49-F238E27FC236}">
+                <a16:creationId xmlns:a16="http://schemas.microsoft.com/office/drawing/2014/main" id="{DED5689E-1C61-6B28-FE88-4FDF33FAC205}"/>
+              </a:ext>
+            </a:extLst>
+          </p:cNvPr>
+          <p:cNvPicPr>
+            <a:picLocks noChangeAspect="1"/>
+          </p:cNvPicPr>
+          <p:nvPr/>
+        </p:nvPicPr>
+        <p:blipFill>
+          <a:blip r:embed="rId3"/>
+          <a:stretch>
+            <a:fillRect/>
+          </a:stretch>
+        </p:blipFill>
+        <p:spPr>
+          <a:xfrm>
+            <a:off x="6732239" y="2188723"/>
+            <a:ext cx="5104356" cy="3553147"/>
+          </a:xfrm>
+          <a:prstGeom prst="rect">
+            <a:avLst/>
+          </a:prstGeom>
+        </p:spPr>
+      </p:pic>
+    </p:spTree>
+    <p:extLst>
+      <p:ext uri="{BB962C8B-B14F-4D97-AF65-F5344CB8AC3E}">
+        <p14:creationId xmlns:p14="http://schemas.microsoft.com/office/powerpoint/2010/main" val="2235892888"/>
+      </p:ext>
+    </p:extLst>
+  </p:cSld>
+  <p:clrMapOvr>
+    <a:masterClrMapping/>
+  </p:clrMapOvr>
+</p:sld>
+</file>
+
+<file path=ppt/slides/slide29.xml><?xml version="1.0" encoding="utf-8"?>
+<p:sld xmlns:a="http://schemas.openxmlformats.org/drawingml/2006/main" xmlns:r="http://schemas.openxmlformats.org/officeDocument/2006/relationships" xmlns:p="http://schemas.openxmlformats.org/presentationml/2006/main">
+  <p:cSld>
+    <p:spTree>
+      <p:nvGrpSpPr>
+        <p:cNvPr id="1" name=""/>
+        <p:cNvGrpSpPr/>
+        <p:nvPr/>
+      </p:nvGrpSpPr>
+      <p:grpSpPr>
+        <a:xfrm>
+          <a:off x="0" y="0"/>
+          <a:ext cx="0" cy="0"/>
+          <a:chOff x="0" y="0"/>
+          <a:chExt cx="0" cy="0"/>
+        </a:xfrm>
+      </p:grpSpPr>
+      <p:sp>
+        <p:nvSpPr>
+          <p:cNvPr id="3" name="TextBox 2">
+            <a:extLst>
+              <a:ext uri="{FF2B5EF4-FFF2-40B4-BE49-F238E27FC236}">
+                <a16:creationId xmlns:a16="http://schemas.microsoft.com/office/drawing/2014/main" id="{FE4E6980-F7B1-34D5-FE6C-95E86D55BC7C}"/>
+              </a:ext>
+            </a:extLst>
+          </p:cNvPr>
+          <p:cNvSpPr txBox="1"/>
+          <p:nvPr/>
+        </p:nvSpPr>
+        <p:spPr>
+          <a:xfrm>
+            <a:off x="0" y="230201"/>
+            <a:ext cx="12192000" cy="707886"/>
+          </a:xfrm>
+          <a:prstGeom prst="rect">
+            <a:avLst/>
+          </a:prstGeom>
+          <a:noFill/>
+        </p:spPr>
+        <p:txBody>
+          <a:bodyPr wrap="square">
+            <a:spAutoFit/>
+          </a:bodyPr>
+          <a:lstStyle/>
+          <a:p>
+            <a:pPr algn="ctr"/>
+            <a:r>
+              <a:rPr lang="en-IN" sz="4000" b="1" i="0" dirty="0">
+                <a:solidFill>
+                  <a:srgbClr val="333333"/>
+                </a:solidFill>
+                <a:effectLst/>
+                <a:latin typeface="Roboto" panose="02000000000000000000" pitchFamily="2" charset="0"/>
+              </a:rPr>
+              <a:t>Why use SSR?</a:t>
+            </a:r>
+          </a:p>
+        </p:txBody>
+      </p:sp>
+      <p:sp>
+        <p:nvSpPr>
+          <p:cNvPr id="5" name="TextBox 4">
+            <a:extLst>
+              <a:ext uri="{FF2B5EF4-FFF2-40B4-BE49-F238E27FC236}">
+                <a16:creationId xmlns:a16="http://schemas.microsoft.com/office/drawing/2014/main" id="{DDEF2380-2302-E364-E710-7D890AEFC953}"/>
+              </a:ext>
+            </a:extLst>
+          </p:cNvPr>
+          <p:cNvSpPr txBox="1"/>
+          <p:nvPr/>
+        </p:nvSpPr>
+        <p:spPr>
+          <a:xfrm>
+            <a:off x="220133" y="1210733"/>
+            <a:ext cx="10668000" cy="3970318"/>
+          </a:xfrm>
+          <a:prstGeom prst="rect">
+            <a:avLst/>
+          </a:prstGeom>
+          <a:noFill/>
+        </p:spPr>
+        <p:txBody>
+          <a:bodyPr wrap="square">
+            <a:spAutoFit/>
+          </a:bodyPr>
+          <a:lstStyle/>
+          <a:p>
+            <a:pPr algn="l"/>
+            <a:r>
+              <a:rPr lang="en-US" b="0" i="0" dirty="0">
+                <a:solidFill>
+                  <a:srgbClr val="444444"/>
+                </a:solidFill>
+                <a:effectLst/>
+                <a:latin typeface="Roboto" panose="02000000000000000000" pitchFamily="2" charset="0"/>
+              </a:rPr>
+              <a:t>The main advantages of SSR as compared to client-side rendering (CSR) are:</a:t>
+            </a:r>
+          </a:p>
+          <a:p>
+            <a:pPr algn="l"/>
+            <a:endParaRPr lang="en-US" b="0" i="0" dirty="0">
+              <a:solidFill>
+                <a:srgbClr val="444444"/>
+              </a:solidFill>
+              <a:effectLst/>
+              <a:latin typeface="Roboto" panose="02000000000000000000" pitchFamily="2" charset="0"/>
+            </a:endParaRPr>
+          </a:p>
+          <a:p>
+            <a:pPr algn="l">
+              <a:buFont typeface="Arial" panose="020B0604020202020204" pitchFamily="34" charset="0"/>
+              <a:buChar char="•"/>
+            </a:pPr>
+            <a:r>
+              <a:rPr lang="en-US" b="0" i="0" dirty="0">
+                <a:solidFill>
+                  <a:srgbClr val="444444"/>
+                </a:solidFill>
+                <a:effectLst/>
+                <a:latin typeface="inherit"/>
+              </a:rPr>
+              <a:t>Improved performance: SSR can improve the performance of web applications by delivering fully rendered HTML to the client, which can be parsed and displayed even before the application JavaScript is downloaded. This can be especially beneficial for users on low-bandwidth connections or mobile devices.</a:t>
+            </a:r>
+          </a:p>
+          <a:p>
+            <a:pPr algn="l">
+              <a:buFont typeface="Arial" panose="020B0604020202020204" pitchFamily="34" charset="0"/>
+              <a:buChar char="•"/>
+            </a:pPr>
+            <a:endParaRPr lang="en-US" dirty="0">
+              <a:solidFill>
+                <a:srgbClr val="444444"/>
+              </a:solidFill>
+              <a:latin typeface="inherit"/>
+            </a:endParaRPr>
+          </a:p>
+          <a:p>
+            <a:pPr algn="l">
+              <a:buFont typeface="Arial" panose="020B0604020202020204" pitchFamily="34" charset="0"/>
+              <a:buChar char="•"/>
+            </a:pPr>
+            <a:endParaRPr lang="en-US" b="0" i="0" dirty="0">
+              <a:solidFill>
+                <a:srgbClr val="444444"/>
+              </a:solidFill>
+              <a:effectLst/>
+              <a:latin typeface="inherit"/>
+            </a:endParaRPr>
+          </a:p>
+          <a:p>
+            <a:pPr algn="l">
+              <a:buFont typeface="Arial" panose="020B0604020202020204" pitchFamily="34" charset="0"/>
+              <a:buChar char="•"/>
+            </a:pPr>
+            <a:r>
+              <a:rPr lang="en-US" b="0" i="0" dirty="0">
+                <a:solidFill>
+                  <a:srgbClr val="444444"/>
+                </a:solidFill>
+                <a:effectLst/>
+                <a:latin typeface="inherit"/>
+              </a:rPr>
+              <a:t>Improved Core Web Vitals: SSR results in performance improvements that can be measured using </a:t>
+            </a:r>
+            <a:r>
+              <a:rPr lang="en-US" b="0" i="0" u="none" strike="noStrike" dirty="0">
+                <a:solidFill>
+                  <a:srgbClr val="1976D2"/>
+                </a:solidFill>
+                <a:effectLst/>
+                <a:latin typeface="inherit"/>
+                <a:hlinkClick r:id="rId2"/>
+              </a:rPr>
+              <a:t>Core Web Vitals (CWV)</a:t>
+            </a:r>
+            <a:r>
+              <a:rPr lang="en-US" b="0" i="0" dirty="0">
+                <a:solidFill>
+                  <a:srgbClr val="444444"/>
+                </a:solidFill>
+                <a:effectLst/>
+                <a:latin typeface="inherit"/>
+              </a:rPr>
+              <a:t> statistics, such as reduced First </a:t>
+            </a:r>
+            <a:r>
+              <a:rPr lang="en-US" b="0" i="0" dirty="0" err="1">
+                <a:solidFill>
+                  <a:srgbClr val="444444"/>
+                </a:solidFill>
+                <a:effectLst/>
+                <a:latin typeface="inherit"/>
+              </a:rPr>
+              <a:t>Contentful</a:t>
+            </a:r>
+            <a:r>
+              <a:rPr lang="en-US" b="0" i="0" dirty="0">
+                <a:solidFill>
+                  <a:srgbClr val="444444"/>
+                </a:solidFill>
+                <a:effectLst/>
+                <a:latin typeface="inherit"/>
+              </a:rPr>
+              <a:t> Paint (</a:t>
+            </a:r>
+            <a:r>
+              <a:rPr lang="en-US" b="0" i="0" u="none" strike="noStrike" dirty="0">
+                <a:solidFill>
+                  <a:srgbClr val="1976D2"/>
+                </a:solidFill>
+                <a:effectLst/>
+                <a:latin typeface="inherit"/>
+                <a:hlinkClick r:id="rId3"/>
+              </a:rPr>
+              <a:t>FCP</a:t>
+            </a:r>
+            <a:r>
+              <a:rPr lang="en-US" b="0" i="0" dirty="0">
+                <a:solidFill>
+                  <a:srgbClr val="444444"/>
+                </a:solidFill>
+                <a:effectLst/>
+                <a:latin typeface="inherit"/>
+              </a:rPr>
+              <a:t>) and Largest </a:t>
+            </a:r>
+            <a:r>
+              <a:rPr lang="en-US" b="0" i="0" dirty="0" err="1">
+                <a:solidFill>
+                  <a:srgbClr val="444444"/>
+                </a:solidFill>
+                <a:effectLst/>
+                <a:latin typeface="inherit"/>
+              </a:rPr>
+              <a:t>Contentful</a:t>
+            </a:r>
+            <a:r>
+              <a:rPr lang="en-US" b="0" i="0" dirty="0">
+                <a:solidFill>
+                  <a:srgbClr val="444444"/>
+                </a:solidFill>
+                <a:effectLst/>
+                <a:latin typeface="inherit"/>
+              </a:rPr>
+              <a:t> Paint (</a:t>
+            </a:r>
+            <a:r>
+              <a:rPr lang="en-US" b="0" i="0" u="none" strike="noStrike" dirty="0">
+                <a:solidFill>
+                  <a:srgbClr val="1976D2"/>
+                </a:solidFill>
+                <a:effectLst/>
+                <a:latin typeface="inherit"/>
+                <a:hlinkClick r:id="rId4"/>
+              </a:rPr>
+              <a:t>LCP</a:t>
+            </a:r>
+            <a:r>
+              <a:rPr lang="en-US" b="0" i="0" dirty="0">
+                <a:solidFill>
+                  <a:srgbClr val="444444"/>
+                </a:solidFill>
+                <a:effectLst/>
+                <a:latin typeface="inherit"/>
+              </a:rPr>
+              <a:t>), as well as Cumulative Layout Shift (</a:t>
+            </a:r>
+            <a:r>
+              <a:rPr lang="en-US" b="0" i="0" u="none" strike="noStrike" dirty="0">
+                <a:solidFill>
+                  <a:srgbClr val="1976D2"/>
+                </a:solidFill>
+                <a:effectLst/>
+                <a:latin typeface="inherit"/>
+                <a:hlinkClick r:id="rId5"/>
+              </a:rPr>
+              <a:t>CLS</a:t>
+            </a:r>
+            <a:r>
+              <a:rPr lang="en-US" b="0" i="0" dirty="0">
+                <a:solidFill>
+                  <a:srgbClr val="444444"/>
+                </a:solidFill>
+                <a:effectLst/>
+                <a:latin typeface="inherit"/>
+              </a:rPr>
+              <a:t>).</a:t>
+            </a:r>
+          </a:p>
+          <a:p>
+            <a:pPr algn="l">
+              <a:buFont typeface="Arial" panose="020B0604020202020204" pitchFamily="34" charset="0"/>
+              <a:buChar char="•"/>
+            </a:pPr>
+            <a:endParaRPr lang="en-US" dirty="0">
+              <a:solidFill>
+                <a:srgbClr val="444444"/>
+              </a:solidFill>
+              <a:latin typeface="inherit"/>
+            </a:endParaRPr>
+          </a:p>
+          <a:p>
+            <a:pPr algn="l">
+              <a:buFont typeface="Arial" panose="020B0604020202020204" pitchFamily="34" charset="0"/>
+              <a:buChar char="•"/>
+            </a:pPr>
+            <a:endParaRPr lang="en-US" b="0" i="0" dirty="0">
+              <a:solidFill>
+                <a:srgbClr val="444444"/>
+              </a:solidFill>
+              <a:effectLst/>
+              <a:latin typeface="inherit"/>
+            </a:endParaRPr>
+          </a:p>
+          <a:p>
+            <a:pPr algn="l">
+              <a:buFont typeface="Arial" panose="020B0604020202020204" pitchFamily="34" charset="0"/>
+              <a:buChar char="•"/>
+            </a:pPr>
+            <a:r>
+              <a:rPr lang="en-US" b="0" i="0" dirty="0">
+                <a:solidFill>
+                  <a:srgbClr val="444444"/>
+                </a:solidFill>
+                <a:effectLst/>
+                <a:latin typeface="inherit"/>
+              </a:rPr>
+              <a:t>Better SEO: SSR can improve the search engine optimization (SEO) of web applications by making it easier for search engines to crawl and index the content of the application.</a:t>
+            </a:r>
+          </a:p>
+        </p:txBody>
+      </p:sp>
+    </p:spTree>
+    <p:extLst>
+      <p:ext uri="{BB962C8B-B14F-4D97-AF65-F5344CB8AC3E}">
+        <p14:creationId xmlns:p14="http://schemas.microsoft.com/office/powerpoint/2010/main" val="1536943792"/>
+      </p:ext>
+    </p:extLst>
+  </p:cSld>
+  <p:clrMapOvr>
+    <a:masterClrMapping/>
+  </p:clrMapOvr>
+</p:sld>
+</file>
+
 <file path=ppt/slides/slide3.xml><?xml version="1.0" encoding="utf-8"?>
 <p:sld xmlns:a="http://schemas.openxmlformats.org/drawingml/2006/main" xmlns:r="http://schemas.openxmlformats.org/officeDocument/2006/relationships" xmlns:p="http://schemas.openxmlformats.org/presentationml/2006/main">
   <p:cSld>
@@ -21131,6 +21923,1881 @@
     <p:extLst>
       <p:ext uri="{BB962C8B-B14F-4D97-AF65-F5344CB8AC3E}">
         <p14:creationId xmlns:p14="http://schemas.microsoft.com/office/powerpoint/2010/main" val="578291084"/>
+      </p:ext>
+    </p:extLst>
+  </p:cSld>
+  <p:clrMapOvr>
+    <a:masterClrMapping/>
+  </p:clrMapOvr>
+</p:sld>
+</file>
+
+<file path=ppt/slides/slide30.xml><?xml version="1.0" encoding="utf-8"?>
+<p:sld xmlns:a="http://schemas.openxmlformats.org/drawingml/2006/main" xmlns:r="http://schemas.openxmlformats.org/officeDocument/2006/relationships" xmlns:p="http://schemas.openxmlformats.org/presentationml/2006/main">
+  <p:cSld>
+    <p:spTree>
+      <p:nvGrpSpPr>
+        <p:cNvPr id="1" name=""/>
+        <p:cNvGrpSpPr/>
+        <p:nvPr/>
+      </p:nvGrpSpPr>
+      <p:grpSpPr>
+        <a:xfrm>
+          <a:off x="0" y="0"/>
+          <a:ext cx="0" cy="0"/>
+          <a:chOff x="0" y="0"/>
+          <a:chExt cx="0" cy="0"/>
+        </a:xfrm>
+      </p:grpSpPr>
+      <p:sp>
+        <p:nvSpPr>
+          <p:cNvPr id="3" name="TextBox 2">
+            <a:extLst>
+              <a:ext uri="{FF2B5EF4-FFF2-40B4-BE49-F238E27FC236}">
+                <a16:creationId xmlns:a16="http://schemas.microsoft.com/office/drawing/2014/main" id="{CD92112A-D7BC-76C3-408F-AC19DFD3C328}"/>
+              </a:ext>
+            </a:extLst>
+          </p:cNvPr>
+          <p:cNvSpPr txBox="1"/>
+          <p:nvPr/>
+        </p:nvSpPr>
+        <p:spPr>
+          <a:xfrm>
+            <a:off x="1888066" y="1610267"/>
+            <a:ext cx="6096000" cy="1200329"/>
+          </a:xfrm>
+          <a:prstGeom prst="rect">
+            <a:avLst/>
+          </a:prstGeom>
+          <a:noFill/>
+        </p:spPr>
+        <p:txBody>
+          <a:bodyPr wrap="square">
+            <a:spAutoFit/>
+          </a:bodyPr>
+          <a:lstStyle/>
+          <a:p>
+            <a:r>
+              <a:rPr lang="en-IN" dirty="0"/>
+              <a:t>Create Angular App with SSR</a:t>
+            </a:r>
+          </a:p>
+          <a:p>
+            <a:endParaRPr lang="en-IN" dirty="0"/>
+          </a:p>
+          <a:p>
+            <a:endParaRPr lang="en-IN" dirty="0"/>
+          </a:p>
+          <a:p>
+            <a:r>
+              <a:rPr lang="en-IN" dirty="0"/>
+              <a:t>ng new --</a:t>
+            </a:r>
+            <a:r>
+              <a:rPr lang="en-IN" dirty="0" err="1"/>
+              <a:t>ssr</a:t>
+            </a:r>
+            <a:endParaRPr lang="en-IN" dirty="0"/>
+          </a:p>
+        </p:txBody>
+      </p:sp>
+      <p:sp>
+        <p:nvSpPr>
+          <p:cNvPr id="5" name="TextBox 4">
+            <a:extLst>
+              <a:ext uri="{FF2B5EF4-FFF2-40B4-BE49-F238E27FC236}">
+                <a16:creationId xmlns:a16="http://schemas.microsoft.com/office/drawing/2014/main" id="{65A9F07A-30A1-9FD8-E46B-20A8C8D3EEF5}"/>
+              </a:ext>
+            </a:extLst>
+          </p:cNvPr>
+          <p:cNvSpPr txBox="1"/>
+          <p:nvPr/>
+        </p:nvSpPr>
+        <p:spPr>
+          <a:xfrm>
+            <a:off x="1888066" y="3059668"/>
+            <a:ext cx="6096000" cy="923330"/>
+          </a:xfrm>
+          <a:prstGeom prst="rect">
+            <a:avLst/>
+          </a:prstGeom>
+          <a:noFill/>
+        </p:spPr>
+        <p:txBody>
+          <a:bodyPr wrap="square">
+            <a:spAutoFit/>
+          </a:bodyPr>
+          <a:lstStyle/>
+          <a:p>
+            <a:r>
+              <a:rPr lang="en-IN" dirty="0"/>
+              <a:t>For existing Angular App, enabling and adding SSR</a:t>
+            </a:r>
+          </a:p>
+          <a:p>
+            <a:endParaRPr lang="en-IN" dirty="0"/>
+          </a:p>
+          <a:p>
+            <a:r>
+              <a:rPr lang="en-IN" dirty="0"/>
+              <a:t>ng add @angular/ssr</a:t>
+            </a:r>
+          </a:p>
+        </p:txBody>
+      </p:sp>
+      <p:sp>
+        <p:nvSpPr>
+          <p:cNvPr id="7" name="TextBox 6">
+            <a:extLst>
+              <a:ext uri="{FF2B5EF4-FFF2-40B4-BE49-F238E27FC236}">
+                <a16:creationId xmlns:a16="http://schemas.microsoft.com/office/drawing/2014/main" id="{DCA72829-F706-E1AB-1E8A-6EBF26DD56F9}"/>
+              </a:ext>
+            </a:extLst>
+          </p:cNvPr>
+          <p:cNvSpPr txBox="1"/>
+          <p:nvPr/>
+        </p:nvSpPr>
+        <p:spPr>
+          <a:xfrm>
+            <a:off x="5435600" y="4306838"/>
+            <a:ext cx="6096000" cy="2308324"/>
+          </a:xfrm>
+          <a:prstGeom prst="rect">
+            <a:avLst/>
+          </a:prstGeom>
+          <a:noFill/>
+        </p:spPr>
+        <p:txBody>
+          <a:bodyPr wrap="square">
+            <a:spAutoFit/>
+          </a:bodyPr>
+          <a:lstStyle/>
+          <a:p>
+            <a:r>
+              <a:rPr lang="en-IN" dirty="0"/>
+              <a:t>my-app</a:t>
+            </a:r>
+          </a:p>
+          <a:p>
+            <a:r>
+              <a:rPr lang="en-IN" dirty="0"/>
+              <a:t>|-- </a:t>
+            </a:r>
+            <a:r>
+              <a:rPr lang="en-IN" dirty="0" err="1"/>
+              <a:t>server.ts</a:t>
+            </a:r>
+            <a:r>
+              <a:rPr lang="en-IN" dirty="0"/>
+              <a:t>                       # application server</a:t>
+            </a:r>
+          </a:p>
+          <a:p>
+            <a:r>
+              <a:rPr lang="en-IN" dirty="0"/>
+              <a:t>└── </a:t>
+            </a:r>
+            <a:r>
+              <a:rPr lang="en-IN" dirty="0" err="1"/>
+              <a:t>src</a:t>
+            </a:r>
+            <a:endParaRPr lang="en-IN" dirty="0"/>
+          </a:p>
+          <a:p>
+            <a:r>
+              <a:rPr lang="en-IN" dirty="0"/>
+              <a:t>    |-- app</a:t>
+            </a:r>
+          </a:p>
+          <a:p>
+            <a:r>
+              <a:rPr lang="en-IN" dirty="0"/>
+              <a:t>    |   └── </a:t>
+            </a:r>
+            <a:r>
+              <a:rPr lang="en-IN" dirty="0" err="1"/>
+              <a:t>app.config.server.ts</a:t>
+            </a:r>
+            <a:r>
+              <a:rPr lang="en-IN" dirty="0"/>
+              <a:t>    # server application configuration</a:t>
+            </a:r>
+          </a:p>
+          <a:p>
+            <a:r>
+              <a:rPr lang="en-IN" dirty="0"/>
+              <a:t>    └── </a:t>
+            </a:r>
+            <a:r>
+              <a:rPr lang="en-IN" dirty="0" err="1"/>
+              <a:t>main.server.ts</a:t>
+            </a:r>
+            <a:r>
+              <a:rPr lang="en-IN" dirty="0"/>
+              <a:t>              # main server application bootstrapping</a:t>
+            </a:r>
+          </a:p>
+        </p:txBody>
+      </p:sp>
+    </p:spTree>
+    <p:extLst>
+      <p:ext uri="{BB962C8B-B14F-4D97-AF65-F5344CB8AC3E}">
+        <p14:creationId xmlns:p14="http://schemas.microsoft.com/office/powerpoint/2010/main" val="1383250394"/>
+      </p:ext>
+    </p:extLst>
+  </p:cSld>
+  <p:clrMapOvr>
+    <a:masterClrMapping/>
+  </p:clrMapOvr>
+</p:sld>
+</file>
+
+<file path=ppt/slides/slide31.xml><?xml version="1.0" encoding="utf-8"?>
+<p:sld xmlns:a="http://schemas.openxmlformats.org/drawingml/2006/main" xmlns:r="http://schemas.openxmlformats.org/officeDocument/2006/relationships" xmlns:p="http://schemas.openxmlformats.org/presentationml/2006/main">
+  <p:cSld>
+    <p:bg>
+      <p:bgPr>
+        <a:solidFill>
+          <a:schemeClr val="bg1"/>
+        </a:solidFill>
+        <a:effectLst/>
+      </p:bgPr>
+    </p:bg>
+    <p:spTree>
+      <p:nvGrpSpPr>
+        <p:cNvPr id="1" name=""/>
+        <p:cNvGrpSpPr/>
+        <p:nvPr/>
+      </p:nvGrpSpPr>
+      <p:grpSpPr>
+        <a:xfrm>
+          <a:off x="0" y="0"/>
+          <a:ext cx="0" cy="0"/>
+          <a:chOff x="0" y="0"/>
+          <a:chExt cx="0" cy="0"/>
+        </a:xfrm>
+      </p:grpSpPr>
+      <p:sp useBgFill="1">
+        <p:nvSpPr>
+          <p:cNvPr id="17" name="Rectangle 16">
+            <a:extLst>
+              <a:ext uri="{FF2B5EF4-FFF2-40B4-BE49-F238E27FC236}">
+                <a16:creationId xmlns:a16="http://schemas.microsoft.com/office/drawing/2014/main" id="{3AFE8227-C443-417B-BA91-520EB1EF4559}"/>
+              </a:ext>
+              <a:ext uri="{C183D7F6-B498-43B3-948B-1728B52AA6E4}">
+                <adec:decorative xmlns:adec="http://schemas.microsoft.com/office/drawing/2017/decorative" val="1"/>
+              </a:ext>
+            </a:extLst>
+          </p:cNvPr>
+          <p:cNvSpPr>
+            <a:spLocks noGrp="1" noRot="1" noChangeAspect="1" noMove="1" noResize="1" noEditPoints="1" noAdjustHandles="1" noChangeArrowheads="1" noChangeShapeType="1" noTextEdit="1"/>
+          </p:cNvSpPr>
+          <p:nvPr>
+            <p:extLst>
+              <p:ext uri="{386F3935-93C4-4BCD-93E2-E3B085C9AB24}">
+                <p16:designElem xmlns:p16="http://schemas.microsoft.com/office/powerpoint/2015/main" val="1"/>
+              </p:ext>
+            </p:extLst>
+          </p:nvPr>
+        </p:nvSpPr>
+        <p:spPr>
+          <a:xfrm>
+            <a:off x="0" y="2"/>
+            <a:ext cx="12192000" cy="6857997"/>
+          </a:xfrm>
+          <a:prstGeom prst="rect">
+            <a:avLst/>
+          </a:prstGeom>
+          <a:ln>
+            <a:noFill/>
+          </a:ln>
+        </p:spPr>
+        <p:style>
+          <a:lnRef idx="2">
+            <a:schemeClr val="accent1">
+              <a:shade val="50000"/>
+            </a:schemeClr>
+          </a:lnRef>
+          <a:fillRef idx="1">
+            <a:schemeClr val="accent1"/>
+          </a:fillRef>
+          <a:effectRef idx="0">
+            <a:schemeClr val="accent1"/>
+          </a:effectRef>
+          <a:fontRef idx="minor">
+            <a:schemeClr val="lt1"/>
+          </a:fontRef>
+        </p:style>
+        <p:txBody>
+          <a:bodyPr rtlCol="0" anchor="ctr"/>
+          <a:lstStyle/>
+          <a:p>
+            <a:pPr algn="ctr"/>
+            <a:endParaRPr lang="en-US"/>
+          </a:p>
+        </p:txBody>
+      </p:sp>
+      <p:sp>
+        <p:nvSpPr>
+          <p:cNvPr id="3" name="TextBox 2">
+            <a:extLst>
+              <a:ext uri="{FF2B5EF4-FFF2-40B4-BE49-F238E27FC236}">
+                <a16:creationId xmlns:a16="http://schemas.microsoft.com/office/drawing/2014/main" id="{A25E27E9-A255-8A02-FBA1-F09D58F5C393}"/>
+              </a:ext>
+            </a:extLst>
+          </p:cNvPr>
+          <p:cNvSpPr txBox="1"/>
+          <p:nvPr/>
+        </p:nvSpPr>
+        <p:spPr>
+          <a:xfrm>
+            <a:off x="8643193" y="489507"/>
+            <a:ext cx="3091607" cy="1655483"/>
+          </a:xfrm>
+          <a:prstGeom prst="rect">
+            <a:avLst/>
+          </a:prstGeom>
+        </p:spPr>
+        <p:txBody>
+          <a:bodyPr vert="horz" lIns="91440" tIns="45720" rIns="91440" bIns="45720" rtlCol="0" anchor="b">
+            <a:normAutofit/>
+          </a:bodyPr>
+          <a:lstStyle/>
+          <a:p>
+            <a:pPr>
+              <a:lnSpc>
+                <a:spcPct val="90000"/>
+              </a:lnSpc>
+              <a:spcBef>
+                <a:spcPct val="0"/>
+              </a:spcBef>
+              <a:spcAft>
+                <a:spcPts val="600"/>
+              </a:spcAft>
+            </a:pPr>
+            <a:r>
+              <a:rPr lang="en-US" sz="3700" b="1" i="0">
+                <a:effectLst/>
+                <a:latin typeface="+mj-lt"/>
+                <a:ea typeface="+mj-ea"/>
+                <a:cs typeface="+mj-cs"/>
+              </a:rPr>
+              <a:t>Configure server-side rendering</a:t>
+            </a:r>
+            <a:endParaRPr lang="en-US" sz="3700" b="1">
+              <a:latin typeface="+mj-lt"/>
+              <a:ea typeface="+mj-ea"/>
+              <a:cs typeface="+mj-cs"/>
+            </a:endParaRPr>
+          </a:p>
+        </p:txBody>
+      </p:sp>
+      <p:pic>
+        <p:nvPicPr>
+          <p:cNvPr id="7" name="Picture 6" descr="A screenshot of a computer&#10;&#10;Description automatically generated">
+            <a:extLst>
+              <a:ext uri="{FF2B5EF4-FFF2-40B4-BE49-F238E27FC236}">
+                <a16:creationId xmlns:a16="http://schemas.microsoft.com/office/drawing/2014/main" id="{A7FA5BDF-8749-5268-940F-F865E708221B}"/>
+              </a:ext>
+            </a:extLst>
+          </p:cNvPr>
+          <p:cNvPicPr>
+            <a:picLocks noChangeAspect="1"/>
+          </p:cNvPicPr>
+          <p:nvPr/>
+        </p:nvPicPr>
+        <p:blipFill rotWithShape="1">
+          <a:blip r:embed="rId2"/>
+          <a:srcRect r="1542" b="2"/>
+          <a:stretch/>
+        </p:blipFill>
+        <p:spPr>
+          <a:xfrm>
+            <a:off x="20" y="431"/>
+            <a:ext cx="8115280" cy="6408311"/>
+          </a:xfrm>
+          <a:prstGeom prst="rect">
+            <a:avLst/>
+          </a:prstGeom>
+        </p:spPr>
+      </p:pic>
+      <p:sp>
+        <p:nvSpPr>
+          <p:cNvPr id="5" name="TextBox 4">
+            <a:extLst>
+              <a:ext uri="{FF2B5EF4-FFF2-40B4-BE49-F238E27FC236}">
+                <a16:creationId xmlns:a16="http://schemas.microsoft.com/office/drawing/2014/main" id="{72DFE414-7213-61C2-A286-64EF41CF9E8E}"/>
+              </a:ext>
+            </a:extLst>
+          </p:cNvPr>
+          <p:cNvSpPr txBox="1"/>
+          <p:nvPr/>
+        </p:nvSpPr>
+        <p:spPr>
+          <a:xfrm>
+            <a:off x="8212667" y="2319867"/>
+            <a:ext cx="3810000" cy="4048625"/>
+          </a:xfrm>
+          <a:prstGeom prst="rect">
+            <a:avLst/>
+          </a:prstGeom>
+        </p:spPr>
+        <p:txBody>
+          <a:bodyPr vert="horz" lIns="91440" tIns="45720" rIns="91440" bIns="45720" rtlCol="0">
+            <a:normAutofit lnSpcReduction="10000"/>
+          </a:bodyPr>
+          <a:lstStyle/>
+          <a:p>
+            <a:pPr>
+              <a:lnSpc>
+                <a:spcPct val="90000"/>
+              </a:lnSpc>
+              <a:spcAft>
+                <a:spcPts val="600"/>
+              </a:spcAft>
+            </a:pPr>
+            <a:r>
+              <a:rPr lang="en-US" sz="1200" b="1" dirty="0"/>
+              <a:t>// All regular routes use the Angular engine</a:t>
+            </a:r>
+          </a:p>
+          <a:p>
+            <a:pPr>
+              <a:lnSpc>
+                <a:spcPct val="90000"/>
+              </a:lnSpc>
+              <a:spcAft>
+                <a:spcPts val="600"/>
+              </a:spcAft>
+            </a:pPr>
+            <a:r>
+              <a:rPr lang="en-US" sz="1200" b="1" dirty="0" err="1"/>
+              <a:t>server.get</a:t>
+            </a:r>
+            <a:r>
+              <a:rPr lang="en-US" sz="1200" b="1" dirty="0"/>
+              <a:t>('*', (req, res, next) =&gt; {</a:t>
+            </a:r>
+          </a:p>
+          <a:p>
+            <a:pPr>
+              <a:lnSpc>
+                <a:spcPct val="90000"/>
+              </a:lnSpc>
+              <a:spcAft>
+                <a:spcPts val="600"/>
+              </a:spcAft>
+            </a:pPr>
+            <a:r>
+              <a:rPr lang="en-US" sz="1200" b="1" dirty="0"/>
+              <a:t>  const {protocol, </a:t>
+            </a:r>
+            <a:r>
+              <a:rPr lang="en-US" sz="1200" b="1" dirty="0" err="1"/>
+              <a:t>originalUrl</a:t>
+            </a:r>
+            <a:r>
+              <a:rPr lang="en-US" sz="1200" b="1" dirty="0"/>
+              <a:t>, </a:t>
+            </a:r>
+            <a:r>
+              <a:rPr lang="en-US" sz="1200" b="1" dirty="0" err="1"/>
+              <a:t>baseUrl</a:t>
+            </a:r>
+            <a:r>
+              <a:rPr lang="en-US" sz="1200" b="1" dirty="0"/>
+              <a:t>, headers} = req;</a:t>
+            </a:r>
+          </a:p>
+          <a:p>
+            <a:pPr>
+              <a:lnSpc>
+                <a:spcPct val="90000"/>
+              </a:lnSpc>
+              <a:spcAft>
+                <a:spcPts val="600"/>
+              </a:spcAft>
+            </a:pPr>
+            <a:endParaRPr lang="en-US" sz="1200" b="1" dirty="0"/>
+          </a:p>
+          <a:p>
+            <a:pPr>
+              <a:lnSpc>
+                <a:spcPct val="90000"/>
+              </a:lnSpc>
+              <a:spcAft>
+                <a:spcPts val="600"/>
+              </a:spcAft>
+            </a:pPr>
+            <a:r>
+              <a:rPr lang="en-US" sz="1200" b="1" dirty="0"/>
+              <a:t>  </a:t>
+            </a:r>
+            <a:r>
+              <a:rPr lang="en-US" sz="1200" b="1" dirty="0" err="1"/>
+              <a:t>commonEngine</a:t>
+            </a:r>
+            <a:endParaRPr lang="en-US" sz="1200" b="1" dirty="0"/>
+          </a:p>
+          <a:p>
+            <a:pPr>
+              <a:lnSpc>
+                <a:spcPct val="90000"/>
+              </a:lnSpc>
+              <a:spcAft>
+                <a:spcPts val="600"/>
+              </a:spcAft>
+            </a:pPr>
+            <a:r>
+              <a:rPr lang="en-US" sz="1200" b="1" dirty="0"/>
+              <a:t>      .render({</a:t>
+            </a:r>
+          </a:p>
+          <a:p>
+            <a:pPr>
+              <a:lnSpc>
+                <a:spcPct val="90000"/>
+              </a:lnSpc>
+              <a:spcAft>
+                <a:spcPts val="600"/>
+              </a:spcAft>
+            </a:pPr>
+            <a:r>
+              <a:rPr lang="en-US" sz="1200" b="1" dirty="0"/>
+              <a:t>        bootstrap,</a:t>
+            </a:r>
+          </a:p>
+          <a:p>
+            <a:pPr>
+              <a:lnSpc>
+                <a:spcPct val="90000"/>
+              </a:lnSpc>
+              <a:spcAft>
+                <a:spcPts val="600"/>
+              </a:spcAft>
+            </a:pPr>
+            <a:r>
+              <a:rPr lang="en-US" sz="1200" b="1" dirty="0"/>
+              <a:t>        </a:t>
+            </a:r>
+            <a:r>
+              <a:rPr lang="en-US" sz="1200" b="1" dirty="0" err="1"/>
+              <a:t>documentFilePath</a:t>
+            </a:r>
+            <a:r>
+              <a:rPr lang="en-US" sz="1200" b="1" dirty="0"/>
+              <a:t>: </a:t>
+            </a:r>
+            <a:r>
+              <a:rPr lang="en-US" sz="1200" b="1" dirty="0" err="1"/>
+              <a:t>indexHtml</a:t>
+            </a:r>
+            <a:r>
+              <a:rPr lang="en-US" sz="1200" b="1" dirty="0"/>
+              <a:t>,</a:t>
+            </a:r>
+          </a:p>
+          <a:p>
+            <a:pPr>
+              <a:lnSpc>
+                <a:spcPct val="90000"/>
+              </a:lnSpc>
+              <a:spcAft>
+                <a:spcPts val="600"/>
+              </a:spcAft>
+            </a:pPr>
+            <a:r>
+              <a:rPr lang="en-US" sz="1200" b="1" dirty="0"/>
+              <a:t>        url: `${protocol}://${</a:t>
+            </a:r>
+            <a:r>
+              <a:rPr lang="en-US" sz="1200" b="1" dirty="0" err="1"/>
+              <a:t>headers.host</a:t>
+            </a:r>
+            <a:r>
+              <a:rPr lang="en-US" sz="1200" b="1" dirty="0"/>
+              <a:t>}${</a:t>
+            </a:r>
+            <a:r>
+              <a:rPr lang="en-US" sz="1200" b="1" dirty="0" err="1"/>
+              <a:t>originalUrl</a:t>
+            </a:r>
+            <a:r>
+              <a:rPr lang="en-US" sz="1200" b="1" dirty="0"/>
+              <a:t>}`,</a:t>
+            </a:r>
+          </a:p>
+          <a:p>
+            <a:pPr>
+              <a:lnSpc>
+                <a:spcPct val="90000"/>
+              </a:lnSpc>
+              <a:spcAft>
+                <a:spcPts val="600"/>
+              </a:spcAft>
+            </a:pPr>
+            <a:r>
+              <a:rPr lang="en-US" sz="1200" b="1" dirty="0"/>
+              <a:t>        </a:t>
+            </a:r>
+            <a:r>
+              <a:rPr lang="en-US" sz="1200" b="1" dirty="0" err="1"/>
+              <a:t>publicPath</a:t>
+            </a:r>
+            <a:r>
+              <a:rPr lang="en-US" sz="1200" b="1" dirty="0"/>
+              <a:t>: </a:t>
+            </a:r>
+            <a:r>
+              <a:rPr lang="en-US" sz="1200" b="1" dirty="0" err="1"/>
+              <a:t>browserDistFolder</a:t>
+            </a:r>
+            <a:r>
+              <a:rPr lang="en-US" sz="1200" b="1" dirty="0"/>
+              <a:t>,</a:t>
+            </a:r>
+          </a:p>
+          <a:p>
+            <a:pPr>
+              <a:lnSpc>
+                <a:spcPct val="90000"/>
+              </a:lnSpc>
+              <a:spcAft>
+                <a:spcPts val="600"/>
+              </a:spcAft>
+            </a:pPr>
+            <a:r>
+              <a:rPr lang="en-US" sz="1200" b="1" dirty="0"/>
+              <a:t>        providers: [{provide: APP_BASE_HREF, </a:t>
+            </a:r>
+            <a:r>
+              <a:rPr lang="en-US" sz="1200" b="1" dirty="0" err="1"/>
+              <a:t>useValue</a:t>
+            </a:r>
+            <a:r>
+              <a:rPr lang="en-US" sz="1200" b="1" dirty="0"/>
+              <a:t>: </a:t>
+            </a:r>
+            <a:r>
+              <a:rPr lang="en-US" sz="1200" b="1" dirty="0" err="1"/>
+              <a:t>req.baseUrl</a:t>
+            </a:r>
+            <a:r>
+              <a:rPr lang="en-US" sz="1200" b="1" dirty="0"/>
+              <a:t>}],</a:t>
+            </a:r>
+          </a:p>
+          <a:p>
+            <a:pPr>
+              <a:lnSpc>
+                <a:spcPct val="90000"/>
+              </a:lnSpc>
+              <a:spcAft>
+                <a:spcPts val="600"/>
+              </a:spcAft>
+            </a:pPr>
+            <a:r>
+              <a:rPr lang="en-US" sz="1200" b="1" dirty="0"/>
+              <a:t>      })</a:t>
+            </a:r>
+          </a:p>
+          <a:p>
+            <a:pPr>
+              <a:lnSpc>
+                <a:spcPct val="90000"/>
+              </a:lnSpc>
+              <a:spcAft>
+                <a:spcPts val="600"/>
+              </a:spcAft>
+            </a:pPr>
+            <a:r>
+              <a:rPr lang="en-US" sz="1200" b="1" dirty="0"/>
+              <a:t>      .then((html) =&gt; </a:t>
+            </a:r>
+            <a:r>
+              <a:rPr lang="en-US" sz="1200" b="1" dirty="0" err="1"/>
+              <a:t>res.send</a:t>
+            </a:r>
+            <a:r>
+              <a:rPr lang="en-US" sz="1200" b="1" dirty="0"/>
+              <a:t>(html))</a:t>
+            </a:r>
+          </a:p>
+          <a:p>
+            <a:pPr>
+              <a:lnSpc>
+                <a:spcPct val="90000"/>
+              </a:lnSpc>
+              <a:spcAft>
+                <a:spcPts val="600"/>
+              </a:spcAft>
+            </a:pPr>
+            <a:r>
+              <a:rPr lang="en-US" sz="1200" b="1" dirty="0"/>
+              <a:t>      .catch((err) =&gt; next(err));</a:t>
+            </a:r>
+          </a:p>
+          <a:p>
+            <a:pPr>
+              <a:lnSpc>
+                <a:spcPct val="90000"/>
+              </a:lnSpc>
+              <a:spcAft>
+                <a:spcPts val="600"/>
+              </a:spcAft>
+            </a:pPr>
+            <a:r>
+              <a:rPr lang="en-US" sz="1200" b="1" dirty="0"/>
+              <a:t>});</a:t>
+            </a:r>
+          </a:p>
+        </p:txBody>
+      </p:sp>
+      <p:sp>
+        <p:nvSpPr>
+          <p:cNvPr id="18" name="Rectangle 17">
+            <a:extLst>
+              <a:ext uri="{FF2B5EF4-FFF2-40B4-BE49-F238E27FC236}">
+                <a16:creationId xmlns:a16="http://schemas.microsoft.com/office/drawing/2014/main" id="{907741FC-B544-4A6E-B831-6789D042333D}"/>
+              </a:ext>
+              <a:ext uri="{C183D7F6-B498-43B3-948B-1728B52AA6E4}">
+                <adec:decorative xmlns:adec="http://schemas.microsoft.com/office/drawing/2017/decorative" val="1"/>
+              </a:ext>
+            </a:extLst>
+          </p:cNvPr>
+          <p:cNvSpPr>
+            <a:spLocks noGrp="1" noRot="1" noChangeAspect="1" noMove="1" noResize="1" noEditPoints="1" noAdjustHandles="1" noChangeArrowheads="1" noChangeShapeType="1" noTextEdit="1"/>
+          </p:cNvSpPr>
+          <p:nvPr>
+            <p:extLst>
+              <p:ext uri="{386F3935-93C4-4BCD-93E2-E3B085C9AB24}">
+                <p16:designElem xmlns:p16="http://schemas.microsoft.com/office/powerpoint/2015/main" val="1"/>
+              </p:ext>
+            </p:extLst>
+          </p:nvPr>
+        </p:nvSpPr>
+        <p:spPr>
+          <a:xfrm flipH="1">
+            <a:off x="-1" y="6408741"/>
+            <a:ext cx="12191998" cy="457202"/>
+          </a:xfrm>
+          <a:prstGeom prst="rect">
+            <a:avLst/>
+          </a:prstGeom>
+          <a:gradFill>
+            <a:gsLst>
+              <a:gs pos="34000">
+                <a:srgbClr val="000000">
+                  <a:alpha val="96000"/>
+                </a:srgbClr>
+              </a:gs>
+              <a:gs pos="100000">
+                <a:schemeClr val="accent1"/>
+              </a:gs>
+            </a:gsLst>
+            <a:lin ang="8400000" scaled="0"/>
+          </a:gradFill>
+          <a:ln>
+            <a:noFill/>
+          </a:ln>
+        </p:spPr>
+        <p:style>
+          <a:lnRef idx="2">
+            <a:schemeClr val="accent1">
+              <a:shade val="50000"/>
+            </a:schemeClr>
+          </a:lnRef>
+          <a:fillRef idx="1">
+            <a:schemeClr val="accent1"/>
+          </a:fillRef>
+          <a:effectRef idx="0">
+            <a:schemeClr val="accent1"/>
+          </a:effectRef>
+          <a:fontRef idx="minor">
+            <a:schemeClr val="lt1"/>
+          </a:fontRef>
+        </p:style>
+        <p:txBody>
+          <a:bodyPr rtlCol="0" anchor="ctr"/>
+          <a:lstStyle/>
+          <a:p>
+            <a:pPr algn="ctr"/>
+            <a:endParaRPr lang="en-US"/>
+          </a:p>
+        </p:txBody>
+      </p:sp>
+      <p:sp>
+        <p:nvSpPr>
+          <p:cNvPr id="16" name="Rectangle 15">
+            <a:extLst>
+              <a:ext uri="{FF2B5EF4-FFF2-40B4-BE49-F238E27FC236}">
+                <a16:creationId xmlns:a16="http://schemas.microsoft.com/office/drawing/2014/main" id="{3F0BE7ED-7814-4273-B18A-F26CC0380380}"/>
+              </a:ext>
+              <a:ext uri="{C183D7F6-B498-43B3-948B-1728B52AA6E4}">
+                <adec:decorative xmlns:adec="http://schemas.microsoft.com/office/drawing/2017/decorative" val="1"/>
+              </a:ext>
+            </a:extLst>
+          </p:cNvPr>
+          <p:cNvSpPr>
+            <a:spLocks noGrp="1" noRot="1" noChangeAspect="1" noMove="1" noResize="1" noEditPoints="1" noAdjustHandles="1" noChangeArrowheads="1" noChangeShapeType="1" noTextEdit="1"/>
+          </p:cNvSpPr>
+          <p:nvPr>
+            <p:extLst>
+              <p:ext uri="{386F3935-93C4-4BCD-93E2-E3B085C9AB24}">
+                <p16:designElem xmlns:p16="http://schemas.microsoft.com/office/powerpoint/2015/main" val="1"/>
+              </p:ext>
+            </p:extLst>
+          </p:nvPr>
+        </p:nvSpPr>
+        <p:spPr>
+          <a:xfrm flipH="1">
+            <a:off x="-4" y="6408742"/>
+            <a:ext cx="8115300" cy="449258"/>
+          </a:xfrm>
+          <a:prstGeom prst="rect">
+            <a:avLst/>
+          </a:prstGeom>
+          <a:gradFill>
+            <a:gsLst>
+              <a:gs pos="28000">
+                <a:schemeClr val="accent1">
+                  <a:lumMod val="75000"/>
+                  <a:alpha val="59000"/>
+                </a:schemeClr>
+              </a:gs>
+              <a:gs pos="100000">
+                <a:srgbClr val="000000">
+                  <a:alpha val="70000"/>
+                </a:srgbClr>
+              </a:gs>
+            </a:gsLst>
+            <a:lin ang="11400000" scaled="0"/>
+          </a:gradFill>
+          <a:ln>
+            <a:noFill/>
+          </a:ln>
+        </p:spPr>
+        <p:style>
+          <a:lnRef idx="2">
+            <a:schemeClr val="accent1">
+              <a:shade val="50000"/>
+            </a:schemeClr>
+          </a:lnRef>
+          <a:fillRef idx="1">
+            <a:schemeClr val="accent1"/>
+          </a:fillRef>
+          <a:effectRef idx="0">
+            <a:schemeClr val="accent1"/>
+          </a:effectRef>
+          <a:fontRef idx="minor">
+            <a:schemeClr val="lt1"/>
+          </a:fontRef>
+        </p:style>
+        <p:txBody>
+          <a:bodyPr rtlCol="0" anchor="ctr"/>
+          <a:lstStyle/>
+          <a:p>
+            <a:pPr algn="ctr"/>
+            <a:endParaRPr lang="en-US"/>
+          </a:p>
+        </p:txBody>
+      </p:sp>
+      <p:cxnSp>
+        <p:nvCxnSpPr>
+          <p:cNvPr id="9" name="Straight Arrow Connector 8">
+            <a:extLst>
+              <a:ext uri="{FF2B5EF4-FFF2-40B4-BE49-F238E27FC236}">
+                <a16:creationId xmlns:a16="http://schemas.microsoft.com/office/drawing/2014/main" id="{7CBCA4E7-2EF9-A153-DA3D-DD74D0C9D1E7}"/>
+              </a:ext>
+            </a:extLst>
+          </p:cNvPr>
+          <p:cNvCxnSpPr/>
+          <p:nvPr/>
+        </p:nvCxnSpPr>
+        <p:spPr>
+          <a:xfrm>
+            <a:off x="6629400" y="1684867"/>
+            <a:ext cx="1879600" cy="2226733"/>
+          </a:xfrm>
+          <a:prstGeom prst="straightConnector1">
+            <a:avLst/>
+          </a:prstGeom>
+          <a:ln w="3175">
+            <a:tailEnd type="triangle"/>
+          </a:ln>
+        </p:spPr>
+        <p:style>
+          <a:lnRef idx="2">
+            <a:schemeClr val="accent1"/>
+          </a:lnRef>
+          <a:fillRef idx="0">
+            <a:schemeClr val="accent1"/>
+          </a:fillRef>
+          <a:effectRef idx="1">
+            <a:schemeClr val="accent1"/>
+          </a:effectRef>
+          <a:fontRef idx="minor">
+            <a:schemeClr val="tx1"/>
+          </a:fontRef>
+        </p:style>
+      </p:cxnSp>
+      <p:cxnSp>
+        <p:nvCxnSpPr>
+          <p:cNvPr id="11" name="Straight Arrow Connector 10">
+            <a:extLst>
+              <a:ext uri="{FF2B5EF4-FFF2-40B4-BE49-F238E27FC236}">
+                <a16:creationId xmlns:a16="http://schemas.microsoft.com/office/drawing/2014/main" id="{381C25E2-2F7E-30F1-6081-38F9A48011B2}"/>
+              </a:ext>
+            </a:extLst>
+          </p:cNvPr>
+          <p:cNvCxnSpPr/>
+          <p:nvPr/>
+        </p:nvCxnSpPr>
+        <p:spPr>
+          <a:xfrm>
+            <a:off x="6705600" y="2429933"/>
+            <a:ext cx="1862667" cy="2514600"/>
+          </a:xfrm>
+          <a:prstGeom prst="straightConnector1">
+            <a:avLst/>
+          </a:prstGeom>
+          <a:ln w="3175">
+            <a:tailEnd type="triangle"/>
+          </a:ln>
+        </p:spPr>
+        <p:style>
+          <a:lnRef idx="2">
+            <a:schemeClr val="accent1"/>
+          </a:lnRef>
+          <a:fillRef idx="0">
+            <a:schemeClr val="accent1"/>
+          </a:fillRef>
+          <a:effectRef idx="1">
+            <a:schemeClr val="accent1"/>
+          </a:effectRef>
+          <a:fontRef idx="minor">
+            <a:schemeClr val="tx1"/>
+          </a:fontRef>
+        </p:style>
+      </p:cxnSp>
+      <p:cxnSp>
+        <p:nvCxnSpPr>
+          <p:cNvPr id="15" name="Straight Arrow Connector 14">
+            <a:extLst>
+              <a:ext uri="{FF2B5EF4-FFF2-40B4-BE49-F238E27FC236}">
+                <a16:creationId xmlns:a16="http://schemas.microsoft.com/office/drawing/2014/main" id="{DBA57C01-6637-0A08-3D54-A419A58617BD}"/>
+              </a:ext>
+            </a:extLst>
+          </p:cNvPr>
+          <p:cNvCxnSpPr/>
+          <p:nvPr/>
+        </p:nvCxnSpPr>
+        <p:spPr>
+          <a:xfrm>
+            <a:off x="5029200" y="3048000"/>
+            <a:ext cx="3479800" cy="1303867"/>
+          </a:xfrm>
+          <a:prstGeom prst="straightConnector1">
+            <a:avLst/>
+          </a:prstGeom>
+          <a:ln w="3175">
+            <a:tailEnd type="triangle"/>
+          </a:ln>
+        </p:spPr>
+        <p:style>
+          <a:lnRef idx="2">
+            <a:schemeClr val="accent1"/>
+          </a:lnRef>
+          <a:fillRef idx="0">
+            <a:schemeClr val="accent1"/>
+          </a:fillRef>
+          <a:effectRef idx="1">
+            <a:schemeClr val="accent1"/>
+          </a:effectRef>
+          <a:fontRef idx="minor">
+            <a:schemeClr val="tx1"/>
+          </a:fontRef>
+        </p:style>
+      </p:cxnSp>
+      <p:cxnSp>
+        <p:nvCxnSpPr>
+          <p:cNvPr id="20" name="Straight Arrow Connector 19">
+            <a:extLst>
+              <a:ext uri="{FF2B5EF4-FFF2-40B4-BE49-F238E27FC236}">
+                <a16:creationId xmlns:a16="http://schemas.microsoft.com/office/drawing/2014/main" id="{02F3E77E-0DA1-07BC-490E-F9D2A9FD2AFD}"/>
+              </a:ext>
+            </a:extLst>
+          </p:cNvPr>
+          <p:cNvCxnSpPr/>
+          <p:nvPr/>
+        </p:nvCxnSpPr>
+        <p:spPr>
+          <a:xfrm>
+            <a:off x="5562601" y="4385733"/>
+            <a:ext cx="2946399" cy="338667"/>
+          </a:xfrm>
+          <a:prstGeom prst="straightConnector1">
+            <a:avLst/>
+          </a:prstGeom>
+          <a:ln w="3175">
+            <a:tailEnd type="triangle"/>
+          </a:ln>
+        </p:spPr>
+        <p:style>
+          <a:lnRef idx="2">
+            <a:schemeClr val="accent1"/>
+          </a:lnRef>
+          <a:fillRef idx="0">
+            <a:schemeClr val="accent1"/>
+          </a:fillRef>
+          <a:effectRef idx="1">
+            <a:schemeClr val="accent1"/>
+          </a:effectRef>
+          <a:fontRef idx="minor">
+            <a:schemeClr val="tx1"/>
+          </a:fontRef>
+        </p:style>
+      </p:cxnSp>
+      <p:cxnSp>
+        <p:nvCxnSpPr>
+          <p:cNvPr id="22" name="Straight Arrow Connector 21">
+            <a:extLst>
+              <a:ext uri="{FF2B5EF4-FFF2-40B4-BE49-F238E27FC236}">
+                <a16:creationId xmlns:a16="http://schemas.microsoft.com/office/drawing/2014/main" id="{E77C99FF-67CA-4C81-BFDA-D52E27BC2A6E}"/>
+              </a:ext>
+            </a:extLst>
+          </p:cNvPr>
+          <p:cNvCxnSpPr/>
+          <p:nvPr/>
+        </p:nvCxnSpPr>
+        <p:spPr>
+          <a:xfrm flipV="1">
+            <a:off x="6908800" y="4086477"/>
+            <a:ext cx="1600200" cy="1729598"/>
+          </a:xfrm>
+          <a:prstGeom prst="straightConnector1">
+            <a:avLst/>
+          </a:prstGeom>
+          <a:ln w="3175">
+            <a:tailEnd type="triangle"/>
+          </a:ln>
+        </p:spPr>
+        <p:style>
+          <a:lnRef idx="2">
+            <a:schemeClr val="accent1"/>
+          </a:lnRef>
+          <a:fillRef idx="0">
+            <a:schemeClr val="accent1"/>
+          </a:fillRef>
+          <a:effectRef idx="1">
+            <a:schemeClr val="accent1"/>
+          </a:effectRef>
+          <a:fontRef idx="minor">
+            <a:schemeClr val="tx1"/>
+          </a:fontRef>
+        </p:style>
+      </p:cxnSp>
+    </p:spTree>
+    <p:extLst>
+      <p:ext uri="{BB962C8B-B14F-4D97-AF65-F5344CB8AC3E}">
+        <p14:creationId xmlns:p14="http://schemas.microsoft.com/office/powerpoint/2010/main" val="1822123053"/>
+      </p:ext>
+    </p:extLst>
+  </p:cSld>
+  <p:clrMapOvr>
+    <a:masterClrMapping/>
+  </p:clrMapOvr>
+</p:sld>
+</file>
+
+<file path=ppt/slides/slide32.xml><?xml version="1.0" encoding="utf-8"?>
+<p:sld xmlns:a="http://schemas.openxmlformats.org/drawingml/2006/main" xmlns:r="http://schemas.openxmlformats.org/officeDocument/2006/relationships" xmlns:p="http://schemas.openxmlformats.org/presentationml/2006/main">
+  <p:cSld>
+    <p:spTree>
+      <p:nvGrpSpPr>
+        <p:cNvPr id="1" name=""/>
+        <p:cNvGrpSpPr/>
+        <p:nvPr/>
+      </p:nvGrpSpPr>
+      <p:grpSpPr>
+        <a:xfrm>
+          <a:off x="0" y="0"/>
+          <a:ext cx="0" cy="0"/>
+          <a:chOff x="0" y="0"/>
+          <a:chExt cx="0" cy="0"/>
+        </a:xfrm>
+      </p:grpSpPr>
+      <p:sp>
+        <p:nvSpPr>
+          <p:cNvPr id="3" name="TextBox 2">
+            <a:extLst>
+              <a:ext uri="{FF2B5EF4-FFF2-40B4-BE49-F238E27FC236}">
+                <a16:creationId xmlns:a16="http://schemas.microsoft.com/office/drawing/2014/main" id="{5E57585D-802A-419B-408D-F8BEFA22256D}"/>
+              </a:ext>
+            </a:extLst>
+          </p:cNvPr>
+          <p:cNvSpPr txBox="1"/>
+          <p:nvPr/>
+        </p:nvSpPr>
+        <p:spPr>
+          <a:xfrm>
+            <a:off x="2912533" y="80201"/>
+            <a:ext cx="6096000" cy="646331"/>
+          </a:xfrm>
+          <a:prstGeom prst="rect">
+            <a:avLst/>
+          </a:prstGeom>
+          <a:noFill/>
+        </p:spPr>
+        <p:txBody>
+          <a:bodyPr wrap="square">
+            <a:spAutoFit/>
+          </a:bodyPr>
+          <a:lstStyle/>
+          <a:p>
+            <a:pPr algn="ctr"/>
+            <a:r>
+              <a:rPr lang="en-IN" sz="3600" b="1" i="0" dirty="0">
+                <a:solidFill>
+                  <a:srgbClr val="333333"/>
+                </a:solidFill>
+                <a:effectLst/>
+                <a:latin typeface="Roboto" panose="02000000000000000000" pitchFamily="2" charset="0"/>
+              </a:rPr>
+              <a:t>Hydration</a:t>
+            </a:r>
+            <a:endParaRPr lang="en-IN" sz="3600" b="1" dirty="0"/>
+          </a:p>
+        </p:txBody>
+      </p:sp>
+      <p:sp>
+        <p:nvSpPr>
+          <p:cNvPr id="5" name="TextBox 4">
+            <a:extLst>
+              <a:ext uri="{FF2B5EF4-FFF2-40B4-BE49-F238E27FC236}">
+                <a16:creationId xmlns:a16="http://schemas.microsoft.com/office/drawing/2014/main" id="{4A475AC1-74E2-E114-DA05-3D68DB941ACE}"/>
+              </a:ext>
+            </a:extLst>
+          </p:cNvPr>
+          <p:cNvSpPr txBox="1"/>
+          <p:nvPr/>
+        </p:nvSpPr>
+        <p:spPr>
+          <a:xfrm>
+            <a:off x="1083734" y="920621"/>
+            <a:ext cx="9643533" cy="5016758"/>
+          </a:xfrm>
+          <a:prstGeom prst="rect">
+            <a:avLst/>
+          </a:prstGeom>
+          <a:noFill/>
+          <a:ln w="57150">
+            <a:solidFill>
+              <a:schemeClr val="tx1"/>
+            </a:solidFill>
+          </a:ln>
+        </p:spPr>
+        <p:txBody>
+          <a:bodyPr wrap="square">
+            <a:spAutoFit/>
+          </a:bodyPr>
+          <a:lstStyle/>
+          <a:p>
+            <a:pPr algn="ctr"/>
+            <a:r>
+              <a:rPr lang="en-US" sz="3200" b="1" i="0" dirty="0">
+                <a:solidFill>
+                  <a:srgbClr val="444444"/>
+                </a:solidFill>
+                <a:effectLst/>
+                <a:latin typeface="Roboto" panose="02000000000000000000" pitchFamily="2" charset="0"/>
+              </a:rPr>
+              <a:t>Hydration is the process that restores the server side rendered application on the client. </a:t>
+            </a:r>
+          </a:p>
+          <a:p>
+            <a:pPr algn="ctr"/>
+            <a:endParaRPr lang="en-US" sz="3200" b="1" i="0" dirty="0">
+              <a:solidFill>
+                <a:srgbClr val="444444"/>
+              </a:solidFill>
+              <a:effectLst/>
+              <a:latin typeface="Roboto" panose="02000000000000000000" pitchFamily="2" charset="0"/>
+            </a:endParaRPr>
+          </a:p>
+          <a:p>
+            <a:pPr algn="ctr"/>
+            <a:r>
+              <a:rPr lang="en-US" sz="3200" b="1" i="0" dirty="0">
+                <a:solidFill>
+                  <a:srgbClr val="444444"/>
+                </a:solidFill>
+                <a:effectLst/>
+                <a:latin typeface="Roboto" panose="02000000000000000000" pitchFamily="2" charset="0"/>
+              </a:rPr>
+              <a:t>This includes things like reusing the server rendered DOM structures, persisting the application state, transferring application data that was retrieved already by the server, and other processes. </a:t>
+            </a:r>
+          </a:p>
+          <a:p>
+            <a:pPr algn="ctr"/>
+            <a:endParaRPr lang="en-US" sz="3200" b="1" i="0" dirty="0">
+              <a:solidFill>
+                <a:srgbClr val="444444"/>
+              </a:solidFill>
+              <a:effectLst/>
+              <a:latin typeface="Roboto" panose="02000000000000000000" pitchFamily="2" charset="0"/>
+            </a:endParaRPr>
+          </a:p>
+          <a:p>
+            <a:pPr algn="ctr"/>
+            <a:r>
+              <a:rPr lang="en-US" sz="3200" b="1" i="0" dirty="0">
+                <a:solidFill>
+                  <a:srgbClr val="444444"/>
+                </a:solidFill>
+                <a:effectLst/>
+                <a:latin typeface="Roboto" panose="02000000000000000000" pitchFamily="2" charset="0"/>
+              </a:rPr>
+              <a:t>Hydration is enabled by default when you use SSR.</a:t>
+            </a:r>
+            <a:endParaRPr lang="en-IN" sz="3200" b="1" dirty="0"/>
+          </a:p>
+        </p:txBody>
+      </p:sp>
+    </p:spTree>
+    <p:extLst>
+      <p:ext uri="{BB962C8B-B14F-4D97-AF65-F5344CB8AC3E}">
+        <p14:creationId xmlns:p14="http://schemas.microsoft.com/office/powerpoint/2010/main" val="3526874429"/>
+      </p:ext>
+    </p:extLst>
+  </p:cSld>
+  <p:clrMapOvr>
+    <a:masterClrMapping/>
+  </p:clrMapOvr>
+</p:sld>
+</file>
+
+<file path=ppt/slides/slide33.xml><?xml version="1.0" encoding="utf-8"?>
+<p:sld xmlns:a="http://schemas.openxmlformats.org/drawingml/2006/main" xmlns:r="http://schemas.openxmlformats.org/officeDocument/2006/relationships" xmlns:p="http://schemas.openxmlformats.org/presentationml/2006/main">
+  <p:cSld>
+    <p:spTree>
+      <p:nvGrpSpPr>
+        <p:cNvPr id="1" name=""/>
+        <p:cNvGrpSpPr/>
+        <p:nvPr/>
+      </p:nvGrpSpPr>
+      <p:grpSpPr>
+        <a:xfrm>
+          <a:off x="0" y="0"/>
+          <a:ext cx="0" cy="0"/>
+          <a:chOff x="0" y="0"/>
+          <a:chExt cx="0" cy="0"/>
+        </a:xfrm>
+      </p:grpSpPr>
+      <p:sp>
+        <p:nvSpPr>
+          <p:cNvPr id="3" name="TextBox 2">
+            <a:extLst>
+              <a:ext uri="{FF2B5EF4-FFF2-40B4-BE49-F238E27FC236}">
+                <a16:creationId xmlns:a16="http://schemas.microsoft.com/office/drawing/2014/main" id="{C1CB669E-90F7-83A5-CE12-EC61E57D4B37}"/>
+              </a:ext>
+            </a:extLst>
+          </p:cNvPr>
+          <p:cNvSpPr txBox="1"/>
+          <p:nvPr/>
+        </p:nvSpPr>
+        <p:spPr>
+          <a:xfrm>
+            <a:off x="855133" y="1363133"/>
+            <a:ext cx="9948334" cy="3139321"/>
+          </a:xfrm>
+          <a:prstGeom prst="rect">
+            <a:avLst/>
+          </a:prstGeom>
+          <a:noFill/>
+        </p:spPr>
+        <p:txBody>
+          <a:bodyPr wrap="square">
+            <a:spAutoFit/>
+          </a:bodyPr>
+          <a:lstStyle/>
+          <a:p>
+            <a:r>
+              <a:rPr lang="en-US" i="0" dirty="0">
+                <a:solidFill>
+                  <a:srgbClr val="444444"/>
+                </a:solidFill>
+                <a:effectLst/>
+                <a:latin typeface="Roboto" panose="02000000000000000000" pitchFamily="2" charset="0"/>
+              </a:rPr>
+              <a:t>Hydration improves application performance by avoiding extra work to re-create DOM nodes.</a:t>
+            </a:r>
+          </a:p>
+          <a:p>
+            <a:endParaRPr lang="en-US" dirty="0">
+              <a:solidFill>
+                <a:srgbClr val="444444"/>
+              </a:solidFill>
+              <a:latin typeface="Roboto" panose="02000000000000000000" pitchFamily="2" charset="0"/>
+            </a:endParaRPr>
+          </a:p>
+          <a:p>
+            <a:r>
+              <a:rPr lang="en-US" i="0" dirty="0">
+                <a:solidFill>
+                  <a:srgbClr val="444444"/>
+                </a:solidFill>
+                <a:effectLst/>
+                <a:latin typeface="Roboto" panose="02000000000000000000" pitchFamily="2" charset="0"/>
+              </a:rPr>
+              <a:t>Instead, Angular tries to match existing DOM elements to the applications structure at runtime and reuses DOM nodes when possible.</a:t>
+            </a:r>
+          </a:p>
+          <a:p>
+            <a:endParaRPr lang="en-US" dirty="0">
+              <a:solidFill>
+                <a:srgbClr val="444444"/>
+              </a:solidFill>
+              <a:latin typeface="Roboto" panose="02000000000000000000" pitchFamily="2" charset="0"/>
+            </a:endParaRPr>
+          </a:p>
+          <a:p>
+            <a:r>
+              <a:rPr lang="en-US" i="0" dirty="0">
+                <a:solidFill>
+                  <a:srgbClr val="444444"/>
+                </a:solidFill>
+                <a:effectLst/>
+                <a:latin typeface="Roboto" panose="02000000000000000000" pitchFamily="2" charset="0"/>
+              </a:rPr>
+              <a:t> This results in a performance improvement that can be measured using </a:t>
+            </a:r>
+            <a:r>
+              <a:rPr lang="en-US" i="0" u="none" strike="noStrike" dirty="0">
+                <a:solidFill>
+                  <a:srgbClr val="1976D2"/>
+                </a:solidFill>
+                <a:effectLst/>
+                <a:latin typeface="Roboto" panose="02000000000000000000" pitchFamily="2" charset="0"/>
+                <a:hlinkClick r:id="rId2"/>
+              </a:rPr>
+              <a:t>Core Web Vitals (CWV)</a:t>
+            </a:r>
+            <a:r>
+              <a:rPr lang="en-US" i="0" dirty="0">
+                <a:solidFill>
+                  <a:srgbClr val="444444"/>
+                </a:solidFill>
+                <a:effectLst/>
+                <a:latin typeface="Roboto" panose="02000000000000000000" pitchFamily="2" charset="0"/>
+              </a:rPr>
+              <a:t> statistics, such as reducing the First-</a:t>
+            </a:r>
+            <a:r>
+              <a:rPr lang="en-US" i="0" dirty="0" err="1">
+                <a:solidFill>
+                  <a:srgbClr val="444444"/>
+                </a:solidFill>
+                <a:effectLst/>
+                <a:latin typeface="Roboto" panose="02000000000000000000" pitchFamily="2" charset="0"/>
+              </a:rPr>
+              <a:t>contentful</a:t>
+            </a:r>
+            <a:r>
+              <a:rPr lang="en-US" i="0" dirty="0">
+                <a:solidFill>
+                  <a:srgbClr val="444444"/>
+                </a:solidFill>
+                <a:effectLst/>
+                <a:latin typeface="Roboto" panose="02000000000000000000" pitchFamily="2" charset="0"/>
+              </a:rPr>
+              <a:t> paint </a:t>
+            </a:r>
+            <a:r>
+              <a:rPr lang="en-US" i="0" u="none" strike="noStrike" dirty="0">
+                <a:solidFill>
+                  <a:srgbClr val="1976D2"/>
+                </a:solidFill>
+                <a:effectLst/>
+                <a:latin typeface="Roboto" panose="02000000000000000000" pitchFamily="2" charset="0"/>
+                <a:hlinkClick r:id="rId3"/>
+              </a:rPr>
+              <a:t>FCP</a:t>
+            </a:r>
+            <a:r>
+              <a:rPr lang="en-US" i="0" dirty="0">
+                <a:solidFill>
+                  <a:srgbClr val="444444"/>
+                </a:solidFill>
+                <a:effectLst/>
+                <a:latin typeface="Roboto" panose="02000000000000000000" pitchFamily="2" charset="0"/>
+              </a:rPr>
+              <a:t> and Largest </a:t>
+            </a:r>
+            <a:r>
+              <a:rPr lang="en-US" i="0" dirty="0" err="1">
+                <a:solidFill>
+                  <a:srgbClr val="444444"/>
+                </a:solidFill>
+                <a:effectLst/>
+                <a:latin typeface="Roboto" panose="02000000000000000000" pitchFamily="2" charset="0"/>
+              </a:rPr>
+              <a:t>Contentful</a:t>
+            </a:r>
+            <a:r>
+              <a:rPr lang="en-US" i="0" dirty="0">
+                <a:solidFill>
+                  <a:srgbClr val="444444"/>
+                </a:solidFill>
+                <a:effectLst/>
+                <a:latin typeface="Roboto" panose="02000000000000000000" pitchFamily="2" charset="0"/>
+              </a:rPr>
+              <a:t> Paint (</a:t>
+            </a:r>
+            <a:r>
+              <a:rPr lang="en-US" i="0" u="none" strike="noStrike" dirty="0">
+                <a:solidFill>
+                  <a:srgbClr val="1976D2"/>
+                </a:solidFill>
+                <a:effectLst/>
+                <a:latin typeface="Roboto" panose="02000000000000000000" pitchFamily="2" charset="0"/>
+                <a:hlinkClick r:id="rId4"/>
+              </a:rPr>
+              <a:t>LCP</a:t>
+            </a:r>
+            <a:r>
+              <a:rPr lang="en-US" i="0" dirty="0">
+                <a:solidFill>
+                  <a:srgbClr val="444444"/>
+                </a:solidFill>
+                <a:effectLst/>
+                <a:latin typeface="Roboto" panose="02000000000000000000" pitchFamily="2" charset="0"/>
+              </a:rPr>
+              <a:t>), as well as Cumulative Layout Shift (</a:t>
+            </a:r>
+            <a:r>
+              <a:rPr lang="en-US" i="0" u="none" strike="noStrike" dirty="0">
+                <a:solidFill>
+                  <a:srgbClr val="1976D2"/>
+                </a:solidFill>
+                <a:effectLst/>
+                <a:latin typeface="Roboto" panose="02000000000000000000" pitchFamily="2" charset="0"/>
+                <a:hlinkClick r:id="rId5"/>
+              </a:rPr>
+              <a:t>CLS</a:t>
+            </a:r>
+            <a:r>
+              <a:rPr lang="en-US" i="0" dirty="0">
+                <a:solidFill>
+                  <a:srgbClr val="444444"/>
+                </a:solidFill>
+                <a:effectLst/>
+                <a:latin typeface="Roboto" panose="02000000000000000000" pitchFamily="2" charset="0"/>
+              </a:rPr>
+              <a:t>). </a:t>
+            </a:r>
+          </a:p>
+          <a:p>
+            <a:endParaRPr lang="en-US" dirty="0">
+              <a:solidFill>
+                <a:srgbClr val="444444"/>
+              </a:solidFill>
+              <a:latin typeface="Roboto" panose="02000000000000000000" pitchFamily="2" charset="0"/>
+            </a:endParaRPr>
+          </a:p>
+          <a:p>
+            <a:endParaRPr lang="en-US" i="0" dirty="0">
+              <a:solidFill>
+                <a:srgbClr val="444444"/>
+              </a:solidFill>
+              <a:effectLst/>
+              <a:latin typeface="Roboto" panose="02000000000000000000" pitchFamily="2" charset="0"/>
+            </a:endParaRPr>
+          </a:p>
+          <a:p>
+            <a:r>
+              <a:rPr lang="en-US" i="0" dirty="0">
+                <a:solidFill>
+                  <a:srgbClr val="444444"/>
+                </a:solidFill>
+                <a:effectLst/>
+                <a:latin typeface="Roboto" panose="02000000000000000000" pitchFamily="2" charset="0"/>
+              </a:rPr>
+              <a:t>Improving these numbers also affects things like SEO performance.</a:t>
+            </a:r>
+            <a:endParaRPr lang="en-IN" dirty="0"/>
+          </a:p>
+        </p:txBody>
+      </p:sp>
+      <p:sp>
+        <p:nvSpPr>
+          <p:cNvPr id="5" name="TextBox 4">
+            <a:extLst>
+              <a:ext uri="{FF2B5EF4-FFF2-40B4-BE49-F238E27FC236}">
+                <a16:creationId xmlns:a16="http://schemas.microsoft.com/office/drawing/2014/main" id="{05BEE46E-B48A-C0AC-3C79-682777ABF85E}"/>
+              </a:ext>
+            </a:extLst>
+          </p:cNvPr>
+          <p:cNvSpPr txBox="1"/>
+          <p:nvPr/>
+        </p:nvSpPr>
+        <p:spPr>
+          <a:xfrm>
+            <a:off x="3141134" y="266468"/>
+            <a:ext cx="6096000" cy="584775"/>
+          </a:xfrm>
+          <a:prstGeom prst="rect">
+            <a:avLst/>
+          </a:prstGeom>
+          <a:noFill/>
+        </p:spPr>
+        <p:txBody>
+          <a:bodyPr wrap="square">
+            <a:spAutoFit/>
+          </a:bodyPr>
+          <a:lstStyle/>
+          <a:p>
+            <a:pPr algn="ctr"/>
+            <a:r>
+              <a:rPr lang="en-US" sz="3200" b="1" i="0" dirty="0">
+                <a:solidFill>
+                  <a:srgbClr val="333333"/>
+                </a:solidFill>
+                <a:effectLst/>
+                <a:latin typeface="Roboto" panose="02000000000000000000" pitchFamily="2" charset="0"/>
+              </a:rPr>
+              <a:t>Why is hydration important?</a:t>
+            </a:r>
+            <a:endParaRPr lang="en-IN" sz="3200" b="1" dirty="0"/>
+          </a:p>
+        </p:txBody>
+      </p:sp>
+    </p:spTree>
+    <p:extLst>
+      <p:ext uri="{BB962C8B-B14F-4D97-AF65-F5344CB8AC3E}">
+        <p14:creationId xmlns:p14="http://schemas.microsoft.com/office/powerpoint/2010/main" val="200849821"/>
+      </p:ext>
+    </p:extLst>
+  </p:cSld>
+  <p:clrMapOvr>
+    <a:masterClrMapping/>
+  </p:clrMapOvr>
+</p:sld>
+</file>
+
+<file path=ppt/slides/slide34.xml><?xml version="1.0" encoding="utf-8"?>
+<p:sld xmlns:a="http://schemas.openxmlformats.org/drawingml/2006/main" xmlns:r="http://schemas.openxmlformats.org/officeDocument/2006/relationships" xmlns:p="http://schemas.openxmlformats.org/presentationml/2006/main">
+  <p:cSld>
+    <p:spTree>
+      <p:nvGrpSpPr>
+        <p:cNvPr id="1" name=""/>
+        <p:cNvGrpSpPr/>
+        <p:nvPr/>
+      </p:nvGrpSpPr>
+      <p:grpSpPr>
+        <a:xfrm>
+          <a:off x="0" y="0"/>
+          <a:ext cx="0" cy="0"/>
+          <a:chOff x="0" y="0"/>
+          <a:chExt cx="0" cy="0"/>
+        </a:xfrm>
+      </p:grpSpPr>
+      <p:sp>
+        <p:nvSpPr>
+          <p:cNvPr id="3" name="TextBox 2">
+            <a:extLst>
+              <a:ext uri="{FF2B5EF4-FFF2-40B4-BE49-F238E27FC236}">
+                <a16:creationId xmlns:a16="http://schemas.microsoft.com/office/drawing/2014/main" id="{0A179C30-9398-6F35-6511-303FDEDA21F4}"/>
+              </a:ext>
+            </a:extLst>
+          </p:cNvPr>
+          <p:cNvSpPr txBox="1"/>
+          <p:nvPr/>
+        </p:nvSpPr>
+        <p:spPr>
+          <a:xfrm>
+            <a:off x="753533" y="86267"/>
+            <a:ext cx="11209867" cy="584775"/>
+          </a:xfrm>
+          <a:prstGeom prst="rect">
+            <a:avLst/>
+          </a:prstGeom>
+          <a:noFill/>
+          <a:ln w="38100">
+            <a:solidFill>
+              <a:schemeClr val="tx1"/>
+            </a:solidFill>
+          </a:ln>
+        </p:spPr>
+        <p:txBody>
+          <a:bodyPr wrap="square">
+            <a:spAutoFit/>
+          </a:bodyPr>
+          <a:lstStyle/>
+          <a:p>
+            <a:pPr algn="ctr"/>
+            <a:r>
+              <a:rPr lang="en-US" sz="3200" b="1" i="0" dirty="0">
+                <a:solidFill>
+                  <a:srgbClr val="333333"/>
+                </a:solidFill>
+                <a:effectLst/>
+                <a:latin typeface="Roboto" panose="02000000000000000000" pitchFamily="2" charset="0"/>
+              </a:rPr>
+              <a:t>Caching data when using HttpClient</a:t>
+            </a:r>
+          </a:p>
+        </p:txBody>
+      </p:sp>
+      <p:sp>
+        <p:nvSpPr>
+          <p:cNvPr id="6" name="TextBox 5">
+            <a:extLst>
+              <a:ext uri="{FF2B5EF4-FFF2-40B4-BE49-F238E27FC236}">
+                <a16:creationId xmlns:a16="http://schemas.microsoft.com/office/drawing/2014/main" id="{1B6992B1-EA4F-C957-ECFB-C3DA362487CC}"/>
+              </a:ext>
+            </a:extLst>
+          </p:cNvPr>
+          <p:cNvSpPr txBox="1"/>
+          <p:nvPr/>
+        </p:nvSpPr>
+        <p:spPr>
+          <a:xfrm>
+            <a:off x="0" y="829159"/>
+            <a:ext cx="7933267" cy="3293209"/>
+          </a:xfrm>
+          <a:prstGeom prst="rect">
+            <a:avLst/>
+          </a:prstGeom>
+          <a:noFill/>
+          <a:ln w="12700">
+            <a:solidFill>
+              <a:schemeClr val="tx1"/>
+            </a:solidFill>
+          </a:ln>
+        </p:spPr>
+        <p:txBody>
+          <a:bodyPr wrap="square">
+            <a:spAutoFit/>
+          </a:bodyPr>
+          <a:lstStyle/>
+          <a:p>
+            <a:pPr marL="285750" indent="-285750">
+              <a:buFont typeface="Arial" panose="020B0604020202020204" pitchFamily="34" charset="0"/>
+              <a:buChar char="•"/>
+            </a:pPr>
+            <a:r>
+              <a:rPr lang="en-IN" sz="1600" dirty="0"/>
+              <a:t>When SSR is enabled, HttpClient responses are cached while running on the server. </a:t>
+            </a:r>
+          </a:p>
+          <a:p>
+            <a:pPr marL="285750" indent="-285750">
+              <a:buFont typeface="Arial" panose="020B0604020202020204" pitchFamily="34" charset="0"/>
+              <a:buChar char="•"/>
+            </a:pPr>
+            <a:endParaRPr lang="en-IN" sz="1600" dirty="0"/>
+          </a:p>
+          <a:p>
+            <a:pPr marL="285750" indent="-285750">
+              <a:buFont typeface="Arial" panose="020B0604020202020204" pitchFamily="34" charset="0"/>
+              <a:buChar char="•"/>
+            </a:pPr>
+            <a:r>
+              <a:rPr lang="en-IN" sz="1600" dirty="0"/>
+              <a:t>After that this information is serialized and transferred to a browser as a part of the initial HTML sent from the server. </a:t>
+            </a:r>
+          </a:p>
+          <a:p>
+            <a:pPr marL="285750" indent="-285750">
+              <a:buFont typeface="Arial" panose="020B0604020202020204" pitchFamily="34" charset="0"/>
+              <a:buChar char="•"/>
+            </a:pPr>
+            <a:endParaRPr lang="en-IN" sz="1600" dirty="0"/>
+          </a:p>
+          <a:p>
+            <a:pPr marL="285750" indent="-285750">
+              <a:buFont typeface="Arial" panose="020B0604020202020204" pitchFamily="34" charset="0"/>
+              <a:buChar char="•"/>
+            </a:pPr>
+            <a:r>
+              <a:rPr lang="en-IN" sz="1600" dirty="0"/>
+              <a:t>In a browser, HttpClient checks whether it has data in the cache and if so, reuses it instead of making a new HTTP request during initial application rendering.</a:t>
+            </a:r>
+          </a:p>
+          <a:p>
+            <a:pPr marL="285750" indent="-285750">
+              <a:buFont typeface="Arial" panose="020B0604020202020204" pitchFamily="34" charset="0"/>
+              <a:buChar char="•"/>
+            </a:pPr>
+            <a:endParaRPr lang="en-IN" sz="1600" dirty="0"/>
+          </a:p>
+          <a:p>
+            <a:pPr marL="285750" indent="-285750">
+              <a:buFont typeface="Arial" panose="020B0604020202020204" pitchFamily="34" charset="0"/>
+              <a:buChar char="•"/>
+            </a:pPr>
+            <a:r>
+              <a:rPr lang="en-IN" sz="1600" dirty="0"/>
+              <a:t>HttpClient stops using the cache once an application becomes stable while running in a browser.</a:t>
+            </a:r>
+          </a:p>
+          <a:p>
+            <a:pPr marL="285750" indent="-285750">
+              <a:buFont typeface="Arial" panose="020B0604020202020204" pitchFamily="34" charset="0"/>
+              <a:buChar char="•"/>
+            </a:pPr>
+            <a:endParaRPr lang="en-IN" sz="1600" dirty="0"/>
+          </a:p>
+          <a:p>
+            <a:pPr marL="285750" indent="-285750">
+              <a:buFont typeface="Arial" panose="020B0604020202020204" pitchFamily="34" charset="0"/>
+              <a:buChar char="•"/>
+            </a:pPr>
+            <a:r>
+              <a:rPr lang="en-US" sz="1600" dirty="0"/>
+              <a:t>Caching is performed by default for all HEAD and GET requests. You can configure this cache by using </a:t>
+            </a:r>
+            <a:r>
+              <a:rPr lang="en-US" sz="1600" dirty="0" err="1"/>
+              <a:t>withHttpTransferCacheOptions</a:t>
+            </a:r>
+            <a:r>
+              <a:rPr lang="en-US" sz="1600" dirty="0"/>
+              <a:t> when providing hydration.</a:t>
+            </a:r>
+            <a:endParaRPr lang="en-IN" sz="1600" dirty="0"/>
+          </a:p>
+        </p:txBody>
+      </p:sp>
+      <p:sp>
+        <p:nvSpPr>
+          <p:cNvPr id="9" name="TextBox 8">
+            <a:extLst>
+              <a:ext uri="{FF2B5EF4-FFF2-40B4-BE49-F238E27FC236}">
+                <a16:creationId xmlns:a16="http://schemas.microsoft.com/office/drawing/2014/main" id="{C777B04F-AC31-55C2-0805-06752F812F33}"/>
+              </a:ext>
+            </a:extLst>
+          </p:cNvPr>
+          <p:cNvSpPr txBox="1"/>
+          <p:nvPr/>
+        </p:nvSpPr>
+        <p:spPr>
+          <a:xfrm>
+            <a:off x="5854700" y="4186410"/>
+            <a:ext cx="6108700" cy="2585323"/>
+          </a:xfrm>
+          <a:prstGeom prst="rect">
+            <a:avLst/>
+          </a:prstGeom>
+          <a:noFill/>
+          <a:ln w="12700">
+            <a:solidFill>
+              <a:schemeClr val="tx1"/>
+            </a:solidFill>
+          </a:ln>
+        </p:spPr>
+        <p:txBody>
+          <a:bodyPr wrap="square">
+            <a:spAutoFit/>
+          </a:bodyPr>
+          <a:lstStyle/>
+          <a:p>
+            <a:r>
+              <a:rPr lang="en-IN" dirty="0" err="1"/>
+              <a:t>bootstrapApplication</a:t>
+            </a:r>
+            <a:r>
+              <a:rPr lang="en-IN" dirty="0"/>
+              <a:t>(</a:t>
+            </a:r>
+            <a:r>
+              <a:rPr lang="en-IN" dirty="0" err="1"/>
+              <a:t>AppComponent</a:t>
+            </a:r>
+            <a:r>
+              <a:rPr lang="en-IN" dirty="0"/>
+              <a:t>, {</a:t>
+            </a:r>
+          </a:p>
+          <a:p>
+            <a:r>
+              <a:rPr lang="en-IN" dirty="0"/>
+              <a:t>  providers: [</a:t>
+            </a:r>
+          </a:p>
+          <a:p>
+            <a:r>
+              <a:rPr lang="en-IN" dirty="0"/>
+              <a:t>    </a:t>
+            </a:r>
+            <a:r>
+              <a:rPr lang="en-IN" dirty="0" err="1"/>
+              <a:t>provideClientHydration</a:t>
+            </a:r>
+            <a:r>
+              <a:rPr lang="en-IN" dirty="0"/>
+              <a:t>(</a:t>
+            </a:r>
+          </a:p>
+          <a:p>
+            <a:r>
+              <a:rPr lang="en-IN" dirty="0"/>
+              <a:t>      </a:t>
+            </a:r>
+            <a:r>
+              <a:rPr lang="en-IN" dirty="0" err="1"/>
+              <a:t>withHttpTransferCacheOptions</a:t>
+            </a:r>
+            <a:r>
+              <a:rPr lang="en-IN" dirty="0"/>
+              <a:t>({</a:t>
+            </a:r>
+          </a:p>
+          <a:p>
+            <a:r>
+              <a:rPr lang="en-IN" dirty="0"/>
+              <a:t>        </a:t>
+            </a:r>
+            <a:r>
+              <a:rPr lang="en-IN" dirty="0" err="1"/>
+              <a:t>includePostRequests</a:t>
+            </a:r>
+            <a:r>
+              <a:rPr lang="en-IN" dirty="0"/>
+              <a:t>: true,</a:t>
+            </a:r>
+          </a:p>
+          <a:p>
+            <a:r>
+              <a:rPr lang="en-IN" dirty="0"/>
+              <a:t>      }),</a:t>
+            </a:r>
+          </a:p>
+          <a:p>
+            <a:r>
+              <a:rPr lang="en-IN" dirty="0"/>
+              <a:t>    ),</a:t>
+            </a:r>
+          </a:p>
+          <a:p>
+            <a:r>
+              <a:rPr lang="en-IN" dirty="0"/>
+              <a:t>  ],</a:t>
+            </a:r>
+          </a:p>
+          <a:p>
+            <a:r>
+              <a:rPr lang="en-IN" dirty="0"/>
+              <a:t>});</a:t>
+            </a:r>
+          </a:p>
+        </p:txBody>
+      </p:sp>
+    </p:spTree>
+    <p:extLst>
+      <p:ext uri="{BB962C8B-B14F-4D97-AF65-F5344CB8AC3E}">
+        <p14:creationId xmlns:p14="http://schemas.microsoft.com/office/powerpoint/2010/main" val="4021256304"/>
       </p:ext>
     </p:extLst>
   </p:cSld>

--- a/my-ng-app/Angular_Training_Images.pptx
+++ b/my-ng-app/Angular_Training_Images.pptx
@@ -4,6 +4,9 @@
   <p:sldMasterIdLst>
     <p:sldMasterId id="2147483648" r:id="rId1"/>
   </p:sldMasterIdLst>
+  <p:notesMasterIdLst>
+    <p:notesMasterId r:id="rId40"/>
+  </p:notesMasterIdLst>
   <p:sldIdLst>
     <p:sldId id="256" r:id="rId2"/>
     <p:sldId id="257" r:id="rId3"/>
@@ -39,6 +42,10 @@
     <p:sldId id="287" r:id="rId33"/>
     <p:sldId id="288" r:id="rId34"/>
     <p:sldId id="289" r:id="rId35"/>
+    <p:sldId id="291" r:id="rId36"/>
+    <p:sldId id="290" r:id="rId37"/>
+    <p:sldId id="293" r:id="rId38"/>
+    <p:sldId id="292" r:id="rId39"/>
   </p:sldIdLst>
   <p:sldSz cx="12192000" cy="6858000"/>
   <p:notesSz cx="6858000" cy="9144000"/>
@@ -145,6 +152,440 @@
 </p:presentation>
 </file>
 
+<file path=ppt/notesMasters/notesMaster1.xml><?xml version="1.0" encoding="utf-8"?>
+<p:notesMaster xmlns:a="http://schemas.openxmlformats.org/drawingml/2006/main" xmlns:r="http://schemas.openxmlformats.org/officeDocument/2006/relationships" xmlns:p="http://schemas.openxmlformats.org/presentationml/2006/main">
+  <p:cSld>
+    <p:bg>
+      <p:bgRef idx="1001">
+        <a:schemeClr val="bg1"/>
+      </p:bgRef>
+    </p:bg>
+    <p:spTree>
+      <p:nvGrpSpPr>
+        <p:cNvPr id="1" name=""/>
+        <p:cNvGrpSpPr/>
+        <p:nvPr/>
+      </p:nvGrpSpPr>
+      <p:grpSpPr>
+        <a:xfrm>
+          <a:off x="0" y="0"/>
+          <a:ext cx="0" cy="0"/>
+          <a:chOff x="0" y="0"/>
+          <a:chExt cx="0" cy="0"/>
+        </a:xfrm>
+      </p:grpSpPr>
+      <p:sp>
+        <p:nvSpPr>
+          <p:cNvPr id="2" name="Header Placeholder 1"/>
+          <p:cNvSpPr>
+            <a:spLocks noGrp="1"/>
+          </p:cNvSpPr>
+          <p:nvPr>
+            <p:ph type="hdr" sz="quarter"/>
+          </p:nvPr>
+        </p:nvSpPr>
+        <p:spPr>
+          <a:xfrm>
+            <a:off x="0" y="0"/>
+            <a:ext cx="2971800" cy="458788"/>
+          </a:xfrm>
+          <a:prstGeom prst="rect">
+            <a:avLst/>
+          </a:prstGeom>
+        </p:spPr>
+        <p:txBody>
+          <a:bodyPr vert="horz" lIns="91440" tIns="45720" rIns="91440" bIns="45720" rtlCol="0"/>
+          <a:lstStyle>
+            <a:lvl1pPr algn="l">
+              <a:defRPr sz="1200"/>
+            </a:lvl1pPr>
+          </a:lstStyle>
+          <a:p>
+            <a:endParaRPr lang="en-IN"/>
+          </a:p>
+        </p:txBody>
+      </p:sp>
+      <p:sp>
+        <p:nvSpPr>
+          <p:cNvPr id="3" name="Date Placeholder 2"/>
+          <p:cNvSpPr>
+            <a:spLocks noGrp="1"/>
+          </p:cNvSpPr>
+          <p:nvPr>
+            <p:ph type="dt" idx="1"/>
+          </p:nvPr>
+        </p:nvSpPr>
+        <p:spPr>
+          <a:xfrm>
+            <a:off x="3884613" y="0"/>
+            <a:ext cx="2971800" cy="458788"/>
+          </a:xfrm>
+          <a:prstGeom prst="rect">
+            <a:avLst/>
+          </a:prstGeom>
+        </p:spPr>
+        <p:txBody>
+          <a:bodyPr vert="horz" lIns="91440" tIns="45720" rIns="91440" bIns="45720" rtlCol="0"/>
+          <a:lstStyle>
+            <a:lvl1pPr algn="r">
+              <a:defRPr sz="1200"/>
+            </a:lvl1pPr>
+          </a:lstStyle>
+          <a:p>
+            <a:fld id="{DF93E0C2-E96E-4876-AC08-E4ADA015AFF5}" type="datetimeFigureOut">
+              <a:rPr lang="en-IN" smtClean="0"/>
+              <a:t>18-04-2024</a:t>
+            </a:fld>
+            <a:endParaRPr lang="en-IN"/>
+          </a:p>
+        </p:txBody>
+      </p:sp>
+      <p:sp>
+        <p:nvSpPr>
+          <p:cNvPr id="4" name="Slide Image Placeholder 3"/>
+          <p:cNvSpPr>
+            <a:spLocks noGrp="1" noRot="1" noChangeAspect="1"/>
+          </p:cNvSpPr>
+          <p:nvPr>
+            <p:ph type="sldImg" idx="2"/>
+          </p:nvPr>
+        </p:nvSpPr>
+        <p:spPr>
+          <a:xfrm>
+            <a:off x="685800" y="1143000"/>
+            <a:ext cx="5486400" cy="3086100"/>
+          </a:xfrm>
+          <a:prstGeom prst="rect">
+            <a:avLst/>
+          </a:prstGeom>
+          <a:noFill/>
+          <a:ln w="12700">
+            <a:solidFill>
+              <a:prstClr val="black"/>
+            </a:solidFill>
+          </a:ln>
+        </p:spPr>
+        <p:txBody>
+          <a:bodyPr vert="horz" lIns="91440" tIns="45720" rIns="91440" bIns="45720" rtlCol="0" anchor="ctr"/>
+          <a:lstStyle/>
+          <a:p>
+            <a:endParaRPr lang="en-IN"/>
+          </a:p>
+        </p:txBody>
+      </p:sp>
+      <p:sp>
+        <p:nvSpPr>
+          <p:cNvPr id="5" name="Notes Placeholder 4"/>
+          <p:cNvSpPr>
+            <a:spLocks noGrp="1"/>
+          </p:cNvSpPr>
+          <p:nvPr>
+            <p:ph type="body" sz="quarter" idx="3"/>
+          </p:nvPr>
+        </p:nvSpPr>
+        <p:spPr>
+          <a:xfrm>
+            <a:off x="685800" y="4400550"/>
+            <a:ext cx="5486400" cy="3600450"/>
+          </a:xfrm>
+          <a:prstGeom prst="rect">
+            <a:avLst/>
+          </a:prstGeom>
+        </p:spPr>
+        <p:txBody>
+          <a:bodyPr vert="horz" lIns="91440" tIns="45720" rIns="91440" bIns="45720" rtlCol="0"/>
+          <a:lstStyle/>
+          <a:p>
+            <a:pPr lvl="0"/>
+            <a:r>
+              <a:rPr lang="en-US"/>
+              <a:t>Click to edit Master text styles</a:t>
+            </a:r>
+          </a:p>
+          <a:p>
+            <a:pPr lvl="1"/>
+            <a:r>
+              <a:rPr lang="en-US"/>
+              <a:t>Second level</a:t>
+            </a:r>
+          </a:p>
+          <a:p>
+            <a:pPr lvl="2"/>
+            <a:r>
+              <a:rPr lang="en-US"/>
+              <a:t>Third level</a:t>
+            </a:r>
+          </a:p>
+          <a:p>
+            <a:pPr lvl="3"/>
+            <a:r>
+              <a:rPr lang="en-US"/>
+              <a:t>Fourth level</a:t>
+            </a:r>
+          </a:p>
+          <a:p>
+            <a:pPr lvl="4"/>
+            <a:r>
+              <a:rPr lang="en-US"/>
+              <a:t>Fifth level</a:t>
+            </a:r>
+            <a:endParaRPr lang="en-IN"/>
+          </a:p>
+        </p:txBody>
+      </p:sp>
+      <p:sp>
+        <p:nvSpPr>
+          <p:cNvPr id="6" name="Footer Placeholder 5"/>
+          <p:cNvSpPr>
+            <a:spLocks noGrp="1"/>
+          </p:cNvSpPr>
+          <p:nvPr>
+            <p:ph type="ftr" sz="quarter" idx="4"/>
+          </p:nvPr>
+        </p:nvSpPr>
+        <p:spPr>
+          <a:xfrm>
+            <a:off x="0" y="8685213"/>
+            <a:ext cx="2971800" cy="458787"/>
+          </a:xfrm>
+          <a:prstGeom prst="rect">
+            <a:avLst/>
+          </a:prstGeom>
+        </p:spPr>
+        <p:txBody>
+          <a:bodyPr vert="horz" lIns="91440" tIns="45720" rIns="91440" bIns="45720" rtlCol="0" anchor="b"/>
+          <a:lstStyle>
+            <a:lvl1pPr algn="l">
+              <a:defRPr sz="1200"/>
+            </a:lvl1pPr>
+          </a:lstStyle>
+          <a:p>
+            <a:endParaRPr lang="en-IN"/>
+          </a:p>
+        </p:txBody>
+      </p:sp>
+      <p:sp>
+        <p:nvSpPr>
+          <p:cNvPr id="7" name="Slide Number Placeholder 6"/>
+          <p:cNvSpPr>
+            <a:spLocks noGrp="1"/>
+          </p:cNvSpPr>
+          <p:nvPr>
+            <p:ph type="sldNum" sz="quarter" idx="5"/>
+          </p:nvPr>
+        </p:nvSpPr>
+        <p:spPr>
+          <a:xfrm>
+            <a:off x="3884613" y="8685213"/>
+            <a:ext cx="2971800" cy="458787"/>
+          </a:xfrm>
+          <a:prstGeom prst="rect">
+            <a:avLst/>
+          </a:prstGeom>
+        </p:spPr>
+        <p:txBody>
+          <a:bodyPr vert="horz" lIns="91440" tIns="45720" rIns="91440" bIns="45720" rtlCol="0" anchor="b"/>
+          <a:lstStyle>
+            <a:lvl1pPr algn="r">
+              <a:defRPr sz="1200"/>
+            </a:lvl1pPr>
+          </a:lstStyle>
+          <a:p>
+            <a:fld id="{84F21E82-2B11-483D-980B-89F6E8FCF0D3}" type="slidenum">
+              <a:rPr lang="en-IN" smtClean="0"/>
+              <a:t>‹#›</a:t>
+            </a:fld>
+            <a:endParaRPr lang="en-IN"/>
+          </a:p>
+        </p:txBody>
+      </p:sp>
+    </p:spTree>
+    <p:extLst>
+      <p:ext uri="{BB962C8B-B14F-4D97-AF65-F5344CB8AC3E}">
+        <p14:creationId xmlns:p14="http://schemas.microsoft.com/office/powerpoint/2010/main" val="2712343530"/>
+      </p:ext>
+    </p:extLst>
+  </p:cSld>
+  <p:clrMap bg1="lt1" tx1="dk1" bg2="lt2" tx2="dk2" accent1="accent1" accent2="accent2" accent3="accent3" accent4="accent4" accent5="accent5" accent6="accent6" hlink="hlink" folHlink="folHlink"/>
+  <p:notesStyle>
+    <a:lvl1pPr marL="0" algn="l" defTabSz="914400" rtl="0" eaLnBrk="1" latinLnBrk="0" hangingPunct="1">
+      <a:defRPr sz="1200" kern="1200">
+        <a:solidFill>
+          <a:schemeClr val="tx1"/>
+        </a:solidFill>
+        <a:latin typeface="+mn-lt"/>
+        <a:ea typeface="+mn-ea"/>
+        <a:cs typeface="+mn-cs"/>
+      </a:defRPr>
+    </a:lvl1pPr>
+    <a:lvl2pPr marL="457200" algn="l" defTabSz="914400" rtl="0" eaLnBrk="1" latinLnBrk="0" hangingPunct="1">
+      <a:defRPr sz="1200" kern="1200">
+        <a:solidFill>
+          <a:schemeClr val="tx1"/>
+        </a:solidFill>
+        <a:latin typeface="+mn-lt"/>
+        <a:ea typeface="+mn-ea"/>
+        <a:cs typeface="+mn-cs"/>
+      </a:defRPr>
+    </a:lvl2pPr>
+    <a:lvl3pPr marL="914400" algn="l" defTabSz="914400" rtl="0" eaLnBrk="1" latinLnBrk="0" hangingPunct="1">
+      <a:defRPr sz="1200" kern="1200">
+        <a:solidFill>
+          <a:schemeClr val="tx1"/>
+        </a:solidFill>
+        <a:latin typeface="+mn-lt"/>
+        <a:ea typeface="+mn-ea"/>
+        <a:cs typeface="+mn-cs"/>
+      </a:defRPr>
+    </a:lvl3pPr>
+    <a:lvl4pPr marL="1371600" algn="l" defTabSz="914400" rtl="0" eaLnBrk="1" latinLnBrk="0" hangingPunct="1">
+      <a:defRPr sz="1200" kern="1200">
+        <a:solidFill>
+          <a:schemeClr val="tx1"/>
+        </a:solidFill>
+        <a:latin typeface="+mn-lt"/>
+        <a:ea typeface="+mn-ea"/>
+        <a:cs typeface="+mn-cs"/>
+      </a:defRPr>
+    </a:lvl4pPr>
+    <a:lvl5pPr marL="1828800" algn="l" defTabSz="914400" rtl="0" eaLnBrk="1" latinLnBrk="0" hangingPunct="1">
+      <a:defRPr sz="1200" kern="1200">
+        <a:solidFill>
+          <a:schemeClr val="tx1"/>
+        </a:solidFill>
+        <a:latin typeface="+mn-lt"/>
+        <a:ea typeface="+mn-ea"/>
+        <a:cs typeface="+mn-cs"/>
+      </a:defRPr>
+    </a:lvl5pPr>
+    <a:lvl6pPr marL="2286000" algn="l" defTabSz="914400" rtl="0" eaLnBrk="1" latinLnBrk="0" hangingPunct="1">
+      <a:defRPr sz="1200" kern="1200">
+        <a:solidFill>
+          <a:schemeClr val="tx1"/>
+        </a:solidFill>
+        <a:latin typeface="+mn-lt"/>
+        <a:ea typeface="+mn-ea"/>
+        <a:cs typeface="+mn-cs"/>
+      </a:defRPr>
+    </a:lvl6pPr>
+    <a:lvl7pPr marL="2743200" algn="l" defTabSz="914400" rtl="0" eaLnBrk="1" latinLnBrk="0" hangingPunct="1">
+      <a:defRPr sz="1200" kern="1200">
+        <a:solidFill>
+          <a:schemeClr val="tx1"/>
+        </a:solidFill>
+        <a:latin typeface="+mn-lt"/>
+        <a:ea typeface="+mn-ea"/>
+        <a:cs typeface="+mn-cs"/>
+      </a:defRPr>
+    </a:lvl7pPr>
+    <a:lvl8pPr marL="3200400" algn="l" defTabSz="914400" rtl="0" eaLnBrk="1" latinLnBrk="0" hangingPunct="1">
+      <a:defRPr sz="1200" kern="1200">
+        <a:solidFill>
+          <a:schemeClr val="tx1"/>
+        </a:solidFill>
+        <a:latin typeface="+mn-lt"/>
+        <a:ea typeface="+mn-ea"/>
+        <a:cs typeface="+mn-cs"/>
+      </a:defRPr>
+    </a:lvl8pPr>
+    <a:lvl9pPr marL="3657600" algn="l" defTabSz="914400" rtl="0" eaLnBrk="1" latinLnBrk="0" hangingPunct="1">
+      <a:defRPr sz="1200" kern="1200">
+        <a:solidFill>
+          <a:schemeClr val="tx1"/>
+        </a:solidFill>
+        <a:latin typeface="+mn-lt"/>
+        <a:ea typeface="+mn-ea"/>
+        <a:cs typeface="+mn-cs"/>
+      </a:defRPr>
+    </a:lvl9pPr>
+  </p:notesStyle>
+</p:notesMaster>
+</file>
+
+<file path=ppt/notesSlides/notesSlide1.xml><?xml version="1.0" encoding="utf-8"?>
+<p:notes xmlns:a="http://schemas.openxmlformats.org/drawingml/2006/main" xmlns:r="http://schemas.openxmlformats.org/officeDocument/2006/relationships" xmlns:p="http://schemas.openxmlformats.org/presentationml/2006/main">
+  <p:cSld>
+    <p:spTree>
+      <p:nvGrpSpPr>
+        <p:cNvPr id="1" name=""/>
+        <p:cNvGrpSpPr/>
+        <p:nvPr/>
+      </p:nvGrpSpPr>
+      <p:grpSpPr>
+        <a:xfrm>
+          <a:off x="0" y="0"/>
+          <a:ext cx="0" cy="0"/>
+          <a:chOff x="0" y="0"/>
+          <a:chExt cx="0" cy="0"/>
+        </a:xfrm>
+      </p:grpSpPr>
+      <p:sp>
+        <p:nvSpPr>
+          <p:cNvPr id="2" name="Slide Image Placeholder 1"/>
+          <p:cNvSpPr>
+            <a:spLocks noGrp="1" noRot="1" noChangeAspect="1"/>
+          </p:cNvSpPr>
+          <p:nvPr>
+            <p:ph type="sldImg"/>
+          </p:nvPr>
+        </p:nvSpPr>
+        <p:spPr/>
+      </p:sp>
+      <p:sp>
+        <p:nvSpPr>
+          <p:cNvPr id="3" name="Notes Placeholder 2"/>
+          <p:cNvSpPr>
+            <a:spLocks noGrp="1"/>
+          </p:cNvSpPr>
+          <p:nvPr>
+            <p:ph type="body" idx="1"/>
+          </p:nvPr>
+        </p:nvSpPr>
+        <p:spPr/>
+        <p:txBody>
+          <a:bodyPr/>
+          <a:lstStyle/>
+          <a:p>
+            <a:endParaRPr lang="en-IN" dirty="0"/>
+          </a:p>
+        </p:txBody>
+      </p:sp>
+      <p:sp>
+        <p:nvSpPr>
+          <p:cNvPr id="4" name="Slide Number Placeholder 3"/>
+          <p:cNvSpPr>
+            <a:spLocks noGrp="1"/>
+          </p:cNvSpPr>
+          <p:nvPr>
+            <p:ph type="sldNum" sz="quarter" idx="5"/>
+          </p:nvPr>
+        </p:nvSpPr>
+        <p:spPr/>
+        <p:txBody>
+          <a:bodyPr/>
+          <a:lstStyle/>
+          <a:p>
+            <a:fld id="{84F21E82-2B11-483D-980B-89F6E8FCF0D3}" type="slidenum">
+              <a:rPr lang="en-IN" smtClean="0"/>
+              <a:t>38</a:t>
+            </a:fld>
+            <a:endParaRPr lang="en-IN"/>
+          </a:p>
+        </p:txBody>
+      </p:sp>
+    </p:spTree>
+    <p:extLst>
+      <p:ext uri="{BB962C8B-B14F-4D97-AF65-F5344CB8AC3E}">
+        <p14:creationId xmlns:p14="http://schemas.microsoft.com/office/powerpoint/2010/main" val="1375224789"/>
+      </p:ext>
+    </p:extLst>
+  </p:cSld>
+  <p:clrMapOvr>
+    <a:masterClrMapping/>
+  </p:clrMapOvr>
+</p:notes>
+</file>
+
 <file path=ppt/slideLayouts/slideLayout1.xml><?xml version="1.0" encoding="utf-8"?>
 <p:sldLayout xmlns:a="http://schemas.openxmlformats.org/drawingml/2006/main" xmlns:r="http://schemas.openxmlformats.org/officeDocument/2006/relationships" xmlns:p="http://schemas.openxmlformats.org/presentationml/2006/main" type="title" preserve="1">
   <p:cSld name="Title Slide">
@@ -294,7 +735,7 @@
           <a:p>
             <a:fld id="{35E7C7C1-050F-4B17-8FDC-37C455263954}" type="datetimeFigureOut">
               <a:rPr lang="en-IN" smtClean="0"/>
-              <a:t>02-04-2024</a:t>
+              <a:t>18-04-2024</a:t>
             </a:fld>
             <a:endParaRPr lang="en-IN"/>
           </a:p>
@@ -494,7 +935,7 @@
           <a:p>
             <a:fld id="{35E7C7C1-050F-4B17-8FDC-37C455263954}" type="datetimeFigureOut">
               <a:rPr lang="en-IN" smtClean="0"/>
-              <a:t>02-04-2024</a:t>
+              <a:t>18-04-2024</a:t>
             </a:fld>
             <a:endParaRPr lang="en-IN"/>
           </a:p>
@@ -704,7 +1145,7 @@
           <a:p>
             <a:fld id="{35E7C7C1-050F-4B17-8FDC-37C455263954}" type="datetimeFigureOut">
               <a:rPr lang="en-IN" smtClean="0"/>
-              <a:t>02-04-2024</a:t>
+              <a:t>18-04-2024</a:t>
             </a:fld>
             <a:endParaRPr lang="en-IN"/>
           </a:p>
@@ -904,7 +1345,7 @@
           <a:p>
             <a:fld id="{35E7C7C1-050F-4B17-8FDC-37C455263954}" type="datetimeFigureOut">
               <a:rPr lang="en-IN" smtClean="0"/>
-              <a:t>02-04-2024</a:t>
+              <a:t>18-04-2024</a:t>
             </a:fld>
             <a:endParaRPr lang="en-IN"/>
           </a:p>
@@ -1180,7 +1621,7 @@
           <a:p>
             <a:fld id="{35E7C7C1-050F-4B17-8FDC-37C455263954}" type="datetimeFigureOut">
               <a:rPr lang="en-IN" smtClean="0"/>
-              <a:t>02-04-2024</a:t>
+              <a:t>18-04-2024</a:t>
             </a:fld>
             <a:endParaRPr lang="en-IN"/>
           </a:p>
@@ -1448,7 +1889,7 @@
           <a:p>
             <a:fld id="{35E7C7C1-050F-4B17-8FDC-37C455263954}" type="datetimeFigureOut">
               <a:rPr lang="en-IN" smtClean="0"/>
-              <a:t>02-04-2024</a:t>
+              <a:t>18-04-2024</a:t>
             </a:fld>
             <a:endParaRPr lang="en-IN"/>
           </a:p>
@@ -1863,7 +2304,7 @@
           <a:p>
             <a:fld id="{35E7C7C1-050F-4B17-8FDC-37C455263954}" type="datetimeFigureOut">
               <a:rPr lang="en-IN" smtClean="0"/>
-              <a:t>02-04-2024</a:t>
+              <a:t>18-04-2024</a:t>
             </a:fld>
             <a:endParaRPr lang="en-IN"/>
           </a:p>
@@ -2005,7 +2446,7 @@
           <a:p>
             <a:fld id="{35E7C7C1-050F-4B17-8FDC-37C455263954}" type="datetimeFigureOut">
               <a:rPr lang="en-IN" smtClean="0"/>
-              <a:t>02-04-2024</a:t>
+              <a:t>18-04-2024</a:t>
             </a:fld>
             <a:endParaRPr lang="en-IN"/>
           </a:p>
@@ -2118,7 +2559,7 @@
           <a:p>
             <a:fld id="{35E7C7C1-050F-4B17-8FDC-37C455263954}" type="datetimeFigureOut">
               <a:rPr lang="en-IN" smtClean="0"/>
-              <a:t>02-04-2024</a:t>
+              <a:t>18-04-2024</a:t>
             </a:fld>
             <a:endParaRPr lang="en-IN"/>
           </a:p>
@@ -2431,7 +2872,7 @@
           <a:p>
             <a:fld id="{35E7C7C1-050F-4B17-8FDC-37C455263954}" type="datetimeFigureOut">
               <a:rPr lang="en-IN" smtClean="0"/>
-              <a:t>02-04-2024</a:t>
+              <a:t>18-04-2024</a:t>
             </a:fld>
             <a:endParaRPr lang="en-IN"/>
           </a:p>
@@ -2720,7 +3161,7 @@
           <a:p>
             <a:fld id="{35E7C7C1-050F-4B17-8FDC-37C455263954}" type="datetimeFigureOut">
               <a:rPr lang="en-IN" smtClean="0"/>
-              <a:t>02-04-2024</a:t>
+              <a:t>18-04-2024</a:t>
             </a:fld>
             <a:endParaRPr lang="en-IN"/>
           </a:p>
@@ -2963,7 +3404,7 @@
           <a:p>
             <a:fld id="{35E7C7C1-050F-4B17-8FDC-37C455263954}" type="datetimeFigureOut">
               <a:rPr lang="en-IN" smtClean="0"/>
-              <a:t>02-04-2024</a:t>
+              <a:t>18-04-2024</a:t>
             </a:fld>
             <a:endParaRPr lang="en-IN"/>
           </a:p>
@@ -23798,6 +24239,4383 @@
     <p:extLst>
       <p:ext uri="{BB962C8B-B14F-4D97-AF65-F5344CB8AC3E}">
         <p14:creationId xmlns:p14="http://schemas.microsoft.com/office/powerpoint/2010/main" val="4021256304"/>
+      </p:ext>
+    </p:extLst>
+  </p:cSld>
+  <p:clrMapOvr>
+    <a:masterClrMapping/>
+  </p:clrMapOvr>
+</p:sld>
+</file>
+
+<file path=ppt/slides/slide35.xml><?xml version="1.0" encoding="utf-8"?>
+<p:sld xmlns:a="http://schemas.openxmlformats.org/drawingml/2006/main" xmlns:r="http://schemas.openxmlformats.org/officeDocument/2006/relationships" xmlns:p="http://schemas.openxmlformats.org/presentationml/2006/main">
+  <p:cSld>
+    <p:spTree>
+      <p:nvGrpSpPr>
+        <p:cNvPr id="1" name=""/>
+        <p:cNvGrpSpPr/>
+        <p:nvPr/>
+      </p:nvGrpSpPr>
+      <p:grpSpPr>
+        <a:xfrm>
+          <a:off x="0" y="0"/>
+          <a:ext cx="0" cy="0"/>
+          <a:chOff x="0" y="0"/>
+          <a:chExt cx="0" cy="0"/>
+        </a:xfrm>
+      </p:grpSpPr>
+      <p:sp>
+        <p:nvSpPr>
+          <p:cNvPr id="2" name="Rectangle 1">
+            <a:extLst>
+              <a:ext uri="{FF2B5EF4-FFF2-40B4-BE49-F238E27FC236}">
+                <a16:creationId xmlns:a16="http://schemas.microsoft.com/office/drawing/2014/main" id="{CB38A839-9F5E-CAF9-D8F2-760FF48AF57A}"/>
+              </a:ext>
+            </a:extLst>
+          </p:cNvPr>
+          <p:cNvSpPr/>
+          <p:nvPr/>
+        </p:nvSpPr>
+        <p:spPr>
+          <a:xfrm>
+            <a:off x="550333" y="635000"/>
+            <a:ext cx="2624667" cy="1312333"/>
+          </a:xfrm>
+          <a:prstGeom prst="rect">
+            <a:avLst/>
+          </a:prstGeom>
+        </p:spPr>
+        <p:style>
+          <a:lnRef idx="2">
+            <a:schemeClr val="accent1">
+              <a:shade val="15000"/>
+            </a:schemeClr>
+          </a:lnRef>
+          <a:fillRef idx="1">
+            <a:schemeClr val="accent1"/>
+          </a:fillRef>
+          <a:effectRef idx="0">
+            <a:schemeClr val="accent1"/>
+          </a:effectRef>
+          <a:fontRef idx="minor">
+            <a:schemeClr val="lt1"/>
+          </a:fontRef>
+        </p:style>
+        <p:txBody>
+          <a:bodyPr rtlCol="0" anchor="ctr"/>
+          <a:lstStyle/>
+          <a:p>
+            <a:pPr algn="ctr"/>
+            <a:r>
+              <a:rPr lang="en-IN" dirty="0"/>
+              <a:t>C1</a:t>
+            </a:r>
+          </a:p>
+        </p:txBody>
+      </p:sp>
+      <p:sp>
+        <p:nvSpPr>
+          <p:cNvPr id="3" name="Rectangle 2">
+            <a:extLst>
+              <a:ext uri="{FF2B5EF4-FFF2-40B4-BE49-F238E27FC236}">
+                <a16:creationId xmlns:a16="http://schemas.microsoft.com/office/drawing/2014/main" id="{28EC3AF7-FF35-AA46-3F07-410BF2D8C8E7}"/>
+              </a:ext>
+            </a:extLst>
+          </p:cNvPr>
+          <p:cNvSpPr/>
+          <p:nvPr/>
+        </p:nvSpPr>
+        <p:spPr>
+          <a:xfrm>
+            <a:off x="4919133" y="635000"/>
+            <a:ext cx="2624667" cy="1312333"/>
+          </a:xfrm>
+          <a:prstGeom prst="rect">
+            <a:avLst/>
+          </a:prstGeom>
+        </p:spPr>
+        <p:style>
+          <a:lnRef idx="2">
+            <a:schemeClr val="accent1">
+              <a:shade val="15000"/>
+            </a:schemeClr>
+          </a:lnRef>
+          <a:fillRef idx="1">
+            <a:schemeClr val="accent1"/>
+          </a:fillRef>
+          <a:effectRef idx="0">
+            <a:schemeClr val="accent1"/>
+          </a:effectRef>
+          <a:fontRef idx="minor">
+            <a:schemeClr val="lt1"/>
+          </a:fontRef>
+        </p:style>
+        <p:txBody>
+          <a:bodyPr rtlCol="0" anchor="ctr"/>
+          <a:lstStyle/>
+          <a:p>
+            <a:pPr algn="ctr"/>
+            <a:r>
+              <a:rPr lang="en-IN" dirty="0"/>
+              <a:t>C2</a:t>
+            </a:r>
+          </a:p>
+        </p:txBody>
+      </p:sp>
+      <p:sp>
+        <p:nvSpPr>
+          <p:cNvPr id="4" name="Rectangle 3">
+            <a:extLst>
+              <a:ext uri="{FF2B5EF4-FFF2-40B4-BE49-F238E27FC236}">
+                <a16:creationId xmlns:a16="http://schemas.microsoft.com/office/drawing/2014/main" id="{6F140ED9-1A73-C614-9401-C162E06D2919}"/>
+              </a:ext>
+            </a:extLst>
+          </p:cNvPr>
+          <p:cNvSpPr/>
+          <p:nvPr/>
+        </p:nvSpPr>
+        <p:spPr>
+          <a:xfrm>
+            <a:off x="609599" y="2404533"/>
+            <a:ext cx="2624667" cy="1312333"/>
+          </a:xfrm>
+          <a:prstGeom prst="rect">
+            <a:avLst/>
+          </a:prstGeom>
+        </p:spPr>
+        <p:style>
+          <a:lnRef idx="2">
+            <a:schemeClr val="accent1">
+              <a:shade val="15000"/>
+            </a:schemeClr>
+          </a:lnRef>
+          <a:fillRef idx="1">
+            <a:schemeClr val="accent1"/>
+          </a:fillRef>
+          <a:effectRef idx="0">
+            <a:schemeClr val="accent1"/>
+          </a:effectRef>
+          <a:fontRef idx="minor">
+            <a:schemeClr val="lt1"/>
+          </a:fontRef>
+        </p:style>
+        <p:txBody>
+          <a:bodyPr rtlCol="0" anchor="ctr"/>
+          <a:lstStyle/>
+          <a:p>
+            <a:pPr algn="ctr"/>
+            <a:r>
+              <a:rPr lang="en-IN" dirty="0"/>
+              <a:t>C3</a:t>
+            </a:r>
+          </a:p>
+        </p:txBody>
+      </p:sp>
+      <p:sp>
+        <p:nvSpPr>
+          <p:cNvPr id="5" name="Rectangle 4">
+            <a:extLst>
+              <a:ext uri="{FF2B5EF4-FFF2-40B4-BE49-F238E27FC236}">
+                <a16:creationId xmlns:a16="http://schemas.microsoft.com/office/drawing/2014/main" id="{B263F030-C529-14A6-D0DD-043EB7564A46}"/>
+              </a:ext>
+            </a:extLst>
+          </p:cNvPr>
+          <p:cNvSpPr/>
+          <p:nvPr/>
+        </p:nvSpPr>
+        <p:spPr>
+          <a:xfrm>
+            <a:off x="4978399" y="2404533"/>
+            <a:ext cx="2624667" cy="1312333"/>
+          </a:xfrm>
+          <a:prstGeom prst="rect">
+            <a:avLst/>
+          </a:prstGeom>
+        </p:spPr>
+        <p:style>
+          <a:lnRef idx="2">
+            <a:schemeClr val="accent1">
+              <a:shade val="15000"/>
+            </a:schemeClr>
+          </a:lnRef>
+          <a:fillRef idx="1">
+            <a:schemeClr val="accent1"/>
+          </a:fillRef>
+          <a:effectRef idx="0">
+            <a:schemeClr val="accent1"/>
+          </a:effectRef>
+          <a:fontRef idx="minor">
+            <a:schemeClr val="lt1"/>
+          </a:fontRef>
+        </p:style>
+        <p:txBody>
+          <a:bodyPr rtlCol="0" anchor="ctr"/>
+          <a:lstStyle/>
+          <a:p>
+            <a:pPr algn="ctr"/>
+            <a:r>
+              <a:rPr lang="en-IN" dirty="0"/>
+              <a:t>C4</a:t>
+            </a:r>
+          </a:p>
+        </p:txBody>
+      </p:sp>
+      <p:sp>
+        <p:nvSpPr>
+          <p:cNvPr id="6" name="Rectangle 5">
+            <a:extLst>
+              <a:ext uri="{FF2B5EF4-FFF2-40B4-BE49-F238E27FC236}">
+                <a16:creationId xmlns:a16="http://schemas.microsoft.com/office/drawing/2014/main" id="{FE1CDAC5-846A-B24A-C85B-3135B45B16E2}"/>
+              </a:ext>
+            </a:extLst>
+          </p:cNvPr>
+          <p:cNvSpPr/>
+          <p:nvPr/>
+        </p:nvSpPr>
+        <p:spPr>
+          <a:xfrm>
+            <a:off x="609599" y="4254501"/>
+            <a:ext cx="2624667" cy="1312333"/>
+          </a:xfrm>
+          <a:prstGeom prst="rect">
+            <a:avLst/>
+          </a:prstGeom>
+        </p:spPr>
+        <p:style>
+          <a:lnRef idx="2">
+            <a:schemeClr val="accent1">
+              <a:shade val="15000"/>
+            </a:schemeClr>
+          </a:lnRef>
+          <a:fillRef idx="1">
+            <a:schemeClr val="accent1"/>
+          </a:fillRef>
+          <a:effectRef idx="0">
+            <a:schemeClr val="accent1"/>
+          </a:effectRef>
+          <a:fontRef idx="minor">
+            <a:schemeClr val="lt1"/>
+          </a:fontRef>
+        </p:style>
+        <p:txBody>
+          <a:bodyPr rtlCol="0" anchor="ctr"/>
+          <a:lstStyle/>
+          <a:p>
+            <a:pPr algn="ctr"/>
+            <a:r>
+              <a:rPr lang="en-IN" dirty="0"/>
+              <a:t>C5</a:t>
+            </a:r>
+          </a:p>
+        </p:txBody>
+      </p:sp>
+      <p:sp>
+        <p:nvSpPr>
+          <p:cNvPr id="7" name="Rectangle 6">
+            <a:extLst>
+              <a:ext uri="{FF2B5EF4-FFF2-40B4-BE49-F238E27FC236}">
+                <a16:creationId xmlns:a16="http://schemas.microsoft.com/office/drawing/2014/main" id="{13B4DBB9-4597-7DE8-662E-4CD2AE05F361}"/>
+              </a:ext>
+            </a:extLst>
+          </p:cNvPr>
+          <p:cNvSpPr/>
+          <p:nvPr/>
+        </p:nvSpPr>
+        <p:spPr>
+          <a:xfrm>
+            <a:off x="4978399" y="4254501"/>
+            <a:ext cx="2624667" cy="1312333"/>
+          </a:xfrm>
+          <a:prstGeom prst="rect">
+            <a:avLst/>
+          </a:prstGeom>
+        </p:spPr>
+        <p:style>
+          <a:lnRef idx="2">
+            <a:schemeClr val="accent1">
+              <a:shade val="15000"/>
+            </a:schemeClr>
+          </a:lnRef>
+          <a:fillRef idx="1">
+            <a:schemeClr val="accent1"/>
+          </a:fillRef>
+          <a:effectRef idx="0">
+            <a:schemeClr val="accent1"/>
+          </a:effectRef>
+          <a:fontRef idx="minor">
+            <a:schemeClr val="lt1"/>
+          </a:fontRef>
+        </p:style>
+        <p:txBody>
+          <a:bodyPr rtlCol="0" anchor="ctr"/>
+          <a:lstStyle/>
+          <a:p>
+            <a:pPr algn="ctr"/>
+            <a:r>
+              <a:rPr lang="en-IN" dirty="0"/>
+              <a:t>C6</a:t>
+            </a:r>
+          </a:p>
+        </p:txBody>
+      </p:sp>
+      <p:cxnSp>
+        <p:nvCxnSpPr>
+          <p:cNvPr id="9" name="Connector: Curved 8">
+            <a:extLst>
+              <a:ext uri="{FF2B5EF4-FFF2-40B4-BE49-F238E27FC236}">
+                <a16:creationId xmlns:a16="http://schemas.microsoft.com/office/drawing/2014/main" id="{C42882CB-6B51-1247-540F-AD7F7FD96ADC}"/>
+              </a:ext>
+            </a:extLst>
+          </p:cNvPr>
+          <p:cNvCxnSpPr>
+            <a:stCxn id="2" idx="3"/>
+          </p:cNvCxnSpPr>
+          <p:nvPr/>
+        </p:nvCxnSpPr>
+        <p:spPr>
+          <a:xfrm>
+            <a:off x="3175000" y="1291167"/>
+            <a:ext cx="1803399" cy="63500"/>
+          </a:xfrm>
+          <a:prstGeom prst="curvedConnector3">
+            <a:avLst/>
+          </a:prstGeom>
+          <a:ln>
+            <a:tailEnd type="triangle"/>
+          </a:ln>
+        </p:spPr>
+        <p:style>
+          <a:lnRef idx="2">
+            <a:schemeClr val="accent1"/>
+          </a:lnRef>
+          <a:fillRef idx="0">
+            <a:schemeClr val="accent1"/>
+          </a:fillRef>
+          <a:effectRef idx="1">
+            <a:schemeClr val="accent1"/>
+          </a:effectRef>
+          <a:fontRef idx="minor">
+            <a:schemeClr val="tx1"/>
+          </a:fontRef>
+        </p:style>
+      </p:cxnSp>
+      <p:cxnSp>
+        <p:nvCxnSpPr>
+          <p:cNvPr id="11" name="Connector: Curved 10">
+            <a:extLst>
+              <a:ext uri="{FF2B5EF4-FFF2-40B4-BE49-F238E27FC236}">
+                <a16:creationId xmlns:a16="http://schemas.microsoft.com/office/drawing/2014/main" id="{409CF76C-B719-BECD-4F9D-2349377393F9}"/>
+              </a:ext>
+            </a:extLst>
+          </p:cNvPr>
+          <p:cNvCxnSpPr>
+            <a:stCxn id="2" idx="3"/>
+            <a:endCxn id="5" idx="1"/>
+          </p:cNvCxnSpPr>
+          <p:nvPr/>
+        </p:nvCxnSpPr>
+        <p:spPr>
+          <a:xfrm>
+            <a:off x="3175000" y="1291167"/>
+            <a:ext cx="1803399" cy="1769533"/>
+          </a:xfrm>
+          <a:prstGeom prst="curvedConnector3">
+            <a:avLst/>
+          </a:prstGeom>
+          <a:ln>
+            <a:tailEnd type="triangle"/>
+          </a:ln>
+        </p:spPr>
+        <p:style>
+          <a:lnRef idx="2">
+            <a:schemeClr val="accent1"/>
+          </a:lnRef>
+          <a:fillRef idx="0">
+            <a:schemeClr val="accent1"/>
+          </a:fillRef>
+          <a:effectRef idx="1">
+            <a:schemeClr val="accent1"/>
+          </a:effectRef>
+          <a:fontRef idx="minor">
+            <a:schemeClr val="tx1"/>
+          </a:fontRef>
+        </p:style>
+      </p:cxnSp>
+      <p:cxnSp>
+        <p:nvCxnSpPr>
+          <p:cNvPr id="13" name="Connector: Curved 12">
+            <a:extLst>
+              <a:ext uri="{FF2B5EF4-FFF2-40B4-BE49-F238E27FC236}">
+                <a16:creationId xmlns:a16="http://schemas.microsoft.com/office/drawing/2014/main" id="{C6F77659-56B2-BCCA-B0CE-7F93EC5DC460}"/>
+              </a:ext>
+            </a:extLst>
+          </p:cNvPr>
+          <p:cNvCxnSpPr>
+            <a:stCxn id="2" idx="3"/>
+            <a:endCxn id="7" idx="1"/>
+          </p:cNvCxnSpPr>
+          <p:nvPr/>
+        </p:nvCxnSpPr>
+        <p:spPr>
+          <a:xfrm>
+            <a:off x="3175000" y="1291167"/>
+            <a:ext cx="1803399" cy="3619501"/>
+          </a:xfrm>
+          <a:prstGeom prst="curvedConnector3">
+            <a:avLst/>
+          </a:prstGeom>
+          <a:ln>
+            <a:headEnd type="triangle"/>
+            <a:tailEnd type="triangle"/>
+          </a:ln>
+        </p:spPr>
+        <p:style>
+          <a:lnRef idx="2">
+            <a:schemeClr val="accent1"/>
+          </a:lnRef>
+          <a:fillRef idx="0">
+            <a:schemeClr val="accent1"/>
+          </a:fillRef>
+          <a:effectRef idx="1">
+            <a:schemeClr val="accent1"/>
+          </a:effectRef>
+          <a:fontRef idx="minor">
+            <a:schemeClr val="tx1"/>
+          </a:fontRef>
+        </p:style>
+      </p:cxnSp>
+      <p:cxnSp>
+        <p:nvCxnSpPr>
+          <p:cNvPr id="15" name="Connector: Curved 14">
+            <a:extLst>
+              <a:ext uri="{FF2B5EF4-FFF2-40B4-BE49-F238E27FC236}">
+                <a16:creationId xmlns:a16="http://schemas.microsoft.com/office/drawing/2014/main" id="{19CF7340-23B3-209B-AB40-12A37044DF5E}"/>
+              </a:ext>
+            </a:extLst>
+          </p:cNvPr>
+          <p:cNvCxnSpPr>
+            <a:stCxn id="4" idx="3"/>
+            <a:endCxn id="3" idx="1"/>
+          </p:cNvCxnSpPr>
+          <p:nvPr/>
+        </p:nvCxnSpPr>
+        <p:spPr>
+          <a:xfrm flipV="1">
+            <a:off x="3234266" y="1291167"/>
+            <a:ext cx="1684867" cy="1769533"/>
+          </a:xfrm>
+          <a:prstGeom prst="curvedConnector3">
+            <a:avLst/>
+          </a:prstGeom>
+          <a:ln>
+            <a:headEnd type="triangle"/>
+            <a:tailEnd type="triangle"/>
+          </a:ln>
+        </p:spPr>
+        <p:style>
+          <a:lnRef idx="2">
+            <a:schemeClr val="accent1"/>
+          </a:lnRef>
+          <a:fillRef idx="0">
+            <a:schemeClr val="accent1"/>
+          </a:fillRef>
+          <a:effectRef idx="1">
+            <a:schemeClr val="accent1"/>
+          </a:effectRef>
+          <a:fontRef idx="minor">
+            <a:schemeClr val="tx1"/>
+          </a:fontRef>
+        </p:style>
+      </p:cxnSp>
+      <p:cxnSp>
+        <p:nvCxnSpPr>
+          <p:cNvPr id="17" name="Connector: Curved 16">
+            <a:extLst>
+              <a:ext uri="{FF2B5EF4-FFF2-40B4-BE49-F238E27FC236}">
+                <a16:creationId xmlns:a16="http://schemas.microsoft.com/office/drawing/2014/main" id="{D44DDAD4-C049-A149-7652-65A0BBD972D6}"/>
+              </a:ext>
+            </a:extLst>
+          </p:cNvPr>
+          <p:cNvCxnSpPr>
+            <a:stCxn id="4" idx="3"/>
+            <a:endCxn id="5" idx="1"/>
+          </p:cNvCxnSpPr>
+          <p:nvPr/>
+        </p:nvCxnSpPr>
+        <p:spPr>
+          <a:xfrm>
+            <a:off x="3234266" y="3060700"/>
+            <a:ext cx="1744133" cy="12700"/>
+          </a:xfrm>
+          <a:prstGeom prst="curvedConnector3">
+            <a:avLst/>
+          </a:prstGeom>
+          <a:ln>
+            <a:headEnd type="triangle"/>
+            <a:tailEnd type="triangle"/>
+          </a:ln>
+        </p:spPr>
+        <p:style>
+          <a:lnRef idx="2">
+            <a:schemeClr val="accent1"/>
+          </a:lnRef>
+          <a:fillRef idx="0">
+            <a:schemeClr val="accent1"/>
+          </a:fillRef>
+          <a:effectRef idx="1">
+            <a:schemeClr val="accent1"/>
+          </a:effectRef>
+          <a:fontRef idx="minor">
+            <a:schemeClr val="tx1"/>
+          </a:fontRef>
+        </p:style>
+      </p:cxnSp>
+      <p:cxnSp>
+        <p:nvCxnSpPr>
+          <p:cNvPr id="19" name="Connector: Curved 18">
+            <a:extLst>
+              <a:ext uri="{FF2B5EF4-FFF2-40B4-BE49-F238E27FC236}">
+                <a16:creationId xmlns:a16="http://schemas.microsoft.com/office/drawing/2014/main" id="{0A9FF379-5BF2-DC31-7C28-467D6BB3F485}"/>
+              </a:ext>
+            </a:extLst>
+          </p:cNvPr>
+          <p:cNvCxnSpPr>
+            <a:stCxn id="4" idx="3"/>
+            <a:endCxn id="7" idx="1"/>
+          </p:cNvCxnSpPr>
+          <p:nvPr/>
+        </p:nvCxnSpPr>
+        <p:spPr>
+          <a:xfrm>
+            <a:off x="3234266" y="3060700"/>
+            <a:ext cx="1744133" cy="1849968"/>
+          </a:xfrm>
+          <a:prstGeom prst="curvedConnector3">
+            <a:avLst/>
+          </a:prstGeom>
+          <a:ln>
+            <a:headEnd type="triangle"/>
+            <a:tailEnd type="triangle"/>
+          </a:ln>
+        </p:spPr>
+        <p:style>
+          <a:lnRef idx="2">
+            <a:schemeClr val="accent1"/>
+          </a:lnRef>
+          <a:fillRef idx="0">
+            <a:schemeClr val="accent1"/>
+          </a:fillRef>
+          <a:effectRef idx="1">
+            <a:schemeClr val="accent1"/>
+          </a:effectRef>
+          <a:fontRef idx="minor">
+            <a:schemeClr val="tx1"/>
+          </a:fontRef>
+        </p:style>
+      </p:cxnSp>
+      <p:cxnSp>
+        <p:nvCxnSpPr>
+          <p:cNvPr id="21" name="Connector: Curved 20">
+            <a:extLst>
+              <a:ext uri="{FF2B5EF4-FFF2-40B4-BE49-F238E27FC236}">
+                <a16:creationId xmlns:a16="http://schemas.microsoft.com/office/drawing/2014/main" id="{D52222BE-3304-9CA7-1FF7-A551BEF8E64A}"/>
+              </a:ext>
+            </a:extLst>
+          </p:cNvPr>
+          <p:cNvCxnSpPr>
+            <a:stCxn id="6" idx="3"/>
+            <a:endCxn id="3" idx="1"/>
+          </p:cNvCxnSpPr>
+          <p:nvPr/>
+        </p:nvCxnSpPr>
+        <p:spPr>
+          <a:xfrm flipV="1">
+            <a:off x="3234266" y="1291167"/>
+            <a:ext cx="1684867" cy="3619501"/>
+          </a:xfrm>
+          <a:prstGeom prst="curvedConnector3">
+            <a:avLst/>
+          </a:prstGeom>
+          <a:ln>
+            <a:headEnd type="triangle"/>
+            <a:tailEnd type="triangle"/>
+          </a:ln>
+        </p:spPr>
+        <p:style>
+          <a:lnRef idx="2">
+            <a:schemeClr val="accent1"/>
+          </a:lnRef>
+          <a:fillRef idx="0">
+            <a:schemeClr val="accent1"/>
+          </a:fillRef>
+          <a:effectRef idx="1">
+            <a:schemeClr val="accent1"/>
+          </a:effectRef>
+          <a:fontRef idx="minor">
+            <a:schemeClr val="tx1"/>
+          </a:fontRef>
+        </p:style>
+      </p:cxnSp>
+      <p:cxnSp>
+        <p:nvCxnSpPr>
+          <p:cNvPr id="23" name="Connector: Curved 22">
+            <a:extLst>
+              <a:ext uri="{FF2B5EF4-FFF2-40B4-BE49-F238E27FC236}">
+                <a16:creationId xmlns:a16="http://schemas.microsoft.com/office/drawing/2014/main" id="{0AEFFA09-BF9F-B74F-14DE-DAB4F45F318A}"/>
+              </a:ext>
+            </a:extLst>
+          </p:cNvPr>
+          <p:cNvCxnSpPr>
+            <a:stCxn id="6" idx="3"/>
+            <a:endCxn id="5" idx="1"/>
+          </p:cNvCxnSpPr>
+          <p:nvPr/>
+        </p:nvCxnSpPr>
+        <p:spPr>
+          <a:xfrm flipV="1">
+            <a:off x="3234266" y="3060700"/>
+            <a:ext cx="1744133" cy="1849968"/>
+          </a:xfrm>
+          <a:prstGeom prst="curvedConnector3">
+            <a:avLst/>
+          </a:prstGeom>
+          <a:ln>
+            <a:headEnd type="triangle"/>
+            <a:tailEnd type="triangle"/>
+          </a:ln>
+        </p:spPr>
+        <p:style>
+          <a:lnRef idx="2">
+            <a:schemeClr val="accent1"/>
+          </a:lnRef>
+          <a:fillRef idx="0">
+            <a:schemeClr val="accent1"/>
+          </a:fillRef>
+          <a:effectRef idx="1">
+            <a:schemeClr val="accent1"/>
+          </a:effectRef>
+          <a:fontRef idx="minor">
+            <a:schemeClr val="tx1"/>
+          </a:fontRef>
+        </p:style>
+      </p:cxnSp>
+      <p:cxnSp>
+        <p:nvCxnSpPr>
+          <p:cNvPr id="25" name="Connector: Curved 24">
+            <a:extLst>
+              <a:ext uri="{FF2B5EF4-FFF2-40B4-BE49-F238E27FC236}">
+                <a16:creationId xmlns:a16="http://schemas.microsoft.com/office/drawing/2014/main" id="{DB2537FC-B878-0256-D4A0-C6BB847EEA46}"/>
+              </a:ext>
+            </a:extLst>
+          </p:cNvPr>
+          <p:cNvCxnSpPr>
+            <a:stCxn id="6" idx="3"/>
+            <a:endCxn id="7" idx="1"/>
+          </p:cNvCxnSpPr>
+          <p:nvPr/>
+        </p:nvCxnSpPr>
+        <p:spPr>
+          <a:xfrm>
+            <a:off x="3234266" y="4910668"/>
+            <a:ext cx="1744133" cy="12700"/>
+          </a:xfrm>
+          <a:prstGeom prst="curvedConnector3">
+            <a:avLst/>
+          </a:prstGeom>
+          <a:ln>
+            <a:headEnd type="triangle"/>
+            <a:tailEnd type="triangle"/>
+          </a:ln>
+        </p:spPr>
+        <p:style>
+          <a:lnRef idx="2">
+            <a:schemeClr val="accent1"/>
+          </a:lnRef>
+          <a:fillRef idx="0">
+            <a:schemeClr val="accent1"/>
+          </a:fillRef>
+          <a:effectRef idx="1">
+            <a:schemeClr val="accent1"/>
+          </a:effectRef>
+          <a:fontRef idx="minor">
+            <a:schemeClr val="tx1"/>
+          </a:fontRef>
+        </p:style>
+      </p:cxnSp>
+      <p:sp>
+        <p:nvSpPr>
+          <p:cNvPr id="26" name="TextBox 25">
+            <a:extLst>
+              <a:ext uri="{FF2B5EF4-FFF2-40B4-BE49-F238E27FC236}">
+                <a16:creationId xmlns:a16="http://schemas.microsoft.com/office/drawing/2014/main" id="{5E4AD947-3FEC-3EC0-05FA-EE569FBB9675}"/>
+              </a:ext>
+            </a:extLst>
+          </p:cNvPr>
+          <p:cNvSpPr txBox="1"/>
+          <p:nvPr/>
+        </p:nvSpPr>
+        <p:spPr>
+          <a:xfrm>
+            <a:off x="8085667" y="423333"/>
+            <a:ext cx="3302000" cy="3970318"/>
+          </a:xfrm>
+          <a:prstGeom prst="rect">
+            <a:avLst/>
+          </a:prstGeom>
+        </p:spPr>
+        <p:style>
+          <a:lnRef idx="2">
+            <a:schemeClr val="dk1"/>
+          </a:lnRef>
+          <a:fillRef idx="1">
+            <a:schemeClr val="lt1"/>
+          </a:fillRef>
+          <a:effectRef idx="0">
+            <a:schemeClr val="dk1"/>
+          </a:effectRef>
+          <a:fontRef idx="minor">
+            <a:schemeClr val="dk1"/>
+          </a:fontRef>
+        </p:style>
+        <p:txBody>
+          <a:bodyPr wrap="square" rtlCol="0">
+            <a:spAutoFit/>
+          </a:bodyPr>
+          <a:lstStyle/>
+          <a:p>
+            <a:pPr marL="342900" indent="-342900">
+              <a:buAutoNum type="arabicPeriod"/>
+            </a:pPr>
+            <a:r>
+              <a:rPr lang="en-IN" dirty="0"/>
+              <a:t>Parent-Child Relationships</a:t>
+            </a:r>
+          </a:p>
+          <a:p>
+            <a:pPr marL="342900" indent="-342900">
+              <a:buAutoNum type="arabicPeriod"/>
+            </a:pPr>
+            <a:r>
+              <a:rPr lang="en-IN" dirty="0"/>
+              <a:t>Using Services to Communicate Across Components</a:t>
+            </a:r>
+          </a:p>
+          <a:p>
+            <a:pPr marL="800100" lvl="1" indent="-342900">
+              <a:buAutoNum type="arabicPeriod"/>
+            </a:pPr>
+            <a:r>
+              <a:rPr lang="en-IN" dirty="0"/>
+              <a:t>Query Mechanism on Service Object that holds data which is shared across components</a:t>
+            </a:r>
+          </a:p>
+          <a:p>
+            <a:pPr marL="342900" indent="-342900">
+              <a:buAutoNum type="arabicPeriod"/>
+            </a:pPr>
+            <a:r>
+              <a:rPr lang="en-IN" dirty="0"/>
+              <a:t>Using Browser’s Storage to share data across Components e.g. </a:t>
+            </a:r>
+            <a:r>
+              <a:rPr lang="en-IN" dirty="0" err="1"/>
+              <a:t>sessionStorage</a:t>
+            </a:r>
+            <a:r>
+              <a:rPr lang="en-IN" dirty="0"/>
+              <a:t>, </a:t>
+            </a:r>
+            <a:r>
+              <a:rPr lang="en-IN" dirty="0" err="1"/>
+              <a:t>localStorage</a:t>
+            </a:r>
+            <a:endParaRPr lang="en-IN" dirty="0"/>
+          </a:p>
+        </p:txBody>
+      </p:sp>
+      <p:sp>
+        <p:nvSpPr>
+          <p:cNvPr id="27" name="Cylinder 26">
+            <a:extLst>
+              <a:ext uri="{FF2B5EF4-FFF2-40B4-BE49-F238E27FC236}">
+                <a16:creationId xmlns:a16="http://schemas.microsoft.com/office/drawing/2014/main" id="{57257F56-23CE-4A4D-25B1-2CC6198D3E43}"/>
+              </a:ext>
+            </a:extLst>
+          </p:cNvPr>
+          <p:cNvSpPr/>
+          <p:nvPr/>
+        </p:nvSpPr>
+        <p:spPr>
+          <a:xfrm>
+            <a:off x="8085667" y="4648200"/>
+            <a:ext cx="3666066" cy="2082800"/>
+          </a:xfrm>
+          <a:prstGeom prst="can">
+            <a:avLst>
+              <a:gd name="adj" fmla="val 14837"/>
+            </a:avLst>
+          </a:prstGeom>
+        </p:spPr>
+        <p:style>
+          <a:lnRef idx="2">
+            <a:schemeClr val="accent1">
+              <a:shade val="15000"/>
+            </a:schemeClr>
+          </a:lnRef>
+          <a:fillRef idx="1">
+            <a:schemeClr val="accent1"/>
+          </a:fillRef>
+          <a:effectRef idx="0">
+            <a:schemeClr val="accent1"/>
+          </a:effectRef>
+          <a:fontRef idx="minor">
+            <a:schemeClr val="lt1"/>
+          </a:fontRef>
+        </p:style>
+        <p:txBody>
+          <a:bodyPr rtlCol="0" anchor="ctr"/>
+          <a:lstStyle/>
+          <a:p>
+            <a:pPr algn="ctr"/>
+            <a:endParaRPr lang="en-IN"/>
+          </a:p>
+        </p:txBody>
+      </p:sp>
+      <p:sp>
+        <p:nvSpPr>
+          <p:cNvPr id="28" name="Cylinder 27">
+            <a:extLst>
+              <a:ext uri="{FF2B5EF4-FFF2-40B4-BE49-F238E27FC236}">
+                <a16:creationId xmlns:a16="http://schemas.microsoft.com/office/drawing/2014/main" id="{DEA70EE1-716B-CFD3-A6F3-6781506CCD1D}"/>
+              </a:ext>
+            </a:extLst>
+          </p:cNvPr>
+          <p:cNvSpPr/>
+          <p:nvPr/>
+        </p:nvSpPr>
+        <p:spPr>
+          <a:xfrm>
+            <a:off x="8280401" y="5088467"/>
+            <a:ext cx="761999" cy="567266"/>
+          </a:xfrm>
+          <a:prstGeom prst="can">
+            <a:avLst/>
+          </a:prstGeom>
+          <a:solidFill>
+            <a:schemeClr val="accent2"/>
+          </a:solidFill>
+        </p:spPr>
+        <p:style>
+          <a:lnRef idx="2">
+            <a:schemeClr val="accent1">
+              <a:shade val="15000"/>
+            </a:schemeClr>
+          </a:lnRef>
+          <a:fillRef idx="1">
+            <a:schemeClr val="accent1"/>
+          </a:fillRef>
+          <a:effectRef idx="0">
+            <a:schemeClr val="accent1"/>
+          </a:effectRef>
+          <a:fontRef idx="minor">
+            <a:schemeClr val="lt1"/>
+          </a:fontRef>
+        </p:style>
+        <p:txBody>
+          <a:bodyPr rtlCol="0" anchor="ctr"/>
+          <a:lstStyle/>
+          <a:p>
+            <a:pPr algn="ctr"/>
+            <a:endParaRPr lang="en-IN"/>
+          </a:p>
+        </p:txBody>
+      </p:sp>
+      <p:sp>
+        <p:nvSpPr>
+          <p:cNvPr id="29" name="Cylinder 28">
+            <a:extLst>
+              <a:ext uri="{FF2B5EF4-FFF2-40B4-BE49-F238E27FC236}">
+                <a16:creationId xmlns:a16="http://schemas.microsoft.com/office/drawing/2014/main" id="{B9FFA730-3B1E-31F6-1476-EBB8C17A4559}"/>
+              </a:ext>
+            </a:extLst>
+          </p:cNvPr>
+          <p:cNvSpPr/>
+          <p:nvPr/>
+        </p:nvSpPr>
+        <p:spPr>
+          <a:xfrm>
+            <a:off x="9169402" y="5088467"/>
+            <a:ext cx="761999" cy="567266"/>
+          </a:xfrm>
+          <a:prstGeom prst="can">
+            <a:avLst/>
+          </a:prstGeom>
+          <a:solidFill>
+            <a:schemeClr val="accent2"/>
+          </a:solidFill>
+        </p:spPr>
+        <p:style>
+          <a:lnRef idx="2">
+            <a:schemeClr val="accent1">
+              <a:shade val="15000"/>
+            </a:schemeClr>
+          </a:lnRef>
+          <a:fillRef idx="1">
+            <a:schemeClr val="accent1"/>
+          </a:fillRef>
+          <a:effectRef idx="0">
+            <a:schemeClr val="accent1"/>
+          </a:effectRef>
+          <a:fontRef idx="minor">
+            <a:schemeClr val="lt1"/>
+          </a:fontRef>
+        </p:style>
+        <p:txBody>
+          <a:bodyPr rtlCol="0" anchor="ctr"/>
+          <a:lstStyle/>
+          <a:p>
+            <a:pPr algn="ctr"/>
+            <a:endParaRPr lang="en-IN"/>
+          </a:p>
+        </p:txBody>
+      </p:sp>
+      <p:sp>
+        <p:nvSpPr>
+          <p:cNvPr id="30" name="Cylinder 29">
+            <a:extLst>
+              <a:ext uri="{FF2B5EF4-FFF2-40B4-BE49-F238E27FC236}">
+                <a16:creationId xmlns:a16="http://schemas.microsoft.com/office/drawing/2014/main" id="{913F3CA5-5CBC-FEA8-EFB9-6FE001A03EF4}"/>
+              </a:ext>
+            </a:extLst>
+          </p:cNvPr>
+          <p:cNvSpPr/>
+          <p:nvPr/>
+        </p:nvSpPr>
+        <p:spPr>
+          <a:xfrm>
+            <a:off x="8280401" y="5930900"/>
+            <a:ext cx="761999" cy="567266"/>
+          </a:xfrm>
+          <a:prstGeom prst="can">
+            <a:avLst/>
+          </a:prstGeom>
+          <a:solidFill>
+            <a:schemeClr val="accent2"/>
+          </a:solidFill>
+        </p:spPr>
+        <p:style>
+          <a:lnRef idx="2">
+            <a:schemeClr val="accent1">
+              <a:shade val="15000"/>
+            </a:schemeClr>
+          </a:lnRef>
+          <a:fillRef idx="1">
+            <a:schemeClr val="accent1"/>
+          </a:fillRef>
+          <a:effectRef idx="0">
+            <a:schemeClr val="accent1"/>
+          </a:effectRef>
+          <a:fontRef idx="minor">
+            <a:schemeClr val="lt1"/>
+          </a:fontRef>
+        </p:style>
+        <p:txBody>
+          <a:bodyPr rtlCol="0" anchor="ctr"/>
+          <a:lstStyle/>
+          <a:p>
+            <a:pPr algn="ctr"/>
+            <a:endParaRPr lang="en-IN"/>
+          </a:p>
+        </p:txBody>
+      </p:sp>
+      <p:sp>
+        <p:nvSpPr>
+          <p:cNvPr id="31" name="Cylinder 30">
+            <a:extLst>
+              <a:ext uri="{FF2B5EF4-FFF2-40B4-BE49-F238E27FC236}">
+                <a16:creationId xmlns:a16="http://schemas.microsoft.com/office/drawing/2014/main" id="{0B53FD66-DE09-B46D-ACC3-C3D7C8DFAAA9}"/>
+              </a:ext>
+            </a:extLst>
+          </p:cNvPr>
+          <p:cNvSpPr/>
+          <p:nvPr/>
+        </p:nvSpPr>
+        <p:spPr>
+          <a:xfrm>
+            <a:off x="9169402" y="5930900"/>
+            <a:ext cx="761999" cy="567266"/>
+          </a:xfrm>
+          <a:prstGeom prst="can">
+            <a:avLst/>
+          </a:prstGeom>
+          <a:solidFill>
+            <a:schemeClr val="accent2"/>
+          </a:solidFill>
+        </p:spPr>
+        <p:style>
+          <a:lnRef idx="2">
+            <a:schemeClr val="accent1">
+              <a:shade val="15000"/>
+            </a:schemeClr>
+          </a:lnRef>
+          <a:fillRef idx="1">
+            <a:schemeClr val="accent1"/>
+          </a:fillRef>
+          <a:effectRef idx="0">
+            <a:schemeClr val="accent1"/>
+          </a:effectRef>
+          <a:fontRef idx="minor">
+            <a:schemeClr val="lt1"/>
+          </a:fontRef>
+        </p:style>
+        <p:txBody>
+          <a:bodyPr rtlCol="0" anchor="ctr"/>
+          <a:lstStyle/>
+          <a:p>
+            <a:pPr algn="ctr"/>
+            <a:endParaRPr lang="en-IN"/>
+          </a:p>
+        </p:txBody>
+      </p:sp>
+      <p:sp>
+        <p:nvSpPr>
+          <p:cNvPr id="32" name="Cylinder 31">
+            <a:extLst>
+              <a:ext uri="{FF2B5EF4-FFF2-40B4-BE49-F238E27FC236}">
+                <a16:creationId xmlns:a16="http://schemas.microsoft.com/office/drawing/2014/main" id="{4A16D25A-157B-BB1D-B840-D5E3C68320DC}"/>
+              </a:ext>
+            </a:extLst>
+          </p:cNvPr>
+          <p:cNvSpPr/>
+          <p:nvPr/>
+        </p:nvSpPr>
+        <p:spPr>
+          <a:xfrm>
+            <a:off x="10016067" y="5456766"/>
+            <a:ext cx="761999" cy="567266"/>
+          </a:xfrm>
+          <a:prstGeom prst="can">
+            <a:avLst/>
+          </a:prstGeom>
+          <a:solidFill>
+            <a:schemeClr val="accent2"/>
+          </a:solidFill>
+        </p:spPr>
+        <p:style>
+          <a:lnRef idx="2">
+            <a:schemeClr val="accent1">
+              <a:shade val="15000"/>
+            </a:schemeClr>
+          </a:lnRef>
+          <a:fillRef idx="1">
+            <a:schemeClr val="accent1"/>
+          </a:fillRef>
+          <a:effectRef idx="0">
+            <a:schemeClr val="accent1"/>
+          </a:effectRef>
+          <a:fontRef idx="minor">
+            <a:schemeClr val="lt1"/>
+          </a:fontRef>
+        </p:style>
+        <p:txBody>
+          <a:bodyPr rtlCol="0" anchor="ctr"/>
+          <a:lstStyle/>
+          <a:p>
+            <a:pPr algn="ctr"/>
+            <a:endParaRPr lang="en-IN"/>
+          </a:p>
+        </p:txBody>
+      </p:sp>
+      <p:sp>
+        <p:nvSpPr>
+          <p:cNvPr id="33" name="Cylinder 32">
+            <a:extLst>
+              <a:ext uri="{FF2B5EF4-FFF2-40B4-BE49-F238E27FC236}">
+                <a16:creationId xmlns:a16="http://schemas.microsoft.com/office/drawing/2014/main" id="{633956AB-9C5E-6C43-F4E1-089D506D8E40}"/>
+              </a:ext>
+            </a:extLst>
+          </p:cNvPr>
+          <p:cNvSpPr/>
+          <p:nvPr/>
+        </p:nvSpPr>
+        <p:spPr>
+          <a:xfrm>
+            <a:off x="10905068" y="5456766"/>
+            <a:ext cx="761999" cy="567266"/>
+          </a:xfrm>
+          <a:prstGeom prst="can">
+            <a:avLst/>
+          </a:prstGeom>
+          <a:solidFill>
+            <a:schemeClr val="accent2"/>
+          </a:solidFill>
+        </p:spPr>
+        <p:style>
+          <a:lnRef idx="2">
+            <a:schemeClr val="accent1">
+              <a:shade val="15000"/>
+            </a:schemeClr>
+          </a:lnRef>
+          <a:fillRef idx="1">
+            <a:schemeClr val="accent1"/>
+          </a:fillRef>
+          <a:effectRef idx="0">
+            <a:schemeClr val="accent1"/>
+          </a:effectRef>
+          <a:fontRef idx="minor">
+            <a:schemeClr val="lt1"/>
+          </a:fontRef>
+        </p:style>
+        <p:txBody>
+          <a:bodyPr rtlCol="0" anchor="ctr"/>
+          <a:lstStyle/>
+          <a:p>
+            <a:pPr algn="ctr"/>
+            <a:endParaRPr lang="en-IN"/>
+          </a:p>
+        </p:txBody>
+      </p:sp>
+      <p:sp>
+        <p:nvSpPr>
+          <p:cNvPr id="34" name="Right Brace 33">
+            <a:extLst>
+              <a:ext uri="{FF2B5EF4-FFF2-40B4-BE49-F238E27FC236}">
+                <a16:creationId xmlns:a16="http://schemas.microsoft.com/office/drawing/2014/main" id="{725116EA-03F2-D7B5-57C2-E52226963D2E}"/>
+              </a:ext>
+            </a:extLst>
+          </p:cNvPr>
+          <p:cNvSpPr/>
+          <p:nvPr/>
+        </p:nvSpPr>
+        <p:spPr>
+          <a:xfrm rot="5400000">
+            <a:off x="3713692" y="2607736"/>
+            <a:ext cx="785281" cy="6993466"/>
+          </a:xfrm>
+          <a:prstGeom prst="rightBrace">
+            <a:avLst/>
+          </a:prstGeom>
+        </p:spPr>
+        <p:style>
+          <a:lnRef idx="2">
+            <a:schemeClr val="accent1"/>
+          </a:lnRef>
+          <a:fillRef idx="0">
+            <a:schemeClr val="accent1"/>
+          </a:fillRef>
+          <a:effectRef idx="1">
+            <a:schemeClr val="accent1"/>
+          </a:effectRef>
+          <a:fontRef idx="minor">
+            <a:schemeClr val="tx1"/>
+          </a:fontRef>
+        </p:style>
+        <p:txBody>
+          <a:bodyPr rtlCol="0" anchor="ctr"/>
+          <a:lstStyle/>
+          <a:p>
+            <a:pPr algn="ctr"/>
+            <a:endParaRPr lang="en-IN"/>
+          </a:p>
+        </p:txBody>
+      </p:sp>
+      <p:cxnSp>
+        <p:nvCxnSpPr>
+          <p:cNvPr id="36" name="Connector: Curved 35">
+            <a:extLst>
+              <a:ext uri="{FF2B5EF4-FFF2-40B4-BE49-F238E27FC236}">
+                <a16:creationId xmlns:a16="http://schemas.microsoft.com/office/drawing/2014/main" id="{B62E3353-DF9A-07BB-0245-58FB2E631427}"/>
+              </a:ext>
+            </a:extLst>
+          </p:cNvPr>
+          <p:cNvCxnSpPr>
+            <a:stCxn id="34" idx="1"/>
+            <a:endCxn id="27" idx="3"/>
+          </p:cNvCxnSpPr>
+          <p:nvPr/>
+        </p:nvCxnSpPr>
+        <p:spPr>
+          <a:xfrm rot="16200000" flipH="1">
+            <a:off x="6895571" y="3707872"/>
+            <a:ext cx="233890" cy="5812367"/>
+          </a:xfrm>
+          <a:prstGeom prst="curvedConnector5">
+            <a:avLst>
+              <a:gd name="adj1" fmla="val -97738"/>
+              <a:gd name="adj2" fmla="val 37609"/>
+              <a:gd name="adj3" fmla="val 114479"/>
+            </a:avLst>
+          </a:prstGeom>
+          <a:ln>
+            <a:headEnd type="triangle"/>
+            <a:tailEnd type="triangle"/>
+          </a:ln>
+        </p:spPr>
+        <p:style>
+          <a:lnRef idx="2">
+            <a:schemeClr val="accent1"/>
+          </a:lnRef>
+          <a:fillRef idx="0">
+            <a:schemeClr val="accent1"/>
+          </a:fillRef>
+          <a:effectRef idx="1">
+            <a:schemeClr val="accent1"/>
+          </a:effectRef>
+          <a:fontRef idx="minor">
+            <a:schemeClr val="tx1"/>
+          </a:fontRef>
+        </p:style>
+      </p:cxnSp>
+      <p:sp>
+        <p:nvSpPr>
+          <p:cNvPr id="38" name="Cylinder 37">
+            <a:extLst>
+              <a:ext uri="{FF2B5EF4-FFF2-40B4-BE49-F238E27FC236}">
+                <a16:creationId xmlns:a16="http://schemas.microsoft.com/office/drawing/2014/main" id="{2F23DD95-13DB-A6E4-11E8-D32BAD466740}"/>
+              </a:ext>
+            </a:extLst>
+          </p:cNvPr>
+          <p:cNvSpPr/>
+          <p:nvPr/>
+        </p:nvSpPr>
+        <p:spPr>
+          <a:xfrm>
+            <a:off x="8301569" y="5289022"/>
+            <a:ext cx="275164" cy="277812"/>
+          </a:xfrm>
+          <a:prstGeom prst="can">
+            <a:avLst/>
+          </a:prstGeom>
+        </p:spPr>
+        <p:style>
+          <a:lnRef idx="2">
+            <a:schemeClr val="accent1">
+              <a:shade val="15000"/>
+            </a:schemeClr>
+          </a:lnRef>
+          <a:fillRef idx="1">
+            <a:schemeClr val="accent1"/>
+          </a:fillRef>
+          <a:effectRef idx="0">
+            <a:schemeClr val="accent1"/>
+          </a:effectRef>
+          <a:fontRef idx="minor">
+            <a:schemeClr val="lt1"/>
+          </a:fontRef>
+        </p:style>
+        <p:txBody>
+          <a:bodyPr rtlCol="0" anchor="ctr"/>
+          <a:lstStyle/>
+          <a:p>
+            <a:pPr algn="ctr"/>
+            <a:endParaRPr lang="en-IN"/>
+          </a:p>
+        </p:txBody>
+      </p:sp>
+      <p:sp>
+        <p:nvSpPr>
+          <p:cNvPr id="39" name="Cylinder 38">
+            <a:extLst>
+              <a:ext uri="{FF2B5EF4-FFF2-40B4-BE49-F238E27FC236}">
+                <a16:creationId xmlns:a16="http://schemas.microsoft.com/office/drawing/2014/main" id="{4DBC10CF-43A8-C97B-66C7-B7ED717D8EFE}"/>
+              </a:ext>
+            </a:extLst>
+          </p:cNvPr>
+          <p:cNvSpPr/>
+          <p:nvPr/>
+        </p:nvSpPr>
+        <p:spPr>
+          <a:xfrm>
+            <a:off x="8697383" y="5289022"/>
+            <a:ext cx="275164" cy="277812"/>
+          </a:xfrm>
+          <a:prstGeom prst="can">
+            <a:avLst/>
+          </a:prstGeom>
+        </p:spPr>
+        <p:style>
+          <a:lnRef idx="2">
+            <a:schemeClr val="accent1">
+              <a:shade val="15000"/>
+            </a:schemeClr>
+          </a:lnRef>
+          <a:fillRef idx="1">
+            <a:schemeClr val="accent1"/>
+          </a:fillRef>
+          <a:effectRef idx="0">
+            <a:schemeClr val="accent1"/>
+          </a:effectRef>
+          <a:fontRef idx="minor">
+            <a:schemeClr val="lt1"/>
+          </a:fontRef>
+        </p:style>
+        <p:txBody>
+          <a:bodyPr rtlCol="0" anchor="ctr"/>
+          <a:lstStyle/>
+          <a:p>
+            <a:pPr algn="ctr"/>
+            <a:endParaRPr lang="en-IN"/>
+          </a:p>
+        </p:txBody>
+      </p:sp>
+      <p:sp>
+        <p:nvSpPr>
+          <p:cNvPr id="40" name="Cylinder 39">
+            <a:extLst>
+              <a:ext uri="{FF2B5EF4-FFF2-40B4-BE49-F238E27FC236}">
+                <a16:creationId xmlns:a16="http://schemas.microsoft.com/office/drawing/2014/main" id="{F1F5F8F2-A6B5-6EB2-2118-988E3DCDDB52}"/>
+              </a:ext>
+            </a:extLst>
+          </p:cNvPr>
+          <p:cNvSpPr/>
+          <p:nvPr/>
+        </p:nvSpPr>
+        <p:spPr>
+          <a:xfrm>
+            <a:off x="8335436" y="6156855"/>
+            <a:ext cx="275164" cy="277812"/>
+          </a:xfrm>
+          <a:prstGeom prst="can">
+            <a:avLst/>
+          </a:prstGeom>
+        </p:spPr>
+        <p:style>
+          <a:lnRef idx="2">
+            <a:schemeClr val="accent1">
+              <a:shade val="15000"/>
+            </a:schemeClr>
+          </a:lnRef>
+          <a:fillRef idx="1">
+            <a:schemeClr val="accent1"/>
+          </a:fillRef>
+          <a:effectRef idx="0">
+            <a:schemeClr val="accent1"/>
+          </a:effectRef>
+          <a:fontRef idx="minor">
+            <a:schemeClr val="lt1"/>
+          </a:fontRef>
+        </p:style>
+        <p:txBody>
+          <a:bodyPr rtlCol="0" anchor="ctr"/>
+          <a:lstStyle/>
+          <a:p>
+            <a:pPr algn="ctr"/>
+            <a:endParaRPr lang="en-IN"/>
+          </a:p>
+        </p:txBody>
+      </p:sp>
+      <p:sp>
+        <p:nvSpPr>
+          <p:cNvPr id="41" name="Cylinder 40">
+            <a:extLst>
+              <a:ext uri="{FF2B5EF4-FFF2-40B4-BE49-F238E27FC236}">
+                <a16:creationId xmlns:a16="http://schemas.microsoft.com/office/drawing/2014/main" id="{47C6DCD1-208C-C809-B76F-14B5F5FD7EB1}"/>
+              </a:ext>
+            </a:extLst>
+          </p:cNvPr>
+          <p:cNvSpPr/>
+          <p:nvPr/>
+        </p:nvSpPr>
+        <p:spPr>
+          <a:xfrm>
+            <a:off x="8731250" y="6156855"/>
+            <a:ext cx="275164" cy="277812"/>
+          </a:xfrm>
+          <a:prstGeom prst="can">
+            <a:avLst/>
+          </a:prstGeom>
+        </p:spPr>
+        <p:style>
+          <a:lnRef idx="2">
+            <a:schemeClr val="accent1">
+              <a:shade val="15000"/>
+            </a:schemeClr>
+          </a:lnRef>
+          <a:fillRef idx="1">
+            <a:schemeClr val="accent1"/>
+          </a:fillRef>
+          <a:effectRef idx="0">
+            <a:schemeClr val="accent1"/>
+          </a:effectRef>
+          <a:fontRef idx="minor">
+            <a:schemeClr val="lt1"/>
+          </a:fontRef>
+        </p:style>
+        <p:txBody>
+          <a:bodyPr rtlCol="0" anchor="ctr"/>
+          <a:lstStyle/>
+          <a:p>
+            <a:pPr algn="ctr"/>
+            <a:endParaRPr lang="en-IN"/>
+          </a:p>
+        </p:txBody>
+      </p:sp>
+      <p:sp>
+        <p:nvSpPr>
+          <p:cNvPr id="42" name="Cylinder 41">
+            <a:extLst>
+              <a:ext uri="{FF2B5EF4-FFF2-40B4-BE49-F238E27FC236}">
+                <a16:creationId xmlns:a16="http://schemas.microsoft.com/office/drawing/2014/main" id="{DF51924A-3DA1-4FF3-E000-119998ED8B8B}"/>
+              </a:ext>
+            </a:extLst>
+          </p:cNvPr>
+          <p:cNvSpPr/>
+          <p:nvPr/>
+        </p:nvSpPr>
+        <p:spPr>
+          <a:xfrm>
+            <a:off x="9186335" y="6125370"/>
+            <a:ext cx="275164" cy="277812"/>
+          </a:xfrm>
+          <a:prstGeom prst="can">
+            <a:avLst/>
+          </a:prstGeom>
+        </p:spPr>
+        <p:style>
+          <a:lnRef idx="2">
+            <a:schemeClr val="accent1">
+              <a:shade val="15000"/>
+            </a:schemeClr>
+          </a:lnRef>
+          <a:fillRef idx="1">
+            <a:schemeClr val="accent1"/>
+          </a:fillRef>
+          <a:effectRef idx="0">
+            <a:schemeClr val="accent1"/>
+          </a:effectRef>
+          <a:fontRef idx="minor">
+            <a:schemeClr val="lt1"/>
+          </a:fontRef>
+        </p:style>
+        <p:txBody>
+          <a:bodyPr rtlCol="0" anchor="ctr"/>
+          <a:lstStyle/>
+          <a:p>
+            <a:pPr algn="ctr"/>
+            <a:endParaRPr lang="en-IN"/>
+          </a:p>
+        </p:txBody>
+      </p:sp>
+      <p:sp>
+        <p:nvSpPr>
+          <p:cNvPr id="43" name="Cylinder 42">
+            <a:extLst>
+              <a:ext uri="{FF2B5EF4-FFF2-40B4-BE49-F238E27FC236}">
+                <a16:creationId xmlns:a16="http://schemas.microsoft.com/office/drawing/2014/main" id="{99180AB9-C23B-9560-AE13-E5784D624E1D}"/>
+              </a:ext>
+            </a:extLst>
+          </p:cNvPr>
+          <p:cNvSpPr/>
+          <p:nvPr/>
+        </p:nvSpPr>
+        <p:spPr>
+          <a:xfrm>
+            <a:off x="9582149" y="6125370"/>
+            <a:ext cx="275164" cy="277812"/>
+          </a:xfrm>
+          <a:prstGeom prst="can">
+            <a:avLst/>
+          </a:prstGeom>
+        </p:spPr>
+        <p:style>
+          <a:lnRef idx="2">
+            <a:schemeClr val="accent1">
+              <a:shade val="15000"/>
+            </a:schemeClr>
+          </a:lnRef>
+          <a:fillRef idx="1">
+            <a:schemeClr val="accent1"/>
+          </a:fillRef>
+          <a:effectRef idx="0">
+            <a:schemeClr val="accent1"/>
+          </a:effectRef>
+          <a:fontRef idx="minor">
+            <a:schemeClr val="lt1"/>
+          </a:fontRef>
+        </p:style>
+        <p:txBody>
+          <a:bodyPr rtlCol="0" anchor="ctr"/>
+          <a:lstStyle/>
+          <a:p>
+            <a:pPr algn="ctr"/>
+            <a:endParaRPr lang="en-IN"/>
+          </a:p>
+        </p:txBody>
+      </p:sp>
+      <p:sp>
+        <p:nvSpPr>
+          <p:cNvPr id="44" name="Cylinder 43">
+            <a:extLst>
+              <a:ext uri="{FF2B5EF4-FFF2-40B4-BE49-F238E27FC236}">
+                <a16:creationId xmlns:a16="http://schemas.microsoft.com/office/drawing/2014/main" id="{2271A947-4C0D-6511-CDFD-5D71BB54287E}"/>
+              </a:ext>
+            </a:extLst>
+          </p:cNvPr>
+          <p:cNvSpPr/>
+          <p:nvPr/>
+        </p:nvSpPr>
+        <p:spPr>
+          <a:xfrm>
+            <a:off x="9241367" y="5260447"/>
+            <a:ext cx="275164" cy="277812"/>
+          </a:xfrm>
+          <a:prstGeom prst="can">
+            <a:avLst/>
+          </a:prstGeom>
+        </p:spPr>
+        <p:style>
+          <a:lnRef idx="2">
+            <a:schemeClr val="accent1">
+              <a:shade val="15000"/>
+            </a:schemeClr>
+          </a:lnRef>
+          <a:fillRef idx="1">
+            <a:schemeClr val="accent1"/>
+          </a:fillRef>
+          <a:effectRef idx="0">
+            <a:schemeClr val="accent1"/>
+          </a:effectRef>
+          <a:fontRef idx="minor">
+            <a:schemeClr val="lt1"/>
+          </a:fontRef>
+        </p:style>
+        <p:txBody>
+          <a:bodyPr rtlCol="0" anchor="ctr"/>
+          <a:lstStyle/>
+          <a:p>
+            <a:pPr algn="ctr"/>
+            <a:endParaRPr lang="en-IN"/>
+          </a:p>
+        </p:txBody>
+      </p:sp>
+      <p:sp>
+        <p:nvSpPr>
+          <p:cNvPr id="45" name="Cylinder 44">
+            <a:extLst>
+              <a:ext uri="{FF2B5EF4-FFF2-40B4-BE49-F238E27FC236}">
+                <a16:creationId xmlns:a16="http://schemas.microsoft.com/office/drawing/2014/main" id="{5714018C-49C0-E0C4-9E24-92178C78B9E6}"/>
+              </a:ext>
+            </a:extLst>
+          </p:cNvPr>
+          <p:cNvSpPr/>
+          <p:nvPr/>
+        </p:nvSpPr>
+        <p:spPr>
+          <a:xfrm>
+            <a:off x="9637181" y="5260447"/>
+            <a:ext cx="275164" cy="277812"/>
+          </a:xfrm>
+          <a:prstGeom prst="can">
+            <a:avLst/>
+          </a:prstGeom>
+        </p:spPr>
+        <p:style>
+          <a:lnRef idx="2">
+            <a:schemeClr val="accent1">
+              <a:shade val="15000"/>
+            </a:schemeClr>
+          </a:lnRef>
+          <a:fillRef idx="1">
+            <a:schemeClr val="accent1"/>
+          </a:fillRef>
+          <a:effectRef idx="0">
+            <a:schemeClr val="accent1"/>
+          </a:effectRef>
+          <a:fontRef idx="minor">
+            <a:schemeClr val="lt1"/>
+          </a:fontRef>
+        </p:style>
+        <p:txBody>
+          <a:bodyPr rtlCol="0" anchor="ctr"/>
+          <a:lstStyle/>
+          <a:p>
+            <a:pPr algn="ctr"/>
+            <a:endParaRPr lang="en-IN"/>
+          </a:p>
+        </p:txBody>
+      </p:sp>
+      <p:sp>
+        <p:nvSpPr>
+          <p:cNvPr id="46" name="Cylinder 45">
+            <a:extLst>
+              <a:ext uri="{FF2B5EF4-FFF2-40B4-BE49-F238E27FC236}">
+                <a16:creationId xmlns:a16="http://schemas.microsoft.com/office/drawing/2014/main" id="{1D54AB78-0F7C-63F8-6A8A-0E9C39B410CD}"/>
+              </a:ext>
+            </a:extLst>
+          </p:cNvPr>
+          <p:cNvSpPr/>
+          <p:nvPr/>
+        </p:nvSpPr>
+        <p:spPr>
+          <a:xfrm>
+            <a:off x="10022414" y="5653088"/>
+            <a:ext cx="275164" cy="277812"/>
+          </a:xfrm>
+          <a:prstGeom prst="can">
+            <a:avLst/>
+          </a:prstGeom>
+        </p:spPr>
+        <p:style>
+          <a:lnRef idx="2">
+            <a:schemeClr val="accent1">
+              <a:shade val="15000"/>
+            </a:schemeClr>
+          </a:lnRef>
+          <a:fillRef idx="1">
+            <a:schemeClr val="accent1"/>
+          </a:fillRef>
+          <a:effectRef idx="0">
+            <a:schemeClr val="accent1"/>
+          </a:effectRef>
+          <a:fontRef idx="minor">
+            <a:schemeClr val="lt1"/>
+          </a:fontRef>
+        </p:style>
+        <p:txBody>
+          <a:bodyPr rtlCol="0" anchor="ctr"/>
+          <a:lstStyle/>
+          <a:p>
+            <a:pPr algn="ctr"/>
+            <a:endParaRPr lang="en-IN"/>
+          </a:p>
+        </p:txBody>
+      </p:sp>
+      <p:sp>
+        <p:nvSpPr>
+          <p:cNvPr id="47" name="Cylinder 46">
+            <a:extLst>
+              <a:ext uri="{FF2B5EF4-FFF2-40B4-BE49-F238E27FC236}">
+                <a16:creationId xmlns:a16="http://schemas.microsoft.com/office/drawing/2014/main" id="{EA1C27AE-FA71-DBFB-0062-28974D23FD95}"/>
+              </a:ext>
+            </a:extLst>
+          </p:cNvPr>
+          <p:cNvSpPr/>
+          <p:nvPr/>
+        </p:nvSpPr>
+        <p:spPr>
+          <a:xfrm>
+            <a:off x="10418228" y="5653088"/>
+            <a:ext cx="275164" cy="277812"/>
+          </a:xfrm>
+          <a:prstGeom prst="can">
+            <a:avLst/>
+          </a:prstGeom>
+        </p:spPr>
+        <p:style>
+          <a:lnRef idx="2">
+            <a:schemeClr val="accent1">
+              <a:shade val="15000"/>
+            </a:schemeClr>
+          </a:lnRef>
+          <a:fillRef idx="1">
+            <a:schemeClr val="accent1"/>
+          </a:fillRef>
+          <a:effectRef idx="0">
+            <a:schemeClr val="accent1"/>
+          </a:effectRef>
+          <a:fontRef idx="minor">
+            <a:schemeClr val="lt1"/>
+          </a:fontRef>
+        </p:style>
+        <p:txBody>
+          <a:bodyPr rtlCol="0" anchor="ctr"/>
+          <a:lstStyle/>
+          <a:p>
+            <a:pPr algn="ctr"/>
+            <a:endParaRPr lang="en-IN"/>
+          </a:p>
+        </p:txBody>
+      </p:sp>
+      <p:sp>
+        <p:nvSpPr>
+          <p:cNvPr id="48" name="Cylinder 47">
+            <a:extLst>
+              <a:ext uri="{FF2B5EF4-FFF2-40B4-BE49-F238E27FC236}">
+                <a16:creationId xmlns:a16="http://schemas.microsoft.com/office/drawing/2014/main" id="{5A380DCB-CA98-E539-57C4-FA6C9044D306}"/>
+              </a:ext>
+            </a:extLst>
+          </p:cNvPr>
+          <p:cNvSpPr/>
+          <p:nvPr/>
+        </p:nvSpPr>
+        <p:spPr>
+          <a:xfrm>
+            <a:off x="10953756" y="5653880"/>
+            <a:ext cx="275164" cy="277812"/>
+          </a:xfrm>
+          <a:prstGeom prst="can">
+            <a:avLst/>
+          </a:prstGeom>
+        </p:spPr>
+        <p:style>
+          <a:lnRef idx="2">
+            <a:schemeClr val="accent1">
+              <a:shade val="15000"/>
+            </a:schemeClr>
+          </a:lnRef>
+          <a:fillRef idx="1">
+            <a:schemeClr val="accent1"/>
+          </a:fillRef>
+          <a:effectRef idx="0">
+            <a:schemeClr val="accent1"/>
+          </a:effectRef>
+          <a:fontRef idx="minor">
+            <a:schemeClr val="lt1"/>
+          </a:fontRef>
+        </p:style>
+        <p:txBody>
+          <a:bodyPr rtlCol="0" anchor="ctr"/>
+          <a:lstStyle/>
+          <a:p>
+            <a:pPr algn="ctr"/>
+            <a:endParaRPr lang="en-IN"/>
+          </a:p>
+        </p:txBody>
+      </p:sp>
+      <p:sp>
+        <p:nvSpPr>
+          <p:cNvPr id="49" name="Cylinder 48">
+            <a:extLst>
+              <a:ext uri="{FF2B5EF4-FFF2-40B4-BE49-F238E27FC236}">
+                <a16:creationId xmlns:a16="http://schemas.microsoft.com/office/drawing/2014/main" id="{B8E80D6F-C015-A462-59F1-A4E85C4B00B2}"/>
+              </a:ext>
+            </a:extLst>
+          </p:cNvPr>
+          <p:cNvSpPr/>
+          <p:nvPr/>
+        </p:nvSpPr>
+        <p:spPr>
+          <a:xfrm>
+            <a:off x="11349570" y="5653880"/>
+            <a:ext cx="275164" cy="277812"/>
+          </a:xfrm>
+          <a:prstGeom prst="can">
+            <a:avLst/>
+          </a:prstGeom>
+        </p:spPr>
+        <p:style>
+          <a:lnRef idx="2">
+            <a:schemeClr val="accent1">
+              <a:shade val="15000"/>
+            </a:schemeClr>
+          </a:lnRef>
+          <a:fillRef idx="1">
+            <a:schemeClr val="accent1"/>
+          </a:fillRef>
+          <a:effectRef idx="0">
+            <a:schemeClr val="accent1"/>
+          </a:effectRef>
+          <a:fontRef idx="minor">
+            <a:schemeClr val="lt1"/>
+          </a:fontRef>
+        </p:style>
+        <p:txBody>
+          <a:bodyPr rtlCol="0" anchor="ctr"/>
+          <a:lstStyle/>
+          <a:p>
+            <a:pPr algn="ctr"/>
+            <a:endParaRPr lang="en-IN"/>
+          </a:p>
+        </p:txBody>
+      </p:sp>
+    </p:spTree>
+    <p:extLst>
+      <p:ext uri="{BB962C8B-B14F-4D97-AF65-F5344CB8AC3E}">
+        <p14:creationId xmlns:p14="http://schemas.microsoft.com/office/powerpoint/2010/main" val="1112714263"/>
+      </p:ext>
+    </p:extLst>
+  </p:cSld>
+  <p:clrMapOvr>
+    <a:masterClrMapping/>
+  </p:clrMapOvr>
+</p:sld>
+</file>
+
+<file path=ppt/slides/slide36.xml><?xml version="1.0" encoding="utf-8"?>
+<p:sld xmlns:a="http://schemas.openxmlformats.org/drawingml/2006/main" xmlns:r="http://schemas.openxmlformats.org/officeDocument/2006/relationships" xmlns:p="http://schemas.openxmlformats.org/presentationml/2006/main">
+  <p:cSld>
+    <p:spTree>
+      <p:nvGrpSpPr>
+        <p:cNvPr id="1" name=""/>
+        <p:cNvGrpSpPr/>
+        <p:nvPr/>
+      </p:nvGrpSpPr>
+      <p:grpSpPr>
+        <a:xfrm>
+          <a:off x="0" y="0"/>
+          <a:ext cx="0" cy="0"/>
+          <a:chOff x="0" y="0"/>
+          <a:chExt cx="0" cy="0"/>
+        </a:xfrm>
+      </p:grpSpPr>
+      <p:sp>
+        <p:nvSpPr>
+          <p:cNvPr id="2" name="Rectangle 1">
+            <a:extLst>
+              <a:ext uri="{FF2B5EF4-FFF2-40B4-BE49-F238E27FC236}">
+                <a16:creationId xmlns:a16="http://schemas.microsoft.com/office/drawing/2014/main" id="{B7DC831A-A6A5-1519-CE15-50C3B9F8C765}"/>
+              </a:ext>
+            </a:extLst>
+          </p:cNvPr>
+          <p:cNvSpPr/>
+          <p:nvPr/>
+        </p:nvSpPr>
+        <p:spPr>
+          <a:xfrm>
+            <a:off x="160867" y="228600"/>
+            <a:ext cx="11853333" cy="6434667"/>
+          </a:xfrm>
+          <a:prstGeom prst="rect">
+            <a:avLst/>
+          </a:prstGeom>
+        </p:spPr>
+        <p:style>
+          <a:lnRef idx="1">
+            <a:schemeClr val="accent2"/>
+          </a:lnRef>
+          <a:fillRef idx="2">
+            <a:schemeClr val="accent2"/>
+          </a:fillRef>
+          <a:effectRef idx="1">
+            <a:schemeClr val="accent2"/>
+          </a:effectRef>
+          <a:fontRef idx="minor">
+            <a:schemeClr val="dk1"/>
+          </a:fontRef>
+        </p:style>
+        <p:txBody>
+          <a:bodyPr rtlCol="0" anchor="ctr"/>
+          <a:lstStyle/>
+          <a:p>
+            <a:pPr algn="ctr"/>
+            <a:endParaRPr lang="en-IN"/>
+          </a:p>
+        </p:txBody>
+      </p:sp>
+      <p:sp>
+        <p:nvSpPr>
+          <p:cNvPr id="3" name="TextBox 2">
+            <a:extLst>
+              <a:ext uri="{FF2B5EF4-FFF2-40B4-BE49-F238E27FC236}">
+                <a16:creationId xmlns:a16="http://schemas.microsoft.com/office/drawing/2014/main" id="{C2116DF3-CCA7-5858-0D4D-86937B87C66D}"/>
+              </a:ext>
+            </a:extLst>
+          </p:cNvPr>
+          <p:cNvSpPr txBox="1"/>
+          <p:nvPr/>
+        </p:nvSpPr>
+        <p:spPr>
+          <a:xfrm>
+            <a:off x="9033933" y="355600"/>
+            <a:ext cx="2827867" cy="646331"/>
+          </a:xfrm>
+          <a:prstGeom prst="rect">
+            <a:avLst/>
+          </a:prstGeom>
+          <a:noFill/>
+        </p:spPr>
+        <p:txBody>
+          <a:bodyPr wrap="square" rtlCol="0">
+            <a:spAutoFit/>
+          </a:bodyPr>
+          <a:lstStyle/>
+          <a:p>
+            <a:pPr algn="ctr"/>
+            <a:r>
+              <a:rPr lang="en-IN" b="1" dirty="0"/>
+              <a:t>Container App /  Hosting App</a:t>
+            </a:r>
+          </a:p>
+        </p:txBody>
+      </p:sp>
+      <p:sp>
+        <p:nvSpPr>
+          <p:cNvPr id="4" name="Rectangle 3">
+            <a:extLst>
+              <a:ext uri="{FF2B5EF4-FFF2-40B4-BE49-F238E27FC236}">
+                <a16:creationId xmlns:a16="http://schemas.microsoft.com/office/drawing/2014/main" id="{9A42F66A-C6A6-A5B6-D827-084293249D8F}"/>
+              </a:ext>
+            </a:extLst>
+          </p:cNvPr>
+          <p:cNvSpPr/>
+          <p:nvPr/>
+        </p:nvSpPr>
+        <p:spPr>
+          <a:xfrm>
+            <a:off x="330200" y="1202267"/>
+            <a:ext cx="3928533" cy="4783666"/>
+          </a:xfrm>
+          <a:prstGeom prst="rect">
+            <a:avLst/>
+          </a:prstGeom>
+        </p:spPr>
+        <p:style>
+          <a:lnRef idx="2">
+            <a:schemeClr val="accent1">
+              <a:shade val="15000"/>
+            </a:schemeClr>
+          </a:lnRef>
+          <a:fillRef idx="1">
+            <a:schemeClr val="accent1"/>
+          </a:fillRef>
+          <a:effectRef idx="0">
+            <a:schemeClr val="accent1"/>
+          </a:effectRef>
+          <a:fontRef idx="minor">
+            <a:schemeClr val="lt1"/>
+          </a:fontRef>
+        </p:style>
+        <p:txBody>
+          <a:bodyPr rtlCol="0" anchor="ctr"/>
+          <a:lstStyle/>
+          <a:p>
+            <a:pPr algn="ctr"/>
+            <a:endParaRPr lang="en-IN"/>
+          </a:p>
+        </p:txBody>
+      </p:sp>
+      <p:sp>
+        <p:nvSpPr>
+          <p:cNvPr id="5" name="TextBox 4">
+            <a:extLst>
+              <a:ext uri="{FF2B5EF4-FFF2-40B4-BE49-F238E27FC236}">
+                <a16:creationId xmlns:a16="http://schemas.microsoft.com/office/drawing/2014/main" id="{2337EF78-B4B1-DBB3-2E61-8054E5DB153E}"/>
+              </a:ext>
+            </a:extLst>
+          </p:cNvPr>
+          <p:cNvSpPr txBox="1"/>
+          <p:nvPr/>
+        </p:nvSpPr>
+        <p:spPr>
+          <a:xfrm>
+            <a:off x="397933" y="1397000"/>
+            <a:ext cx="3691467" cy="369332"/>
+          </a:xfrm>
+          <a:prstGeom prst="rect">
+            <a:avLst/>
+          </a:prstGeom>
+          <a:noFill/>
+        </p:spPr>
+        <p:txBody>
+          <a:bodyPr wrap="square" rtlCol="0">
+            <a:spAutoFit/>
+          </a:bodyPr>
+          <a:lstStyle/>
+          <a:p>
+            <a:pPr algn="ctr"/>
+            <a:r>
+              <a:rPr lang="en-IN" b="1" dirty="0"/>
+              <a:t>Product </a:t>
+            </a:r>
+            <a:r>
+              <a:rPr lang="en-IN" b="1" dirty="0" err="1"/>
+              <a:t>Catelog</a:t>
+            </a:r>
+            <a:r>
+              <a:rPr lang="en-IN" b="1" dirty="0"/>
+              <a:t> UI</a:t>
+            </a:r>
+          </a:p>
+        </p:txBody>
+      </p:sp>
+      <p:graphicFrame>
+        <p:nvGraphicFramePr>
+          <p:cNvPr id="6" name="Table 5">
+            <a:extLst>
+              <a:ext uri="{FF2B5EF4-FFF2-40B4-BE49-F238E27FC236}">
+                <a16:creationId xmlns:a16="http://schemas.microsoft.com/office/drawing/2014/main" id="{5DF296EA-2A05-366A-E158-5F2D2501EA5A}"/>
+              </a:ext>
+            </a:extLst>
+          </p:cNvPr>
+          <p:cNvGraphicFramePr>
+            <a:graphicFrameLocks noGrp="1"/>
+          </p:cNvGraphicFramePr>
+          <p:nvPr>
+            <p:extLst>
+              <p:ext uri="{D42A27DB-BD31-4B8C-83A1-F6EECF244321}">
+                <p14:modId xmlns:p14="http://schemas.microsoft.com/office/powerpoint/2010/main" val="1678011568"/>
+              </p:ext>
+            </p:extLst>
+          </p:nvPr>
+        </p:nvGraphicFramePr>
+        <p:xfrm>
+          <a:off x="448733" y="2369159"/>
+          <a:ext cx="3581400" cy="2595880"/>
+        </p:xfrm>
+        <a:graphic>
+          <a:graphicData uri="http://schemas.openxmlformats.org/drawingml/2006/table">
+            <a:tbl>
+              <a:tblPr firstRow="1" bandRow="1">
+                <a:tableStyleId>{5C22544A-7EE6-4342-B048-85BDC9FD1C3A}</a:tableStyleId>
+              </a:tblPr>
+              <a:tblGrid>
+                <a:gridCol w="895350">
+                  <a:extLst>
+                    <a:ext uri="{9D8B030D-6E8A-4147-A177-3AD203B41FA5}">
+                      <a16:colId xmlns:a16="http://schemas.microsoft.com/office/drawing/2014/main" val="2353432843"/>
+                    </a:ext>
+                  </a:extLst>
+                </a:gridCol>
+                <a:gridCol w="895350">
+                  <a:extLst>
+                    <a:ext uri="{9D8B030D-6E8A-4147-A177-3AD203B41FA5}">
+                      <a16:colId xmlns:a16="http://schemas.microsoft.com/office/drawing/2014/main" val="3583698285"/>
+                    </a:ext>
+                  </a:extLst>
+                </a:gridCol>
+                <a:gridCol w="895350">
+                  <a:extLst>
+                    <a:ext uri="{9D8B030D-6E8A-4147-A177-3AD203B41FA5}">
+                      <a16:colId xmlns:a16="http://schemas.microsoft.com/office/drawing/2014/main" val="2371192044"/>
+                    </a:ext>
+                  </a:extLst>
+                </a:gridCol>
+                <a:gridCol w="895350">
+                  <a:extLst>
+                    <a:ext uri="{9D8B030D-6E8A-4147-A177-3AD203B41FA5}">
+                      <a16:colId xmlns:a16="http://schemas.microsoft.com/office/drawing/2014/main" val="548717464"/>
+                    </a:ext>
+                  </a:extLst>
+                </a:gridCol>
+              </a:tblGrid>
+              <a:tr h="370840">
+                <a:tc>
+                  <a:txBody>
+                    <a:bodyPr/>
+                    <a:lstStyle/>
+                    <a:p>
+                      <a:endParaRPr lang="en-IN"/>
+                    </a:p>
+                  </a:txBody>
+                  <a:tcPr/>
+                </a:tc>
+                <a:tc>
+                  <a:txBody>
+                    <a:bodyPr/>
+                    <a:lstStyle/>
+                    <a:p>
+                      <a:endParaRPr lang="en-IN"/>
+                    </a:p>
+                  </a:txBody>
+                  <a:tcPr/>
+                </a:tc>
+                <a:tc>
+                  <a:txBody>
+                    <a:bodyPr/>
+                    <a:lstStyle/>
+                    <a:p>
+                      <a:endParaRPr lang="en-IN"/>
+                    </a:p>
+                  </a:txBody>
+                  <a:tcPr/>
+                </a:tc>
+                <a:tc>
+                  <a:txBody>
+                    <a:bodyPr/>
+                    <a:lstStyle/>
+                    <a:p>
+                      <a:endParaRPr lang="en-IN"/>
+                    </a:p>
+                  </a:txBody>
+                  <a:tcPr/>
+                </a:tc>
+                <a:extLst>
+                  <a:ext uri="{0D108BD9-81ED-4DB2-BD59-A6C34878D82A}">
+                    <a16:rowId xmlns:a16="http://schemas.microsoft.com/office/drawing/2014/main" val="2341940431"/>
+                  </a:ext>
+                </a:extLst>
+              </a:tr>
+              <a:tr h="370840">
+                <a:tc>
+                  <a:txBody>
+                    <a:bodyPr/>
+                    <a:lstStyle/>
+                    <a:p>
+                      <a:endParaRPr lang="en-IN"/>
+                    </a:p>
+                  </a:txBody>
+                  <a:tcPr/>
+                </a:tc>
+                <a:tc>
+                  <a:txBody>
+                    <a:bodyPr/>
+                    <a:lstStyle/>
+                    <a:p>
+                      <a:endParaRPr lang="en-IN"/>
+                    </a:p>
+                  </a:txBody>
+                  <a:tcPr/>
+                </a:tc>
+                <a:tc>
+                  <a:txBody>
+                    <a:bodyPr/>
+                    <a:lstStyle/>
+                    <a:p>
+                      <a:endParaRPr lang="en-IN"/>
+                    </a:p>
+                  </a:txBody>
+                  <a:tcPr/>
+                </a:tc>
+                <a:tc>
+                  <a:txBody>
+                    <a:bodyPr/>
+                    <a:lstStyle/>
+                    <a:p>
+                      <a:endParaRPr lang="en-IN" dirty="0"/>
+                    </a:p>
+                  </a:txBody>
+                  <a:tcPr/>
+                </a:tc>
+                <a:extLst>
+                  <a:ext uri="{0D108BD9-81ED-4DB2-BD59-A6C34878D82A}">
+                    <a16:rowId xmlns:a16="http://schemas.microsoft.com/office/drawing/2014/main" val="2560202274"/>
+                  </a:ext>
+                </a:extLst>
+              </a:tr>
+              <a:tr h="370840">
+                <a:tc>
+                  <a:txBody>
+                    <a:bodyPr/>
+                    <a:lstStyle/>
+                    <a:p>
+                      <a:endParaRPr lang="en-IN" dirty="0"/>
+                    </a:p>
+                  </a:txBody>
+                  <a:tcPr/>
+                </a:tc>
+                <a:tc>
+                  <a:txBody>
+                    <a:bodyPr/>
+                    <a:lstStyle/>
+                    <a:p>
+                      <a:endParaRPr lang="en-IN" dirty="0"/>
+                    </a:p>
+                  </a:txBody>
+                  <a:tcPr/>
+                </a:tc>
+                <a:tc>
+                  <a:txBody>
+                    <a:bodyPr/>
+                    <a:lstStyle/>
+                    <a:p>
+                      <a:endParaRPr lang="en-IN" dirty="0"/>
+                    </a:p>
+                  </a:txBody>
+                  <a:tcPr/>
+                </a:tc>
+                <a:tc>
+                  <a:txBody>
+                    <a:bodyPr/>
+                    <a:lstStyle/>
+                    <a:p>
+                      <a:endParaRPr lang="en-IN" dirty="0"/>
+                    </a:p>
+                  </a:txBody>
+                  <a:tcPr/>
+                </a:tc>
+                <a:extLst>
+                  <a:ext uri="{0D108BD9-81ED-4DB2-BD59-A6C34878D82A}">
+                    <a16:rowId xmlns:a16="http://schemas.microsoft.com/office/drawing/2014/main" val="2111605494"/>
+                  </a:ext>
+                </a:extLst>
+              </a:tr>
+              <a:tr h="370840">
+                <a:tc>
+                  <a:txBody>
+                    <a:bodyPr/>
+                    <a:lstStyle/>
+                    <a:p>
+                      <a:endParaRPr lang="en-IN" dirty="0"/>
+                    </a:p>
+                  </a:txBody>
+                  <a:tcPr/>
+                </a:tc>
+                <a:tc>
+                  <a:txBody>
+                    <a:bodyPr/>
+                    <a:lstStyle/>
+                    <a:p>
+                      <a:endParaRPr lang="en-IN" dirty="0"/>
+                    </a:p>
+                  </a:txBody>
+                  <a:tcPr/>
+                </a:tc>
+                <a:tc>
+                  <a:txBody>
+                    <a:bodyPr/>
+                    <a:lstStyle/>
+                    <a:p>
+                      <a:endParaRPr lang="en-IN" dirty="0"/>
+                    </a:p>
+                  </a:txBody>
+                  <a:tcPr/>
+                </a:tc>
+                <a:tc>
+                  <a:txBody>
+                    <a:bodyPr/>
+                    <a:lstStyle/>
+                    <a:p>
+                      <a:endParaRPr lang="en-IN" dirty="0"/>
+                    </a:p>
+                  </a:txBody>
+                  <a:tcPr/>
+                </a:tc>
+                <a:extLst>
+                  <a:ext uri="{0D108BD9-81ED-4DB2-BD59-A6C34878D82A}">
+                    <a16:rowId xmlns:a16="http://schemas.microsoft.com/office/drawing/2014/main" val="3395213699"/>
+                  </a:ext>
+                </a:extLst>
+              </a:tr>
+              <a:tr h="370840">
+                <a:tc>
+                  <a:txBody>
+                    <a:bodyPr/>
+                    <a:lstStyle/>
+                    <a:p>
+                      <a:endParaRPr lang="en-IN" dirty="0"/>
+                    </a:p>
+                  </a:txBody>
+                  <a:tcPr/>
+                </a:tc>
+                <a:tc>
+                  <a:txBody>
+                    <a:bodyPr/>
+                    <a:lstStyle/>
+                    <a:p>
+                      <a:endParaRPr lang="en-IN" dirty="0"/>
+                    </a:p>
+                  </a:txBody>
+                  <a:tcPr/>
+                </a:tc>
+                <a:tc>
+                  <a:txBody>
+                    <a:bodyPr/>
+                    <a:lstStyle/>
+                    <a:p>
+                      <a:endParaRPr lang="en-IN" dirty="0"/>
+                    </a:p>
+                  </a:txBody>
+                  <a:tcPr/>
+                </a:tc>
+                <a:tc>
+                  <a:txBody>
+                    <a:bodyPr/>
+                    <a:lstStyle/>
+                    <a:p>
+                      <a:endParaRPr lang="en-IN" dirty="0"/>
+                    </a:p>
+                  </a:txBody>
+                  <a:tcPr/>
+                </a:tc>
+                <a:extLst>
+                  <a:ext uri="{0D108BD9-81ED-4DB2-BD59-A6C34878D82A}">
+                    <a16:rowId xmlns:a16="http://schemas.microsoft.com/office/drawing/2014/main" val="2192418826"/>
+                  </a:ext>
+                </a:extLst>
+              </a:tr>
+              <a:tr h="370840">
+                <a:tc>
+                  <a:txBody>
+                    <a:bodyPr/>
+                    <a:lstStyle/>
+                    <a:p>
+                      <a:endParaRPr lang="en-IN" dirty="0"/>
+                    </a:p>
+                  </a:txBody>
+                  <a:tcPr/>
+                </a:tc>
+                <a:tc>
+                  <a:txBody>
+                    <a:bodyPr/>
+                    <a:lstStyle/>
+                    <a:p>
+                      <a:endParaRPr lang="en-IN" dirty="0"/>
+                    </a:p>
+                  </a:txBody>
+                  <a:tcPr/>
+                </a:tc>
+                <a:tc>
+                  <a:txBody>
+                    <a:bodyPr/>
+                    <a:lstStyle/>
+                    <a:p>
+                      <a:endParaRPr lang="en-IN" dirty="0"/>
+                    </a:p>
+                  </a:txBody>
+                  <a:tcPr/>
+                </a:tc>
+                <a:tc>
+                  <a:txBody>
+                    <a:bodyPr/>
+                    <a:lstStyle/>
+                    <a:p>
+                      <a:endParaRPr lang="en-IN" dirty="0"/>
+                    </a:p>
+                  </a:txBody>
+                  <a:tcPr/>
+                </a:tc>
+                <a:extLst>
+                  <a:ext uri="{0D108BD9-81ED-4DB2-BD59-A6C34878D82A}">
+                    <a16:rowId xmlns:a16="http://schemas.microsoft.com/office/drawing/2014/main" val="1338063920"/>
+                  </a:ext>
+                </a:extLst>
+              </a:tr>
+              <a:tr h="370840">
+                <a:tc>
+                  <a:txBody>
+                    <a:bodyPr/>
+                    <a:lstStyle/>
+                    <a:p>
+                      <a:endParaRPr lang="en-IN" dirty="0"/>
+                    </a:p>
+                  </a:txBody>
+                  <a:tcPr/>
+                </a:tc>
+                <a:tc>
+                  <a:txBody>
+                    <a:bodyPr/>
+                    <a:lstStyle/>
+                    <a:p>
+                      <a:endParaRPr lang="en-IN" dirty="0"/>
+                    </a:p>
+                  </a:txBody>
+                  <a:tcPr/>
+                </a:tc>
+                <a:tc>
+                  <a:txBody>
+                    <a:bodyPr/>
+                    <a:lstStyle/>
+                    <a:p>
+                      <a:endParaRPr lang="en-IN" dirty="0"/>
+                    </a:p>
+                  </a:txBody>
+                  <a:tcPr/>
+                </a:tc>
+                <a:tc>
+                  <a:txBody>
+                    <a:bodyPr/>
+                    <a:lstStyle/>
+                    <a:p>
+                      <a:endParaRPr lang="en-IN" dirty="0"/>
+                    </a:p>
+                  </a:txBody>
+                  <a:tcPr/>
+                </a:tc>
+                <a:extLst>
+                  <a:ext uri="{0D108BD9-81ED-4DB2-BD59-A6C34878D82A}">
+                    <a16:rowId xmlns:a16="http://schemas.microsoft.com/office/drawing/2014/main" val="3332180835"/>
+                  </a:ext>
+                </a:extLst>
+              </a:tr>
+            </a:tbl>
+          </a:graphicData>
+        </a:graphic>
+      </p:graphicFrame>
+      <p:sp>
+        <p:nvSpPr>
+          <p:cNvPr id="7" name="Rectangle 6">
+            <a:extLst>
+              <a:ext uri="{FF2B5EF4-FFF2-40B4-BE49-F238E27FC236}">
+                <a16:creationId xmlns:a16="http://schemas.microsoft.com/office/drawing/2014/main" id="{CA332EB1-4DB2-14A6-DD3D-BE4C6CE34BB3}"/>
+              </a:ext>
+            </a:extLst>
+          </p:cNvPr>
+          <p:cNvSpPr/>
+          <p:nvPr/>
+        </p:nvSpPr>
+        <p:spPr>
+          <a:xfrm>
+            <a:off x="9220200" y="1001931"/>
+            <a:ext cx="2480733" cy="1063936"/>
+          </a:xfrm>
+          <a:prstGeom prst="rect">
+            <a:avLst/>
+          </a:prstGeom>
+        </p:spPr>
+        <p:style>
+          <a:lnRef idx="2">
+            <a:schemeClr val="accent1">
+              <a:shade val="15000"/>
+            </a:schemeClr>
+          </a:lnRef>
+          <a:fillRef idx="1">
+            <a:schemeClr val="accent1"/>
+          </a:fillRef>
+          <a:effectRef idx="0">
+            <a:schemeClr val="accent1"/>
+          </a:effectRef>
+          <a:fontRef idx="minor">
+            <a:schemeClr val="lt1"/>
+          </a:fontRef>
+        </p:style>
+        <p:txBody>
+          <a:bodyPr rtlCol="0" anchor="ctr"/>
+          <a:lstStyle/>
+          <a:p>
+            <a:pPr algn="ctr"/>
+            <a:endParaRPr lang="en-IN"/>
+          </a:p>
+        </p:txBody>
+      </p:sp>
+      <p:sp>
+        <p:nvSpPr>
+          <p:cNvPr id="8" name="TextBox 7">
+            <a:extLst>
+              <a:ext uri="{FF2B5EF4-FFF2-40B4-BE49-F238E27FC236}">
+                <a16:creationId xmlns:a16="http://schemas.microsoft.com/office/drawing/2014/main" id="{943D85F1-6AD3-A690-45DD-00CA7D9C8393}"/>
+              </a:ext>
+            </a:extLst>
+          </p:cNvPr>
+          <p:cNvSpPr txBox="1"/>
+          <p:nvPr/>
+        </p:nvSpPr>
+        <p:spPr>
+          <a:xfrm>
+            <a:off x="9364133" y="1202267"/>
+            <a:ext cx="2116667" cy="923330"/>
+          </a:xfrm>
+          <a:prstGeom prst="rect">
+            <a:avLst/>
+          </a:prstGeom>
+          <a:noFill/>
+        </p:spPr>
+        <p:txBody>
+          <a:bodyPr wrap="square" rtlCol="0">
+            <a:spAutoFit/>
+          </a:bodyPr>
+          <a:lstStyle/>
+          <a:p>
+            <a:pPr algn="ctr"/>
+            <a:r>
+              <a:rPr lang="en-IN" b="1" dirty="0">
+                <a:solidFill>
+                  <a:srgbClr val="FFFF00"/>
+                </a:solidFill>
+              </a:rPr>
+              <a:t>Cart of Purchased /  Selected Products</a:t>
+            </a:r>
+          </a:p>
+        </p:txBody>
+      </p:sp>
+      <p:cxnSp>
+        <p:nvCxnSpPr>
+          <p:cNvPr id="10" name="Connector: Curved 9">
+            <a:extLst>
+              <a:ext uri="{FF2B5EF4-FFF2-40B4-BE49-F238E27FC236}">
+                <a16:creationId xmlns:a16="http://schemas.microsoft.com/office/drawing/2014/main" id="{58E50D05-09AF-FFA9-2DB3-C84C770A1627}"/>
+              </a:ext>
+            </a:extLst>
+          </p:cNvPr>
+          <p:cNvCxnSpPr>
+            <a:stCxn id="4" idx="3"/>
+            <a:endCxn id="7" idx="1"/>
+          </p:cNvCxnSpPr>
+          <p:nvPr/>
+        </p:nvCxnSpPr>
+        <p:spPr>
+          <a:xfrm flipV="1">
+            <a:off x="4258733" y="1533899"/>
+            <a:ext cx="4961467" cy="2060201"/>
+          </a:xfrm>
+          <a:prstGeom prst="curvedConnector3">
+            <a:avLst/>
+          </a:prstGeom>
+          <a:ln>
+            <a:tailEnd type="triangle"/>
+          </a:ln>
+        </p:spPr>
+        <p:style>
+          <a:lnRef idx="2">
+            <a:schemeClr val="accent1"/>
+          </a:lnRef>
+          <a:fillRef idx="0">
+            <a:schemeClr val="accent1"/>
+          </a:fillRef>
+          <a:effectRef idx="1">
+            <a:schemeClr val="accent1"/>
+          </a:effectRef>
+          <a:fontRef idx="minor">
+            <a:schemeClr val="tx1"/>
+          </a:fontRef>
+        </p:style>
+      </p:cxnSp>
+      <p:sp>
+        <p:nvSpPr>
+          <p:cNvPr id="11" name="Rectangle 10">
+            <a:extLst>
+              <a:ext uri="{FF2B5EF4-FFF2-40B4-BE49-F238E27FC236}">
+                <a16:creationId xmlns:a16="http://schemas.microsoft.com/office/drawing/2014/main" id="{F14002FA-D965-31E9-B151-72A253B19340}"/>
+              </a:ext>
+            </a:extLst>
+          </p:cNvPr>
+          <p:cNvSpPr/>
+          <p:nvPr/>
+        </p:nvSpPr>
+        <p:spPr>
+          <a:xfrm>
+            <a:off x="7772400" y="3062132"/>
+            <a:ext cx="3572933" cy="3228601"/>
+          </a:xfrm>
+          <a:prstGeom prst="rect">
+            <a:avLst/>
+          </a:prstGeom>
+        </p:spPr>
+        <p:style>
+          <a:lnRef idx="2">
+            <a:schemeClr val="accent1">
+              <a:shade val="15000"/>
+            </a:schemeClr>
+          </a:lnRef>
+          <a:fillRef idx="1">
+            <a:schemeClr val="accent1"/>
+          </a:fillRef>
+          <a:effectRef idx="0">
+            <a:schemeClr val="accent1"/>
+          </a:effectRef>
+          <a:fontRef idx="minor">
+            <a:schemeClr val="lt1"/>
+          </a:fontRef>
+        </p:style>
+        <p:txBody>
+          <a:bodyPr rtlCol="0" anchor="ctr"/>
+          <a:lstStyle/>
+          <a:p>
+            <a:pPr algn="ctr"/>
+            <a:endParaRPr lang="en-IN"/>
+          </a:p>
+        </p:txBody>
+      </p:sp>
+      <p:sp>
+        <p:nvSpPr>
+          <p:cNvPr id="12" name="TextBox 11">
+            <a:extLst>
+              <a:ext uri="{FF2B5EF4-FFF2-40B4-BE49-F238E27FC236}">
+                <a16:creationId xmlns:a16="http://schemas.microsoft.com/office/drawing/2014/main" id="{83160E97-1678-D280-1E1F-E1E066C58223}"/>
+              </a:ext>
+            </a:extLst>
+          </p:cNvPr>
+          <p:cNvSpPr txBox="1"/>
+          <p:nvPr/>
+        </p:nvSpPr>
+        <p:spPr>
+          <a:xfrm>
+            <a:off x="7874000" y="3208867"/>
+            <a:ext cx="3361267" cy="1477328"/>
+          </a:xfrm>
+          <a:prstGeom prst="rect">
+            <a:avLst/>
+          </a:prstGeom>
+          <a:noFill/>
+        </p:spPr>
+        <p:txBody>
+          <a:bodyPr wrap="square" rtlCol="0">
+            <a:spAutoFit/>
+          </a:bodyPr>
+          <a:lstStyle/>
+          <a:p>
+            <a:pPr algn="ctr"/>
+            <a:r>
+              <a:rPr lang="en-IN" b="1" dirty="0">
+                <a:solidFill>
+                  <a:srgbClr val="FFFF00"/>
+                </a:solidFill>
+              </a:rPr>
+              <a:t>State-wise Tax Details on Product /  Purchase</a:t>
+            </a:r>
+          </a:p>
+          <a:p>
+            <a:pPr algn="ctr"/>
+            <a:endParaRPr lang="en-IN" b="1" dirty="0">
+              <a:solidFill>
+                <a:srgbClr val="FFFF00"/>
+              </a:solidFill>
+            </a:endParaRPr>
+          </a:p>
+          <a:p>
+            <a:pPr algn="ctr"/>
+            <a:r>
+              <a:rPr lang="en-IN" b="1" dirty="0">
+                <a:solidFill>
+                  <a:srgbClr val="FFFF00"/>
+                </a:solidFill>
+              </a:rPr>
+              <a:t>This UI is loaded based on the state of Purchase </a:t>
+            </a:r>
+          </a:p>
+        </p:txBody>
+      </p:sp>
+      <p:cxnSp>
+        <p:nvCxnSpPr>
+          <p:cNvPr id="16" name="Connector: Curved 15">
+            <a:extLst>
+              <a:ext uri="{FF2B5EF4-FFF2-40B4-BE49-F238E27FC236}">
+                <a16:creationId xmlns:a16="http://schemas.microsoft.com/office/drawing/2014/main" id="{B0C38AF5-B416-B873-DC5C-34D40FBC8ABF}"/>
+              </a:ext>
+            </a:extLst>
+          </p:cNvPr>
+          <p:cNvCxnSpPr>
+            <a:endCxn id="11" idx="0"/>
+          </p:cNvCxnSpPr>
+          <p:nvPr/>
+        </p:nvCxnSpPr>
+        <p:spPr>
+          <a:xfrm rot="5400000">
+            <a:off x="9526633" y="2157831"/>
+            <a:ext cx="936535" cy="872066"/>
+          </a:xfrm>
+          <a:prstGeom prst="curvedConnector3">
+            <a:avLst/>
+          </a:prstGeom>
+          <a:ln>
+            <a:headEnd type="triangle"/>
+            <a:tailEnd type="triangle"/>
+          </a:ln>
+        </p:spPr>
+        <p:style>
+          <a:lnRef idx="2">
+            <a:schemeClr val="accent1"/>
+          </a:lnRef>
+          <a:fillRef idx="0">
+            <a:schemeClr val="accent1"/>
+          </a:fillRef>
+          <a:effectRef idx="1">
+            <a:schemeClr val="accent1"/>
+          </a:effectRef>
+          <a:fontRef idx="minor">
+            <a:schemeClr val="tx1"/>
+          </a:fontRef>
+        </p:style>
+      </p:cxnSp>
+    </p:spTree>
+    <p:extLst>
+      <p:ext uri="{BB962C8B-B14F-4D97-AF65-F5344CB8AC3E}">
+        <p14:creationId xmlns:p14="http://schemas.microsoft.com/office/powerpoint/2010/main" val="376779090"/>
+      </p:ext>
+    </p:extLst>
+  </p:cSld>
+  <p:clrMapOvr>
+    <a:masterClrMapping/>
+  </p:clrMapOvr>
+</p:sld>
+</file>
+
+<file path=ppt/slides/slide37.xml><?xml version="1.0" encoding="utf-8"?>
+<p:sld xmlns:a="http://schemas.openxmlformats.org/drawingml/2006/main" xmlns:r="http://schemas.openxmlformats.org/officeDocument/2006/relationships" xmlns:p="http://schemas.openxmlformats.org/presentationml/2006/main">
+  <p:cSld>
+    <p:spTree>
+      <p:nvGrpSpPr>
+        <p:cNvPr id="1" name=""/>
+        <p:cNvGrpSpPr/>
+        <p:nvPr/>
+      </p:nvGrpSpPr>
+      <p:grpSpPr>
+        <a:xfrm>
+          <a:off x="0" y="0"/>
+          <a:ext cx="0" cy="0"/>
+          <a:chOff x="0" y="0"/>
+          <a:chExt cx="0" cy="0"/>
+        </a:xfrm>
+      </p:grpSpPr>
+      <p:sp>
+        <p:nvSpPr>
+          <p:cNvPr id="2" name="Flowchart: Direct Access Storage 1">
+            <a:extLst>
+              <a:ext uri="{FF2B5EF4-FFF2-40B4-BE49-F238E27FC236}">
+                <a16:creationId xmlns:a16="http://schemas.microsoft.com/office/drawing/2014/main" id="{C7170144-552B-0500-49A7-3E2AF12452B5}"/>
+              </a:ext>
+            </a:extLst>
+          </p:cNvPr>
+          <p:cNvSpPr/>
+          <p:nvPr/>
+        </p:nvSpPr>
+        <p:spPr>
+          <a:xfrm>
+            <a:off x="1151467" y="787400"/>
+            <a:ext cx="2218266" cy="1236133"/>
+          </a:xfrm>
+          <a:prstGeom prst="flowChartMagneticDrum">
+            <a:avLst/>
+          </a:prstGeom>
+        </p:spPr>
+        <p:style>
+          <a:lnRef idx="2">
+            <a:schemeClr val="accent1">
+              <a:shade val="15000"/>
+            </a:schemeClr>
+          </a:lnRef>
+          <a:fillRef idx="1">
+            <a:schemeClr val="accent1"/>
+          </a:fillRef>
+          <a:effectRef idx="0">
+            <a:schemeClr val="accent1"/>
+          </a:effectRef>
+          <a:fontRef idx="minor">
+            <a:schemeClr val="lt1"/>
+          </a:fontRef>
+        </p:style>
+        <p:txBody>
+          <a:bodyPr rtlCol="0" anchor="ctr"/>
+          <a:lstStyle/>
+          <a:p>
+            <a:pPr algn="ctr"/>
+            <a:r>
+              <a:rPr lang="en-IN" sz="1200" b="1" dirty="0"/>
+              <a:t>Original</a:t>
+            </a:r>
+          </a:p>
+          <a:p>
+            <a:pPr algn="ctr"/>
+            <a:r>
+              <a:rPr lang="en-IN" sz="1200" b="1" dirty="0"/>
+              <a:t>Observable</a:t>
+            </a:r>
+          </a:p>
+        </p:txBody>
+      </p:sp>
+      <p:sp>
+        <p:nvSpPr>
+          <p:cNvPr id="3" name="Flowchart: Direct Access Storage 2">
+            <a:extLst>
+              <a:ext uri="{FF2B5EF4-FFF2-40B4-BE49-F238E27FC236}">
+                <a16:creationId xmlns:a16="http://schemas.microsoft.com/office/drawing/2014/main" id="{F43A7059-DC75-371A-06C6-AB3AFDC837FD}"/>
+              </a:ext>
+            </a:extLst>
+          </p:cNvPr>
+          <p:cNvSpPr/>
+          <p:nvPr/>
+        </p:nvSpPr>
+        <p:spPr>
+          <a:xfrm>
+            <a:off x="6993467" y="2810933"/>
+            <a:ext cx="2218266" cy="1236133"/>
+          </a:xfrm>
+          <a:prstGeom prst="flowChartMagneticDrum">
+            <a:avLst/>
+          </a:prstGeom>
+        </p:spPr>
+        <p:style>
+          <a:lnRef idx="2">
+            <a:schemeClr val="accent1">
+              <a:shade val="15000"/>
+            </a:schemeClr>
+          </a:lnRef>
+          <a:fillRef idx="1">
+            <a:schemeClr val="accent1"/>
+          </a:fillRef>
+          <a:effectRef idx="0">
+            <a:schemeClr val="accent1"/>
+          </a:effectRef>
+          <a:fontRef idx="minor">
+            <a:schemeClr val="lt1"/>
+          </a:fontRef>
+        </p:style>
+        <p:txBody>
+          <a:bodyPr rtlCol="0" anchor="ctr"/>
+          <a:lstStyle/>
+          <a:p>
+            <a:pPr algn="ctr"/>
+            <a:r>
+              <a:rPr lang="en-IN" sz="1200" b="1" dirty="0"/>
+              <a:t>Manipulated</a:t>
+            </a:r>
+            <a:br>
+              <a:rPr lang="en-IN" sz="1200" b="1" dirty="0"/>
+            </a:br>
+            <a:r>
+              <a:rPr lang="en-IN" sz="1200" b="1" dirty="0"/>
+              <a:t>Observable</a:t>
+            </a:r>
+          </a:p>
+        </p:txBody>
+      </p:sp>
+      <p:sp>
+        <p:nvSpPr>
+          <p:cNvPr id="4" name="Rectangle 3">
+            <a:extLst>
+              <a:ext uri="{FF2B5EF4-FFF2-40B4-BE49-F238E27FC236}">
+                <a16:creationId xmlns:a16="http://schemas.microsoft.com/office/drawing/2014/main" id="{7A5A571A-A75E-23C8-F76F-36E96E34E720}"/>
+              </a:ext>
+            </a:extLst>
+          </p:cNvPr>
+          <p:cNvSpPr/>
+          <p:nvPr/>
+        </p:nvSpPr>
+        <p:spPr>
+          <a:xfrm>
+            <a:off x="4394199" y="1913466"/>
+            <a:ext cx="1608667" cy="897467"/>
+          </a:xfrm>
+          <a:prstGeom prst="rect">
+            <a:avLst/>
+          </a:prstGeom>
+        </p:spPr>
+        <p:style>
+          <a:lnRef idx="2">
+            <a:schemeClr val="accent1">
+              <a:shade val="15000"/>
+            </a:schemeClr>
+          </a:lnRef>
+          <a:fillRef idx="1">
+            <a:schemeClr val="accent1"/>
+          </a:fillRef>
+          <a:effectRef idx="0">
+            <a:schemeClr val="accent1"/>
+          </a:effectRef>
+          <a:fontRef idx="minor">
+            <a:schemeClr val="lt1"/>
+          </a:fontRef>
+        </p:style>
+        <p:txBody>
+          <a:bodyPr rtlCol="0" anchor="ctr"/>
+          <a:lstStyle/>
+          <a:p>
+            <a:pPr algn="ctr"/>
+            <a:r>
+              <a:rPr lang="en-IN" sz="1100" dirty="0"/>
+              <a:t>Pipe(</a:t>
+            </a:r>
+          </a:p>
+          <a:p>
+            <a:pPr algn="ctr"/>
+            <a:r>
+              <a:rPr lang="en-IN" sz="1100" dirty="0"/>
+              <a:t> Logic for Manipulation</a:t>
+            </a:r>
+          </a:p>
+          <a:p>
+            <a:pPr algn="ctr"/>
+            <a:r>
+              <a:rPr lang="en-IN" sz="1100" dirty="0"/>
+              <a:t>)</a:t>
+            </a:r>
+          </a:p>
+        </p:txBody>
+      </p:sp>
+      <p:cxnSp>
+        <p:nvCxnSpPr>
+          <p:cNvPr id="6" name="Connector: Curved 5">
+            <a:extLst>
+              <a:ext uri="{FF2B5EF4-FFF2-40B4-BE49-F238E27FC236}">
+                <a16:creationId xmlns:a16="http://schemas.microsoft.com/office/drawing/2014/main" id="{B7737D9E-4993-8D5F-5D57-1BFFC1DAD2B0}"/>
+              </a:ext>
+            </a:extLst>
+          </p:cNvPr>
+          <p:cNvCxnSpPr>
+            <a:stCxn id="2" idx="4"/>
+            <a:endCxn id="4" idx="1"/>
+          </p:cNvCxnSpPr>
+          <p:nvPr/>
+        </p:nvCxnSpPr>
+        <p:spPr>
+          <a:xfrm>
+            <a:off x="3369733" y="1405467"/>
+            <a:ext cx="1024466" cy="956733"/>
+          </a:xfrm>
+          <a:prstGeom prst="curvedConnector3">
+            <a:avLst/>
+          </a:prstGeom>
+          <a:ln>
+            <a:tailEnd type="triangle"/>
+          </a:ln>
+        </p:spPr>
+        <p:style>
+          <a:lnRef idx="2">
+            <a:schemeClr val="accent1"/>
+          </a:lnRef>
+          <a:fillRef idx="0">
+            <a:schemeClr val="accent1"/>
+          </a:fillRef>
+          <a:effectRef idx="1">
+            <a:schemeClr val="accent1"/>
+          </a:effectRef>
+          <a:fontRef idx="minor">
+            <a:schemeClr val="tx1"/>
+          </a:fontRef>
+        </p:style>
+      </p:cxnSp>
+      <p:cxnSp>
+        <p:nvCxnSpPr>
+          <p:cNvPr id="8" name="Connector: Curved 7">
+            <a:extLst>
+              <a:ext uri="{FF2B5EF4-FFF2-40B4-BE49-F238E27FC236}">
+                <a16:creationId xmlns:a16="http://schemas.microsoft.com/office/drawing/2014/main" id="{B3206BAD-7918-2558-B641-3C3AA819007B}"/>
+              </a:ext>
+            </a:extLst>
+          </p:cNvPr>
+          <p:cNvCxnSpPr>
+            <a:cxnSpLocks/>
+            <a:stCxn id="4" idx="3"/>
+            <a:endCxn id="3" idx="1"/>
+          </p:cNvCxnSpPr>
+          <p:nvPr/>
+        </p:nvCxnSpPr>
+        <p:spPr>
+          <a:xfrm>
+            <a:off x="6002866" y="2362200"/>
+            <a:ext cx="990601" cy="1066800"/>
+          </a:xfrm>
+          <a:prstGeom prst="curvedConnector3">
+            <a:avLst>
+              <a:gd name="adj1" fmla="val 50000"/>
+            </a:avLst>
+          </a:prstGeom>
+          <a:ln>
+            <a:tailEnd type="triangle"/>
+          </a:ln>
+        </p:spPr>
+        <p:style>
+          <a:lnRef idx="2">
+            <a:schemeClr val="accent1"/>
+          </a:lnRef>
+          <a:fillRef idx="0">
+            <a:schemeClr val="accent1"/>
+          </a:fillRef>
+          <a:effectRef idx="1">
+            <a:schemeClr val="accent1"/>
+          </a:effectRef>
+          <a:fontRef idx="minor">
+            <a:schemeClr val="tx1"/>
+          </a:fontRef>
+        </p:style>
+      </p:cxnSp>
+    </p:spTree>
+    <p:extLst>
+      <p:ext uri="{BB962C8B-B14F-4D97-AF65-F5344CB8AC3E}">
+        <p14:creationId xmlns:p14="http://schemas.microsoft.com/office/powerpoint/2010/main" val="3086581782"/>
+      </p:ext>
+    </p:extLst>
+  </p:cSld>
+  <p:clrMapOvr>
+    <a:masterClrMapping/>
+  </p:clrMapOvr>
+</p:sld>
+</file>
+
+<file path=ppt/slides/slide38.xml><?xml version="1.0" encoding="utf-8"?>
+<p:sld xmlns:a="http://schemas.openxmlformats.org/drawingml/2006/main" xmlns:r="http://schemas.openxmlformats.org/officeDocument/2006/relationships" xmlns:p="http://schemas.openxmlformats.org/presentationml/2006/main">
+  <p:cSld>
+    <p:spTree>
+      <p:nvGrpSpPr>
+        <p:cNvPr id="1" name=""/>
+        <p:cNvGrpSpPr/>
+        <p:nvPr/>
+      </p:nvGrpSpPr>
+      <p:grpSpPr>
+        <a:xfrm>
+          <a:off x="0" y="0"/>
+          <a:ext cx="0" cy="0"/>
+          <a:chOff x="0" y="0"/>
+          <a:chExt cx="0" cy="0"/>
+        </a:xfrm>
+      </p:grpSpPr>
+      <p:graphicFrame>
+        <p:nvGraphicFramePr>
+          <p:cNvPr id="2" name="Table 1">
+            <a:extLst>
+              <a:ext uri="{FF2B5EF4-FFF2-40B4-BE49-F238E27FC236}">
+                <a16:creationId xmlns:a16="http://schemas.microsoft.com/office/drawing/2014/main" id="{40EC8011-2EA0-8AF8-B47E-83C8B30EA426}"/>
+              </a:ext>
+            </a:extLst>
+          </p:cNvPr>
+          <p:cNvGraphicFramePr>
+            <a:graphicFrameLocks noGrp="1"/>
+          </p:cNvGraphicFramePr>
+          <p:nvPr>
+            <p:extLst>
+              <p:ext uri="{D42A27DB-BD31-4B8C-83A1-F6EECF244321}">
+                <p14:modId xmlns:p14="http://schemas.microsoft.com/office/powerpoint/2010/main" val="3725268794"/>
+              </p:ext>
+            </p:extLst>
+          </p:nvPr>
+        </p:nvGraphicFramePr>
+        <p:xfrm>
+          <a:off x="2362200" y="2316480"/>
+          <a:ext cx="4555065" cy="1112520"/>
+        </p:xfrm>
+        <a:graphic>
+          <a:graphicData uri="http://schemas.openxmlformats.org/drawingml/2006/table">
+            <a:tbl>
+              <a:tblPr firstRow="1" bandRow="1">
+                <a:tableStyleId>{5C22544A-7EE6-4342-B048-85BDC9FD1C3A}</a:tableStyleId>
+              </a:tblPr>
+              <a:tblGrid>
+                <a:gridCol w="911013">
+                  <a:extLst>
+                    <a:ext uri="{9D8B030D-6E8A-4147-A177-3AD203B41FA5}">
+                      <a16:colId xmlns:a16="http://schemas.microsoft.com/office/drawing/2014/main" val="2035850658"/>
+                    </a:ext>
+                  </a:extLst>
+                </a:gridCol>
+                <a:gridCol w="911013">
+                  <a:extLst>
+                    <a:ext uri="{9D8B030D-6E8A-4147-A177-3AD203B41FA5}">
+                      <a16:colId xmlns:a16="http://schemas.microsoft.com/office/drawing/2014/main" val="1460095278"/>
+                    </a:ext>
+                  </a:extLst>
+                </a:gridCol>
+                <a:gridCol w="911013">
+                  <a:extLst>
+                    <a:ext uri="{9D8B030D-6E8A-4147-A177-3AD203B41FA5}">
+                      <a16:colId xmlns:a16="http://schemas.microsoft.com/office/drawing/2014/main" val="1617828891"/>
+                    </a:ext>
+                  </a:extLst>
+                </a:gridCol>
+                <a:gridCol w="911013">
+                  <a:extLst>
+                    <a:ext uri="{9D8B030D-6E8A-4147-A177-3AD203B41FA5}">
+                      <a16:colId xmlns:a16="http://schemas.microsoft.com/office/drawing/2014/main" val="322580263"/>
+                    </a:ext>
+                  </a:extLst>
+                </a:gridCol>
+                <a:gridCol w="911013">
+                  <a:extLst>
+                    <a:ext uri="{9D8B030D-6E8A-4147-A177-3AD203B41FA5}">
+                      <a16:colId xmlns:a16="http://schemas.microsoft.com/office/drawing/2014/main" val="4060248716"/>
+                    </a:ext>
+                  </a:extLst>
+                </a:gridCol>
+              </a:tblGrid>
+              <a:tr h="370840">
+                <a:tc>
+                  <a:txBody>
+                    <a:bodyPr/>
+                    <a:lstStyle/>
+                    <a:p>
+                      <a:endParaRPr lang="en-IN"/>
+                    </a:p>
+                  </a:txBody>
+                  <a:tcPr/>
+                </a:tc>
+                <a:tc>
+                  <a:txBody>
+                    <a:bodyPr/>
+                    <a:lstStyle/>
+                    <a:p>
+                      <a:endParaRPr lang="en-IN"/>
+                    </a:p>
+                  </a:txBody>
+                  <a:tcPr/>
+                </a:tc>
+                <a:tc>
+                  <a:txBody>
+                    <a:bodyPr/>
+                    <a:lstStyle/>
+                    <a:p>
+                      <a:endParaRPr lang="en-IN"/>
+                    </a:p>
+                  </a:txBody>
+                  <a:tcPr/>
+                </a:tc>
+                <a:tc>
+                  <a:txBody>
+                    <a:bodyPr/>
+                    <a:lstStyle/>
+                    <a:p>
+                      <a:endParaRPr lang="en-IN"/>
+                    </a:p>
+                  </a:txBody>
+                  <a:tcPr/>
+                </a:tc>
+                <a:tc>
+                  <a:txBody>
+                    <a:bodyPr/>
+                    <a:lstStyle/>
+                    <a:p>
+                      <a:endParaRPr lang="en-IN"/>
+                    </a:p>
+                  </a:txBody>
+                  <a:tcPr/>
+                </a:tc>
+                <a:extLst>
+                  <a:ext uri="{0D108BD9-81ED-4DB2-BD59-A6C34878D82A}">
+                    <a16:rowId xmlns:a16="http://schemas.microsoft.com/office/drawing/2014/main" val="3236689274"/>
+                  </a:ext>
+                </a:extLst>
+              </a:tr>
+              <a:tr h="370840">
+                <a:tc>
+                  <a:txBody>
+                    <a:bodyPr/>
+                    <a:lstStyle/>
+                    <a:p>
+                      <a:endParaRPr lang="en-IN"/>
+                    </a:p>
+                  </a:txBody>
+                  <a:tcPr/>
+                </a:tc>
+                <a:tc>
+                  <a:txBody>
+                    <a:bodyPr/>
+                    <a:lstStyle/>
+                    <a:p>
+                      <a:endParaRPr lang="en-IN"/>
+                    </a:p>
+                  </a:txBody>
+                  <a:tcPr/>
+                </a:tc>
+                <a:tc>
+                  <a:txBody>
+                    <a:bodyPr/>
+                    <a:lstStyle/>
+                    <a:p>
+                      <a:endParaRPr lang="en-IN"/>
+                    </a:p>
+                  </a:txBody>
+                  <a:tcPr/>
+                </a:tc>
+                <a:tc>
+                  <a:txBody>
+                    <a:bodyPr/>
+                    <a:lstStyle/>
+                    <a:p>
+                      <a:endParaRPr lang="en-IN" dirty="0"/>
+                    </a:p>
+                  </a:txBody>
+                  <a:tcPr/>
+                </a:tc>
+                <a:tc>
+                  <a:txBody>
+                    <a:bodyPr/>
+                    <a:lstStyle/>
+                    <a:p>
+                      <a:endParaRPr lang="en-IN" dirty="0"/>
+                    </a:p>
+                  </a:txBody>
+                  <a:tcPr/>
+                </a:tc>
+                <a:extLst>
+                  <a:ext uri="{0D108BD9-81ED-4DB2-BD59-A6C34878D82A}">
+                    <a16:rowId xmlns:a16="http://schemas.microsoft.com/office/drawing/2014/main" val="1476205730"/>
+                  </a:ext>
+                </a:extLst>
+              </a:tr>
+              <a:tr h="370840">
+                <a:tc>
+                  <a:txBody>
+                    <a:bodyPr/>
+                    <a:lstStyle/>
+                    <a:p>
+                      <a:endParaRPr lang="en-IN" dirty="0"/>
+                    </a:p>
+                  </a:txBody>
+                  <a:tcPr/>
+                </a:tc>
+                <a:tc>
+                  <a:txBody>
+                    <a:bodyPr/>
+                    <a:lstStyle/>
+                    <a:p>
+                      <a:endParaRPr lang="en-IN" dirty="0"/>
+                    </a:p>
+                  </a:txBody>
+                  <a:tcPr/>
+                </a:tc>
+                <a:tc>
+                  <a:txBody>
+                    <a:bodyPr/>
+                    <a:lstStyle/>
+                    <a:p>
+                      <a:endParaRPr lang="en-IN" dirty="0"/>
+                    </a:p>
+                  </a:txBody>
+                  <a:tcPr/>
+                </a:tc>
+                <a:tc>
+                  <a:txBody>
+                    <a:bodyPr/>
+                    <a:lstStyle/>
+                    <a:p>
+                      <a:endParaRPr lang="en-IN" dirty="0"/>
+                    </a:p>
+                  </a:txBody>
+                  <a:tcPr/>
+                </a:tc>
+                <a:tc>
+                  <a:txBody>
+                    <a:bodyPr/>
+                    <a:lstStyle/>
+                    <a:p>
+                      <a:endParaRPr lang="en-IN" dirty="0"/>
+                    </a:p>
+                  </a:txBody>
+                  <a:tcPr/>
+                </a:tc>
+                <a:extLst>
+                  <a:ext uri="{0D108BD9-81ED-4DB2-BD59-A6C34878D82A}">
+                    <a16:rowId xmlns:a16="http://schemas.microsoft.com/office/drawing/2014/main" val="1736270995"/>
+                  </a:ext>
+                </a:extLst>
+              </a:tr>
+            </a:tbl>
+          </a:graphicData>
+        </a:graphic>
+      </p:graphicFrame>
+      <p:sp>
+        <p:nvSpPr>
+          <p:cNvPr id="3" name="TextBox 2">
+            <a:extLst>
+              <a:ext uri="{FF2B5EF4-FFF2-40B4-BE49-F238E27FC236}">
+                <a16:creationId xmlns:a16="http://schemas.microsoft.com/office/drawing/2014/main" id="{18A2DE11-890F-8215-02A0-36441766165C}"/>
+              </a:ext>
+            </a:extLst>
+          </p:cNvPr>
+          <p:cNvSpPr txBox="1"/>
+          <p:nvPr/>
+        </p:nvSpPr>
+        <p:spPr>
+          <a:xfrm>
+            <a:off x="3124200" y="1882140"/>
+            <a:ext cx="3115733" cy="369332"/>
+          </a:xfrm>
+          <a:prstGeom prst="rect">
+            <a:avLst/>
+          </a:prstGeom>
+        </p:spPr>
+        <p:style>
+          <a:lnRef idx="2">
+            <a:schemeClr val="accent1"/>
+          </a:lnRef>
+          <a:fillRef idx="1">
+            <a:schemeClr val="lt1"/>
+          </a:fillRef>
+          <a:effectRef idx="0">
+            <a:schemeClr val="accent1"/>
+          </a:effectRef>
+          <a:fontRef idx="minor">
+            <a:schemeClr val="dk1"/>
+          </a:fontRef>
+        </p:style>
+        <p:txBody>
+          <a:bodyPr wrap="square" rtlCol="0">
+            <a:spAutoFit/>
+          </a:bodyPr>
+          <a:lstStyle/>
+          <a:p>
+            <a:pPr algn="ctr"/>
+            <a:r>
+              <a:rPr lang="en-IN" b="1" dirty="0"/>
+              <a:t>Observable</a:t>
+            </a:r>
+          </a:p>
+        </p:txBody>
+      </p:sp>
+      <p:sp>
+        <p:nvSpPr>
+          <p:cNvPr id="4" name="Rectangle: Top Corners Snipped 3">
+            <a:extLst>
+              <a:ext uri="{FF2B5EF4-FFF2-40B4-BE49-F238E27FC236}">
+                <a16:creationId xmlns:a16="http://schemas.microsoft.com/office/drawing/2014/main" id="{C9464890-2343-7589-23FE-6BE22B60F633}"/>
+              </a:ext>
+            </a:extLst>
+          </p:cNvPr>
+          <p:cNvSpPr/>
+          <p:nvPr/>
+        </p:nvSpPr>
+        <p:spPr>
+          <a:xfrm>
+            <a:off x="9499600" y="685800"/>
+            <a:ext cx="1752600" cy="1182132"/>
+          </a:xfrm>
+          <a:prstGeom prst="snip2SameRect">
+            <a:avLst/>
+          </a:prstGeom>
+        </p:spPr>
+        <p:style>
+          <a:lnRef idx="2">
+            <a:schemeClr val="accent1">
+              <a:shade val="15000"/>
+            </a:schemeClr>
+          </a:lnRef>
+          <a:fillRef idx="1">
+            <a:schemeClr val="accent1"/>
+          </a:fillRef>
+          <a:effectRef idx="0">
+            <a:schemeClr val="accent1"/>
+          </a:effectRef>
+          <a:fontRef idx="minor">
+            <a:schemeClr val="lt1"/>
+          </a:fontRef>
+        </p:style>
+        <p:txBody>
+          <a:bodyPr rtlCol="0" anchor="ctr"/>
+          <a:lstStyle/>
+          <a:p>
+            <a:pPr algn="ctr"/>
+            <a:r>
+              <a:rPr lang="en-IN" dirty="0"/>
+              <a:t>Subscriber 1</a:t>
+            </a:r>
+          </a:p>
+        </p:txBody>
+      </p:sp>
+      <p:sp>
+        <p:nvSpPr>
+          <p:cNvPr id="5" name="Rectangle: Top Corners Snipped 4">
+            <a:extLst>
+              <a:ext uri="{FF2B5EF4-FFF2-40B4-BE49-F238E27FC236}">
+                <a16:creationId xmlns:a16="http://schemas.microsoft.com/office/drawing/2014/main" id="{7B02F345-2F6B-B417-EA4D-E2BAAF4214AD}"/>
+              </a:ext>
+            </a:extLst>
+          </p:cNvPr>
+          <p:cNvSpPr/>
+          <p:nvPr/>
+        </p:nvSpPr>
+        <p:spPr>
+          <a:xfrm>
+            <a:off x="9499600" y="2717800"/>
+            <a:ext cx="1752600" cy="1182132"/>
+          </a:xfrm>
+          <a:prstGeom prst="snip2SameRect">
+            <a:avLst/>
+          </a:prstGeom>
+        </p:spPr>
+        <p:style>
+          <a:lnRef idx="2">
+            <a:schemeClr val="accent1">
+              <a:shade val="15000"/>
+            </a:schemeClr>
+          </a:lnRef>
+          <a:fillRef idx="1">
+            <a:schemeClr val="accent1"/>
+          </a:fillRef>
+          <a:effectRef idx="0">
+            <a:schemeClr val="accent1"/>
+          </a:effectRef>
+          <a:fontRef idx="minor">
+            <a:schemeClr val="lt1"/>
+          </a:fontRef>
+        </p:style>
+        <p:txBody>
+          <a:bodyPr rtlCol="0" anchor="ctr"/>
+          <a:lstStyle/>
+          <a:p>
+            <a:pPr algn="ctr"/>
+            <a:r>
+              <a:rPr lang="en-IN" dirty="0"/>
+              <a:t>Subscriber 2</a:t>
+            </a:r>
+          </a:p>
+        </p:txBody>
+      </p:sp>
+      <p:sp>
+        <p:nvSpPr>
+          <p:cNvPr id="6" name="Rectangle: Top Corners Snipped 5">
+            <a:extLst>
+              <a:ext uri="{FF2B5EF4-FFF2-40B4-BE49-F238E27FC236}">
+                <a16:creationId xmlns:a16="http://schemas.microsoft.com/office/drawing/2014/main" id="{FBB20C9C-F05E-B199-AADE-322ECD1EB430}"/>
+              </a:ext>
+            </a:extLst>
+          </p:cNvPr>
+          <p:cNvSpPr/>
+          <p:nvPr/>
+        </p:nvSpPr>
+        <p:spPr>
+          <a:xfrm>
+            <a:off x="9516533" y="4682067"/>
+            <a:ext cx="1752600" cy="1182132"/>
+          </a:xfrm>
+          <a:prstGeom prst="snip2SameRect">
+            <a:avLst/>
+          </a:prstGeom>
+        </p:spPr>
+        <p:style>
+          <a:lnRef idx="2">
+            <a:schemeClr val="accent1">
+              <a:shade val="15000"/>
+            </a:schemeClr>
+          </a:lnRef>
+          <a:fillRef idx="1">
+            <a:schemeClr val="accent1"/>
+          </a:fillRef>
+          <a:effectRef idx="0">
+            <a:schemeClr val="accent1"/>
+          </a:effectRef>
+          <a:fontRef idx="minor">
+            <a:schemeClr val="lt1"/>
+          </a:fontRef>
+        </p:style>
+        <p:txBody>
+          <a:bodyPr rtlCol="0" anchor="ctr"/>
+          <a:lstStyle/>
+          <a:p>
+            <a:pPr algn="ctr"/>
+            <a:r>
+              <a:rPr lang="en-IN" dirty="0"/>
+              <a:t>Subscriber 3</a:t>
+            </a:r>
+          </a:p>
+        </p:txBody>
+      </p:sp>
+      <p:sp>
+        <p:nvSpPr>
+          <p:cNvPr id="7" name="Rectangle: Rounded Corners 6">
+            <a:extLst>
+              <a:ext uri="{FF2B5EF4-FFF2-40B4-BE49-F238E27FC236}">
+                <a16:creationId xmlns:a16="http://schemas.microsoft.com/office/drawing/2014/main" id="{09AE4093-BF96-85B9-71F6-65ADA527F71C}"/>
+              </a:ext>
+            </a:extLst>
+          </p:cNvPr>
+          <p:cNvSpPr/>
+          <p:nvPr/>
+        </p:nvSpPr>
+        <p:spPr>
+          <a:xfrm>
+            <a:off x="211667" y="160867"/>
+            <a:ext cx="1752600" cy="1182132"/>
+          </a:xfrm>
+          <a:prstGeom prst="roundRect">
+            <a:avLst/>
+          </a:prstGeom>
+        </p:spPr>
+        <p:style>
+          <a:lnRef idx="2">
+            <a:schemeClr val="accent1">
+              <a:shade val="15000"/>
+            </a:schemeClr>
+          </a:lnRef>
+          <a:fillRef idx="1">
+            <a:schemeClr val="accent1"/>
+          </a:fillRef>
+          <a:effectRef idx="0">
+            <a:schemeClr val="accent1"/>
+          </a:effectRef>
+          <a:fontRef idx="minor">
+            <a:schemeClr val="lt1"/>
+          </a:fontRef>
+        </p:style>
+        <p:txBody>
+          <a:bodyPr rtlCol="0" anchor="ctr"/>
+          <a:lstStyle/>
+          <a:p>
+            <a:pPr algn="ctr"/>
+            <a:r>
+              <a:rPr lang="en-IN" dirty="0"/>
+              <a:t>Data </a:t>
+            </a:r>
+          </a:p>
+          <a:p>
+            <a:pPr algn="ctr"/>
+            <a:r>
+              <a:rPr lang="en-IN" dirty="0"/>
+              <a:t>Provider</a:t>
+            </a:r>
+          </a:p>
+        </p:txBody>
+      </p:sp>
+      <p:cxnSp>
+        <p:nvCxnSpPr>
+          <p:cNvPr id="9" name="Connector: Curved 8">
+            <a:extLst>
+              <a:ext uri="{FF2B5EF4-FFF2-40B4-BE49-F238E27FC236}">
+                <a16:creationId xmlns:a16="http://schemas.microsoft.com/office/drawing/2014/main" id="{F783096D-0553-CD1C-D577-C77C366D58E4}"/>
+              </a:ext>
+            </a:extLst>
+          </p:cNvPr>
+          <p:cNvCxnSpPr>
+            <a:stCxn id="7" idx="2"/>
+            <a:endCxn id="2" idx="1"/>
+          </p:cNvCxnSpPr>
+          <p:nvPr/>
+        </p:nvCxnSpPr>
+        <p:spPr>
+          <a:xfrm rot="16200000" flipH="1">
+            <a:off x="960213" y="1470752"/>
+            <a:ext cx="1529741" cy="1274233"/>
+          </a:xfrm>
+          <a:prstGeom prst="curvedConnector2">
+            <a:avLst/>
+          </a:prstGeom>
+          <a:ln>
+            <a:tailEnd type="triangle"/>
+          </a:ln>
+        </p:spPr>
+        <p:style>
+          <a:lnRef idx="2">
+            <a:schemeClr val="accent1"/>
+          </a:lnRef>
+          <a:fillRef idx="0">
+            <a:schemeClr val="accent1"/>
+          </a:fillRef>
+          <a:effectRef idx="1">
+            <a:schemeClr val="accent1"/>
+          </a:effectRef>
+          <a:fontRef idx="minor">
+            <a:schemeClr val="tx1"/>
+          </a:fontRef>
+        </p:style>
+      </p:cxnSp>
+      <p:cxnSp>
+        <p:nvCxnSpPr>
+          <p:cNvPr id="11" name="Connector: Curved 10">
+            <a:extLst>
+              <a:ext uri="{FF2B5EF4-FFF2-40B4-BE49-F238E27FC236}">
+                <a16:creationId xmlns:a16="http://schemas.microsoft.com/office/drawing/2014/main" id="{4A4E05CD-FF23-6138-FC10-EEBC53F19CF5}"/>
+              </a:ext>
+            </a:extLst>
+          </p:cNvPr>
+          <p:cNvCxnSpPr>
+            <a:stCxn id="4" idx="2"/>
+            <a:endCxn id="2" idx="3"/>
+          </p:cNvCxnSpPr>
+          <p:nvPr/>
+        </p:nvCxnSpPr>
+        <p:spPr>
+          <a:xfrm rot="10800000" flipV="1">
+            <a:off x="6917266" y="1276866"/>
+            <a:ext cx="2582335" cy="1595874"/>
+          </a:xfrm>
+          <a:prstGeom prst="curvedConnector3">
+            <a:avLst/>
+          </a:prstGeom>
+          <a:ln>
+            <a:headEnd type="triangle"/>
+            <a:tailEnd type="triangle"/>
+          </a:ln>
+        </p:spPr>
+        <p:style>
+          <a:lnRef idx="2">
+            <a:schemeClr val="accent1"/>
+          </a:lnRef>
+          <a:fillRef idx="0">
+            <a:schemeClr val="accent1"/>
+          </a:fillRef>
+          <a:effectRef idx="1">
+            <a:schemeClr val="accent1"/>
+          </a:effectRef>
+          <a:fontRef idx="minor">
+            <a:schemeClr val="tx1"/>
+          </a:fontRef>
+        </p:style>
+      </p:cxnSp>
+      <p:cxnSp>
+        <p:nvCxnSpPr>
+          <p:cNvPr id="13" name="Connector: Curved 12">
+            <a:extLst>
+              <a:ext uri="{FF2B5EF4-FFF2-40B4-BE49-F238E27FC236}">
+                <a16:creationId xmlns:a16="http://schemas.microsoft.com/office/drawing/2014/main" id="{0D80E412-E41D-DB2E-54C4-1EC1421BF860}"/>
+              </a:ext>
+            </a:extLst>
+          </p:cNvPr>
+          <p:cNvCxnSpPr>
+            <a:stCxn id="5" idx="2"/>
+            <a:endCxn id="2" idx="3"/>
+          </p:cNvCxnSpPr>
+          <p:nvPr/>
+        </p:nvCxnSpPr>
+        <p:spPr>
+          <a:xfrm rot="10800000">
+            <a:off x="6917266" y="2872740"/>
+            <a:ext cx="2582335" cy="436126"/>
+          </a:xfrm>
+          <a:prstGeom prst="curvedConnector3">
+            <a:avLst/>
+          </a:prstGeom>
+          <a:ln>
+            <a:headEnd type="triangle"/>
+            <a:tailEnd type="triangle"/>
+          </a:ln>
+        </p:spPr>
+        <p:style>
+          <a:lnRef idx="2">
+            <a:schemeClr val="accent1"/>
+          </a:lnRef>
+          <a:fillRef idx="0">
+            <a:schemeClr val="accent1"/>
+          </a:fillRef>
+          <a:effectRef idx="1">
+            <a:schemeClr val="accent1"/>
+          </a:effectRef>
+          <a:fontRef idx="minor">
+            <a:schemeClr val="tx1"/>
+          </a:fontRef>
+        </p:style>
+      </p:cxnSp>
+      <p:cxnSp>
+        <p:nvCxnSpPr>
+          <p:cNvPr id="15" name="Connector: Curved 14">
+            <a:extLst>
+              <a:ext uri="{FF2B5EF4-FFF2-40B4-BE49-F238E27FC236}">
+                <a16:creationId xmlns:a16="http://schemas.microsoft.com/office/drawing/2014/main" id="{AA393118-2661-B088-2F46-442A1A261A08}"/>
+              </a:ext>
+            </a:extLst>
+          </p:cNvPr>
+          <p:cNvCxnSpPr>
+            <a:stCxn id="6" idx="2"/>
+            <a:endCxn id="2" idx="3"/>
+          </p:cNvCxnSpPr>
+          <p:nvPr/>
+        </p:nvCxnSpPr>
+        <p:spPr>
+          <a:xfrm rot="10800000">
+            <a:off x="6917265" y="2872741"/>
+            <a:ext cx="2599268" cy="2400393"/>
+          </a:xfrm>
+          <a:prstGeom prst="curvedConnector3">
+            <a:avLst/>
+          </a:prstGeom>
+          <a:ln>
+            <a:headEnd type="triangle"/>
+            <a:tailEnd type="triangle"/>
+          </a:ln>
+        </p:spPr>
+        <p:style>
+          <a:lnRef idx="2">
+            <a:schemeClr val="accent1"/>
+          </a:lnRef>
+          <a:fillRef idx="0">
+            <a:schemeClr val="accent1"/>
+          </a:fillRef>
+          <a:effectRef idx="1">
+            <a:schemeClr val="accent1"/>
+          </a:effectRef>
+          <a:fontRef idx="minor">
+            <a:schemeClr val="tx1"/>
+          </a:fontRef>
+        </p:style>
+      </p:cxnSp>
+      <p:cxnSp>
+        <p:nvCxnSpPr>
+          <p:cNvPr id="17" name="Connector: Curved 16">
+            <a:extLst>
+              <a:ext uri="{FF2B5EF4-FFF2-40B4-BE49-F238E27FC236}">
+                <a16:creationId xmlns:a16="http://schemas.microsoft.com/office/drawing/2014/main" id="{E2318AA2-413B-C17E-CBBD-B69CE46C0B7E}"/>
+              </a:ext>
+            </a:extLst>
+          </p:cNvPr>
+          <p:cNvCxnSpPr/>
+          <p:nvPr/>
+        </p:nvCxnSpPr>
+        <p:spPr>
+          <a:xfrm flipV="1">
+            <a:off x="7247467" y="1276865"/>
+            <a:ext cx="1117600" cy="746008"/>
+          </a:xfrm>
+          <a:prstGeom prst="curvedConnector3">
+            <a:avLst/>
+          </a:prstGeom>
+          <a:ln>
+            <a:tailEnd type="triangle"/>
+          </a:ln>
+        </p:spPr>
+        <p:style>
+          <a:lnRef idx="2">
+            <a:schemeClr val="accent1"/>
+          </a:lnRef>
+          <a:fillRef idx="0">
+            <a:schemeClr val="accent1"/>
+          </a:fillRef>
+          <a:effectRef idx="1">
+            <a:schemeClr val="accent1"/>
+          </a:effectRef>
+          <a:fontRef idx="minor">
+            <a:schemeClr val="tx1"/>
+          </a:fontRef>
+        </p:style>
+      </p:cxnSp>
+      <p:cxnSp>
+        <p:nvCxnSpPr>
+          <p:cNvPr id="19" name="Connector: Curved 18">
+            <a:extLst>
+              <a:ext uri="{FF2B5EF4-FFF2-40B4-BE49-F238E27FC236}">
+                <a16:creationId xmlns:a16="http://schemas.microsoft.com/office/drawing/2014/main" id="{13C7D7F7-6A4F-6AB8-9783-78A28547529F}"/>
+              </a:ext>
+            </a:extLst>
+          </p:cNvPr>
+          <p:cNvCxnSpPr/>
+          <p:nvPr/>
+        </p:nvCxnSpPr>
+        <p:spPr>
+          <a:xfrm>
+            <a:off x="8068733" y="2717800"/>
+            <a:ext cx="973667" cy="309881"/>
+          </a:xfrm>
+          <a:prstGeom prst="curvedConnector3">
+            <a:avLst/>
+          </a:prstGeom>
+          <a:ln>
+            <a:tailEnd type="triangle"/>
+          </a:ln>
+        </p:spPr>
+        <p:style>
+          <a:lnRef idx="2">
+            <a:schemeClr val="accent1"/>
+          </a:lnRef>
+          <a:fillRef idx="0">
+            <a:schemeClr val="accent1"/>
+          </a:fillRef>
+          <a:effectRef idx="1">
+            <a:schemeClr val="accent1"/>
+          </a:effectRef>
+          <a:fontRef idx="minor">
+            <a:schemeClr val="tx1"/>
+          </a:fontRef>
+        </p:style>
+      </p:cxnSp>
+      <p:cxnSp>
+        <p:nvCxnSpPr>
+          <p:cNvPr id="21" name="Connector: Curved 20">
+            <a:extLst>
+              <a:ext uri="{FF2B5EF4-FFF2-40B4-BE49-F238E27FC236}">
+                <a16:creationId xmlns:a16="http://schemas.microsoft.com/office/drawing/2014/main" id="{B0E58FB0-68FC-3A30-24B9-F4441252FFDC}"/>
+              </a:ext>
+            </a:extLst>
+          </p:cNvPr>
+          <p:cNvCxnSpPr>
+            <a:cxnSpLocks/>
+          </p:cNvCxnSpPr>
+          <p:nvPr/>
+        </p:nvCxnSpPr>
+        <p:spPr>
+          <a:xfrm rot="16200000" flipH="1">
+            <a:off x="8090369" y="3738501"/>
+            <a:ext cx="1438395" cy="889001"/>
+          </a:xfrm>
+          <a:prstGeom prst="curvedConnector3">
+            <a:avLst>
+              <a:gd name="adj1" fmla="val 50000"/>
+            </a:avLst>
+          </a:prstGeom>
+          <a:ln>
+            <a:tailEnd type="triangle"/>
+          </a:ln>
+        </p:spPr>
+        <p:style>
+          <a:lnRef idx="2">
+            <a:schemeClr val="accent1"/>
+          </a:lnRef>
+          <a:fillRef idx="0">
+            <a:schemeClr val="accent1"/>
+          </a:fillRef>
+          <a:effectRef idx="1">
+            <a:schemeClr val="accent1"/>
+          </a:effectRef>
+          <a:fontRef idx="minor">
+            <a:schemeClr val="tx1"/>
+          </a:fontRef>
+        </p:style>
+      </p:cxnSp>
+      <p:sp>
+        <p:nvSpPr>
+          <p:cNvPr id="24" name="Oval 23">
+            <a:extLst>
+              <a:ext uri="{FF2B5EF4-FFF2-40B4-BE49-F238E27FC236}">
+                <a16:creationId xmlns:a16="http://schemas.microsoft.com/office/drawing/2014/main" id="{693572B4-CCC5-5699-6A92-EC6F1CDB7334}"/>
+              </a:ext>
+            </a:extLst>
+          </p:cNvPr>
+          <p:cNvSpPr/>
+          <p:nvPr/>
+        </p:nvSpPr>
+        <p:spPr>
+          <a:xfrm>
+            <a:off x="364068" y="4108404"/>
+            <a:ext cx="1659466" cy="1147326"/>
+          </a:xfrm>
+          <a:prstGeom prst="ellipse">
+            <a:avLst/>
+          </a:prstGeom>
+        </p:spPr>
+        <p:style>
+          <a:lnRef idx="2">
+            <a:schemeClr val="accent1">
+              <a:shade val="15000"/>
+            </a:schemeClr>
+          </a:lnRef>
+          <a:fillRef idx="1">
+            <a:schemeClr val="accent1"/>
+          </a:fillRef>
+          <a:effectRef idx="0">
+            <a:schemeClr val="accent1"/>
+          </a:effectRef>
+          <a:fontRef idx="minor">
+            <a:schemeClr val="lt1"/>
+          </a:fontRef>
+        </p:style>
+        <p:txBody>
+          <a:bodyPr rtlCol="0" anchor="ctr"/>
+          <a:lstStyle/>
+          <a:p>
+            <a:pPr algn="ctr"/>
+            <a:r>
+              <a:rPr lang="en-IN" dirty="0"/>
+              <a:t>Observer</a:t>
+            </a:r>
+          </a:p>
+        </p:txBody>
+      </p:sp>
+      <p:sp>
+        <p:nvSpPr>
+          <p:cNvPr id="25" name="Oval 24">
+            <a:extLst>
+              <a:ext uri="{FF2B5EF4-FFF2-40B4-BE49-F238E27FC236}">
+                <a16:creationId xmlns:a16="http://schemas.microsoft.com/office/drawing/2014/main" id="{3E16FCD2-24CD-6FAA-9300-3AF28C65F23D}"/>
+              </a:ext>
+            </a:extLst>
+          </p:cNvPr>
+          <p:cNvSpPr/>
+          <p:nvPr/>
+        </p:nvSpPr>
+        <p:spPr>
+          <a:xfrm>
+            <a:off x="3259666" y="4212074"/>
+            <a:ext cx="1854198" cy="1147326"/>
+          </a:xfrm>
+          <a:prstGeom prst="ellipse">
+            <a:avLst/>
+          </a:prstGeom>
+        </p:spPr>
+        <p:style>
+          <a:lnRef idx="2">
+            <a:schemeClr val="accent1">
+              <a:shade val="15000"/>
+            </a:schemeClr>
+          </a:lnRef>
+          <a:fillRef idx="1">
+            <a:schemeClr val="accent1"/>
+          </a:fillRef>
+          <a:effectRef idx="0">
+            <a:schemeClr val="accent1"/>
+          </a:effectRef>
+          <a:fontRef idx="minor">
+            <a:schemeClr val="lt1"/>
+          </a:fontRef>
+        </p:style>
+        <p:txBody>
+          <a:bodyPr rtlCol="0" anchor="ctr"/>
+          <a:lstStyle/>
+          <a:p>
+            <a:pPr algn="ctr"/>
+            <a:r>
+              <a:rPr lang="en-IN" dirty="0"/>
+              <a:t>Scheduler</a:t>
+            </a:r>
+          </a:p>
+        </p:txBody>
+      </p:sp>
+      <p:sp>
+        <p:nvSpPr>
+          <p:cNvPr id="26" name="Oval 25">
+            <a:extLst>
+              <a:ext uri="{FF2B5EF4-FFF2-40B4-BE49-F238E27FC236}">
+                <a16:creationId xmlns:a16="http://schemas.microsoft.com/office/drawing/2014/main" id="{CECD155C-D2CE-A5DF-AE56-1C6478BD5151}"/>
+              </a:ext>
+            </a:extLst>
+          </p:cNvPr>
+          <p:cNvSpPr/>
+          <p:nvPr/>
+        </p:nvSpPr>
+        <p:spPr>
+          <a:xfrm>
+            <a:off x="5952069" y="4716873"/>
+            <a:ext cx="1854198" cy="1147326"/>
+          </a:xfrm>
+          <a:prstGeom prst="ellipse">
+            <a:avLst/>
+          </a:prstGeom>
+        </p:spPr>
+        <p:style>
+          <a:lnRef idx="2">
+            <a:schemeClr val="accent1">
+              <a:shade val="15000"/>
+            </a:schemeClr>
+          </a:lnRef>
+          <a:fillRef idx="1">
+            <a:schemeClr val="accent1"/>
+          </a:fillRef>
+          <a:effectRef idx="0">
+            <a:schemeClr val="accent1"/>
+          </a:effectRef>
+          <a:fontRef idx="minor">
+            <a:schemeClr val="lt1"/>
+          </a:fontRef>
+        </p:style>
+        <p:txBody>
+          <a:bodyPr rtlCol="0" anchor="ctr"/>
+          <a:lstStyle/>
+          <a:p>
+            <a:pPr algn="ctr"/>
+            <a:r>
+              <a:rPr lang="en-IN" dirty="0"/>
+              <a:t>Subjects</a:t>
+            </a:r>
+          </a:p>
+        </p:txBody>
+      </p:sp>
+      <p:cxnSp>
+        <p:nvCxnSpPr>
+          <p:cNvPr id="28" name="Connector: Curved 27">
+            <a:extLst>
+              <a:ext uri="{FF2B5EF4-FFF2-40B4-BE49-F238E27FC236}">
+                <a16:creationId xmlns:a16="http://schemas.microsoft.com/office/drawing/2014/main" id="{241BC8E7-21B7-0D71-8BAD-C20EFC070E79}"/>
+              </a:ext>
+            </a:extLst>
+          </p:cNvPr>
+          <p:cNvCxnSpPr>
+            <a:stCxn id="24" idx="0"/>
+            <a:endCxn id="2" idx="2"/>
+          </p:cNvCxnSpPr>
+          <p:nvPr/>
+        </p:nvCxnSpPr>
+        <p:spPr>
+          <a:xfrm rot="5400000" flipH="1" flipV="1">
+            <a:off x="2577064" y="2045737"/>
+            <a:ext cx="679404" cy="3445931"/>
+          </a:xfrm>
+          <a:prstGeom prst="curvedConnector3">
+            <a:avLst/>
+          </a:prstGeom>
+          <a:ln>
+            <a:tailEnd type="triangle"/>
+          </a:ln>
+        </p:spPr>
+        <p:style>
+          <a:lnRef idx="2">
+            <a:schemeClr val="accent1"/>
+          </a:lnRef>
+          <a:fillRef idx="0">
+            <a:schemeClr val="accent1"/>
+          </a:fillRef>
+          <a:effectRef idx="1">
+            <a:schemeClr val="accent1"/>
+          </a:effectRef>
+          <a:fontRef idx="minor">
+            <a:schemeClr val="tx1"/>
+          </a:fontRef>
+        </p:style>
+      </p:cxnSp>
+      <p:cxnSp>
+        <p:nvCxnSpPr>
+          <p:cNvPr id="30" name="Connector: Curved 29">
+            <a:extLst>
+              <a:ext uri="{FF2B5EF4-FFF2-40B4-BE49-F238E27FC236}">
+                <a16:creationId xmlns:a16="http://schemas.microsoft.com/office/drawing/2014/main" id="{3618B041-B450-7703-C9AE-EBF317897C43}"/>
+              </a:ext>
+            </a:extLst>
+          </p:cNvPr>
+          <p:cNvCxnSpPr>
+            <a:stCxn id="25" idx="0"/>
+            <a:endCxn id="2" idx="2"/>
+          </p:cNvCxnSpPr>
+          <p:nvPr/>
+        </p:nvCxnSpPr>
+        <p:spPr>
+          <a:xfrm rot="5400000" flipH="1" flipV="1">
+            <a:off x="4021711" y="3594054"/>
+            <a:ext cx="783074" cy="452967"/>
+          </a:xfrm>
+          <a:prstGeom prst="curvedConnector3">
+            <a:avLst/>
+          </a:prstGeom>
+          <a:ln>
+            <a:tailEnd type="triangle"/>
+          </a:ln>
+        </p:spPr>
+        <p:style>
+          <a:lnRef idx="2">
+            <a:schemeClr val="accent1"/>
+          </a:lnRef>
+          <a:fillRef idx="0">
+            <a:schemeClr val="accent1"/>
+          </a:fillRef>
+          <a:effectRef idx="1">
+            <a:schemeClr val="accent1"/>
+          </a:effectRef>
+          <a:fontRef idx="minor">
+            <a:schemeClr val="tx1"/>
+          </a:fontRef>
+        </p:style>
+      </p:cxnSp>
+      <p:cxnSp>
+        <p:nvCxnSpPr>
+          <p:cNvPr id="32" name="Connector: Curved 31">
+            <a:extLst>
+              <a:ext uri="{FF2B5EF4-FFF2-40B4-BE49-F238E27FC236}">
+                <a16:creationId xmlns:a16="http://schemas.microsoft.com/office/drawing/2014/main" id="{5C1DD454-3BAA-A0BA-E457-0F3AB4901ECD}"/>
+              </a:ext>
+            </a:extLst>
+          </p:cNvPr>
+          <p:cNvCxnSpPr>
+            <a:stCxn id="26" idx="0"/>
+            <a:endCxn id="2" idx="2"/>
+          </p:cNvCxnSpPr>
+          <p:nvPr/>
+        </p:nvCxnSpPr>
+        <p:spPr>
+          <a:xfrm rot="16200000" flipV="1">
+            <a:off x="5115514" y="2953219"/>
+            <a:ext cx="1287873" cy="2239436"/>
+          </a:xfrm>
+          <a:prstGeom prst="curvedConnector3">
+            <a:avLst/>
+          </a:prstGeom>
+          <a:ln>
+            <a:tailEnd type="triangle"/>
+          </a:ln>
+        </p:spPr>
+        <p:style>
+          <a:lnRef idx="2">
+            <a:schemeClr val="accent1"/>
+          </a:lnRef>
+          <a:fillRef idx="0">
+            <a:schemeClr val="accent1"/>
+          </a:fillRef>
+          <a:effectRef idx="1">
+            <a:schemeClr val="accent1"/>
+          </a:effectRef>
+          <a:fontRef idx="minor">
+            <a:schemeClr val="tx1"/>
+          </a:fontRef>
+        </p:style>
+      </p:cxnSp>
+      <p:sp>
+        <p:nvSpPr>
+          <p:cNvPr id="33" name="TextBox 32">
+            <a:extLst>
+              <a:ext uri="{FF2B5EF4-FFF2-40B4-BE49-F238E27FC236}">
+                <a16:creationId xmlns:a16="http://schemas.microsoft.com/office/drawing/2014/main" id="{DA76DAFA-7379-AA45-8366-7493A474839D}"/>
+              </a:ext>
+            </a:extLst>
+          </p:cNvPr>
+          <p:cNvSpPr txBox="1"/>
+          <p:nvPr/>
+        </p:nvSpPr>
+        <p:spPr>
+          <a:xfrm>
+            <a:off x="59267" y="5427302"/>
+            <a:ext cx="2057400" cy="1015663"/>
+          </a:xfrm>
+          <a:prstGeom prst="rect">
+            <a:avLst/>
+          </a:prstGeom>
+        </p:spPr>
+        <p:style>
+          <a:lnRef idx="2">
+            <a:schemeClr val="dk1"/>
+          </a:lnRef>
+          <a:fillRef idx="1">
+            <a:schemeClr val="lt1"/>
+          </a:fillRef>
+          <a:effectRef idx="0">
+            <a:schemeClr val="dk1"/>
+          </a:effectRef>
+          <a:fontRef idx="minor">
+            <a:schemeClr val="dk1"/>
+          </a:fontRef>
+        </p:style>
+        <p:txBody>
+          <a:bodyPr wrap="square" rtlCol="0">
+            <a:spAutoFit/>
+          </a:bodyPr>
+          <a:lstStyle/>
+          <a:p>
+            <a:pPr algn="ctr"/>
+            <a:r>
+              <a:rPr lang="en-IN" sz="1200" b="1" dirty="0"/>
+              <a:t>Manage the Data in the Observable, a collection of callbacks to listen to values delivered by the observables</a:t>
+            </a:r>
+          </a:p>
+        </p:txBody>
+      </p:sp>
+      <p:sp>
+        <p:nvSpPr>
+          <p:cNvPr id="34" name="TextBox 33">
+            <a:extLst>
+              <a:ext uri="{FF2B5EF4-FFF2-40B4-BE49-F238E27FC236}">
+                <a16:creationId xmlns:a16="http://schemas.microsoft.com/office/drawing/2014/main" id="{D45249DA-ECA4-C7E4-B4A8-3A36C88E3B21}"/>
+              </a:ext>
+            </a:extLst>
+          </p:cNvPr>
+          <p:cNvSpPr txBox="1"/>
+          <p:nvPr/>
+        </p:nvSpPr>
+        <p:spPr>
+          <a:xfrm>
+            <a:off x="3124200" y="5541033"/>
+            <a:ext cx="2057400" cy="646331"/>
+          </a:xfrm>
+          <a:prstGeom prst="rect">
+            <a:avLst/>
+          </a:prstGeom>
+        </p:spPr>
+        <p:style>
+          <a:lnRef idx="2">
+            <a:schemeClr val="dk1"/>
+          </a:lnRef>
+          <a:fillRef idx="1">
+            <a:schemeClr val="lt1"/>
+          </a:fillRef>
+          <a:effectRef idx="0">
+            <a:schemeClr val="dk1"/>
+          </a:effectRef>
+          <a:fontRef idx="minor">
+            <a:schemeClr val="dk1"/>
+          </a:fontRef>
+        </p:style>
+        <p:txBody>
+          <a:bodyPr wrap="square" rtlCol="0">
+            <a:spAutoFit/>
+          </a:bodyPr>
+          <a:lstStyle/>
+          <a:p>
+            <a:pPr algn="ctr"/>
+            <a:r>
+              <a:rPr lang="en-IN" sz="1200" b="1" dirty="0"/>
+              <a:t>Centralize  dispatchers to control data access Concurrency</a:t>
+            </a:r>
+          </a:p>
+        </p:txBody>
+      </p:sp>
+      <p:sp>
+        <p:nvSpPr>
+          <p:cNvPr id="37" name="TextBox 36">
+            <a:extLst>
+              <a:ext uri="{FF2B5EF4-FFF2-40B4-BE49-F238E27FC236}">
+                <a16:creationId xmlns:a16="http://schemas.microsoft.com/office/drawing/2014/main" id="{0E516B75-E3D7-357A-692C-C4AD6FB3D5E0}"/>
+              </a:ext>
+            </a:extLst>
+          </p:cNvPr>
+          <p:cNvSpPr txBox="1"/>
+          <p:nvPr/>
+        </p:nvSpPr>
+        <p:spPr>
+          <a:xfrm>
+            <a:off x="5888565" y="6004747"/>
+            <a:ext cx="2057400" cy="646331"/>
+          </a:xfrm>
+          <a:prstGeom prst="rect">
+            <a:avLst/>
+          </a:prstGeom>
+        </p:spPr>
+        <p:style>
+          <a:lnRef idx="2">
+            <a:schemeClr val="dk1"/>
+          </a:lnRef>
+          <a:fillRef idx="1">
+            <a:schemeClr val="lt1"/>
+          </a:fillRef>
+          <a:effectRef idx="0">
+            <a:schemeClr val="dk1"/>
+          </a:effectRef>
+          <a:fontRef idx="minor">
+            <a:schemeClr val="dk1"/>
+          </a:fontRef>
+        </p:style>
+        <p:txBody>
+          <a:bodyPr wrap="square" rtlCol="0">
+            <a:spAutoFit/>
+          </a:bodyPr>
+          <a:lstStyle/>
+          <a:p>
+            <a:pPr algn="ctr"/>
+            <a:r>
+              <a:rPr lang="en-IN" sz="1200" b="1" dirty="0"/>
+              <a:t>Like an </a:t>
+            </a:r>
+            <a:r>
+              <a:rPr lang="en-IN" sz="1200" b="1" dirty="0" err="1"/>
+              <a:t>EventEmitter</a:t>
+            </a:r>
+            <a:r>
+              <a:rPr lang="en-IN" sz="1200" b="1" dirty="0"/>
+              <a:t>, used to emit the latest value(s) to the subscriber </a:t>
+            </a:r>
+          </a:p>
+        </p:txBody>
+      </p:sp>
+      <p:sp>
+        <p:nvSpPr>
+          <p:cNvPr id="38" name="TextBox 37">
+            <a:extLst>
+              <a:ext uri="{FF2B5EF4-FFF2-40B4-BE49-F238E27FC236}">
+                <a16:creationId xmlns:a16="http://schemas.microsoft.com/office/drawing/2014/main" id="{9A064762-E68C-22AD-4F82-1C0673B7F9D6}"/>
+              </a:ext>
+            </a:extLst>
+          </p:cNvPr>
+          <p:cNvSpPr txBox="1"/>
+          <p:nvPr/>
+        </p:nvSpPr>
+        <p:spPr>
+          <a:xfrm>
+            <a:off x="6773333" y="206922"/>
+            <a:ext cx="2480734" cy="646331"/>
+          </a:xfrm>
+          <a:prstGeom prst="rect">
+            <a:avLst/>
+          </a:prstGeom>
+        </p:spPr>
+        <p:style>
+          <a:lnRef idx="2">
+            <a:schemeClr val="dk1"/>
+          </a:lnRef>
+          <a:fillRef idx="1">
+            <a:schemeClr val="lt1"/>
+          </a:fillRef>
+          <a:effectRef idx="0">
+            <a:schemeClr val="dk1"/>
+          </a:effectRef>
+          <a:fontRef idx="minor">
+            <a:schemeClr val="dk1"/>
+          </a:fontRef>
+        </p:style>
+        <p:txBody>
+          <a:bodyPr wrap="square" rtlCol="0">
+            <a:spAutoFit/>
+          </a:bodyPr>
+          <a:lstStyle/>
+          <a:p>
+            <a:pPr algn="ctr"/>
+            <a:r>
+              <a:rPr lang="en-IN" sz="1200" b="1" dirty="0"/>
+              <a:t>A Subscription management that is used by the observable to take care of Dispatching data</a:t>
+            </a:r>
+          </a:p>
+        </p:txBody>
+      </p:sp>
+      <p:sp>
+        <p:nvSpPr>
+          <p:cNvPr id="39" name="Oval 38">
+            <a:extLst>
+              <a:ext uri="{FF2B5EF4-FFF2-40B4-BE49-F238E27FC236}">
+                <a16:creationId xmlns:a16="http://schemas.microsoft.com/office/drawing/2014/main" id="{E412E772-26FD-090F-D73B-258A65B56E46}"/>
+              </a:ext>
+            </a:extLst>
+          </p:cNvPr>
+          <p:cNvSpPr/>
+          <p:nvPr/>
+        </p:nvSpPr>
+        <p:spPr>
+          <a:xfrm>
+            <a:off x="3714751" y="139630"/>
+            <a:ext cx="1782232" cy="586267"/>
+          </a:xfrm>
+          <a:prstGeom prst="ellipse">
+            <a:avLst/>
+          </a:prstGeom>
+        </p:spPr>
+        <p:style>
+          <a:lnRef idx="2">
+            <a:schemeClr val="accent1">
+              <a:shade val="15000"/>
+            </a:schemeClr>
+          </a:lnRef>
+          <a:fillRef idx="1">
+            <a:schemeClr val="accent1"/>
+          </a:fillRef>
+          <a:effectRef idx="0">
+            <a:schemeClr val="accent1"/>
+          </a:effectRef>
+          <a:fontRef idx="minor">
+            <a:schemeClr val="lt1"/>
+          </a:fontRef>
+        </p:style>
+        <p:txBody>
+          <a:bodyPr rtlCol="0" anchor="ctr"/>
+          <a:lstStyle/>
+          <a:p>
+            <a:pPr algn="ctr"/>
+            <a:r>
+              <a:rPr lang="en-IN" dirty="0"/>
+              <a:t>Operators</a:t>
+            </a:r>
+          </a:p>
+        </p:txBody>
+      </p:sp>
+      <p:cxnSp>
+        <p:nvCxnSpPr>
+          <p:cNvPr id="41" name="Connector: Curved 40">
+            <a:extLst>
+              <a:ext uri="{FF2B5EF4-FFF2-40B4-BE49-F238E27FC236}">
+                <a16:creationId xmlns:a16="http://schemas.microsoft.com/office/drawing/2014/main" id="{21D5FA10-AC1E-F2DF-F06D-D9F75A224193}"/>
+              </a:ext>
+            </a:extLst>
+          </p:cNvPr>
+          <p:cNvCxnSpPr>
+            <a:stCxn id="39" idx="4"/>
+            <a:endCxn id="2" idx="0"/>
+          </p:cNvCxnSpPr>
+          <p:nvPr/>
+        </p:nvCxnSpPr>
+        <p:spPr>
+          <a:xfrm rot="16200000" flipH="1">
+            <a:off x="3827508" y="1504255"/>
+            <a:ext cx="1590583" cy="33865"/>
+          </a:xfrm>
+          <a:prstGeom prst="curvedConnector3">
+            <a:avLst/>
+          </a:prstGeom>
+          <a:ln>
+            <a:tailEnd type="triangle"/>
+          </a:ln>
+        </p:spPr>
+        <p:style>
+          <a:lnRef idx="2">
+            <a:schemeClr val="accent1"/>
+          </a:lnRef>
+          <a:fillRef idx="0">
+            <a:schemeClr val="accent1"/>
+          </a:fillRef>
+          <a:effectRef idx="1">
+            <a:schemeClr val="accent1"/>
+          </a:effectRef>
+          <a:fontRef idx="minor">
+            <a:schemeClr val="tx1"/>
+          </a:fontRef>
+        </p:style>
+      </p:cxnSp>
+      <p:sp>
+        <p:nvSpPr>
+          <p:cNvPr id="42" name="TextBox 41">
+            <a:extLst>
+              <a:ext uri="{FF2B5EF4-FFF2-40B4-BE49-F238E27FC236}">
+                <a16:creationId xmlns:a16="http://schemas.microsoft.com/office/drawing/2014/main" id="{5973F7C7-F8B1-DE19-6F44-8248FB4AF5A2}"/>
+              </a:ext>
+            </a:extLst>
+          </p:cNvPr>
+          <p:cNvSpPr txBox="1"/>
+          <p:nvPr/>
+        </p:nvSpPr>
+        <p:spPr>
+          <a:xfrm>
+            <a:off x="3636436" y="1028606"/>
+            <a:ext cx="2459564" cy="430887"/>
+          </a:xfrm>
+          <a:prstGeom prst="rect">
+            <a:avLst/>
+          </a:prstGeom>
+        </p:spPr>
+        <p:style>
+          <a:lnRef idx="2">
+            <a:schemeClr val="dk1"/>
+          </a:lnRef>
+          <a:fillRef idx="1">
+            <a:schemeClr val="lt1"/>
+          </a:fillRef>
+          <a:effectRef idx="0">
+            <a:schemeClr val="dk1"/>
+          </a:effectRef>
+          <a:fontRef idx="minor">
+            <a:schemeClr val="dk1"/>
+          </a:fontRef>
+        </p:style>
+        <p:txBody>
+          <a:bodyPr wrap="square" rtlCol="0">
+            <a:spAutoFit/>
+          </a:bodyPr>
+          <a:lstStyle/>
+          <a:p>
+            <a:pPr algn="ctr"/>
+            <a:r>
+              <a:rPr lang="en-IN" sz="1100" b="1" dirty="0"/>
+              <a:t>Functions to dela with data stored in Observable</a:t>
+            </a:r>
+          </a:p>
+        </p:txBody>
+      </p:sp>
+    </p:spTree>
+    <p:extLst>
+      <p:ext uri="{BB962C8B-B14F-4D97-AF65-F5344CB8AC3E}">
+        <p14:creationId xmlns:p14="http://schemas.microsoft.com/office/powerpoint/2010/main" val="4254827973"/>
       </p:ext>
     </p:extLst>
   </p:cSld>
@@ -29493,4 +34311,319 @@
     </a:ext>
   </a:extLst>
 </a:theme>
+</file>
+
+<file path=ppt/theme/theme2.xml><?xml version="1.0" encoding="utf-8"?>
+<a:theme xmlns:a="http://schemas.openxmlformats.org/drawingml/2006/main" name="Office Theme">
+  <a:themeElements>
+    <a:clrScheme name="Office">
+      <a:dk1>
+        <a:sysClr val="windowText" lastClr="000000"/>
+      </a:dk1>
+      <a:lt1>
+        <a:sysClr val="window" lastClr="FFFFFF"/>
+      </a:lt1>
+      <a:dk2>
+        <a:srgbClr val="0E2841"/>
+      </a:dk2>
+      <a:lt2>
+        <a:srgbClr val="E8E8E8"/>
+      </a:lt2>
+      <a:accent1>
+        <a:srgbClr val="156082"/>
+      </a:accent1>
+      <a:accent2>
+        <a:srgbClr val="E97132"/>
+      </a:accent2>
+      <a:accent3>
+        <a:srgbClr val="196B24"/>
+      </a:accent3>
+      <a:accent4>
+        <a:srgbClr val="0F9ED5"/>
+      </a:accent4>
+      <a:accent5>
+        <a:srgbClr val="A02B93"/>
+      </a:accent5>
+      <a:accent6>
+        <a:srgbClr val="4EA72E"/>
+      </a:accent6>
+      <a:hlink>
+        <a:srgbClr val="467886"/>
+      </a:hlink>
+      <a:folHlink>
+        <a:srgbClr val="96607D"/>
+      </a:folHlink>
+    </a:clrScheme>
+    <a:fontScheme name="Office">
+      <a:majorFont>
+        <a:latin typeface="Aptos Display" panose="02110004020202020204"/>
+        <a:ea typeface=""/>
+        <a:cs typeface=""/>
+        <a:font script="Jpan" typeface="游ゴシック Light"/>
+        <a:font script="Hang" typeface="맑은 고딕"/>
+        <a:font script="Hans" typeface="等线 Light"/>
+        <a:font script="Hant" typeface="新細明體"/>
+        <a:font script="Arab" typeface="Times New Roman"/>
+        <a:font script="Hebr" typeface="Times New Roman"/>
+        <a:font script="Thai" typeface="Angsana New"/>
+        <a:font script="Ethi" typeface="Nyala"/>
+        <a:font script="Beng" typeface="Vrinda"/>
+        <a:font script="Gujr" typeface="Shruti"/>
+        <a:font script="Khmr" typeface="MoolBoran"/>
+        <a:font script="Knda" typeface="Tunga"/>
+        <a:font script="Guru" typeface="Raavi"/>
+        <a:font script="Cans" typeface="Euphemia"/>
+        <a:font script="Cher" typeface="Plantagenet Cherokee"/>
+        <a:font script="Yiii" typeface="Microsoft Yi Baiti"/>
+        <a:font script="Tibt" typeface="Microsoft Himalaya"/>
+        <a:font script="Thaa" typeface="MV Boli"/>
+        <a:font script="Deva" typeface="Mangal"/>
+        <a:font script="Telu" typeface="Gautami"/>
+        <a:font script="Taml" typeface="Latha"/>
+        <a:font script="Syrc" typeface="Estrangelo Edessa"/>
+        <a:font script="Orya" typeface="Kalinga"/>
+        <a:font script="Mlym" typeface="Kartika"/>
+        <a:font script="Laoo" typeface="DokChampa"/>
+        <a:font script="Sinh" typeface="Iskoola Pota"/>
+        <a:font script="Mong" typeface="Mongolian Baiti"/>
+        <a:font script="Viet" typeface="Times New Roman"/>
+        <a:font script="Uigh" typeface="Microsoft Uighur"/>
+        <a:font script="Geor" typeface="Sylfaen"/>
+        <a:font script="Armn" typeface="Arial"/>
+        <a:font script="Bugi" typeface="Leelawadee UI"/>
+        <a:font script="Bopo" typeface="Microsoft JhengHei"/>
+        <a:font script="Java" typeface="Javanese Text"/>
+        <a:font script="Lisu" typeface="Segoe UI"/>
+        <a:font script="Mymr" typeface="Myanmar Text"/>
+        <a:font script="Nkoo" typeface="Ebrima"/>
+        <a:font script="Olck" typeface="Nirmala UI"/>
+        <a:font script="Osma" typeface="Ebrima"/>
+        <a:font script="Phag" typeface="Phagspa"/>
+        <a:font script="Syrn" typeface="Estrangelo Edessa"/>
+        <a:font script="Syrj" typeface="Estrangelo Edessa"/>
+        <a:font script="Syre" typeface="Estrangelo Edessa"/>
+        <a:font script="Sora" typeface="Nirmala UI"/>
+        <a:font script="Tale" typeface="Microsoft Tai Le"/>
+        <a:font script="Talu" typeface="Microsoft New Tai Lue"/>
+        <a:font script="Tfng" typeface="Ebrima"/>
+      </a:majorFont>
+      <a:minorFont>
+        <a:latin typeface="Aptos" panose="02110004020202020204"/>
+        <a:ea typeface=""/>
+        <a:cs typeface=""/>
+        <a:font script="Jpan" typeface="游ゴシック"/>
+        <a:font script="Hang" typeface="맑은 고딕"/>
+        <a:font script="Hans" typeface="等线"/>
+        <a:font script="Hant" typeface="新細明體"/>
+        <a:font script="Arab" typeface="Arial"/>
+        <a:font script="Hebr" typeface="Arial"/>
+        <a:font script="Thai" typeface="Cordia New"/>
+        <a:font script="Ethi" typeface="Nyala"/>
+        <a:font script="Beng" typeface="Vrinda"/>
+        <a:font script="Gujr" typeface="Shruti"/>
+        <a:font script="Khmr" typeface="DaunPenh"/>
+        <a:font script="Knda" typeface="Tunga"/>
+        <a:font script="Guru" typeface="Raavi"/>
+        <a:font script="Cans" typeface="Euphemia"/>
+        <a:font script="Cher" typeface="Plantagenet Cherokee"/>
+        <a:font script="Yiii" typeface="Microsoft Yi Baiti"/>
+        <a:font script="Tibt" typeface="Microsoft Himalaya"/>
+        <a:font script="Thaa" typeface="MV Boli"/>
+        <a:font script="Deva" typeface="Mangal"/>
+        <a:font script="Telu" typeface="Gautami"/>
+        <a:font script="Taml" typeface="Latha"/>
+        <a:font script="Syrc" typeface="Estrangelo Edessa"/>
+        <a:font script="Orya" typeface="Kalinga"/>
+        <a:font script="Mlym" typeface="Kartika"/>
+        <a:font script="Laoo" typeface="DokChampa"/>
+        <a:font script="Sinh" typeface="Iskoola Pota"/>
+        <a:font script="Mong" typeface="Mongolian Baiti"/>
+        <a:font script="Viet" typeface="Arial"/>
+        <a:font script="Uigh" typeface="Microsoft Uighur"/>
+        <a:font script="Geor" typeface="Sylfaen"/>
+        <a:font script="Armn" typeface="Arial"/>
+        <a:font script="Bugi" typeface="Leelawadee UI"/>
+        <a:font script="Bopo" typeface="Microsoft JhengHei"/>
+        <a:font script="Java" typeface="Javanese Text"/>
+        <a:font script="Lisu" typeface="Segoe UI"/>
+        <a:font script="Mymr" typeface="Myanmar Text"/>
+        <a:font script="Nkoo" typeface="Ebrima"/>
+        <a:font script="Olck" typeface="Nirmala UI"/>
+        <a:font script="Osma" typeface="Ebrima"/>
+        <a:font script="Phag" typeface="Phagspa"/>
+        <a:font script="Syrn" typeface="Estrangelo Edessa"/>
+        <a:font script="Syrj" typeface="Estrangelo Edessa"/>
+        <a:font script="Syre" typeface="Estrangelo Edessa"/>
+        <a:font script="Sora" typeface="Nirmala UI"/>
+        <a:font script="Tale" typeface="Microsoft Tai Le"/>
+        <a:font script="Talu" typeface="Microsoft New Tai Lue"/>
+        <a:font script="Tfng" typeface="Ebrima"/>
+      </a:minorFont>
+    </a:fontScheme>
+    <a:fmtScheme name="Office">
+      <a:fillStyleLst>
+        <a:solidFill>
+          <a:schemeClr val="phClr"/>
+        </a:solidFill>
+        <a:gradFill rotWithShape="1">
+          <a:gsLst>
+            <a:gs pos="0">
+              <a:schemeClr val="phClr">
+                <a:lumMod val="110000"/>
+                <a:satMod val="105000"/>
+                <a:tint val="67000"/>
+              </a:schemeClr>
+            </a:gs>
+            <a:gs pos="50000">
+              <a:schemeClr val="phClr">
+                <a:lumMod val="105000"/>
+                <a:satMod val="103000"/>
+                <a:tint val="73000"/>
+              </a:schemeClr>
+            </a:gs>
+            <a:gs pos="100000">
+              <a:schemeClr val="phClr">
+                <a:lumMod val="105000"/>
+                <a:satMod val="109000"/>
+                <a:tint val="81000"/>
+              </a:schemeClr>
+            </a:gs>
+          </a:gsLst>
+          <a:lin ang="5400000" scaled="0"/>
+        </a:gradFill>
+        <a:gradFill rotWithShape="1">
+          <a:gsLst>
+            <a:gs pos="0">
+              <a:schemeClr val="phClr">
+                <a:satMod val="103000"/>
+                <a:lumMod val="102000"/>
+                <a:tint val="94000"/>
+              </a:schemeClr>
+            </a:gs>
+            <a:gs pos="50000">
+              <a:schemeClr val="phClr">
+                <a:satMod val="110000"/>
+                <a:lumMod val="100000"/>
+                <a:shade val="100000"/>
+              </a:schemeClr>
+            </a:gs>
+            <a:gs pos="100000">
+              <a:schemeClr val="phClr">
+                <a:lumMod val="99000"/>
+                <a:satMod val="120000"/>
+                <a:shade val="78000"/>
+              </a:schemeClr>
+            </a:gs>
+          </a:gsLst>
+          <a:lin ang="5400000" scaled="0"/>
+        </a:gradFill>
+      </a:fillStyleLst>
+      <a:lnStyleLst>
+        <a:ln w="12700" cap="flat" cmpd="sng" algn="ctr">
+          <a:solidFill>
+            <a:schemeClr val="phClr"/>
+          </a:solidFill>
+          <a:prstDash val="solid"/>
+          <a:miter lim="800000"/>
+        </a:ln>
+        <a:ln w="19050" cap="flat" cmpd="sng" algn="ctr">
+          <a:solidFill>
+            <a:schemeClr val="phClr"/>
+          </a:solidFill>
+          <a:prstDash val="solid"/>
+          <a:miter lim="800000"/>
+        </a:ln>
+        <a:ln w="25400" cap="flat" cmpd="sng" algn="ctr">
+          <a:solidFill>
+            <a:schemeClr val="phClr"/>
+          </a:solidFill>
+          <a:prstDash val="solid"/>
+          <a:miter lim="800000"/>
+        </a:ln>
+      </a:lnStyleLst>
+      <a:effectStyleLst>
+        <a:effectStyle>
+          <a:effectLst/>
+        </a:effectStyle>
+        <a:effectStyle>
+          <a:effectLst/>
+        </a:effectStyle>
+        <a:effectStyle>
+          <a:effectLst>
+            <a:outerShdw blurRad="57150" dist="19050" dir="5400000" algn="ctr" rotWithShape="0">
+              <a:srgbClr val="000000">
+                <a:alpha val="63000"/>
+              </a:srgbClr>
+            </a:outerShdw>
+          </a:effectLst>
+        </a:effectStyle>
+      </a:effectStyleLst>
+      <a:bgFillStyleLst>
+        <a:solidFill>
+          <a:schemeClr val="phClr"/>
+        </a:solidFill>
+        <a:solidFill>
+          <a:schemeClr val="phClr">
+            <a:tint val="95000"/>
+            <a:satMod val="170000"/>
+          </a:schemeClr>
+        </a:solidFill>
+        <a:gradFill rotWithShape="1">
+          <a:gsLst>
+            <a:gs pos="0">
+              <a:schemeClr val="phClr">
+                <a:tint val="93000"/>
+                <a:satMod val="150000"/>
+                <a:shade val="98000"/>
+                <a:lumMod val="102000"/>
+              </a:schemeClr>
+            </a:gs>
+            <a:gs pos="50000">
+              <a:schemeClr val="phClr">
+                <a:tint val="98000"/>
+                <a:satMod val="130000"/>
+                <a:shade val="90000"/>
+                <a:lumMod val="103000"/>
+              </a:schemeClr>
+            </a:gs>
+            <a:gs pos="100000">
+              <a:schemeClr val="phClr">
+                <a:shade val="63000"/>
+                <a:satMod val="120000"/>
+              </a:schemeClr>
+            </a:gs>
+          </a:gsLst>
+          <a:lin ang="5400000" scaled="0"/>
+        </a:gradFill>
+      </a:bgFillStyleLst>
+    </a:fmtScheme>
+  </a:themeElements>
+  <a:objectDefaults>
+    <a:lnDef>
+      <a:spPr/>
+      <a:bodyPr/>
+      <a:lstStyle/>
+      <a:style>
+        <a:lnRef idx="2">
+          <a:schemeClr val="accent1"/>
+        </a:lnRef>
+        <a:fillRef idx="0">
+          <a:schemeClr val="accent1"/>
+        </a:fillRef>
+        <a:effectRef idx="1">
+          <a:schemeClr val="accent1"/>
+        </a:effectRef>
+        <a:fontRef idx="minor">
+          <a:schemeClr val="tx1"/>
+        </a:fontRef>
+      </a:style>
+    </a:lnDef>
+  </a:objectDefaults>
+  <a:extraClrSchemeLst/>
+  <a:extLst>
+    <a:ext uri="{05A4C25C-085E-4340-85A3-A5531E510DB2}">
+      <thm15:themeFamily xmlns:thm15="http://schemas.microsoft.com/office/thememl/2012/main" name="Office Theme" id="{2E142A2C-CD16-42D6-873A-C26D2A0506FA}" vid="{1BDDFF52-6CD6-40A5-AB3C-68EB2F1E4D0A}"/>
+    </a:ext>
+  </a:extLst>
+</a:theme>
 </file>
--- a/my-ng-app/Angular_Training_Images.pptx
+++ b/my-ng-app/Angular_Training_Images.pptx
@@ -5,7 +5,7 @@
     <p:sldMasterId id="2147483648" r:id="rId1"/>
   </p:sldMasterIdLst>
   <p:notesMasterIdLst>
-    <p:notesMasterId r:id="rId40"/>
+    <p:notesMasterId r:id="rId42"/>
   </p:notesMasterIdLst>
   <p:sldIdLst>
     <p:sldId id="256" r:id="rId2"/>
@@ -46,6 +46,8 @@
     <p:sldId id="290" r:id="rId37"/>
     <p:sldId id="293" r:id="rId38"/>
     <p:sldId id="292" r:id="rId39"/>
+    <p:sldId id="294" r:id="rId40"/>
+    <p:sldId id="295" r:id="rId41"/>
   </p:sldIdLst>
   <p:sldSz cx="12192000" cy="6858000"/>
   <p:notesSz cx="6858000" cy="9144000"/>
@@ -234,7 +236,7 @@
           <a:p>
             <a:fld id="{DF93E0C2-E96E-4876-AC08-E4ADA015AFF5}" type="datetimeFigureOut">
               <a:rPr lang="en-IN" smtClean="0"/>
-              <a:t>18-04-2024</a:t>
+              <a:t>19-04-2024</a:t>
             </a:fld>
             <a:endParaRPr lang="en-IN"/>
           </a:p>
@@ -735,7 +737,7 @@
           <a:p>
             <a:fld id="{35E7C7C1-050F-4B17-8FDC-37C455263954}" type="datetimeFigureOut">
               <a:rPr lang="en-IN" smtClean="0"/>
-              <a:t>18-04-2024</a:t>
+              <a:t>19-04-2024</a:t>
             </a:fld>
             <a:endParaRPr lang="en-IN"/>
           </a:p>
@@ -935,7 +937,7 @@
           <a:p>
             <a:fld id="{35E7C7C1-050F-4B17-8FDC-37C455263954}" type="datetimeFigureOut">
               <a:rPr lang="en-IN" smtClean="0"/>
-              <a:t>18-04-2024</a:t>
+              <a:t>19-04-2024</a:t>
             </a:fld>
             <a:endParaRPr lang="en-IN"/>
           </a:p>
@@ -1145,7 +1147,7 @@
           <a:p>
             <a:fld id="{35E7C7C1-050F-4B17-8FDC-37C455263954}" type="datetimeFigureOut">
               <a:rPr lang="en-IN" smtClean="0"/>
-              <a:t>18-04-2024</a:t>
+              <a:t>19-04-2024</a:t>
             </a:fld>
             <a:endParaRPr lang="en-IN"/>
           </a:p>
@@ -1345,7 +1347,7 @@
           <a:p>
             <a:fld id="{35E7C7C1-050F-4B17-8FDC-37C455263954}" type="datetimeFigureOut">
               <a:rPr lang="en-IN" smtClean="0"/>
-              <a:t>18-04-2024</a:t>
+              <a:t>19-04-2024</a:t>
             </a:fld>
             <a:endParaRPr lang="en-IN"/>
           </a:p>
@@ -1621,7 +1623,7 @@
           <a:p>
             <a:fld id="{35E7C7C1-050F-4B17-8FDC-37C455263954}" type="datetimeFigureOut">
               <a:rPr lang="en-IN" smtClean="0"/>
-              <a:t>18-04-2024</a:t>
+              <a:t>19-04-2024</a:t>
             </a:fld>
             <a:endParaRPr lang="en-IN"/>
           </a:p>
@@ -1889,7 +1891,7 @@
           <a:p>
             <a:fld id="{35E7C7C1-050F-4B17-8FDC-37C455263954}" type="datetimeFigureOut">
               <a:rPr lang="en-IN" smtClean="0"/>
-              <a:t>18-04-2024</a:t>
+              <a:t>19-04-2024</a:t>
             </a:fld>
             <a:endParaRPr lang="en-IN"/>
           </a:p>
@@ -2304,7 +2306,7 @@
           <a:p>
             <a:fld id="{35E7C7C1-050F-4B17-8FDC-37C455263954}" type="datetimeFigureOut">
               <a:rPr lang="en-IN" smtClean="0"/>
-              <a:t>18-04-2024</a:t>
+              <a:t>19-04-2024</a:t>
             </a:fld>
             <a:endParaRPr lang="en-IN"/>
           </a:p>
@@ -2446,7 +2448,7 @@
           <a:p>
             <a:fld id="{35E7C7C1-050F-4B17-8FDC-37C455263954}" type="datetimeFigureOut">
               <a:rPr lang="en-IN" smtClean="0"/>
-              <a:t>18-04-2024</a:t>
+              <a:t>19-04-2024</a:t>
             </a:fld>
             <a:endParaRPr lang="en-IN"/>
           </a:p>
@@ -2559,7 +2561,7 @@
           <a:p>
             <a:fld id="{35E7C7C1-050F-4B17-8FDC-37C455263954}" type="datetimeFigureOut">
               <a:rPr lang="en-IN" smtClean="0"/>
-              <a:t>18-04-2024</a:t>
+              <a:t>19-04-2024</a:t>
             </a:fld>
             <a:endParaRPr lang="en-IN"/>
           </a:p>
@@ -2872,7 +2874,7 @@
           <a:p>
             <a:fld id="{35E7C7C1-050F-4B17-8FDC-37C455263954}" type="datetimeFigureOut">
               <a:rPr lang="en-IN" smtClean="0"/>
-              <a:t>18-04-2024</a:t>
+              <a:t>19-04-2024</a:t>
             </a:fld>
             <a:endParaRPr lang="en-IN"/>
           </a:p>
@@ -3161,7 +3163,7 @@
           <a:p>
             <a:fld id="{35E7C7C1-050F-4B17-8FDC-37C455263954}" type="datetimeFigureOut">
               <a:rPr lang="en-IN" smtClean="0"/>
-              <a:t>18-04-2024</a:t>
+              <a:t>19-04-2024</a:t>
             </a:fld>
             <a:endParaRPr lang="en-IN"/>
           </a:p>
@@ -3404,7 +3406,7 @@
           <a:p>
             <a:fld id="{35E7C7C1-050F-4B17-8FDC-37C455263954}" type="datetimeFigureOut">
               <a:rPr lang="en-IN" smtClean="0"/>
-              <a:t>18-04-2024</a:t>
+              <a:t>19-04-2024</a:t>
             </a:fld>
             <a:endParaRPr lang="en-IN"/>
           </a:p>
@@ -28625,6 +28627,1054 @@
 </p:sld>
 </file>
 
+<file path=ppt/slides/slide39.xml><?xml version="1.0" encoding="utf-8"?>
+<p:sld xmlns:a="http://schemas.openxmlformats.org/drawingml/2006/main" xmlns:r="http://schemas.openxmlformats.org/officeDocument/2006/relationships" xmlns:p="http://schemas.openxmlformats.org/presentationml/2006/main">
+  <p:cSld>
+    <p:spTree>
+      <p:nvGrpSpPr>
+        <p:cNvPr id="1" name=""/>
+        <p:cNvGrpSpPr/>
+        <p:nvPr/>
+      </p:nvGrpSpPr>
+      <p:grpSpPr>
+        <a:xfrm>
+          <a:off x="0" y="0"/>
+          <a:ext cx="0" cy="0"/>
+          <a:chOff x="0" y="0"/>
+          <a:chExt cx="0" cy="0"/>
+        </a:xfrm>
+      </p:grpSpPr>
+      <p:sp>
+        <p:nvSpPr>
+          <p:cNvPr id="2" name="Rectangle 1">
+            <a:extLst>
+              <a:ext uri="{FF2B5EF4-FFF2-40B4-BE49-F238E27FC236}">
+                <a16:creationId xmlns:a16="http://schemas.microsoft.com/office/drawing/2014/main" id="{EA006670-2469-54DE-B62F-9812B01C5F11}"/>
+              </a:ext>
+            </a:extLst>
+          </p:cNvPr>
+          <p:cNvSpPr/>
+          <p:nvPr/>
+        </p:nvSpPr>
+        <p:spPr>
+          <a:xfrm>
+            <a:off x="1803400" y="1134533"/>
+            <a:ext cx="4292600" cy="3429000"/>
+          </a:xfrm>
+          <a:prstGeom prst="rect">
+            <a:avLst/>
+          </a:prstGeom>
+        </p:spPr>
+        <p:style>
+          <a:lnRef idx="2">
+            <a:schemeClr val="accent1">
+              <a:shade val="15000"/>
+            </a:schemeClr>
+          </a:lnRef>
+          <a:fillRef idx="1">
+            <a:schemeClr val="accent1"/>
+          </a:fillRef>
+          <a:effectRef idx="0">
+            <a:schemeClr val="accent1"/>
+          </a:effectRef>
+          <a:fontRef idx="minor">
+            <a:schemeClr val="lt1"/>
+          </a:fontRef>
+        </p:style>
+        <p:txBody>
+          <a:bodyPr rtlCol="0" anchor="ctr"/>
+          <a:lstStyle/>
+          <a:p>
+            <a:pPr algn="ctr"/>
+            <a:r>
+              <a:rPr lang="en-US" dirty="0"/>
+              <a:t>Angular App</a:t>
+            </a:r>
+          </a:p>
+          <a:p>
+            <a:pPr algn="ctr"/>
+            <a:endParaRPr lang="en-US" dirty="0"/>
+          </a:p>
+          <a:p>
+            <a:pPr algn="ctr"/>
+            <a:endParaRPr lang="en-IN" dirty="0"/>
+          </a:p>
+        </p:txBody>
+      </p:sp>
+      <p:sp>
+        <p:nvSpPr>
+          <p:cNvPr id="4" name="Oval 3">
+            <a:extLst>
+              <a:ext uri="{FF2B5EF4-FFF2-40B4-BE49-F238E27FC236}">
+                <a16:creationId xmlns:a16="http://schemas.microsoft.com/office/drawing/2014/main" id="{75D92CB9-55DA-DB66-ECF4-E09E7D433F22}"/>
+              </a:ext>
+            </a:extLst>
+          </p:cNvPr>
+          <p:cNvSpPr/>
+          <p:nvPr/>
+        </p:nvSpPr>
+        <p:spPr>
+          <a:xfrm>
+            <a:off x="2421467" y="3005667"/>
+            <a:ext cx="1693333" cy="1278466"/>
+          </a:xfrm>
+          <a:prstGeom prst="ellipse">
+            <a:avLst/>
+          </a:prstGeom>
+        </p:spPr>
+        <p:style>
+          <a:lnRef idx="3">
+            <a:schemeClr val="lt1"/>
+          </a:lnRef>
+          <a:fillRef idx="1">
+            <a:schemeClr val="accent2"/>
+          </a:fillRef>
+          <a:effectRef idx="1">
+            <a:schemeClr val="accent2"/>
+          </a:effectRef>
+          <a:fontRef idx="minor">
+            <a:schemeClr val="lt1"/>
+          </a:fontRef>
+        </p:style>
+        <p:txBody>
+          <a:bodyPr rtlCol="0" anchor="ctr"/>
+          <a:lstStyle/>
+          <a:p>
+            <a:pPr algn="ctr"/>
+            <a:r>
+              <a:rPr lang="en-US" dirty="0"/>
+              <a:t>Subject</a:t>
+            </a:r>
+          </a:p>
+          <a:p>
+            <a:pPr algn="ctr"/>
+            <a:r>
+              <a:rPr lang="en-US" dirty="0"/>
+              <a:t>X = 2</a:t>
+            </a:r>
+            <a:endParaRPr lang="en-IN" dirty="0"/>
+          </a:p>
+        </p:txBody>
+      </p:sp>
+      <p:sp>
+        <p:nvSpPr>
+          <p:cNvPr id="5" name="Rectangle 4">
+            <a:extLst>
+              <a:ext uri="{FF2B5EF4-FFF2-40B4-BE49-F238E27FC236}">
+                <a16:creationId xmlns:a16="http://schemas.microsoft.com/office/drawing/2014/main" id="{A1749633-1024-7C19-6292-2111F7DC8AFA}"/>
+              </a:ext>
+            </a:extLst>
+          </p:cNvPr>
+          <p:cNvSpPr/>
+          <p:nvPr/>
+        </p:nvSpPr>
+        <p:spPr>
+          <a:xfrm>
+            <a:off x="1930400" y="1346200"/>
+            <a:ext cx="2116667" cy="753533"/>
+          </a:xfrm>
+          <a:prstGeom prst="rect">
+            <a:avLst/>
+          </a:prstGeom>
+        </p:spPr>
+        <p:style>
+          <a:lnRef idx="2">
+            <a:schemeClr val="dk1">
+              <a:shade val="15000"/>
+            </a:schemeClr>
+          </a:lnRef>
+          <a:fillRef idx="1">
+            <a:schemeClr val="dk1"/>
+          </a:fillRef>
+          <a:effectRef idx="0">
+            <a:schemeClr val="dk1"/>
+          </a:effectRef>
+          <a:fontRef idx="minor">
+            <a:schemeClr val="lt1"/>
+          </a:fontRef>
+        </p:style>
+        <p:txBody>
+          <a:bodyPr rtlCol="0" anchor="ctr"/>
+          <a:lstStyle/>
+          <a:p>
+            <a:pPr algn="ctr"/>
+            <a:r>
+              <a:rPr lang="en-US" dirty="0"/>
+              <a:t>Data Change</a:t>
+            </a:r>
+          </a:p>
+          <a:p>
+            <a:pPr algn="ctr"/>
+            <a:r>
+              <a:rPr lang="en-US" dirty="0"/>
+              <a:t>X=1 =&gt; 2</a:t>
+            </a:r>
+            <a:endParaRPr lang="en-IN" dirty="0"/>
+          </a:p>
+        </p:txBody>
+      </p:sp>
+      <p:cxnSp>
+        <p:nvCxnSpPr>
+          <p:cNvPr id="7" name="Connector: Curved 6">
+            <a:extLst>
+              <a:ext uri="{FF2B5EF4-FFF2-40B4-BE49-F238E27FC236}">
+                <a16:creationId xmlns:a16="http://schemas.microsoft.com/office/drawing/2014/main" id="{B7E2F422-9CDD-D9FC-337E-216DCA75F037}"/>
+              </a:ext>
+            </a:extLst>
+          </p:cNvPr>
+          <p:cNvCxnSpPr>
+            <a:stCxn id="5" idx="2"/>
+            <a:endCxn id="4" idx="2"/>
+          </p:cNvCxnSpPr>
+          <p:nvPr/>
+        </p:nvCxnSpPr>
+        <p:spPr>
+          <a:xfrm rot="5400000">
+            <a:off x="1932518" y="2588683"/>
+            <a:ext cx="1545167" cy="567267"/>
+          </a:xfrm>
+          <a:prstGeom prst="curvedConnector4">
+            <a:avLst>
+              <a:gd name="adj1" fmla="val 29315"/>
+              <a:gd name="adj2" fmla="val 140298"/>
+            </a:avLst>
+          </a:prstGeom>
+          <a:ln>
+            <a:tailEnd type="triangle"/>
+          </a:ln>
+        </p:spPr>
+        <p:style>
+          <a:lnRef idx="3">
+            <a:schemeClr val="accent2"/>
+          </a:lnRef>
+          <a:fillRef idx="0">
+            <a:schemeClr val="accent2"/>
+          </a:fillRef>
+          <a:effectRef idx="2">
+            <a:schemeClr val="accent2"/>
+          </a:effectRef>
+          <a:fontRef idx="minor">
+            <a:schemeClr val="tx1"/>
+          </a:fontRef>
+        </p:style>
+      </p:cxnSp>
+      <p:sp>
+        <p:nvSpPr>
+          <p:cNvPr id="8" name="Rectangle 7">
+            <a:extLst>
+              <a:ext uri="{FF2B5EF4-FFF2-40B4-BE49-F238E27FC236}">
+                <a16:creationId xmlns:a16="http://schemas.microsoft.com/office/drawing/2014/main" id="{1E39828E-BDD5-B9EF-98BC-ECF9DCC9EA55}"/>
+              </a:ext>
+            </a:extLst>
+          </p:cNvPr>
+          <p:cNvSpPr/>
+          <p:nvPr/>
+        </p:nvSpPr>
+        <p:spPr>
+          <a:xfrm>
+            <a:off x="8170333" y="1244600"/>
+            <a:ext cx="1710267" cy="601133"/>
+          </a:xfrm>
+          <a:prstGeom prst="rect">
+            <a:avLst/>
+          </a:prstGeom>
+        </p:spPr>
+        <p:style>
+          <a:lnRef idx="2">
+            <a:schemeClr val="accent1">
+              <a:shade val="15000"/>
+            </a:schemeClr>
+          </a:lnRef>
+          <a:fillRef idx="1">
+            <a:schemeClr val="accent1"/>
+          </a:fillRef>
+          <a:effectRef idx="0">
+            <a:schemeClr val="accent1"/>
+          </a:effectRef>
+          <a:fontRef idx="minor">
+            <a:schemeClr val="lt1"/>
+          </a:fontRef>
+        </p:style>
+        <p:txBody>
+          <a:bodyPr rtlCol="0" anchor="ctr"/>
+          <a:lstStyle/>
+          <a:p>
+            <a:pPr algn="ctr"/>
+            <a:r>
+              <a:rPr lang="en-US" dirty="0"/>
+              <a:t>Subc1</a:t>
+            </a:r>
+            <a:endParaRPr lang="en-IN" dirty="0"/>
+          </a:p>
+        </p:txBody>
+      </p:sp>
+      <p:sp>
+        <p:nvSpPr>
+          <p:cNvPr id="9" name="Rectangle 8">
+            <a:extLst>
+              <a:ext uri="{FF2B5EF4-FFF2-40B4-BE49-F238E27FC236}">
+                <a16:creationId xmlns:a16="http://schemas.microsoft.com/office/drawing/2014/main" id="{9CFC36AB-331B-2894-C3B3-2F2BD93867C5}"/>
+              </a:ext>
+            </a:extLst>
+          </p:cNvPr>
+          <p:cNvSpPr/>
+          <p:nvPr/>
+        </p:nvSpPr>
+        <p:spPr>
+          <a:xfrm>
+            <a:off x="8170333" y="2271183"/>
+            <a:ext cx="1710267" cy="601133"/>
+          </a:xfrm>
+          <a:prstGeom prst="rect">
+            <a:avLst/>
+          </a:prstGeom>
+        </p:spPr>
+        <p:style>
+          <a:lnRef idx="2">
+            <a:schemeClr val="accent1">
+              <a:shade val="15000"/>
+            </a:schemeClr>
+          </a:lnRef>
+          <a:fillRef idx="1">
+            <a:schemeClr val="accent1"/>
+          </a:fillRef>
+          <a:effectRef idx="0">
+            <a:schemeClr val="accent1"/>
+          </a:effectRef>
+          <a:fontRef idx="minor">
+            <a:schemeClr val="lt1"/>
+          </a:fontRef>
+        </p:style>
+        <p:txBody>
+          <a:bodyPr rtlCol="0" anchor="ctr"/>
+          <a:lstStyle/>
+          <a:p>
+            <a:pPr algn="ctr"/>
+            <a:r>
+              <a:rPr lang="en-US" dirty="0"/>
+              <a:t>Subc2</a:t>
+            </a:r>
+            <a:endParaRPr lang="en-IN" dirty="0"/>
+          </a:p>
+        </p:txBody>
+      </p:sp>
+      <p:sp>
+        <p:nvSpPr>
+          <p:cNvPr id="10" name="Rectangle 9">
+            <a:extLst>
+              <a:ext uri="{FF2B5EF4-FFF2-40B4-BE49-F238E27FC236}">
+                <a16:creationId xmlns:a16="http://schemas.microsoft.com/office/drawing/2014/main" id="{7BBE3624-913A-2912-3454-554D296635B8}"/>
+              </a:ext>
+            </a:extLst>
+          </p:cNvPr>
+          <p:cNvSpPr/>
+          <p:nvPr/>
+        </p:nvSpPr>
+        <p:spPr>
+          <a:xfrm>
+            <a:off x="8170333" y="3384552"/>
+            <a:ext cx="1710267" cy="601133"/>
+          </a:xfrm>
+          <a:prstGeom prst="rect">
+            <a:avLst/>
+          </a:prstGeom>
+        </p:spPr>
+        <p:style>
+          <a:lnRef idx="2">
+            <a:schemeClr val="accent1">
+              <a:shade val="15000"/>
+            </a:schemeClr>
+          </a:lnRef>
+          <a:fillRef idx="1">
+            <a:schemeClr val="accent1"/>
+          </a:fillRef>
+          <a:effectRef idx="0">
+            <a:schemeClr val="accent1"/>
+          </a:effectRef>
+          <a:fontRef idx="minor">
+            <a:schemeClr val="lt1"/>
+          </a:fontRef>
+        </p:style>
+        <p:txBody>
+          <a:bodyPr rtlCol="0" anchor="ctr"/>
+          <a:lstStyle/>
+          <a:p>
+            <a:pPr algn="ctr"/>
+            <a:r>
+              <a:rPr lang="en-US" dirty="0"/>
+              <a:t>Subc3</a:t>
+            </a:r>
+            <a:endParaRPr lang="en-IN" dirty="0"/>
+          </a:p>
+        </p:txBody>
+      </p:sp>
+      <p:sp>
+        <p:nvSpPr>
+          <p:cNvPr id="11" name="Rectangle 10">
+            <a:extLst>
+              <a:ext uri="{FF2B5EF4-FFF2-40B4-BE49-F238E27FC236}">
+                <a16:creationId xmlns:a16="http://schemas.microsoft.com/office/drawing/2014/main" id="{FCC90E84-241C-9EA6-8776-339A454239A3}"/>
+              </a:ext>
+            </a:extLst>
+          </p:cNvPr>
+          <p:cNvSpPr/>
+          <p:nvPr/>
+        </p:nvSpPr>
+        <p:spPr>
+          <a:xfrm>
+            <a:off x="8170333" y="4497921"/>
+            <a:ext cx="1710267" cy="601133"/>
+          </a:xfrm>
+          <a:prstGeom prst="rect">
+            <a:avLst/>
+          </a:prstGeom>
+        </p:spPr>
+        <p:style>
+          <a:lnRef idx="2">
+            <a:schemeClr val="accent1">
+              <a:shade val="15000"/>
+            </a:schemeClr>
+          </a:lnRef>
+          <a:fillRef idx="1">
+            <a:schemeClr val="accent1"/>
+          </a:fillRef>
+          <a:effectRef idx="0">
+            <a:schemeClr val="accent1"/>
+          </a:effectRef>
+          <a:fontRef idx="minor">
+            <a:schemeClr val="lt1"/>
+          </a:fontRef>
+        </p:style>
+        <p:txBody>
+          <a:bodyPr rtlCol="0" anchor="ctr"/>
+          <a:lstStyle/>
+          <a:p>
+            <a:pPr algn="ctr"/>
+            <a:r>
+              <a:rPr lang="en-US" dirty="0" err="1"/>
+              <a:t>Subcn</a:t>
+            </a:r>
+            <a:endParaRPr lang="en-IN" dirty="0"/>
+          </a:p>
+        </p:txBody>
+      </p:sp>
+      <p:cxnSp>
+        <p:nvCxnSpPr>
+          <p:cNvPr id="13" name="Connector: Curved 12">
+            <a:extLst>
+              <a:ext uri="{FF2B5EF4-FFF2-40B4-BE49-F238E27FC236}">
+                <a16:creationId xmlns:a16="http://schemas.microsoft.com/office/drawing/2014/main" id="{7DBD068F-1421-E2F8-C884-919D3C4D9266}"/>
+              </a:ext>
+            </a:extLst>
+          </p:cNvPr>
+          <p:cNvCxnSpPr>
+            <a:stCxn id="8" idx="1"/>
+            <a:endCxn id="4" idx="6"/>
+          </p:cNvCxnSpPr>
+          <p:nvPr/>
+        </p:nvCxnSpPr>
+        <p:spPr>
+          <a:xfrm rot="10800000" flipV="1">
+            <a:off x="4114801" y="1545166"/>
+            <a:ext cx="4055533" cy="2099733"/>
+          </a:xfrm>
+          <a:prstGeom prst="curvedConnector3">
+            <a:avLst/>
+          </a:prstGeom>
+          <a:ln>
+            <a:tailEnd type="triangle"/>
+          </a:ln>
+        </p:spPr>
+        <p:style>
+          <a:lnRef idx="3">
+            <a:schemeClr val="accent5"/>
+          </a:lnRef>
+          <a:fillRef idx="0">
+            <a:schemeClr val="accent5"/>
+          </a:fillRef>
+          <a:effectRef idx="2">
+            <a:schemeClr val="accent5"/>
+          </a:effectRef>
+          <a:fontRef idx="minor">
+            <a:schemeClr val="tx1"/>
+          </a:fontRef>
+        </p:style>
+      </p:cxnSp>
+      <p:cxnSp>
+        <p:nvCxnSpPr>
+          <p:cNvPr id="15" name="Straight Arrow Connector 14">
+            <a:extLst>
+              <a:ext uri="{FF2B5EF4-FFF2-40B4-BE49-F238E27FC236}">
+                <a16:creationId xmlns:a16="http://schemas.microsoft.com/office/drawing/2014/main" id="{564BBCA7-ACE4-E52B-5DA0-A41EEBD09B8D}"/>
+              </a:ext>
+            </a:extLst>
+          </p:cNvPr>
+          <p:cNvCxnSpPr/>
+          <p:nvPr/>
+        </p:nvCxnSpPr>
+        <p:spPr>
+          <a:xfrm flipV="1">
+            <a:off x="4360333" y="1625600"/>
+            <a:ext cx="2226735" cy="1642533"/>
+          </a:xfrm>
+          <a:prstGeom prst="straightConnector1">
+            <a:avLst/>
+          </a:prstGeom>
+          <a:ln>
+            <a:tailEnd type="triangle"/>
+          </a:ln>
+        </p:spPr>
+        <p:style>
+          <a:lnRef idx="3">
+            <a:schemeClr val="accent2"/>
+          </a:lnRef>
+          <a:fillRef idx="0">
+            <a:schemeClr val="accent2"/>
+          </a:fillRef>
+          <a:effectRef idx="2">
+            <a:schemeClr val="accent2"/>
+          </a:effectRef>
+          <a:fontRef idx="minor">
+            <a:schemeClr val="tx1"/>
+          </a:fontRef>
+        </p:style>
+      </p:cxnSp>
+      <p:sp>
+        <p:nvSpPr>
+          <p:cNvPr id="16" name="TextBox 15">
+            <a:extLst>
+              <a:ext uri="{FF2B5EF4-FFF2-40B4-BE49-F238E27FC236}">
+                <a16:creationId xmlns:a16="http://schemas.microsoft.com/office/drawing/2014/main" id="{3C3BFFB8-01B8-2667-A7D9-A2C706A3DD9E}"/>
+              </a:ext>
+            </a:extLst>
+          </p:cNvPr>
+          <p:cNvSpPr txBox="1"/>
+          <p:nvPr/>
+        </p:nvSpPr>
+        <p:spPr>
+          <a:xfrm>
+            <a:off x="6223000" y="1014177"/>
+            <a:ext cx="1016001" cy="369332"/>
+          </a:xfrm>
+          <a:prstGeom prst="rect">
+            <a:avLst/>
+          </a:prstGeom>
+          <a:noFill/>
+        </p:spPr>
+        <p:txBody>
+          <a:bodyPr wrap="square" rtlCol="0">
+            <a:spAutoFit/>
+          </a:bodyPr>
+          <a:lstStyle/>
+          <a:p>
+            <a:r>
+              <a:rPr lang="en-US" dirty="0"/>
+              <a:t>X =2</a:t>
+            </a:r>
+            <a:endParaRPr lang="en-IN" dirty="0"/>
+          </a:p>
+        </p:txBody>
+      </p:sp>
+      <p:cxnSp>
+        <p:nvCxnSpPr>
+          <p:cNvPr id="18" name="Connector: Curved 17">
+            <a:extLst>
+              <a:ext uri="{FF2B5EF4-FFF2-40B4-BE49-F238E27FC236}">
+                <a16:creationId xmlns:a16="http://schemas.microsoft.com/office/drawing/2014/main" id="{411E0C27-6329-90F4-F772-48B4D2F3F37B}"/>
+              </a:ext>
+            </a:extLst>
+          </p:cNvPr>
+          <p:cNvCxnSpPr>
+            <a:stCxn id="10" idx="1"/>
+            <a:endCxn id="4" idx="6"/>
+          </p:cNvCxnSpPr>
+          <p:nvPr/>
+        </p:nvCxnSpPr>
+        <p:spPr>
+          <a:xfrm rot="10800000">
+            <a:off x="4114801" y="3644901"/>
+            <a:ext cx="4055533" cy="40219"/>
+          </a:xfrm>
+          <a:prstGeom prst="curvedConnector3">
+            <a:avLst/>
+          </a:prstGeom>
+          <a:ln>
+            <a:tailEnd type="triangle"/>
+          </a:ln>
+        </p:spPr>
+        <p:style>
+          <a:lnRef idx="2">
+            <a:schemeClr val="dk1"/>
+          </a:lnRef>
+          <a:fillRef idx="0">
+            <a:schemeClr val="dk1"/>
+          </a:fillRef>
+          <a:effectRef idx="1">
+            <a:schemeClr val="dk1"/>
+          </a:effectRef>
+          <a:fontRef idx="minor">
+            <a:schemeClr val="tx1"/>
+          </a:fontRef>
+        </p:style>
+      </p:cxnSp>
+      <p:cxnSp>
+        <p:nvCxnSpPr>
+          <p:cNvPr id="20" name="Straight Arrow Connector 19">
+            <a:extLst>
+              <a:ext uri="{FF2B5EF4-FFF2-40B4-BE49-F238E27FC236}">
+                <a16:creationId xmlns:a16="http://schemas.microsoft.com/office/drawing/2014/main" id="{6C4EB4BF-00F5-D5AB-7626-9A1490FAC07A}"/>
+              </a:ext>
+            </a:extLst>
+          </p:cNvPr>
+          <p:cNvCxnSpPr/>
+          <p:nvPr/>
+        </p:nvCxnSpPr>
+        <p:spPr>
+          <a:xfrm>
+            <a:off x="4360332" y="3759200"/>
+            <a:ext cx="3454401" cy="67733"/>
+          </a:xfrm>
+          <a:prstGeom prst="straightConnector1">
+            <a:avLst/>
+          </a:prstGeom>
+          <a:ln>
+            <a:tailEnd type="triangle"/>
+          </a:ln>
+        </p:spPr>
+        <p:style>
+          <a:lnRef idx="2">
+            <a:schemeClr val="dk1"/>
+          </a:lnRef>
+          <a:fillRef idx="0">
+            <a:schemeClr val="dk1"/>
+          </a:fillRef>
+          <a:effectRef idx="1">
+            <a:schemeClr val="dk1"/>
+          </a:effectRef>
+          <a:fontRef idx="minor">
+            <a:schemeClr val="tx1"/>
+          </a:fontRef>
+        </p:style>
+      </p:cxnSp>
+      <p:cxnSp>
+        <p:nvCxnSpPr>
+          <p:cNvPr id="22" name="Straight Arrow Connector 21">
+            <a:extLst>
+              <a:ext uri="{FF2B5EF4-FFF2-40B4-BE49-F238E27FC236}">
+                <a16:creationId xmlns:a16="http://schemas.microsoft.com/office/drawing/2014/main" id="{5CF96CD6-DFDF-A50C-CEDB-CCEE8811C604}"/>
+              </a:ext>
+            </a:extLst>
+          </p:cNvPr>
+          <p:cNvCxnSpPr/>
+          <p:nvPr/>
+        </p:nvCxnSpPr>
+        <p:spPr>
+          <a:xfrm flipV="1">
+            <a:off x="4114800" y="1545164"/>
+            <a:ext cx="2226732" cy="1667936"/>
+          </a:xfrm>
+          <a:prstGeom prst="straightConnector1">
+            <a:avLst/>
+          </a:prstGeom>
+          <a:ln>
+            <a:tailEnd type="triangle"/>
+          </a:ln>
+        </p:spPr>
+        <p:style>
+          <a:lnRef idx="3">
+            <a:schemeClr val="accent2"/>
+          </a:lnRef>
+          <a:fillRef idx="0">
+            <a:schemeClr val="accent2"/>
+          </a:fillRef>
+          <a:effectRef idx="2">
+            <a:schemeClr val="accent2"/>
+          </a:effectRef>
+          <a:fontRef idx="minor">
+            <a:schemeClr val="tx1"/>
+          </a:fontRef>
+        </p:style>
+      </p:cxnSp>
+      <p:sp>
+        <p:nvSpPr>
+          <p:cNvPr id="23" name="TextBox 22">
+            <a:extLst>
+              <a:ext uri="{FF2B5EF4-FFF2-40B4-BE49-F238E27FC236}">
+                <a16:creationId xmlns:a16="http://schemas.microsoft.com/office/drawing/2014/main" id="{E33DF53A-2A3D-EBED-4D7A-9A257A1FF300}"/>
+              </a:ext>
+            </a:extLst>
+          </p:cNvPr>
+          <p:cNvSpPr txBox="1"/>
+          <p:nvPr/>
+        </p:nvSpPr>
+        <p:spPr>
+          <a:xfrm>
+            <a:off x="6654800" y="1558405"/>
+            <a:ext cx="1016001" cy="369332"/>
+          </a:xfrm>
+          <a:prstGeom prst="rect">
+            <a:avLst/>
+          </a:prstGeom>
+          <a:noFill/>
+        </p:spPr>
+        <p:txBody>
+          <a:bodyPr wrap="square" rtlCol="0">
+            <a:spAutoFit/>
+          </a:bodyPr>
+          <a:lstStyle/>
+          <a:p>
+            <a:r>
+              <a:rPr lang="en-US" dirty="0"/>
+              <a:t>X =1</a:t>
+            </a:r>
+            <a:endParaRPr lang="en-IN" dirty="0"/>
+          </a:p>
+        </p:txBody>
+      </p:sp>
+      <p:sp>
+        <p:nvSpPr>
+          <p:cNvPr id="24" name="TextBox 23">
+            <a:extLst>
+              <a:ext uri="{FF2B5EF4-FFF2-40B4-BE49-F238E27FC236}">
+                <a16:creationId xmlns:a16="http://schemas.microsoft.com/office/drawing/2014/main" id="{C0DCB5D9-0BB6-9C37-C5CD-B25752E92C97}"/>
+              </a:ext>
+            </a:extLst>
+          </p:cNvPr>
+          <p:cNvSpPr txBox="1"/>
+          <p:nvPr/>
+        </p:nvSpPr>
+        <p:spPr>
+          <a:xfrm>
+            <a:off x="6587068" y="4006356"/>
+            <a:ext cx="1016001" cy="369332"/>
+          </a:xfrm>
+          <a:prstGeom prst="rect">
+            <a:avLst/>
+          </a:prstGeom>
+          <a:noFill/>
+        </p:spPr>
+        <p:txBody>
+          <a:bodyPr wrap="square" rtlCol="0">
+            <a:spAutoFit/>
+          </a:bodyPr>
+          <a:lstStyle/>
+          <a:p>
+            <a:r>
+              <a:rPr lang="en-US" dirty="0"/>
+              <a:t>X =2</a:t>
+            </a:r>
+            <a:endParaRPr lang="en-IN" dirty="0"/>
+          </a:p>
+        </p:txBody>
+      </p:sp>
+      <p:sp>
+        <p:nvSpPr>
+          <p:cNvPr id="25" name="Rectangle 24">
+            <a:extLst>
+              <a:ext uri="{FF2B5EF4-FFF2-40B4-BE49-F238E27FC236}">
+                <a16:creationId xmlns:a16="http://schemas.microsoft.com/office/drawing/2014/main" id="{B99E2E59-4A73-ABFD-DE42-B2A6CE33B693}"/>
+              </a:ext>
+            </a:extLst>
+          </p:cNvPr>
+          <p:cNvSpPr/>
+          <p:nvPr/>
+        </p:nvSpPr>
+        <p:spPr>
+          <a:xfrm>
+            <a:off x="270933" y="5012267"/>
+            <a:ext cx="1532467" cy="1261533"/>
+          </a:xfrm>
+          <a:prstGeom prst="rect">
+            <a:avLst/>
+          </a:prstGeom>
+        </p:spPr>
+        <p:style>
+          <a:lnRef idx="2">
+            <a:schemeClr val="accent1">
+              <a:shade val="15000"/>
+            </a:schemeClr>
+          </a:lnRef>
+          <a:fillRef idx="1">
+            <a:schemeClr val="accent1"/>
+          </a:fillRef>
+          <a:effectRef idx="0">
+            <a:schemeClr val="accent1"/>
+          </a:effectRef>
+          <a:fontRef idx="minor">
+            <a:schemeClr val="lt1"/>
+          </a:fontRef>
+        </p:style>
+        <p:txBody>
+          <a:bodyPr rtlCol="0" anchor="ctr"/>
+          <a:lstStyle/>
+          <a:p>
+            <a:pPr algn="ctr"/>
+            <a:r>
+              <a:rPr lang="en-US" dirty="0"/>
+              <a:t>Publishing </a:t>
+            </a:r>
+          </a:p>
+          <a:p>
+            <a:pPr algn="ctr"/>
+            <a:r>
+              <a:rPr lang="en-US" dirty="0"/>
+              <a:t>Company</a:t>
+            </a:r>
+            <a:endParaRPr lang="en-IN" dirty="0"/>
+          </a:p>
+        </p:txBody>
+      </p:sp>
+      <p:sp>
+        <p:nvSpPr>
+          <p:cNvPr id="26" name="Rectangle 25">
+            <a:extLst>
+              <a:ext uri="{FF2B5EF4-FFF2-40B4-BE49-F238E27FC236}">
+                <a16:creationId xmlns:a16="http://schemas.microsoft.com/office/drawing/2014/main" id="{7E8E01AD-00C7-C94A-3E04-70514D3514E5}"/>
+              </a:ext>
+            </a:extLst>
+          </p:cNvPr>
+          <p:cNvSpPr/>
+          <p:nvPr/>
+        </p:nvSpPr>
+        <p:spPr>
+          <a:xfrm>
+            <a:off x="6587068" y="5164666"/>
+            <a:ext cx="1532467" cy="1261533"/>
+          </a:xfrm>
+          <a:prstGeom prst="rect">
+            <a:avLst/>
+          </a:prstGeom>
+        </p:spPr>
+        <p:style>
+          <a:lnRef idx="2">
+            <a:schemeClr val="accent1">
+              <a:shade val="15000"/>
+            </a:schemeClr>
+          </a:lnRef>
+          <a:fillRef idx="1">
+            <a:schemeClr val="accent1"/>
+          </a:fillRef>
+          <a:effectRef idx="0">
+            <a:schemeClr val="accent1"/>
+          </a:effectRef>
+          <a:fontRef idx="minor">
+            <a:schemeClr val="lt1"/>
+          </a:fontRef>
+        </p:style>
+        <p:txBody>
+          <a:bodyPr rtlCol="0" anchor="ctr"/>
+          <a:lstStyle/>
+          <a:p>
+            <a:pPr algn="ctr"/>
+            <a:r>
+              <a:rPr lang="en-US" dirty="0"/>
+              <a:t>Subscriber to  Paper by Publisher</a:t>
+            </a:r>
+            <a:endParaRPr lang="en-IN" dirty="0"/>
+          </a:p>
+        </p:txBody>
+      </p:sp>
+      <p:sp>
+        <p:nvSpPr>
+          <p:cNvPr id="27" name="Oval 26">
+            <a:extLst>
+              <a:ext uri="{FF2B5EF4-FFF2-40B4-BE49-F238E27FC236}">
+                <a16:creationId xmlns:a16="http://schemas.microsoft.com/office/drawing/2014/main" id="{60288863-8C9A-275C-8CE5-38D32AFD72E8}"/>
+              </a:ext>
+            </a:extLst>
+          </p:cNvPr>
+          <p:cNvSpPr/>
+          <p:nvPr/>
+        </p:nvSpPr>
+        <p:spPr>
+          <a:xfrm>
+            <a:off x="3183467" y="5012267"/>
+            <a:ext cx="1955800" cy="1261533"/>
+          </a:xfrm>
+          <a:prstGeom prst="ellipse">
+            <a:avLst/>
+          </a:prstGeom>
+          <a:solidFill>
+            <a:schemeClr val="accent2"/>
+          </a:solidFill>
+        </p:spPr>
+        <p:style>
+          <a:lnRef idx="2">
+            <a:schemeClr val="accent1">
+              <a:shade val="15000"/>
+            </a:schemeClr>
+          </a:lnRef>
+          <a:fillRef idx="1">
+            <a:schemeClr val="accent1"/>
+          </a:fillRef>
+          <a:effectRef idx="0">
+            <a:schemeClr val="accent1"/>
+          </a:effectRef>
+          <a:fontRef idx="minor">
+            <a:schemeClr val="lt1"/>
+          </a:fontRef>
+        </p:style>
+        <p:txBody>
+          <a:bodyPr rtlCol="0" anchor="ctr"/>
+          <a:lstStyle/>
+          <a:p>
+            <a:pPr algn="ctr"/>
+            <a:r>
+              <a:rPr lang="en-US" dirty="0"/>
+              <a:t>Subject</a:t>
+            </a:r>
+            <a:endParaRPr lang="en-IN" dirty="0"/>
+          </a:p>
+        </p:txBody>
+      </p:sp>
+      <p:cxnSp>
+        <p:nvCxnSpPr>
+          <p:cNvPr id="29" name="Connector: Curved 28">
+            <a:extLst>
+              <a:ext uri="{FF2B5EF4-FFF2-40B4-BE49-F238E27FC236}">
+                <a16:creationId xmlns:a16="http://schemas.microsoft.com/office/drawing/2014/main" id="{5BAB8EA1-B498-277A-C962-92B54E15EB69}"/>
+              </a:ext>
+            </a:extLst>
+          </p:cNvPr>
+          <p:cNvCxnSpPr>
+            <a:stCxn id="26" idx="0"/>
+            <a:endCxn id="27" idx="6"/>
+          </p:cNvCxnSpPr>
+          <p:nvPr/>
+        </p:nvCxnSpPr>
+        <p:spPr>
+          <a:xfrm rot="16200000" flipH="1" flipV="1">
+            <a:off x="6007101" y="4296832"/>
+            <a:ext cx="478368" cy="2214035"/>
+          </a:xfrm>
+          <a:prstGeom prst="curvedConnector4">
+            <a:avLst>
+              <a:gd name="adj1" fmla="val -47787"/>
+              <a:gd name="adj2" fmla="val 67304"/>
+            </a:avLst>
+          </a:prstGeom>
+          <a:ln>
+            <a:tailEnd type="triangle"/>
+          </a:ln>
+        </p:spPr>
+        <p:style>
+          <a:lnRef idx="2">
+            <a:schemeClr val="accent1"/>
+          </a:lnRef>
+          <a:fillRef idx="0">
+            <a:schemeClr val="accent1"/>
+          </a:fillRef>
+          <a:effectRef idx="1">
+            <a:schemeClr val="accent1"/>
+          </a:effectRef>
+          <a:fontRef idx="minor">
+            <a:schemeClr val="tx1"/>
+          </a:fontRef>
+        </p:style>
+      </p:cxnSp>
+      <p:cxnSp>
+        <p:nvCxnSpPr>
+          <p:cNvPr id="31" name="Connector: Curved 30">
+            <a:extLst>
+              <a:ext uri="{FF2B5EF4-FFF2-40B4-BE49-F238E27FC236}">
+                <a16:creationId xmlns:a16="http://schemas.microsoft.com/office/drawing/2014/main" id="{6D8E1D52-8DA3-0E34-FFAF-F6FADAC4AFCE}"/>
+              </a:ext>
+            </a:extLst>
+          </p:cNvPr>
+          <p:cNvCxnSpPr>
+            <a:stCxn id="25" idx="0"/>
+            <a:endCxn id="27" idx="2"/>
+          </p:cNvCxnSpPr>
+          <p:nvPr/>
+        </p:nvCxnSpPr>
+        <p:spPr>
+          <a:xfrm rot="16200000" flipH="1">
+            <a:off x="1794933" y="4254500"/>
+            <a:ext cx="630767" cy="2146300"/>
+          </a:xfrm>
+          <a:prstGeom prst="curvedConnector4">
+            <a:avLst>
+              <a:gd name="adj1" fmla="val -36242"/>
+              <a:gd name="adj2" fmla="val 67850"/>
+            </a:avLst>
+          </a:prstGeom>
+          <a:ln>
+            <a:tailEnd type="triangle"/>
+          </a:ln>
+        </p:spPr>
+        <p:style>
+          <a:lnRef idx="2">
+            <a:schemeClr val="accent1"/>
+          </a:lnRef>
+          <a:fillRef idx="0">
+            <a:schemeClr val="accent1"/>
+          </a:fillRef>
+          <a:effectRef idx="1">
+            <a:schemeClr val="accent1"/>
+          </a:effectRef>
+          <a:fontRef idx="minor">
+            <a:schemeClr val="tx1"/>
+          </a:fontRef>
+        </p:style>
+      </p:cxnSp>
+      <p:cxnSp>
+        <p:nvCxnSpPr>
+          <p:cNvPr id="33" name="Connector: Curved 32">
+            <a:extLst>
+              <a:ext uri="{FF2B5EF4-FFF2-40B4-BE49-F238E27FC236}">
+                <a16:creationId xmlns:a16="http://schemas.microsoft.com/office/drawing/2014/main" id="{771B56D9-4051-406E-3FED-E1AE4CE83A0A}"/>
+              </a:ext>
+            </a:extLst>
+          </p:cNvPr>
+          <p:cNvCxnSpPr>
+            <a:stCxn id="27" idx="6"/>
+            <a:endCxn id="26" idx="2"/>
+          </p:cNvCxnSpPr>
+          <p:nvPr/>
+        </p:nvCxnSpPr>
+        <p:spPr>
+          <a:xfrm>
+            <a:off x="5139267" y="5643034"/>
+            <a:ext cx="2214035" cy="783165"/>
+          </a:xfrm>
+          <a:prstGeom prst="curvedConnector4">
+            <a:avLst>
+              <a:gd name="adj1" fmla="val 32696"/>
+              <a:gd name="adj2" fmla="val 129189"/>
+            </a:avLst>
+          </a:prstGeom>
+          <a:ln>
+            <a:tailEnd type="triangle"/>
+          </a:ln>
+        </p:spPr>
+        <p:style>
+          <a:lnRef idx="2">
+            <a:schemeClr val="accent1"/>
+          </a:lnRef>
+          <a:fillRef idx="0">
+            <a:schemeClr val="accent1"/>
+          </a:fillRef>
+          <a:effectRef idx="1">
+            <a:schemeClr val="accent1"/>
+          </a:effectRef>
+          <a:fontRef idx="minor">
+            <a:schemeClr val="tx1"/>
+          </a:fontRef>
+        </p:style>
+      </p:cxnSp>
+    </p:spTree>
+    <p:extLst>
+      <p:ext uri="{BB962C8B-B14F-4D97-AF65-F5344CB8AC3E}">
+        <p14:creationId xmlns:p14="http://schemas.microsoft.com/office/powerpoint/2010/main" val="3259439364"/>
+      </p:ext>
+    </p:extLst>
+  </p:cSld>
+  <p:clrMapOvr>
+    <a:masterClrMapping/>
+  </p:clrMapOvr>
+</p:sld>
+</file>
+
 <file path=ppt/slides/slide4.xml><?xml version="1.0" encoding="utf-8"?>
 <p:sld xmlns:a="http://schemas.openxmlformats.org/drawingml/2006/main" xmlns:r="http://schemas.openxmlformats.org/officeDocument/2006/relationships" xmlns:p="http://schemas.openxmlformats.org/presentationml/2006/main">
   <p:cSld>
@@ -29239,6 +30289,732 @@
     <p:extLst>
       <p:ext uri="{BB962C8B-B14F-4D97-AF65-F5344CB8AC3E}">
         <p14:creationId xmlns:p14="http://schemas.microsoft.com/office/powerpoint/2010/main" val="2142986889"/>
+      </p:ext>
+    </p:extLst>
+  </p:cSld>
+  <p:clrMapOvr>
+    <a:masterClrMapping/>
+  </p:clrMapOvr>
+</p:sld>
+</file>
+
+<file path=ppt/slides/slide40.xml><?xml version="1.0" encoding="utf-8"?>
+<p:sld xmlns:a="http://schemas.openxmlformats.org/drawingml/2006/main" xmlns:r="http://schemas.openxmlformats.org/officeDocument/2006/relationships" xmlns:p="http://schemas.openxmlformats.org/presentationml/2006/main">
+  <p:cSld>
+    <p:spTree>
+      <p:nvGrpSpPr>
+        <p:cNvPr id="1" name=""/>
+        <p:cNvGrpSpPr/>
+        <p:nvPr/>
+      </p:nvGrpSpPr>
+      <p:grpSpPr>
+        <a:xfrm>
+          <a:off x="0" y="0"/>
+          <a:ext cx="0" cy="0"/>
+          <a:chOff x="0" y="0"/>
+          <a:chExt cx="0" cy="0"/>
+        </a:xfrm>
+      </p:grpSpPr>
+      <p:sp>
+        <p:nvSpPr>
+          <p:cNvPr id="2" name="Oval 1">
+            <a:extLst>
+              <a:ext uri="{FF2B5EF4-FFF2-40B4-BE49-F238E27FC236}">
+                <a16:creationId xmlns:a16="http://schemas.microsoft.com/office/drawing/2014/main" id="{422A8AA7-32B7-049C-0FA9-D85EFDA8F234}"/>
+              </a:ext>
+            </a:extLst>
+          </p:cNvPr>
+          <p:cNvSpPr/>
+          <p:nvPr/>
+        </p:nvSpPr>
+        <p:spPr>
+          <a:xfrm>
+            <a:off x="4377267" y="575733"/>
+            <a:ext cx="2641600" cy="2082800"/>
+          </a:xfrm>
+          <a:prstGeom prst="ellipse">
+            <a:avLst/>
+          </a:prstGeom>
+          <a:ln w="76200"/>
+        </p:spPr>
+        <p:style>
+          <a:lnRef idx="2">
+            <a:schemeClr val="accent2">
+              <a:shade val="15000"/>
+            </a:schemeClr>
+          </a:lnRef>
+          <a:fillRef idx="1">
+            <a:schemeClr val="accent2"/>
+          </a:fillRef>
+          <a:effectRef idx="0">
+            <a:schemeClr val="accent2"/>
+          </a:effectRef>
+          <a:fontRef idx="minor">
+            <a:schemeClr val="lt1"/>
+          </a:fontRef>
+        </p:style>
+        <p:txBody>
+          <a:bodyPr rtlCol="0" anchor="ctr"/>
+          <a:lstStyle/>
+          <a:p>
+            <a:pPr algn="ctr"/>
+            <a:r>
+              <a:rPr lang="en-US" dirty="0"/>
+              <a:t>Subject</a:t>
+            </a:r>
+            <a:endParaRPr lang="en-IN" dirty="0"/>
+          </a:p>
+        </p:txBody>
+      </p:sp>
+      <p:sp>
+        <p:nvSpPr>
+          <p:cNvPr id="3" name="Rectangle 2">
+            <a:extLst>
+              <a:ext uri="{FF2B5EF4-FFF2-40B4-BE49-F238E27FC236}">
+                <a16:creationId xmlns:a16="http://schemas.microsoft.com/office/drawing/2014/main" id="{09BB1E7D-C07A-0EB8-8A70-8D7030FAB928}"/>
+              </a:ext>
+            </a:extLst>
+          </p:cNvPr>
+          <p:cNvSpPr/>
+          <p:nvPr/>
+        </p:nvSpPr>
+        <p:spPr>
+          <a:xfrm>
+            <a:off x="499533" y="3920067"/>
+            <a:ext cx="2336800" cy="1651000"/>
+          </a:xfrm>
+          <a:prstGeom prst="rect">
+            <a:avLst/>
+          </a:prstGeom>
+        </p:spPr>
+        <p:style>
+          <a:lnRef idx="2">
+            <a:schemeClr val="accent1">
+              <a:shade val="15000"/>
+            </a:schemeClr>
+          </a:lnRef>
+          <a:fillRef idx="1">
+            <a:schemeClr val="accent1"/>
+          </a:fillRef>
+          <a:effectRef idx="0">
+            <a:schemeClr val="accent1"/>
+          </a:effectRef>
+          <a:fontRef idx="minor">
+            <a:schemeClr val="lt1"/>
+          </a:fontRef>
+        </p:style>
+        <p:txBody>
+          <a:bodyPr rtlCol="0" anchor="ctr"/>
+          <a:lstStyle/>
+          <a:p>
+            <a:pPr algn="ctr"/>
+            <a:r>
+              <a:rPr lang="en-US" dirty="0"/>
+              <a:t>COM1</a:t>
+            </a:r>
+            <a:endParaRPr lang="en-IN" dirty="0"/>
+          </a:p>
+        </p:txBody>
+      </p:sp>
+      <p:sp>
+        <p:nvSpPr>
+          <p:cNvPr id="4" name="Rectangle 3">
+            <a:extLst>
+              <a:ext uri="{FF2B5EF4-FFF2-40B4-BE49-F238E27FC236}">
+                <a16:creationId xmlns:a16="http://schemas.microsoft.com/office/drawing/2014/main" id="{5A6D71A4-7776-0742-3F2F-2B460647D1CA}"/>
+              </a:ext>
+            </a:extLst>
+          </p:cNvPr>
+          <p:cNvSpPr/>
+          <p:nvPr/>
+        </p:nvSpPr>
+        <p:spPr>
+          <a:xfrm>
+            <a:off x="3454399" y="3920067"/>
+            <a:ext cx="2336800" cy="1651000"/>
+          </a:xfrm>
+          <a:prstGeom prst="rect">
+            <a:avLst/>
+          </a:prstGeom>
+        </p:spPr>
+        <p:style>
+          <a:lnRef idx="2">
+            <a:schemeClr val="accent1">
+              <a:shade val="15000"/>
+            </a:schemeClr>
+          </a:lnRef>
+          <a:fillRef idx="1">
+            <a:schemeClr val="accent1"/>
+          </a:fillRef>
+          <a:effectRef idx="0">
+            <a:schemeClr val="accent1"/>
+          </a:effectRef>
+          <a:fontRef idx="minor">
+            <a:schemeClr val="lt1"/>
+          </a:fontRef>
+        </p:style>
+        <p:txBody>
+          <a:bodyPr rtlCol="0" anchor="ctr"/>
+          <a:lstStyle/>
+          <a:p>
+            <a:pPr algn="ctr"/>
+            <a:r>
+              <a:rPr lang="en-US" dirty="0"/>
+              <a:t>COM2</a:t>
+            </a:r>
+            <a:endParaRPr lang="en-IN" dirty="0"/>
+          </a:p>
+        </p:txBody>
+      </p:sp>
+      <p:sp>
+        <p:nvSpPr>
+          <p:cNvPr id="5" name="Rectangle 4">
+            <a:extLst>
+              <a:ext uri="{FF2B5EF4-FFF2-40B4-BE49-F238E27FC236}">
+                <a16:creationId xmlns:a16="http://schemas.microsoft.com/office/drawing/2014/main" id="{22CFB77A-78F5-0AC8-D374-2AF028F9721B}"/>
+              </a:ext>
+            </a:extLst>
+          </p:cNvPr>
+          <p:cNvSpPr/>
+          <p:nvPr/>
+        </p:nvSpPr>
+        <p:spPr>
+          <a:xfrm>
+            <a:off x="6189133" y="3920067"/>
+            <a:ext cx="2336800" cy="1651000"/>
+          </a:xfrm>
+          <a:prstGeom prst="rect">
+            <a:avLst/>
+          </a:prstGeom>
+        </p:spPr>
+        <p:style>
+          <a:lnRef idx="2">
+            <a:schemeClr val="accent1">
+              <a:shade val="15000"/>
+            </a:schemeClr>
+          </a:lnRef>
+          <a:fillRef idx="1">
+            <a:schemeClr val="accent1"/>
+          </a:fillRef>
+          <a:effectRef idx="0">
+            <a:schemeClr val="accent1"/>
+          </a:effectRef>
+          <a:fontRef idx="minor">
+            <a:schemeClr val="lt1"/>
+          </a:fontRef>
+        </p:style>
+        <p:txBody>
+          <a:bodyPr rtlCol="0" anchor="ctr"/>
+          <a:lstStyle/>
+          <a:p>
+            <a:pPr algn="ctr"/>
+            <a:r>
+              <a:rPr lang="en-US" dirty="0"/>
+              <a:t>COM3</a:t>
+            </a:r>
+            <a:endParaRPr lang="en-IN" dirty="0"/>
+          </a:p>
+        </p:txBody>
+      </p:sp>
+      <p:sp>
+        <p:nvSpPr>
+          <p:cNvPr id="6" name="Rectangle 5">
+            <a:extLst>
+              <a:ext uri="{FF2B5EF4-FFF2-40B4-BE49-F238E27FC236}">
+                <a16:creationId xmlns:a16="http://schemas.microsoft.com/office/drawing/2014/main" id="{4EC5D1B1-2D44-A1CE-752A-B2985A33570D}"/>
+              </a:ext>
+            </a:extLst>
+          </p:cNvPr>
+          <p:cNvSpPr/>
+          <p:nvPr/>
+        </p:nvSpPr>
+        <p:spPr>
+          <a:xfrm>
+            <a:off x="9143999" y="3920067"/>
+            <a:ext cx="2336800" cy="1651000"/>
+          </a:xfrm>
+          <a:prstGeom prst="rect">
+            <a:avLst/>
+          </a:prstGeom>
+        </p:spPr>
+        <p:style>
+          <a:lnRef idx="2">
+            <a:schemeClr val="accent1">
+              <a:shade val="15000"/>
+            </a:schemeClr>
+          </a:lnRef>
+          <a:fillRef idx="1">
+            <a:schemeClr val="accent1"/>
+          </a:fillRef>
+          <a:effectRef idx="0">
+            <a:schemeClr val="accent1"/>
+          </a:effectRef>
+          <a:fontRef idx="minor">
+            <a:schemeClr val="lt1"/>
+          </a:fontRef>
+        </p:style>
+        <p:txBody>
+          <a:bodyPr rtlCol="0" anchor="ctr"/>
+          <a:lstStyle/>
+          <a:p>
+            <a:pPr algn="ctr"/>
+            <a:r>
+              <a:rPr lang="en-US" dirty="0"/>
+              <a:t>COM4</a:t>
+            </a:r>
+            <a:endParaRPr lang="en-IN" dirty="0"/>
+          </a:p>
+        </p:txBody>
+      </p:sp>
+      <p:cxnSp>
+        <p:nvCxnSpPr>
+          <p:cNvPr id="8" name="Connector: Curved 7">
+            <a:extLst>
+              <a:ext uri="{FF2B5EF4-FFF2-40B4-BE49-F238E27FC236}">
+                <a16:creationId xmlns:a16="http://schemas.microsoft.com/office/drawing/2014/main" id="{08DE4DC6-86DD-3D8D-BAF8-3CC8522012C4}"/>
+              </a:ext>
+            </a:extLst>
+          </p:cNvPr>
+          <p:cNvCxnSpPr>
+            <a:stCxn id="3" idx="0"/>
+            <a:endCxn id="2" idx="4"/>
+          </p:cNvCxnSpPr>
+          <p:nvPr/>
+        </p:nvCxnSpPr>
+        <p:spPr>
+          <a:xfrm rot="5400000" flipH="1" flipV="1">
+            <a:off x="3052233" y="1274233"/>
+            <a:ext cx="1261534" cy="4030134"/>
+          </a:xfrm>
+          <a:prstGeom prst="curvedConnector3">
+            <a:avLst/>
+          </a:prstGeom>
+          <a:ln>
+            <a:tailEnd type="triangle"/>
+          </a:ln>
+        </p:spPr>
+        <p:style>
+          <a:lnRef idx="2">
+            <a:schemeClr val="accent1"/>
+          </a:lnRef>
+          <a:fillRef idx="0">
+            <a:schemeClr val="accent1"/>
+          </a:fillRef>
+          <a:effectRef idx="1">
+            <a:schemeClr val="accent1"/>
+          </a:effectRef>
+          <a:fontRef idx="minor">
+            <a:schemeClr val="tx1"/>
+          </a:fontRef>
+        </p:style>
+      </p:cxnSp>
+      <p:cxnSp>
+        <p:nvCxnSpPr>
+          <p:cNvPr id="10" name="Connector: Curved 9">
+            <a:extLst>
+              <a:ext uri="{FF2B5EF4-FFF2-40B4-BE49-F238E27FC236}">
+                <a16:creationId xmlns:a16="http://schemas.microsoft.com/office/drawing/2014/main" id="{3DDA1C5E-ED08-FCBF-105F-D054551BB8D6}"/>
+              </a:ext>
+            </a:extLst>
+          </p:cNvPr>
+          <p:cNvCxnSpPr>
+            <a:stCxn id="4" idx="0"/>
+            <a:endCxn id="2" idx="4"/>
+          </p:cNvCxnSpPr>
+          <p:nvPr/>
+        </p:nvCxnSpPr>
+        <p:spPr>
+          <a:xfrm rot="5400000" flipH="1" flipV="1">
+            <a:off x="4529666" y="2751666"/>
+            <a:ext cx="1261534" cy="1075268"/>
+          </a:xfrm>
+          <a:prstGeom prst="curvedConnector3">
+            <a:avLst/>
+          </a:prstGeom>
+          <a:ln>
+            <a:tailEnd type="triangle"/>
+          </a:ln>
+        </p:spPr>
+        <p:style>
+          <a:lnRef idx="2">
+            <a:schemeClr val="accent1"/>
+          </a:lnRef>
+          <a:fillRef idx="0">
+            <a:schemeClr val="accent1"/>
+          </a:fillRef>
+          <a:effectRef idx="1">
+            <a:schemeClr val="accent1"/>
+          </a:effectRef>
+          <a:fontRef idx="minor">
+            <a:schemeClr val="tx1"/>
+          </a:fontRef>
+        </p:style>
+      </p:cxnSp>
+      <p:cxnSp>
+        <p:nvCxnSpPr>
+          <p:cNvPr id="12" name="Connector: Curved 11">
+            <a:extLst>
+              <a:ext uri="{FF2B5EF4-FFF2-40B4-BE49-F238E27FC236}">
+                <a16:creationId xmlns:a16="http://schemas.microsoft.com/office/drawing/2014/main" id="{C5F05A49-910A-B041-6DD2-5A6E6A6ABF5E}"/>
+              </a:ext>
+            </a:extLst>
+          </p:cNvPr>
+          <p:cNvCxnSpPr>
+            <a:stCxn id="5" idx="0"/>
+            <a:endCxn id="2" idx="4"/>
+          </p:cNvCxnSpPr>
+          <p:nvPr/>
+        </p:nvCxnSpPr>
+        <p:spPr>
+          <a:xfrm rot="16200000" flipV="1">
+            <a:off x="5897033" y="2459567"/>
+            <a:ext cx="1261534" cy="1659466"/>
+          </a:xfrm>
+          <a:prstGeom prst="curvedConnector3">
+            <a:avLst/>
+          </a:prstGeom>
+          <a:ln>
+            <a:tailEnd type="triangle"/>
+          </a:ln>
+        </p:spPr>
+        <p:style>
+          <a:lnRef idx="2">
+            <a:schemeClr val="accent1"/>
+          </a:lnRef>
+          <a:fillRef idx="0">
+            <a:schemeClr val="accent1"/>
+          </a:fillRef>
+          <a:effectRef idx="1">
+            <a:schemeClr val="accent1"/>
+          </a:effectRef>
+          <a:fontRef idx="minor">
+            <a:schemeClr val="tx1"/>
+          </a:fontRef>
+        </p:style>
+      </p:cxnSp>
+      <p:cxnSp>
+        <p:nvCxnSpPr>
+          <p:cNvPr id="14" name="Connector: Curved 13">
+            <a:extLst>
+              <a:ext uri="{FF2B5EF4-FFF2-40B4-BE49-F238E27FC236}">
+                <a16:creationId xmlns:a16="http://schemas.microsoft.com/office/drawing/2014/main" id="{B5FA3A7C-C84B-81C9-93A2-441D7608CAAF}"/>
+              </a:ext>
+            </a:extLst>
+          </p:cNvPr>
+          <p:cNvCxnSpPr>
+            <a:stCxn id="6" idx="0"/>
+            <a:endCxn id="2" idx="4"/>
+          </p:cNvCxnSpPr>
+          <p:nvPr/>
+        </p:nvCxnSpPr>
+        <p:spPr>
+          <a:xfrm rot="16200000" flipV="1">
+            <a:off x="7374466" y="982134"/>
+            <a:ext cx="1261534" cy="4614332"/>
+          </a:xfrm>
+          <a:prstGeom prst="curvedConnector3">
+            <a:avLst/>
+          </a:prstGeom>
+          <a:ln>
+            <a:tailEnd type="triangle"/>
+          </a:ln>
+        </p:spPr>
+        <p:style>
+          <a:lnRef idx="2">
+            <a:schemeClr val="accent1"/>
+          </a:lnRef>
+          <a:fillRef idx="0">
+            <a:schemeClr val="accent1"/>
+          </a:fillRef>
+          <a:effectRef idx="1">
+            <a:schemeClr val="accent1"/>
+          </a:effectRef>
+          <a:fontRef idx="minor">
+            <a:schemeClr val="tx1"/>
+          </a:fontRef>
+        </p:style>
+      </p:cxnSp>
+      <p:sp>
+        <p:nvSpPr>
+          <p:cNvPr id="15" name="Rectangle 14">
+            <a:extLst>
+              <a:ext uri="{FF2B5EF4-FFF2-40B4-BE49-F238E27FC236}">
+                <a16:creationId xmlns:a16="http://schemas.microsoft.com/office/drawing/2014/main" id="{31FEC0DE-F568-49F9-3EE0-A77C7B72EF85}"/>
+              </a:ext>
+            </a:extLst>
+          </p:cNvPr>
+          <p:cNvSpPr/>
+          <p:nvPr/>
+        </p:nvSpPr>
+        <p:spPr>
+          <a:xfrm>
+            <a:off x="8458200" y="499533"/>
+            <a:ext cx="2125133" cy="1261535"/>
+          </a:xfrm>
+          <a:prstGeom prst="rect">
+            <a:avLst/>
+          </a:prstGeom>
+        </p:spPr>
+        <p:style>
+          <a:lnRef idx="2">
+            <a:schemeClr val="accent1">
+              <a:shade val="15000"/>
+            </a:schemeClr>
+          </a:lnRef>
+          <a:fillRef idx="1">
+            <a:schemeClr val="accent1"/>
+          </a:fillRef>
+          <a:effectRef idx="0">
+            <a:schemeClr val="accent1"/>
+          </a:effectRef>
+          <a:fontRef idx="minor">
+            <a:schemeClr val="lt1"/>
+          </a:fontRef>
+        </p:style>
+        <p:txBody>
+          <a:bodyPr rtlCol="0" anchor="ctr"/>
+          <a:lstStyle/>
+          <a:p>
+            <a:pPr algn="ctr"/>
+            <a:r>
+              <a:rPr lang="en-US" dirty="0"/>
+              <a:t>Angular</a:t>
+            </a:r>
+          </a:p>
+          <a:p>
+            <a:pPr algn="ctr"/>
+            <a:r>
+              <a:rPr lang="en-US" dirty="0"/>
+              <a:t>Service</a:t>
+            </a:r>
+          </a:p>
+          <a:p>
+            <a:pPr algn="ctr"/>
+            <a:r>
+              <a:rPr lang="en-US" dirty="0"/>
+              <a:t>Provide Data to Subscriber</a:t>
+            </a:r>
+            <a:endParaRPr lang="en-IN" dirty="0"/>
+          </a:p>
+        </p:txBody>
+      </p:sp>
+      <p:cxnSp>
+        <p:nvCxnSpPr>
+          <p:cNvPr id="17" name="Connector: Curved 16">
+            <a:extLst>
+              <a:ext uri="{FF2B5EF4-FFF2-40B4-BE49-F238E27FC236}">
+                <a16:creationId xmlns:a16="http://schemas.microsoft.com/office/drawing/2014/main" id="{3D5719AD-A857-040B-1D6E-F8BA149DAE1F}"/>
+              </a:ext>
+            </a:extLst>
+          </p:cNvPr>
+          <p:cNvCxnSpPr>
+            <a:stCxn id="15" idx="1"/>
+            <a:endCxn id="2" idx="0"/>
+          </p:cNvCxnSpPr>
+          <p:nvPr/>
+        </p:nvCxnSpPr>
+        <p:spPr>
+          <a:xfrm rot="10800000">
+            <a:off x="5698068" y="575733"/>
+            <a:ext cx="2760133" cy="554568"/>
+          </a:xfrm>
+          <a:prstGeom prst="curvedConnector4">
+            <a:avLst>
+              <a:gd name="adj1" fmla="val 26074"/>
+              <a:gd name="adj2" fmla="val 141221"/>
+            </a:avLst>
+          </a:prstGeom>
+          <a:ln>
+            <a:tailEnd type="triangle"/>
+          </a:ln>
+        </p:spPr>
+        <p:style>
+          <a:lnRef idx="2">
+            <a:schemeClr val="accent1"/>
+          </a:lnRef>
+          <a:fillRef idx="0">
+            <a:schemeClr val="accent1"/>
+          </a:fillRef>
+          <a:effectRef idx="1">
+            <a:schemeClr val="accent1"/>
+          </a:effectRef>
+          <a:fontRef idx="minor">
+            <a:schemeClr val="tx1"/>
+          </a:fontRef>
+        </p:style>
+      </p:cxnSp>
+      <p:cxnSp>
+        <p:nvCxnSpPr>
+          <p:cNvPr id="19" name="Connector: Curved 18">
+            <a:extLst>
+              <a:ext uri="{FF2B5EF4-FFF2-40B4-BE49-F238E27FC236}">
+                <a16:creationId xmlns:a16="http://schemas.microsoft.com/office/drawing/2014/main" id="{55D38A89-0117-6A37-BE23-6726CD0B002E}"/>
+              </a:ext>
+            </a:extLst>
+          </p:cNvPr>
+          <p:cNvCxnSpPr>
+            <a:stCxn id="2" idx="2"/>
+            <a:endCxn id="3" idx="0"/>
+          </p:cNvCxnSpPr>
+          <p:nvPr/>
+        </p:nvCxnSpPr>
+        <p:spPr>
+          <a:xfrm rot="10800000" flipV="1">
+            <a:off x="1667933" y="1617133"/>
+            <a:ext cx="2709334" cy="2302934"/>
+          </a:xfrm>
+          <a:prstGeom prst="curvedConnector2">
+            <a:avLst/>
+          </a:prstGeom>
+          <a:ln>
+            <a:tailEnd type="triangle"/>
+          </a:ln>
+        </p:spPr>
+        <p:style>
+          <a:lnRef idx="2">
+            <a:schemeClr val="accent1"/>
+          </a:lnRef>
+          <a:fillRef idx="0">
+            <a:schemeClr val="accent1"/>
+          </a:fillRef>
+          <a:effectRef idx="1">
+            <a:schemeClr val="accent1"/>
+          </a:effectRef>
+          <a:fontRef idx="minor">
+            <a:schemeClr val="tx1"/>
+          </a:fontRef>
+        </p:style>
+      </p:cxnSp>
+      <p:cxnSp>
+        <p:nvCxnSpPr>
+          <p:cNvPr id="21" name="Connector: Curved 20">
+            <a:extLst>
+              <a:ext uri="{FF2B5EF4-FFF2-40B4-BE49-F238E27FC236}">
+                <a16:creationId xmlns:a16="http://schemas.microsoft.com/office/drawing/2014/main" id="{908C68D1-5213-FBFF-F75C-D3AA0BEE0B30}"/>
+              </a:ext>
+            </a:extLst>
+          </p:cNvPr>
+          <p:cNvCxnSpPr>
+            <a:stCxn id="2" idx="3"/>
+            <a:endCxn id="4" idx="0"/>
+          </p:cNvCxnSpPr>
+          <p:nvPr/>
+        </p:nvCxnSpPr>
+        <p:spPr>
+          <a:xfrm rot="5400000">
+            <a:off x="3910184" y="3066130"/>
+            <a:ext cx="1566553" cy="141321"/>
+          </a:xfrm>
+          <a:prstGeom prst="curvedConnector3">
+            <a:avLst/>
+          </a:prstGeom>
+          <a:ln>
+            <a:tailEnd type="triangle"/>
+          </a:ln>
+        </p:spPr>
+        <p:style>
+          <a:lnRef idx="2">
+            <a:schemeClr val="accent1"/>
+          </a:lnRef>
+          <a:fillRef idx="0">
+            <a:schemeClr val="accent1"/>
+          </a:fillRef>
+          <a:effectRef idx="1">
+            <a:schemeClr val="accent1"/>
+          </a:effectRef>
+          <a:fontRef idx="minor">
+            <a:schemeClr val="tx1"/>
+          </a:fontRef>
+        </p:style>
+      </p:cxnSp>
+      <p:cxnSp>
+        <p:nvCxnSpPr>
+          <p:cNvPr id="23" name="Connector: Curved 22">
+            <a:extLst>
+              <a:ext uri="{FF2B5EF4-FFF2-40B4-BE49-F238E27FC236}">
+                <a16:creationId xmlns:a16="http://schemas.microsoft.com/office/drawing/2014/main" id="{AA04CCBD-3B77-2610-EA5D-98B5DAA9C583}"/>
+              </a:ext>
+            </a:extLst>
+          </p:cNvPr>
+          <p:cNvCxnSpPr>
+            <a:stCxn id="2" idx="5"/>
+            <a:endCxn id="5" idx="0"/>
+          </p:cNvCxnSpPr>
+          <p:nvPr/>
+        </p:nvCxnSpPr>
+        <p:spPr>
+          <a:xfrm rot="16200000" flipH="1">
+            <a:off x="6211497" y="2774030"/>
+            <a:ext cx="1566553" cy="725519"/>
+          </a:xfrm>
+          <a:prstGeom prst="curvedConnector3">
+            <a:avLst/>
+          </a:prstGeom>
+          <a:ln>
+            <a:tailEnd type="triangle"/>
+          </a:ln>
+        </p:spPr>
+        <p:style>
+          <a:lnRef idx="2">
+            <a:schemeClr val="accent1"/>
+          </a:lnRef>
+          <a:fillRef idx="0">
+            <a:schemeClr val="accent1"/>
+          </a:fillRef>
+          <a:effectRef idx="1">
+            <a:schemeClr val="accent1"/>
+          </a:effectRef>
+          <a:fontRef idx="minor">
+            <a:schemeClr val="tx1"/>
+          </a:fontRef>
+        </p:style>
+      </p:cxnSp>
+      <p:cxnSp>
+        <p:nvCxnSpPr>
+          <p:cNvPr id="25" name="Connector: Curved 24">
+            <a:extLst>
+              <a:ext uri="{FF2B5EF4-FFF2-40B4-BE49-F238E27FC236}">
+                <a16:creationId xmlns:a16="http://schemas.microsoft.com/office/drawing/2014/main" id="{095FD101-F2D6-80E3-546E-B677D3680597}"/>
+              </a:ext>
+            </a:extLst>
+          </p:cNvPr>
+          <p:cNvCxnSpPr>
+            <a:stCxn id="2" idx="6"/>
+            <a:endCxn id="6" idx="0"/>
+          </p:cNvCxnSpPr>
+          <p:nvPr/>
+        </p:nvCxnSpPr>
+        <p:spPr>
+          <a:xfrm>
+            <a:off x="7018867" y="1617133"/>
+            <a:ext cx="3293532" cy="2302934"/>
+          </a:xfrm>
+          <a:prstGeom prst="curvedConnector2">
+            <a:avLst/>
+          </a:prstGeom>
+          <a:ln>
+            <a:tailEnd type="triangle"/>
+          </a:ln>
+        </p:spPr>
+        <p:style>
+          <a:lnRef idx="2">
+            <a:schemeClr val="accent1"/>
+          </a:lnRef>
+          <a:fillRef idx="0">
+            <a:schemeClr val="accent1"/>
+          </a:fillRef>
+          <a:effectRef idx="1">
+            <a:schemeClr val="accent1"/>
+          </a:effectRef>
+          <a:fontRef idx="minor">
+            <a:schemeClr val="tx1"/>
+          </a:fontRef>
+        </p:style>
+      </p:cxnSp>
+    </p:spTree>
+    <p:extLst>
+      <p:ext uri="{BB962C8B-B14F-4D97-AF65-F5344CB8AC3E}">
+        <p14:creationId xmlns:p14="http://schemas.microsoft.com/office/powerpoint/2010/main" val="1237687361"/>
       </p:ext>
     </p:extLst>
   </p:cSld>

--- a/my-ng-app/Angular_Training_Images.pptx
+++ b/my-ng-app/Angular_Training_Images.pptx
@@ -5,7 +5,7 @@
     <p:sldMasterId id="2147483648" r:id="rId1"/>
   </p:sldMasterIdLst>
   <p:notesMasterIdLst>
-    <p:notesMasterId r:id="rId42"/>
+    <p:notesMasterId r:id="rId45"/>
   </p:notesMasterIdLst>
   <p:sldIdLst>
     <p:sldId id="256" r:id="rId2"/>
@@ -48,6 +48,9 @@
     <p:sldId id="292" r:id="rId39"/>
     <p:sldId id="294" r:id="rId40"/>
     <p:sldId id="295" r:id="rId41"/>
+    <p:sldId id="296" r:id="rId42"/>
+    <p:sldId id="297" r:id="rId43"/>
+    <p:sldId id="298" r:id="rId44"/>
   </p:sldIdLst>
   <p:sldSz cx="12192000" cy="6858000"/>
   <p:notesSz cx="6858000" cy="9144000"/>
@@ -236,7 +239,7 @@
           <a:p>
             <a:fld id="{DF93E0C2-E96E-4876-AC08-E4ADA015AFF5}" type="datetimeFigureOut">
               <a:rPr lang="en-IN" smtClean="0"/>
-              <a:t>19-04-2024</a:t>
+              <a:t>22-04-2024</a:t>
             </a:fld>
             <a:endParaRPr lang="en-IN"/>
           </a:p>
@@ -737,7 +740,7 @@
           <a:p>
             <a:fld id="{35E7C7C1-050F-4B17-8FDC-37C455263954}" type="datetimeFigureOut">
               <a:rPr lang="en-IN" smtClean="0"/>
-              <a:t>19-04-2024</a:t>
+              <a:t>22-04-2024</a:t>
             </a:fld>
             <a:endParaRPr lang="en-IN"/>
           </a:p>
@@ -937,7 +940,7 @@
           <a:p>
             <a:fld id="{35E7C7C1-050F-4B17-8FDC-37C455263954}" type="datetimeFigureOut">
               <a:rPr lang="en-IN" smtClean="0"/>
-              <a:t>19-04-2024</a:t>
+              <a:t>22-04-2024</a:t>
             </a:fld>
             <a:endParaRPr lang="en-IN"/>
           </a:p>
@@ -1147,7 +1150,7 @@
           <a:p>
             <a:fld id="{35E7C7C1-050F-4B17-8FDC-37C455263954}" type="datetimeFigureOut">
               <a:rPr lang="en-IN" smtClean="0"/>
-              <a:t>19-04-2024</a:t>
+              <a:t>22-04-2024</a:t>
             </a:fld>
             <a:endParaRPr lang="en-IN"/>
           </a:p>
@@ -1347,7 +1350,7 @@
           <a:p>
             <a:fld id="{35E7C7C1-050F-4B17-8FDC-37C455263954}" type="datetimeFigureOut">
               <a:rPr lang="en-IN" smtClean="0"/>
-              <a:t>19-04-2024</a:t>
+              <a:t>22-04-2024</a:t>
             </a:fld>
             <a:endParaRPr lang="en-IN"/>
           </a:p>
@@ -1623,7 +1626,7 @@
           <a:p>
             <a:fld id="{35E7C7C1-050F-4B17-8FDC-37C455263954}" type="datetimeFigureOut">
               <a:rPr lang="en-IN" smtClean="0"/>
-              <a:t>19-04-2024</a:t>
+              <a:t>22-04-2024</a:t>
             </a:fld>
             <a:endParaRPr lang="en-IN"/>
           </a:p>
@@ -1891,7 +1894,7 @@
           <a:p>
             <a:fld id="{35E7C7C1-050F-4B17-8FDC-37C455263954}" type="datetimeFigureOut">
               <a:rPr lang="en-IN" smtClean="0"/>
-              <a:t>19-04-2024</a:t>
+              <a:t>22-04-2024</a:t>
             </a:fld>
             <a:endParaRPr lang="en-IN"/>
           </a:p>
@@ -2306,7 +2309,7 @@
           <a:p>
             <a:fld id="{35E7C7C1-050F-4B17-8FDC-37C455263954}" type="datetimeFigureOut">
               <a:rPr lang="en-IN" smtClean="0"/>
-              <a:t>19-04-2024</a:t>
+              <a:t>22-04-2024</a:t>
             </a:fld>
             <a:endParaRPr lang="en-IN"/>
           </a:p>
@@ -2448,7 +2451,7 @@
           <a:p>
             <a:fld id="{35E7C7C1-050F-4B17-8FDC-37C455263954}" type="datetimeFigureOut">
               <a:rPr lang="en-IN" smtClean="0"/>
-              <a:t>19-04-2024</a:t>
+              <a:t>22-04-2024</a:t>
             </a:fld>
             <a:endParaRPr lang="en-IN"/>
           </a:p>
@@ -2561,7 +2564,7 @@
           <a:p>
             <a:fld id="{35E7C7C1-050F-4B17-8FDC-37C455263954}" type="datetimeFigureOut">
               <a:rPr lang="en-IN" smtClean="0"/>
-              <a:t>19-04-2024</a:t>
+              <a:t>22-04-2024</a:t>
             </a:fld>
             <a:endParaRPr lang="en-IN"/>
           </a:p>
@@ -2874,7 +2877,7 @@
           <a:p>
             <a:fld id="{35E7C7C1-050F-4B17-8FDC-37C455263954}" type="datetimeFigureOut">
               <a:rPr lang="en-IN" smtClean="0"/>
-              <a:t>19-04-2024</a:t>
+              <a:t>22-04-2024</a:t>
             </a:fld>
             <a:endParaRPr lang="en-IN"/>
           </a:p>
@@ -3163,7 +3166,7 @@
           <a:p>
             <a:fld id="{35E7C7C1-050F-4B17-8FDC-37C455263954}" type="datetimeFigureOut">
               <a:rPr lang="en-IN" smtClean="0"/>
-              <a:t>19-04-2024</a:t>
+              <a:t>22-04-2024</a:t>
             </a:fld>
             <a:endParaRPr lang="en-IN"/>
           </a:p>
@@ -3406,7 +3409,7 @@
           <a:p>
             <a:fld id="{35E7C7C1-050F-4B17-8FDC-37C455263954}" type="datetimeFigureOut">
               <a:rPr lang="en-IN" smtClean="0"/>
-              <a:t>19-04-2024</a:t>
+              <a:t>22-04-2024</a:t>
             </a:fld>
             <a:endParaRPr lang="en-IN"/>
           </a:p>
@@ -31015,6 +31018,1482 @@
     <p:extLst>
       <p:ext uri="{BB962C8B-B14F-4D97-AF65-F5344CB8AC3E}">
         <p14:creationId xmlns:p14="http://schemas.microsoft.com/office/powerpoint/2010/main" val="1237687361"/>
+      </p:ext>
+    </p:extLst>
+  </p:cSld>
+  <p:clrMapOvr>
+    <a:masterClrMapping/>
+  </p:clrMapOvr>
+</p:sld>
+</file>
+
+<file path=ppt/slides/slide41.xml><?xml version="1.0" encoding="utf-8"?>
+<p:sld xmlns:a="http://schemas.openxmlformats.org/drawingml/2006/main" xmlns:r="http://schemas.openxmlformats.org/officeDocument/2006/relationships" xmlns:p="http://schemas.openxmlformats.org/presentationml/2006/main">
+  <p:cSld>
+    <p:spTree>
+      <p:nvGrpSpPr>
+        <p:cNvPr id="1" name=""/>
+        <p:cNvGrpSpPr/>
+        <p:nvPr/>
+      </p:nvGrpSpPr>
+      <p:grpSpPr>
+        <a:xfrm>
+          <a:off x="0" y="0"/>
+          <a:ext cx="0" cy="0"/>
+          <a:chOff x="0" y="0"/>
+          <a:chExt cx="0" cy="0"/>
+        </a:xfrm>
+      </p:grpSpPr>
+      <p:sp>
+        <p:nvSpPr>
+          <p:cNvPr id="2" name="Cylinder 1">
+            <a:extLst>
+              <a:ext uri="{FF2B5EF4-FFF2-40B4-BE49-F238E27FC236}">
+                <a16:creationId xmlns:a16="http://schemas.microsoft.com/office/drawing/2014/main" id="{BC4BAD96-E26E-7BE7-A8FA-C009F663BFF1}"/>
+              </a:ext>
+            </a:extLst>
+          </p:cNvPr>
+          <p:cNvSpPr/>
+          <p:nvPr/>
+        </p:nvSpPr>
+        <p:spPr>
+          <a:xfrm>
+            <a:off x="762000" y="762000"/>
+            <a:ext cx="10608733" cy="5765800"/>
+          </a:xfrm>
+          <a:prstGeom prst="can">
+            <a:avLst>
+              <a:gd name="adj" fmla="val 9875"/>
+            </a:avLst>
+          </a:prstGeom>
+        </p:spPr>
+        <p:style>
+          <a:lnRef idx="1">
+            <a:schemeClr val="dk1"/>
+          </a:lnRef>
+          <a:fillRef idx="2">
+            <a:schemeClr val="dk1"/>
+          </a:fillRef>
+          <a:effectRef idx="1">
+            <a:schemeClr val="dk1"/>
+          </a:effectRef>
+          <a:fontRef idx="minor">
+            <a:schemeClr val="dk1"/>
+          </a:fontRef>
+        </p:style>
+        <p:txBody>
+          <a:bodyPr rtlCol="0" anchor="ctr"/>
+          <a:lstStyle/>
+          <a:p>
+            <a:pPr algn="ctr"/>
+            <a:endParaRPr lang="en-IN"/>
+          </a:p>
+        </p:txBody>
+      </p:sp>
+      <p:sp>
+        <p:nvSpPr>
+          <p:cNvPr id="3" name="Cylinder 2">
+            <a:extLst>
+              <a:ext uri="{FF2B5EF4-FFF2-40B4-BE49-F238E27FC236}">
+                <a16:creationId xmlns:a16="http://schemas.microsoft.com/office/drawing/2014/main" id="{4C0069D2-074B-2ABA-D9F2-71B86E57D275}"/>
+              </a:ext>
+            </a:extLst>
+          </p:cNvPr>
+          <p:cNvSpPr/>
+          <p:nvPr/>
+        </p:nvSpPr>
+        <p:spPr>
+          <a:xfrm>
+            <a:off x="1066800" y="1625600"/>
+            <a:ext cx="1583267" cy="1303867"/>
+          </a:xfrm>
+          <a:prstGeom prst="can">
+            <a:avLst/>
+          </a:prstGeom>
+        </p:spPr>
+        <p:style>
+          <a:lnRef idx="2">
+            <a:schemeClr val="accent1">
+              <a:shade val="15000"/>
+            </a:schemeClr>
+          </a:lnRef>
+          <a:fillRef idx="1">
+            <a:schemeClr val="accent1"/>
+          </a:fillRef>
+          <a:effectRef idx="0">
+            <a:schemeClr val="accent1"/>
+          </a:effectRef>
+          <a:fontRef idx="minor">
+            <a:schemeClr val="lt1"/>
+          </a:fontRef>
+        </p:style>
+        <p:txBody>
+          <a:bodyPr rtlCol="0" anchor="ctr"/>
+          <a:lstStyle/>
+          <a:p>
+            <a:pPr algn="ctr"/>
+            <a:r>
+              <a:rPr lang="en-IN" dirty="0"/>
+              <a:t>Departments</a:t>
+            </a:r>
+          </a:p>
+        </p:txBody>
+      </p:sp>
+      <p:sp>
+        <p:nvSpPr>
+          <p:cNvPr id="4" name="Cylinder 3">
+            <a:extLst>
+              <a:ext uri="{FF2B5EF4-FFF2-40B4-BE49-F238E27FC236}">
+                <a16:creationId xmlns:a16="http://schemas.microsoft.com/office/drawing/2014/main" id="{5FC04BCF-341C-ED51-904E-5ED90E9877B1}"/>
+              </a:ext>
+            </a:extLst>
+          </p:cNvPr>
+          <p:cNvSpPr/>
+          <p:nvPr/>
+        </p:nvSpPr>
+        <p:spPr>
+          <a:xfrm>
+            <a:off x="3327400" y="1625599"/>
+            <a:ext cx="1583267" cy="1303867"/>
+          </a:xfrm>
+          <a:prstGeom prst="can">
+            <a:avLst/>
+          </a:prstGeom>
+        </p:spPr>
+        <p:style>
+          <a:lnRef idx="2">
+            <a:schemeClr val="accent1">
+              <a:shade val="15000"/>
+            </a:schemeClr>
+          </a:lnRef>
+          <a:fillRef idx="1">
+            <a:schemeClr val="accent1"/>
+          </a:fillRef>
+          <a:effectRef idx="0">
+            <a:schemeClr val="accent1"/>
+          </a:effectRef>
+          <a:fontRef idx="minor">
+            <a:schemeClr val="lt1"/>
+          </a:fontRef>
+        </p:style>
+        <p:txBody>
+          <a:bodyPr rtlCol="0" anchor="ctr"/>
+          <a:lstStyle/>
+          <a:p>
+            <a:pPr algn="ctr"/>
+            <a:r>
+              <a:rPr lang="en-IN" dirty="0"/>
+              <a:t>Employees</a:t>
+            </a:r>
+          </a:p>
+        </p:txBody>
+      </p:sp>
+      <p:sp>
+        <p:nvSpPr>
+          <p:cNvPr id="5" name="Cylinder 4">
+            <a:extLst>
+              <a:ext uri="{FF2B5EF4-FFF2-40B4-BE49-F238E27FC236}">
+                <a16:creationId xmlns:a16="http://schemas.microsoft.com/office/drawing/2014/main" id="{08660B0F-2F01-1A33-2017-FA71C54111C7}"/>
+              </a:ext>
+            </a:extLst>
+          </p:cNvPr>
+          <p:cNvSpPr/>
+          <p:nvPr/>
+        </p:nvSpPr>
+        <p:spPr>
+          <a:xfrm>
+            <a:off x="6066366" y="1625598"/>
+            <a:ext cx="1583267" cy="1303867"/>
+          </a:xfrm>
+          <a:prstGeom prst="can">
+            <a:avLst/>
+          </a:prstGeom>
+        </p:spPr>
+        <p:style>
+          <a:lnRef idx="2">
+            <a:schemeClr val="accent1">
+              <a:shade val="15000"/>
+            </a:schemeClr>
+          </a:lnRef>
+          <a:fillRef idx="1">
+            <a:schemeClr val="accent1"/>
+          </a:fillRef>
+          <a:effectRef idx="0">
+            <a:schemeClr val="accent1"/>
+          </a:effectRef>
+          <a:fontRef idx="minor">
+            <a:schemeClr val="lt1"/>
+          </a:fontRef>
+        </p:style>
+        <p:txBody>
+          <a:bodyPr rtlCol="0" anchor="ctr"/>
+          <a:lstStyle/>
+          <a:p>
+            <a:pPr algn="ctr"/>
+            <a:r>
+              <a:rPr lang="en-IN" dirty="0"/>
+              <a:t>Customers</a:t>
+            </a:r>
+          </a:p>
+        </p:txBody>
+      </p:sp>
+      <p:sp>
+        <p:nvSpPr>
+          <p:cNvPr id="6" name="Cylinder 5">
+            <a:extLst>
+              <a:ext uri="{FF2B5EF4-FFF2-40B4-BE49-F238E27FC236}">
+                <a16:creationId xmlns:a16="http://schemas.microsoft.com/office/drawing/2014/main" id="{DFC95B21-A37F-2CA5-A9AE-31E66547E85C}"/>
+              </a:ext>
+            </a:extLst>
+          </p:cNvPr>
+          <p:cNvSpPr/>
+          <p:nvPr/>
+        </p:nvSpPr>
+        <p:spPr>
+          <a:xfrm>
+            <a:off x="8769348" y="1507067"/>
+            <a:ext cx="1583267" cy="1303867"/>
+          </a:xfrm>
+          <a:prstGeom prst="can">
+            <a:avLst/>
+          </a:prstGeom>
+        </p:spPr>
+        <p:style>
+          <a:lnRef idx="2">
+            <a:schemeClr val="accent1">
+              <a:shade val="15000"/>
+            </a:schemeClr>
+          </a:lnRef>
+          <a:fillRef idx="1">
+            <a:schemeClr val="accent1"/>
+          </a:fillRef>
+          <a:effectRef idx="0">
+            <a:schemeClr val="accent1"/>
+          </a:effectRef>
+          <a:fontRef idx="minor">
+            <a:schemeClr val="lt1"/>
+          </a:fontRef>
+        </p:style>
+        <p:txBody>
+          <a:bodyPr rtlCol="0" anchor="ctr"/>
+          <a:lstStyle/>
+          <a:p>
+            <a:pPr algn="ctr"/>
+            <a:r>
+              <a:rPr lang="en-IN" dirty="0"/>
+              <a:t>Orders</a:t>
+            </a:r>
+          </a:p>
+        </p:txBody>
+      </p:sp>
+    </p:spTree>
+    <p:extLst>
+      <p:ext uri="{BB962C8B-B14F-4D97-AF65-F5344CB8AC3E}">
+        <p14:creationId xmlns:p14="http://schemas.microsoft.com/office/powerpoint/2010/main" val="2277803206"/>
+      </p:ext>
+    </p:extLst>
+  </p:cSld>
+  <p:clrMapOvr>
+    <a:masterClrMapping/>
+  </p:clrMapOvr>
+</p:sld>
+</file>
+
+<file path=ppt/slides/slide42.xml><?xml version="1.0" encoding="utf-8"?>
+<p:sld xmlns:a="http://schemas.openxmlformats.org/drawingml/2006/main" xmlns:r="http://schemas.openxmlformats.org/officeDocument/2006/relationships" xmlns:p="http://schemas.openxmlformats.org/presentationml/2006/main">
+  <p:cSld>
+    <p:spTree>
+      <p:nvGrpSpPr>
+        <p:cNvPr id="1" name=""/>
+        <p:cNvGrpSpPr/>
+        <p:nvPr/>
+      </p:nvGrpSpPr>
+      <p:grpSpPr>
+        <a:xfrm>
+          <a:off x="0" y="0"/>
+          <a:ext cx="0" cy="0"/>
+          <a:chOff x="0" y="0"/>
+          <a:chExt cx="0" cy="0"/>
+        </a:xfrm>
+      </p:grpSpPr>
+      <p:sp>
+        <p:nvSpPr>
+          <p:cNvPr id="2" name="Rectangle 1">
+            <a:extLst>
+              <a:ext uri="{FF2B5EF4-FFF2-40B4-BE49-F238E27FC236}">
+                <a16:creationId xmlns:a16="http://schemas.microsoft.com/office/drawing/2014/main" id="{89A124A9-3B58-4A0F-308C-4F049DA743D4}"/>
+              </a:ext>
+            </a:extLst>
+          </p:cNvPr>
+          <p:cNvSpPr/>
+          <p:nvPr/>
+        </p:nvSpPr>
+        <p:spPr>
+          <a:xfrm>
+            <a:off x="423333" y="787400"/>
+            <a:ext cx="2429934" cy="1617133"/>
+          </a:xfrm>
+          <a:prstGeom prst="rect">
+            <a:avLst/>
+          </a:prstGeom>
+        </p:spPr>
+        <p:style>
+          <a:lnRef idx="2">
+            <a:schemeClr val="accent1">
+              <a:shade val="15000"/>
+            </a:schemeClr>
+          </a:lnRef>
+          <a:fillRef idx="1">
+            <a:schemeClr val="accent1"/>
+          </a:fillRef>
+          <a:effectRef idx="0">
+            <a:schemeClr val="accent1"/>
+          </a:effectRef>
+          <a:fontRef idx="minor">
+            <a:schemeClr val="lt1"/>
+          </a:fontRef>
+        </p:style>
+        <p:txBody>
+          <a:bodyPr rtlCol="0" anchor="ctr"/>
+          <a:lstStyle/>
+          <a:p>
+            <a:pPr algn="ctr"/>
+            <a:r>
+              <a:rPr lang="en-IN" dirty="0"/>
+              <a:t>Create Department</a:t>
+            </a:r>
+          </a:p>
+        </p:txBody>
+      </p:sp>
+      <p:sp>
+        <p:nvSpPr>
+          <p:cNvPr id="3" name="Rectangle 2">
+            <a:extLst>
+              <a:ext uri="{FF2B5EF4-FFF2-40B4-BE49-F238E27FC236}">
+                <a16:creationId xmlns:a16="http://schemas.microsoft.com/office/drawing/2014/main" id="{ADC9BB2D-8B09-A099-DE20-AEE8E6376FD2}"/>
+              </a:ext>
+            </a:extLst>
+          </p:cNvPr>
+          <p:cNvSpPr/>
+          <p:nvPr/>
+        </p:nvSpPr>
+        <p:spPr>
+          <a:xfrm>
+            <a:off x="8661400" y="3183466"/>
+            <a:ext cx="2429934" cy="1617133"/>
+          </a:xfrm>
+          <a:prstGeom prst="rect">
+            <a:avLst/>
+          </a:prstGeom>
+        </p:spPr>
+        <p:style>
+          <a:lnRef idx="2">
+            <a:schemeClr val="accent1">
+              <a:shade val="15000"/>
+            </a:schemeClr>
+          </a:lnRef>
+          <a:fillRef idx="1">
+            <a:schemeClr val="accent1"/>
+          </a:fillRef>
+          <a:effectRef idx="0">
+            <a:schemeClr val="accent1"/>
+          </a:effectRef>
+          <a:fontRef idx="minor">
+            <a:schemeClr val="lt1"/>
+          </a:fontRef>
+        </p:style>
+        <p:txBody>
+          <a:bodyPr rtlCol="0" anchor="ctr"/>
+          <a:lstStyle/>
+          <a:p>
+            <a:pPr algn="ctr"/>
+            <a:r>
+              <a:rPr lang="en-IN" dirty="0"/>
+              <a:t>List Departments</a:t>
+            </a:r>
+          </a:p>
+        </p:txBody>
+      </p:sp>
+      <p:sp>
+        <p:nvSpPr>
+          <p:cNvPr id="4" name="Cylinder 3">
+            <a:extLst>
+              <a:ext uri="{FF2B5EF4-FFF2-40B4-BE49-F238E27FC236}">
+                <a16:creationId xmlns:a16="http://schemas.microsoft.com/office/drawing/2014/main" id="{6C924976-DB5E-8752-96CE-B1B3AC67406C}"/>
+              </a:ext>
+            </a:extLst>
+          </p:cNvPr>
+          <p:cNvSpPr/>
+          <p:nvPr/>
+        </p:nvSpPr>
+        <p:spPr>
+          <a:xfrm>
+            <a:off x="3920067" y="2929467"/>
+            <a:ext cx="3132666" cy="1676400"/>
+          </a:xfrm>
+          <a:prstGeom prst="can">
+            <a:avLst/>
+          </a:prstGeom>
+        </p:spPr>
+        <p:style>
+          <a:lnRef idx="2">
+            <a:schemeClr val="accent1">
+              <a:shade val="15000"/>
+            </a:schemeClr>
+          </a:lnRef>
+          <a:fillRef idx="1">
+            <a:schemeClr val="accent1"/>
+          </a:fillRef>
+          <a:effectRef idx="0">
+            <a:schemeClr val="accent1"/>
+          </a:effectRef>
+          <a:fontRef idx="minor">
+            <a:schemeClr val="lt1"/>
+          </a:fontRef>
+        </p:style>
+        <p:txBody>
+          <a:bodyPr rtlCol="0" anchor="ctr"/>
+          <a:lstStyle/>
+          <a:p>
+            <a:pPr algn="ctr"/>
+            <a:r>
+              <a:rPr lang="en-IN" dirty="0"/>
+              <a:t>Department Store</a:t>
+            </a:r>
+          </a:p>
+        </p:txBody>
+      </p:sp>
+      <p:cxnSp>
+        <p:nvCxnSpPr>
+          <p:cNvPr id="6" name="Connector: Elbow 5">
+            <a:extLst>
+              <a:ext uri="{FF2B5EF4-FFF2-40B4-BE49-F238E27FC236}">
+                <a16:creationId xmlns:a16="http://schemas.microsoft.com/office/drawing/2014/main" id="{46FE48F7-AC5D-BC2A-5372-CBAE1A7517AA}"/>
+              </a:ext>
+            </a:extLst>
+          </p:cNvPr>
+          <p:cNvCxnSpPr>
+            <a:stCxn id="4" idx="1"/>
+            <a:endCxn id="2" idx="3"/>
+          </p:cNvCxnSpPr>
+          <p:nvPr/>
+        </p:nvCxnSpPr>
+        <p:spPr>
+          <a:xfrm rot="16200000" flipV="1">
+            <a:off x="3503084" y="946150"/>
+            <a:ext cx="1333500" cy="2633133"/>
+          </a:xfrm>
+          <a:prstGeom prst="bentConnector2">
+            <a:avLst/>
+          </a:prstGeom>
+          <a:ln>
+            <a:tailEnd type="triangle"/>
+          </a:ln>
+        </p:spPr>
+        <p:style>
+          <a:lnRef idx="2">
+            <a:schemeClr val="accent1"/>
+          </a:lnRef>
+          <a:fillRef idx="0">
+            <a:schemeClr val="accent1"/>
+          </a:fillRef>
+          <a:effectRef idx="1">
+            <a:schemeClr val="accent1"/>
+          </a:effectRef>
+          <a:fontRef idx="minor">
+            <a:schemeClr val="tx1"/>
+          </a:fontRef>
+        </p:style>
+      </p:cxnSp>
+      <p:cxnSp>
+        <p:nvCxnSpPr>
+          <p:cNvPr id="8" name="Connector: Elbow 7">
+            <a:extLst>
+              <a:ext uri="{FF2B5EF4-FFF2-40B4-BE49-F238E27FC236}">
+                <a16:creationId xmlns:a16="http://schemas.microsoft.com/office/drawing/2014/main" id="{4B4C483C-4705-3B9F-5CDA-EFCCD5739790}"/>
+              </a:ext>
+            </a:extLst>
+          </p:cNvPr>
+          <p:cNvCxnSpPr>
+            <a:stCxn id="4" idx="3"/>
+            <a:endCxn id="3" idx="2"/>
+          </p:cNvCxnSpPr>
+          <p:nvPr/>
+        </p:nvCxnSpPr>
+        <p:spPr>
+          <a:xfrm rot="16200000" flipH="1">
+            <a:off x="7584017" y="2508249"/>
+            <a:ext cx="194732" cy="4389967"/>
+          </a:xfrm>
+          <a:prstGeom prst="bentConnector3">
+            <a:avLst>
+              <a:gd name="adj1" fmla="val 217392"/>
+            </a:avLst>
+          </a:prstGeom>
+          <a:ln>
+            <a:tailEnd type="triangle"/>
+          </a:ln>
+        </p:spPr>
+        <p:style>
+          <a:lnRef idx="2">
+            <a:schemeClr val="accent1"/>
+          </a:lnRef>
+          <a:fillRef idx="0">
+            <a:schemeClr val="accent1"/>
+          </a:fillRef>
+          <a:effectRef idx="1">
+            <a:schemeClr val="accent1"/>
+          </a:effectRef>
+          <a:fontRef idx="minor">
+            <a:schemeClr val="tx1"/>
+          </a:fontRef>
+        </p:style>
+      </p:cxnSp>
+      <p:sp>
+        <p:nvSpPr>
+          <p:cNvPr id="9" name="TextBox 8">
+            <a:extLst>
+              <a:ext uri="{FF2B5EF4-FFF2-40B4-BE49-F238E27FC236}">
+                <a16:creationId xmlns:a16="http://schemas.microsoft.com/office/drawing/2014/main" id="{7D213ACF-ACE4-5858-E82F-4C38FED93D72}"/>
+              </a:ext>
+            </a:extLst>
+          </p:cNvPr>
+          <p:cNvSpPr txBox="1"/>
+          <p:nvPr/>
+        </p:nvSpPr>
+        <p:spPr>
+          <a:xfrm>
+            <a:off x="3395133" y="1219200"/>
+            <a:ext cx="2159000" cy="376765"/>
+          </a:xfrm>
+          <a:prstGeom prst="rect">
+            <a:avLst/>
+          </a:prstGeom>
+          <a:noFill/>
+          <a:ln>
+            <a:solidFill>
+              <a:schemeClr val="accent1"/>
+            </a:solidFill>
+          </a:ln>
+        </p:spPr>
+        <p:txBody>
+          <a:bodyPr wrap="square" rtlCol="0">
+            <a:spAutoFit/>
+          </a:bodyPr>
+          <a:lstStyle/>
+          <a:p>
+            <a:pPr algn="ctr"/>
+            <a:r>
+              <a:rPr lang="en-IN" b="1" dirty="0"/>
+              <a:t>Subscription</a:t>
+            </a:r>
+          </a:p>
+        </p:txBody>
+      </p:sp>
+      <p:sp>
+        <p:nvSpPr>
+          <p:cNvPr id="10" name="TextBox 9">
+            <a:extLst>
+              <a:ext uri="{FF2B5EF4-FFF2-40B4-BE49-F238E27FC236}">
+                <a16:creationId xmlns:a16="http://schemas.microsoft.com/office/drawing/2014/main" id="{37FCFA43-065E-6F62-3383-AC2F342FF818}"/>
+              </a:ext>
+            </a:extLst>
+          </p:cNvPr>
+          <p:cNvSpPr txBox="1"/>
+          <p:nvPr/>
+        </p:nvSpPr>
+        <p:spPr>
+          <a:xfrm>
+            <a:off x="6601883" y="5046133"/>
+            <a:ext cx="2159000" cy="376765"/>
+          </a:xfrm>
+          <a:prstGeom prst="rect">
+            <a:avLst/>
+          </a:prstGeom>
+          <a:noFill/>
+          <a:ln>
+            <a:solidFill>
+              <a:schemeClr val="accent1"/>
+            </a:solidFill>
+          </a:ln>
+        </p:spPr>
+        <p:txBody>
+          <a:bodyPr wrap="square" rtlCol="0">
+            <a:spAutoFit/>
+          </a:bodyPr>
+          <a:lstStyle/>
+          <a:p>
+            <a:pPr algn="ctr"/>
+            <a:r>
+              <a:rPr lang="en-IN" b="1" dirty="0"/>
+              <a:t>Subscription</a:t>
+            </a:r>
+          </a:p>
+        </p:txBody>
+      </p:sp>
+      <p:cxnSp>
+        <p:nvCxnSpPr>
+          <p:cNvPr id="12" name="Connector: Curved 11">
+            <a:extLst>
+              <a:ext uri="{FF2B5EF4-FFF2-40B4-BE49-F238E27FC236}">
+                <a16:creationId xmlns:a16="http://schemas.microsoft.com/office/drawing/2014/main" id="{46BC4392-B6C8-91BA-9882-67F38943B2F1}"/>
+              </a:ext>
+            </a:extLst>
+          </p:cNvPr>
+          <p:cNvCxnSpPr>
+            <a:stCxn id="2" idx="2"/>
+            <a:endCxn id="4" idx="2"/>
+          </p:cNvCxnSpPr>
+          <p:nvPr/>
+        </p:nvCxnSpPr>
+        <p:spPr>
+          <a:xfrm rot="16200000" flipH="1">
+            <a:off x="2097616" y="1945216"/>
+            <a:ext cx="1363134" cy="2281767"/>
+          </a:xfrm>
+          <a:prstGeom prst="curvedConnector2">
+            <a:avLst/>
+          </a:prstGeom>
+          <a:ln>
+            <a:tailEnd type="triangle"/>
+          </a:ln>
+        </p:spPr>
+        <p:style>
+          <a:lnRef idx="2">
+            <a:schemeClr val="accent1"/>
+          </a:lnRef>
+          <a:fillRef idx="0">
+            <a:schemeClr val="accent1"/>
+          </a:fillRef>
+          <a:effectRef idx="1">
+            <a:schemeClr val="accent1"/>
+          </a:effectRef>
+          <a:fontRef idx="minor">
+            <a:schemeClr val="tx1"/>
+          </a:fontRef>
+        </p:style>
+      </p:cxnSp>
+      <p:sp>
+        <p:nvSpPr>
+          <p:cNvPr id="13" name="TextBox 12">
+            <a:extLst>
+              <a:ext uri="{FF2B5EF4-FFF2-40B4-BE49-F238E27FC236}">
+                <a16:creationId xmlns:a16="http://schemas.microsoft.com/office/drawing/2014/main" id="{AC9C1F99-CC82-789E-9B65-3E12507AC193}"/>
+              </a:ext>
+            </a:extLst>
+          </p:cNvPr>
+          <p:cNvSpPr txBox="1"/>
+          <p:nvPr/>
+        </p:nvSpPr>
+        <p:spPr>
+          <a:xfrm>
+            <a:off x="712259" y="3136669"/>
+            <a:ext cx="2660650" cy="923330"/>
+          </a:xfrm>
+          <a:prstGeom prst="rect">
+            <a:avLst/>
+          </a:prstGeom>
+          <a:noFill/>
+          <a:ln>
+            <a:solidFill>
+              <a:schemeClr val="accent1"/>
+            </a:solidFill>
+          </a:ln>
+        </p:spPr>
+        <p:txBody>
+          <a:bodyPr wrap="square" rtlCol="0">
+            <a:spAutoFit/>
+          </a:bodyPr>
+          <a:lstStyle/>
+          <a:p>
+            <a:pPr algn="ctr"/>
+            <a:r>
+              <a:rPr lang="en-IN" b="1" dirty="0"/>
+              <a:t>Dispatch Action for Adding New Department to Store</a:t>
+            </a:r>
+          </a:p>
+        </p:txBody>
+      </p:sp>
+      <p:cxnSp>
+        <p:nvCxnSpPr>
+          <p:cNvPr id="15" name="Connector: Curved 14">
+            <a:extLst>
+              <a:ext uri="{FF2B5EF4-FFF2-40B4-BE49-F238E27FC236}">
+                <a16:creationId xmlns:a16="http://schemas.microsoft.com/office/drawing/2014/main" id="{2D5E98DD-793C-4CF1-5187-E96B1BB0A80D}"/>
+              </a:ext>
+            </a:extLst>
+          </p:cNvPr>
+          <p:cNvCxnSpPr>
+            <a:stCxn id="4" idx="4"/>
+            <a:endCxn id="3" idx="0"/>
+          </p:cNvCxnSpPr>
+          <p:nvPr/>
+        </p:nvCxnSpPr>
+        <p:spPr>
+          <a:xfrm flipV="1">
+            <a:off x="7052733" y="3183466"/>
+            <a:ext cx="2823634" cy="584201"/>
+          </a:xfrm>
+          <a:prstGeom prst="curvedConnector4">
+            <a:avLst>
+              <a:gd name="adj1" fmla="val 28486"/>
+              <a:gd name="adj2" fmla="val 182608"/>
+            </a:avLst>
+          </a:prstGeom>
+          <a:ln>
+            <a:tailEnd type="triangle"/>
+          </a:ln>
+        </p:spPr>
+        <p:style>
+          <a:lnRef idx="2">
+            <a:schemeClr val="accent1"/>
+          </a:lnRef>
+          <a:fillRef idx="0">
+            <a:schemeClr val="accent1"/>
+          </a:fillRef>
+          <a:effectRef idx="1">
+            <a:schemeClr val="accent1"/>
+          </a:effectRef>
+          <a:fontRef idx="minor">
+            <a:schemeClr val="tx1"/>
+          </a:fontRef>
+        </p:style>
+      </p:cxnSp>
+      <p:sp>
+        <p:nvSpPr>
+          <p:cNvPr id="16" name="TextBox 15">
+            <a:extLst>
+              <a:ext uri="{FF2B5EF4-FFF2-40B4-BE49-F238E27FC236}">
+                <a16:creationId xmlns:a16="http://schemas.microsoft.com/office/drawing/2014/main" id="{0D19128C-326C-1F62-1DFE-DFB584D0CB37}"/>
+              </a:ext>
+            </a:extLst>
+          </p:cNvPr>
+          <p:cNvSpPr txBox="1"/>
+          <p:nvPr/>
+        </p:nvSpPr>
+        <p:spPr>
+          <a:xfrm>
+            <a:off x="8008408" y="1625366"/>
+            <a:ext cx="2660650" cy="1200329"/>
+          </a:xfrm>
+          <a:prstGeom prst="rect">
+            <a:avLst/>
+          </a:prstGeom>
+          <a:noFill/>
+          <a:ln>
+            <a:solidFill>
+              <a:schemeClr val="accent1"/>
+            </a:solidFill>
+          </a:ln>
+        </p:spPr>
+        <p:txBody>
+          <a:bodyPr wrap="square" rtlCol="0">
+            <a:spAutoFit/>
+          </a:bodyPr>
+          <a:lstStyle/>
+          <a:p>
+            <a:pPr algn="ctr"/>
+            <a:r>
+              <a:rPr lang="en-IN" b="1" dirty="0"/>
+              <a:t>Notify the newly added department from store to List Departments Component</a:t>
+            </a:r>
+          </a:p>
+        </p:txBody>
+      </p:sp>
+    </p:spTree>
+    <p:extLst>
+      <p:ext uri="{BB962C8B-B14F-4D97-AF65-F5344CB8AC3E}">
+        <p14:creationId xmlns:p14="http://schemas.microsoft.com/office/powerpoint/2010/main" val="2651586391"/>
+      </p:ext>
+    </p:extLst>
+  </p:cSld>
+  <p:clrMapOvr>
+    <a:masterClrMapping/>
+  </p:clrMapOvr>
+</p:sld>
+</file>
+
+<file path=ppt/slides/slide43.xml><?xml version="1.0" encoding="utf-8"?>
+<p:sld xmlns:a="http://schemas.openxmlformats.org/drawingml/2006/main" xmlns:r="http://schemas.openxmlformats.org/officeDocument/2006/relationships" xmlns:p="http://schemas.openxmlformats.org/presentationml/2006/main">
+  <p:cSld>
+    <p:spTree>
+      <p:nvGrpSpPr>
+        <p:cNvPr id="1" name=""/>
+        <p:cNvGrpSpPr/>
+        <p:nvPr/>
+      </p:nvGrpSpPr>
+      <p:grpSpPr>
+        <a:xfrm>
+          <a:off x="0" y="0"/>
+          <a:ext cx="0" cy="0"/>
+          <a:chOff x="0" y="0"/>
+          <a:chExt cx="0" cy="0"/>
+        </a:xfrm>
+      </p:grpSpPr>
+      <p:sp>
+        <p:nvSpPr>
+          <p:cNvPr id="2" name="Rectangle 1">
+            <a:extLst>
+              <a:ext uri="{FF2B5EF4-FFF2-40B4-BE49-F238E27FC236}">
+                <a16:creationId xmlns:a16="http://schemas.microsoft.com/office/drawing/2014/main" id="{89A124A9-3B58-4A0F-308C-4F049DA743D4}"/>
+              </a:ext>
+            </a:extLst>
+          </p:cNvPr>
+          <p:cNvSpPr/>
+          <p:nvPr/>
+        </p:nvSpPr>
+        <p:spPr>
+          <a:xfrm>
+            <a:off x="423333" y="787400"/>
+            <a:ext cx="2429934" cy="1617133"/>
+          </a:xfrm>
+          <a:prstGeom prst="rect">
+            <a:avLst/>
+          </a:prstGeom>
+        </p:spPr>
+        <p:style>
+          <a:lnRef idx="2">
+            <a:schemeClr val="accent1">
+              <a:shade val="15000"/>
+            </a:schemeClr>
+          </a:lnRef>
+          <a:fillRef idx="1">
+            <a:schemeClr val="accent1"/>
+          </a:fillRef>
+          <a:effectRef idx="0">
+            <a:schemeClr val="accent1"/>
+          </a:effectRef>
+          <a:fontRef idx="minor">
+            <a:schemeClr val="lt1"/>
+          </a:fontRef>
+        </p:style>
+        <p:txBody>
+          <a:bodyPr rtlCol="0" anchor="ctr"/>
+          <a:lstStyle/>
+          <a:p>
+            <a:pPr algn="ctr"/>
+            <a:r>
+              <a:rPr lang="en-IN" dirty="0"/>
+              <a:t>Create Department</a:t>
+            </a:r>
+          </a:p>
+        </p:txBody>
+      </p:sp>
+      <p:sp>
+        <p:nvSpPr>
+          <p:cNvPr id="3" name="Rectangle 2">
+            <a:extLst>
+              <a:ext uri="{FF2B5EF4-FFF2-40B4-BE49-F238E27FC236}">
+                <a16:creationId xmlns:a16="http://schemas.microsoft.com/office/drawing/2014/main" id="{ADC9BB2D-8B09-A099-DE20-AEE8E6376FD2}"/>
+              </a:ext>
+            </a:extLst>
+          </p:cNvPr>
+          <p:cNvSpPr/>
+          <p:nvPr/>
+        </p:nvSpPr>
+        <p:spPr>
+          <a:xfrm>
+            <a:off x="8661400" y="3183466"/>
+            <a:ext cx="2429934" cy="1617133"/>
+          </a:xfrm>
+          <a:prstGeom prst="rect">
+            <a:avLst/>
+          </a:prstGeom>
+        </p:spPr>
+        <p:style>
+          <a:lnRef idx="2">
+            <a:schemeClr val="accent1">
+              <a:shade val="15000"/>
+            </a:schemeClr>
+          </a:lnRef>
+          <a:fillRef idx="1">
+            <a:schemeClr val="accent1"/>
+          </a:fillRef>
+          <a:effectRef idx="0">
+            <a:schemeClr val="accent1"/>
+          </a:effectRef>
+          <a:fontRef idx="minor">
+            <a:schemeClr val="lt1"/>
+          </a:fontRef>
+        </p:style>
+        <p:txBody>
+          <a:bodyPr rtlCol="0" anchor="ctr"/>
+          <a:lstStyle/>
+          <a:p>
+            <a:pPr algn="ctr"/>
+            <a:r>
+              <a:rPr lang="en-IN" dirty="0"/>
+              <a:t>List Departments</a:t>
+            </a:r>
+          </a:p>
+        </p:txBody>
+      </p:sp>
+      <p:sp>
+        <p:nvSpPr>
+          <p:cNvPr id="4" name="Cylinder 3">
+            <a:extLst>
+              <a:ext uri="{FF2B5EF4-FFF2-40B4-BE49-F238E27FC236}">
+                <a16:creationId xmlns:a16="http://schemas.microsoft.com/office/drawing/2014/main" id="{6C924976-DB5E-8752-96CE-B1B3AC67406C}"/>
+              </a:ext>
+            </a:extLst>
+          </p:cNvPr>
+          <p:cNvSpPr/>
+          <p:nvPr/>
+        </p:nvSpPr>
+        <p:spPr>
+          <a:xfrm>
+            <a:off x="3920067" y="2929467"/>
+            <a:ext cx="3132666" cy="1676400"/>
+          </a:xfrm>
+          <a:prstGeom prst="can">
+            <a:avLst/>
+          </a:prstGeom>
+        </p:spPr>
+        <p:style>
+          <a:lnRef idx="2">
+            <a:schemeClr val="accent1">
+              <a:shade val="15000"/>
+            </a:schemeClr>
+          </a:lnRef>
+          <a:fillRef idx="1">
+            <a:schemeClr val="accent1"/>
+          </a:fillRef>
+          <a:effectRef idx="0">
+            <a:schemeClr val="accent1"/>
+          </a:effectRef>
+          <a:fontRef idx="minor">
+            <a:schemeClr val="lt1"/>
+          </a:fontRef>
+        </p:style>
+        <p:txBody>
+          <a:bodyPr rtlCol="0" anchor="ctr"/>
+          <a:lstStyle/>
+          <a:p>
+            <a:pPr algn="ctr"/>
+            <a:r>
+              <a:rPr lang="en-IN" dirty="0"/>
+              <a:t>Department Store</a:t>
+            </a:r>
+          </a:p>
+        </p:txBody>
+      </p:sp>
+      <p:cxnSp>
+        <p:nvCxnSpPr>
+          <p:cNvPr id="6" name="Connector: Elbow 5">
+            <a:extLst>
+              <a:ext uri="{FF2B5EF4-FFF2-40B4-BE49-F238E27FC236}">
+                <a16:creationId xmlns:a16="http://schemas.microsoft.com/office/drawing/2014/main" id="{46FE48F7-AC5D-BC2A-5372-CBAE1A7517AA}"/>
+              </a:ext>
+            </a:extLst>
+          </p:cNvPr>
+          <p:cNvCxnSpPr>
+            <a:stCxn id="4" idx="1"/>
+            <a:endCxn id="2" idx="3"/>
+          </p:cNvCxnSpPr>
+          <p:nvPr/>
+        </p:nvCxnSpPr>
+        <p:spPr>
+          <a:xfrm rot="16200000" flipV="1">
+            <a:off x="3503084" y="946150"/>
+            <a:ext cx="1333500" cy="2633133"/>
+          </a:xfrm>
+          <a:prstGeom prst="bentConnector2">
+            <a:avLst/>
+          </a:prstGeom>
+          <a:ln>
+            <a:tailEnd type="triangle"/>
+          </a:ln>
+        </p:spPr>
+        <p:style>
+          <a:lnRef idx="2">
+            <a:schemeClr val="accent1"/>
+          </a:lnRef>
+          <a:fillRef idx="0">
+            <a:schemeClr val="accent1"/>
+          </a:fillRef>
+          <a:effectRef idx="1">
+            <a:schemeClr val="accent1"/>
+          </a:effectRef>
+          <a:fontRef idx="minor">
+            <a:schemeClr val="tx1"/>
+          </a:fontRef>
+        </p:style>
+      </p:cxnSp>
+      <p:cxnSp>
+        <p:nvCxnSpPr>
+          <p:cNvPr id="8" name="Connector: Elbow 7">
+            <a:extLst>
+              <a:ext uri="{FF2B5EF4-FFF2-40B4-BE49-F238E27FC236}">
+                <a16:creationId xmlns:a16="http://schemas.microsoft.com/office/drawing/2014/main" id="{4B4C483C-4705-3B9F-5CDA-EFCCD5739790}"/>
+              </a:ext>
+            </a:extLst>
+          </p:cNvPr>
+          <p:cNvCxnSpPr>
+            <a:stCxn id="4" idx="3"/>
+            <a:endCxn id="3" idx="2"/>
+          </p:cNvCxnSpPr>
+          <p:nvPr/>
+        </p:nvCxnSpPr>
+        <p:spPr>
+          <a:xfrm rot="16200000" flipH="1">
+            <a:off x="7584017" y="2508249"/>
+            <a:ext cx="194732" cy="4389967"/>
+          </a:xfrm>
+          <a:prstGeom prst="bentConnector3">
+            <a:avLst>
+              <a:gd name="adj1" fmla="val 217392"/>
+            </a:avLst>
+          </a:prstGeom>
+          <a:ln>
+            <a:tailEnd type="triangle"/>
+          </a:ln>
+        </p:spPr>
+        <p:style>
+          <a:lnRef idx="2">
+            <a:schemeClr val="accent1"/>
+          </a:lnRef>
+          <a:fillRef idx="0">
+            <a:schemeClr val="accent1"/>
+          </a:fillRef>
+          <a:effectRef idx="1">
+            <a:schemeClr val="accent1"/>
+          </a:effectRef>
+          <a:fontRef idx="minor">
+            <a:schemeClr val="tx1"/>
+          </a:fontRef>
+        </p:style>
+      </p:cxnSp>
+      <p:sp>
+        <p:nvSpPr>
+          <p:cNvPr id="9" name="TextBox 8">
+            <a:extLst>
+              <a:ext uri="{FF2B5EF4-FFF2-40B4-BE49-F238E27FC236}">
+                <a16:creationId xmlns:a16="http://schemas.microsoft.com/office/drawing/2014/main" id="{7D213ACF-ACE4-5858-E82F-4C38FED93D72}"/>
+              </a:ext>
+            </a:extLst>
+          </p:cNvPr>
+          <p:cNvSpPr txBox="1"/>
+          <p:nvPr/>
+        </p:nvSpPr>
+        <p:spPr>
+          <a:xfrm>
+            <a:off x="3395133" y="1219200"/>
+            <a:ext cx="2159000" cy="376765"/>
+          </a:xfrm>
+          <a:prstGeom prst="rect">
+            <a:avLst/>
+          </a:prstGeom>
+          <a:noFill/>
+          <a:ln>
+            <a:solidFill>
+              <a:schemeClr val="accent1"/>
+            </a:solidFill>
+          </a:ln>
+        </p:spPr>
+        <p:txBody>
+          <a:bodyPr wrap="square" rtlCol="0">
+            <a:spAutoFit/>
+          </a:bodyPr>
+          <a:lstStyle/>
+          <a:p>
+            <a:pPr algn="ctr"/>
+            <a:r>
+              <a:rPr lang="en-IN" b="1" dirty="0"/>
+              <a:t>Subscription</a:t>
+            </a:r>
+          </a:p>
+        </p:txBody>
+      </p:sp>
+      <p:sp>
+        <p:nvSpPr>
+          <p:cNvPr id="10" name="TextBox 9">
+            <a:extLst>
+              <a:ext uri="{FF2B5EF4-FFF2-40B4-BE49-F238E27FC236}">
+                <a16:creationId xmlns:a16="http://schemas.microsoft.com/office/drawing/2014/main" id="{37FCFA43-065E-6F62-3383-AC2F342FF818}"/>
+              </a:ext>
+            </a:extLst>
+          </p:cNvPr>
+          <p:cNvSpPr txBox="1"/>
+          <p:nvPr/>
+        </p:nvSpPr>
+        <p:spPr>
+          <a:xfrm>
+            <a:off x="6601883" y="5046133"/>
+            <a:ext cx="2159000" cy="376765"/>
+          </a:xfrm>
+          <a:prstGeom prst="rect">
+            <a:avLst/>
+          </a:prstGeom>
+          <a:noFill/>
+          <a:ln>
+            <a:solidFill>
+              <a:schemeClr val="accent1"/>
+            </a:solidFill>
+          </a:ln>
+        </p:spPr>
+        <p:txBody>
+          <a:bodyPr wrap="square" rtlCol="0">
+            <a:spAutoFit/>
+          </a:bodyPr>
+          <a:lstStyle/>
+          <a:p>
+            <a:pPr algn="ctr"/>
+            <a:r>
+              <a:rPr lang="en-IN" b="1" dirty="0"/>
+              <a:t>Subscription</a:t>
+            </a:r>
+          </a:p>
+        </p:txBody>
+      </p:sp>
+      <p:cxnSp>
+        <p:nvCxnSpPr>
+          <p:cNvPr id="12" name="Connector: Curved 11">
+            <a:extLst>
+              <a:ext uri="{FF2B5EF4-FFF2-40B4-BE49-F238E27FC236}">
+                <a16:creationId xmlns:a16="http://schemas.microsoft.com/office/drawing/2014/main" id="{46BC4392-B6C8-91BA-9882-67F38943B2F1}"/>
+              </a:ext>
+            </a:extLst>
+          </p:cNvPr>
+          <p:cNvCxnSpPr>
+            <a:cxnSpLocks/>
+            <a:stCxn id="2" idx="2"/>
+            <a:endCxn id="13" idx="0"/>
+          </p:cNvCxnSpPr>
+          <p:nvPr/>
+        </p:nvCxnSpPr>
+        <p:spPr>
+          <a:xfrm rot="16200000" flipH="1">
+            <a:off x="1344727" y="2698105"/>
+            <a:ext cx="702502" cy="115357"/>
+          </a:xfrm>
+          <a:prstGeom prst="curvedConnector3">
+            <a:avLst>
+              <a:gd name="adj1" fmla="val 50000"/>
+            </a:avLst>
+          </a:prstGeom>
+          <a:ln>
+            <a:tailEnd type="triangle"/>
+          </a:ln>
+        </p:spPr>
+        <p:style>
+          <a:lnRef idx="2">
+            <a:schemeClr val="accent1"/>
+          </a:lnRef>
+          <a:fillRef idx="0">
+            <a:schemeClr val="accent1"/>
+          </a:fillRef>
+          <a:effectRef idx="1">
+            <a:schemeClr val="accent1"/>
+          </a:effectRef>
+          <a:fontRef idx="minor">
+            <a:schemeClr val="tx1"/>
+          </a:fontRef>
+        </p:style>
+      </p:cxnSp>
+      <p:sp>
+        <p:nvSpPr>
+          <p:cNvPr id="13" name="TextBox 12">
+            <a:extLst>
+              <a:ext uri="{FF2B5EF4-FFF2-40B4-BE49-F238E27FC236}">
+                <a16:creationId xmlns:a16="http://schemas.microsoft.com/office/drawing/2014/main" id="{AC9C1F99-CC82-789E-9B65-3E12507AC193}"/>
+              </a:ext>
+            </a:extLst>
+          </p:cNvPr>
+          <p:cNvSpPr txBox="1"/>
+          <p:nvPr/>
+        </p:nvSpPr>
+        <p:spPr>
+          <a:xfrm>
+            <a:off x="423332" y="3107035"/>
+            <a:ext cx="2660650" cy="923330"/>
+          </a:xfrm>
+          <a:prstGeom prst="rect">
+            <a:avLst/>
+          </a:prstGeom>
+          <a:noFill/>
+          <a:ln>
+            <a:solidFill>
+              <a:schemeClr val="accent1"/>
+            </a:solidFill>
+          </a:ln>
+        </p:spPr>
+        <p:txBody>
+          <a:bodyPr wrap="square" rtlCol="0">
+            <a:spAutoFit/>
+          </a:bodyPr>
+          <a:lstStyle/>
+          <a:p>
+            <a:pPr algn="ctr"/>
+            <a:r>
+              <a:rPr lang="en-IN" b="1" dirty="0"/>
+              <a:t>Dispatch Action for Adding New Department to Store</a:t>
+            </a:r>
+          </a:p>
+        </p:txBody>
+      </p:sp>
+      <p:cxnSp>
+        <p:nvCxnSpPr>
+          <p:cNvPr id="15" name="Connector: Curved 14">
+            <a:extLst>
+              <a:ext uri="{FF2B5EF4-FFF2-40B4-BE49-F238E27FC236}">
+                <a16:creationId xmlns:a16="http://schemas.microsoft.com/office/drawing/2014/main" id="{2D5E98DD-793C-4CF1-5187-E96B1BB0A80D}"/>
+              </a:ext>
+            </a:extLst>
+          </p:cNvPr>
+          <p:cNvCxnSpPr>
+            <a:stCxn id="4" idx="4"/>
+            <a:endCxn id="3" idx="0"/>
+          </p:cNvCxnSpPr>
+          <p:nvPr/>
+        </p:nvCxnSpPr>
+        <p:spPr>
+          <a:xfrm flipV="1">
+            <a:off x="7052733" y="3183466"/>
+            <a:ext cx="2823634" cy="584201"/>
+          </a:xfrm>
+          <a:prstGeom prst="curvedConnector4">
+            <a:avLst>
+              <a:gd name="adj1" fmla="val 28486"/>
+              <a:gd name="adj2" fmla="val 182608"/>
+            </a:avLst>
+          </a:prstGeom>
+          <a:ln>
+            <a:tailEnd type="triangle"/>
+          </a:ln>
+        </p:spPr>
+        <p:style>
+          <a:lnRef idx="2">
+            <a:schemeClr val="accent1"/>
+          </a:lnRef>
+          <a:fillRef idx="0">
+            <a:schemeClr val="accent1"/>
+          </a:fillRef>
+          <a:effectRef idx="1">
+            <a:schemeClr val="accent1"/>
+          </a:effectRef>
+          <a:fontRef idx="minor">
+            <a:schemeClr val="tx1"/>
+          </a:fontRef>
+        </p:style>
+      </p:cxnSp>
+      <p:sp>
+        <p:nvSpPr>
+          <p:cNvPr id="16" name="TextBox 15">
+            <a:extLst>
+              <a:ext uri="{FF2B5EF4-FFF2-40B4-BE49-F238E27FC236}">
+                <a16:creationId xmlns:a16="http://schemas.microsoft.com/office/drawing/2014/main" id="{0D19128C-326C-1F62-1DFE-DFB584D0CB37}"/>
+              </a:ext>
+            </a:extLst>
+          </p:cNvPr>
+          <p:cNvSpPr txBox="1"/>
+          <p:nvPr/>
+        </p:nvSpPr>
+        <p:spPr>
+          <a:xfrm>
+            <a:off x="8008408" y="1625366"/>
+            <a:ext cx="2660650" cy="1200329"/>
+          </a:xfrm>
+          <a:prstGeom prst="rect">
+            <a:avLst/>
+          </a:prstGeom>
+          <a:noFill/>
+          <a:ln>
+            <a:solidFill>
+              <a:schemeClr val="accent1"/>
+            </a:solidFill>
+          </a:ln>
+        </p:spPr>
+        <p:txBody>
+          <a:bodyPr wrap="square" rtlCol="0">
+            <a:spAutoFit/>
+          </a:bodyPr>
+          <a:lstStyle/>
+          <a:p>
+            <a:pPr algn="ctr"/>
+            <a:r>
+              <a:rPr lang="en-IN" b="1" dirty="0"/>
+              <a:t>Notify the newly added department from store to List Departments Component</a:t>
+            </a:r>
+          </a:p>
+        </p:txBody>
+      </p:sp>
+      <p:sp>
+        <p:nvSpPr>
+          <p:cNvPr id="7" name="Star: 10 Points 6">
+            <a:extLst>
+              <a:ext uri="{FF2B5EF4-FFF2-40B4-BE49-F238E27FC236}">
+                <a16:creationId xmlns:a16="http://schemas.microsoft.com/office/drawing/2014/main" id="{0F77FA15-2230-6D55-B05B-479BC29F190A}"/>
+              </a:ext>
+            </a:extLst>
+          </p:cNvPr>
+          <p:cNvSpPr/>
+          <p:nvPr/>
+        </p:nvSpPr>
+        <p:spPr>
+          <a:xfrm>
+            <a:off x="1753657" y="4605866"/>
+            <a:ext cx="2056343" cy="1676400"/>
+          </a:xfrm>
+          <a:prstGeom prst="star10">
+            <a:avLst/>
+          </a:prstGeom>
+        </p:spPr>
+        <p:style>
+          <a:lnRef idx="2">
+            <a:schemeClr val="accent1">
+              <a:shade val="15000"/>
+            </a:schemeClr>
+          </a:lnRef>
+          <a:fillRef idx="1">
+            <a:schemeClr val="accent1"/>
+          </a:fillRef>
+          <a:effectRef idx="0">
+            <a:schemeClr val="accent1"/>
+          </a:effectRef>
+          <a:fontRef idx="minor">
+            <a:schemeClr val="lt1"/>
+          </a:fontRef>
+        </p:style>
+        <p:txBody>
+          <a:bodyPr rtlCol="0" anchor="ctr"/>
+          <a:lstStyle/>
+          <a:p>
+            <a:pPr algn="ctr"/>
+            <a:r>
+              <a:rPr lang="en-IN" dirty="0"/>
+              <a:t>Reducer</a:t>
+            </a:r>
+          </a:p>
+        </p:txBody>
+      </p:sp>
+      <p:cxnSp>
+        <p:nvCxnSpPr>
+          <p:cNvPr id="14" name="Connector: Curved 13">
+            <a:extLst>
+              <a:ext uri="{FF2B5EF4-FFF2-40B4-BE49-F238E27FC236}">
+                <a16:creationId xmlns:a16="http://schemas.microsoft.com/office/drawing/2014/main" id="{8FBFA9C5-A61E-E4F9-C7B3-DF5867A488FF}"/>
+              </a:ext>
+            </a:extLst>
+          </p:cNvPr>
+          <p:cNvCxnSpPr>
+            <a:cxnSpLocks/>
+            <a:stCxn id="13" idx="2"/>
+            <a:endCxn id="7" idx="5"/>
+          </p:cNvCxnSpPr>
+          <p:nvPr/>
+        </p:nvCxnSpPr>
+        <p:spPr>
+          <a:xfrm rot="5400000">
+            <a:off x="917295" y="4866725"/>
+            <a:ext cx="1672722" cy="2"/>
+          </a:xfrm>
+          <a:prstGeom prst="curvedConnector4">
+            <a:avLst>
+              <a:gd name="adj1" fmla="val 17202"/>
+              <a:gd name="adj2" fmla="val 11430100000"/>
+            </a:avLst>
+          </a:prstGeom>
+          <a:ln>
+            <a:tailEnd type="triangle"/>
+          </a:ln>
+        </p:spPr>
+        <p:style>
+          <a:lnRef idx="2">
+            <a:schemeClr val="accent1"/>
+          </a:lnRef>
+          <a:fillRef idx="0">
+            <a:schemeClr val="accent1"/>
+          </a:fillRef>
+          <a:effectRef idx="1">
+            <a:schemeClr val="accent1"/>
+          </a:effectRef>
+          <a:fontRef idx="minor">
+            <a:schemeClr val="tx1"/>
+          </a:fontRef>
+        </p:style>
+      </p:cxnSp>
+      <p:cxnSp>
+        <p:nvCxnSpPr>
+          <p:cNvPr id="19" name="Connector: Curved 18">
+            <a:extLst>
+              <a:ext uri="{FF2B5EF4-FFF2-40B4-BE49-F238E27FC236}">
+                <a16:creationId xmlns:a16="http://schemas.microsoft.com/office/drawing/2014/main" id="{299B2623-40FB-FC0C-4C94-A710F1B25260}"/>
+              </a:ext>
+            </a:extLst>
+          </p:cNvPr>
+          <p:cNvCxnSpPr>
+            <a:stCxn id="7" idx="0"/>
+            <a:endCxn id="4" idx="2"/>
+          </p:cNvCxnSpPr>
+          <p:nvPr/>
+        </p:nvCxnSpPr>
+        <p:spPr>
+          <a:xfrm flipV="1">
+            <a:off x="3810002" y="3767667"/>
+            <a:ext cx="110065" cy="1417378"/>
+          </a:xfrm>
+          <a:prstGeom prst="curvedConnector3">
+            <a:avLst/>
+          </a:prstGeom>
+          <a:ln>
+            <a:tailEnd type="triangle"/>
+          </a:ln>
+        </p:spPr>
+        <p:style>
+          <a:lnRef idx="2">
+            <a:schemeClr val="accent1"/>
+          </a:lnRef>
+          <a:fillRef idx="0">
+            <a:schemeClr val="accent1"/>
+          </a:fillRef>
+          <a:effectRef idx="1">
+            <a:schemeClr val="accent1"/>
+          </a:effectRef>
+          <a:fontRef idx="minor">
+            <a:schemeClr val="tx1"/>
+          </a:fontRef>
+        </p:style>
+      </p:cxnSp>
+      <p:sp>
+        <p:nvSpPr>
+          <p:cNvPr id="20" name="TextBox 19">
+            <a:extLst>
+              <a:ext uri="{FF2B5EF4-FFF2-40B4-BE49-F238E27FC236}">
+                <a16:creationId xmlns:a16="http://schemas.microsoft.com/office/drawing/2014/main" id="{A3E6C343-4108-943B-7BA1-C99229B6087C}"/>
+              </a:ext>
+            </a:extLst>
+          </p:cNvPr>
+          <p:cNvSpPr txBox="1"/>
+          <p:nvPr/>
+        </p:nvSpPr>
+        <p:spPr>
+          <a:xfrm>
+            <a:off x="2954866" y="3992032"/>
+            <a:ext cx="1659467" cy="923330"/>
+          </a:xfrm>
+          <a:prstGeom prst="rect">
+            <a:avLst/>
+          </a:prstGeom>
+          <a:noFill/>
+        </p:spPr>
+        <p:txBody>
+          <a:bodyPr wrap="square" rtlCol="0">
+            <a:spAutoFit/>
+          </a:bodyPr>
+          <a:lstStyle/>
+          <a:p>
+            <a:pPr algn="ctr"/>
+            <a:r>
+              <a:rPr lang="en-IN" b="1" dirty="0"/>
+              <a:t>Update new Department in the Store</a:t>
+            </a:r>
+          </a:p>
+        </p:txBody>
+      </p:sp>
+    </p:spTree>
+    <p:extLst>
+      <p:ext uri="{BB962C8B-B14F-4D97-AF65-F5344CB8AC3E}">
+        <p14:creationId xmlns:p14="http://schemas.microsoft.com/office/powerpoint/2010/main" val="3812766712"/>
       </p:ext>
     </p:extLst>
   </p:cSld>

--- a/my-ng-app/Angular_Training_Images.pptx
+++ b/my-ng-app/Angular_Training_Images.pptx
@@ -5,7 +5,7 @@
     <p:sldMasterId id="2147483648" r:id="rId1"/>
   </p:sldMasterIdLst>
   <p:notesMasterIdLst>
-    <p:notesMasterId r:id="rId45"/>
+    <p:notesMasterId r:id="rId46"/>
   </p:notesMasterIdLst>
   <p:sldIdLst>
     <p:sldId id="256" r:id="rId2"/>
@@ -51,6 +51,7 @@
     <p:sldId id="296" r:id="rId42"/>
     <p:sldId id="297" r:id="rId43"/>
     <p:sldId id="298" r:id="rId44"/>
+    <p:sldId id="299" r:id="rId45"/>
   </p:sldIdLst>
   <p:sldSz cx="12192000" cy="6858000"/>
   <p:notesSz cx="6858000" cy="9144000"/>
@@ -239,7 +240,7 @@
           <a:p>
             <a:fld id="{DF93E0C2-E96E-4876-AC08-E4ADA015AFF5}" type="datetimeFigureOut">
               <a:rPr lang="en-IN" smtClean="0"/>
-              <a:t>22-04-2024</a:t>
+              <a:t>25-04-2024</a:t>
             </a:fld>
             <a:endParaRPr lang="en-IN"/>
           </a:p>
@@ -740,7 +741,7 @@
           <a:p>
             <a:fld id="{35E7C7C1-050F-4B17-8FDC-37C455263954}" type="datetimeFigureOut">
               <a:rPr lang="en-IN" smtClean="0"/>
-              <a:t>22-04-2024</a:t>
+              <a:t>25-04-2024</a:t>
             </a:fld>
             <a:endParaRPr lang="en-IN"/>
           </a:p>
@@ -940,7 +941,7 @@
           <a:p>
             <a:fld id="{35E7C7C1-050F-4B17-8FDC-37C455263954}" type="datetimeFigureOut">
               <a:rPr lang="en-IN" smtClean="0"/>
-              <a:t>22-04-2024</a:t>
+              <a:t>25-04-2024</a:t>
             </a:fld>
             <a:endParaRPr lang="en-IN"/>
           </a:p>
@@ -1150,7 +1151,7 @@
           <a:p>
             <a:fld id="{35E7C7C1-050F-4B17-8FDC-37C455263954}" type="datetimeFigureOut">
               <a:rPr lang="en-IN" smtClean="0"/>
-              <a:t>22-04-2024</a:t>
+              <a:t>25-04-2024</a:t>
             </a:fld>
             <a:endParaRPr lang="en-IN"/>
           </a:p>
@@ -1350,7 +1351,7 @@
           <a:p>
             <a:fld id="{35E7C7C1-050F-4B17-8FDC-37C455263954}" type="datetimeFigureOut">
               <a:rPr lang="en-IN" smtClean="0"/>
-              <a:t>22-04-2024</a:t>
+              <a:t>25-04-2024</a:t>
             </a:fld>
             <a:endParaRPr lang="en-IN"/>
           </a:p>
@@ -1626,7 +1627,7 @@
           <a:p>
             <a:fld id="{35E7C7C1-050F-4B17-8FDC-37C455263954}" type="datetimeFigureOut">
               <a:rPr lang="en-IN" smtClean="0"/>
-              <a:t>22-04-2024</a:t>
+              <a:t>25-04-2024</a:t>
             </a:fld>
             <a:endParaRPr lang="en-IN"/>
           </a:p>
@@ -1894,7 +1895,7 @@
           <a:p>
             <a:fld id="{35E7C7C1-050F-4B17-8FDC-37C455263954}" type="datetimeFigureOut">
               <a:rPr lang="en-IN" smtClean="0"/>
-              <a:t>22-04-2024</a:t>
+              <a:t>25-04-2024</a:t>
             </a:fld>
             <a:endParaRPr lang="en-IN"/>
           </a:p>
@@ -2309,7 +2310,7 @@
           <a:p>
             <a:fld id="{35E7C7C1-050F-4B17-8FDC-37C455263954}" type="datetimeFigureOut">
               <a:rPr lang="en-IN" smtClean="0"/>
-              <a:t>22-04-2024</a:t>
+              <a:t>25-04-2024</a:t>
             </a:fld>
             <a:endParaRPr lang="en-IN"/>
           </a:p>
@@ -2451,7 +2452,7 @@
           <a:p>
             <a:fld id="{35E7C7C1-050F-4B17-8FDC-37C455263954}" type="datetimeFigureOut">
               <a:rPr lang="en-IN" smtClean="0"/>
-              <a:t>22-04-2024</a:t>
+              <a:t>25-04-2024</a:t>
             </a:fld>
             <a:endParaRPr lang="en-IN"/>
           </a:p>
@@ -2564,7 +2565,7 @@
           <a:p>
             <a:fld id="{35E7C7C1-050F-4B17-8FDC-37C455263954}" type="datetimeFigureOut">
               <a:rPr lang="en-IN" smtClean="0"/>
-              <a:t>22-04-2024</a:t>
+              <a:t>25-04-2024</a:t>
             </a:fld>
             <a:endParaRPr lang="en-IN"/>
           </a:p>
@@ -2877,7 +2878,7 @@
           <a:p>
             <a:fld id="{35E7C7C1-050F-4B17-8FDC-37C455263954}" type="datetimeFigureOut">
               <a:rPr lang="en-IN" smtClean="0"/>
-              <a:t>22-04-2024</a:t>
+              <a:t>25-04-2024</a:t>
             </a:fld>
             <a:endParaRPr lang="en-IN"/>
           </a:p>
@@ -3166,7 +3167,7 @@
           <a:p>
             <a:fld id="{35E7C7C1-050F-4B17-8FDC-37C455263954}" type="datetimeFigureOut">
               <a:rPr lang="en-IN" smtClean="0"/>
-              <a:t>22-04-2024</a:t>
+              <a:t>25-04-2024</a:t>
             </a:fld>
             <a:endParaRPr lang="en-IN"/>
           </a:p>
@@ -3409,7 +3410,7 @@
           <a:p>
             <a:fld id="{35E7C7C1-050F-4B17-8FDC-37C455263954}" type="datetimeFigureOut">
               <a:rPr lang="en-IN" smtClean="0"/>
-              <a:t>22-04-2024</a:t>
+              <a:t>25-04-2024</a:t>
             </a:fld>
             <a:endParaRPr lang="en-IN"/>
           </a:p>
@@ -32494,6 +32495,1139 @@
     <p:extLst>
       <p:ext uri="{BB962C8B-B14F-4D97-AF65-F5344CB8AC3E}">
         <p14:creationId xmlns:p14="http://schemas.microsoft.com/office/powerpoint/2010/main" val="3812766712"/>
+      </p:ext>
+    </p:extLst>
+  </p:cSld>
+  <p:clrMapOvr>
+    <a:masterClrMapping/>
+  </p:clrMapOvr>
+</p:sld>
+</file>
+
+<file path=ppt/slides/slide44.xml><?xml version="1.0" encoding="utf-8"?>
+<p:sld xmlns:a="http://schemas.openxmlformats.org/drawingml/2006/main" xmlns:r="http://schemas.openxmlformats.org/officeDocument/2006/relationships" xmlns:p="http://schemas.openxmlformats.org/presentationml/2006/main">
+  <p:cSld>
+    <p:spTree>
+      <p:nvGrpSpPr>
+        <p:cNvPr id="1" name=""/>
+        <p:cNvGrpSpPr/>
+        <p:nvPr/>
+      </p:nvGrpSpPr>
+      <p:grpSpPr>
+        <a:xfrm>
+          <a:off x="0" y="0"/>
+          <a:ext cx="0" cy="0"/>
+          <a:chOff x="0" y="0"/>
+          <a:chExt cx="0" cy="0"/>
+        </a:xfrm>
+      </p:grpSpPr>
+      <p:sp>
+        <p:nvSpPr>
+          <p:cNvPr id="2" name="Rectangle 1">
+            <a:extLst>
+              <a:ext uri="{FF2B5EF4-FFF2-40B4-BE49-F238E27FC236}">
+                <a16:creationId xmlns:a16="http://schemas.microsoft.com/office/drawing/2014/main" id="{18523B34-3A90-CCEB-42C9-B839C90E43FD}"/>
+              </a:ext>
+            </a:extLst>
+          </p:cNvPr>
+          <p:cNvSpPr/>
+          <p:nvPr/>
+        </p:nvSpPr>
+        <p:spPr>
+          <a:xfrm>
+            <a:off x="135467" y="321733"/>
+            <a:ext cx="1532466" cy="948267"/>
+          </a:xfrm>
+          <a:prstGeom prst="rect">
+            <a:avLst/>
+          </a:prstGeom>
+        </p:spPr>
+        <p:style>
+          <a:lnRef idx="2">
+            <a:schemeClr val="accent1">
+              <a:shade val="15000"/>
+            </a:schemeClr>
+          </a:lnRef>
+          <a:fillRef idx="1">
+            <a:schemeClr val="accent1"/>
+          </a:fillRef>
+          <a:effectRef idx="0">
+            <a:schemeClr val="accent1"/>
+          </a:effectRef>
+          <a:fontRef idx="minor">
+            <a:schemeClr val="lt1"/>
+          </a:fontRef>
+        </p:style>
+        <p:txBody>
+          <a:bodyPr rtlCol="0" anchor="ctr"/>
+          <a:lstStyle/>
+          <a:p>
+            <a:pPr algn="ctr"/>
+            <a:r>
+              <a:rPr lang="en-US" dirty="0"/>
+              <a:t>Comp 1</a:t>
+            </a:r>
+            <a:endParaRPr lang="en-IN" dirty="0"/>
+          </a:p>
+        </p:txBody>
+      </p:sp>
+      <p:sp>
+        <p:nvSpPr>
+          <p:cNvPr id="3" name="Arrow: Right 2">
+            <a:extLst>
+              <a:ext uri="{FF2B5EF4-FFF2-40B4-BE49-F238E27FC236}">
+                <a16:creationId xmlns:a16="http://schemas.microsoft.com/office/drawing/2014/main" id="{E9C8725E-D738-4AEC-C561-7E9D6644AB1F}"/>
+              </a:ext>
+            </a:extLst>
+          </p:cNvPr>
+          <p:cNvSpPr/>
+          <p:nvPr/>
+        </p:nvSpPr>
+        <p:spPr>
+          <a:xfrm>
+            <a:off x="1667933" y="584200"/>
+            <a:ext cx="2633134" cy="431800"/>
+          </a:xfrm>
+          <a:prstGeom prst="rightArrow">
+            <a:avLst/>
+          </a:prstGeom>
+        </p:spPr>
+        <p:style>
+          <a:lnRef idx="2">
+            <a:schemeClr val="accent1">
+              <a:shade val="15000"/>
+            </a:schemeClr>
+          </a:lnRef>
+          <a:fillRef idx="1">
+            <a:schemeClr val="accent1"/>
+          </a:fillRef>
+          <a:effectRef idx="0">
+            <a:schemeClr val="accent1"/>
+          </a:effectRef>
+          <a:fontRef idx="minor">
+            <a:schemeClr val="lt1"/>
+          </a:fontRef>
+        </p:style>
+        <p:txBody>
+          <a:bodyPr rtlCol="0" anchor="ctr"/>
+          <a:lstStyle/>
+          <a:p>
+            <a:pPr algn="ctr"/>
+            <a:r>
+              <a:rPr lang="en-US" dirty="0"/>
+              <a:t>Dispatch Action</a:t>
+            </a:r>
+            <a:endParaRPr lang="en-IN" dirty="0"/>
+          </a:p>
+        </p:txBody>
+      </p:sp>
+      <p:sp>
+        <p:nvSpPr>
+          <p:cNvPr id="4" name="Rectangle 3">
+            <a:extLst>
+              <a:ext uri="{FF2B5EF4-FFF2-40B4-BE49-F238E27FC236}">
+                <a16:creationId xmlns:a16="http://schemas.microsoft.com/office/drawing/2014/main" id="{47CA97AB-B00B-7ACA-0FB3-8BA9D7F98DD7}"/>
+              </a:ext>
+            </a:extLst>
+          </p:cNvPr>
+          <p:cNvSpPr/>
+          <p:nvPr/>
+        </p:nvSpPr>
+        <p:spPr>
+          <a:xfrm>
+            <a:off x="4461933" y="3094566"/>
+            <a:ext cx="1752600" cy="2091267"/>
+          </a:xfrm>
+          <a:prstGeom prst="rect">
+            <a:avLst/>
+          </a:prstGeom>
+        </p:spPr>
+        <p:style>
+          <a:lnRef idx="2">
+            <a:schemeClr val="accent1">
+              <a:shade val="15000"/>
+            </a:schemeClr>
+          </a:lnRef>
+          <a:fillRef idx="1">
+            <a:schemeClr val="accent1"/>
+          </a:fillRef>
+          <a:effectRef idx="0">
+            <a:schemeClr val="accent1"/>
+          </a:effectRef>
+          <a:fontRef idx="minor">
+            <a:schemeClr val="lt1"/>
+          </a:fontRef>
+        </p:style>
+        <p:txBody>
+          <a:bodyPr rtlCol="0" anchor="ctr"/>
+          <a:lstStyle/>
+          <a:p>
+            <a:pPr algn="ctr"/>
+            <a:r>
+              <a:rPr lang="en-US" dirty="0"/>
+              <a:t>Reducer</a:t>
+            </a:r>
+          </a:p>
+          <a:p>
+            <a:pPr algn="ctr"/>
+            <a:r>
+              <a:rPr lang="en-US" dirty="0"/>
+              <a:t>Update the Store</a:t>
+            </a:r>
+            <a:endParaRPr lang="en-IN" dirty="0"/>
+          </a:p>
+        </p:txBody>
+      </p:sp>
+      <p:sp>
+        <p:nvSpPr>
+          <p:cNvPr id="5" name="Rectangle 4">
+            <a:extLst>
+              <a:ext uri="{FF2B5EF4-FFF2-40B4-BE49-F238E27FC236}">
+                <a16:creationId xmlns:a16="http://schemas.microsoft.com/office/drawing/2014/main" id="{265DD0E0-2B86-B019-3415-E73831687577}"/>
+              </a:ext>
+            </a:extLst>
+          </p:cNvPr>
+          <p:cNvSpPr/>
+          <p:nvPr/>
+        </p:nvSpPr>
+        <p:spPr>
+          <a:xfrm>
+            <a:off x="4301067" y="376766"/>
+            <a:ext cx="2074333" cy="838200"/>
+          </a:xfrm>
+          <a:prstGeom prst="rect">
+            <a:avLst/>
+          </a:prstGeom>
+        </p:spPr>
+        <p:style>
+          <a:lnRef idx="2">
+            <a:schemeClr val="accent1">
+              <a:shade val="15000"/>
+            </a:schemeClr>
+          </a:lnRef>
+          <a:fillRef idx="1">
+            <a:schemeClr val="accent1"/>
+          </a:fillRef>
+          <a:effectRef idx="0">
+            <a:schemeClr val="accent1"/>
+          </a:effectRef>
+          <a:fontRef idx="minor">
+            <a:schemeClr val="lt1"/>
+          </a:fontRef>
+        </p:style>
+        <p:txBody>
+          <a:bodyPr rtlCol="0" anchor="ctr"/>
+          <a:lstStyle/>
+          <a:p>
+            <a:pPr algn="ctr"/>
+            <a:r>
+              <a:rPr lang="en-US" dirty="0"/>
+              <a:t>Action Creator</a:t>
+            </a:r>
+          </a:p>
+          <a:p>
+            <a:pPr algn="ctr"/>
+            <a:r>
+              <a:rPr lang="en-US" dirty="0"/>
+              <a:t>Sync / Async</a:t>
+            </a:r>
+            <a:endParaRPr lang="en-IN" dirty="0"/>
+          </a:p>
+        </p:txBody>
+      </p:sp>
+      <p:sp>
+        <p:nvSpPr>
+          <p:cNvPr id="6" name="Rectangle 5">
+            <a:extLst>
+              <a:ext uri="{FF2B5EF4-FFF2-40B4-BE49-F238E27FC236}">
+                <a16:creationId xmlns:a16="http://schemas.microsoft.com/office/drawing/2014/main" id="{09420AB9-4A29-B77B-6F6F-7A9F19753702}"/>
+              </a:ext>
+            </a:extLst>
+          </p:cNvPr>
+          <p:cNvSpPr/>
+          <p:nvPr/>
+        </p:nvSpPr>
+        <p:spPr>
+          <a:xfrm>
+            <a:off x="8881534" y="376766"/>
+            <a:ext cx="1752600" cy="2091267"/>
+          </a:xfrm>
+          <a:prstGeom prst="rect">
+            <a:avLst/>
+          </a:prstGeom>
+        </p:spPr>
+        <p:style>
+          <a:lnRef idx="2">
+            <a:schemeClr val="accent1">
+              <a:shade val="15000"/>
+            </a:schemeClr>
+          </a:lnRef>
+          <a:fillRef idx="1">
+            <a:schemeClr val="accent1"/>
+          </a:fillRef>
+          <a:effectRef idx="0">
+            <a:schemeClr val="accent1"/>
+          </a:effectRef>
+          <a:fontRef idx="minor">
+            <a:schemeClr val="lt1"/>
+          </a:fontRef>
+        </p:style>
+        <p:txBody>
+          <a:bodyPr rtlCol="0" anchor="ctr"/>
+          <a:lstStyle/>
+          <a:p>
+            <a:pPr algn="ctr"/>
+            <a:r>
+              <a:rPr lang="en-US" dirty="0"/>
+              <a:t>Effect</a:t>
+            </a:r>
+          </a:p>
+          <a:p>
+            <a:pPr algn="ctr"/>
+            <a:r>
+              <a:rPr lang="en-US" dirty="0"/>
+              <a:t>Will Subscribe to Promise and Dispatch output Action</a:t>
+            </a:r>
+            <a:endParaRPr lang="en-IN" dirty="0"/>
+          </a:p>
+        </p:txBody>
+      </p:sp>
+      <p:sp>
+        <p:nvSpPr>
+          <p:cNvPr id="7" name="Arrow: Right 6">
+            <a:extLst>
+              <a:ext uri="{FF2B5EF4-FFF2-40B4-BE49-F238E27FC236}">
+                <a16:creationId xmlns:a16="http://schemas.microsoft.com/office/drawing/2014/main" id="{12998883-4F06-4C1E-AB39-709C66BE8B19}"/>
+              </a:ext>
+            </a:extLst>
+          </p:cNvPr>
+          <p:cNvSpPr/>
+          <p:nvPr/>
+        </p:nvSpPr>
+        <p:spPr>
+          <a:xfrm>
+            <a:off x="6375400" y="584200"/>
+            <a:ext cx="2472267" cy="431800"/>
+          </a:xfrm>
+          <a:prstGeom prst="rightArrow">
+            <a:avLst/>
+          </a:prstGeom>
+        </p:spPr>
+        <p:style>
+          <a:lnRef idx="2">
+            <a:schemeClr val="accent1">
+              <a:shade val="15000"/>
+            </a:schemeClr>
+          </a:lnRef>
+          <a:fillRef idx="1">
+            <a:schemeClr val="accent1"/>
+          </a:fillRef>
+          <a:effectRef idx="0">
+            <a:schemeClr val="accent1"/>
+          </a:effectRef>
+          <a:fontRef idx="minor">
+            <a:schemeClr val="lt1"/>
+          </a:fontRef>
+        </p:style>
+        <p:txBody>
+          <a:bodyPr rtlCol="0" anchor="ctr"/>
+          <a:lstStyle/>
+          <a:p>
+            <a:pPr algn="ctr"/>
+            <a:r>
+              <a:rPr lang="en-US" dirty="0"/>
+              <a:t>Async Action to Effect</a:t>
+            </a:r>
+            <a:endParaRPr lang="en-IN" dirty="0"/>
+          </a:p>
+        </p:txBody>
+      </p:sp>
+      <p:sp>
+        <p:nvSpPr>
+          <p:cNvPr id="8" name="Arrow: Down 7">
+            <a:extLst>
+              <a:ext uri="{FF2B5EF4-FFF2-40B4-BE49-F238E27FC236}">
+                <a16:creationId xmlns:a16="http://schemas.microsoft.com/office/drawing/2014/main" id="{6DC2168C-7BBE-8E94-19D7-3E4BA73ADF57}"/>
+              </a:ext>
+            </a:extLst>
+          </p:cNvPr>
+          <p:cNvSpPr/>
+          <p:nvPr/>
+        </p:nvSpPr>
+        <p:spPr>
+          <a:xfrm>
+            <a:off x="5130800" y="1214966"/>
+            <a:ext cx="423333" cy="1849967"/>
+          </a:xfrm>
+          <a:prstGeom prst="downArrow">
+            <a:avLst/>
+          </a:prstGeom>
+        </p:spPr>
+        <p:style>
+          <a:lnRef idx="2">
+            <a:schemeClr val="accent1">
+              <a:shade val="15000"/>
+            </a:schemeClr>
+          </a:lnRef>
+          <a:fillRef idx="1">
+            <a:schemeClr val="accent1"/>
+          </a:fillRef>
+          <a:effectRef idx="0">
+            <a:schemeClr val="accent1"/>
+          </a:effectRef>
+          <a:fontRef idx="minor">
+            <a:schemeClr val="lt1"/>
+          </a:fontRef>
+        </p:style>
+        <p:txBody>
+          <a:bodyPr rtlCol="0" anchor="ctr"/>
+          <a:lstStyle/>
+          <a:p>
+            <a:pPr algn="ctr"/>
+            <a:endParaRPr lang="en-IN"/>
+          </a:p>
+        </p:txBody>
+      </p:sp>
+      <p:sp>
+        <p:nvSpPr>
+          <p:cNvPr id="9" name="TextBox 8">
+            <a:extLst>
+              <a:ext uri="{FF2B5EF4-FFF2-40B4-BE49-F238E27FC236}">
+                <a16:creationId xmlns:a16="http://schemas.microsoft.com/office/drawing/2014/main" id="{53E57D5E-9C15-1445-9696-477CE736370F}"/>
+              </a:ext>
+            </a:extLst>
+          </p:cNvPr>
+          <p:cNvSpPr txBox="1"/>
+          <p:nvPr/>
+        </p:nvSpPr>
+        <p:spPr>
+          <a:xfrm>
+            <a:off x="2912534" y="1730000"/>
+            <a:ext cx="2336802" cy="646331"/>
+          </a:xfrm>
+          <a:prstGeom prst="rect">
+            <a:avLst/>
+          </a:prstGeom>
+          <a:noFill/>
+          <a:ln>
+            <a:solidFill>
+              <a:schemeClr val="tx2"/>
+            </a:solidFill>
+          </a:ln>
+        </p:spPr>
+        <p:txBody>
+          <a:bodyPr wrap="square" rtlCol="0">
+            <a:spAutoFit/>
+          </a:bodyPr>
+          <a:lstStyle/>
+          <a:p>
+            <a:pPr algn="ctr"/>
+            <a:r>
+              <a:rPr lang="en-US" b="1" dirty="0"/>
+              <a:t>Sync Output Action with Resultant Data</a:t>
+            </a:r>
+            <a:endParaRPr lang="en-IN" b="1" dirty="0"/>
+          </a:p>
+        </p:txBody>
+      </p:sp>
+      <p:sp>
+        <p:nvSpPr>
+          <p:cNvPr id="10" name="TextBox 9">
+            <a:extLst>
+              <a:ext uri="{FF2B5EF4-FFF2-40B4-BE49-F238E27FC236}">
+                <a16:creationId xmlns:a16="http://schemas.microsoft.com/office/drawing/2014/main" id="{988598C7-B2AD-2B66-4FC5-5CD38A16CCBA}"/>
+              </a:ext>
+            </a:extLst>
+          </p:cNvPr>
+          <p:cNvSpPr txBox="1"/>
+          <p:nvPr/>
+        </p:nvSpPr>
+        <p:spPr>
+          <a:xfrm>
+            <a:off x="7141633" y="3337920"/>
+            <a:ext cx="2336802" cy="646331"/>
+          </a:xfrm>
+          <a:prstGeom prst="rect">
+            <a:avLst/>
+          </a:prstGeom>
+          <a:noFill/>
+          <a:ln>
+            <a:solidFill>
+              <a:schemeClr val="tx2"/>
+            </a:solidFill>
+          </a:ln>
+        </p:spPr>
+        <p:txBody>
+          <a:bodyPr wrap="square" rtlCol="0">
+            <a:spAutoFit/>
+          </a:bodyPr>
+          <a:lstStyle/>
+          <a:p>
+            <a:pPr algn="ctr"/>
+            <a:r>
+              <a:rPr lang="en-US" b="1" dirty="0"/>
+              <a:t>Async Output Action with Resultant Data</a:t>
+            </a:r>
+            <a:endParaRPr lang="en-IN" b="1" dirty="0"/>
+          </a:p>
+        </p:txBody>
+      </p:sp>
+      <p:sp>
+        <p:nvSpPr>
+          <p:cNvPr id="11" name="Rectangle 10">
+            <a:extLst>
+              <a:ext uri="{FF2B5EF4-FFF2-40B4-BE49-F238E27FC236}">
+                <a16:creationId xmlns:a16="http://schemas.microsoft.com/office/drawing/2014/main" id="{EB4D96A4-0913-9800-8257-6680A2AF6C2C}"/>
+              </a:ext>
+            </a:extLst>
+          </p:cNvPr>
+          <p:cNvSpPr/>
+          <p:nvPr/>
+        </p:nvSpPr>
+        <p:spPr>
+          <a:xfrm>
+            <a:off x="10828869" y="3503833"/>
+            <a:ext cx="897466" cy="1278467"/>
+          </a:xfrm>
+          <a:prstGeom prst="rect">
+            <a:avLst/>
+          </a:prstGeom>
+        </p:spPr>
+        <p:style>
+          <a:lnRef idx="2">
+            <a:schemeClr val="accent1">
+              <a:shade val="15000"/>
+            </a:schemeClr>
+          </a:lnRef>
+          <a:fillRef idx="1">
+            <a:schemeClr val="accent1"/>
+          </a:fillRef>
+          <a:effectRef idx="0">
+            <a:schemeClr val="accent1"/>
+          </a:effectRef>
+          <a:fontRef idx="minor">
+            <a:schemeClr val="lt1"/>
+          </a:fontRef>
+        </p:style>
+        <p:txBody>
+          <a:bodyPr rtlCol="0" anchor="ctr"/>
+          <a:lstStyle/>
+          <a:p>
+            <a:pPr algn="ctr"/>
+            <a:r>
+              <a:rPr lang="en-US" sz="1600" b="1" dirty="0"/>
+              <a:t>HTTP</a:t>
+            </a:r>
+          </a:p>
+          <a:p>
+            <a:pPr algn="ctr"/>
+            <a:r>
+              <a:rPr lang="en-US" sz="1600" b="1" dirty="0"/>
+              <a:t>Service</a:t>
+            </a:r>
+            <a:endParaRPr lang="en-IN" sz="1600" b="1" dirty="0"/>
+          </a:p>
+        </p:txBody>
+      </p:sp>
+      <p:sp>
+        <p:nvSpPr>
+          <p:cNvPr id="13" name="TextBox 12">
+            <a:extLst>
+              <a:ext uri="{FF2B5EF4-FFF2-40B4-BE49-F238E27FC236}">
+                <a16:creationId xmlns:a16="http://schemas.microsoft.com/office/drawing/2014/main" id="{59BF64C9-1994-2270-ABE4-CD20BE8E75D4}"/>
+              </a:ext>
+            </a:extLst>
+          </p:cNvPr>
+          <p:cNvSpPr txBox="1"/>
+          <p:nvPr/>
+        </p:nvSpPr>
+        <p:spPr>
+          <a:xfrm>
+            <a:off x="10769600" y="795866"/>
+            <a:ext cx="1286933" cy="369332"/>
+          </a:xfrm>
+          <a:prstGeom prst="rect">
+            <a:avLst/>
+          </a:prstGeom>
+          <a:noFill/>
+        </p:spPr>
+        <p:txBody>
+          <a:bodyPr wrap="square" rtlCol="0">
+            <a:spAutoFit/>
+          </a:bodyPr>
+          <a:lstStyle/>
+          <a:p>
+            <a:pPr algn="ctr"/>
+            <a:r>
+              <a:rPr lang="en-US" b="1" dirty="0"/>
+              <a:t>HTTP Call</a:t>
+            </a:r>
+            <a:endParaRPr lang="en-IN" b="1" dirty="0"/>
+          </a:p>
+        </p:txBody>
+      </p:sp>
+      <p:sp>
+        <p:nvSpPr>
+          <p:cNvPr id="14" name="Arrow: Left-Up 13">
+            <a:extLst>
+              <a:ext uri="{FF2B5EF4-FFF2-40B4-BE49-F238E27FC236}">
+                <a16:creationId xmlns:a16="http://schemas.microsoft.com/office/drawing/2014/main" id="{64650B88-2CAC-D9DA-E69B-DDB5BC33A42C}"/>
+              </a:ext>
+            </a:extLst>
+          </p:cNvPr>
+          <p:cNvSpPr/>
+          <p:nvPr/>
+        </p:nvSpPr>
+        <p:spPr>
+          <a:xfrm rot="16200000">
+            <a:off x="9897692" y="1964424"/>
+            <a:ext cx="2251822" cy="812801"/>
+          </a:xfrm>
+          <a:prstGeom prst="leftUpArrow">
+            <a:avLst/>
+          </a:prstGeom>
+        </p:spPr>
+        <p:style>
+          <a:lnRef idx="2">
+            <a:schemeClr val="accent1">
+              <a:shade val="15000"/>
+            </a:schemeClr>
+          </a:lnRef>
+          <a:fillRef idx="1">
+            <a:schemeClr val="accent1"/>
+          </a:fillRef>
+          <a:effectRef idx="0">
+            <a:schemeClr val="accent1"/>
+          </a:effectRef>
+          <a:fontRef idx="minor">
+            <a:schemeClr val="lt1"/>
+          </a:fontRef>
+        </p:style>
+        <p:txBody>
+          <a:bodyPr rtlCol="0" anchor="ctr"/>
+          <a:lstStyle/>
+          <a:p>
+            <a:pPr algn="ctr"/>
+            <a:endParaRPr lang="en-IN"/>
+          </a:p>
+        </p:txBody>
+      </p:sp>
+      <p:sp>
+        <p:nvSpPr>
+          <p:cNvPr id="15" name="Arrow: Left-Up 14">
+            <a:extLst>
+              <a:ext uri="{FF2B5EF4-FFF2-40B4-BE49-F238E27FC236}">
+                <a16:creationId xmlns:a16="http://schemas.microsoft.com/office/drawing/2014/main" id="{75917FBC-7EF8-B3BC-822E-5396B045BF5E}"/>
+              </a:ext>
+            </a:extLst>
+          </p:cNvPr>
+          <p:cNvSpPr/>
+          <p:nvPr/>
+        </p:nvSpPr>
+        <p:spPr>
+          <a:xfrm>
+            <a:off x="6214533" y="2393200"/>
+            <a:ext cx="3822701" cy="1035800"/>
+          </a:xfrm>
+          <a:prstGeom prst="leftUpArrow">
+            <a:avLst/>
+          </a:prstGeom>
+        </p:spPr>
+        <p:style>
+          <a:lnRef idx="2">
+            <a:schemeClr val="accent1">
+              <a:shade val="15000"/>
+            </a:schemeClr>
+          </a:lnRef>
+          <a:fillRef idx="1">
+            <a:schemeClr val="accent1"/>
+          </a:fillRef>
+          <a:effectRef idx="0">
+            <a:schemeClr val="accent1"/>
+          </a:effectRef>
+          <a:fontRef idx="minor">
+            <a:schemeClr val="lt1"/>
+          </a:fontRef>
+        </p:style>
+        <p:txBody>
+          <a:bodyPr rtlCol="0" anchor="ctr"/>
+          <a:lstStyle/>
+          <a:p>
+            <a:pPr algn="ctr"/>
+            <a:endParaRPr lang="en-IN"/>
+          </a:p>
+        </p:txBody>
+      </p:sp>
+      <p:sp>
+        <p:nvSpPr>
+          <p:cNvPr id="16" name="Cylinder 15">
+            <a:extLst>
+              <a:ext uri="{FF2B5EF4-FFF2-40B4-BE49-F238E27FC236}">
+                <a16:creationId xmlns:a16="http://schemas.microsoft.com/office/drawing/2014/main" id="{D8A186C9-A61C-7817-C36A-35E7AECADF94}"/>
+              </a:ext>
+            </a:extLst>
+          </p:cNvPr>
+          <p:cNvSpPr/>
+          <p:nvPr/>
+        </p:nvSpPr>
+        <p:spPr>
+          <a:xfrm>
+            <a:off x="135467" y="5283200"/>
+            <a:ext cx="3759200" cy="948267"/>
+          </a:xfrm>
+          <a:prstGeom prst="can">
+            <a:avLst/>
+          </a:prstGeom>
+        </p:spPr>
+        <p:style>
+          <a:lnRef idx="2">
+            <a:schemeClr val="accent1">
+              <a:shade val="15000"/>
+            </a:schemeClr>
+          </a:lnRef>
+          <a:fillRef idx="1">
+            <a:schemeClr val="accent1"/>
+          </a:fillRef>
+          <a:effectRef idx="0">
+            <a:schemeClr val="accent1"/>
+          </a:effectRef>
+          <a:fontRef idx="minor">
+            <a:schemeClr val="lt1"/>
+          </a:fontRef>
+        </p:style>
+        <p:txBody>
+          <a:bodyPr rtlCol="0" anchor="ctr"/>
+          <a:lstStyle/>
+          <a:p>
+            <a:pPr algn="ctr"/>
+            <a:r>
+              <a:rPr lang="en-US" b="1" dirty="0"/>
+              <a:t>NGRX Store for Application State</a:t>
+            </a:r>
+            <a:endParaRPr lang="en-IN" b="1" dirty="0"/>
+          </a:p>
+        </p:txBody>
+      </p:sp>
+      <p:sp>
+        <p:nvSpPr>
+          <p:cNvPr id="17" name="Arrow: Bent 16">
+            <a:extLst>
+              <a:ext uri="{FF2B5EF4-FFF2-40B4-BE49-F238E27FC236}">
+                <a16:creationId xmlns:a16="http://schemas.microsoft.com/office/drawing/2014/main" id="{82553128-DCA3-D12A-728C-AC1418A0D5F5}"/>
+              </a:ext>
+            </a:extLst>
+          </p:cNvPr>
+          <p:cNvSpPr/>
+          <p:nvPr/>
+        </p:nvSpPr>
+        <p:spPr>
+          <a:xfrm rot="10800000">
+            <a:off x="3970866" y="5185833"/>
+            <a:ext cx="897467" cy="718235"/>
+          </a:xfrm>
+          <a:prstGeom prst="bentArrow">
+            <a:avLst/>
+          </a:prstGeom>
+        </p:spPr>
+        <p:style>
+          <a:lnRef idx="2">
+            <a:schemeClr val="accent1">
+              <a:shade val="15000"/>
+            </a:schemeClr>
+          </a:lnRef>
+          <a:fillRef idx="1">
+            <a:schemeClr val="accent1"/>
+          </a:fillRef>
+          <a:effectRef idx="0">
+            <a:schemeClr val="accent1"/>
+          </a:effectRef>
+          <a:fontRef idx="minor">
+            <a:schemeClr val="lt1"/>
+          </a:fontRef>
+        </p:style>
+        <p:txBody>
+          <a:bodyPr rtlCol="0" anchor="ctr"/>
+          <a:lstStyle/>
+          <a:p>
+            <a:pPr algn="ctr"/>
+            <a:endParaRPr lang="en-IN">
+              <a:solidFill>
+                <a:schemeClr val="tx1"/>
+              </a:solidFill>
+            </a:endParaRPr>
+          </a:p>
+        </p:txBody>
+      </p:sp>
+      <p:sp>
+        <p:nvSpPr>
+          <p:cNvPr id="18" name="Rectangle 17">
+            <a:extLst>
+              <a:ext uri="{FF2B5EF4-FFF2-40B4-BE49-F238E27FC236}">
+                <a16:creationId xmlns:a16="http://schemas.microsoft.com/office/drawing/2014/main" id="{316B1275-01CC-4567-61C0-068B5EAEEFCE}"/>
+              </a:ext>
+            </a:extLst>
+          </p:cNvPr>
+          <p:cNvSpPr/>
+          <p:nvPr/>
+        </p:nvSpPr>
+        <p:spPr>
+          <a:xfrm>
+            <a:off x="93134" y="3022602"/>
+            <a:ext cx="1532466" cy="948267"/>
+          </a:xfrm>
+          <a:prstGeom prst="rect">
+            <a:avLst/>
+          </a:prstGeom>
+        </p:spPr>
+        <p:style>
+          <a:lnRef idx="2">
+            <a:schemeClr val="accent1">
+              <a:shade val="15000"/>
+            </a:schemeClr>
+          </a:lnRef>
+          <a:fillRef idx="1">
+            <a:schemeClr val="accent1"/>
+          </a:fillRef>
+          <a:effectRef idx="0">
+            <a:schemeClr val="accent1"/>
+          </a:effectRef>
+          <a:fontRef idx="minor">
+            <a:schemeClr val="lt1"/>
+          </a:fontRef>
+        </p:style>
+        <p:txBody>
+          <a:bodyPr rtlCol="0" anchor="ctr"/>
+          <a:lstStyle/>
+          <a:p>
+            <a:pPr algn="ctr"/>
+            <a:r>
+              <a:rPr lang="en-US" dirty="0"/>
+              <a:t>Comp 2</a:t>
+            </a:r>
+            <a:endParaRPr lang="en-IN" dirty="0"/>
+          </a:p>
+        </p:txBody>
+      </p:sp>
+      <p:cxnSp>
+        <p:nvCxnSpPr>
+          <p:cNvPr id="20" name="Connector: Elbow 19">
+            <a:extLst>
+              <a:ext uri="{FF2B5EF4-FFF2-40B4-BE49-F238E27FC236}">
+                <a16:creationId xmlns:a16="http://schemas.microsoft.com/office/drawing/2014/main" id="{28909645-A517-6F9C-A7CD-8FEDB8328428}"/>
+              </a:ext>
+            </a:extLst>
+          </p:cNvPr>
+          <p:cNvCxnSpPr>
+            <a:cxnSpLocks/>
+            <a:stCxn id="2" idx="2"/>
+            <a:endCxn id="31" idx="3"/>
+          </p:cNvCxnSpPr>
+          <p:nvPr/>
+        </p:nvCxnSpPr>
+        <p:spPr>
+          <a:xfrm rot="16200000" flipH="1">
+            <a:off x="293873" y="1877826"/>
+            <a:ext cx="3670984" cy="2455331"/>
+          </a:xfrm>
+          <a:prstGeom prst="bentConnector4">
+            <a:avLst>
+              <a:gd name="adj1" fmla="val 46665"/>
+              <a:gd name="adj2" fmla="val 109310"/>
+            </a:avLst>
+          </a:prstGeom>
+          <a:ln>
+            <a:tailEnd type="triangle"/>
+          </a:ln>
+        </p:spPr>
+        <p:style>
+          <a:lnRef idx="2">
+            <a:schemeClr val="dk1"/>
+          </a:lnRef>
+          <a:fillRef idx="0">
+            <a:schemeClr val="dk1"/>
+          </a:fillRef>
+          <a:effectRef idx="1">
+            <a:schemeClr val="dk1"/>
+          </a:effectRef>
+          <a:fontRef idx="minor">
+            <a:schemeClr val="tx1"/>
+          </a:fontRef>
+        </p:style>
+      </p:cxnSp>
+      <p:cxnSp>
+        <p:nvCxnSpPr>
+          <p:cNvPr id="23" name="Connector: Elbow 22">
+            <a:extLst>
+              <a:ext uri="{FF2B5EF4-FFF2-40B4-BE49-F238E27FC236}">
+                <a16:creationId xmlns:a16="http://schemas.microsoft.com/office/drawing/2014/main" id="{D9E9FF64-2039-BD13-63C4-E929A0356B9D}"/>
+              </a:ext>
+            </a:extLst>
+          </p:cNvPr>
+          <p:cNvCxnSpPr>
+            <a:cxnSpLocks/>
+            <a:stCxn id="18" idx="2"/>
+            <a:endCxn id="31" idx="0"/>
+          </p:cNvCxnSpPr>
+          <p:nvPr/>
+        </p:nvCxnSpPr>
+        <p:spPr>
+          <a:xfrm rot="16200000" flipH="1">
+            <a:off x="1387320" y="3442915"/>
+            <a:ext cx="725266" cy="1781173"/>
+          </a:xfrm>
+          <a:prstGeom prst="bentConnector3">
+            <a:avLst>
+              <a:gd name="adj1" fmla="val 50000"/>
+            </a:avLst>
+          </a:prstGeom>
+          <a:ln>
+            <a:tailEnd type="triangle"/>
+          </a:ln>
+        </p:spPr>
+        <p:style>
+          <a:lnRef idx="2">
+            <a:schemeClr val="dk1"/>
+          </a:lnRef>
+          <a:fillRef idx="0">
+            <a:schemeClr val="dk1"/>
+          </a:fillRef>
+          <a:effectRef idx="1">
+            <a:schemeClr val="dk1"/>
+          </a:effectRef>
+          <a:fontRef idx="minor">
+            <a:schemeClr val="tx1"/>
+          </a:fontRef>
+        </p:style>
+      </p:cxnSp>
+      <p:sp>
+        <p:nvSpPr>
+          <p:cNvPr id="24" name="TextBox 23">
+            <a:extLst>
+              <a:ext uri="{FF2B5EF4-FFF2-40B4-BE49-F238E27FC236}">
+                <a16:creationId xmlns:a16="http://schemas.microsoft.com/office/drawing/2014/main" id="{BB523EFB-C566-3F5D-F2F7-1F68C37C95EC}"/>
+              </a:ext>
+            </a:extLst>
+          </p:cNvPr>
+          <p:cNvSpPr txBox="1"/>
+          <p:nvPr/>
+        </p:nvSpPr>
+        <p:spPr>
+          <a:xfrm>
+            <a:off x="1496482" y="3922869"/>
+            <a:ext cx="2336802" cy="369332"/>
+          </a:xfrm>
+          <a:prstGeom prst="rect">
+            <a:avLst/>
+          </a:prstGeom>
+          <a:noFill/>
+          <a:ln>
+            <a:solidFill>
+              <a:schemeClr val="tx2"/>
+            </a:solidFill>
+          </a:ln>
+        </p:spPr>
+        <p:txBody>
+          <a:bodyPr wrap="square" rtlCol="0">
+            <a:spAutoFit/>
+          </a:bodyPr>
+          <a:lstStyle/>
+          <a:p>
+            <a:pPr algn="ctr"/>
+            <a:r>
+              <a:rPr lang="en-US" b="1" dirty="0"/>
+              <a:t>Store Subscription</a:t>
+            </a:r>
+            <a:endParaRPr lang="en-IN" b="1" dirty="0"/>
+          </a:p>
+        </p:txBody>
+      </p:sp>
+      <p:cxnSp>
+        <p:nvCxnSpPr>
+          <p:cNvPr id="26" name="Connector: Elbow 25">
+            <a:extLst>
+              <a:ext uri="{FF2B5EF4-FFF2-40B4-BE49-F238E27FC236}">
+                <a16:creationId xmlns:a16="http://schemas.microsoft.com/office/drawing/2014/main" id="{CD7EF0AB-B790-C422-BD2D-1C89B6E6E559}"/>
+              </a:ext>
+            </a:extLst>
+          </p:cNvPr>
+          <p:cNvCxnSpPr>
+            <a:stCxn id="16" idx="2"/>
+            <a:endCxn id="18" idx="2"/>
+          </p:cNvCxnSpPr>
+          <p:nvPr/>
+        </p:nvCxnSpPr>
+        <p:spPr>
+          <a:xfrm rot="10800000" flipH="1">
+            <a:off x="135467" y="3970870"/>
+            <a:ext cx="723900" cy="1786465"/>
+          </a:xfrm>
+          <a:prstGeom prst="bentConnector4">
+            <a:avLst>
+              <a:gd name="adj1" fmla="val -9357"/>
+              <a:gd name="adj2" fmla="val 63270"/>
+            </a:avLst>
+          </a:prstGeom>
+          <a:ln>
+            <a:tailEnd type="triangle"/>
+          </a:ln>
+        </p:spPr>
+        <p:style>
+          <a:lnRef idx="2">
+            <a:schemeClr val="accent1"/>
+          </a:lnRef>
+          <a:fillRef idx="0">
+            <a:schemeClr val="accent1"/>
+          </a:fillRef>
+          <a:effectRef idx="1">
+            <a:schemeClr val="accent1"/>
+          </a:effectRef>
+          <a:fontRef idx="minor">
+            <a:schemeClr val="tx1"/>
+          </a:fontRef>
+        </p:style>
+      </p:cxnSp>
+      <p:sp>
+        <p:nvSpPr>
+          <p:cNvPr id="28" name="TextBox 27">
+            <a:extLst>
+              <a:ext uri="{FF2B5EF4-FFF2-40B4-BE49-F238E27FC236}">
+                <a16:creationId xmlns:a16="http://schemas.microsoft.com/office/drawing/2014/main" id="{2737F750-B84C-0067-F9EF-7706DB1B3529}"/>
+              </a:ext>
+            </a:extLst>
+          </p:cNvPr>
+          <p:cNvSpPr txBox="1"/>
+          <p:nvPr/>
+        </p:nvSpPr>
+        <p:spPr>
+          <a:xfrm>
+            <a:off x="33871" y="4696135"/>
+            <a:ext cx="1439331" cy="646331"/>
+          </a:xfrm>
+          <a:prstGeom prst="rect">
+            <a:avLst/>
+          </a:prstGeom>
+          <a:noFill/>
+          <a:ln>
+            <a:solidFill>
+              <a:schemeClr val="tx2"/>
+            </a:solidFill>
+          </a:ln>
+        </p:spPr>
+        <p:txBody>
+          <a:bodyPr wrap="square" rtlCol="0">
+            <a:spAutoFit/>
+          </a:bodyPr>
+          <a:lstStyle/>
+          <a:p>
+            <a:pPr algn="ctr"/>
+            <a:r>
+              <a:rPr lang="en-US" b="1" dirty="0"/>
+              <a:t>Data from Store</a:t>
+            </a:r>
+            <a:endParaRPr lang="en-IN" b="1" dirty="0"/>
+          </a:p>
+        </p:txBody>
+      </p:sp>
+      <p:sp>
+        <p:nvSpPr>
+          <p:cNvPr id="31" name="Rectangle 30">
+            <a:extLst>
+              <a:ext uri="{FF2B5EF4-FFF2-40B4-BE49-F238E27FC236}">
+                <a16:creationId xmlns:a16="http://schemas.microsoft.com/office/drawing/2014/main" id="{1CE61286-144A-BDBF-D5BF-49B8E0C0DA4D}"/>
+              </a:ext>
+            </a:extLst>
+          </p:cNvPr>
+          <p:cNvSpPr/>
+          <p:nvPr/>
+        </p:nvSpPr>
+        <p:spPr>
+          <a:xfrm>
+            <a:off x="1924049" y="4696135"/>
+            <a:ext cx="1432982" cy="489698"/>
+          </a:xfrm>
+          <a:prstGeom prst="rect">
+            <a:avLst/>
+          </a:prstGeom>
+        </p:spPr>
+        <p:style>
+          <a:lnRef idx="2">
+            <a:schemeClr val="accent1">
+              <a:shade val="15000"/>
+            </a:schemeClr>
+          </a:lnRef>
+          <a:fillRef idx="1">
+            <a:schemeClr val="accent1"/>
+          </a:fillRef>
+          <a:effectRef idx="0">
+            <a:schemeClr val="accent1"/>
+          </a:effectRef>
+          <a:fontRef idx="minor">
+            <a:schemeClr val="lt1"/>
+          </a:fontRef>
+        </p:style>
+        <p:txBody>
+          <a:bodyPr rtlCol="0" anchor="ctr"/>
+          <a:lstStyle/>
+          <a:p>
+            <a:pPr algn="ctr"/>
+            <a:r>
+              <a:rPr lang="en-US" b="1" dirty="0"/>
+              <a:t>Selector</a:t>
+            </a:r>
+            <a:endParaRPr lang="en-IN" b="1" dirty="0"/>
+          </a:p>
+        </p:txBody>
+      </p:sp>
+      <p:sp>
+        <p:nvSpPr>
+          <p:cNvPr id="34" name="Arrow: Up 33">
+            <a:extLst>
+              <a:ext uri="{FF2B5EF4-FFF2-40B4-BE49-F238E27FC236}">
+                <a16:creationId xmlns:a16="http://schemas.microsoft.com/office/drawing/2014/main" id="{1CBE34A1-8586-1990-5C3B-B232909C65FB}"/>
+              </a:ext>
+            </a:extLst>
+          </p:cNvPr>
+          <p:cNvSpPr/>
+          <p:nvPr/>
+        </p:nvSpPr>
+        <p:spPr>
+          <a:xfrm>
+            <a:off x="2565400" y="5185833"/>
+            <a:ext cx="347134" cy="241300"/>
+          </a:xfrm>
+          <a:prstGeom prst="upArrow">
+            <a:avLst/>
+          </a:prstGeom>
+        </p:spPr>
+        <p:style>
+          <a:lnRef idx="2">
+            <a:schemeClr val="accent1">
+              <a:shade val="15000"/>
+            </a:schemeClr>
+          </a:lnRef>
+          <a:fillRef idx="1">
+            <a:schemeClr val="accent1"/>
+          </a:fillRef>
+          <a:effectRef idx="0">
+            <a:schemeClr val="accent1"/>
+          </a:effectRef>
+          <a:fontRef idx="minor">
+            <a:schemeClr val="lt1"/>
+          </a:fontRef>
+        </p:style>
+        <p:txBody>
+          <a:bodyPr rtlCol="0" anchor="ctr"/>
+          <a:lstStyle/>
+          <a:p>
+            <a:pPr algn="ctr"/>
+            <a:endParaRPr lang="en-IN"/>
+          </a:p>
+        </p:txBody>
+      </p:sp>
+    </p:spTree>
+    <p:extLst>
+      <p:ext uri="{BB962C8B-B14F-4D97-AF65-F5344CB8AC3E}">
+        <p14:creationId xmlns:p14="http://schemas.microsoft.com/office/powerpoint/2010/main" val="2709328172"/>
       </p:ext>
     </p:extLst>
   </p:cSld>

--- a/my-ng-app/Angular_Training_Images.pptx
+++ b/my-ng-app/Angular_Training_Images.pptx
@@ -5,7 +5,7 @@
     <p:sldMasterId id="2147483648" r:id="rId1"/>
   </p:sldMasterIdLst>
   <p:notesMasterIdLst>
-    <p:notesMasterId r:id="rId46"/>
+    <p:notesMasterId r:id="rId49"/>
   </p:notesMasterIdLst>
   <p:sldIdLst>
     <p:sldId id="256" r:id="rId2"/>
@@ -52,6 +52,9 @@
     <p:sldId id="297" r:id="rId43"/>
     <p:sldId id="298" r:id="rId44"/>
     <p:sldId id="299" r:id="rId45"/>
+    <p:sldId id="300" r:id="rId46"/>
+    <p:sldId id="301" r:id="rId47"/>
+    <p:sldId id="302" r:id="rId48"/>
   </p:sldIdLst>
   <p:sldSz cx="12192000" cy="6858000"/>
   <p:notesSz cx="6858000" cy="9144000"/>
@@ -240,7 +243,7 @@
           <a:p>
             <a:fld id="{DF93E0C2-E96E-4876-AC08-E4ADA015AFF5}" type="datetimeFigureOut">
               <a:rPr lang="en-IN" smtClean="0"/>
-              <a:t>25-04-2024</a:t>
+              <a:t>29-04-2024</a:t>
             </a:fld>
             <a:endParaRPr lang="en-IN"/>
           </a:p>
@@ -741,7 +744,7 @@
           <a:p>
             <a:fld id="{35E7C7C1-050F-4B17-8FDC-37C455263954}" type="datetimeFigureOut">
               <a:rPr lang="en-IN" smtClean="0"/>
-              <a:t>25-04-2024</a:t>
+              <a:t>29-04-2024</a:t>
             </a:fld>
             <a:endParaRPr lang="en-IN"/>
           </a:p>
@@ -941,7 +944,7 @@
           <a:p>
             <a:fld id="{35E7C7C1-050F-4B17-8FDC-37C455263954}" type="datetimeFigureOut">
               <a:rPr lang="en-IN" smtClean="0"/>
-              <a:t>25-04-2024</a:t>
+              <a:t>29-04-2024</a:t>
             </a:fld>
             <a:endParaRPr lang="en-IN"/>
           </a:p>
@@ -1151,7 +1154,7 @@
           <a:p>
             <a:fld id="{35E7C7C1-050F-4B17-8FDC-37C455263954}" type="datetimeFigureOut">
               <a:rPr lang="en-IN" smtClean="0"/>
-              <a:t>25-04-2024</a:t>
+              <a:t>29-04-2024</a:t>
             </a:fld>
             <a:endParaRPr lang="en-IN"/>
           </a:p>
@@ -1351,7 +1354,7 @@
           <a:p>
             <a:fld id="{35E7C7C1-050F-4B17-8FDC-37C455263954}" type="datetimeFigureOut">
               <a:rPr lang="en-IN" smtClean="0"/>
-              <a:t>25-04-2024</a:t>
+              <a:t>29-04-2024</a:t>
             </a:fld>
             <a:endParaRPr lang="en-IN"/>
           </a:p>
@@ -1627,7 +1630,7 @@
           <a:p>
             <a:fld id="{35E7C7C1-050F-4B17-8FDC-37C455263954}" type="datetimeFigureOut">
               <a:rPr lang="en-IN" smtClean="0"/>
-              <a:t>25-04-2024</a:t>
+              <a:t>29-04-2024</a:t>
             </a:fld>
             <a:endParaRPr lang="en-IN"/>
           </a:p>
@@ -1895,7 +1898,7 @@
           <a:p>
             <a:fld id="{35E7C7C1-050F-4B17-8FDC-37C455263954}" type="datetimeFigureOut">
               <a:rPr lang="en-IN" smtClean="0"/>
-              <a:t>25-04-2024</a:t>
+              <a:t>29-04-2024</a:t>
             </a:fld>
             <a:endParaRPr lang="en-IN"/>
           </a:p>
@@ -2310,7 +2313,7 @@
           <a:p>
             <a:fld id="{35E7C7C1-050F-4B17-8FDC-37C455263954}" type="datetimeFigureOut">
               <a:rPr lang="en-IN" smtClean="0"/>
-              <a:t>25-04-2024</a:t>
+              <a:t>29-04-2024</a:t>
             </a:fld>
             <a:endParaRPr lang="en-IN"/>
           </a:p>
@@ -2452,7 +2455,7 @@
           <a:p>
             <a:fld id="{35E7C7C1-050F-4B17-8FDC-37C455263954}" type="datetimeFigureOut">
               <a:rPr lang="en-IN" smtClean="0"/>
-              <a:t>25-04-2024</a:t>
+              <a:t>29-04-2024</a:t>
             </a:fld>
             <a:endParaRPr lang="en-IN"/>
           </a:p>
@@ -2565,7 +2568,7 @@
           <a:p>
             <a:fld id="{35E7C7C1-050F-4B17-8FDC-37C455263954}" type="datetimeFigureOut">
               <a:rPr lang="en-IN" smtClean="0"/>
-              <a:t>25-04-2024</a:t>
+              <a:t>29-04-2024</a:t>
             </a:fld>
             <a:endParaRPr lang="en-IN"/>
           </a:p>
@@ -2878,7 +2881,7 @@
           <a:p>
             <a:fld id="{35E7C7C1-050F-4B17-8FDC-37C455263954}" type="datetimeFigureOut">
               <a:rPr lang="en-IN" smtClean="0"/>
-              <a:t>25-04-2024</a:t>
+              <a:t>29-04-2024</a:t>
             </a:fld>
             <a:endParaRPr lang="en-IN"/>
           </a:p>
@@ -3167,7 +3170,7 @@
           <a:p>
             <a:fld id="{35E7C7C1-050F-4B17-8FDC-37C455263954}" type="datetimeFigureOut">
               <a:rPr lang="en-IN" smtClean="0"/>
-              <a:t>25-04-2024</a:t>
+              <a:t>29-04-2024</a:t>
             </a:fld>
             <a:endParaRPr lang="en-IN"/>
           </a:p>
@@ -3410,7 +3413,7 @@
           <a:p>
             <a:fld id="{35E7C7C1-050F-4B17-8FDC-37C455263954}" type="datetimeFigureOut">
               <a:rPr lang="en-IN" smtClean="0"/>
-              <a:t>25-04-2024</a:t>
+              <a:t>29-04-2024</a:t>
             </a:fld>
             <a:endParaRPr lang="en-IN"/>
           </a:p>
@@ -33628,6 +33631,2625 @@
     <p:extLst>
       <p:ext uri="{BB962C8B-B14F-4D97-AF65-F5344CB8AC3E}">
         <p14:creationId xmlns:p14="http://schemas.microsoft.com/office/powerpoint/2010/main" val="2709328172"/>
+      </p:ext>
+    </p:extLst>
+  </p:cSld>
+  <p:clrMapOvr>
+    <a:masterClrMapping/>
+  </p:clrMapOvr>
+</p:sld>
+</file>
+
+<file path=ppt/slides/slide45.xml><?xml version="1.0" encoding="utf-8"?>
+<p:sld xmlns:a="http://schemas.openxmlformats.org/drawingml/2006/main" xmlns:r="http://schemas.openxmlformats.org/officeDocument/2006/relationships" xmlns:p="http://schemas.openxmlformats.org/presentationml/2006/main">
+  <p:cSld>
+    <p:spTree>
+      <p:nvGrpSpPr>
+        <p:cNvPr id="1" name=""/>
+        <p:cNvGrpSpPr/>
+        <p:nvPr/>
+      </p:nvGrpSpPr>
+      <p:grpSpPr>
+        <a:xfrm>
+          <a:off x="0" y="0"/>
+          <a:ext cx="0" cy="0"/>
+          <a:chOff x="0" y="0"/>
+          <a:chExt cx="0" cy="0"/>
+        </a:xfrm>
+      </p:grpSpPr>
+      <p:sp>
+        <p:nvSpPr>
+          <p:cNvPr id="2" name="Rectangle 1">
+            <a:extLst>
+              <a:ext uri="{FF2B5EF4-FFF2-40B4-BE49-F238E27FC236}">
+                <a16:creationId xmlns:a16="http://schemas.microsoft.com/office/drawing/2014/main" id="{6E3878FA-3B71-C77D-1669-69221A954A9C}"/>
+              </a:ext>
+            </a:extLst>
+          </p:cNvPr>
+          <p:cNvSpPr/>
+          <p:nvPr/>
+        </p:nvSpPr>
+        <p:spPr>
+          <a:xfrm>
+            <a:off x="465667" y="4792133"/>
+            <a:ext cx="11590866" cy="1388534"/>
+          </a:xfrm>
+          <a:prstGeom prst="rect">
+            <a:avLst/>
+          </a:prstGeom>
+        </p:spPr>
+        <p:style>
+          <a:lnRef idx="2">
+            <a:schemeClr val="accent1">
+              <a:shade val="15000"/>
+            </a:schemeClr>
+          </a:lnRef>
+          <a:fillRef idx="1">
+            <a:schemeClr val="accent1"/>
+          </a:fillRef>
+          <a:effectRef idx="0">
+            <a:schemeClr val="accent1"/>
+          </a:effectRef>
+          <a:fontRef idx="minor">
+            <a:schemeClr val="lt1"/>
+          </a:fontRef>
+        </p:style>
+        <p:txBody>
+          <a:bodyPr rtlCol="0" anchor="ctr"/>
+          <a:lstStyle/>
+          <a:p>
+            <a:pPr algn="ctr"/>
+            <a:r>
+              <a:rPr lang="en-IN" b="1" dirty="0"/>
+              <a:t>Shell Application</a:t>
+            </a:r>
+          </a:p>
+          <a:p>
+            <a:pPr algn="ctr"/>
+            <a:r>
+              <a:rPr lang="en-IN" b="1" dirty="0"/>
+              <a:t>Module Federation</a:t>
+            </a:r>
+          </a:p>
+        </p:txBody>
+      </p:sp>
+      <p:sp>
+        <p:nvSpPr>
+          <p:cNvPr id="3" name="Rectangle 2">
+            <a:extLst>
+              <a:ext uri="{FF2B5EF4-FFF2-40B4-BE49-F238E27FC236}">
+                <a16:creationId xmlns:a16="http://schemas.microsoft.com/office/drawing/2014/main" id="{79167FA4-57A8-05D8-C1A5-6BCEF98ECA62}"/>
+              </a:ext>
+            </a:extLst>
+          </p:cNvPr>
+          <p:cNvSpPr/>
+          <p:nvPr/>
+        </p:nvSpPr>
+        <p:spPr>
+          <a:xfrm>
+            <a:off x="4284133" y="677333"/>
+            <a:ext cx="4030134" cy="4114800"/>
+          </a:xfrm>
+          <a:prstGeom prst="rect">
+            <a:avLst/>
+          </a:prstGeom>
+        </p:spPr>
+        <p:style>
+          <a:lnRef idx="2">
+            <a:schemeClr val="accent2"/>
+          </a:lnRef>
+          <a:fillRef idx="1">
+            <a:schemeClr val="lt1"/>
+          </a:fillRef>
+          <a:effectRef idx="0">
+            <a:schemeClr val="accent2"/>
+          </a:effectRef>
+          <a:fontRef idx="minor">
+            <a:schemeClr val="dk1"/>
+          </a:fontRef>
+        </p:style>
+        <p:txBody>
+          <a:bodyPr rtlCol="0" anchor="ctr"/>
+          <a:lstStyle/>
+          <a:p>
+            <a:pPr algn="ctr"/>
+            <a:endParaRPr lang="en-IN"/>
+          </a:p>
+        </p:txBody>
+      </p:sp>
+      <p:sp>
+        <p:nvSpPr>
+          <p:cNvPr id="4" name="TextBox 3">
+            <a:extLst>
+              <a:ext uri="{FF2B5EF4-FFF2-40B4-BE49-F238E27FC236}">
+                <a16:creationId xmlns:a16="http://schemas.microsoft.com/office/drawing/2014/main" id="{44644282-62FF-154D-EC52-390D005AAED2}"/>
+              </a:ext>
+            </a:extLst>
+          </p:cNvPr>
+          <p:cNvSpPr txBox="1"/>
+          <p:nvPr/>
+        </p:nvSpPr>
+        <p:spPr>
+          <a:xfrm>
+            <a:off x="4284133" y="795867"/>
+            <a:ext cx="4030134" cy="369332"/>
+          </a:xfrm>
+          <a:prstGeom prst="rect">
+            <a:avLst/>
+          </a:prstGeom>
+          <a:noFill/>
+          <a:ln>
+            <a:solidFill>
+              <a:schemeClr val="accent1"/>
+            </a:solidFill>
+          </a:ln>
+        </p:spPr>
+        <p:txBody>
+          <a:bodyPr wrap="square" rtlCol="0">
+            <a:spAutoFit/>
+          </a:bodyPr>
+          <a:lstStyle/>
+          <a:p>
+            <a:pPr algn="ctr"/>
+            <a:r>
+              <a:rPr lang="en-IN" b="1" dirty="0"/>
+              <a:t>Landing Page</a:t>
+            </a:r>
+          </a:p>
+        </p:txBody>
+      </p:sp>
+      <p:sp>
+        <p:nvSpPr>
+          <p:cNvPr id="5" name="Rectangle 4">
+            <a:extLst>
+              <a:ext uri="{FF2B5EF4-FFF2-40B4-BE49-F238E27FC236}">
+                <a16:creationId xmlns:a16="http://schemas.microsoft.com/office/drawing/2014/main" id="{BB3033E1-DC09-0AC1-5F0E-F27F02D2E9E2}"/>
+              </a:ext>
+            </a:extLst>
+          </p:cNvPr>
+          <p:cNvSpPr/>
+          <p:nvPr/>
+        </p:nvSpPr>
+        <p:spPr>
+          <a:xfrm>
+            <a:off x="110067" y="262467"/>
+            <a:ext cx="1752600" cy="829733"/>
+          </a:xfrm>
+          <a:prstGeom prst="rect">
+            <a:avLst/>
+          </a:prstGeom>
+        </p:spPr>
+        <p:style>
+          <a:lnRef idx="2">
+            <a:schemeClr val="accent1">
+              <a:shade val="15000"/>
+            </a:schemeClr>
+          </a:lnRef>
+          <a:fillRef idx="1">
+            <a:schemeClr val="accent1"/>
+          </a:fillRef>
+          <a:effectRef idx="0">
+            <a:schemeClr val="accent1"/>
+          </a:effectRef>
+          <a:fontRef idx="minor">
+            <a:schemeClr val="lt1"/>
+          </a:fontRef>
+        </p:style>
+        <p:txBody>
+          <a:bodyPr rtlCol="0" anchor="ctr"/>
+          <a:lstStyle/>
+          <a:p>
+            <a:pPr algn="ctr"/>
+            <a:r>
+              <a:rPr lang="en-IN" dirty="0"/>
+              <a:t>Lib 1</a:t>
+            </a:r>
+          </a:p>
+          <a:p>
+            <a:pPr algn="ctr"/>
+            <a:r>
+              <a:rPr lang="en-IN" sz="1600" b="1" dirty="0"/>
+              <a:t>Server1/index.js</a:t>
+            </a:r>
+          </a:p>
+        </p:txBody>
+      </p:sp>
+      <p:sp>
+        <p:nvSpPr>
+          <p:cNvPr id="6" name="Rectangle 5">
+            <a:extLst>
+              <a:ext uri="{FF2B5EF4-FFF2-40B4-BE49-F238E27FC236}">
+                <a16:creationId xmlns:a16="http://schemas.microsoft.com/office/drawing/2014/main" id="{7C2C7884-7F93-CE89-DEDF-65E260976C71}"/>
+              </a:ext>
+            </a:extLst>
+          </p:cNvPr>
+          <p:cNvSpPr/>
+          <p:nvPr/>
+        </p:nvSpPr>
+        <p:spPr>
+          <a:xfrm>
+            <a:off x="605368" y="1695027"/>
+            <a:ext cx="1752600" cy="829733"/>
+          </a:xfrm>
+          <a:prstGeom prst="rect">
+            <a:avLst/>
+          </a:prstGeom>
+        </p:spPr>
+        <p:style>
+          <a:lnRef idx="2">
+            <a:schemeClr val="accent1">
+              <a:shade val="15000"/>
+            </a:schemeClr>
+          </a:lnRef>
+          <a:fillRef idx="1">
+            <a:schemeClr val="accent1"/>
+          </a:fillRef>
+          <a:effectRef idx="0">
+            <a:schemeClr val="accent1"/>
+          </a:effectRef>
+          <a:fontRef idx="minor">
+            <a:schemeClr val="lt1"/>
+          </a:fontRef>
+        </p:style>
+        <p:txBody>
+          <a:bodyPr rtlCol="0" anchor="ctr"/>
+          <a:lstStyle/>
+          <a:p>
+            <a:pPr algn="ctr"/>
+            <a:r>
+              <a:rPr lang="en-IN" dirty="0"/>
+              <a:t>Lib 2</a:t>
+            </a:r>
+          </a:p>
+          <a:p>
+            <a:pPr algn="ctr"/>
+            <a:r>
+              <a:rPr lang="en-IN" sz="1600" b="1" dirty="0"/>
+              <a:t>Server2/index.js</a:t>
+            </a:r>
+          </a:p>
+        </p:txBody>
+      </p:sp>
+      <p:sp>
+        <p:nvSpPr>
+          <p:cNvPr id="7" name="Rectangle 6">
+            <a:extLst>
+              <a:ext uri="{FF2B5EF4-FFF2-40B4-BE49-F238E27FC236}">
+                <a16:creationId xmlns:a16="http://schemas.microsoft.com/office/drawing/2014/main" id="{18579681-7D98-8AC1-A2AE-945279693B8B}"/>
+              </a:ext>
+            </a:extLst>
+          </p:cNvPr>
+          <p:cNvSpPr/>
+          <p:nvPr/>
+        </p:nvSpPr>
+        <p:spPr>
+          <a:xfrm>
+            <a:off x="10329333" y="335466"/>
+            <a:ext cx="1752600" cy="829733"/>
+          </a:xfrm>
+          <a:prstGeom prst="rect">
+            <a:avLst/>
+          </a:prstGeom>
+        </p:spPr>
+        <p:style>
+          <a:lnRef idx="2">
+            <a:schemeClr val="accent1">
+              <a:shade val="15000"/>
+            </a:schemeClr>
+          </a:lnRef>
+          <a:fillRef idx="1">
+            <a:schemeClr val="accent1"/>
+          </a:fillRef>
+          <a:effectRef idx="0">
+            <a:schemeClr val="accent1"/>
+          </a:effectRef>
+          <a:fontRef idx="minor">
+            <a:schemeClr val="lt1"/>
+          </a:fontRef>
+        </p:style>
+        <p:txBody>
+          <a:bodyPr rtlCol="0" anchor="ctr"/>
+          <a:lstStyle/>
+          <a:p>
+            <a:pPr algn="ctr"/>
+            <a:r>
+              <a:rPr lang="en-IN" dirty="0"/>
+              <a:t>Lib 3</a:t>
+            </a:r>
+          </a:p>
+          <a:p>
+            <a:pPr algn="ctr"/>
+            <a:r>
+              <a:rPr lang="en-IN" sz="1600" b="1" dirty="0"/>
+              <a:t>Server3/index.js</a:t>
+            </a:r>
+          </a:p>
+        </p:txBody>
+      </p:sp>
+      <p:sp>
+        <p:nvSpPr>
+          <p:cNvPr id="8" name="Rectangle 7">
+            <a:extLst>
+              <a:ext uri="{FF2B5EF4-FFF2-40B4-BE49-F238E27FC236}">
+                <a16:creationId xmlns:a16="http://schemas.microsoft.com/office/drawing/2014/main" id="{9A0259A7-D050-142F-ADFC-8181BBE23FF7}"/>
+              </a:ext>
+            </a:extLst>
+          </p:cNvPr>
+          <p:cNvSpPr/>
+          <p:nvPr/>
+        </p:nvSpPr>
+        <p:spPr>
+          <a:xfrm>
+            <a:off x="9897533" y="1490134"/>
+            <a:ext cx="1752600" cy="829733"/>
+          </a:xfrm>
+          <a:prstGeom prst="rect">
+            <a:avLst/>
+          </a:prstGeom>
+        </p:spPr>
+        <p:style>
+          <a:lnRef idx="2">
+            <a:schemeClr val="accent1">
+              <a:shade val="15000"/>
+            </a:schemeClr>
+          </a:lnRef>
+          <a:fillRef idx="1">
+            <a:schemeClr val="accent1"/>
+          </a:fillRef>
+          <a:effectRef idx="0">
+            <a:schemeClr val="accent1"/>
+          </a:effectRef>
+          <a:fontRef idx="minor">
+            <a:schemeClr val="lt1"/>
+          </a:fontRef>
+        </p:style>
+        <p:txBody>
+          <a:bodyPr rtlCol="0" anchor="ctr"/>
+          <a:lstStyle/>
+          <a:p>
+            <a:pPr algn="ctr"/>
+            <a:r>
+              <a:rPr lang="en-IN" dirty="0"/>
+              <a:t>Lib 4</a:t>
+            </a:r>
+          </a:p>
+          <a:p>
+            <a:pPr algn="ctr"/>
+            <a:r>
+              <a:rPr lang="en-IN" sz="1600" b="1" dirty="0"/>
+              <a:t>Server4/index.js</a:t>
+            </a:r>
+          </a:p>
+        </p:txBody>
+      </p:sp>
+      <p:cxnSp>
+        <p:nvCxnSpPr>
+          <p:cNvPr id="10" name="Connector: Curved 9">
+            <a:extLst>
+              <a:ext uri="{FF2B5EF4-FFF2-40B4-BE49-F238E27FC236}">
+                <a16:creationId xmlns:a16="http://schemas.microsoft.com/office/drawing/2014/main" id="{C949B2B1-C7C4-2219-5C63-AF9072F87318}"/>
+              </a:ext>
+            </a:extLst>
+          </p:cNvPr>
+          <p:cNvCxnSpPr>
+            <a:stCxn id="5" idx="3"/>
+          </p:cNvCxnSpPr>
+          <p:nvPr/>
+        </p:nvCxnSpPr>
+        <p:spPr>
+          <a:xfrm>
+            <a:off x="1862667" y="677334"/>
+            <a:ext cx="1845733" cy="4114799"/>
+          </a:xfrm>
+          <a:prstGeom prst="curvedConnector2">
+            <a:avLst/>
+          </a:prstGeom>
+          <a:ln>
+            <a:tailEnd type="triangle"/>
+          </a:ln>
+        </p:spPr>
+        <p:style>
+          <a:lnRef idx="2">
+            <a:schemeClr val="accent1"/>
+          </a:lnRef>
+          <a:fillRef idx="0">
+            <a:schemeClr val="accent1"/>
+          </a:fillRef>
+          <a:effectRef idx="1">
+            <a:schemeClr val="accent1"/>
+          </a:effectRef>
+          <a:fontRef idx="minor">
+            <a:schemeClr val="tx1"/>
+          </a:fontRef>
+        </p:style>
+      </p:cxnSp>
+      <p:cxnSp>
+        <p:nvCxnSpPr>
+          <p:cNvPr id="12" name="Connector: Curved 11">
+            <a:extLst>
+              <a:ext uri="{FF2B5EF4-FFF2-40B4-BE49-F238E27FC236}">
+                <a16:creationId xmlns:a16="http://schemas.microsoft.com/office/drawing/2014/main" id="{B7116CF5-73B2-B3E5-02D0-871655A45B1D}"/>
+              </a:ext>
+            </a:extLst>
+          </p:cNvPr>
+          <p:cNvCxnSpPr>
+            <a:cxnSpLocks/>
+            <a:stCxn id="6" idx="3"/>
+          </p:cNvCxnSpPr>
+          <p:nvPr/>
+        </p:nvCxnSpPr>
+        <p:spPr>
+          <a:xfrm>
+            <a:off x="2357968" y="2109894"/>
+            <a:ext cx="944032" cy="2682238"/>
+          </a:xfrm>
+          <a:prstGeom prst="curvedConnector2">
+            <a:avLst/>
+          </a:prstGeom>
+          <a:ln>
+            <a:tailEnd type="triangle"/>
+          </a:ln>
+        </p:spPr>
+        <p:style>
+          <a:lnRef idx="2">
+            <a:schemeClr val="accent1"/>
+          </a:lnRef>
+          <a:fillRef idx="0">
+            <a:schemeClr val="accent1"/>
+          </a:fillRef>
+          <a:effectRef idx="1">
+            <a:schemeClr val="accent1"/>
+          </a:effectRef>
+          <a:fontRef idx="minor">
+            <a:schemeClr val="tx1"/>
+          </a:fontRef>
+        </p:style>
+      </p:cxnSp>
+      <p:cxnSp>
+        <p:nvCxnSpPr>
+          <p:cNvPr id="14" name="Connector: Curved 13">
+            <a:extLst>
+              <a:ext uri="{FF2B5EF4-FFF2-40B4-BE49-F238E27FC236}">
+                <a16:creationId xmlns:a16="http://schemas.microsoft.com/office/drawing/2014/main" id="{CFD85A5E-0342-0487-60B5-CA9D05AECD11}"/>
+              </a:ext>
+            </a:extLst>
+          </p:cNvPr>
+          <p:cNvCxnSpPr>
+            <a:stCxn id="7" idx="1"/>
+          </p:cNvCxnSpPr>
+          <p:nvPr/>
+        </p:nvCxnSpPr>
+        <p:spPr>
+          <a:xfrm rot="10800000" flipV="1">
+            <a:off x="8847667" y="750333"/>
+            <a:ext cx="1481666" cy="4041800"/>
+          </a:xfrm>
+          <a:prstGeom prst="curvedConnector2">
+            <a:avLst/>
+          </a:prstGeom>
+          <a:ln>
+            <a:tailEnd type="triangle"/>
+          </a:ln>
+        </p:spPr>
+        <p:style>
+          <a:lnRef idx="2">
+            <a:schemeClr val="accent1"/>
+          </a:lnRef>
+          <a:fillRef idx="0">
+            <a:schemeClr val="accent1"/>
+          </a:fillRef>
+          <a:effectRef idx="1">
+            <a:schemeClr val="accent1"/>
+          </a:effectRef>
+          <a:fontRef idx="minor">
+            <a:schemeClr val="tx1"/>
+          </a:fontRef>
+        </p:style>
+      </p:cxnSp>
+      <p:cxnSp>
+        <p:nvCxnSpPr>
+          <p:cNvPr id="16" name="Connector: Curved 15">
+            <a:extLst>
+              <a:ext uri="{FF2B5EF4-FFF2-40B4-BE49-F238E27FC236}">
+                <a16:creationId xmlns:a16="http://schemas.microsoft.com/office/drawing/2014/main" id="{7F19FE0A-21D3-57C1-AE67-766549C863F2}"/>
+              </a:ext>
+            </a:extLst>
+          </p:cNvPr>
+          <p:cNvCxnSpPr>
+            <a:stCxn id="8" idx="1"/>
+          </p:cNvCxnSpPr>
+          <p:nvPr/>
+        </p:nvCxnSpPr>
+        <p:spPr>
+          <a:xfrm rot="10800000" flipV="1">
+            <a:off x="9321801" y="1905001"/>
+            <a:ext cx="575733" cy="2887132"/>
+          </a:xfrm>
+          <a:prstGeom prst="curvedConnector2">
+            <a:avLst/>
+          </a:prstGeom>
+          <a:ln>
+            <a:tailEnd type="triangle"/>
+          </a:ln>
+        </p:spPr>
+        <p:style>
+          <a:lnRef idx="2">
+            <a:schemeClr val="accent1"/>
+          </a:lnRef>
+          <a:fillRef idx="0">
+            <a:schemeClr val="accent1"/>
+          </a:fillRef>
+          <a:effectRef idx="1">
+            <a:schemeClr val="accent1"/>
+          </a:effectRef>
+          <a:fontRef idx="minor">
+            <a:schemeClr val="tx1"/>
+          </a:fontRef>
+        </p:style>
+      </p:cxnSp>
+      <p:graphicFrame>
+        <p:nvGraphicFramePr>
+          <p:cNvPr id="17" name="Table 16">
+            <a:extLst>
+              <a:ext uri="{FF2B5EF4-FFF2-40B4-BE49-F238E27FC236}">
+                <a16:creationId xmlns:a16="http://schemas.microsoft.com/office/drawing/2014/main" id="{FEB4C365-6721-EB1B-A6FB-D25E06AE92C6}"/>
+              </a:ext>
+            </a:extLst>
+          </p:cNvPr>
+          <p:cNvGraphicFramePr>
+            <a:graphicFrameLocks noGrp="1"/>
+          </p:cNvGraphicFramePr>
+          <p:nvPr>
+            <p:extLst>
+              <p:ext uri="{D42A27DB-BD31-4B8C-83A1-F6EECF244321}">
+                <p14:modId xmlns:p14="http://schemas.microsoft.com/office/powerpoint/2010/main" val="2405687435"/>
+              </p:ext>
+            </p:extLst>
+          </p:nvPr>
+        </p:nvGraphicFramePr>
+        <p:xfrm>
+          <a:off x="5461000" y="1324187"/>
+          <a:ext cx="1845732" cy="741680"/>
+        </p:xfrm>
+        <a:graphic>
+          <a:graphicData uri="http://schemas.openxmlformats.org/drawingml/2006/table">
+            <a:tbl>
+              <a:tblPr firstRow="1" bandRow="1">
+                <a:tableStyleId>{5C22544A-7EE6-4342-B048-85BDC9FD1C3A}</a:tableStyleId>
+              </a:tblPr>
+              <a:tblGrid>
+                <a:gridCol w="615244">
+                  <a:extLst>
+                    <a:ext uri="{9D8B030D-6E8A-4147-A177-3AD203B41FA5}">
+                      <a16:colId xmlns:a16="http://schemas.microsoft.com/office/drawing/2014/main" val="2169425779"/>
+                    </a:ext>
+                  </a:extLst>
+                </a:gridCol>
+                <a:gridCol w="615244">
+                  <a:extLst>
+                    <a:ext uri="{9D8B030D-6E8A-4147-A177-3AD203B41FA5}">
+                      <a16:colId xmlns:a16="http://schemas.microsoft.com/office/drawing/2014/main" val="2786036551"/>
+                    </a:ext>
+                  </a:extLst>
+                </a:gridCol>
+                <a:gridCol w="615244">
+                  <a:extLst>
+                    <a:ext uri="{9D8B030D-6E8A-4147-A177-3AD203B41FA5}">
+                      <a16:colId xmlns:a16="http://schemas.microsoft.com/office/drawing/2014/main" val="3386792618"/>
+                    </a:ext>
+                  </a:extLst>
+                </a:gridCol>
+              </a:tblGrid>
+              <a:tr h="370840">
+                <a:tc>
+                  <a:txBody>
+                    <a:bodyPr/>
+                    <a:lstStyle/>
+                    <a:p>
+                      <a:endParaRPr lang="en-IN"/>
+                    </a:p>
+                  </a:txBody>
+                  <a:tcPr/>
+                </a:tc>
+                <a:tc>
+                  <a:txBody>
+                    <a:bodyPr/>
+                    <a:lstStyle/>
+                    <a:p>
+                      <a:endParaRPr lang="en-IN"/>
+                    </a:p>
+                  </a:txBody>
+                  <a:tcPr/>
+                </a:tc>
+                <a:tc>
+                  <a:txBody>
+                    <a:bodyPr/>
+                    <a:lstStyle/>
+                    <a:p>
+                      <a:endParaRPr lang="en-IN"/>
+                    </a:p>
+                  </a:txBody>
+                  <a:tcPr/>
+                </a:tc>
+                <a:extLst>
+                  <a:ext uri="{0D108BD9-81ED-4DB2-BD59-A6C34878D82A}">
+                    <a16:rowId xmlns:a16="http://schemas.microsoft.com/office/drawing/2014/main" val="2044417797"/>
+                  </a:ext>
+                </a:extLst>
+              </a:tr>
+              <a:tr h="370840">
+                <a:tc>
+                  <a:txBody>
+                    <a:bodyPr/>
+                    <a:lstStyle/>
+                    <a:p>
+                      <a:endParaRPr lang="en-IN"/>
+                    </a:p>
+                  </a:txBody>
+                  <a:tcPr/>
+                </a:tc>
+                <a:tc>
+                  <a:txBody>
+                    <a:bodyPr/>
+                    <a:lstStyle/>
+                    <a:p>
+                      <a:endParaRPr lang="en-IN"/>
+                    </a:p>
+                  </a:txBody>
+                  <a:tcPr/>
+                </a:tc>
+                <a:tc>
+                  <a:txBody>
+                    <a:bodyPr/>
+                    <a:lstStyle/>
+                    <a:p>
+                      <a:endParaRPr lang="en-IN" dirty="0"/>
+                    </a:p>
+                  </a:txBody>
+                  <a:tcPr/>
+                </a:tc>
+                <a:extLst>
+                  <a:ext uri="{0D108BD9-81ED-4DB2-BD59-A6C34878D82A}">
+                    <a16:rowId xmlns:a16="http://schemas.microsoft.com/office/drawing/2014/main" val="4246997314"/>
+                  </a:ext>
+                </a:extLst>
+              </a:tr>
+            </a:tbl>
+          </a:graphicData>
+        </a:graphic>
+      </p:graphicFrame>
+      <p:cxnSp>
+        <p:nvCxnSpPr>
+          <p:cNvPr id="19" name="Connector: Curved 18">
+            <a:extLst>
+              <a:ext uri="{FF2B5EF4-FFF2-40B4-BE49-F238E27FC236}">
+                <a16:creationId xmlns:a16="http://schemas.microsoft.com/office/drawing/2014/main" id="{AD22502E-3EA0-C4BB-B1AC-E688F431B086}"/>
+              </a:ext>
+            </a:extLst>
+          </p:cNvPr>
+          <p:cNvCxnSpPr>
+            <a:stCxn id="5" idx="3"/>
+            <a:endCxn id="17" idx="1"/>
+          </p:cNvCxnSpPr>
+          <p:nvPr/>
+        </p:nvCxnSpPr>
+        <p:spPr>
+          <a:xfrm>
+            <a:off x="1862667" y="677334"/>
+            <a:ext cx="3598333" cy="1017693"/>
+          </a:xfrm>
+          <a:prstGeom prst="curvedConnector3">
+            <a:avLst/>
+          </a:prstGeom>
+          <a:ln>
+            <a:prstDash val="lgDashDotDot"/>
+            <a:tailEnd type="triangle"/>
+          </a:ln>
+        </p:spPr>
+        <p:style>
+          <a:lnRef idx="2">
+            <a:schemeClr val="accent1"/>
+          </a:lnRef>
+          <a:fillRef idx="0">
+            <a:schemeClr val="accent1"/>
+          </a:fillRef>
+          <a:effectRef idx="1">
+            <a:schemeClr val="accent1"/>
+          </a:effectRef>
+          <a:fontRef idx="minor">
+            <a:schemeClr val="tx1"/>
+          </a:fontRef>
+        </p:style>
+      </p:cxnSp>
+      <p:sp>
+        <p:nvSpPr>
+          <p:cNvPr id="20" name="Rectangle 19">
+            <a:extLst>
+              <a:ext uri="{FF2B5EF4-FFF2-40B4-BE49-F238E27FC236}">
+                <a16:creationId xmlns:a16="http://schemas.microsoft.com/office/drawing/2014/main" id="{03C00E27-EED3-1A4B-6C8F-4970E32DF6D2}"/>
+              </a:ext>
+            </a:extLst>
+          </p:cNvPr>
+          <p:cNvSpPr/>
+          <p:nvPr/>
+        </p:nvSpPr>
+        <p:spPr>
+          <a:xfrm>
+            <a:off x="4461933" y="2319867"/>
+            <a:ext cx="1219201" cy="855133"/>
+          </a:xfrm>
+          <a:prstGeom prst="rect">
+            <a:avLst/>
+          </a:prstGeom>
+        </p:spPr>
+        <p:style>
+          <a:lnRef idx="2">
+            <a:schemeClr val="accent1">
+              <a:shade val="15000"/>
+            </a:schemeClr>
+          </a:lnRef>
+          <a:fillRef idx="1">
+            <a:schemeClr val="accent1"/>
+          </a:fillRef>
+          <a:effectRef idx="0">
+            <a:schemeClr val="accent1"/>
+          </a:effectRef>
+          <a:fontRef idx="minor">
+            <a:schemeClr val="lt1"/>
+          </a:fontRef>
+        </p:style>
+        <p:txBody>
+          <a:bodyPr rtlCol="0" anchor="ctr"/>
+          <a:lstStyle/>
+          <a:p>
+            <a:pPr algn="ctr"/>
+            <a:r>
+              <a:rPr lang="en-IN" dirty="0"/>
+              <a:t>Form</a:t>
+            </a:r>
+          </a:p>
+        </p:txBody>
+      </p:sp>
+      <p:cxnSp>
+        <p:nvCxnSpPr>
+          <p:cNvPr id="22" name="Connector: Curved 21">
+            <a:extLst>
+              <a:ext uri="{FF2B5EF4-FFF2-40B4-BE49-F238E27FC236}">
+                <a16:creationId xmlns:a16="http://schemas.microsoft.com/office/drawing/2014/main" id="{B8AABDD0-0AED-C696-9BFC-B89705F9A219}"/>
+              </a:ext>
+            </a:extLst>
+          </p:cNvPr>
+          <p:cNvCxnSpPr>
+            <a:stCxn id="6" idx="3"/>
+            <a:endCxn id="20" idx="1"/>
+          </p:cNvCxnSpPr>
+          <p:nvPr/>
+        </p:nvCxnSpPr>
+        <p:spPr>
+          <a:xfrm>
+            <a:off x="2357968" y="2109894"/>
+            <a:ext cx="2103965" cy="637540"/>
+          </a:xfrm>
+          <a:prstGeom prst="curvedConnector3">
+            <a:avLst/>
+          </a:prstGeom>
+          <a:ln>
+            <a:prstDash val="lgDashDotDot"/>
+            <a:tailEnd type="triangle"/>
+          </a:ln>
+        </p:spPr>
+        <p:style>
+          <a:lnRef idx="2">
+            <a:schemeClr val="accent1"/>
+          </a:lnRef>
+          <a:fillRef idx="0">
+            <a:schemeClr val="accent1"/>
+          </a:fillRef>
+          <a:effectRef idx="1">
+            <a:schemeClr val="accent1"/>
+          </a:effectRef>
+          <a:fontRef idx="minor">
+            <a:schemeClr val="tx1"/>
+          </a:fontRef>
+        </p:style>
+      </p:cxnSp>
+      <p:sp>
+        <p:nvSpPr>
+          <p:cNvPr id="23" name="Rectangle 22">
+            <a:extLst>
+              <a:ext uri="{FF2B5EF4-FFF2-40B4-BE49-F238E27FC236}">
+                <a16:creationId xmlns:a16="http://schemas.microsoft.com/office/drawing/2014/main" id="{78123E9D-0C0A-4096-DE0B-4D5997FF27F4}"/>
+              </a:ext>
+            </a:extLst>
+          </p:cNvPr>
+          <p:cNvSpPr/>
+          <p:nvPr/>
+        </p:nvSpPr>
+        <p:spPr>
+          <a:xfrm>
+            <a:off x="6510866" y="2582333"/>
+            <a:ext cx="1591734" cy="369332"/>
+          </a:xfrm>
+          <a:prstGeom prst="rect">
+            <a:avLst/>
+          </a:prstGeom>
+        </p:spPr>
+        <p:style>
+          <a:lnRef idx="2">
+            <a:schemeClr val="accent1">
+              <a:shade val="15000"/>
+            </a:schemeClr>
+          </a:lnRef>
+          <a:fillRef idx="1">
+            <a:schemeClr val="accent1"/>
+          </a:fillRef>
+          <a:effectRef idx="0">
+            <a:schemeClr val="accent1"/>
+          </a:effectRef>
+          <a:fontRef idx="minor">
+            <a:schemeClr val="lt1"/>
+          </a:fontRef>
+        </p:style>
+        <p:txBody>
+          <a:bodyPr rtlCol="0" anchor="ctr"/>
+          <a:lstStyle/>
+          <a:p>
+            <a:pPr algn="ctr"/>
+            <a:r>
+              <a:rPr lang="en-IN" dirty="0"/>
+              <a:t>Search</a:t>
+            </a:r>
+          </a:p>
+        </p:txBody>
+      </p:sp>
+      <p:cxnSp>
+        <p:nvCxnSpPr>
+          <p:cNvPr id="25" name="Connector: Curved 24">
+            <a:extLst>
+              <a:ext uri="{FF2B5EF4-FFF2-40B4-BE49-F238E27FC236}">
+                <a16:creationId xmlns:a16="http://schemas.microsoft.com/office/drawing/2014/main" id="{DF07CF7E-3462-D5FF-9D86-4511D6D7B774}"/>
+              </a:ext>
+            </a:extLst>
+          </p:cNvPr>
+          <p:cNvCxnSpPr>
+            <a:stCxn id="7" idx="1"/>
+            <a:endCxn id="23" idx="3"/>
+          </p:cNvCxnSpPr>
+          <p:nvPr/>
+        </p:nvCxnSpPr>
+        <p:spPr>
+          <a:xfrm rot="10800000" flipV="1">
+            <a:off x="8102601" y="750333"/>
+            <a:ext cx="2226733" cy="2016666"/>
+          </a:xfrm>
+          <a:prstGeom prst="curvedConnector3">
+            <a:avLst/>
+          </a:prstGeom>
+          <a:ln>
+            <a:prstDash val="lgDashDotDot"/>
+            <a:tailEnd type="triangle"/>
+          </a:ln>
+        </p:spPr>
+        <p:style>
+          <a:lnRef idx="2">
+            <a:schemeClr val="accent1"/>
+          </a:lnRef>
+          <a:fillRef idx="0">
+            <a:schemeClr val="accent1"/>
+          </a:fillRef>
+          <a:effectRef idx="1">
+            <a:schemeClr val="accent1"/>
+          </a:effectRef>
+          <a:fontRef idx="minor">
+            <a:schemeClr val="tx1"/>
+          </a:fontRef>
+        </p:style>
+      </p:cxnSp>
+      <p:sp>
+        <p:nvSpPr>
+          <p:cNvPr id="26" name="Action Button: Video 25">
+            <a:hlinkClick r:id="" action="ppaction://noaction" highlightClick="1"/>
+            <a:extLst>
+              <a:ext uri="{FF2B5EF4-FFF2-40B4-BE49-F238E27FC236}">
+                <a16:creationId xmlns:a16="http://schemas.microsoft.com/office/drawing/2014/main" id="{F7D7AA5E-4437-25AD-7BBC-FA3F4174AE6C}"/>
+              </a:ext>
+            </a:extLst>
+          </p:cNvPr>
+          <p:cNvSpPr/>
+          <p:nvPr/>
+        </p:nvSpPr>
+        <p:spPr>
+          <a:xfrm>
+            <a:off x="6316132" y="3823037"/>
+            <a:ext cx="804335" cy="647131"/>
+          </a:xfrm>
+          <a:prstGeom prst="actionButtonMovie">
+            <a:avLst/>
+          </a:prstGeom>
+        </p:spPr>
+        <p:style>
+          <a:lnRef idx="2">
+            <a:schemeClr val="accent1">
+              <a:shade val="15000"/>
+            </a:schemeClr>
+          </a:lnRef>
+          <a:fillRef idx="1">
+            <a:schemeClr val="accent1"/>
+          </a:fillRef>
+          <a:effectRef idx="0">
+            <a:schemeClr val="accent1"/>
+          </a:effectRef>
+          <a:fontRef idx="minor">
+            <a:schemeClr val="lt1"/>
+          </a:fontRef>
+        </p:style>
+        <p:txBody>
+          <a:bodyPr rtlCol="0" anchor="ctr"/>
+          <a:lstStyle/>
+          <a:p>
+            <a:pPr algn="ctr"/>
+            <a:endParaRPr lang="en-IN"/>
+          </a:p>
+        </p:txBody>
+      </p:sp>
+      <p:cxnSp>
+        <p:nvCxnSpPr>
+          <p:cNvPr id="28" name="Connector: Curved 27">
+            <a:extLst>
+              <a:ext uri="{FF2B5EF4-FFF2-40B4-BE49-F238E27FC236}">
+                <a16:creationId xmlns:a16="http://schemas.microsoft.com/office/drawing/2014/main" id="{43403A96-D492-2952-64A7-6CA2BFAEFB07}"/>
+              </a:ext>
+            </a:extLst>
+          </p:cNvPr>
+          <p:cNvCxnSpPr>
+            <a:stCxn id="8" idx="1"/>
+          </p:cNvCxnSpPr>
+          <p:nvPr/>
+        </p:nvCxnSpPr>
+        <p:spPr>
+          <a:xfrm rot="10800000" flipV="1">
+            <a:off x="7120467" y="1905000"/>
+            <a:ext cx="2777066" cy="2205565"/>
+          </a:xfrm>
+          <a:prstGeom prst="curvedConnector3">
+            <a:avLst>
+              <a:gd name="adj1" fmla="val 40244"/>
+            </a:avLst>
+          </a:prstGeom>
+          <a:ln>
+            <a:prstDash val="lgDashDotDot"/>
+            <a:tailEnd type="triangle"/>
+          </a:ln>
+        </p:spPr>
+        <p:style>
+          <a:lnRef idx="2">
+            <a:schemeClr val="accent1"/>
+          </a:lnRef>
+          <a:fillRef idx="0">
+            <a:schemeClr val="accent1"/>
+          </a:fillRef>
+          <a:effectRef idx="1">
+            <a:schemeClr val="accent1"/>
+          </a:effectRef>
+          <a:fontRef idx="minor">
+            <a:schemeClr val="tx1"/>
+          </a:fontRef>
+        </p:style>
+      </p:cxnSp>
+      <p:cxnSp>
+        <p:nvCxnSpPr>
+          <p:cNvPr id="30" name="Connector: Curved 29">
+            <a:extLst>
+              <a:ext uri="{FF2B5EF4-FFF2-40B4-BE49-F238E27FC236}">
+                <a16:creationId xmlns:a16="http://schemas.microsoft.com/office/drawing/2014/main" id="{40C2EAA8-5D1A-E89B-2D24-DF0BB4567055}"/>
+              </a:ext>
+            </a:extLst>
+          </p:cNvPr>
+          <p:cNvCxnSpPr>
+            <a:endCxn id="17" idx="2"/>
+          </p:cNvCxnSpPr>
+          <p:nvPr/>
+        </p:nvCxnSpPr>
+        <p:spPr>
+          <a:xfrm rot="5400000" flipH="1" flipV="1">
+            <a:off x="4669367" y="3077634"/>
+            <a:ext cx="2726266" cy="702732"/>
+          </a:xfrm>
+          <a:prstGeom prst="curvedConnector3">
+            <a:avLst/>
+          </a:prstGeom>
+          <a:ln>
+            <a:tailEnd type="triangle"/>
+          </a:ln>
+        </p:spPr>
+        <p:style>
+          <a:lnRef idx="2">
+            <a:schemeClr val="accent1"/>
+          </a:lnRef>
+          <a:fillRef idx="0">
+            <a:schemeClr val="accent1"/>
+          </a:fillRef>
+          <a:effectRef idx="1">
+            <a:schemeClr val="accent1"/>
+          </a:effectRef>
+          <a:fontRef idx="minor">
+            <a:schemeClr val="tx1"/>
+          </a:fontRef>
+        </p:style>
+      </p:cxnSp>
+      <p:cxnSp>
+        <p:nvCxnSpPr>
+          <p:cNvPr id="32" name="Connector: Curved 31">
+            <a:extLst>
+              <a:ext uri="{FF2B5EF4-FFF2-40B4-BE49-F238E27FC236}">
+                <a16:creationId xmlns:a16="http://schemas.microsoft.com/office/drawing/2014/main" id="{BC60DB10-DC7A-A2E4-9E04-D7DB63AF26DE}"/>
+              </a:ext>
+            </a:extLst>
+          </p:cNvPr>
+          <p:cNvCxnSpPr>
+            <a:endCxn id="20" idx="2"/>
+          </p:cNvCxnSpPr>
+          <p:nvPr/>
+        </p:nvCxnSpPr>
+        <p:spPr>
+          <a:xfrm rot="16200000" flipV="1">
+            <a:off x="4565651" y="3680884"/>
+            <a:ext cx="1617133" cy="605366"/>
+          </a:xfrm>
+          <a:prstGeom prst="curvedConnector3">
+            <a:avLst/>
+          </a:prstGeom>
+          <a:ln>
+            <a:tailEnd type="triangle"/>
+          </a:ln>
+        </p:spPr>
+        <p:style>
+          <a:lnRef idx="2">
+            <a:schemeClr val="accent1"/>
+          </a:lnRef>
+          <a:fillRef idx="0">
+            <a:schemeClr val="accent1"/>
+          </a:fillRef>
+          <a:effectRef idx="1">
+            <a:schemeClr val="accent1"/>
+          </a:effectRef>
+          <a:fontRef idx="minor">
+            <a:schemeClr val="tx1"/>
+          </a:fontRef>
+        </p:style>
+      </p:cxnSp>
+      <p:cxnSp>
+        <p:nvCxnSpPr>
+          <p:cNvPr id="34" name="Connector: Curved 33">
+            <a:extLst>
+              <a:ext uri="{FF2B5EF4-FFF2-40B4-BE49-F238E27FC236}">
+                <a16:creationId xmlns:a16="http://schemas.microsoft.com/office/drawing/2014/main" id="{D2E62FCD-A93D-153D-7CA0-02A5641246D5}"/>
+              </a:ext>
+            </a:extLst>
+          </p:cNvPr>
+          <p:cNvCxnSpPr>
+            <a:endCxn id="23" idx="2"/>
+          </p:cNvCxnSpPr>
+          <p:nvPr/>
+        </p:nvCxnSpPr>
+        <p:spPr>
+          <a:xfrm rot="16200000" flipV="1">
+            <a:off x="6488099" y="3770299"/>
+            <a:ext cx="1840468" cy="203200"/>
+          </a:xfrm>
+          <a:prstGeom prst="curvedConnector3">
+            <a:avLst/>
+          </a:prstGeom>
+          <a:ln>
+            <a:tailEnd type="triangle"/>
+          </a:ln>
+        </p:spPr>
+        <p:style>
+          <a:lnRef idx="2">
+            <a:schemeClr val="accent1"/>
+          </a:lnRef>
+          <a:fillRef idx="0">
+            <a:schemeClr val="accent1"/>
+          </a:fillRef>
+          <a:effectRef idx="1">
+            <a:schemeClr val="accent1"/>
+          </a:effectRef>
+          <a:fontRef idx="minor">
+            <a:schemeClr val="tx1"/>
+          </a:fontRef>
+        </p:style>
+      </p:cxnSp>
+      <p:cxnSp>
+        <p:nvCxnSpPr>
+          <p:cNvPr id="36" name="Connector: Curved 35">
+            <a:extLst>
+              <a:ext uri="{FF2B5EF4-FFF2-40B4-BE49-F238E27FC236}">
+                <a16:creationId xmlns:a16="http://schemas.microsoft.com/office/drawing/2014/main" id="{B7DF4F1B-8DAE-A89E-6782-19607D8509AF}"/>
+              </a:ext>
+            </a:extLst>
+          </p:cNvPr>
+          <p:cNvCxnSpPr>
+            <a:cxnSpLocks/>
+            <a:endCxn id="26" idx="1"/>
+          </p:cNvCxnSpPr>
+          <p:nvPr/>
+        </p:nvCxnSpPr>
+        <p:spPr>
+          <a:xfrm rot="16200000" flipV="1">
+            <a:off x="6655744" y="4532724"/>
+            <a:ext cx="321964" cy="196851"/>
+          </a:xfrm>
+          <a:prstGeom prst="curvedConnector3">
+            <a:avLst/>
+          </a:prstGeom>
+          <a:ln>
+            <a:tailEnd type="triangle"/>
+          </a:ln>
+        </p:spPr>
+        <p:style>
+          <a:lnRef idx="2">
+            <a:schemeClr val="accent1"/>
+          </a:lnRef>
+          <a:fillRef idx="0">
+            <a:schemeClr val="accent1"/>
+          </a:fillRef>
+          <a:effectRef idx="1">
+            <a:schemeClr val="accent1"/>
+          </a:effectRef>
+          <a:fontRef idx="minor">
+            <a:schemeClr val="tx1"/>
+          </a:fontRef>
+        </p:style>
+      </p:cxnSp>
+      <p:sp>
+        <p:nvSpPr>
+          <p:cNvPr id="41" name="TextBox 40">
+            <a:extLst>
+              <a:ext uri="{FF2B5EF4-FFF2-40B4-BE49-F238E27FC236}">
+                <a16:creationId xmlns:a16="http://schemas.microsoft.com/office/drawing/2014/main" id="{5098C996-C564-5E31-E727-01C1EAF5CA08}"/>
+              </a:ext>
+            </a:extLst>
+          </p:cNvPr>
+          <p:cNvSpPr txBox="1"/>
+          <p:nvPr/>
+        </p:nvSpPr>
+        <p:spPr>
+          <a:xfrm>
+            <a:off x="601135" y="4925483"/>
+            <a:ext cx="3539065" cy="646331"/>
+          </a:xfrm>
+          <a:prstGeom prst="rect">
+            <a:avLst/>
+          </a:prstGeom>
+          <a:noFill/>
+        </p:spPr>
+        <p:txBody>
+          <a:bodyPr wrap="square" rtlCol="0">
+            <a:spAutoFit/>
+          </a:bodyPr>
+          <a:lstStyle/>
+          <a:p>
+            <a:r>
+              <a:rPr lang="en-IN" dirty="0">
+                <a:solidFill>
+                  <a:srgbClr val="FFFF00"/>
+                </a:solidFill>
+                <a:hlinkClick r:id="rId2">
+                  <a:extLst>
+                    <a:ext uri="{A12FA001-AC4F-418D-AE19-62706E023703}">
+                      <ahyp:hlinkClr xmlns:ahyp="http://schemas.microsoft.com/office/drawing/2018/hyperlinkcolor" val="tx"/>
+                    </a:ext>
+                  </a:extLst>
+                </a:hlinkClick>
+              </a:rPr>
+              <a:t>http://server1/index.js</a:t>
+            </a:r>
+            <a:endParaRPr lang="en-IN" dirty="0">
+              <a:solidFill>
+                <a:srgbClr val="FFFF00"/>
+              </a:solidFill>
+            </a:endParaRPr>
+          </a:p>
+          <a:p>
+            <a:r>
+              <a:rPr lang="en-IN" dirty="0">
+                <a:solidFill>
+                  <a:srgbClr val="FFFF00"/>
+                </a:solidFill>
+                <a:hlinkClick r:id="rId3">
+                  <a:extLst>
+                    <a:ext uri="{A12FA001-AC4F-418D-AE19-62706E023703}">
+                      <ahyp:hlinkClr xmlns:ahyp="http://schemas.microsoft.com/office/drawing/2018/hyperlinkcolor" val="tx"/>
+                    </a:ext>
+                  </a:extLst>
+                </a:hlinkClick>
+              </a:rPr>
+              <a:t>http://server2/index.js</a:t>
+            </a:r>
+            <a:r>
+              <a:rPr lang="en-IN" dirty="0">
+                <a:solidFill>
+                  <a:srgbClr val="FFFF00"/>
+                </a:solidFill>
+              </a:rPr>
+              <a:t> </a:t>
+            </a:r>
+          </a:p>
+        </p:txBody>
+      </p:sp>
+      <p:sp>
+        <p:nvSpPr>
+          <p:cNvPr id="42" name="TextBox 41">
+            <a:extLst>
+              <a:ext uri="{FF2B5EF4-FFF2-40B4-BE49-F238E27FC236}">
+                <a16:creationId xmlns:a16="http://schemas.microsoft.com/office/drawing/2014/main" id="{0CC8E582-4EC2-AD14-57C5-43E68400DFE0}"/>
+              </a:ext>
+            </a:extLst>
+          </p:cNvPr>
+          <p:cNvSpPr txBox="1"/>
+          <p:nvPr/>
+        </p:nvSpPr>
+        <p:spPr>
+          <a:xfrm>
+            <a:off x="8407402" y="4902431"/>
+            <a:ext cx="3539065" cy="646331"/>
+          </a:xfrm>
+          <a:prstGeom prst="rect">
+            <a:avLst/>
+          </a:prstGeom>
+          <a:noFill/>
+        </p:spPr>
+        <p:txBody>
+          <a:bodyPr wrap="square" rtlCol="0">
+            <a:spAutoFit/>
+          </a:bodyPr>
+          <a:lstStyle/>
+          <a:p>
+            <a:r>
+              <a:rPr lang="en-IN" dirty="0">
+                <a:solidFill>
+                  <a:srgbClr val="FFFF00"/>
+                </a:solidFill>
+                <a:hlinkClick r:id="rId2">
+                  <a:extLst>
+                    <a:ext uri="{A12FA001-AC4F-418D-AE19-62706E023703}">
+                      <ahyp:hlinkClr xmlns:ahyp="http://schemas.microsoft.com/office/drawing/2018/hyperlinkcolor" val="tx"/>
+                    </a:ext>
+                  </a:extLst>
+                </a:hlinkClick>
+              </a:rPr>
+              <a:t>http://server3/index.js</a:t>
+            </a:r>
+            <a:endParaRPr lang="en-IN" dirty="0">
+              <a:solidFill>
+                <a:srgbClr val="FFFF00"/>
+              </a:solidFill>
+            </a:endParaRPr>
+          </a:p>
+          <a:p>
+            <a:r>
+              <a:rPr lang="en-IN" dirty="0">
+                <a:solidFill>
+                  <a:srgbClr val="FFFF00"/>
+                </a:solidFill>
+                <a:hlinkClick r:id="rId4">
+                  <a:extLst>
+                    <a:ext uri="{A12FA001-AC4F-418D-AE19-62706E023703}">
+                      <ahyp:hlinkClr xmlns:ahyp="http://schemas.microsoft.com/office/drawing/2018/hyperlinkcolor" val="tx"/>
+                    </a:ext>
+                  </a:extLst>
+                </a:hlinkClick>
+              </a:rPr>
+              <a:t>http://server4/index.js</a:t>
+            </a:r>
+            <a:r>
+              <a:rPr lang="en-IN" dirty="0">
+                <a:solidFill>
+                  <a:srgbClr val="FFFF00"/>
+                </a:solidFill>
+              </a:rPr>
+              <a:t> </a:t>
+            </a:r>
+          </a:p>
+        </p:txBody>
+      </p:sp>
+    </p:spTree>
+    <p:extLst>
+      <p:ext uri="{BB962C8B-B14F-4D97-AF65-F5344CB8AC3E}">
+        <p14:creationId xmlns:p14="http://schemas.microsoft.com/office/powerpoint/2010/main" val="1853366031"/>
+      </p:ext>
+    </p:extLst>
+  </p:cSld>
+  <p:clrMapOvr>
+    <a:masterClrMapping/>
+  </p:clrMapOvr>
+</p:sld>
+</file>
+
+<file path=ppt/slides/slide46.xml><?xml version="1.0" encoding="utf-8"?>
+<p:sld xmlns:a="http://schemas.openxmlformats.org/drawingml/2006/main" xmlns:r="http://schemas.openxmlformats.org/officeDocument/2006/relationships" xmlns:p="http://schemas.openxmlformats.org/presentationml/2006/main">
+  <p:cSld>
+    <p:spTree>
+      <p:nvGrpSpPr>
+        <p:cNvPr id="1" name=""/>
+        <p:cNvGrpSpPr/>
+        <p:nvPr/>
+      </p:nvGrpSpPr>
+      <p:grpSpPr>
+        <a:xfrm>
+          <a:off x="0" y="0"/>
+          <a:ext cx="0" cy="0"/>
+          <a:chOff x="0" y="0"/>
+          <a:chExt cx="0" cy="0"/>
+        </a:xfrm>
+      </p:grpSpPr>
+      <p:sp>
+        <p:nvSpPr>
+          <p:cNvPr id="2" name="Rectangle 1">
+            <a:extLst>
+              <a:ext uri="{FF2B5EF4-FFF2-40B4-BE49-F238E27FC236}">
+                <a16:creationId xmlns:a16="http://schemas.microsoft.com/office/drawing/2014/main" id="{297EBE07-2A84-DD50-E827-D9C974F607D2}"/>
+              </a:ext>
+            </a:extLst>
+          </p:cNvPr>
+          <p:cNvSpPr/>
+          <p:nvPr/>
+        </p:nvSpPr>
+        <p:spPr>
+          <a:xfrm>
+            <a:off x="220133" y="4673600"/>
+            <a:ext cx="11641667" cy="1921933"/>
+          </a:xfrm>
+          <a:prstGeom prst="rect">
+            <a:avLst/>
+          </a:prstGeom>
+        </p:spPr>
+        <p:style>
+          <a:lnRef idx="2">
+            <a:schemeClr val="accent1">
+              <a:shade val="15000"/>
+            </a:schemeClr>
+          </a:lnRef>
+          <a:fillRef idx="1">
+            <a:schemeClr val="accent1"/>
+          </a:fillRef>
+          <a:effectRef idx="0">
+            <a:schemeClr val="accent1"/>
+          </a:effectRef>
+          <a:fontRef idx="minor">
+            <a:schemeClr val="lt1"/>
+          </a:fontRef>
+        </p:style>
+        <p:txBody>
+          <a:bodyPr rtlCol="0" anchor="ctr"/>
+          <a:lstStyle/>
+          <a:p>
+            <a:pPr algn="ctr"/>
+            <a:r>
+              <a:rPr lang="en-IN" sz="2800" b="1" dirty="0"/>
+              <a:t>Host App Exposed on Port 4200</a:t>
+            </a:r>
+          </a:p>
+          <a:p>
+            <a:pPr algn="ctr"/>
+            <a:r>
+              <a:rPr lang="en-IN" sz="2800" b="1" dirty="0"/>
+              <a:t>A Module that Manages Remote App as well as Shared Libraries</a:t>
+            </a:r>
+          </a:p>
+          <a:p>
+            <a:pPr algn="ctr"/>
+            <a:r>
+              <a:rPr lang="en-IN" sz="2800" b="1" dirty="0"/>
+              <a:t>e.g. </a:t>
+            </a:r>
+            <a:r>
+              <a:rPr lang="en-IN" sz="2800" b="1" dirty="0" err="1"/>
+              <a:t>NgRx</a:t>
+            </a:r>
+            <a:r>
+              <a:rPr lang="en-IN" sz="2800" b="1" dirty="0"/>
+              <a:t> </a:t>
+            </a:r>
+          </a:p>
+        </p:txBody>
+      </p:sp>
+      <p:sp>
+        <p:nvSpPr>
+          <p:cNvPr id="3" name="Rectangle 2">
+            <a:extLst>
+              <a:ext uri="{FF2B5EF4-FFF2-40B4-BE49-F238E27FC236}">
+                <a16:creationId xmlns:a16="http://schemas.microsoft.com/office/drawing/2014/main" id="{070AD0E2-143A-3468-3727-5D8AEF8CF77A}"/>
+              </a:ext>
+            </a:extLst>
+          </p:cNvPr>
+          <p:cNvSpPr/>
+          <p:nvPr/>
+        </p:nvSpPr>
+        <p:spPr>
+          <a:xfrm>
+            <a:off x="220133" y="262467"/>
+            <a:ext cx="2506134" cy="1794933"/>
+          </a:xfrm>
+          <a:prstGeom prst="rect">
+            <a:avLst/>
+          </a:prstGeom>
+        </p:spPr>
+        <p:style>
+          <a:lnRef idx="2">
+            <a:schemeClr val="accent1">
+              <a:shade val="15000"/>
+            </a:schemeClr>
+          </a:lnRef>
+          <a:fillRef idx="1">
+            <a:schemeClr val="accent1"/>
+          </a:fillRef>
+          <a:effectRef idx="0">
+            <a:schemeClr val="accent1"/>
+          </a:effectRef>
+          <a:fontRef idx="minor">
+            <a:schemeClr val="lt1"/>
+          </a:fontRef>
+        </p:style>
+        <p:txBody>
+          <a:bodyPr rtlCol="0" anchor="ctr"/>
+          <a:lstStyle/>
+          <a:p>
+            <a:pPr algn="ctr"/>
+            <a:r>
+              <a:rPr lang="en-IN" b="1" dirty="0"/>
+              <a:t>Remote App 1</a:t>
+            </a:r>
+          </a:p>
+          <a:p>
+            <a:pPr algn="ctr"/>
+            <a:r>
+              <a:rPr lang="en-IN" b="1" dirty="0"/>
+              <a:t>Exposed on Port 4300</a:t>
+            </a:r>
+          </a:p>
+        </p:txBody>
+      </p:sp>
+      <p:sp>
+        <p:nvSpPr>
+          <p:cNvPr id="4" name="Rectangle 3">
+            <a:extLst>
+              <a:ext uri="{FF2B5EF4-FFF2-40B4-BE49-F238E27FC236}">
+                <a16:creationId xmlns:a16="http://schemas.microsoft.com/office/drawing/2014/main" id="{13D6CD1D-A25E-EBEE-7622-E7E6C438C711}"/>
+              </a:ext>
+            </a:extLst>
+          </p:cNvPr>
+          <p:cNvSpPr/>
+          <p:nvPr/>
+        </p:nvSpPr>
+        <p:spPr>
+          <a:xfrm>
+            <a:off x="4902199" y="262466"/>
+            <a:ext cx="2506134" cy="1794933"/>
+          </a:xfrm>
+          <a:prstGeom prst="rect">
+            <a:avLst/>
+          </a:prstGeom>
+        </p:spPr>
+        <p:style>
+          <a:lnRef idx="2">
+            <a:schemeClr val="accent1">
+              <a:shade val="15000"/>
+            </a:schemeClr>
+          </a:lnRef>
+          <a:fillRef idx="1">
+            <a:schemeClr val="accent1"/>
+          </a:fillRef>
+          <a:effectRef idx="0">
+            <a:schemeClr val="accent1"/>
+          </a:effectRef>
+          <a:fontRef idx="minor">
+            <a:schemeClr val="lt1"/>
+          </a:fontRef>
+        </p:style>
+        <p:txBody>
+          <a:bodyPr rtlCol="0" anchor="ctr"/>
+          <a:lstStyle/>
+          <a:p>
+            <a:pPr algn="ctr"/>
+            <a:r>
+              <a:rPr lang="en-IN" b="1" dirty="0"/>
+              <a:t>Remote App 2</a:t>
+            </a:r>
+          </a:p>
+          <a:p>
+            <a:pPr algn="ctr"/>
+            <a:r>
+              <a:rPr lang="en-IN" b="1" dirty="0"/>
+              <a:t>Exposed on Port 4400</a:t>
+            </a:r>
+          </a:p>
+        </p:txBody>
+      </p:sp>
+      <p:sp>
+        <p:nvSpPr>
+          <p:cNvPr id="5" name="Rectangle 4">
+            <a:extLst>
+              <a:ext uri="{FF2B5EF4-FFF2-40B4-BE49-F238E27FC236}">
+                <a16:creationId xmlns:a16="http://schemas.microsoft.com/office/drawing/2014/main" id="{FBF8F423-1C82-41A2-2364-06CCE27C4D76}"/>
+              </a:ext>
+            </a:extLst>
+          </p:cNvPr>
+          <p:cNvSpPr/>
+          <p:nvPr/>
+        </p:nvSpPr>
+        <p:spPr>
+          <a:xfrm>
+            <a:off x="9465733" y="262467"/>
+            <a:ext cx="2506134" cy="1794933"/>
+          </a:xfrm>
+          <a:prstGeom prst="rect">
+            <a:avLst/>
+          </a:prstGeom>
+        </p:spPr>
+        <p:style>
+          <a:lnRef idx="2">
+            <a:schemeClr val="accent1">
+              <a:shade val="15000"/>
+            </a:schemeClr>
+          </a:lnRef>
+          <a:fillRef idx="1">
+            <a:schemeClr val="accent1"/>
+          </a:fillRef>
+          <a:effectRef idx="0">
+            <a:schemeClr val="accent1"/>
+          </a:effectRef>
+          <a:fontRef idx="minor">
+            <a:schemeClr val="lt1"/>
+          </a:fontRef>
+        </p:style>
+        <p:txBody>
+          <a:bodyPr rtlCol="0" anchor="ctr"/>
+          <a:lstStyle/>
+          <a:p>
+            <a:pPr algn="ctr"/>
+            <a:r>
+              <a:rPr lang="en-IN" b="1" dirty="0"/>
+              <a:t>Remote App 3</a:t>
+            </a:r>
+          </a:p>
+          <a:p>
+            <a:pPr algn="ctr"/>
+            <a:r>
+              <a:rPr lang="en-IN" b="1" dirty="0"/>
+              <a:t>Exposed on Port 4500</a:t>
+            </a:r>
+          </a:p>
+        </p:txBody>
+      </p:sp>
+      <p:sp>
+        <p:nvSpPr>
+          <p:cNvPr id="6" name="Rectangle 5">
+            <a:extLst>
+              <a:ext uri="{FF2B5EF4-FFF2-40B4-BE49-F238E27FC236}">
+                <a16:creationId xmlns:a16="http://schemas.microsoft.com/office/drawing/2014/main" id="{B44A4A18-667D-1090-0971-FC0CA6A58673}"/>
+              </a:ext>
+            </a:extLst>
+          </p:cNvPr>
+          <p:cNvSpPr/>
+          <p:nvPr/>
+        </p:nvSpPr>
+        <p:spPr>
+          <a:xfrm>
+            <a:off x="2387600" y="3302000"/>
+            <a:ext cx="7535333" cy="931333"/>
+          </a:xfrm>
+          <a:prstGeom prst="rect">
+            <a:avLst/>
+          </a:prstGeom>
+        </p:spPr>
+        <p:style>
+          <a:lnRef idx="2">
+            <a:schemeClr val="accent1">
+              <a:shade val="15000"/>
+            </a:schemeClr>
+          </a:lnRef>
+          <a:fillRef idx="1">
+            <a:schemeClr val="accent1"/>
+          </a:fillRef>
+          <a:effectRef idx="0">
+            <a:schemeClr val="accent1"/>
+          </a:effectRef>
+          <a:fontRef idx="minor">
+            <a:schemeClr val="lt1"/>
+          </a:fontRef>
+        </p:style>
+        <p:txBody>
+          <a:bodyPr rtlCol="0" anchor="ctr"/>
+          <a:lstStyle/>
+          <a:p>
+            <a:pPr algn="ctr"/>
+            <a:r>
+              <a:rPr lang="en-IN" b="1" dirty="0"/>
+              <a:t>Host Configuration for Loading and Managing Remotes</a:t>
+            </a:r>
+          </a:p>
+        </p:txBody>
+      </p:sp>
+      <p:cxnSp>
+        <p:nvCxnSpPr>
+          <p:cNvPr id="8" name="Connector: Curved 7">
+            <a:extLst>
+              <a:ext uri="{FF2B5EF4-FFF2-40B4-BE49-F238E27FC236}">
+                <a16:creationId xmlns:a16="http://schemas.microsoft.com/office/drawing/2014/main" id="{7FC7A68E-8A89-8766-682B-F20EB3FA4E5D}"/>
+              </a:ext>
+            </a:extLst>
+          </p:cNvPr>
+          <p:cNvCxnSpPr>
+            <a:stCxn id="3" idx="2"/>
+            <a:endCxn id="6" idx="1"/>
+          </p:cNvCxnSpPr>
+          <p:nvPr/>
+        </p:nvCxnSpPr>
+        <p:spPr>
+          <a:xfrm rot="16200000" flipH="1">
+            <a:off x="1075267" y="2455333"/>
+            <a:ext cx="1710267" cy="914400"/>
+          </a:xfrm>
+          <a:prstGeom prst="curvedConnector2">
+            <a:avLst/>
+          </a:prstGeom>
+          <a:ln>
+            <a:tailEnd type="triangle"/>
+          </a:ln>
+        </p:spPr>
+        <p:style>
+          <a:lnRef idx="2">
+            <a:schemeClr val="accent1"/>
+          </a:lnRef>
+          <a:fillRef idx="0">
+            <a:schemeClr val="accent1"/>
+          </a:fillRef>
+          <a:effectRef idx="1">
+            <a:schemeClr val="accent1"/>
+          </a:effectRef>
+          <a:fontRef idx="minor">
+            <a:schemeClr val="tx1"/>
+          </a:fontRef>
+        </p:style>
+      </p:cxnSp>
+      <p:cxnSp>
+        <p:nvCxnSpPr>
+          <p:cNvPr id="10" name="Straight Arrow Connector 9">
+            <a:extLst>
+              <a:ext uri="{FF2B5EF4-FFF2-40B4-BE49-F238E27FC236}">
+                <a16:creationId xmlns:a16="http://schemas.microsoft.com/office/drawing/2014/main" id="{4C2D9DEC-D1A8-FCA3-EA8E-91A479DE7CCC}"/>
+              </a:ext>
+            </a:extLst>
+          </p:cNvPr>
+          <p:cNvCxnSpPr>
+            <a:stCxn id="4" idx="2"/>
+            <a:endCxn id="6" idx="0"/>
+          </p:cNvCxnSpPr>
+          <p:nvPr/>
+        </p:nvCxnSpPr>
+        <p:spPr>
+          <a:xfrm>
+            <a:off x="6155266" y="2057399"/>
+            <a:ext cx="1" cy="1244601"/>
+          </a:xfrm>
+          <a:prstGeom prst="straightConnector1">
+            <a:avLst/>
+          </a:prstGeom>
+          <a:ln>
+            <a:tailEnd type="triangle"/>
+          </a:ln>
+        </p:spPr>
+        <p:style>
+          <a:lnRef idx="2">
+            <a:schemeClr val="accent1"/>
+          </a:lnRef>
+          <a:fillRef idx="0">
+            <a:schemeClr val="accent1"/>
+          </a:fillRef>
+          <a:effectRef idx="1">
+            <a:schemeClr val="accent1"/>
+          </a:effectRef>
+          <a:fontRef idx="minor">
+            <a:schemeClr val="tx1"/>
+          </a:fontRef>
+        </p:style>
+      </p:cxnSp>
+      <p:cxnSp>
+        <p:nvCxnSpPr>
+          <p:cNvPr id="12" name="Connector: Curved 11">
+            <a:extLst>
+              <a:ext uri="{FF2B5EF4-FFF2-40B4-BE49-F238E27FC236}">
+                <a16:creationId xmlns:a16="http://schemas.microsoft.com/office/drawing/2014/main" id="{17CFF253-BE5E-8275-83B3-9BFA0897612D}"/>
+              </a:ext>
+            </a:extLst>
+          </p:cNvPr>
+          <p:cNvCxnSpPr>
+            <a:stCxn id="5" idx="2"/>
+            <a:endCxn id="6" idx="3"/>
+          </p:cNvCxnSpPr>
+          <p:nvPr/>
+        </p:nvCxnSpPr>
+        <p:spPr>
+          <a:xfrm rot="5400000">
+            <a:off x="9465734" y="2514600"/>
+            <a:ext cx="1710267" cy="795867"/>
+          </a:xfrm>
+          <a:prstGeom prst="curvedConnector2">
+            <a:avLst/>
+          </a:prstGeom>
+          <a:ln>
+            <a:tailEnd type="triangle"/>
+          </a:ln>
+        </p:spPr>
+        <p:style>
+          <a:lnRef idx="2">
+            <a:schemeClr val="accent1"/>
+          </a:lnRef>
+          <a:fillRef idx="0">
+            <a:schemeClr val="accent1"/>
+          </a:fillRef>
+          <a:effectRef idx="1">
+            <a:schemeClr val="accent1"/>
+          </a:effectRef>
+          <a:fontRef idx="minor">
+            <a:schemeClr val="tx1"/>
+          </a:fontRef>
+        </p:style>
+      </p:cxnSp>
+      <p:sp>
+        <p:nvSpPr>
+          <p:cNvPr id="14" name="Arrow: Up-Down 13">
+            <a:extLst>
+              <a:ext uri="{FF2B5EF4-FFF2-40B4-BE49-F238E27FC236}">
+                <a16:creationId xmlns:a16="http://schemas.microsoft.com/office/drawing/2014/main" id="{C3450CFC-8CFA-C98E-3168-0A958E25525B}"/>
+              </a:ext>
+            </a:extLst>
+          </p:cNvPr>
+          <p:cNvSpPr/>
+          <p:nvPr/>
+        </p:nvSpPr>
+        <p:spPr>
+          <a:xfrm>
+            <a:off x="6040966" y="4021668"/>
+            <a:ext cx="342896" cy="838200"/>
+          </a:xfrm>
+          <a:prstGeom prst="upDownArrow">
+            <a:avLst/>
+          </a:prstGeom>
+          <a:solidFill>
+            <a:srgbClr val="7030A0"/>
+          </a:solidFill>
+          <a:ln>
+            <a:solidFill>
+              <a:srgbClr val="FF0000"/>
+            </a:solidFill>
+          </a:ln>
+        </p:spPr>
+        <p:style>
+          <a:lnRef idx="2">
+            <a:schemeClr val="accent1">
+              <a:shade val="15000"/>
+            </a:schemeClr>
+          </a:lnRef>
+          <a:fillRef idx="1">
+            <a:schemeClr val="accent1"/>
+          </a:fillRef>
+          <a:effectRef idx="0">
+            <a:schemeClr val="accent1"/>
+          </a:effectRef>
+          <a:fontRef idx="minor">
+            <a:schemeClr val="lt1"/>
+          </a:fontRef>
+        </p:style>
+        <p:txBody>
+          <a:bodyPr rtlCol="0" anchor="ctr"/>
+          <a:lstStyle/>
+          <a:p>
+            <a:pPr algn="ctr"/>
+            <a:endParaRPr lang="en-IN"/>
+          </a:p>
+        </p:txBody>
+      </p:sp>
+    </p:spTree>
+    <p:extLst>
+      <p:ext uri="{BB962C8B-B14F-4D97-AF65-F5344CB8AC3E}">
+        <p14:creationId xmlns:p14="http://schemas.microsoft.com/office/powerpoint/2010/main" val="2046874643"/>
+      </p:ext>
+    </p:extLst>
+  </p:cSld>
+  <p:clrMapOvr>
+    <a:masterClrMapping/>
+  </p:clrMapOvr>
+</p:sld>
+</file>
+
+<file path=ppt/slides/slide47.xml><?xml version="1.0" encoding="utf-8"?>
+<p:sld xmlns:a="http://schemas.openxmlformats.org/drawingml/2006/main" xmlns:r="http://schemas.openxmlformats.org/officeDocument/2006/relationships" xmlns:p="http://schemas.openxmlformats.org/presentationml/2006/main">
+  <p:cSld>
+    <p:spTree>
+      <p:nvGrpSpPr>
+        <p:cNvPr id="1" name=""/>
+        <p:cNvGrpSpPr/>
+        <p:nvPr/>
+      </p:nvGrpSpPr>
+      <p:grpSpPr>
+        <a:xfrm>
+          <a:off x="0" y="0"/>
+          <a:ext cx="0" cy="0"/>
+          <a:chOff x="0" y="0"/>
+          <a:chExt cx="0" cy="0"/>
+        </a:xfrm>
+      </p:grpSpPr>
+      <p:sp>
+        <p:nvSpPr>
+          <p:cNvPr id="2" name="Rectangle 1">
+            <a:extLst>
+              <a:ext uri="{FF2B5EF4-FFF2-40B4-BE49-F238E27FC236}">
+                <a16:creationId xmlns:a16="http://schemas.microsoft.com/office/drawing/2014/main" id="{6AC4534D-6C91-E79E-E985-A7AFF14690A8}"/>
+              </a:ext>
+            </a:extLst>
+          </p:cNvPr>
+          <p:cNvSpPr/>
+          <p:nvPr/>
+        </p:nvSpPr>
+        <p:spPr>
+          <a:xfrm>
+            <a:off x="626533" y="372533"/>
+            <a:ext cx="6510867" cy="6214534"/>
+          </a:xfrm>
+          <a:prstGeom prst="rect">
+            <a:avLst/>
+          </a:prstGeom>
+        </p:spPr>
+        <p:style>
+          <a:lnRef idx="2">
+            <a:schemeClr val="dk1"/>
+          </a:lnRef>
+          <a:fillRef idx="1">
+            <a:schemeClr val="lt1"/>
+          </a:fillRef>
+          <a:effectRef idx="0">
+            <a:schemeClr val="dk1"/>
+          </a:effectRef>
+          <a:fontRef idx="minor">
+            <a:schemeClr val="dk1"/>
+          </a:fontRef>
+        </p:style>
+        <p:txBody>
+          <a:bodyPr rtlCol="0" anchor="ctr"/>
+          <a:lstStyle/>
+          <a:p>
+            <a:pPr algn="ctr"/>
+            <a:endParaRPr lang="en-IN"/>
+          </a:p>
+        </p:txBody>
+      </p:sp>
+      <p:sp>
+        <p:nvSpPr>
+          <p:cNvPr id="3" name="TextBox 2">
+            <a:extLst>
+              <a:ext uri="{FF2B5EF4-FFF2-40B4-BE49-F238E27FC236}">
+                <a16:creationId xmlns:a16="http://schemas.microsoft.com/office/drawing/2014/main" id="{529AF2E6-FF24-A03F-F860-E4FCDBF9F67F}"/>
+              </a:ext>
+            </a:extLst>
+          </p:cNvPr>
+          <p:cNvSpPr txBox="1"/>
+          <p:nvPr/>
+        </p:nvSpPr>
+        <p:spPr>
+          <a:xfrm>
+            <a:off x="626533" y="550333"/>
+            <a:ext cx="6510867" cy="369332"/>
+          </a:xfrm>
+          <a:prstGeom prst="rect">
+            <a:avLst/>
+          </a:prstGeom>
+          <a:noFill/>
+          <a:ln w="38100">
+            <a:solidFill>
+              <a:srgbClr val="FF0000"/>
+            </a:solidFill>
+          </a:ln>
+        </p:spPr>
+        <p:txBody>
+          <a:bodyPr wrap="square" rtlCol="0">
+            <a:spAutoFit/>
+          </a:bodyPr>
+          <a:lstStyle/>
+          <a:p>
+            <a:pPr algn="ctr"/>
+            <a:r>
+              <a:rPr lang="en-IN" b="1" dirty="0"/>
+              <a:t>Remote App</a:t>
+            </a:r>
+          </a:p>
+        </p:txBody>
+      </p:sp>
+      <p:sp>
+        <p:nvSpPr>
+          <p:cNvPr id="4" name="Rectangle 3">
+            <a:extLst>
+              <a:ext uri="{FF2B5EF4-FFF2-40B4-BE49-F238E27FC236}">
+                <a16:creationId xmlns:a16="http://schemas.microsoft.com/office/drawing/2014/main" id="{4DF4B0AC-266F-B5D8-87CF-EE2B885DACC2}"/>
+              </a:ext>
+            </a:extLst>
+          </p:cNvPr>
+          <p:cNvSpPr/>
+          <p:nvPr/>
+        </p:nvSpPr>
+        <p:spPr>
+          <a:xfrm>
+            <a:off x="778934" y="1303868"/>
+            <a:ext cx="4885266" cy="2421465"/>
+          </a:xfrm>
+          <a:prstGeom prst="rect">
+            <a:avLst/>
+          </a:prstGeom>
+        </p:spPr>
+        <p:style>
+          <a:lnRef idx="1">
+            <a:schemeClr val="accent3"/>
+          </a:lnRef>
+          <a:fillRef idx="2">
+            <a:schemeClr val="accent3"/>
+          </a:fillRef>
+          <a:effectRef idx="1">
+            <a:schemeClr val="accent3"/>
+          </a:effectRef>
+          <a:fontRef idx="minor">
+            <a:schemeClr val="dk1"/>
+          </a:fontRef>
+        </p:style>
+        <p:txBody>
+          <a:bodyPr rtlCol="0" anchor="ctr"/>
+          <a:lstStyle/>
+          <a:p>
+            <a:pPr algn="ctr"/>
+            <a:endParaRPr lang="en-IN"/>
+          </a:p>
+        </p:txBody>
+      </p:sp>
+      <p:sp>
+        <p:nvSpPr>
+          <p:cNvPr id="5" name="TextBox 4">
+            <a:extLst>
+              <a:ext uri="{FF2B5EF4-FFF2-40B4-BE49-F238E27FC236}">
+                <a16:creationId xmlns:a16="http://schemas.microsoft.com/office/drawing/2014/main" id="{FF046F3E-89C2-6332-04A1-E800EB153DF1}"/>
+              </a:ext>
+            </a:extLst>
+          </p:cNvPr>
+          <p:cNvSpPr txBox="1"/>
+          <p:nvPr/>
+        </p:nvSpPr>
+        <p:spPr>
+          <a:xfrm>
+            <a:off x="770467" y="1447800"/>
+            <a:ext cx="4893733" cy="369332"/>
+          </a:xfrm>
+          <a:prstGeom prst="rect">
+            <a:avLst/>
+          </a:prstGeom>
+          <a:noFill/>
+          <a:ln>
+            <a:solidFill>
+              <a:srgbClr val="FF0000"/>
+            </a:solidFill>
+          </a:ln>
+        </p:spPr>
+        <p:txBody>
+          <a:bodyPr wrap="square" rtlCol="0">
+            <a:spAutoFit/>
+          </a:bodyPr>
+          <a:lstStyle/>
+          <a:p>
+            <a:pPr algn="ctr"/>
+            <a:r>
+              <a:rPr lang="en-IN" b="1" dirty="0"/>
+              <a:t>Module</a:t>
+            </a:r>
+          </a:p>
+        </p:txBody>
+      </p:sp>
+      <p:sp>
+        <p:nvSpPr>
+          <p:cNvPr id="6" name="Flowchart: Multidocument 5">
+            <a:extLst>
+              <a:ext uri="{FF2B5EF4-FFF2-40B4-BE49-F238E27FC236}">
+                <a16:creationId xmlns:a16="http://schemas.microsoft.com/office/drawing/2014/main" id="{DA630870-4D99-93DA-0A93-DAE6F7E291BA}"/>
+              </a:ext>
+            </a:extLst>
+          </p:cNvPr>
+          <p:cNvSpPr/>
+          <p:nvPr/>
+        </p:nvSpPr>
+        <p:spPr>
+          <a:xfrm>
+            <a:off x="948267" y="2175933"/>
+            <a:ext cx="1126066" cy="1126067"/>
+          </a:xfrm>
+          <a:prstGeom prst="flowChartMultidocument">
+            <a:avLst/>
+          </a:prstGeom>
+        </p:spPr>
+        <p:style>
+          <a:lnRef idx="2">
+            <a:schemeClr val="accent1">
+              <a:shade val="15000"/>
+            </a:schemeClr>
+          </a:lnRef>
+          <a:fillRef idx="1">
+            <a:schemeClr val="accent1"/>
+          </a:fillRef>
+          <a:effectRef idx="0">
+            <a:schemeClr val="accent1"/>
+          </a:effectRef>
+          <a:fontRef idx="minor">
+            <a:schemeClr val="lt1"/>
+          </a:fontRef>
+        </p:style>
+        <p:txBody>
+          <a:bodyPr rtlCol="0" anchor="ctr"/>
+          <a:lstStyle/>
+          <a:p>
+            <a:pPr algn="ctr"/>
+            <a:r>
+              <a:rPr lang="en-IN" sz="1000" b="1" dirty="0"/>
+              <a:t>Components</a:t>
+            </a:r>
+          </a:p>
+        </p:txBody>
+      </p:sp>
+      <p:sp>
+        <p:nvSpPr>
+          <p:cNvPr id="7" name="Flowchart: Multidocument 6">
+            <a:extLst>
+              <a:ext uri="{FF2B5EF4-FFF2-40B4-BE49-F238E27FC236}">
+                <a16:creationId xmlns:a16="http://schemas.microsoft.com/office/drawing/2014/main" id="{AE5F6C8F-4BC6-BAAB-5460-0A7E971D2B0B}"/>
+              </a:ext>
+            </a:extLst>
+          </p:cNvPr>
+          <p:cNvSpPr/>
+          <p:nvPr/>
+        </p:nvSpPr>
+        <p:spPr>
+          <a:xfrm>
+            <a:off x="2226733" y="2121931"/>
+            <a:ext cx="1126066" cy="1126067"/>
+          </a:xfrm>
+          <a:prstGeom prst="flowChartMultidocument">
+            <a:avLst/>
+          </a:prstGeom>
+        </p:spPr>
+        <p:style>
+          <a:lnRef idx="2">
+            <a:schemeClr val="accent1">
+              <a:shade val="15000"/>
+            </a:schemeClr>
+          </a:lnRef>
+          <a:fillRef idx="1">
+            <a:schemeClr val="accent1"/>
+          </a:fillRef>
+          <a:effectRef idx="0">
+            <a:schemeClr val="accent1"/>
+          </a:effectRef>
+          <a:fontRef idx="minor">
+            <a:schemeClr val="lt1"/>
+          </a:fontRef>
+        </p:style>
+        <p:txBody>
+          <a:bodyPr rtlCol="0" anchor="ctr"/>
+          <a:lstStyle/>
+          <a:p>
+            <a:pPr algn="ctr"/>
+            <a:r>
+              <a:rPr lang="en-IN" sz="1100" b="1" dirty="0"/>
+              <a:t>Services</a:t>
+            </a:r>
+          </a:p>
+        </p:txBody>
+      </p:sp>
+      <p:sp>
+        <p:nvSpPr>
+          <p:cNvPr id="8" name="Flowchart: Multidocument 7">
+            <a:extLst>
+              <a:ext uri="{FF2B5EF4-FFF2-40B4-BE49-F238E27FC236}">
+                <a16:creationId xmlns:a16="http://schemas.microsoft.com/office/drawing/2014/main" id="{BF4DC008-BC97-9F60-D6EF-F8448D14ABE0}"/>
+              </a:ext>
+            </a:extLst>
+          </p:cNvPr>
+          <p:cNvSpPr/>
+          <p:nvPr/>
+        </p:nvSpPr>
+        <p:spPr>
+          <a:xfrm>
+            <a:off x="3674532" y="2064265"/>
+            <a:ext cx="1126066" cy="1126067"/>
+          </a:xfrm>
+          <a:prstGeom prst="flowChartMultidocument">
+            <a:avLst/>
+          </a:prstGeom>
+        </p:spPr>
+        <p:style>
+          <a:lnRef idx="2">
+            <a:schemeClr val="accent1">
+              <a:shade val="15000"/>
+            </a:schemeClr>
+          </a:lnRef>
+          <a:fillRef idx="1">
+            <a:schemeClr val="accent1"/>
+          </a:fillRef>
+          <a:effectRef idx="0">
+            <a:schemeClr val="accent1"/>
+          </a:effectRef>
+          <a:fontRef idx="minor">
+            <a:schemeClr val="lt1"/>
+          </a:fontRef>
+        </p:style>
+        <p:txBody>
+          <a:bodyPr rtlCol="0" anchor="ctr"/>
+          <a:lstStyle/>
+          <a:p>
+            <a:pPr algn="ctr"/>
+            <a:r>
+              <a:rPr lang="en-IN" sz="1050" b="1" dirty="0"/>
+              <a:t>Models</a:t>
+            </a:r>
+          </a:p>
+        </p:txBody>
+      </p:sp>
+      <p:sp>
+        <p:nvSpPr>
+          <p:cNvPr id="9" name="Rectangle 8">
+            <a:extLst>
+              <a:ext uri="{FF2B5EF4-FFF2-40B4-BE49-F238E27FC236}">
+                <a16:creationId xmlns:a16="http://schemas.microsoft.com/office/drawing/2014/main" id="{DD573AC4-CC61-1D42-37C8-C48DC1FC38DD}"/>
+              </a:ext>
+            </a:extLst>
+          </p:cNvPr>
+          <p:cNvSpPr/>
+          <p:nvPr/>
+        </p:nvSpPr>
+        <p:spPr>
+          <a:xfrm>
+            <a:off x="787401" y="3886201"/>
+            <a:ext cx="2319866" cy="1270000"/>
+          </a:xfrm>
+          <a:prstGeom prst="rect">
+            <a:avLst/>
+          </a:prstGeom>
+        </p:spPr>
+        <p:style>
+          <a:lnRef idx="1">
+            <a:schemeClr val="accent3"/>
+          </a:lnRef>
+          <a:fillRef idx="2">
+            <a:schemeClr val="accent3"/>
+          </a:fillRef>
+          <a:effectRef idx="1">
+            <a:schemeClr val="accent3"/>
+          </a:effectRef>
+          <a:fontRef idx="minor">
+            <a:schemeClr val="dk1"/>
+          </a:fontRef>
+        </p:style>
+        <p:txBody>
+          <a:bodyPr rtlCol="0" anchor="ctr"/>
+          <a:lstStyle/>
+          <a:p>
+            <a:pPr algn="ctr"/>
+            <a:endParaRPr lang="en-IN"/>
+          </a:p>
+        </p:txBody>
+      </p:sp>
+      <p:sp>
+        <p:nvSpPr>
+          <p:cNvPr id="10" name="TextBox 9">
+            <a:extLst>
+              <a:ext uri="{FF2B5EF4-FFF2-40B4-BE49-F238E27FC236}">
+                <a16:creationId xmlns:a16="http://schemas.microsoft.com/office/drawing/2014/main" id="{1682FFD0-7453-15F1-2654-2BFA8E258136}"/>
+              </a:ext>
+            </a:extLst>
+          </p:cNvPr>
+          <p:cNvSpPr txBox="1"/>
+          <p:nvPr/>
+        </p:nvSpPr>
+        <p:spPr>
+          <a:xfrm>
+            <a:off x="778934" y="4030132"/>
+            <a:ext cx="2323887" cy="369332"/>
+          </a:xfrm>
+          <a:prstGeom prst="rect">
+            <a:avLst/>
+          </a:prstGeom>
+          <a:noFill/>
+          <a:ln>
+            <a:solidFill>
+              <a:srgbClr val="FF0000"/>
+            </a:solidFill>
+          </a:ln>
+        </p:spPr>
+        <p:txBody>
+          <a:bodyPr wrap="square" rtlCol="0">
+            <a:spAutoFit/>
+          </a:bodyPr>
+          <a:lstStyle/>
+          <a:p>
+            <a:pPr algn="ctr"/>
+            <a:r>
+              <a:rPr lang="en-IN" b="1" dirty="0"/>
+              <a:t>Module</a:t>
+            </a:r>
+          </a:p>
+        </p:txBody>
+      </p:sp>
+      <p:sp>
+        <p:nvSpPr>
+          <p:cNvPr id="11" name="Rectangle 10">
+            <a:extLst>
+              <a:ext uri="{FF2B5EF4-FFF2-40B4-BE49-F238E27FC236}">
+                <a16:creationId xmlns:a16="http://schemas.microsoft.com/office/drawing/2014/main" id="{6040AA31-3529-A715-A327-F381BBAE570E}"/>
+              </a:ext>
+            </a:extLst>
+          </p:cNvPr>
+          <p:cNvSpPr/>
+          <p:nvPr/>
+        </p:nvSpPr>
+        <p:spPr>
+          <a:xfrm>
+            <a:off x="3365287" y="3897870"/>
+            <a:ext cx="2319866" cy="1270000"/>
+          </a:xfrm>
+          <a:prstGeom prst="rect">
+            <a:avLst/>
+          </a:prstGeom>
+        </p:spPr>
+        <p:style>
+          <a:lnRef idx="1">
+            <a:schemeClr val="accent3"/>
+          </a:lnRef>
+          <a:fillRef idx="2">
+            <a:schemeClr val="accent3"/>
+          </a:fillRef>
+          <a:effectRef idx="1">
+            <a:schemeClr val="accent3"/>
+          </a:effectRef>
+          <a:fontRef idx="minor">
+            <a:schemeClr val="dk1"/>
+          </a:fontRef>
+        </p:style>
+        <p:txBody>
+          <a:bodyPr rtlCol="0" anchor="ctr"/>
+          <a:lstStyle/>
+          <a:p>
+            <a:pPr algn="ctr"/>
+            <a:endParaRPr lang="en-IN"/>
+          </a:p>
+        </p:txBody>
+      </p:sp>
+      <p:sp>
+        <p:nvSpPr>
+          <p:cNvPr id="12" name="TextBox 11">
+            <a:extLst>
+              <a:ext uri="{FF2B5EF4-FFF2-40B4-BE49-F238E27FC236}">
+                <a16:creationId xmlns:a16="http://schemas.microsoft.com/office/drawing/2014/main" id="{47CC78AE-06F3-FEED-8620-3D2CEB50F794}"/>
+              </a:ext>
+            </a:extLst>
+          </p:cNvPr>
+          <p:cNvSpPr txBox="1"/>
+          <p:nvPr/>
+        </p:nvSpPr>
+        <p:spPr>
+          <a:xfrm>
+            <a:off x="3356820" y="4041801"/>
+            <a:ext cx="2323887" cy="369332"/>
+          </a:xfrm>
+          <a:prstGeom prst="rect">
+            <a:avLst/>
+          </a:prstGeom>
+          <a:noFill/>
+          <a:ln>
+            <a:solidFill>
+              <a:srgbClr val="FF0000"/>
+            </a:solidFill>
+          </a:ln>
+        </p:spPr>
+        <p:txBody>
+          <a:bodyPr wrap="square" rtlCol="0">
+            <a:spAutoFit/>
+          </a:bodyPr>
+          <a:lstStyle/>
+          <a:p>
+            <a:pPr algn="ctr"/>
+            <a:r>
+              <a:rPr lang="en-IN" b="1" dirty="0"/>
+              <a:t>Module</a:t>
+            </a:r>
+          </a:p>
+        </p:txBody>
+      </p:sp>
+      <p:sp>
+        <p:nvSpPr>
+          <p:cNvPr id="13" name="Rectangle 12">
+            <a:extLst>
+              <a:ext uri="{FF2B5EF4-FFF2-40B4-BE49-F238E27FC236}">
+                <a16:creationId xmlns:a16="http://schemas.microsoft.com/office/drawing/2014/main" id="{54BD80F8-07D6-9EB3-2129-20C89536652F}"/>
+              </a:ext>
+            </a:extLst>
+          </p:cNvPr>
+          <p:cNvSpPr/>
+          <p:nvPr/>
+        </p:nvSpPr>
+        <p:spPr>
+          <a:xfrm>
+            <a:off x="787401" y="5475300"/>
+            <a:ext cx="6019799" cy="832367"/>
+          </a:xfrm>
+          <a:prstGeom prst="rect">
+            <a:avLst/>
+          </a:prstGeom>
+          <a:solidFill>
+            <a:srgbClr val="00B0F0"/>
+          </a:solidFill>
+        </p:spPr>
+        <p:style>
+          <a:lnRef idx="2">
+            <a:schemeClr val="accent1">
+              <a:shade val="15000"/>
+            </a:schemeClr>
+          </a:lnRef>
+          <a:fillRef idx="1">
+            <a:schemeClr val="accent1"/>
+          </a:fillRef>
+          <a:effectRef idx="0">
+            <a:schemeClr val="accent1"/>
+          </a:effectRef>
+          <a:fontRef idx="minor">
+            <a:schemeClr val="lt1"/>
+          </a:fontRef>
+        </p:style>
+        <p:txBody>
+          <a:bodyPr rtlCol="0" anchor="ctr"/>
+          <a:lstStyle/>
+          <a:p>
+            <a:pPr algn="ctr"/>
+            <a:r>
+              <a:rPr lang="en-IN" b="1" dirty="0"/>
+              <a:t>Entry  Module / Component with Routing </a:t>
+            </a:r>
+          </a:p>
+        </p:txBody>
+      </p:sp>
+      <p:cxnSp>
+        <p:nvCxnSpPr>
+          <p:cNvPr id="15" name="Connector: Curved 14">
+            <a:extLst>
+              <a:ext uri="{FF2B5EF4-FFF2-40B4-BE49-F238E27FC236}">
+                <a16:creationId xmlns:a16="http://schemas.microsoft.com/office/drawing/2014/main" id="{52CB1221-1A4C-E68D-684C-C569399BDC47}"/>
+              </a:ext>
+            </a:extLst>
+          </p:cNvPr>
+          <p:cNvCxnSpPr>
+            <a:stCxn id="4" idx="3"/>
+            <a:endCxn id="13" idx="3"/>
+          </p:cNvCxnSpPr>
+          <p:nvPr/>
+        </p:nvCxnSpPr>
+        <p:spPr>
+          <a:xfrm>
+            <a:off x="5664200" y="2514601"/>
+            <a:ext cx="1143000" cy="3376883"/>
+          </a:xfrm>
+          <a:prstGeom prst="curvedConnector3">
+            <a:avLst>
+              <a:gd name="adj1" fmla="val 120000"/>
+            </a:avLst>
+          </a:prstGeom>
+          <a:ln>
+            <a:tailEnd type="triangle"/>
+          </a:ln>
+        </p:spPr>
+        <p:style>
+          <a:lnRef idx="2">
+            <a:schemeClr val="accent1"/>
+          </a:lnRef>
+          <a:fillRef idx="0">
+            <a:schemeClr val="accent1"/>
+          </a:fillRef>
+          <a:effectRef idx="1">
+            <a:schemeClr val="accent1"/>
+          </a:effectRef>
+          <a:fontRef idx="minor">
+            <a:schemeClr val="tx1"/>
+          </a:fontRef>
+        </p:style>
+      </p:cxnSp>
+      <p:cxnSp>
+        <p:nvCxnSpPr>
+          <p:cNvPr id="17" name="Connector: Curved 16">
+            <a:extLst>
+              <a:ext uri="{FF2B5EF4-FFF2-40B4-BE49-F238E27FC236}">
+                <a16:creationId xmlns:a16="http://schemas.microsoft.com/office/drawing/2014/main" id="{F6695FE0-6A4D-3B81-2BD5-76C9613F8AFF}"/>
+              </a:ext>
+            </a:extLst>
+          </p:cNvPr>
+          <p:cNvCxnSpPr>
+            <a:stCxn id="9" idx="3"/>
+            <a:endCxn id="13" idx="0"/>
+          </p:cNvCxnSpPr>
+          <p:nvPr/>
+        </p:nvCxnSpPr>
+        <p:spPr>
+          <a:xfrm>
+            <a:off x="3107267" y="4521201"/>
+            <a:ext cx="690034" cy="954099"/>
+          </a:xfrm>
+          <a:prstGeom prst="curvedConnector2">
+            <a:avLst/>
+          </a:prstGeom>
+          <a:ln>
+            <a:tailEnd type="triangle"/>
+          </a:ln>
+        </p:spPr>
+        <p:style>
+          <a:lnRef idx="2">
+            <a:schemeClr val="accent1"/>
+          </a:lnRef>
+          <a:fillRef idx="0">
+            <a:schemeClr val="accent1"/>
+          </a:fillRef>
+          <a:effectRef idx="1">
+            <a:schemeClr val="accent1"/>
+          </a:effectRef>
+          <a:fontRef idx="minor">
+            <a:schemeClr val="tx1"/>
+          </a:fontRef>
+        </p:style>
+      </p:cxnSp>
+      <p:cxnSp>
+        <p:nvCxnSpPr>
+          <p:cNvPr id="19" name="Connector: Curved 18">
+            <a:extLst>
+              <a:ext uri="{FF2B5EF4-FFF2-40B4-BE49-F238E27FC236}">
+                <a16:creationId xmlns:a16="http://schemas.microsoft.com/office/drawing/2014/main" id="{01543934-6F35-CA1F-829A-B9B748C70628}"/>
+              </a:ext>
+            </a:extLst>
+          </p:cNvPr>
+          <p:cNvCxnSpPr>
+            <a:stCxn id="11" idx="2"/>
+            <a:endCxn id="13" idx="0"/>
+          </p:cNvCxnSpPr>
+          <p:nvPr/>
+        </p:nvCxnSpPr>
+        <p:spPr>
+          <a:xfrm rot="5400000">
+            <a:off x="4007546" y="4957626"/>
+            <a:ext cx="307430" cy="727919"/>
+          </a:xfrm>
+          <a:prstGeom prst="curvedConnector3">
+            <a:avLst/>
+          </a:prstGeom>
+          <a:ln>
+            <a:tailEnd type="triangle"/>
+          </a:ln>
+        </p:spPr>
+        <p:style>
+          <a:lnRef idx="2">
+            <a:schemeClr val="accent1"/>
+          </a:lnRef>
+          <a:fillRef idx="0">
+            <a:schemeClr val="accent1"/>
+          </a:fillRef>
+          <a:effectRef idx="1">
+            <a:schemeClr val="accent1"/>
+          </a:effectRef>
+          <a:fontRef idx="minor">
+            <a:schemeClr val="tx1"/>
+          </a:fontRef>
+        </p:style>
+      </p:cxnSp>
+      <p:sp>
+        <p:nvSpPr>
+          <p:cNvPr id="20" name="Arrow: Right 19">
+            <a:extLst>
+              <a:ext uri="{FF2B5EF4-FFF2-40B4-BE49-F238E27FC236}">
+                <a16:creationId xmlns:a16="http://schemas.microsoft.com/office/drawing/2014/main" id="{0E54D221-F67F-2E7B-BD65-2C68DF852151}"/>
+              </a:ext>
+            </a:extLst>
+          </p:cNvPr>
+          <p:cNvSpPr/>
+          <p:nvPr/>
+        </p:nvSpPr>
+        <p:spPr>
+          <a:xfrm>
+            <a:off x="7137400" y="2785533"/>
+            <a:ext cx="2396067" cy="719667"/>
+          </a:xfrm>
+          <a:prstGeom prst="rightArrow">
+            <a:avLst/>
+          </a:prstGeom>
+        </p:spPr>
+        <p:style>
+          <a:lnRef idx="2">
+            <a:schemeClr val="accent1">
+              <a:shade val="15000"/>
+            </a:schemeClr>
+          </a:lnRef>
+          <a:fillRef idx="1">
+            <a:schemeClr val="accent1"/>
+          </a:fillRef>
+          <a:effectRef idx="0">
+            <a:schemeClr val="accent1"/>
+          </a:effectRef>
+          <a:fontRef idx="minor">
+            <a:schemeClr val="lt1"/>
+          </a:fontRef>
+        </p:style>
+        <p:txBody>
+          <a:bodyPr rtlCol="0" anchor="ctr"/>
+          <a:lstStyle/>
+          <a:p>
+            <a:pPr algn="ctr"/>
+            <a:r>
+              <a:rPr lang="en-IN" sz="1200" b="1" dirty="0"/>
+              <a:t>When Exposed to Shell</a:t>
+            </a:r>
+          </a:p>
+        </p:txBody>
+      </p:sp>
+      <p:sp>
+        <p:nvSpPr>
+          <p:cNvPr id="21" name="Rectangle 20">
+            <a:extLst>
+              <a:ext uri="{FF2B5EF4-FFF2-40B4-BE49-F238E27FC236}">
+                <a16:creationId xmlns:a16="http://schemas.microsoft.com/office/drawing/2014/main" id="{F18004CB-7655-3BA6-6DBD-3A7E74E2D218}"/>
+              </a:ext>
+            </a:extLst>
+          </p:cNvPr>
+          <p:cNvSpPr/>
+          <p:nvPr/>
+        </p:nvSpPr>
+        <p:spPr>
+          <a:xfrm>
+            <a:off x="9533467" y="2451099"/>
+            <a:ext cx="2032000" cy="1388533"/>
+          </a:xfrm>
+          <a:prstGeom prst="rect">
+            <a:avLst/>
+          </a:prstGeom>
+        </p:spPr>
+        <p:style>
+          <a:lnRef idx="2">
+            <a:schemeClr val="accent1">
+              <a:shade val="15000"/>
+            </a:schemeClr>
+          </a:lnRef>
+          <a:fillRef idx="1">
+            <a:schemeClr val="accent1"/>
+          </a:fillRef>
+          <a:effectRef idx="0">
+            <a:schemeClr val="accent1"/>
+          </a:effectRef>
+          <a:fontRef idx="minor">
+            <a:schemeClr val="lt1"/>
+          </a:fontRef>
+        </p:style>
+        <p:txBody>
+          <a:bodyPr rtlCol="0" anchor="ctr"/>
+          <a:lstStyle/>
+          <a:p>
+            <a:pPr algn="ctr"/>
+            <a:r>
+              <a:rPr lang="en-IN" dirty="0"/>
+              <a:t>Shell App will Access the Remote App using the Entry Module / Component</a:t>
+            </a:r>
+          </a:p>
+        </p:txBody>
+      </p:sp>
+    </p:spTree>
+    <p:extLst>
+      <p:ext uri="{BB962C8B-B14F-4D97-AF65-F5344CB8AC3E}">
+        <p14:creationId xmlns:p14="http://schemas.microsoft.com/office/powerpoint/2010/main" val="164810840"/>
       </p:ext>
     </p:extLst>
   </p:cSld>

--- a/my-ng-app/Angular_Training_Images.pptx
+++ b/my-ng-app/Angular_Training_Images.pptx
@@ -5,7 +5,7 @@
     <p:sldMasterId id="2147483648" r:id="rId1"/>
   </p:sldMasterIdLst>
   <p:notesMasterIdLst>
-    <p:notesMasterId r:id="rId49"/>
+    <p:notesMasterId r:id="rId50"/>
   </p:notesMasterIdLst>
   <p:sldIdLst>
     <p:sldId id="256" r:id="rId2"/>
@@ -55,6 +55,7 @@
     <p:sldId id="300" r:id="rId46"/>
     <p:sldId id="301" r:id="rId47"/>
     <p:sldId id="302" r:id="rId48"/>
+    <p:sldId id="303" r:id="rId49"/>
   </p:sldIdLst>
   <p:sldSz cx="12192000" cy="6858000"/>
   <p:notesSz cx="6858000" cy="9144000"/>
@@ -243,7 +244,7 @@
           <a:p>
             <a:fld id="{DF93E0C2-E96E-4876-AC08-E4ADA015AFF5}" type="datetimeFigureOut">
               <a:rPr lang="en-IN" smtClean="0"/>
-              <a:t>29-04-2024</a:t>
+              <a:t>30-04-2024</a:t>
             </a:fld>
             <a:endParaRPr lang="en-IN"/>
           </a:p>
@@ -744,7 +745,7 @@
           <a:p>
             <a:fld id="{35E7C7C1-050F-4B17-8FDC-37C455263954}" type="datetimeFigureOut">
               <a:rPr lang="en-IN" smtClean="0"/>
-              <a:t>29-04-2024</a:t>
+              <a:t>30-04-2024</a:t>
             </a:fld>
             <a:endParaRPr lang="en-IN"/>
           </a:p>
@@ -944,7 +945,7 @@
           <a:p>
             <a:fld id="{35E7C7C1-050F-4B17-8FDC-37C455263954}" type="datetimeFigureOut">
               <a:rPr lang="en-IN" smtClean="0"/>
-              <a:t>29-04-2024</a:t>
+              <a:t>30-04-2024</a:t>
             </a:fld>
             <a:endParaRPr lang="en-IN"/>
           </a:p>
@@ -1154,7 +1155,7 @@
           <a:p>
             <a:fld id="{35E7C7C1-050F-4B17-8FDC-37C455263954}" type="datetimeFigureOut">
               <a:rPr lang="en-IN" smtClean="0"/>
-              <a:t>29-04-2024</a:t>
+              <a:t>30-04-2024</a:t>
             </a:fld>
             <a:endParaRPr lang="en-IN"/>
           </a:p>
@@ -1354,7 +1355,7 @@
           <a:p>
             <a:fld id="{35E7C7C1-050F-4B17-8FDC-37C455263954}" type="datetimeFigureOut">
               <a:rPr lang="en-IN" smtClean="0"/>
-              <a:t>29-04-2024</a:t>
+              <a:t>30-04-2024</a:t>
             </a:fld>
             <a:endParaRPr lang="en-IN"/>
           </a:p>
@@ -1630,7 +1631,7 @@
           <a:p>
             <a:fld id="{35E7C7C1-050F-4B17-8FDC-37C455263954}" type="datetimeFigureOut">
               <a:rPr lang="en-IN" smtClean="0"/>
-              <a:t>29-04-2024</a:t>
+              <a:t>30-04-2024</a:t>
             </a:fld>
             <a:endParaRPr lang="en-IN"/>
           </a:p>
@@ -1898,7 +1899,7 @@
           <a:p>
             <a:fld id="{35E7C7C1-050F-4B17-8FDC-37C455263954}" type="datetimeFigureOut">
               <a:rPr lang="en-IN" smtClean="0"/>
-              <a:t>29-04-2024</a:t>
+              <a:t>30-04-2024</a:t>
             </a:fld>
             <a:endParaRPr lang="en-IN"/>
           </a:p>
@@ -2313,7 +2314,7 @@
           <a:p>
             <a:fld id="{35E7C7C1-050F-4B17-8FDC-37C455263954}" type="datetimeFigureOut">
               <a:rPr lang="en-IN" smtClean="0"/>
-              <a:t>29-04-2024</a:t>
+              <a:t>30-04-2024</a:t>
             </a:fld>
             <a:endParaRPr lang="en-IN"/>
           </a:p>
@@ -2455,7 +2456,7 @@
           <a:p>
             <a:fld id="{35E7C7C1-050F-4B17-8FDC-37C455263954}" type="datetimeFigureOut">
               <a:rPr lang="en-IN" smtClean="0"/>
-              <a:t>29-04-2024</a:t>
+              <a:t>30-04-2024</a:t>
             </a:fld>
             <a:endParaRPr lang="en-IN"/>
           </a:p>
@@ -2568,7 +2569,7 @@
           <a:p>
             <a:fld id="{35E7C7C1-050F-4B17-8FDC-37C455263954}" type="datetimeFigureOut">
               <a:rPr lang="en-IN" smtClean="0"/>
-              <a:t>29-04-2024</a:t>
+              <a:t>30-04-2024</a:t>
             </a:fld>
             <a:endParaRPr lang="en-IN"/>
           </a:p>
@@ -2881,7 +2882,7 @@
           <a:p>
             <a:fld id="{35E7C7C1-050F-4B17-8FDC-37C455263954}" type="datetimeFigureOut">
               <a:rPr lang="en-IN" smtClean="0"/>
-              <a:t>29-04-2024</a:t>
+              <a:t>30-04-2024</a:t>
             </a:fld>
             <a:endParaRPr lang="en-IN"/>
           </a:p>
@@ -3170,7 +3171,7 @@
           <a:p>
             <a:fld id="{35E7C7C1-050F-4B17-8FDC-37C455263954}" type="datetimeFigureOut">
               <a:rPr lang="en-IN" smtClean="0"/>
-              <a:t>29-04-2024</a:t>
+              <a:t>30-04-2024</a:t>
             </a:fld>
             <a:endParaRPr lang="en-IN"/>
           </a:p>
@@ -3413,7 +3414,7 @@
           <a:p>
             <a:fld id="{35E7C7C1-050F-4B17-8FDC-37C455263954}" type="datetimeFigureOut">
               <a:rPr lang="en-IN" smtClean="0"/>
-              <a:t>29-04-2024</a:t>
+              <a:t>30-04-2024</a:t>
             </a:fld>
             <a:endParaRPr lang="en-IN"/>
           </a:p>
@@ -36250,6 +36251,526 @@
     <p:extLst>
       <p:ext uri="{BB962C8B-B14F-4D97-AF65-F5344CB8AC3E}">
         <p14:creationId xmlns:p14="http://schemas.microsoft.com/office/powerpoint/2010/main" val="164810840"/>
+      </p:ext>
+    </p:extLst>
+  </p:cSld>
+  <p:clrMapOvr>
+    <a:masterClrMapping/>
+  </p:clrMapOvr>
+</p:sld>
+</file>
+
+<file path=ppt/slides/slide48.xml><?xml version="1.0" encoding="utf-8"?>
+<p:sld xmlns:a="http://schemas.openxmlformats.org/drawingml/2006/main" xmlns:r="http://schemas.openxmlformats.org/officeDocument/2006/relationships" xmlns:p="http://schemas.openxmlformats.org/presentationml/2006/main">
+  <p:cSld>
+    <p:spTree>
+      <p:nvGrpSpPr>
+        <p:cNvPr id="1" name=""/>
+        <p:cNvGrpSpPr/>
+        <p:nvPr/>
+      </p:nvGrpSpPr>
+      <p:grpSpPr>
+        <a:xfrm>
+          <a:off x="0" y="0"/>
+          <a:ext cx="0" cy="0"/>
+          <a:chOff x="0" y="0"/>
+          <a:chExt cx="0" cy="0"/>
+        </a:xfrm>
+      </p:grpSpPr>
+      <p:sp>
+        <p:nvSpPr>
+          <p:cNvPr id="2" name="Rectangle 1">
+            <a:extLst>
+              <a:ext uri="{FF2B5EF4-FFF2-40B4-BE49-F238E27FC236}">
+                <a16:creationId xmlns:a16="http://schemas.microsoft.com/office/drawing/2014/main" id="{00FC43C8-5EA2-CEF9-AD28-2706DDD4774D}"/>
+              </a:ext>
+            </a:extLst>
+          </p:cNvPr>
+          <p:cNvSpPr/>
+          <p:nvPr/>
+        </p:nvSpPr>
+        <p:spPr>
+          <a:xfrm>
+            <a:off x="3090333" y="1422400"/>
+            <a:ext cx="5427133" cy="3166533"/>
+          </a:xfrm>
+          <a:prstGeom prst="rect">
+            <a:avLst/>
+          </a:prstGeom>
+        </p:spPr>
+        <p:style>
+          <a:lnRef idx="1">
+            <a:schemeClr val="accent2"/>
+          </a:lnRef>
+          <a:fillRef idx="2">
+            <a:schemeClr val="accent2"/>
+          </a:fillRef>
+          <a:effectRef idx="1">
+            <a:schemeClr val="accent2"/>
+          </a:effectRef>
+          <a:fontRef idx="minor">
+            <a:schemeClr val="dk1"/>
+          </a:fontRef>
+        </p:style>
+        <p:txBody>
+          <a:bodyPr rtlCol="0" anchor="ctr"/>
+          <a:lstStyle/>
+          <a:p>
+            <a:pPr algn="ctr"/>
+            <a:r>
+              <a:rPr lang="en-IN" sz="3200" b="1" dirty="0"/>
+              <a:t>Micro Frontend Shell /  Host</a:t>
+            </a:r>
+          </a:p>
+        </p:txBody>
+      </p:sp>
+      <p:sp>
+        <p:nvSpPr>
+          <p:cNvPr id="3" name="Rectangle 2">
+            <a:extLst>
+              <a:ext uri="{FF2B5EF4-FFF2-40B4-BE49-F238E27FC236}">
+                <a16:creationId xmlns:a16="http://schemas.microsoft.com/office/drawing/2014/main" id="{8EFBDB95-D973-3E2F-FC03-0168C91F714B}"/>
+              </a:ext>
+            </a:extLst>
+          </p:cNvPr>
+          <p:cNvSpPr/>
+          <p:nvPr/>
+        </p:nvSpPr>
+        <p:spPr>
+          <a:xfrm>
+            <a:off x="135467" y="863600"/>
+            <a:ext cx="1930400" cy="1270000"/>
+          </a:xfrm>
+          <a:prstGeom prst="rect">
+            <a:avLst/>
+          </a:prstGeom>
+        </p:spPr>
+        <p:style>
+          <a:lnRef idx="2">
+            <a:schemeClr val="accent1">
+              <a:shade val="15000"/>
+            </a:schemeClr>
+          </a:lnRef>
+          <a:fillRef idx="1">
+            <a:schemeClr val="accent1"/>
+          </a:fillRef>
+          <a:effectRef idx="0">
+            <a:schemeClr val="accent1"/>
+          </a:effectRef>
+          <a:fontRef idx="minor">
+            <a:schemeClr val="lt1"/>
+          </a:fontRef>
+        </p:style>
+        <p:txBody>
+          <a:bodyPr rtlCol="0" anchor="ctr"/>
+          <a:lstStyle/>
+          <a:p>
+            <a:pPr algn="ctr"/>
+            <a:r>
+              <a:rPr lang="en-IN" dirty="0"/>
+              <a:t>Remote App 1</a:t>
+            </a:r>
+          </a:p>
+          <a:p>
+            <a:pPr algn="ctr"/>
+            <a:r>
+              <a:rPr lang="en-IN" dirty="0"/>
+              <a:t>Angular</a:t>
+            </a:r>
+          </a:p>
+        </p:txBody>
+      </p:sp>
+      <p:sp>
+        <p:nvSpPr>
+          <p:cNvPr id="4" name="Rectangle 3">
+            <a:extLst>
+              <a:ext uri="{FF2B5EF4-FFF2-40B4-BE49-F238E27FC236}">
+                <a16:creationId xmlns:a16="http://schemas.microsoft.com/office/drawing/2014/main" id="{149A4FBF-0B22-7B8E-CFDD-150CE83D7634}"/>
+              </a:ext>
+            </a:extLst>
+          </p:cNvPr>
+          <p:cNvSpPr/>
+          <p:nvPr/>
+        </p:nvSpPr>
+        <p:spPr>
+          <a:xfrm>
+            <a:off x="9652000" y="863600"/>
+            <a:ext cx="1930400" cy="1270000"/>
+          </a:xfrm>
+          <a:prstGeom prst="rect">
+            <a:avLst/>
+          </a:prstGeom>
+        </p:spPr>
+        <p:style>
+          <a:lnRef idx="2">
+            <a:schemeClr val="accent1">
+              <a:shade val="15000"/>
+            </a:schemeClr>
+          </a:lnRef>
+          <a:fillRef idx="1">
+            <a:schemeClr val="accent1"/>
+          </a:fillRef>
+          <a:effectRef idx="0">
+            <a:schemeClr val="accent1"/>
+          </a:effectRef>
+          <a:fontRef idx="minor">
+            <a:schemeClr val="lt1"/>
+          </a:fontRef>
+        </p:style>
+        <p:txBody>
+          <a:bodyPr rtlCol="0" anchor="ctr"/>
+          <a:lstStyle/>
+          <a:p>
+            <a:pPr algn="ctr"/>
+            <a:r>
+              <a:rPr lang="en-IN" dirty="0"/>
+              <a:t>Remote App 2</a:t>
+            </a:r>
+          </a:p>
+          <a:p>
+            <a:pPr algn="ctr"/>
+            <a:r>
+              <a:rPr lang="en-IN" dirty="0"/>
+              <a:t>Angular</a:t>
+            </a:r>
+          </a:p>
+        </p:txBody>
+      </p:sp>
+      <p:sp>
+        <p:nvSpPr>
+          <p:cNvPr id="5" name="Rectangle 4">
+            <a:extLst>
+              <a:ext uri="{FF2B5EF4-FFF2-40B4-BE49-F238E27FC236}">
+                <a16:creationId xmlns:a16="http://schemas.microsoft.com/office/drawing/2014/main" id="{48C8276D-57B1-76E5-E755-7315BDDC9551}"/>
+              </a:ext>
+            </a:extLst>
+          </p:cNvPr>
+          <p:cNvSpPr/>
+          <p:nvPr/>
+        </p:nvSpPr>
+        <p:spPr>
+          <a:xfrm>
+            <a:off x="4838699" y="5342468"/>
+            <a:ext cx="1930400" cy="1270000"/>
+          </a:xfrm>
+          <a:prstGeom prst="rect">
+            <a:avLst/>
+          </a:prstGeom>
+        </p:spPr>
+        <p:style>
+          <a:lnRef idx="2">
+            <a:schemeClr val="accent1">
+              <a:shade val="15000"/>
+            </a:schemeClr>
+          </a:lnRef>
+          <a:fillRef idx="1">
+            <a:schemeClr val="accent1"/>
+          </a:fillRef>
+          <a:effectRef idx="0">
+            <a:schemeClr val="accent1"/>
+          </a:effectRef>
+          <a:fontRef idx="minor">
+            <a:schemeClr val="lt1"/>
+          </a:fontRef>
+        </p:style>
+        <p:txBody>
+          <a:bodyPr rtlCol="0" anchor="ctr"/>
+          <a:lstStyle/>
+          <a:p>
+            <a:pPr algn="ctr"/>
+            <a:r>
+              <a:rPr lang="en-IN" dirty="0"/>
+              <a:t>Remote App 3</a:t>
+            </a:r>
+          </a:p>
+          <a:p>
+            <a:pPr algn="ctr"/>
+            <a:r>
+              <a:rPr lang="en-IN" dirty="0"/>
+              <a:t>React</a:t>
+            </a:r>
+          </a:p>
+        </p:txBody>
+      </p:sp>
+      <p:cxnSp>
+        <p:nvCxnSpPr>
+          <p:cNvPr id="7" name="Connector: Curved 6">
+            <a:extLst>
+              <a:ext uri="{FF2B5EF4-FFF2-40B4-BE49-F238E27FC236}">
+                <a16:creationId xmlns:a16="http://schemas.microsoft.com/office/drawing/2014/main" id="{708CA23E-FE88-E00D-583D-E9B55B43CAA6}"/>
+              </a:ext>
+            </a:extLst>
+          </p:cNvPr>
+          <p:cNvCxnSpPr>
+            <a:stCxn id="3" idx="2"/>
+            <a:endCxn id="2" idx="1"/>
+          </p:cNvCxnSpPr>
+          <p:nvPr/>
+        </p:nvCxnSpPr>
+        <p:spPr>
+          <a:xfrm rot="16200000" flipH="1">
+            <a:off x="1659467" y="1574800"/>
+            <a:ext cx="872067" cy="1989666"/>
+          </a:xfrm>
+          <a:prstGeom prst="curvedConnector2">
+            <a:avLst/>
+          </a:prstGeom>
+          <a:ln>
+            <a:headEnd type="triangle"/>
+            <a:tailEnd type="triangle"/>
+          </a:ln>
+        </p:spPr>
+        <p:style>
+          <a:lnRef idx="2">
+            <a:schemeClr val="accent1"/>
+          </a:lnRef>
+          <a:fillRef idx="0">
+            <a:schemeClr val="accent1"/>
+          </a:fillRef>
+          <a:effectRef idx="1">
+            <a:schemeClr val="accent1"/>
+          </a:effectRef>
+          <a:fontRef idx="minor">
+            <a:schemeClr val="tx1"/>
+          </a:fontRef>
+        </p:style>
+      </p:cxnSp>
+      <p:cxnSp>
+        <p:nvCxnSpPr>
+          <p:cNvPr id="9" name="Connector: Curved 8">
+            <a:extLst>
+              <a:ext uri="{FF2B5EF4-FFF2-40B4-BE49-F238E27FC236}">
+                <a16:creationId xmlns:a16="http://schemas.microsoft.com/office/drawing/2014/main" id="{38E7256E-994E-0AB1-62D2-DEC644A45D0C}"/>
+              </a:ext>
+            </a:extLst>
+          </p:cNvPr>
+          <p:cNvCxnSpPr>
+            <a:stCxn id="4" idx="2"/>
+            <a:endCxn id="2" idx="3"/>
+          </p:cNvCxnSpPr>
+          <p:nvPr/>
+        </p:nvCxnSpPr>
+        <p:spPr>
+          <a:xfrm rot="5400000">
+            <a:off x="9131300" y="1519766"/>
+            <a:ext cx="872067" cy="2099734"/>
+          </a:xfrm>
+          <a:prstGeom prst="curvedConnector2">
+            <a:avLst/>
+          </a:prstGeom>
+          <a:ln>
+            <a:headEnd type="triangle"/>
+            <a:tailEnd type="triangle"/>
+          </a:ln>
+        </p:spPr>
+        <p:style>
+          <a:lnRef idx="2">
+            <a:schemeClr val="accent1"/>
+          </a:lnRef>
+          <a:fillRef idx="0">
+            <a:schemeClr val="accent1"/>
+          </a:fillRef>
+          <a:effectRef idx="1">
+            <a:schemeClr val="accent1"/>
+          </a:effectRef>
+          <a:fontRef idx="minor">
+            <a:schemeClr val="tx1"/>
+          </a:fontRef>
+        </p:style>
+      </p:cxnSp>
+      <p:cxnSp>
+        <p:nvCxnSpPr>
+          <p:cNvPr id="11" name="Straight Arrow Connector 10">
+            <a:extLst>
+              <a:ext uri="{FF2B5EF4-FFF2-40B4-BE49-F238E27FC236}">
+                <a16:creationId xmlns:a16="http://schemas.microsoft.com/office/drawing/2014/main" id="{7B39FADF-7F36-4557-80A3-780724B11B53}"/>
+              </a:ext>
+            </a:extLst>
+          </p:cNvPr>
+          <p:cNvCxnSpPr>
+            <a:stCxn id="5" idx="0"/>
+            <a:endCxn id="2" idx="2"/>
+          </p:cNvCxnSpPr>
+          <p:nvPr/>
+        </p:nvCxnSpPr>
+        <p:spPr>
+          <a:xfrm flipV="1">
+            <a:off x="5803899" y="4588933"/>
+            <a:ext cx="1" cy="753535"/>
+          </a:xfrm>
+          <a:prstGeom prst="straightConnector1">
+            <a:avLst/>
+          </a:prstGeom>
+          <a:ln>
+            <a:tailEnd type="triangle"/>
+          </a:ln>
+        </p:spPr>
+        <p:style>
+          <a:lnRef idx="2">
+            <a:schemeClr val="accent1"/>
+          </a:lnRef>
+          <a:fillRef idx="0">
+            <a:schemeClr val="accent1"/>
+          </a:fillRef>
+          <a:effectRef idx="1">
+            <a:schemeClr val="accent1"/>
+          </a:effectRef>
+          <a:fontRef idx="minor">
+            <a:schemeClr val="tx1"/>
+          </a:fontRef>
+        </p:style>
+      </p:cxnSp>
+      <p:sp>
+        <p:nvSpPr>
+          <p:cNvPr id="13" name="Rectangle 12">
+            <a:extLst>
+              <a:ext uri="{FF2B5EF4-FFF2-40B4-BE49-F238E27FC236}">
+                <a16:creationId xmlns:a16="http://schemas.microsoft.com/office/drawing/2014/main" id="{544973A3-DB85-988A-6D9E-66968D3AF555}"/>
+              </a:ext>
+            </a:extLst>
+          </p:cNvPr>
+          <p:cNvSpPr/>
+          <p:nvPr/>
+        </p:nvSpPr>
+        <p:spPr>
+          <a:xfrm>
+            <a:off x="3327400" y="3335867"/>
+            <a:ext cx="1380067" cy="1049866"/>
+          </a:xfrm>
+          <a:prstGeom prst="rect">
+            <a:avLst/>
+          </a:prstGeom>
+        </p:spPr>
+        <p:style>
+          <a:lnRef idx="2">
+            <a:schemeClr val="accent1">
+              <a:shade val="15000"/>
+            </a:schemeClr>
+          </a:lnRef>
+          <a:fillRef idx="1">
+            <a:schemeClr val="accent1"/>
+          </a:fillRef>
+          <a:effectRef idx="0">
+            <a:schemeClr val="accent1"/>
+          </a:effectRef>
+          <a:fontRef idx="minor">
+            <a:schemeClr val="lt1"/>
+          </a:fontRef>
+        </p:style>
+        <p:txBody>
+          <a:bodyPr rtlCol="0" anchor="ctr"/>
+          <a:lstStyle/>
+          <a:p>
+            <a:pPr algn="ctr"/>
+            <a:r>
+              <a:rPr lang="en-IN" dirty="0"/>
+              <a:t>UI from App1</a:t>
+            </a:r>
+          </a:p>
+        </p:txBody>
+      </p:sp>
+      <p:sp>
+        <p:nvSpPr>
+          <p:cNvPr id="14" name="Rectangle 13">
+            <a:extLst>
+              <a:ext uri="{FF2B5EF4-FFF2-40B4-BE49-F238E27FC236}">
+                <a16:creationId xmlns:a16="http://schemas.microsoft.com/office/drawing/2014/main" id="{C593FF02-B670-41F5-7020-09A6BCF762F9}"/>
+              </a:ext>
+            </a:extLst>
+          </p:cNvPr>
+          <p:cNvSpPr/>
+          <p:nvPr/>
+        </p:nvSpPr>
+        <p:spPr>
+          <a:xfrm>
+            <a:off x="6794501" y="3335867"/>
+            <a:ext cx="1380067" cy="1049866"/>
+          </a:xfrm>
+          <a:prstGeom prst="rect">
+            <a:avLst/>
+          </a:prstGeom>
+        </p:spPr>
+        <p:style>
+          <a:lnRef idx="2">
+            <a:schemeClr val="accent1">
+              <a:shade val="15000"/>
+            </a:schemeClr>
+          </a:lnRef>
+          <a:fillRef idx="1">
+            <a:schemeClr val="accent1"/>
+          </a:fillRef>
+          <a:effectRef idx="0">
+            <a:schemeClr val="accent1"/>
+          </a:effectRef>
+          <a:fontRef idx="minor">
+            <a:schemeClr val="lt1"/>
+          </a:fontRef>
+        </p:style>
+        <p:txBody>
+          <a:bodyPr rtlCol="0" anchor="ctr"/>
+          <a:lstStyle/>
+          <a:p>
+            <a:pPr algn="ctr"/>
+            <a:r>
+              <a:rPr lang="en-IN" dirty="0"/>
+              <a:t>UI from App2</a:t>
+            </a:r>
+          </a:p>
+        </p:txBody>
+      </p:sp>
+      <p:sp>
+        <p:nvSpPr>
+          <p:cNvPr id="15" name="Arrow: Left-Right 14">
+            <a:extLst>
+              <a:ext uri="{FF2B5EF4-FFF2-40B4-BE49-F238E27FC236}">
+                <a16:creationId xmlns:a16="http://schemas.microsoft.com/office/drawing/2014/main" id="{FF51AA42-5280-2DA9-16E4-00DA8DF2D6A0}"/>
+              </a:ext>
+            </a:extLst>
+          </p:cNvPr>
+          <p:cNvSpPr/>
+          <p:nvPr/>
+        </p:nvSpPr>
+        <p:spPr>
+          <a:xfrm>
+            <a:off x="4707467" y="3674533"/>
+            <a:ext cx="2087033" cy="423334"/>
+          </a:xfrm>
+          <a:prstGeom prst="leftRightArrow">
+            <a:avLst/>
+          </a:prstGeom>
+        </p:spPr>
+        <p:style>
+          <a:lnRef idx="2">
+            <a:schemeClr val="accent1">
+              <a:shade val="15000"/>
+            </a:schemeClr>
+          </a:lnRef>
+          <a:fillRef idx="1">
+            <a:schemeClr val="accent1"/>
+          </a:fillRef>
+          <a:effectRef idx="0">
+            <a:schemeClr val="accent1"/>
+          </a:effectRef>
+          <a:fontRef idx="minor">
+            <a:schemeClr val="lt1"/>
+          </a:fontRef>
+        </p:style>
+        <p:txBody>
+          <a:bodyPr rtlCol="0" anchor="ctr"/>
+          <a:lstStyle/>
+          <a:p>
+            <a:pPr algn="ctr"/>
+            <a:r>
+              <a:rPr lang="en-IN" sz="1200" b="1" dirty="0"/>
+              <a:t>Data Communication</a:t>
+            </a:r>
+          </a:p>
+        </p:txBody>
+      </p:sp>
+    </p:spTree>
+    <p:extLst>
+      <p:ext uri="{BB962C8B-B14F-4D97-AF65-F5344CB8AC3E}">
+        <p14:creationId xmlns:p14="http://schemas.microsoft.com/office/powerpoint/2010/main" val="1913460798"/>
       </p:ext>
     </p:extLst>
   </p:cSld>

--- a/my-ng-app/Angular_Training_Images.pptx
+++ b/my-ng-app/Angular_Training_Images.pptx
@@ -5,7 +5,7 @@
     <p:sldMasterId id="2147483648" r:id="rId1"/>
   </p:sldMasterIdLst>
   <p:notesMasterIdLst>
-    <p:notesMasterId r:id="rId50"/>
+    <p:notesMasterId r:id="rId56"/>
   </p:notesMasterIdLst>
   <p:sldIdLst>
     <p:sldId id="256" r:id="rId2"/>
@@ -56,6 +56,12 @@
     <p:sldId id="301" r:id="rId47"/>
     <p:sldId id="302" r:id="rId48"/>
     <p:sldId id="303" r:id="rId49"/>
+    <p:sldId id="304" r:id="rId50"/>
+    <p:sldId id="305" r:id="rId51"/>
+    <p:sldId id="306" r:id="rId52"/>
+    <p:sldId id="307" r:id="rId53"/>
+    <p:sldId id="308" r:id="rId54"/>
+    <p:sldId id="309" r:id="rId55"/>
   </p:sldIdLst>
   <p:sldSz cx="12192000" cy="6858000"/>
   <p:notesSz cx="6858000" cy="9144000"/>
@@ -244,7 +250,7 @@
           <a:p>
             <a:fld id="{DF93E0C2-E96E-4876-AC08-E4ADA015AFF5}" type="datetimeFigureOut">
               <a:rPr lang="en-IN" smtClean="0"/>
-              <a:t>30-04-2024</a:t>
+              <a:t>14-06-2024</a:t>
             </a:fld>
             <a:endParaRPr lang="en-IN"/>
           </a:p>
@@ -745,7 +751,7 @@
           <a:p>
             <a:fld id="{35E7C7C1-050F-4B17-8FDC-37C455263954}" type="datetimeFigureOut">
               <a:rPr lang="en-IN" smtClean="0"/>
-              <a:t>30-04-2024</a:t>
+              <a:t>14-06-2024</a:t>
             </a:fld>
             <a:endParaRPr lang="en-IN"/>
           </a:p>
@@ -945,7 +951,7 @@
           <a:p>
             <a:fld id="{35E7C7C1-050F-4B17-8FDC-37C455263954}" type="datetimeFigureOut">
               <a:rPr lang="en-IN" smtClean="0"/>
-              <a:t>30-04-2024</a:t>
+              <a:t>14-06-2024</a:t>
             </a:fld>
             <a:endParaRPr lang="en-IN"/>
           </a:p>
@@ -1155,7 +1161,7 @@
           <a:p>
             <a:fld id="{35E7C7C1-050F-4B17-8FDC-37C455263954}" type="datetimeFigureOut">
               <a:rPr lang="en-IN" smtClean="0"/>
-              <a:t>30-04-2024</a:t>
+              <a:t>14-06-2024</a:t>
             </a:fld>
             <a:endParaRPr lang="en-IN"/>
           </a:p>
@@ -1355,7 +1361,7 @@
           <a:p>
             <a:fld id="{35E7C7C1-050F-4B17-8FDC-37C455263954}" type="datetimeFigureOut">
               <a:rPr lang="en-IN" smtClean="0"/>
-              <a:t>30-04-2024</a:t>
+              <a:t>14-06-2024</a:t>
             </a:fld>
             <a:endParaRPr lang="en-IN"/>
           </a:p>
@@ -1631,7 +1637,7 @@
           <a:p>
             <a:fld id="{35E7C7C1-050F-4B17-8FDC-37C455263954}" type="datetimeFigureOut">
               <a:rPr lang="en-IN" smtClean="0"/>
-              <a:t>30-04-2024</a:t>
+              <a:t>14-06-2024</a:t>
             </a:fld>
             <a:endParaRPr lang="en-IN"/>
           </a:p>
@@ -1899,7 +1905,7 @@
           <a:p>
             <a:fld id="{35E7C7C1-050F-4B17-8FDC-37C455263954}" type="datetimeFigureOut">
               <a:rPr lang="en-IN" smtClean="0"/>
-              <a:t>30-04-2024</a:t>
+              <a:t>14-06-2024</a:t>
             </a:fld>
             <a:endParaRPr lang="en-IN"/>
           </a:p>
@@ -2314,7 +2320,7 @@
           <a:p>
             <a:fld id="{35E7C7C1-050F-4B17-8FDC-37C455263954}" type="datetimeFigureOut">
               <a:rPr lang="en-IN" smtClean="0"/>
-              <a:t>30-04-2024</a:t>
+              <a:t>14-06-2024</a:t>
             </a:fld>
             <a:endParaRPr lang="en-IN"/>
           </a:p>
@@ -2456,7 +2462,7 @@
           <a:p>
             <a:fld id="{35E7C7C1-050F-4B17-8FDC-37C455263954}" type="datetimeFigureOut">
               <a:rPr lang="en-IN" smtClean="0"/>
-              <a:t>30-04-2024</a:t>
+              <a:t>14-06-2024</a:t>
             </a:fld>
             <a:endParaRPr lang="en-IN"/>
           </a:p>
@@ -2569,7 +2575,7 @@
           <a:p>
             <a:fld id="{35E7C7C1-050F-4B17-8FDC-37C455263954}" type="datetimeFigureOut">
               <a:rPr lang="en-IN" smtClean="0"/>
-              <a:t>30-04-2024</a:t>
+              <a:t>14-06-2024</a:t>
             </a:fld>
             <a:endParaRPr lang="en-IN"/>
           </a:p>
@@ -2882,7 +2888,7 @@
           <a:p>
             <a:fld id="{35E7C7C1-050F-4B17-8FDC-37C455263954}" type="datetimeFigureOut">
               <a:rPr lang="en-IN" smtClean="0"/>
-              <a:t>30-04-2024</a:t>
+              <a:t>14-06-2024</a:t>
             </a:fld>
             <a:endParaRPr lang="en-IN"/>
           </a:p>
@@ -3171,7 +3177,7 @@
           <a:p>
             <a:fld id="{35E7C7C1-050F-4B17-8FDC-37C455263954}" type="datetimeFigureOut">
               <a:rPr lang="en-IN" smtClean="0"/>
-              <a:t>30-04-2024</a:t>
+              <a:t>14-06-2024</a:t>
             </a:fld>
             <a:endParaRPr lang="en-IN"/>
           </a:p>
@@ -3414,7 +3420,7 @@
           <a:p>
             <a:fld id="{35E7C7C1-050F-4B17-8FDC-37C455263954}" type="datetimeFigureOut">
               <a:rPr lang="en-IN" smtClean="0"/>
-              <a:t>30-04-2024</a:t>
+              <a:t>14-06-2024</a:t>
             </a:fld>
             <a:endParaRPr lang="en-IN"/>
           </a:p>
@@ -36780,6 +36786,1137 @@
 </p:sld>
 </file>
 
+<file path=ppt/slides/slide49.xml><?xml version="1.0" encoding="utf-8"?>
+<p:sld xmlns:a="http://schemas.openxmlformats.org/drawingml/2006/main" xmlns:r="http://schemas.openxmlformats.org/officeDocument/2006/relationships" xmlns:p="http://schemas.openxmlformats.org/presentationml/2006/main">
+  <p:cSld>
+    <p:spTree>
+      <p:nvGrpSpPr>
+        <p:cNvPr id="1" name=""/>
+        <p:cNvGrpSpPr/>
+        <p:nvPr/>
+      </p:nvGrpSpPr>
+      <p:grpSpPr>
+        <a:xfrm>
+          <a:off x="0" y="0"/>
+          <a:ext cx="0" cy="0"/>
+          <a:chOff x="0" y="0"/>
+          <a:chExt cx="0" cy="0"/>
+        </a:xfrm>
+      </p:grpSpPr>
+      <p:sp>
+        <p:nvSpPr>
+          <p:cNvPr id="29" name="Rectangle 28">
+            <a:extLst>
+              <a:ext uri="{FF2B5EF4-FFF2-40B4-BE49-F238E27FC236}">
+                <a16:creationId xmlns:a16="http://schemas.microsoft.com/office/drawing/2014/main" id="{C72D3EC3-8C47-4789-90DE-F1F0385C16E3}"/>
+              </a:ext>
+            </a:extLst>
+          </p:cNvPr>
+          <p:cNvSpPr/>
+          <p:nvPr/>
+        </p:nvSpPr>
+        <p:spPr>
+          <a:xfrm>
+            <a:off x="148167" y="3224461"/>
+            <a:ext cx="11870266" cy="1124058"/>
+          </a:xfrm>
+          <a:prstGeom prst="rect">
+            <a:avLst/>
+          </a:prstGeom>
+        </p:spPr>
+        <p:style>
+          <a:lnRef idx="2">
+            <a:schemeClr val="accent1">
+              <a:shade val="15000"/>
+            </a:schemeClr>
+          </a:lnRef>
+          <a:fillRef idx="1">
+            <a:schemeClr val="accent1"/>
+          </a:fillRef>
+          <a:effectRef idx="0">
+            <a:schemeClr val="accent1"/>
+          </a:effectRef>
+          <a:fontRef idx="minor">
+            <a:schemeClr val="lt1"/>
+          </a:fontRef>
+        </p:style>
+        <p:txBody>
+          <a:bodyPr rtlCol="0" anchor="ctr"/>
+          <a:lstStyle/>
+          <a:p>
+            <a:pPr algn="ctr"/>
+            <a:endParaRPr lang="en-IN"/>
+          </a:p>
+        </p:txBody>
+      </p:sp>
+      <p:sp>
+        <p:nvSpPr>
+          <p:cNvPr id="2" name="Rectangle 1">
+            <a:extLst>
+              <a:ext uri="{FF2B5EF4-FFF2-40B4-BE49-F238E27FC236}">
+                <a16:creationId xmlns:a16="http://schemas.microsoft.com/office/drawing/2014/main" id="{D9EDD872-4C79-FAEB-DF47-16EC70DA065C}"/>
+              </a:ext>
+            </a:extLst>
+          </p:cNvPr>
+          <p:cNvSpPr/>
+          <p:nvPr/>
+        </p:nvSpPr>
+        <p:spPr>
+          <a:xfrm>
+            <a:off x="160867" y="194733"/>
+            <a:ext cx="11870266" cy="6443134"/>
+          </a:xfrm>
+          <a:prstGeom prst="rect">
+            <a:avLst/>
+          </a:prstGeom>
+        </p:spPr>
+        <p:style>
+          <a:lnRef idx="2">
+            <a:schemeClr val="accent6"/>
+          </a:lnRef>
+          <a:fillRef idx="1">
+            <a:schemeClr val="lt1"/>
+          </a:fillRef>
+          <a:effectRef idx="0">
+            <a:schemeClr val="accent6"/>
+          </a:effectRef>
+          <a:fontRef idx="minor">
+            <a:schemeClr val="dk1"/>
+          </a:fontRef>
+        </p:style>
+        <p:txBody>
+          <a:bodyPr rtlCol="0" anchor="ctr"/>
+          <a:lstStyle/>
+          <a:p>
+            <a:pPr algn="ctr"/>
+            <a:endParaRPr lang="en-IN"/>
+          </a:p>
+        </p:txBody>
+      </p:sp>
+      <p:sp>
+        <p:nvSpPr>
+          <p:cNvPr id="3" name="TextBox 2">
+            <a:extLst>
+              <a:ext uri="{FF2B5EF4-FFF2-40B4-BE49-F238E27FC236}">
+                <a16:creationId xmlns:a16="http://schemas.microsoft.com/office/drawing/2014/main" id="{E80BA3A0-40B7-EA07-B6E1-C0CD9289DA60}"/>
+              </a:ext>
+            </a:extLst>
+          </p:cNvPr>
+          <p:cNvSpPr txBox="1"/>
+          <p:nvPr/>
+        </p:nvSpPr>
+        <p:spPr>
+          <a:xfrm>
+            <a:off x="228600" y="228600"/>
+            <a:ext cx="1913467" cy="369332"/>
+          </a:xfrm>
+          <a:prstGeom prst="rect">
+            <a:avLst/>
+          </a:prstGeom>
+          <a:noFill/>
+        </p:spPr>
+        <p:txBody>
+          <a:bodyPr wrap="square" rtlCol="0">
+            <a:spAutoFit/>
+          </a:bodyPr>
+          <a:lstStyle/>
+          <a:p>
+            <a:r>
+              <a:rPr lang="en-IN" dirty="0"/>
+              <a:t>Browser</a:t>
+            </a:r>
+          </a:p>
+        </p:txBody>
+      </p:sp>
+      <p:sp>
+        <p:nvSpPr>
+          <p:cNvPr id="4" name="Rectangle 3">
+            <a:extLst>
+              <a:ext uri="{FF2B5EF4-FFF2-40B4-BE49-F238E27FC236}">
+                <a16:creationId xmlns:a16="http://schemas.microsoft.com/office/drawing/2014/main" id="{C759AA5D-DB9D-2CC6-9A4E-54CAA5B35A52}"/>
+              </a:ext>
+            </a:extLst>
+          </p:cNvPr>
+          <p:cNvSpPr/>
+          <p:nvPr/>
+        </p:nvSpPr>
+        <p:spPr>
+          <a:xfrm>
+            <a:off x="160867" y="4478867"/>
+            <a:ext cx="11870266" cy="2150533"/>
+          </a:xfrm>
+          <a:prstGeom prst="rect">
+            <a:avLst/>
+          </a:prstGeom>
+        </p:spPr>
+        <p:style>
+          <a:lnRef idx="1">
+            <a:schemeClr val="accent2"/>
+          </a:lnRef>
+          <a:fillRef idx="2">
+            <a:schemeClr val="accent2"/>
+          </a:fillRef>
+          <a:effectRef idx="1">
+            <a:schemeClr val="accent2"/>
+          </a:effectRef>
+          <a:fontRef idx="minor">
+            <a:schemeClr val="dk1"/>
+          </a:fontRef>
+        </p:style>
+        <p:txBody>
+          <a:bodyPr rtlCol="0" anchor="ctr"/>
+          <a:lstStyle/>
+          <a:p>
+            <a:pPr algn="ctr"/>
+            <a:endParaRPr lang="en-IN"/>
+          </a:p>
+        </p:txBody>
+      </p:sp>
+      <p:sp>
+        <p:nvSpPr>
+          <p:cNvPr id="5" name="TextBox 4">
+            <a:extLst>
+              <a:ext uri="{FF2B5EF4-FFF2-40B4-BE49-F238E27FC236}">
+                <a16:creationId xmlns:a16="http://schemas.microsoft.com/office/drawing/2014/main" id="{B0552585-679E-EC3A-8C0D-094C812BA3B7}"/>
+              </a:ext>
+            </a:extLst>
+          </p:cNvPr>
+          <p:cNvSpPr txBox="1"/>
+          <p:nvPr/>
+        </p:nvSpPr>
+        <p:spPr>
+          <a:xfrm>
+            <a:off x="9017000" y="4487333"/>
+            <a:ext cx="3014133" cy="369332"/>
+          </a:xfrm>
+          <a:prstGeom prst="rect">
+            <a:avLst/>
+          </a:prstGeom>
+          <a:noFill/>
+          <a:ln>
+            <a:solidFill>
+              <a:schemeClr val="accent1"/>
+            </a:solidFill>
+          </a:ln>
+        </p:spPr>
+        <p:txBody>
+          <a:bodyPr wrap="square" rtlCol="0">
+            <a:spAutoFit/>
+          </a:bodyPr>
+          <a:lstStyle/>
+          <a:p>
+            <a:r>
+              <a:rPr lang="en-IN" b="1" dirty="0"/>
+              <a:t>Angular Object Model</a:t>
+            </a:r>
+          </a:p>
+        </p:txBody>
+      </p:sp>
+      <p:sp>
+        <p:nvSpPr>
+          <p:cNvPr id="6" name="TextBox 5">
+            <a:extLst>
+              <a:ext uri="{FF2B5EF4-FFF2-40B4-BE49-F238E27FC236}">
+                <a16:creationId xmlns:a16="http://schemas.microsoft.com/office/drawing/2014/main" id="{42639EB0-18BD-64BB-A13B-57202D275980}"/>
+              </a:ext>
+            </a:extLst>
+          </p:cNvPr>
+          <p:cNvSpPr txBox="1"/>
+          <p:nvPr/>
+        </p:nvSpPr>
+        <p:spPr>
+          <a:xfrm>
+            <a:off x="228600" y="4546600"/>
+            <a:ext cx="5359400" cy="1200329"/>
+          </a:xfrm>
+          <a:prstGeom prst="rect">
+            <a:avLst/>
+          </a:prstGeom>
+          <a:noFill/>
+        </p:spPr>
+        <p:txBody>
+          <a:bodyPr wrap="square" rtlCol="0">
+            <a:spAutoFit/>
+          </a:bodyPr>
+          <a:lstStyle/>
+          <a:p>
+            <a:pPr marL="285750" indent="-285750">
+              <a:buFont typeface="Arial" panose="020B0604020202020204" pitchFamily="34" charset="0"/>
+              <a:buChar char="•"/>
+            </a:pPr>
+            <a:r>
+              <a:rPr lang="en-IN" dirty="0"/>
+              <a:t>Main.js</a:t>
+            </a:r>
+          </a:p>
+          <a:p>
+            <a:pPr marL="285750" indent="-285750">
+              <a:buFont typeface="Arial" panose="020B0604020202020204" pitchFamily="34" charset="0"/>
+              <a:buChar char="•"/>
+            </a:pPr>
+            <a:r>
+              <a:rPr lang="en-IN" dirty="0"/>
+              <a:t>Polyfills.js</a:t>
+            </a:r>
+          </a:p>
+          <a:p>
+            <a:pPr marL="285750" indent="-285750">
+              <a:buFont typeface="Arial" panose="020B0604020202020204" pitchFamily="34" charset="0"/>
+              <a:buChar char="•"/>
+            </a:pPr>
+            <a:r>
+              <a:rPr lang="en-IN" dirty="0"/>
+              <a:t>Zone.js</a:t>
+            </a:r>
+          </a:p>
+          <a:p>
+            <a:pPr marL="285750" indent="-285750">
+              <a:buFont typeface="Arial" panose="020B0604020202020204" pitchFamily="34" charset="0"/>
+              <a:buChar char="•"/>
+            </a:pPr>
+            <a:r>
+              <a:rPr lang="en-IN" dirty="0"/>
+              <a:t>Runtime.js</a:t>
+            </a:r>
+          </a:p>
+        </p:txBody>
+      </p:sp>
+      <p:sp>
+        <p:nvSpPr>
+          <p:cNvPr id="7" name="Right Brace 6">
+            <a:extLst>
+              <a:ext uri="{FF2B5EF4-FFF2-40B4-BE49-F238E27FC236}">
+                <a16:creationId xmlns:a16="http://schemas.microsoft.com/office/drawing/2014/main" id="{1D58BA14-F536-4AD2-C212-B7F3F180E6DE}"/>
+              </a:ext>
+            </a:extLst>
+          </p:cNvPr>
+          <p:cNvSpPr/>
+          <p:nvPr/>
+        </p:nvSpPr>
+        <p:spPr>
+          <a:xfrm>
+            <a:off x="1659467" y="4915932"/>
+            <a:ext cx="220133" cy="426535"/>
+          </a:xfrm>
+          <a:prstGeom prst="rightBrace">
+            <a:avLst/>
+          </a:prstGeom>
+        </p:spPr>
+        <p:style>
+          <a:lnRef idx="2">
+            <a:schemeClr val="accent1"/>
+          </a:lnRef>
+          <a:fillRef idx="0">
+            <a:schemeClr val="accent1"/>
+          </a:fillRef>
+          <a:effectRef idx="1">
+            <a:schemeClr val="accent1"/>
+          </a:effectRef>
+          <a:fontRef idx="minor">
+            <a:schemeClr val="tx1"/>
+          </a:fontRef>
+        </p:style>
+        <p:txBody>
+          <a:bodyPr rtlCol="0" anchor="ctr"/>
+          <a:lstStyle/>
+          <a:p>
+            <a:pPr algn="ctr"/>
+            <a:endParaRPr lang="en-IN"/>
+          </a:p>
+        </p:txBody>
+      </p:sp>
+      <p:sp>
+        <p:nvSpPr>
+          <p:cNvPr id="8" name="TextBox 7">
+            <a:extLst>
+              <a:ext uri="{FF2B5EF4-FFF2-40B4-BE49-F238E27FC236}">
+                <a16:creationId xmlns:a16="http://schemas.microsoft.com/office/drawing/2014/main" id="{D31BE302-618A-0E28-614B-69BD994E5D42}"/>
+              </a:ext>
+            </a:extLst>
+          </p:cNvPr>
+          <p:cNvSpPr txBox="1"/>
+          <p:nvPr/>
+        </p:nvSpPr>
+        <p:spPr>
+          <a:xfrm>
+            <a:off x="1909233" y="4990699"/>
+            <a:ext cx="3886200" cy="276999"/>
+          </a:xfrm>
+          <a:prstGeom prst="rect">
+            <a:avLst/>
+          </a:prstGeom>
+          <a:noFill/>
+        </p:spPr>
+        <p:txBody>
+          <a:bodyPr wrap="square" rtlCol="0">
+            <a:spAutoFit/>
+          </a:bodyPr>
+          <a:lstStyle/>
+          <a:p>
+            <a:r>
+              <a:rPr lang="en-IN" sz="1200" dirty="0"/>
+              <a:t>Browser Compatibility and render support files</a:t>
+            </a:r>
+          </a:p>
+        </p:txBody>
+      </p:sp>
+      <p:sp>
+        <p:nvSpPr>
+          <p:cNvPr id="9" name="TextBox 8">
+            <a:extLst>
+              <a:ext uri="{FF2B5EF4-FFF2-40B4-BE49-F238E27FC236}">
+                <a16:creationId xmlns:a16="http://schemas.microsoft.com/office/drawing/2014/main" id="{C6C99D83-52A0-7521-0B80-1BF08C9B6254}"/>
+              </a:ext>
+            </a:extLst>
+          </p:cNvPr>
+          <p:cNvSpPr txBox="1"/>
+          <p:nvPr/>
+        </p:nvSpPr>
+        <p:spPr>
+          <a:xfrm>
+            <a:off x="1473200" y="4586531"/>
+            <a:ext cx="3886200" cy="276999"/>
+          </a:xfrm>
+          <a:prstGeom prst="rect">
+            <a:avLst/>
+          </a:prstGeom>
+          <a:noFill/>
+        </p:spPr>
+        <p:txBody>
+          <a:bodyPr wrap="square" rtlCol="0">
+            <a:spAutoFit/>
+          </a:bodyPr>
+          <a:lstStyle/>
+          <a:p>
+            <a:r>
+              <a:rPr lang="en-IN" sz="1200" dirty="0"/>
+              <a:t>Application Code</a:t>
+            </a:r>
+          </a:p>
+        </p:txBody>
+      </p:sp>
+      <p:sp>
+        <p:nvSpPr>
+          <p:cNvPr id="10" name="TextBox 9">
+            <a:extLst>
+              <a:ext uri="{FF2B5EF4-FFF2-40B4-BE49-F238E27FC236}">
+                <a16:creationId xmlns:a16="http://schemas.microsoft.com/office/drawing/2014/main" id="{D39077B0-FF3D-636C-8300-88345D499F66}"/>
+              </a:ext>
+            </a:extLst>
+          </p:cNvPr>
+          <p:cNvSpPr txBox="1"/>
+          <p:nvPr/>
+        </p:nvSpPr>
+        <p:spPr>
+          <a:xfrm>
+            <a:off x="1659467" y="5450448"/>
+            <a:ext cx="3886200" cy="276999"/>
+          </a:xfrm>
+          <a:prstGeom prst="rect">
+            <a:avLst/>
+          </a:prstGeom>
+          <a:noFill/>
+        </p:spPr>
+        <p:txBody>
+          <a:bodyPr wrap="square" rtlCol="0">
+            <a:spAutoFit/>
+          </a:bodyPr>
+          <a:lstStyle/>
+          <a:p>
+            <a:r>
+              <a:rPr lang="en-IN" sz="1200" dirty="0"/>
+              <a:t>Standard Code of Angular Application</a:t>
+            </a:r>
+          </a:p>
+        </p:txBody>
+      </p:sp>
+      <p:sp>
+        <p:nvSpPr>
+          <p:cNvPr id="11" name="Rectangle 10">
+            <a:extLst>
+              <a:ext uri="{FF2B5EF4-FFF2-40B4-BE49-F238E27FC236}">
+                <a16:creationId xmlns:a16="http://schemas.microsoft.com/office/drawing/2014/main" id="{D71FEB2B-1BF8-AB11-DBF5-D8096EA8598C}"/>
+              </a:ext>
+            </a:extLst>
+          </p:cNvPr>
+          <p:cNvSpPr/>
+          <p:nvPr/>
+        </p:nvSpPr>
+        <p:spPr>
+          <a:xfrm>
+            <a:off x="160867" y="597932"/>
+            <a:ext cx="11870266" cy="3698185"/>
+          </a:xfrm>
+          <a:prstGeom prst="rect">
+            <a:avLst/>
+          </a:prstGeom>
+        </p:spPr>
+        <p:style>
+          <a:lnRef idx="1">
+            <a:schemeClr val="accent4"/>
+          </a:lnRef>
+          <a:fillRef idx="2">
+            <a:schemeClr val="accent4"/>
+          </a:fillRef>
+          <a:effectRef idx="1">
+            <a:schemeClr val="accent4"/>
+          </a:effectRef>
+          <a:fontRef idx="minor">
+            <a:schemeClr val="dk1"/>
+          </a:fontRef>
+        </p:style>
+        <p:txBody>
+          <a:bodyPr rtlCol="0" anchor="ctr"/>
+          <a:lstStyle/>
+          <a:p>
+            <a:pPr algn="ctr"/>
+            <a:endParaRPr lang="en-IN"/>
+          </a:p>
+        </p:txBody>
+      </p:sp>
+      <p:sp>
+        <p:nvSpPr>
+          <p:cNvPr id="12" name="TextBox 11">
+            <a:extLst>
+              <a:ext uri="{FF2B5EF4-FFF2-40B4-BE49-F238E27FC236}">
+                <a16:creationId xmlns:a16="http://schemas.microsoft.com/office/drawing/2014/main" id="{E854B202-6ED3-E396-21AB-0F02193E1F78}"/>
+              </a:ext>
+            </a:extLst>
+          </p:cNvPr>
+          <p:cNvSpPr txBox="1"/>
+          <p:nvPr/>
+        </p:nvSpPr>
+        <p:spPr>
+          <a:xfrm>
+            <a:off x="9838267" y="597932"/>
+            <a:ext cx="2192866" cy="923330"/>
+          </a:xfrm>
+          <a:prstGeom prst="rect">
+            <a:avLst/>
+          </a:prstGeom>
+          <a:noFill/>
+          <a:ln>
+            <a:solidFill>
+              <a:schemeClr val="accent1"/>
+            </a:solidFill>
+          </a:ln>
+        </p:spPr>
+        <p:txBody>
+          <a:bodyPr wrap="square" rtlCol="0">
+            <a:spAutoFit/>
+          </a:bodyPr>
+          <a:lstStyle/>
+          <a:p>
+            <a:r>
+              <a:rPr lang="en-IN" dirty="0"/>
+              <a:t>Angular Bootstrapping with first module </a:t>
+            </a:r>
+          </a:p>
+        </p:txBody>
+      </p:sp>
+      <p:sp>
+        <p:nvSpPr>
+          <p:cNvPr id="13" name="Rectangle 12">
+            <a:extLst>
+              <a:ext uri="{FF2B5EF4-FFF2-40B4-BE49-F238E27FC236}">
+                <a16:creationId xmlns:a16="http://schemas.microsoft.com/office/drawing/2014/main" id="{E0CFE8BF-47A4-26F7-00E3-FE0259E2E04E}"/>
+              </a:ext>
+            </a:extLst>
+          </p:cNvPr>
+          <p:cNvSpPr/>
+          <p:nvPr/>
+        </p:nvSpPr>
+        <p:spPr>
+          <a:xfrm>
+            <a:off x="160867" y="3429000"/>
+            <a:ext cx="3107266" cy="867117"/>
+          </a:xfrm>
+          <a:prstGeom prst="rect">
+            <a:avLst/>
+          </a:prstGeom>
+        </p:spPr>
+        <p:style>
+          <a:lnRef idx="2">
+            <a:schemeClr val="accent1">
+              <a:shade val="15000"/>
+            </a:schemeClr>
+          </a:lnRef>
+          <a:fillRef idx="1">
+            <a:schemeClr val="accent1"/>
+          </a:fillRef>
+          <a:effectRef idx="0">
+            <a:schemeClr val="accent1"/>
+          </a:effectRef>
+          <a:fontRef idx="minor">
+            <a:schemeClr val="lt1"/>
+          </a:fontRef>
+        </p:style>
+        <p:txBody>
+          <a:bodyPr rtlCol="0" anchor="ctr"/>
+          <a:lstStyle/>
+          <a:p>
+            <a:pPr algn="ctr"/>
+            <a:r>
+              <a:rPr lang="en-IN" dirty="0"/>
+              <a:t>Standard Angular Modules</a:t>
+            </a:r>
+          </a:p>
+          <a:p>
+            <a:pPr algn="ctr"/>
+            <a:r>
+              <a:rPr lang="en-IN" dirty="0"/>
+              <a:t>e.g. Forms, Router, Http, and Custom Modules, etc.</a:t>
+            </a:r>
+          </a:p>
+        </p:txBody>
+      </p:sp>
+      <p:sp>
+        <p:nvSpPr>
+          <p:cNvPr id="14" name="Rectangle 13">
+            <a:extLst>
+              <a:ext uri="{FF2B5EF4-FFF2-40B4-BE49-F238E27FC236}">
+                <a16:creationId xmlns:a16="http://schemas.microsoft.com/office/drawing/2014/main" id="{A5380F80-D1FA-AC49-CC95-C6A4ED4B19FE}"/>
+              </a:ext>
+            </a:extLst>
+          </p:cNvPr>
+          <p:cNvSpPr/>
+          <p:nvPr/>
+        </p:nvSpPr>
+        <p:spPr>
+          <a:xfrm>
+            <a:off x="4360334" y="3416299"/>
+            <a:ext cx="3107266" cy="867117"/>
+          </a:xfrm>
+          <a:prstGeom prst="rect">
+            <a:avLst/>
+          </a:prstGeom>
+        </p:spPr>
+        <p:style>
+          <a:lnRef idx="2">
+            <a:schemeClr val="accent1">
+              <a:shade val="15000"/>
+            </a:schemeClr>
+          </a:lnRef>
+          <a:fillRef idx="1">
+            <a:schemeClr val="accent1"/>
+          </a:fillRef>
+          <a:effectRef idx="0">
+            <a:schemeClr val="accent1"/>
+          </a:effectRef>
+          <a:fontRef idx="minor">
+            <a:schemeClr val="lt1"/>
+          </a:fontRef>
+        </p:style>
+        <p:txBody>
+          <a:bodyPr rtlCol="0" anchor="ctr"/>
+          <a:lstStyle/>
+          <a:p>
+            <a:pPr algn="ctr"/>
+            <a:r>
+              <a:rPr lang="en-IN" dirty="0"/>
+              <a:t>Initialization of all Components, Directives, Pipes.</a:t>
+            </a:r>
+          </a:p>
+        </p:txBody>
+      </p:sp>
+      <p:sp>
+        <p:nvSpPr>
+          <p:cNvPr id="15" name="Rectangle 14">
+            <a:extLst>
+              <a:ext uri="{FF2B5EF4-FFF2-40B4-BE49-F238E27FC236}">
+                <a16:creationId xmlns:a16="http://schemas.microsoft.com/office/drawing/2014/main" id="{88746790-007A-5715-5C12-371C827B8074}"/>
+              </a:ext>
+            </a:extLst>
+          </p:cNvPr>
+          <p:cNvSpPr/>
+          <p:nvPr/>
+        </p:nvSpPr>
+        <p:spPr>
+          <a:xfrm>
+            <a:off x="8805336" y="3416300"/>
+            <a:ext cx="3107266" cy="867117"/>
+          </a:xfrm>
+          <a:prstGeom prst="rect">
+            <a:avLst/>
+          </a:prstGeom>
+        </p:spPr>
+        <p:style>
+          <a:lnRef idx="2">
+            <a:schemeClr val="accent1">
+              <a:shade val="15000"/>
+            </a:schemeClr>
+          </a:lnRef>
+          <a:fillRef idx="1">
+            <a:schemeClr val="accent1"/>
+          </a:fillRef>
+          <a:effectRef idx="0">
+            <a:schemeClr val="accent1"/>
+          </a:effectRef>
+          <a:fontRef idx="minor">
+            <a:schemeClr val="lt1"/>
+          </a:fontRef>
+        </p:style>
+        <p:txBody>
+          <a:bodyPr rtlCol="0" anchor="ctr"/>
+          <a:lstStyle/>
+          <a:p>
+            <a:pPr algn="ctr"/>
+            <a:r>
+              <a:rPr lang="en-IN" dirty="0"/>
+              <a:t>All Services registered in Dependency Container</a:t>
+            </a:r>
+          </a:p>
+        </p:txBody>
+      </p:sp>
+      <p:sp>
+        <p:nvSpPr>
+          <p:cNvPr id="16" name="Rectangle 15">
+            <a:extLst>
+              <a:ext uri="{FF2B5EF4-FFF2-40B4-BE49-F238E27FC236}">
+                <a16:creationId xmlns:a16="http://schemas.microsoft.com/office/drawing/2014/main" id="{7D36757C-664F-5BA8-A9D3-DA906CE803D6}"/>
+              </a:ext>
+            </a:extLst>
+          </p:cNvPr>
+          <p:cNvSpPr/>
+          <p:nvPr/>
+        </p:nvSpPr>
+        <p:spPr>
+          <a:xfrm>
+            <a:off x="160867" y="965200"/>
+            <a:ext cx="9677400" cy="1876882"/>
+          </a:xfrm>
+          <a:prstGeom prst="rect">
+            <a:avLst/>
+          </a:prstGeom>
+        </p:spPr>
+        <p:style>
+          <a:lnRef idx="1">
+            <a:schemeClr val="accent1"/>
+          </a:lnRef>
+          <a:fillRef idx="2">
+            <a:schemeClr val="accent1"/>
+          </a:fillRef>
+          <a:effectRef idx="1">
+            <a:schemeClr val="accent1"/>
+          </a:effectRef>
+          <a:fontRef idx="minor">
+            <a:schemeClr val="dk1"/>
+          </a:fontRef>
+        </p:style>
+        <p:txBody>
+          <a:bodyPr rtlCol="0" anchor="ctr"/>
+          <a:lstStyle/>
+          <a:p>
+            <a:pPr algn="ctr"/>
+            <a:endParaRPr lang="en-IN"/>
+          </a:p>
+        </p:txBody>
+      </p:sp>
+      <p:sp>
+        <p:nvSpPr>
+          <p:cNvPr id="17" name="TextBox 16">
+            <a:extLst>
+              <a:ext uri="{FF2B5EF4-FFF2-40B4-BE49-F238E27FC236}">
+                <a16:creationId xmlns:a16="http://schemas.microsoft.com/office/drawing/2014/main" id="{868FA6D3-E2EE-12EB-B5C9-187D5E058EEE}"/>
+              </a:ext>
+            </a:extLst>
+          </p:cNvPr>
+          <p:cNvSpPr txBox="1"/>
+          <p:nvPr/>
+        </p:nvSpPr>
+        <p:spPr>
+          <a:xfrm>
+            <a:off x="7645401" y="965200"/>
+            <a:ext cx="2192866" cy="646331"/>
+          </a:xfrm>
+          <a:prstGeom prst="rect">
+            <a:avLst/>
+          </a:prstGeom>
+          <a:noFill/>
+        </p:spPr>
+        <p:txBody>
+          <a:bodyPr wrap="square" rtlCol="0">
+            <a:spAutoFit/>
+          </a:bodyPr>
+          <a:lstStyle/>
+          <a:p>
+            <a:r>
+              <a:rPr lang="en-IN" dirty="0"/>
+              <a:t>First Bootstrap Component</a:t>
+            </a:r>
+          </a:p>
+        </p:txBody>
+      </p:sp>
+      <p:sp>
+        <p:nvSpPr>
+          <p:cNvPr id="18" name="Rectangle 17">
+            <a:extLst>
+              <a:ext uri="{FF2B5EF4-FFF2-40B4-BE49-F238E27FC236}">
+                <a16:creationId xmlns:a16="http://schemas.microsoft.com/office/drawing/2014/main" id="{B9772E7C-8392-9BD2-5EF8-ECA8917D18F3}"/>
+              </a:ext>
+            </a:extLst>
+          </p:cNvPr>
+          <p:cNvSpPr/>
+          <p:nvPr/>
+        </p:nvSpPr>
+        <p:spPr>
+          <a:xfrm>
+            <a:off x="3852333" y="965200"/>
+            <a:ext cx="2192866" cy="1876882"/>
+          </a:xfrm>
+          <a:prstGeom prst="rect">
+            <a:avLst/>
+          </a:prstGeom>
+        </p:spPr>
+        <p:style>
+          <a:lnRef idx="2">
+            <a:schemeClr val="accent1">
+              <a:shade val="15000"/>
+            </a:schemeClr>
+          </a:lnRef>
+          <a:fillRef idx="1">
+            <a:schemeClr val="accent1"/>
+          </a:fillRef>
+          <a:effectRef idx="0">
+            <a:schemeClr val="accent1"/>
+          </a:effectRef>
+          <a:fontRef idx="minor">
+            <a:schemeClr val="lt1"/>
+          </a:fontRef>
+        </p:style>
+        <p:txBody>
+          <a:bodyPr rtlCol="0" anchor="ctr"/>
+          <a:lstStyle/>
+          <a:p>
+            <a:pPr algn="ctr"/>
+            <a:r>
+              <a:rPr lang="en-IN" sz="1600" dirty="0"/>
+              <a:t>UI of The Component</a:t>
+            </a:r>
+          </a:p>
+          <a:p>
+            <a:pPr algn="ctr"/>
+            <a:r>
+              <a:rPr lang="en-IN" sz="1600" dirty="0"/>
+              <a:t>Data Properties are bound to HTML Editable Elements and Methods to their Events </a:t>
+            </a:r>
+          </a:p>
+        </p:txBody>
+      </p:sp>
+      <p:cxnSp>
+        <p:nvCxnSpPr>
+          <p:cNvPr id="20" name="Connector: Curved 19">
+            <a:extLst>
+              <a:ext uri="{FF2B5EF4-FFF2-40B4-BE49-F238E27FC236}">
+                <a16:creationId xmlns:a16="http://schemas.microsoft.com/office/drawing/2014/main" id="{3776A529-1201-1113-3716-BAA5A1AA2DE7}"/>
+              </a:ext>
+            </a:extLst>
+          </p:cNvPr>
+          <p:cNvCxnSpPr>
+            <a:cxnSpLocks/>
+            <a:stCxn id="14" idx="0"/>
+            <a:endCxn id="18" idx="2"/>
+          </p:cNvCxnSpPr>
+          <p:nvPr/>
+        </p:nvCxnSpPr>
+        <p:spPr>
+          <a:xfrm rot="16200000" flipV="1">
+            <a:off x="5144259" y="2646590"/>
+            <a:ext cx="574217" cy="965201"/>
+          </a:xfrm>
+          <a:prstGeom prst="curvedConnector3">
+            <a:avLst>
+              <a:gd name="adj1" fmla="val 50000"/>
+            </a:avLst>
+          </a:prstGeom>
+          <a:ln>
+            <a:tailEnd type="triangle"/>
+          </a:ln>
+        </p:spPr>
+        <p:style>
+          <a:lnRef idx="2">
+            <a:schemeClr val="accent1"/>
+          </a:lnRef>
+          <a:fillRef idx="0">
+            <a:schemeClr val="accent1"/>
+          </a:fillRef>
+          <a:effectRef idx="1">
+            <a:schemeClr val="accent1"/>
+          </a:effectRef>
+          <a:fontRef idx="minor">
+            <a:schemeClr val="tx1"/>
+          </a:fontRef>
+        </p:style>
+      </p:cxnSp>
+      <p:sp>
+        <p:nvSpPr>
+          <p:cNvPr id="23" name="Rectangle 22">
+            <a:extLst>
+              <a:ext uri="{FF2B5EF4-FFF2-40B4-BE49-F238E27FC236}">
+                <a16:creationId xmlns:a16="http://schemas.microsoft.com/office/drawing/2014/main" id="{BAE5F3AB-82C3-778D-FCCE-26408A5D2CE9}"/>
+              </a:ext>
+            </a:extLst>
+          </p:cNvPr>
+          <p:cNvSpPr/>
+          <p:nvPr/>
+        </p:nvSpPr>
+        <p:spPr>
+          <a:xfrm>
+            <a:off x="609600" y="2145584"/>
+            <a:ext cx="3111502" cy="631483"/>
+          </a:xfrm>
+          <a:prstGeom prst="rect">
+            <a:avLst/>
+          </a:prstGeom>
+        </p:spPr>
+        <p:style>
+          <a:lnRef idx="2">
+            <a:schemeClr val="accent1">
+              <a:shade val="15000"/>
+            </a:schemeClr>
+          </a:lnRef>
+          <a:fillRef idx="1">
+            <a:schemeClr val="accent1"/>
+          </a:fillRef>
+          <a:effectRef idx="0">
+            <a:schemeClr val="accent1"/>
+          </a:effectRef>
+          <a:fontRef idx="minor">
+            <a:schemeClr val="lt1"/>
+          </a:fontRef>
+        </p:style>
+        <p:txBody>
+          <a:bodyPr rtlCol="0" anchor="ctr"/>
+          <a:lstStyle/>
+          <a:p>
+            <a:pPr algn="ctr"/>
+            <a:r>
+              <a:rPr lang="en-IN" dirty="0"/>
+              <a:t>Data Properties and Methods</a:t>
+            </a:r>
+          </a:p>
+        </p:txBody>
+      </p:sp>
+      <p:sp>
+        <p:nvSpPr>
+          <p:cNvPr id="24" name="Arrow: Left-Right 23">
+            <a:extLst>
+              <a:ext uri="{FF2B5EF4-FFF2-40B4-BE49-F238E27FC236}">
+                <a16:creationId xmlns:a16="http://schemas.microsoft.com/office/drawing/2014/main" id="{4F9ED22F-120B-1A87-9478-BA4F932767FB}"/>
+              </a:ext>
+            </a:extLst>
+          </p:cNvPr>
+          <p:cNvSpPr/>
+          <p:nvPr/>
+        </p:nvSpPr>
+        <p:spPr>
+          <a:xfrm>
+            <a:off x="3649133" y="2379133"/>
+            <a:ext cx="431800" cy="279400"/>
+          </a:xfrm>
+          <a:prstGeom prst="leftRightArrow">
+            <a:avLst/>
+          </a:prstGeom>
+          <a:solidFill>
+            <a:schemeClr val="accent2"/>
+          </a:solidFill>
+        </p:spPr>
+        <p:style>
+          <a:lnRef idx="2">
+            <a:schemeClr val="accent1">
+              <a:shade val="15000"/>
+            </a:schemeClr>
+          </a:lnRef>
+          <a:fillRef idx="1">
+            <a:schemeClr val="accent1"/>
+          </a:fillRef>
+          <a:effectRef idx="0">
+            <a:schemeClr val="accent1"/>
+          </a:effectRef>
+          <a:fontRef idx="minor">
+            <a:schemeClr val="lt1"/>
+          </a:fontRef>
+        </p:style>
+        <p:txBody>
+          <a:bodyPr rtlCol="0" anchor="ctr"/>
+          <a:lstStyle/>
+          <a:p>
+            <a:pPr algn="ctr"/>
+            <a:endParaRPr lang="en-IN"/>
+          </a:p>
+        </p:txBody>
+      </p:sp>
+      <p:sp>
+        <p:nvSpPr>
+          <p:cNvPr id="25" name="TextBox 24">
+            <a:extLst>
+              <a:ext uri="{FF2B5EF4-FFF2-40B4-BE49-F238E27FC236}">
+                <a16:creationId xmlns:a16="http://schemas.microsoft.com/office/drawing/2014/main" id="{DDC0056D-C916-EFAB-06C3-7DE0AE29F0DF}"/>
+              </a:ext>
+            </a:extLst>
+          </p:cNvPr>
+          <p:cNvSpPr txBox="1"/>
+          <p:nvPr/>
+        </p:nvSpPr>
+        <p:spPr>
+          <a:xfrm>
+            <a:off x="279398" y="1001131"/>
+            <a:ext cx="2734735" cy="369332"/>
+          </a:xfrm>
+          <a:prstGeom prst="rect">
+            <a:avLst/>
+          </a:prstGeom>
+          <a:noFill/>
+        </p:spPr>
+        <p:txBody>
+          <a:bodyPr wrap="square" rtlCol="0">
+            <a:spAutoFit/>
+          </a:bodyPr>
+          <a:lstStyle/>
+          <a:p>
+            <a:pPr algn="ctr"/>
+            <a:r>
+              <a:rPr lang="en-IN" b="1" dirty="0" err="1"/>
+              <a:t>BrowserModule</a:t>
+            </a:r>
+            <a:endParaRPr lang="en-IN" b="1" dirty="0"/>
+          </a:p>
+        </p:txBody>
+      </p:sp>
+      <p:cxnSp>
+        <p:nvCxnSpPr>
+          <p:cNvPr id="27" name="Connector: Curved 26">
+            <a:extLst>
+              <a:ext uri="{FF2B5EF4-FFF2-40B4-BE49-F238E27FC236}">
+                <a16:creationId xmlns:a16="http://schemas.microsoft.com/office/drawing/2014/main" id="{F4530D83-23C6-834F-E8FB-F945FB858315}"/>
+              </a:ext>
+            </a:extLst>
+          </p:cNvPr>
+          <p:cNvCxnSpPr>
+            <a:stCxn id="15" idx="0"/>
+            <a:endCxn id="18" idx="3"/>
+          </p:cNvCxnSpPr>
+          <p:nvPr/>
+        </p:nvCxnSpPr>
+        <p:spPr>
+          <a:xfrm rot="16200000" flipV="1">
+            <a:off x="7445755" y="503086"/>
+            <a:ext cx="1512659" cy="4313770"/>
+          </a:xfrm>
+          <a:prstGeom prst="curvedConnector2">
+            <a:avLst/>
+          </a:prstGeom>
+          <a:ln w="76200">
+            <a:solidFill>
+              <a:srgbClr val="FFC000"/>
+            </a:solidFill>
+            <a:tailEnd type="triangle"/>
+          </a:ln>
+        </p:spPr>
+        <p:style>
+          <a:lnRef idx="2">
+            <a:schemeClr val="accent1"/>
+          </a:lnRef>
+          <a:fillRef idx="0">
+            <a:schemeClr val="accent1"/>
+          </a:fillRef>
+          <a:effectRef idx="1">
+            <a:schemeClr val="accent1"/>
+          </a:effectRef>
+          <a:fontRef idx="minor">
+            <a:schemeClr val="tx1"/>
+          </a:fontRef>
+        </p:style>
+      </p:cxnSp>
+      <p:sp>
+        <p:nvSpPr>
+          <p:cNvPr id="28" name="TextBox 27">
+            <a:extLst>
+              <a:ext uri="{FF2B5EF4-FFF2-40B4-BE49-F238E27FC236}">
+                <a16:creationId xmlns:a16="http://schemas.microsoft.com/office/drawing/2014/main" id="{12C0C31F-58A5-F8C4-47DC-11B249A7D464}"/>
+              </a:ext>
+            </a:extLst>
+          </p:cNvPr>
+          <p:cNvSpPr txBox="1"/>
+          <p:nvPr/>
+        </p:nvSpPr>
+        <p:spPr>
+          <a:xfrm>
+            <a:off x="7412568" y="1895174"/>
+            <a:ext cx="2556930" cy="646331"/>
+          </a:xfrm>
+          <a:prstGeom prst="rect">
+            <a:avLst/>
+          </a:prstGeom>
+          <a:noFill/>
+          <a:ln>
+            <a:solidFill>
+              <a:srgbClr val="FFC000"/>
+            </a:solidFill>
+          </a:ln>
+        </p:spPr>
+        <p:txBody>
+          <a:bodyPr wrap="square" rtlCol="0">
+            <a:spAutoFit/>
+          </a:bodyPr>
+          <a:lstStyle/>
+          <a:p>
+            <a:r>
+              <a:rPr lang="en-IN" dirty="0"/>
+              <a:t>Inject Services from Dependency Container</a:t>
+            </a:r>
+          </a:p>
+        </p:txBody>
+      </p:sp>
+      <p:sp>
+        <p:nvSpPr>
+          <p:cNvPr id="30" name="TextBox 29">
+            <a:extLst>
+              <a:ext uri="{FF2B5EF4-FFF2-40B4-BE49-F238E27FC236}">
+                <a16:creationId xmlns:a16="http://schemas.microsoft.com/office/drawing/2014/main" id="{EADD5CE6-2869-C18F-DD11-450A5DEE83FA}"/>
+              </a:ext>
+            </a:extLst>
+          </p:cNvPr>
+          <p:cNvSpPr txBox="1"/>
+          <p:nvPr/>
+        </p:nvSpPr>
+        <p:spPr>
+          <a:xfrm>
+            <a:off x="4402665" y="3072368"/>
+            <a:ext cx="3285067" cy="369332"/>
+          </a:xfrm>
+          <a:prstGeom prst="rect">
+            <a:avLst/>
+          </a:prstGeom>
+          <a:noFill/>
+        </p:spPr>
+        <p:txBody>
+          <a:bodyPr wrap="square" rtlCol="0">
+            <a:spAutoFit/>
+          </a:bodyPr>
+          <a:lstStyle/>
+          <a:p>
+            <a:pPr algn="ctr"/>
+            <a:r>
+              <a:rPr lang="en-IN" b="1" dirty="0"/>
+              <a:t>Bootstrap Module</a:t>
+            </a:r>
+          </a:p>
+        </p:txBody>
+      </p:sp>
+    </p:spTree>
+    <p:extLst>
+      <p:ext uri="{BB962C8B-B14F-4D97-AF65-F5344CB8AC3E}">
+        <p14:creationId xmlns:p14="http://schemas.microsoft.com/office/powerpoint/2010/main" val="1693987007"/>
+      </p:ext>
+    </p:extLst>
+  </p:cSld>
+  <p:clrMapOvr>
+    <a:masterClrMapping/>
+  </p:clrMapOvr>
+</p:sld>
+</file>
+
 <file path=ppt/slides/slide5.xml><?xml version="1.0" encoding="utf-8"?>
 <p:sld xmlns:a="http://schemas.openxmlformats.org/drawingml/2006/main" xmlns:r="http://schemas.openxmlformats.org/officeDocument/2006/relationships" xmlns:p="http://schemas.openxmlformats.org/presentationml/2006/main">
   <p:cSld>
@@ -37617,6 +38754,2298 @@
     <p:extLst>
       <p:ext uri="{BB962C8B-B14F-4D97-AF65-F5344CB8AC3E}">
         <p14:creationId xmlns:p14="http://schemas.microsoft.com/office/powerpoint/2010/main" val="2475647426"/>
+      </p:ext>
+    </p:extLst>
+  </p:cSld>
+  <p:clrMapOvr>
+    <a:masterClrMapping/>
+  </p:clrMapOvr>
+</p:sld>
+</file>
+
+<file path=ppt/slides/slide50.xml><?xml version="1.0" encoding="utf-8"?>
+<p:sld xmlns:a="http://schemas.openxmlformats.org/drawingml/2006/main" xmlns:r="http://schemas.openxmlformats.org/officeDocument/2006/relationships" xmlns:p="http://schemas.openxmlformats.org/presentationml/2006/main">
+  <p:cSld>
+    <p:spTree>
+      <p:nvGrpSpPr>
+        <p:cNvPr id="1" name=""/>
+        <p:cNvGrpSpPr/>
+        <p:nvPr/>
+      </p:nvGrpSpPr>
+      <p:grpSpPr>
+        <a:xfrm>
+          <a:off x="0" y="0"/>
+          <a:ext cx="0" cy="0"/>
+          <a:chOff x="0" y="0"/>
+          <a:chExt cx="0" cy="0"/>
+        </a:xfrm>
+      </p:grpSpPr>
+      <p:sp>
+        <p:nvSpPr>
+          <p:cNvPr id="8" name="Oval 7">
+            <a:extLst>
+              <a:ext uri="{FF2B5EF4-FFF2-40B4-BE49-F238E27FC236}">
+                <a16:creationId xmlns:a16="http://schemas.microsoft.com/office/drawing/2014/main" id="{4EDA896F-E3ED-6CBC-402E-22C3917DE13E}"/>
+              </a:ext>
+            </a:extLst>
+          </p:cNvPr>
+          <p:cNvSpPr/>
+          <p:nvPr/>
+        </p:nvSpPr>
+        <p:spPr>
+          <a:xfrm>
+            <a:off x="3632201" y="118533"/>
+            <a:ext cx="5088466" cy="2353734"/>
+          </a:xfrm>
+          <a:prstGeom prst="ellipse">
+            <a:avLst/>
+          </a:prstGeom>
+        </p:spPr>
+        <p:style>
+          <a:lnRef idx="2">
+            <a:schemeClr val="accent1">
+              <a:shade val="15000"/>
+            </a:schemeClr>
+          </a:lnRef>
+          <a:fillRef idx="1">
+            <a:schemeClr val="accent1"/>
+          </a:fillRef>
+          <a:effectRef idx="0">
+            <a:schemeClr val="accent1"/>
+          </a:effectRef>
+          <a:fontRef idx="minor">
+            <a:schemeClr val="lt1"/>
+          </a:fontRef>
+        </p:style>
+        <p:txBody>
+          <a:bodyPr rtlCol="0" anchor="ctr"/>
+          <a:lstStyle/>
+          <a:p>
+            <a:pPr algn="ctr"/>
+            <a:r>
+              <a:rPr lang="en-IN" b="1" dirty="0"/>
+              <a:t>Model</a:t>
+            </a:r>
+          </a:p>
+        </p:txBody>
+      </p:sp>
+      <p:sp>
+        <p:nvSpPr>
+          <p:cNvPr id="9" name="Oval 8">
+            <a:extLst>
+              <a:ext uri="{FF2B5EF4-FFF2-40B4-BE49-F238E27FC236}">
+                <a16:creationId xmlns:a16="http://schemas.microsoft.com/office/drawing/2014/main" id="{270EA6E9-0B41-F322-5B07-5B9F1CF6846C}"/>
+              </a:ext>
+            </a:extLst>
+          </p:cNvPr>
+          <p:cNvSpPr/>
+          <p:nvPr/>
+        </p:nvSpPr>
+        <p:spPr>
+          <a:xfrm>
+            <a:off x="7035802" y="3810000"/>
+            <a:ext cx="5088466" cy="2353734"/>
+          </a:xfrm>
+          <a:prstGeom prst="ellipse">
+            <a:avLst/>
+          </a:prstGeom>
+          <a:solidFill>
+            <a:srgbClr val="002060"/>
+          </a:solidFill>
+        </p:spPr>
+        <p:style>
+          <a:lnRef idx="2">
+            <a:schemeClr val="accent1">
+              <a:shade val="15000"/>
+            </a:schemeClr>
+          </a:lnRef>
+          <a:fillRef idx="1">
+            <a:schemeClr val="accent1"/>
+          </a:fillRef>
+          <a:effectRef idx="0">
+            <a:schemeClr val="accent1"/>
+          </a:effectRef>
+          <a:fontRef idx="minor">
+            <a:schemeClr val="lt1"/>
+          </a:fontRef>
+        </p:style>
+        <p:txBody>
+          <a:bodyPr rtlCol="0" anchor="ctr"/>
+          <a:lstStyle/>
+          <a:p>
+            <a:pPr algn="ctr"/>
+            <a:r>
+              <a:rPr lang="en-IN" b="1" dirty="0"/>
+              <a:t>View </a:t>
+            </a:r>
+          </a:p>
+          <a:p>
+            <a:pPr algn="ctr"/>
+            <a:r>
+              <a:rPr lang="en-IN" b="1" dirty="0"/>
+              <a:t>(HTML Template of Component)</a:t>
+            </a:r>
+          </a:p>
+        </p:txBody>
+      </p:sp>
+      <p:sp>
+        <p:nvSpPr>
+          <p:cNvPr id="10" name="Oval 9">
+            <a:extLst>
+              <a:ext uri="{FF2B5EF4-FFF2-40B4-BE49-F238E27FC236}">
+                <a16:creationId xmlns:a16="http://schemas.microsoft.com/office/drawing/2014/main" id="{D39CEB80-9E90-0AEC-0D4D-F76BB36A3EF7}"/>
+              </a:ext>
+            </a:extLst>
+          </p:cNvPr>
+          <p:cNvSpPr/>
+          <p:nvPr/>
+        </p:nvSpPr>
+        <p:spPr>
+          <a:xfrm>
+            <a:off x="67734" y="3886200"/>
+            <a:ext cx="5088466" cy="2353734"/>
+          </a:xfrm>
+          <a:prstGeom prst="ellipse">
+            <a:avLst/>
+          </a:prstGeom>
+        </p:spPr>
+        <p:style>
+          <a:lnRef idx="2">
+            <a:schemeClr val="accent1">
+              <a:shade val="15000"/>
+            </a:schemeClr>
+          </a:lnRef>
+          <a:fillRef idx="1">
+            <a:schemeClr val="accent1"/>
+          </a:fillRef>
+          <a:effectRef idx="0">
+            <a:schemeClr val="accent1"/>
+          </a:effectRef>
+          <a:fontRef idx="minor">
+            <a:schemeClr val="lt1"/>
+          </a:fontRef>
+        </p:style>
+        <p:txBody>
+          <a:bodyPr rtlCol="0" anchor="ctr"/>
+          <a:lstStyle/>
+          <a:p>
+            <a:pPr algn="ctr"/>
+            <a:r>
+              <a:rPr lang="en-IN" b="1" dirty="0"/>
+              <a:t>Component</a:t>
+            </a:r>
+          </a:p>
+        </p:txBody>
+      </p:sp>
+      <p:cxnSp>
+        <p:nvCxnSpPr>
+          <p:cNvPr id="15" name="Connector: Curved 14">
+            <a:extLst>
+              <a:ext uri="{FF2B5EF4-FFF2-40B4-BE49-F238E27FC236}">
+                <a16:creationId xmlns:a16="http://schemas.microsoft.com/office/drawing/2014/main" id="{009F38F7-9D0B-BD85-ADFA-6A4AFAB70A8A}"/>
+              </a:ext>
+            </a:extLst>
+          </p:cNvPr>
+          <p:cNvCxnSpPr>
+            <a:stCxn id="8" idx="6"/>
+            <a:endCxn id="9" idx="0"/>
+          </p:cNvCxnSpPr>
+          <p:nvPr/>
+        </p:nvCxnSpPr>
+        <p:spPr>
+          <a:xfrm>
+            <a:off x="8720667" y="1295400"/>
+            <a:ext cx="859368" cy="2514600"/>
+          </a:xfrm>
+          <a:prstGeom prst="curvedConnector2">
+            <a:avLst/>
+          </a:prstGeom>
+          <a:ln>
+            <a:tailEnd type="triangle"/>
+          </a:ln>
+        </p:spPr>
+        <p:style>
+          <a:lnRef idx="2">
+            <a:schemeClr val="accent1"/>
+          </a:lnRef>
+          <a:fillRef idx="0">
+            <a:schemeClr val="accent1"/>
+          </a:fillRef>
+          <a:effectRef idx="1">
+            <a:schemeClr val="accent1"/>
+          </a:effectRef>
+          <a:fontRef idx="minor">
+            <a:schemeClr val="tx1"/>
+          </a:fontRef>
+        </p:style>
+      </p:cxnSp>
+      <p:cxnSp>
+        <p:nvCxnSpPr>
+          <p:cNvPr id="18" name="Connector: Curved 17">
+            <a:extLst>
+              <a:ext uri="{FF2B5EF4-FFF2-40B4-BE49-F238E27FC236}">
+                <a16:creationId xmlns:a16="http://schemas.microsoft.com/office/drawing/2014/main" id="{AE8C2003-98BC-2681-258E-6E4FC3B0DC97}"/>
+              </a:ext>
+            </a:extLst>
+          </p:cNvPr>
+          <p:cNvCxnSpPr>
+            <a:stCxn id="10" idx="4"/>
+            <a:endCxn id="9" idx="4"/>
+          </p:cNvCxnSpPr>
+          <p:nvPr/>
+        </p:nvCxnSpPr>
+        <p:spPr>
+          <a:xfrm rot="5400000" flipH="1" flipV="1">
+            <a:off x="6057901" y="2717800"/>
+            <a:ext cx="76200" cy="6968068"/>
+          </a:xfrm>
+          <a:prstGeom prst="curvedConnector3">
+            <a:avLst>
+              <a:gd name="adj1" fmla="val -300000"/>
+            </a:avLst>
+          </a:prstGeom>
+          <a:ln>
+            <a:tailEnd type="triangle"/>
+          </a:ln>
+        </p:spPr>
+        <p:style>
+          <a:lnRef idx="2">
+            <a:schemeClr val="accent1"/>
+          </a:lnRef>
+          <a:fillRef idx="0">
+            <a:schemeClr val="accent1"/>
+          </a:fillRef>
+          <a:effectRef idx="1">
+            <a:schemeClr val="accent1"/>
+          </a:effectRef>
+          <a:fontRef idx="minor">
+            <a:schemeClr val="tx1"/>
+          </a:fontRef>
+        </p:style>
+      </p:cxnSp>
+      <p:cxnSp>
+        <p:nvCxnSpPr>
+          <p:cNvPr id="20" name="Connector: Curved 19">
+            <a:extLst>
+              <a:ext uri="{FF2B5EF4-FFF2-40B4-BE49-F238E27FC236}">
+                <a16:creationId xmlns:a16="http://schemas.microsoft.com/office/drawing/2014/main" id="{92D004DC-AAFA-35C6-F984-75D071C56CC8}"/>
+              </a:ext>
+            </a:extLst>
+          </p:cNvPr>
+          <p:cNvCxnSpPr>
+            <a:stCxn id="10" idx="0"/>
+            <a:endCxn id="8" idx="2"/>
+          </p:cNvCxnSpPr>
+          <p:nvPr/>
+        </p:nvCxnSpPr>
+        <p:spPr>
+          <a:xfrm rot="5400000" flipH="1" flipV="1">
+            <a:off x="1826684" y="2080683"/>
+            <a:ext cx="2590800" cy="1020234"/>
+          </a:xfrm>
+          <a:prstGeom prst="curvedConnector2">
+            <a:avLst/>
+          </a:prstGeom>
+          <a:ln>
+            <a:tailEnd type="triangle"/>
+          </a:ln>
+        </p:spPr>
+        <p:style>
+          <a:lnRef idx="2">
+            <a:schemeClr val="accent1"/>
+          </a:lnRef>
+          <a:fillRef idx="0">
+            <a:schemeClr val="accent1"/>
+          </a:fillRef>
+          <a:effectRef idx="1">
+            <a:schemeClr val="accent1"/>
+          </a:effectRef>
+          <a:fontRef idx="minor">
+            <a:schemeClr val="tx1"/>
+          </a:fontRef>
+        </p:style>
+      </p:cxnSp>
+    </p:spTree>
+    <p:extLst>
+      <p:ext uri="{BB962C8B-B14F-4D97-AF65-F5344CB8AC3E}">
+        <p14:creationId xmlns:p14="http://schemas.microsoft.com/office/powerpoint/2010/main" val="2120350009"/>
+      </p:ext>
+    </p:extLst>
+  </p:cSld>
+  <p:clrMapOvr>
+    <a:masterClrMapping/>
+  </p:clrMapOvr>
+</p:sld>
+</file>
+
+<file path=ppt/slides/slide51.xml><?xml version="1.0" encoding="utf-8"?>
+<p:sld xmlns:a="http://schemas.openxmlformats.org/drawingml/2006/main" xmlns:r="http://schemas.openxmlformats.org/officeDocument/2006/relationships" xmlns:p="http://schemas.openxmlformats.org/presentationml/2006/main">
+  <p:cSld>
+    <p:spTree>
+      <p:nvGrpSpPr>
+        <p:cNvPr id="1" name=""/>
+        <p:cNvGrpSpPr/>
+        <p:nvPr/>
+      </p:nvGrpSpPr>
+      <p:grpSpPr>
+        <a:xfrm>
+          <a:off x="0" y="0"/>
+          <a:ext cx="0" cy="0"/>
+          <a:chOff x="0" y="0"/>
+          <a:chExt cx="0" cy="0"/>
+        </a:xfrm>
+      </p:grpSpPr>
+      <p:sp>
+        <p:nvSpPr>
+          <p:cNvPr id="2" name="Rectangle 1">
+            <a:extLst>
+              <a:ext uri="{FF2B5EF4-FFF2-40B4-BE49-F238E27FC236}">
+                <a16:creationId xmlns:a16="http://schemas.microsoft.com/office/drawing/2014/main" id="{EA466DC4-6AD1-EE51-BB62-95BFB3F7A656}"/>
+              </a:ext>
+            </a:extLst>
+          </p:cNvPr>
+          <p:cNvSpPr/>
+          <p:nvPr/>
+        </p:nvSpPr>
+        <p:spPr>
+          <a:xfrm>
+            <a:off x="431800" y="795867"/>
+            <a:ext cx="2480733" cy="1346200"/>
+          </a:xfrm>
+          <a:prstGeom prst="rect">
+            <a:avLst/>
+          </a:prstGeom>
+        </p:spPr>
+        <p:style>
+          <a:lnRef idx="2">
+            <a:schemeClr val="accent1">
+              <a:shade val="15000"/>
+            </a:schemeClr>
+          </a:lnRef>
+          <a:fillRef idx="1">
+            <a:schemeClr val="accent1"/>
+          </a:fillRef>
+          <a:effectRef idx="0">
+            <a:schemeClr val="accent1"/>
+          </a:effectRef>
+          <a:fontRef idx="minor">
+            <a:schemeClr val="lt1"/>
+          </a:fontRef>
+        </p:style>
+        <p:txBody>
+          <a:bodyPr rtlCol="0" anchor="ctr"/>
+          <a:lstStyle/>
+          <a:p>
+            <a:pPr algn="ctr"/>
+            <a:r>
+              <a:rPr lang="en-IN" dirty="0"/>
+              <a:t>C1</a:t>
+            </a:r>
+          </a:p>
+        </p:txBody>
+      </p:sp>
+      <p:sp>
+        <p:nvSpPr>
+          <p:cNvPr id="3" name="Rectangle 2">
+            <a:extLst>
+              <a:ext uri="{FF2B5EF4-FFF2-40B4-BE49-F238E27FC236}">
+                <a16:creationId xmlns:a16="http://schemas.microsoft.com/office/drawing/2014/main" id="{2F1C6954-A07B-6AE4-D04E-6E8404D8DEDF}"/>
+              </a:ext>
+            </a:extLst>
+          </p:cNvPr>
+          <p:cNvSpPr/>
+          <p:nvPr/>
+        </p:nvSpPr>
+        <p:spPr>
+          <a:xfrm>
+            <a:off x="4855633" y="1930400"/>
+            <a:ext cx="2480733" cy="1346200"/>
+          </a:xfrm>
+          <a:prstGeom prst="rect">
+            <a:avLst/>
+          </a:prstGeom>
+        </p:spPr>
+        <p:style>
+          <a:lnRef idx="2">
+            <a:schemeClr val="accent1">
+              <a:shade val="15000"/>
+            </a:schemeClr>
+          </a:lnRef>
+          <a:fillRef idx="1">
+            <a:schemeClr val="accent1"/>
+          </a:fillRef>
+          <a:effectRef idx="0">
+            <a:schemeClr val="accent1"/>
+          </a:effectRef>
+          <a:fontRef idx="minor">
+            <a:schemeClr val="lt1"/>
+          </a:fontRef>
+        </p:style>
+        <p:txBody>
+          <a:bodyPr rtlCol="0" anchor="ctr"/>
+          <a:lstStyle/>
+          <a:p>
+            <a:pPr algn="ctr"/>
+            <a:r>
+              <a:rPr lang="en-IN" dirty="0"/>
+              <a:t>S1</a:t>
+            </a:r>
+          </a:p>
+        </p:txBody>
+      </p:sp>
+      <p:sp>
+        <p:nvSpPr>
+          <p:cNvPr id="4" name="Rectangle 3">
+            <a:extLst>
+              <a:ext uri="{FF2B5EF4-FFF2-40B4-BE49-F238E27FC236}">
+                <a16:creationId xmlns:a16="http://schemas.microsoft.com/office/drawing/2014/main" id="{C3C5267F-0765-C10A-D23B-72E1662CF31F}"/>
+              </a:ext>
+            </a:extLst>
+          </p:cNvPr>
+          <p:cNvSpPr/>
+          <p:nvPr/>
+        </p:nvSpPr>
+        <p:spPr>
+          <a:xfrm>
+            <a:off x="4855633" y="3903133"/>
+            <a:ext cx="2480733" cy="1346200"/>
+          </a:xfrm>
+          <a:prstGeom prst="rect">
+            <a:avLst/>
+          </a:prstGeom>
+        </p:spPr>
+        <p:style>
+          <a:lnRef idx="2">
+            <a:schemeClr val="accent1">
+              <a:shade val="15000"/>
+            </a:schemeClr>
+          </a:lnRef>
+          <a:fillRef idx="1">
+            <a:schemeClr val="accent1"/>
+          </a:fillRef>
+          <a:effectRef idx="0">
+            <a:schemeClr val="accent1"/>
+          </a:effectRef>
+          <a:fontRef idx="minor">
+            <a:schemeClr val="lt1"/>
+          </a:fontRef>
+        </p:style>
+        <p:txBody>
+          <a:bodyPr rtlCol="0" anchor="ctr"/>
+          <a:lstStyle/>
+          <a:p>
+            <a:pPr algn="ctr"/>
+            <a:r>
+              <a:rPr lang="en-IN" dirty="0"/>
+              <a:t>S2</a:t>
+            </a:r>
+          </a:p>
+        </p:txBody>
+      </p:sp>
+      <p:sp>
+        <p:nvSpPr>
+          <p:cNvPr id="5" name="Rectangle 4">
+            <a:extLst>
+              <a:ext uri="{FF2B5EF4-FFF2-40B4-BE49-F238E27FC236}">
+                <a16:creationId xmlns:a16="http://schemas.microsoft.com/office/drawing/2014/main" id="{478E7E0B-3DF9-8E12-0795-428AD8681A82}"/>
+              </a:ext>
+            </a:extLst>
+          </p:cNvPr>
+          <p:cNvSpPr/>
+          <p:nvPr/>
+        </p:nvSpPr>
+        <p:spPr>
+          <a:xfrm>
+            <a:off x="431799" y="2861734"/>
+            <a:ext cx="2480733" cy="1346200"/>
+          </a:xfrm>
+          <a:prstGeom prst="rect">
+            <a:avLst/>
+          </a:prstGeom>
+        </p:spPr>
+        <p:style>
+          <a:lnRef idx="2">
+            <a:schemeClr val="accent1">
+              <a:shade val="15000"/>
+            </a:schemeClr>
+          </a:lnRef>
+          <a:fillRef idx="1">
+            <a:schemeClr val="accent1"/>
+          </a:fillRef>
+          <a:effectRef idx="0">
+            <a:schemeClr val="accent1"/>
+          </a:effectRef>
+          <a:fontRef idx="minor">
+            <a:schemeClr val="lt1"/>
+          </a:fontRef>
+        </p:style>
+        <p:txBody>
+          <a:bodyPr rtlCol="0" anchor="ctr"/>
+          <a:lstStyle/>
+          <a:p>
+            <a:pPr algn="ctr"/>
+            <a:r>
+              <a:rPr lang="en-IN" dirty="0"/>
+              <a:t>C2</a:t>
+            </a:r>
+          </a:p>
+        </p:txBody>
+      </p:sp>
+      <p:sp>
+        <p:nvSpPr>
+          <p:cNvPr id="6" name="Rectangle 5">
+            <a:extLst>
+              <a:ext uri="{FF2B5EF4-FFF2-40B4-BE49-F238E27FC236}">
+                <a16:creationId xmlns:a16="http://schemas.microsoft.com/office/drawing/2014/main" id="{251CC5AA-6283-D8C3-9CBC-C1948A9ACD4B}"/>
+              </a:ext>
+            </a:extLst>
+          </p:cNvPr>
+          <p:cNvSpPr/>
+          <p:nvPr/>
+        </p:nvSpPr>
+        <p:spPr>
+          <a:xfrm>
+            <a:off x="431798" y="5063067"/>
+            <a:ext cx="2480733" cy="1346200"/>
+          </a:xfrm>
+          <a:prstGeom prst="rect">
+            <a:avLst/>
+          </a:prstGeom>
+        </p:spPr>
+        <p:style>
+          <a:lnRef idx="2">
+            <a:schemeClr val="accent1">
+              <a:shade val="15000"/>
+            </a:schemeClr>
+          </a:lnRef>
+          <a:fillRef idx="1">
+            <a:schemeClr val="accent1"/>
+          </a:fillRef>
+          <a:effectRef idx="0">
+            <a:schemeClr val="accent1"/>
+          </a:effectRef>
+          <a:fontRef idx="minor">
+            <a:schemeClr val="lt1"/>
+          </a:fontRef>
+        </p:style>
+        <p:txBody>
+          <a:bodyPr rtlCol="0" anchor="ctr"/>
+          <a:lstStyle/>
+          <a:p>
+            <a:pPr algn="ctr"/>
+            <a:r>
+              <a:rPr lang="en-IN" dirty="0"/>
+              <a:t>C3</a:t>
+            </a:r>
+          </a:p>
+        </p:txBody>
+      </p:sp>
+      <p:cxnSp>
+        <p:nvCxnSpPr>
+          <p:cNvPr id="8" name="Connector: Elbow 7">
+            <a:extLst>
+              <a:ext uri="{FF2B5EF4-FFF2-40B4-BE49-F238E27FC236}">
+                <a16:creationId xmlns:a16="http://schemas.microsoft.com/office/drawing/2014/main" id="{B3CFEBA4-35EB-6A6A-559B-D92718DA186B}"/>
+              </a:ext>
+            </a:extLst>
+          </p:cNvPr>
+          <p:cNvCxnSpPr>
+            <a:stCxn id="2" idx="3"/>
+            <a:endCxn id="3" idx="0"/>
+          </p:cNvCxnSpPr>
+          <p:nvPr/>
+        </p:nvCxnSpPr>
+        <p:spPr>
+          <a:xfrm>
+            <a:off x="2912533" y="1468967"/>
+            <a:ext cx="3183467" cy="461433"/>
+          </a:xfrm>
+          <a:prstGeom prst="bentConnector2">
+            <a:avLst/>
+          </a:prstGeom>
+          <a:ln>
+            <a:tailEnd type="triangle"/>
+          </a:ln>
+        </p:spPr>
+        <p:style>
+          <a:lnRef idx="2">
+            <a:schemeClr val="accent1"/>
+          </a:lnRef>
+          <a:fillRef idx="0">
+            <a:schemeClr val="accent1"/>
+          </a:fillRef>
+          <a:effectRef idx="1">
+            <a:schemeClr val="accent1"/>
+          </a:effectRef>
+          <a:fontRef idx="minor">
+            <a:schemeClr val="tx1"/>
+          </a:fontRef>
+        </p:style>
+      </p:cxnSp>
+      <p:cxnSp>
+        <p:nvCxnSpPr>
+          <p:cNvPr id="10" name="Connector: Elbow 9">
+            <a:extLst>
+              <a:ext uri="{FF2B5EF4-FFF2-40B4-BE49-F238E27FC236}">
+                <a16:creationId xmlns:a16="http://schemas.microsoft.com/office/drawing/2014/main" id="{E6B89DEF-BDB7-B369-613F-700DEB3C0B8A}"/>
+              </a:ext>
+            </a:extLst>
+          </p:cNvPr>
+          <p:cNvCxnSpPr>
+            <a:stCxn id="5" idx="3"/>
+            <a:endCxn id="3" idx="1"/>
+          </p:cNvCxnSpPr>
+          <p:nvPr/>
+        </p:nvCxnSpPr>
+        <p:spPr>
+          <a:xfrm flipV="1">
+            <a:off x="2912532" y="2603500"/>
+            <a:ext cx="1943101" cy="931334"/>
+          </a:xfrm>
+          <a:prstGeom prst="bentConnector3">
+            <a:avLst/>
+          </a:prstGeom>
+          <a:ln>
+            <a:tailEnd type="triangle"/>
+          </a:ln>
+        </p:spPr>
+        <p:style>
+          <a:lnRef idx="2">
+            <a:schemeClr val="accent1"/>
+          </a:lnRef>
+          <a:fillRef idx="0">
+            <a:schemeClr val="accent1"/>
+          </a:fillRef>
+          <a:effectRef idx="1">
+            <a:schemeClr val="accent1"/>
+          </a:effectRef>
+          <a:fontRef idx="minor">
+            <a:schemeClr val="tx1"/>
+          </a:fontRef>
+        </p:style>
+      </p:cxnSp>
+      <p:cxnSp>
+        <p:nvCxnSpPr>
+          <p:cNvPr id="12" name="Connector: Elbow 11">
+            <a:extLst>
+              <a:ext uri="{FF2B5EF4-FFF2-40B4-BE49-F238E27FC236}">
+                <a16:creationId xmlns:a16="http://schemas.microsoft.com/office/drawing/2014/main" id="{C90C586A-EAC1-07D1-F3F6-C2BBBBE3D2AA}"/>
+              </a:ext>
+            </a:extLst>
+          </p:cNvPr>
+          <p:cNvCxnSpPr>
+            <a:stCxn id="6" idx="3"/>
+            <a:endCxn id="4" idx="2"/>
+          </p:cNvCxnSpPr>
+          <p:nvPr/>
+        </p:nvCxnSpPr>
+        <p:spPr>
+          <a:xfrm flipV="1">
+            <a:off x="2912531" y="5249333"/>
+            <a:ext cx="3183469" cy="486834"/>
+          </a:xfrm>
+          <a:prstGeom prst="bentConnector2">
+            <a:avLst/>
+          </a:prstGeom>
+          <a:ln>
+            <a:tailEnd type="triangle"/>
+          </a:ln>
+        </p:spPr>
+        <p:style>
+          <a:lnRef idx="2">
+            <a:schemeClr val="accent1"/>
+          </a:lnRef>
+          <a:fillRef idx="0">
+            <a:schemeClr val="accent1"/>
+          </a:fillRef>
+          <a:effectRef idx="1">
+            <a:schemeClr val="accent1"/>
+          </a:effectRef>
+          <a:fontRef idx="minor">
+            <a:schemeClr val="tx1"/>
+          </a:fontRef>
+        </p:style>
+      </p:cxnSp>
+      <p:sp>
+        <p:nvSpPr>
+          <p:cNvPr id="13" name="Arrow: Right 12">
+            <a:extLst>
+              <a:ext uri="{FF2B5EF4-FFF2-40B4-BE49-F238E27FC236}">
+                <a16:creationId xmlns:a16="http://schemas.microsoft.com/office/drawing/2014/main" id="{658EA903-B930-38B4-B850-2EB81275EB0E}"/>
+              </a:ext>
+            </a:extLst>
+          </p:cNvPr>
+          <p:cNvSpPr/>
+          <p:nvPr/>
+        </p:nvSpPr>
+        <p:spPr>
+          <a:xfrm>
+            <a:off x="6917267" y="2347383"/>
+            <a:ext cx="2209800" cy="512234"/>
+          </a:xfrm>
+          <a:prstGeom prst="rightArrow">
+            <a:avLst/>
+          </a:prstGeom>
+        </p:spPr>
+        <p:style>
+          <a:lnRef idx="2">
+            <a:schemeClr val="accent1">
+              <a:shade val="15000"/>
+            </a:schemeClr>
+          </a:lnRef>
+          <a:fillRef idx="1">
+            <a:schemeClr val="accent1"/>
+          </a:fillRef>
+          <a:effectRef idx="0">
+            <a:schemeClr val="accent1"/>
+          </a:effectRef>
+          <a:fontRef idx="minor">
+            <a:schemeClr val="lt1"/>
+          </a:fontRef>
+        </p:style>
+        <p:txBody>
+          <a:bodyPr rtlCol="0" anchor="ctr"/>
+          <a:lstStyle/>
+          <a:p>
+            <a:pPr algn="ctr"/>
+            <a:endParaRPr lang="en-IN"/>
+          </a:p>
+        </p:txBody>
+      </p:sp>
+      <p:sp>
+        <p:nvSpPr>
+          <p:cNvPr id="14" name="Arrow: Right 13">
+            <a:extLst>
+              <a:ext uri="{FF2B5EF4-FFF2-40B4-BE49-F238E27FC236}">
+                <a16:creationId xmlns:a16="http://schemas.microsoft.com/office/drawing/2014/main" id="{F739BF37-22C3-7C7F-02A9-A3D1F2340F47}"/>
+              </a:ext>
+            </a:extLst>
+          </p:cNvPr>
+          <p:cNvSpPr/>
+          <p:nvPr/>
+        </p:nvSpPr>
+        <p:spPr>
+          <a:xfrm>
+            <a:off x="6917267" y="4320116"/>
+            <a:ext cx="2209800" cy="512234"/>
+          </a:xfrm>
+          <a:prstGeom prst="rightArrow">
+            <a:avLst/>
+          </a:prstGeom>
+        </p:spPr>
+        <p:style>
+          <a:lnRef idx="2">
+            <a:schemeClr val="accent1">
+              <a:shade val="15000"/>
+            </a:schemeClr>
+          </a:lnRef>
+          <a:fillRef idx="1">
+            <a:schemeClr val="accent1"/>
+          </a:fillRef>
+          <a:effectRef idx="0">
+            <a:schemeClr val="accent1"/>
+          </a:effectRef>
+          <a:fontRef idx="minor">
+            <a:schemeClr val="lt1"/>
+          </a:fontRef>
+        </p:style>
+        <p:txBody>
+          <a:bodyPr rtlCol="0" anchor="ctr"/>
+          <a:lstStyle/>
+          <a:p>
+            <a:pPr algn="ctr"/>
+            <a:endParaRPr lang="en-IN"/>
+          </a:p>
+        </p:txBody>
+      </p:sp>
+    </p:spTree>
+    <p:extLst>
+      <p:ext uri="{BB962C8B-B14F-4D97-AF65-F5344CB8AC3E}">
+        <p14:creationId xmlns:p14="http://schemas.microsoft.com/office/powerpoint/2010/main" val="1203982634"/>
+      </p:ext>
+    </p:extLst>
+  </p:cSld>
+  <p:clrMapOvr>
+    <a:masterClrMapping/>
+  </p:clrMapOvr>
+</p:sld>
+</file>
+
+<file path=ppt/slides/slide52.xml><?xml version="1.0" encoding="utf-8"?>
+<p:sld xmlns:a="http://schemas.openxmlformats.org/drawingml/2006/main" xmlns:r="http://schemas.openxmlformats.org/officeDocument/2006/relationships" xmlns:p="http://schemas.openxmlformats.org/presentationml/2006/main">
+  <p:cSld>
+    <p:spTree>
+      <p:nvGrpSpPr>
+        <p:cNvPr id="1" name=""/>
+        <p:cNvGrpSpPr/>
+        <p:nvPr/>
+      </p:nvGrpSpPr>
+      <p:grpSpPr>
+        <a:xfrm>
+          <a:off x="0" y="0"/>
+          <a:ext cx="0" cy="0"/>
+          <a:chOff x="0" y="0"/>
+          <a:chExt cx="0" cy="0"/>
+        </a:xfrm>
+      </p:grpSpPr>
+      <p:sp>
+        <p:nvSpPr>
+          <p:cNvPr id="2" name="Rectangle 1">
+            <a:extLst>
+              <a:ext uri="{FF2B5EF4-FFF2-40B4-BE49-F238E27FC236}">
+                <a16:creationId xmlns:a16="http://schemas.microsoft.com/office/drawing/2014/main" id="{9D5F2555-B75C-346F-BDA6-3A3E9241C382}"/>
+              </a:ext>
+            </a:extLst>
+          </p:cNvPr>
+          <p:cNvSpPr/>
+          <p:nvPr/>
+        </p:nvSpPr>
+        <p:spPr>
+          <a:xfrm>
+            <a:off x="635000" y="406400"/>
+            <a:ext cx="10947400" cy="5960533"/>
+          </a:xfrm>
+          <a:prstGeom prst="rect">
+            <a:avLst/>
+          </a:prstGeom>
+        </p:spPr>
+        <p:style>
+          <a:lnRef idx="1">
+            <a:schemeClr val="accent2"/>
+          </a:lnRef>
+          <a:fillRef idx="2">
+            <a:schemeClr val="accent2"/>
+          </a:fillRef>
+          <a:effectRef idx="1">
+            <a:schemeClr val="accent2"/>
+          </a:effectRef>
+          <a:fontRef idx="minor">
+            <a:schemeClr val="dk1"/>
+          </a:fontRef>
+        </p:style>
+        <p:txBody>
+          <a:bodyPr rtlCol="0" anchor="ctr"/>
+          <a:lstStyle/>
+          <a:p>
+            <a:pPr algn="ctr"/>
+            <a:endParaRPr lang="en-IN"/>
+          </a:p>
+        </p:txBody>
+      </p:sp>
+      <p:sp>
+        <p:nvSpPr>
+          <p:cNvPr id="3" name="TextBox 2">
+            <a:extLst>
+              <a:ext uri="{FF2B5EF4-FFF2-40B4-BE49-F238E27FC236}">
+                <a16:creationId xmlns:a16="http://schemas.microsoft.com/office/drawing/2014/main" id="{FF37BC5A-E416-11B4-5FE3-2679E6B6D194}"/>
+              </a:ext>
+            </a:extLst>
+          </p:cNvPr>
+          <p:cNvSpPr txBox="1"/>
+          <p:nvPr/>
+        </p:nvSpPr>
+        <p:spPr>
+          <a:xfrm>
+            <a:off x="787400" y="609600"/>
+            <a:ext cx="3039533" cy="369332"/>
+          </a:xfrm>
+          <a:prstGeom prst="rect">
+            <a:avLst/>
+          </a:prstGeom>
+          <a:noFill/>
+        </p:spPr>
+        <p:txBody>
+          <a:bodyPr wrap="square" rtlCol="0">
+            <a:spAutoFit/>
+          </a:bodyPr>
+          <a:lstStyle/>
+          <a:p>
+            <a:pPr algn="ctr"/>
+            <a:r>
+              <a:rPr lang="en-IN" b="1" dirty="0"/>
+              <a:t>Container Component</a:t>
+            </a:r>
+          </a:p>
+        </p:txBody>
+      </p:sp>
+      <p:sp>
+        <p:nvSpPr>
+          <p:cNvPr id="4" name="Rectangle 3">
+            <a:extLst>
+              <a:ext uri="{FF2B5EF4-FFF2-40B4-BE49-F238E27FC236}">
+                <a16:creationId xmlns:a16="http://schemas.microsoft.com/office/drawing/2014/main" id="{A60F2C71-DF42-13D3-7CF5-4CE38CFD2BF3}"/>
+              </a:ext>
+            </a:extLst>
+          </p:cNvPr>
+          <p:cNvSpPr/>
+          <p:nvPr/>
+        </p:nvSpPr>
+        <p:spPr>
+          <a:xfrm>
+            <a:off x="1024467" y="1591733"/>
+            <a:ext cx="2328333" cy="1667934"/>
+          </a:xfrm>
+          <a:prstGeom prst="rect">
+            <a:avLst/>
+          </a:prstGeom>
+        </p:spPr>
+        <p:style>
+          <a:lnRef idx="2">
+            <a:schemeClr val="accent1">
+              <a:shade val="15000"/>
+            </a:schemeClr>
+          </a:lnRef>
+          <a:fillRef idx="1">
+            <a:schemeClr val="accent1"/>
+          </a:fillRef>
+          <a:effectRef idx="0">
+            <a:schemeClr val="accent1"/>
+          </a:effectRef>
+          <a:fontRef idx="minor">
+            <a:schemeClr val="lt1"/>
+          </a:fontRef>
+        </p:style>
+        <p:txBody>
+          <a:bodyPr rtlCol="0" anchor="ctr"/>
+          <a:lstStyle/>
+          <a:p>
+            <a:pPr algn="ctr"/>
+            <a:endParaRPr lang="en-IN"/>
+          </a:p>
+        </p:txBody>
+      </p:sp>
+      <p:sp>
+        <p:nvSpPr>
+          <p:cNvPr id="5" name="Rectangle 4">
+            <a:extLst>
+              <a:ext uri="{FF2B5EF4-FFF2-40B4-BE49-F238E27FC236}">
+                <a16:creationId xmlns:a16="http://schemas.microsoft.com/office/drawing/2014/main" id="{142637A6-FB18-A515-985E-90FE8A4359B3}"/>
+              </a:ext>
+            </a:extLst>
+          </p:cNvPr>
+          <p:cNvSpPr/>
+          <p:nvPr/>
+        </p:nvSpPr>
+        <p:spPr>
+          <a:xfrm>
+            <a:off x="3657600" y="1591733"/>
+            <a:ext cx="2328333" cy="1667934"/>
+          </a:xfrm>
+          <a:prstGeom prst="rect">
+            <a:avLst/>
+          </a:prstGeom>
+        </p:spPr>
+        <p:style>
+          <a:lnRef idx="2">
+            <a:schemeClr val="accent1">
+              <a:shade val="15000"/>
+            </a:schemeClr>
+          </a:lnRef>
+          <a:fillRef idx="1">
+            <a:schemeClr val="accent1"/>
+          </a:fillRef>
+          <a:effectRef idx="0">
+            <a:schemeClr val="accent1"/>
+          </a:effectRef>
+          <a:fontRef idx="minor">
+            <a:schemeClr val="lt1"/>
+          </a:fontRef>
+        </p:style>
+        <p:txBody>
+          <a:bodyPr rtlCol="0" anchor="ctr"/>
+          <a:lstStyle/>
+          <a:p>
+            <a:pPr algn="ctr"/>
+            <a:endParaRPr lang="en-IN"/>
+          </a:p>
+        </p:txBody>
+      </p:sp>
+      <p:sp>
+        <p:nvSpPr>
+          <p:cNvPr id="6" name="Rectangle 5">
+            <a:extLst>
+              <a:ext uri="{FF2B5EF4-FFF2-40B4-BE49-F238E27FC236}">
+                <a16:creationId xmlns:a16="http://schemas.microsoft.com/office/drawing/2014/main" id="{40FC5950-4485-1293-4FA0-0C09E6896085}"/>
+              </a:ext>
+            </a:extLst>
+          </p:cNvPr>
+          <p:cNvSpPr/>
+          <p:nvPr/>
+        </p:nvSpPr>
+        <p:spPr>
+          <a:xfrm>
+            <a:off x="6290733" y="1591733"/>
+            <a:ext cx="2328333" cy="1667934"/>
+          </a:xfrm>
+          <a:prstGeom prst="rect">
+            <a:avLst/>
+          </a:prstGeom>
+        </p:spPr>
+        <p:style>
+          <a:lnRef idx="2">
+            <a:schemeClr val="accent1">
+              <a:shade val="15000"/>
+            </a:schemeClr>
+          </a:lnRef>
+          <a:fillRef idx="1">
+            <a:schemeClr val="accent1"/>
+          </a:fillRef>
+          <a:effectRef idx="0">
+            <a:schemeClr val="accent1"/>
+          </a:effectRef>
+          <a:fontRef idx="minor">
+            <a:schemeClr val="lt1"/>
+          </a:fontRef>
+        </p:style>
+        <p:txBody>
+          <a:bodyPr rtlCol="0" anchor="ctr"/>
+          <a:lstStyle/>
+          <a:p>
+            <a:pPr algn="ctr"/>
+            <a:endParaRPr lang="en-IN"/>
+          </a:p>
+        </p:txBody>
+      </p:sp>
+      <p:sp>
+        <p:nvSpPr>
+          <p:cNvPr id="7" name="Rectangle 6">
+            <a:extLst>
+              <a:ext uri="{FF2B5EF4-FFF2-40B4-BE49-F238E27FC236}">
+                <a16:creationId xmlns:a16="http://schemas.microsoft.com/office/drawing/2014/main" id="{0CB29F63-C85F-0DB4-6A91-0806EF67FD43}"/>
+              </a:ext>
+            </a:extLst>
+          </p:cNvPr>
+          <p:cNvSpPr/>
+          <p:nvPr/>
+        </p:nvSpPr>
+        <p:spPr>
+          <a:xfrm>
+            <a:off x="8923866" y="1591733"/>
+            <a:ext cx="2328333" cy="1667934"/>
+          </a:xfrm>
+          <a:prstGeom prst="rect">
+            <a:avLst/>
+          </a:prstGeom>
+        </p:spPr>
+        <p:style>
+          <a:lnRef idx="2">
+            <a:schemeClr val="accent1">
+              <a:shade val="15000"/>
+            </a:schemeClr>
+          </a:lnRef>
+          <a:fillRef idx="1">
+            <a:schemeClr val="accent1"/>
+          </a:fillRef>
+          <a:effectRef idx="0">
+            <a:schemeClr val="accent1"/>
+          </a:effectRef>
+          <a:fontRef idx="minor">
+            <a:schemeClr val="lt1"/>
+          </a:fontRef>
+        </p:style>
+        <p:txBody>
+          <a:bodyPr rtlCol="0" anchor="ctr"/>
+          <a:lstStyle/>
+          <a:p>
+            <a:pPr algn="ctr"/>
+            <a:endParaRPr lang="en-IN"/>
+          </a:p>
+        </p:txBody>
+      </p:sp>
+      <p:sp>
+        <p:nvSpPr>
+          <p:cNvPr id="8" name="Rectangle 7">
+            <a:extLst>
+              <a:ext uri="{FF2B5EF4-FFF2-40B4-BE49-F238E27FC236}">
+                <a16:creationId xmlns:a16="http://schemas.microsoft.com/office/drawing/2014/main" id="{A5505B8F-A68A-00AB-1553-80B81BE5EEAB}"/>
+              </a:ext>
+            </a:extLst>
+          </p:cNvPr>
+          <p:cNvSpPr/>
+          <p:nvPr/>
+        </p:nvSpPr>
+        <p:spPr>
+          <a:xfrm>
+            <a:off x="1024467" y="4171433"/>
+            <a:ext cx="2328333" cy="1667934"/>
+          </a:xfrm>
+          <a:prstGeom prst="rect">
+            <a:avLst/>
+          </a:prstGeom>
+        </p:spPr>
+        <p:style>
+          <a:lnRef idx="2">
+            <a:schemeClr val="accent1">
+              <a:shade val="15000"/>
+            </a:schemeClr>
+          </a:lnRef>
+          <a:fillRef idx="1">
+            <a:schemeClr val="accent1"/>
+          </a:fillRef>
+          <a:effectRef idx="0">
+            <a:schemeClr val="accent1"/>
+          </a:effectRef>
+          <a:fontRef idx="minor">
+            <a:schemeClr val="lt1"/>
+          </a:fontRef>
+        </p:style>
+        <p:txBody>
+          <a:bodyPr rtlCol="0" anchor="ctr"/>
+          <a:lstStyle/>
+          <a:p>
+            <a:pPr algn="ctr"/>
+            <a:endParaRPr lang="en-IN"/>
+          </a:p>
+        </p:txBody>
+      </p:sp>
+      <p:sp>
+        <p:nvSpPr>
+          <p:cNvPr id="9" name="Rectangle 8">
+            <a:extLst>
+              <a:ext uri="{FF2B5EF4-FFF2-40B4-BE49-F238E27FC236}">
+                <a16:creationId xmlns:a16="http://schemas.microsoft.com/office/drawing/2014/main" id="{66E44019-42CF-9177-95E0-D9676BF83F97}"/>
+              </a:ext>
+            </a:extLst>
+          </p:cNvPr>
+          <p:cNvSpPr/>
+          <p:nvPr/>
+        </p:nvSpPr>
+        <p:spPr>
+          <a:xfrm>
+            <a:off x="3657600" y="4171433"/>
+            <a:ext cx="2328333" cy="1667934"/>
+          </a:xfrm>
+          <a:prstGeom prst="rect">
+            <a:avLst/>
+          </a:prstGeom>
+        </p:spPr>
+        <p:style>
+          <a:lnRef idx="2">
+            <a:schemeClr val="accent1">
+              <a:shade val="15000"/>
+            </a:schemeClr>
+          </a:lnRef>
+          <a:fillRef idx="1">
+            <a:schemeClr val="accent1"/>
+          </a:fillRef>
+          <a:effectRef idx="0">
+            <a:schemeClr val="accent1"/>
+          </a:effectRef>
+          <a:fontRef idx="minor">
+            <a:schemeClr val="lt1"/>
+          </a:fontRef>
+        </p:style>
+        <p:txBody>
+          <a:bodyPr rtlCol="0" anchor="ctr"/>
+          <a:lstStyle/>
+          <a:p>
+            <a:pPr algn="ctr"/>
+            <a:endParaRPr lang="en-IN"/>
+          </a:p>
+        </p:txBody>
+      </p:sp>
+      <p:sp>
+        <p:nvSpPr>
+          <p:cNvPr id="10" name="Rectangle 9">
+            <a:extLst>
+              <a:ext uri="{FF2B5EF4-FFF2-40B4-BE49-F238E27FC236}">
+                <a16:creationId xmlns:a16="http://schemas.microsoft.com/office/drawing/2014/main" id="{F1AC3C9F-672B-1069-A53B-2CE408523C8D}"/>
+              </a:ext>
+            </a:extLst>
+          </p:cNvPr>
+          <p:cNvSpPr/>
+          <p:nvPr/>
+        </p:nvSpPr>
+        <p:spPr>
+          <a:xfrm>
+            <a:off x="6290733" y="4171433"/>
+            <a:ext cx="2328333" cy="1667934"/>
+          </a:xfrm>
+          <a:prstGeom prst="rect">
+            <a:avLst/>
+          </a:prstGeom>
+        </p:spPr>
+        <p:style>
+          <a:lnRef idx="2">
+            <a:schemeClr val="accent1">
+              <a:shade val="15000"/>
+            </a:schemeClr>
+          </a:lnRef>
+          <a:fillRef idx="1">
+            <a:schemeClr val="accent1"/>
+          </a:fillRef>
+          <a:effectRef idx="0">
+            <a:schemeClr val="accent1"/>
+          </a:effectRef>
+          <a:fontRef idx="minor">
+            <a:schemeClr val="lt1"/>
+          </a:fontRef>
+        </p:style>
+        <p:txBody>
+          <a:bodyPr rtlCol="0" anchor="ctr"/>
+          <a:lstStyle/>
+          <a:p>
+            <a:pPr algn="ctr"/>
+            <a:endParaRPr lang="en-IN"/>
+          </a:p>
+        </p:txBody>
+      </p:sp>
+      <p:sp>
+        <p:nvSpPr>
+          <p:cNvPr id="11" name="Rectangle 10">
+            <a:extLst>
+              <a:ext uri="{FF2B5EF4-FFF2-40B4-BE49-F238E27FC236}">
+                <a16:creationId xmlns:a16="http://schemas.microsoft.com/office/drawing/2014/main" id="{A33C3E2A-A2DA-22CC-6369-227EF57E571A}"/>
+              </a:ext>
+            </a:extLst>
+          </p:cNvPr>
+          <p:cNvSpPr/>
+          <p:nvPr/>
+        </p:nvSpPr>
+        <p:spPr>
+          <a:xfrm>
+            <a:off x="8923866" y="4171433"/>
+            <a:ext cx="2328333" cy="1667934"/>
+          </a:xfrm>
+          <a:prstGeom prst="rect">
+            <a:avLst/>
+          </a:prstGeom>
+        </p:spPr>
+        <p:style>
+          <a:lnRef idx="2">
+            <a:schemeClr val="accent1">
+              <a:shade val="15000"/>
+            </a:schemeClr>
+          </a:lnRef>
+          <a:fillRef idx="1">
+            <a:schemeClr val="accent1"/>
+          </a:fillRef>
+          <a:effectRef idx="0">
+            <a:schemeClr val="accent1"/>
+          </a:effectRef>
+          <a:fontRef idx="minor">
+            <a:schemeClr val="lt1"/>
+          </a:fontRef>
+        </p:style>
+        <p:txBody>
+          <a:bodyPr rtlCol="0" anchor="ctr"/>
+          <a:lstStyle/>
+          <a:p>
+            <a:pPr algn="ctr"/>
+            <a:endParaRPr lang="en-IN"/>
+          </a:p>
+        </p:txBody>
+      </p:sp>
+      <p:cxnSp>
+        <p:nvCxnSpPr>
+          <p:cNvPr id="13" name="Straight Arrow Connector 12">
+            <a:extLst>
+              <a:ext uri="{FF2B5EF4-FFF2-40B4-BE49-F238E27FC236}">
+                <a16:creationId xmlns:a16="http://schemas.microsoft.com/office/drawing/2014/main" id="{ECB0AC70-1A98-EA61-09BB-C98E6DA7D442}"/>
+              </a:ext>
+            </a:extLst>
+          </p:cNvPr>
+          <p:cNvCxnSpPr>
+            <a:cxnSpLocks/>
+            <a:stCxn id="5" idx="2"/>
+            <a:endCxn id="8" idx="0"/>
+          </p:cNvCxnSpPr>
+          <p:nvPr/>
+        </p:nvCxnSpPr>
+        <p:spPr>
+          <a:xfrm flipH="1">
+            <a:off x="2188634" y="3259667"/>
+            <a:ext cx="2633133" cy="911766"/>
+          </a:xfrm>
+          <a:prstGeom prst="straightConnector1">
+            <a:avLst/>
+          </a:prstGeom>
+          <a:ln>
+            <a:tailEnd type="triangle"/>
+          </a:ln>
+        </p:spPr>
+        <p:style>
+          <a:lnRef idx="2">
+            <a:schemeClr val="accent1"/>
+          </a:lnRef>
+          <a:fillRef idx="0">
+            <a:schemeClr val="accent1"/>
+          </a:fillRef>
+          <a:effectRef idx="1">
+            <a:schemeClr val="accent1"/>
+          </a:effectRef>
+          <a:fontRef idx="minor">
+            <a:schemeClr val="tx1"/>
+          </a:fontRef>
+        </p:style>
+      </p:cxnSp>
+      <p:cxnSp>
+        <p:nvCxnSpPr>
+          <p:cNvPr id="16" name="Straight Arrow Connector 15">
+            <a:extLst>
+              <a:ext uri="{FF2B5EF4-FFF2-40B4-BE49-F238E27FC236}">
+                <a16:creationId xmlns:a16="http://schemas.microsoft.com/office/drawing/2014/main" id="{CFFC610C-4F4B-6391-8F2F-258277194315}"/>
+              </a:ext>
+            </a:extLst>
+          </p:cNvPr>
+          <p:cNvCxnSpPr>
+            <a:stCxn id="4" idx="2"/>
+            <a:endCxn id="8" idx="0"/>
+          </p:cNvCxnSpPr>
+          <p:nvPr/>
+        </p:nvCxnSpPr>
+        <p:spPr>
+          <a:xfrm>
+            <a:off x="2188634" y="3259667"/>
+            <a:ext cx="0" cy="911766"/>
+          </a:xfrm>
+          <a:prstGeom prst="straightConnector1">
+            <a:avLst/>
+          </a:prstGeom>
+          <a:ln>
+            <a:tailEnd type="triangle"/>
+          </a:ln>
+        </p:spPr>
+        <p:style>
+          <a:lnRef idx="2">
+            <a:schemeClr val="accent1"/>
+          </a:lnRef>
+          <a:fillRef idx="0">
+            <a:schemeClr val="accent1"/>
+          </a:fillRef>
+          <a:effectRef idx="1">
+            <a:schemeClr val="accent1"/>
+          </a:effectRef>
+          <a:fontRef idx="minor">
+            <a:schemeClr val="tx1"/>
+          </a:fontRef>
+        </p:style>
+      </p:cxnSp>
+      <p:cxnSp>
+        <p:nvCxnSpPr>
+          <p:cNvPr id="18" name="Straight Arrow Connector 17">
+            <a:extLst>
+              <a:ext uri="{FF2B5EF4-FFF2-40B4-BE49-F238E27FC236}">
+                <a16:creationId xmlns:a16="http://schemas.microsoft.com/office/drawing/2014/main" id="{BB6F1742-AF0E-3CBD-D2E8-39C821FB6D8B}"/>
+              </a:ext>
+            </a:extLst>
+          </p:cNvPr>
+          <p:cNvCxnSpPr>
+            <a:cxnSpLocks/>
+            <a:stCxn id="7" idx="2"/>
+            <a:endCxn id="9" idx="0"/>
+          </p:cNvCxnSpPr>
+          <p:nvPr/>
+        </p:nvCxnSpPr>
+        <p:spPr>
+          <a:xfrm flipH="1">
+            <a:off x="4821767" y="3259667"/>
+            <a:ext cx="5266266" cy="911766"/>
+          </a:xfrm>
+          <a:prstGeom prst="straightConnector1">
+            <a:avLst/>
+          </a:prstGeom>
+          <a:ln>
+            <a:tailEnd type="triangle"/>
+          </a:ln>
+        </p:spPr>
+        <p:style>
+          <a:lnRef idx="2">
+            <a:schemeClr val="accent1"/>
+          </a:lnRef>
+          <a:fillRef idx="0">
+            <a:schemeClr val="accent1"/>
+          </a:fillRef>
+          <a:effectRef idx="1">
+            <a:schemeClr val="accent1"/>
+          </a:effectRef>
+          <a:fontRef idx="minor">
+            <a:schemeClr val="tx1"/>
+          </a:fontRef>
+        </p:style>
+      </p:cxnSp>
+      <p:cxnSp>
+        <p:nvCxnSpPr>
+          <p:cNvPr id="20" name="Straight Arrow Connector 19">
+            <a:extLst>
+              <a:ext uri="{FF2B5EF4-FFF2-40B4-BE49-F238E27FC236}">
+                <a16:creationId xmlns:a16="http://schemas.microsoft.com/office/drawing/2014/main" id="{6E4E839D-7F8C-0A5A-33BB-37B12A274248}"/>
+              </a:ext>
+            </a:extLst>
+          </p:cNvPr>
+          <p:cNvCxnSpPr>
+            <a:stCxn id="5" idx="2"/>
+            <a:endCxn id="10" idx="0"/>
+          </p:cNvCxnSpPr>
+          <p:nvPr/>
+        </p:nvCxnSpPr>
+        <p:spPr>
+          <a:xfrm>
+            <a:off x="4821767" y="3259667"/>
+            <a:ext cx="2633133" cy="911766"/>
+          </a:xfrm>
+          <a:prstGeom prst="straightConnector1">
+            <a:avLst/>
+          </a:prstGeom>
+          <a:ln>
+            <a:tailEnd type="triangle"/>
+          </a:ln>
+        </p:spPr>
+        <p:style>
+          <a:lnRef idx="2">
+            <a:schemeClr val="accent1"/>
+          </a:lnRef>
+          <a:fillRef idx="0">
+            <a:schemeClr val="accent1"/>
+          </a:fillRef>
+          <a:effectRef idx="1">
+            <a:schemeClr val="accent1"/>
+          </a:effectRef>
+          <a:fontRef idx="minor">
+            <a:schemeClr val="tx1"/>
+          </a:fontRef>
+        </p:style>
+      </p:cxnSp>
+      <p:cxnSp>
+        <p:nvCxnSpPr>
+          <p:cNvPr id="22" name="Straight Arrow Connector 21">
+            <a:extLst>
+              <a:ext uri="{FF2B5EF4-FFF2-40B4-BE49-F238E27FC236}">
+                <a16:creationId xmlns:a16="http://schemas.microsoft.com/office/drawing/2014/main" id="{94E877A1-528F-5F1F-058F-BB886678129F}"/>
+              </a:ext>
+            </a:extLst>
+          </p:cNvPr>
+          <p:cNvCxnSpPr>
+            <a:stCxn id="6" idx="2"/>
+            <a:endCxn id="10" idx="0"/>
+          </p:cNvCxnSpPr>
+          <p:nvPr/>
+        </p:nvCxnSpPr>
+        <p:spPr>
+          <a:xfrm>
+            <a:off x="7454900" y="3259667"/>
+            <a:ext cx="12700" cy="911766"/>
+          </a:xfrm>
+          <a:prstGeom prst="straightConnector1">
+            <a:avLst/>
+          </a:prstGeom>
+          <a:ln>
+            <a:tailEnd type="triangle"/>
+          </a:ln>
+        </p:spPr>
+        <p:style>
+          <a:lnRef idx="2">
+            <a:schemeClr val="accent1"/>
+          </a:lnRef>
+          <a:fillRef idx="0">
+            <a:schemeClr val="accent1"/>
+          </a:fillRef>
+          <a:effectRef idx="1">
+            <a:schemeClr val="accent1"/>
+          </a:effectRef>
+          <a:fontRef idx="minor">
+            <a:schemeClr val="tx1"/>
+          </a:fontRef>
+        </p:style>
+      </p:cxnSp>
+      <p:cxnSp>
+        <p:nvCxnSpPr>
+          <p:cNvPr id="24" name="Straight Arrow Connector 23">
+            <a:extLst>
+              <a:ext uri="{FF2B5EF4-FFF2-40B4-BE49-F238E27FC236}">
+                <a16:creationId xmlns:a16="http://schemas.microsoft.com/office/drawing/2014/main" id="{B9C9F44F-25FB-5EF5-4178-FEBAE60532E2}"/>
+              </a:ext>
+            </a:extLst>
+          </p:cNvPr>
+          <p:cNvCxnSpPr>
+            <a:stCxn id="9" idx="0"/>
+            <a:endCxn id="6" idx="2"/>
+          </p:cNvCxnSpPr>
+          <p:nvPr/>
+        </p:nvCxnSpPr>
+        <p:spPr>
+          <a:xfrm flipV="1">
+            <a:off x="4821767" y="3259667"/>
+            <a:ext cx="2633132" cy="911766"/>
+          </a:xfrm>
+          <a:prstGeom prst="straightConnector1">
+            <a:avLst/>
+          </a:prstGeom>
+          <a:ln>
+            <a:tailEnd type="triangle"/>
+          </a:ln>
+        </p:spPr>
+        <p:style>
+          <a:lnRef idx="2">
+            <a:schemeClr val="accent1"/>
+          </a:lnRef>
+          <a:fillRef idx="0">
+            <a:schemeClr val="accent1"/>
+          </a:fillRef>
+          <a:effectRef idx="1">
+            <a:schemeClr val="accent1"/>
+          </a:effectRef>
+          <a:fontRef idx="minor">
+            <a:schemeClr val="tx1"/>
+          </a:fontRef>
+        </p:style>
+      </p:cxnSp>
+    </p:spTree>
+    <p:extLst>
+      <p:ext uri="{BB962C8B-B14F-4D97-AF65-F5344CB8AC3E}">
+        <p14:creationId xmlns:p14="http://schemas.microsoft.com/office/powerpoint/2010/main" val="1749607701"/>
+      </p:ext>
+    </p:extLst>
+  </p:cSld>
+  <p:clrMapOvr>
+    <a:masterClrMapping/>
+  </p:clrMapOvr>
+</p:sld>
+</file>
+
+<file path=ppt/slides/slide53.xml><?xml version="1.0" encoding="utf-8"?>
+<p:sld xmlns:a="http://schemas.openxmlformats.org/drawingml/2006/main" xmlns:r="http://schemas.openxmlformats.org/officeDocument/2006/relationships" xmlns:p="http://schemas.openxmlformats.org/presentationml/2006/main">
+  <p:cSld>
+    <p:spTree>
+      <p:nvGrpSpPr>
+        <p:cNvPr id="1" name=""/>
+        <p:cNvGrpSpPr/>
+        <p:nvPr/>
+      </p:nvGrpSpPr>
+      <p:grpSpPr>
+        <a:xfrm>
+          <a:off x="0" y="0"/>
+          <a:ext cx="0" cy="0"/>
+          <a:chOff x="0" y="0"/>
+          <a:chExt cx="0" cy="0"/>
+        </a:xfrm>
+      </p:grpSpPr>
+      <p:sp>
+        <p:nvSpPr>
+          <p:cNvPr id="2" name="Rectangle 1">
+            <a:extLst>
+              <a:ext uri="{FF2B5EF4-FFF2-40B4-BE49-F238E27FC236}">
+                <a16:creationId xmlns:a16="http://schemas.microsoft.com/office/drawing/2014/main" id="{295E2F4C-F472-5F10-E1E2-201DBC762149}"/>
+              </a:ext>
+            </a:extLst>
+          </p:cNvPr>
+          <p:cNvSpPr/>
+          <p:nvPr/>
+        </p:nvSpPr>
+        <p:spPr>
+          <a:xfrm>
+            <a:off x="558800" y="508000"/>
+            <a:ext cx="11091333" cy="6206067"/>
+          </a:xfrm>
+          <a:prstGeom prst="rect">
+            <a:avLst/>
+          </a:prstGeom>
+        </p:spPr>
+        <p:style>
+          <a:lnRef idx="2">
+            <a:schemeClr val="accent6"/>
+          </a:lnRef>
+          <a:fillRef idx="1">
+            <a:schemeClr val="lt1"/>
+          </a:fillRef>
+          <a:effectRef idx="0">
+            <a:schemeClr val="accent6"/>
+          </a:effectRef>
+          <a:fontRef idx="minor">
+            <a:schemeClr val="dk1"/>
+          </a:fontRef>
+        </p:style>
+        <p:txBody>
+          <a:bodyPr rtlCol="0" anchor="ctr"/>
+          <a:lstStyle/>
+          <a:p>
+            <a:pPr algn="ctr"/>
+            <a:endParaRPr lang="en-IN"/>
+          </a:p>
+        </p:txBody>
+      </p:sp>
+      <p:sp>
+        <p:nvSpPr>
+          <p:cNvPr id="3" name="TextBox 2">
+            <a:extLst>
+              <a:ext uri="{FF2B5EF4-FFF2-40B4-BE49-F238E27FC236}">
+                <a16:creationId xmlns:a16="http://schemas.microsoft.com/office/drawing/2014/main" id="{89244FB3-0B0E-1646-ECD4-B15582D4E96E}"/>
+              </a:ext>
+            </a:extLst>
+          </p:cNvPr>
+          <p:cNvSpPr txBox="1"/>
+          <p:nvPr/>
+        </p:nvSpPr>
+        <p:spPr>
+          <a:xfrm>
+            <a:off x="651933" y="567267"/>
+            <a:ext cx="3911600" cy="369332"/>
+          </a:xfrm>
+          <a:prstGeom prst="rect">
+            <a:avLst/>
+          </a:prstGeom>
+          <a:noFill/>
+          <a:ln>
+            <a:solidFill>
+              <a:schemeClr val="accent1"/>
+            </a:solidFill>
+          </a:ln>
+        </p:spPr>
+        <p:txBody>
+          <a:bodyPr wrap="square" rtlCol="0">
+            <a:spAutoFit/>
+          </a:bodyPr>
+          <a:lstStyle/>
+          <a:p>
+            <a:r>
+              <a:rPr lang="en-IN" b="1" dirty="0" err="1"/>
+              <a:t>ContainerComponent</a:t>
+            </a:r>
+            <a:endParaRPr lang="en-IN" b="1" dirty="0"/>
+          </a:p>
+        </p:txBody>
+      </p:sp>
+      <p:sp>
+        <p:nvSpPr>
+          <p:cNvPr id="4" name="Rectangle 3">
+            <a:extLst>
+              <a:ext uri="{FF2B5EF4-FFF2-40B4-BE49-F238E27FC236}">
+                <a16:creationId xmlns:a16="http://schemas.microsoft.com/office/drawing/2014/main" id="{63AA7EE2-BF67-64E7-59D0-4BBD732437F9}"/>
+              </a:ext>
+            </a:extLst>
+          </p:cNvPr>
+          <p:cNvSpPr/>
+          <p:nvPr/>
+        </p:nvSpPr>
+        <p:spPr>
+          <a:xfrm>
+            <a:off x="711200" y="1659467"/>
+            <a:ext cx="4224867" cy="3369733"/>
+          </a:xfrm>
+          <a:prstGeom prst="rect">
+            <a:avLst/>
+          </a:prstGeom>
+        </p:spPr>
+        <p:style>
+          <a:lnRef idx="2">
+            <a:schemeClr val="accent1">
+              <a:shade val="15000"/>
+            </a:schemeClr>
+          </a:lnRef>
+          <a:fillRef idx="1">
+            <a:schemeClr val="accent1"/>
+          </a:fillRef>
+          <a:effectRef idx="0">
+            <a:schemeClr val="accent1"/>
+          </a:effectRef>
+          <a:fontRef idx="minor">
+            <a:schemeClr val="lt1"/>
+          </a:fontRef>
+        </p:style>
+        <p:txBody>
+          <a:bodyPr rtlCol="0" anchor="ctr"/>
+          <a:lstStyle/>
+          <a:p>
+            <a:pPr algn="ctr"/>
+            <a:r>
+              <a:rPr lang="en-IN" dirty="0"/>
+              <a:t>Sender Component</a:t>
+            </a:r>
+          </a:p>
+        </p:txBody>
+      </p:sp>
+      <p:sp>
+        <p:nvSpPr>
+          <p:cNvPr id="5" name="Rectangle 4">
+            <a:extLst>
+              <a:ext uri="{FF2B5EF4-FFF2-40B4-BE49-F238E27FC236}">
+                <a16:creationId xmlns:a16="http://schemas.microsoft.com/office/drawing/2014/main" id="{CE61EE7A-1372-912A-8DA7-9C6BAD3C9021}"/>
+              </a:ext>
+            </a:extLst>
+          </p:cNvPr>
+          <p:cNvSpPr/>
+          <p:nvPr/>
+        </p:nvSpPr>
+        <p:spPr>
+          <a:xfrm>
+            <a:off x="6900333" y="1659467"/>
+            <a:ext cx="4419600" cy="3369732"/>
+          </a:xfrm>
+          <a:prstGeom prst="rect">
+            <a:avLst/>
+          </a:prstGeom>
+        </p:spPr>
+        <p:style>
+          <a:lnRef idx="2">
+            <a:schemeClr val="accent1">
+              <a:shade val="15000"/>
+            </a:schemeClr>
+          </a:lnRef>
+          <a:fillRef idx="1">
+            <a:schemeClr val="accent1"/>
+          </a:fillRef>
+          <a:effectRef idx="0">
+            <a:schemeClr val="accent1"/>
+          </a:effectRef>
+          <a:fontRef idx="minor">
+            <a:schemeClr val="lt1"/>
+          </a:fontRef>
+        </p:style>
+        <p:txBody>
+          <a:bodyPr rtlCol="0" anchor="ctr"/>
+          <a:lstStyle/>
+          <a:p>
+            <a:pPr algn="ctr"/>
+            <a:r>
+              <a:rPr lang="en-IN" dirty="0"/>
+              <a:t>Receiver Component</a:t>
+            </a:r>
+          </a:p>
+        </p:txBody>
+      </p:sp>
+      <p:sp>
+        <p:nvSpPr>
+          <p:cNvPr id="6" name="Rectangle 5">
+            <a:extLst>
+              <a:ext uri="{FF2B5EF4-FFF2-40B4-BE49-F238E27FC236}">
+                <a16:creationId xmlns:a16="http://schemas.microsoft.com/office/drawing/2014/main" id="{BBB401E7-071B-758A-AC31-21D4284DFE34}"/>
+              </a:ext>
+            </a:extLst>
+          </p:cNvPr>
+          <p:cNvSpPr/>
+          <p:nvPr/>
+        </p:nvSpPr>
+        <p:spPr>
+          <a:xfrm>
+            <a:off x="3530600" y="5418666"/>
+            <a:ext cx="4631267" cy="1066800"/>
+          </a:xfrm>
+          <a:prstGeom prst="rect">
+            <a:avLst/>
+          </a:prstGeom>
+        </p:spPr>
+        <p:style>
+          <a:lnRef idx="2">
+            <a:schemeClr val="accent1">
+              <a:shade val="15000"/>
+            </a:schemeClr>
+          </a:lnRef>
+          <a:fillRef idx="1">
+            <a:schemeClr val="accent1"/>
+          </a:fillRef>
+          <a:effectRef idx="0">
+            <a:schemeClr val="accent1"/>
+          </a:effectRef>
+          <a:fontRef idx="minor">
+            <a:schemeClr val="lt1"/>
+          </a:fontRef>
+        </p:style>
+        <p:txBody>
+          <a:bodyPr rtlCol="0" anchor="ctr"/>
+          <a:lstStyle/>
+          <a:p>
+            <a:pPr algn="ctr"/>
+            <a:r>
+              <a:rPr lang="en-IN" dirty="0"/>
+              <a:t>Global Object data maintains the state of data that is shared across the Components</a:t>
+            </a:r>
+          </a:p>
+          <a:p>
+            <a:pPr algn="ctr"/>
+            <a:r>
+              <a:rPr lang="en-IN" dirty="0"/>
+              <a:t>Using Angular Service</a:t>
+            </a:r>
+          </a:p>
+        </p:txBody>
+      </p:sp>
+      <p:cxnSp>
+        <p:nvCxnSpPr>
+          <p:cNvPr id="8" name="Connector: Elbow 7">
+            <a:extLst>
+              <a:ext uri="{FF2B5EF4-FFF2-40B4-BE49-F238E27FC236}">
+                <a16:creationId xmlns:a16="http://schemas.microsoft.com/office/drawing/2014/main" id="{77FACB34-88C4-1324-4DE6-9C348F0ABF2A}"/>
+              </a:ext>
+            </a:extLst>
+          </p:cNvPr>
+          <p:cNvCxnSpPr>
+            <a:stCxn id="6" idx="1"/>
+          </p:cNvCxnSpPr>
+          <p:nvPr/>
+        </p:nvCxnSpPr>
+        <p:spPr>
+          <a:xfrm rot="10800000">
+            <a:off x="2802468" y="5029200"/>
+            <a:ext cx="728133" cy="922867"/>
+          </a:xfrm>
+          <a:prstGeom prst="bentConnector2">
+            <a:avLst/>
+          </a:prstGeom>
+          <a:ln>
+            <a:tailEnd type="triangle"/>
+          </a:ln>
+        </p:spPr>
+        <p:style>
+          <a:lnRef idx="2">
+            <a:schemeClr val="accent1"/>
+          </a:lnRef>
+          <a:fillRef idx="0">
+            <a:schemeClr val="accent1"/>
+          </a:fillRef>
+          <a:effectRef idx="1">
+            <a:schemeClr val="accent1"/>
+          </a:effectRef>
+          <a:fontRef idx="minor">
+            <a:schemeClr val="tx1"/>
+          </a:fontRef>
+        </p:style>
+      </p:cxnSp>
+      <p:cxnSp>
+        <p:nvCxnSpPr>
+          <p:cNvPr id="10" name="Connector: Elbow 9">
+            <a:extLst>
+              <a:ext uri="{FF2B5EF4-FFF2-40B4-BE49-F238E27FC236}">
+                <a16:creationId xmlns:a16="http://schemas.microsoft.com/office/drawing/2014/main" id="{12538095-57E6-869C-D0BA-7935917D8E8D}"/>
+              </a:ext>
+            </a:extLst>
+          </p:cNvPr>
+          <p:cNvCxnSpPr>
+            <a:stCxn id="6" idx="3"/>
+            <a:endCxn id="5" idx="2"/>
+          </p:cNvCxnSpPr>
+          <p:nvPr/>
+        </p:nvCxnSpPr>
+        <p:spPr>
+          <a:xfrm flipV="1">
+            <a:off x="8161867" y="5029199"/>
+            <a:ext cx="948266" cy="922867"/>
+          </a:xfrm>
+          <a:prstGeom prst="bentConnector2">
+            <a:avLst/>
+          </a:prstGeom>
+          <a:ln>
+            <a:tailEnd type="triangle"/>
+          </a:ln>
+        </p:spPr>
+        <p:style>
+          <a:lnRef idx="2">
+            <a:schemeClr val="accent1"/>
+          </a:lnRef>
+          <a:fillRef idx="0">
+            <a:schemeClr val="accent1"/>
+          </a:fillRef>
+          <a:effectRef idx="1">
+            <a:schemeClr val="accent1"/>
+          </a:effectRef>
+          <a:fontRef idx="minor">
+            <a:schemeClr val="tx1"/>
+          </a:fontRef>
+        </p:style>
+      </p:cxnSp>
+      <p:cxnSp>
+        <p:nvCxnSpPr>
+          <p:cNvPr id="12" name="Connector: Curved 11">
+            <a:extLst>
+              <a:ext uri="{FF2B5EF4-FFF2-40B4-BE49-F238E27FC236}">
+                <a16:creationId xmlns:a16="http://schemas.microsoft.com/office/drawing/2014/main" id="{26A1FF61-4B87-C476-9E34-15B77E31B675}"/>
+              </a:ext>
+            </a:extLst>
+          </p:cNvPr>
+          <p:cNvCxnSpPr>
+            <a:stCxn id="4" idx="3"/>
+            <a:endCxn id="6" idx="0"/>
+          </p:cNvCxnSpPr>
+          <p:nvPr/>
+        </p:nvCxnSpPr>
+        <p:spPr>
+          <a:xfrm>
+            <a:off x="4936067" y="3344334"/>
+            <a:ext cx="910167" cy="2074332"/>
+          </a:xfrm>
+          <a:prstGeom prst="curvedConnector2">
+            <a:avLst/>
+          </a:prstGeom>
+          <a:ln>
+            <a:tailEnd type="triangle"/>
+          </a:ln>
+        </p:spPr>
+        <p:style>
+          <a:lnRef idx="2">
+            <a:schemeClr val="accent1"/>
+          </a:lnRef>
+          <a:fillRef idx="0">
+            <a:schemeClr val="accent1"/>
+          </a:fillRef>
+          <a:effectRef idx="1">
+            <a:schemeClr val="accent1"/>
+          </a:effectRef>
+          <a:fontRef idx="minor">
+            <a:schemeClr val="tx1"/>
+          </a:fontRef>
+        </p:style>
+      </p:cxnSp>
+      <p:cxnSp>
+        <p:nvCxnSpPr>
+          <p:cNvPr id="14" name="Connector: Curved 13">
+            <a:extLst>
+              <a:ext uri="{FF2B5EF4-FFF2-40B4-BE49-F238E27FC236}">
+                <a16:creationId xmlns:a16="http://schemas.microsoft.com/office/drawing/2014/main" id="{D1CD1EAB-432E-3BDB-81DA-996182D4C603}"/>
+              </a:ext>
+            </a:extLst>
+          </p:cNvPr>
+          <p:cNvCxnSpPr>
+            <a:stCxn id="6" idx="0"/>
+            <a:endCxn id="5" idx="1"/>
+          </p:cNvCxnSpPr>
+          <p:nvPr/>
+        </p:nvCxnSpPr>
+        <p:spPr>
+          <a:xfrm rot="5400000" flipH="1" flipV="1">
+            <a:off x="5336117" y="3854451"/>
+            <a:ext cx="2074333" cy="1054099"/>
+          </a:xfrm>
+          <a:prstGeom prst="curvedConnector2">
+            <a:avLst/>
+          </a:prstGeom>
+          <a:ln>
+            <a:tailEnd type="triangle"/>
+          </a:ln>
+        </p:spPr>
+        <p:style>
+          <a:lnRef idx="2">
+            <a:schemeClr val="accent1"/>
+          </a:lnRef>
+          <a:fillRef idx="0">
+            <a:schemeClr val="accent1"/>
+          </a:fillRef>
+          <a:effectRef idx="1">
+            <a:schemeClr val="accent1"/>
+          </a:effectRef>
+          <a:fontRef idx="minor">
+            <a:schemeClr val="tx1"/>
+          </a:fontRef>
+        </p:style>
+      </p:cxnSp>
+    </p:spTree>
+    <p:extLst>
+      <p:ext uri="{BB962C8B-B14F-4D97-AF65-F5344CB8AC3E}">
+        <p14:creationId xmlns:p14="http://schemas.microsoft.com/office/powerpoint/2010/main" val="4210321671"/>
+      </p:ext>
+    </p:extLst>
+  </p:cSld>
+  <p:clrMapOvr>
+    <a:masterClrMapping/>
+  </p:clrMapOvr>
+</p:sld>
+</file>
+
+<file path=ppt/slides/slide54.xml><?xml version="1.0" encoding="utf-8"?>
+<p:sld xmlns:a="http://schemas.openxmlformats.org/drawingml/2006/main" xmlns:r="http://schemas.openxmlformats.org/officeDocument/2006/relationships" xmlns:p="http://schemas.openxmlformats.org/presentationml/2006/main">
+  <p:cSld>
+    <p:spTree>
+      <p:nvGrpSpPr>
+        <p:cNvPr id="1" name=""/>
+        <p:cNvGrpSpPr/>
+        <p:nvPr/>
+      </p:nvGrpSpPr>
+      <p:grpSpPr>
+        <a:xfrm>
+          <a:off x="0" y="0"/>
+          <a:ext cx="0" cy="0"/>
+          <a:chOff x="0" y="0"/>
+          <a:chExt cx="0" cy="0"/>
+        </a:xfrm>
+      </p:grpSpPr>
+      <p:graphicFrame>
+        <p:nvGraphicFramePr>
+          <p:cNvPr id="2" name="Table 1">
+            <a:extLst>
+              <a:ext uri="{FF2B5EF4-FFF2-40B4-BE49-F238E27FC236}">
+                <a16:creationId xmlns:a16="http://schemas.microsoft.com/office/drawing/2014/main" id="{F698087C-7EFF-7ADB-B0E9-CFD2225F4ADB}"/>
+              </a:ext>
+            </a:extLst>
+          </p:cNvPr>
+          <p:cNvGraphicFramePr>
+            <a:graphicFrameLocks noGrp="1"/>
+          </p:cNvGraphicFramePr>
+          <p:nvPr>
+            <p:extLst>
+              <p:ext uri="{D42A27DB-BD31-4B8C-83A1-F6EECF244321}">
+                <p14:modId xmlns:p14="http://schemas.microsoft.com/office/powerpoint/2010/main" val="1915025309"/>
+              </p:ext>
+            </p:extLst>
+          </p:nvPr>
+        </p:nvGraphicFramePr>
+        <p:xfrm>
+          <a:off x="8229600" y="457200"/>
+          <a:ext cx="3860800" cy="2021840"/>
+        </p:xfrm>
+        <a:graphic>
+          <a:graphicData uri="http://schemas.openxmlformats.org/drawingml/2006/table">
+            <a:tbl>
+              <a:tblPr firstRow="1" bandRow="1">
+                <a:tableStyleId>{5C22544A-7EE6-4342-B048-85BDC9FD1C3A}</a:tableStyleId>
+              </a:tblPr>
+              <a:tblGrid>
+                <a:gridCol w="1930400">
+                  <a:extLst>
+                    <a:ext uri="{9D8B030D-6E8A-4147-A177-3AD203B41FA5}">
+                      <a16:colId xmlns:a16="http://schemas.microsoft.com/office/drawing/2014/main" val="756643700"/>
+                    </a:ext>
+                  </a:extLst>
+                </a:gridCol>
+                <a:gridCol w="1930400">
+                  <a:extLst>
+                    <a:ext uri="{9D8B030D-6E8A-4147-A177-3AD203B41FA5}">
+                      <a16:colId xmlns:a16="http://schemas.microsoft.com/office/drawing/2014/main" val="472445336"/>
+                    </a:ext>
+                  </a:extLst>
+                </a:gridCol>
+              </a:tblGrid>
+              <a:tr h="370840">
+                <a:tc>
+                  <a:txBody>
+                    <a:bodyPr/>
+                    <a:lstStyle/>
+                    <a:p>
+                      <a:r>
+                        <a:rPr lang="en-IN" dirty="0"/>
+                        <a:t>Path</a:t>
+                      </a:r>
+                    </a:p>
+                  </a:txBody>
+                  <a:tcPr/>
+                </a:tc>
+                <a:tc>
+                  <a:txBody>
+                    <a:bodyPr/>
+                    <a:lstStyle/>
+                    <a:p>
+                      <a:r>
+                        <a:rPr lang="en-IN" dirty="0"/>
+                        <a:t>Resource / Component</a:t>
+                      </a:r>
+                    </a:p>
+                  </a:txBody>
+                  <a:tcPr/>
+                </a:tc>
+                <a:extLst>
+                  <a:ext uri="{0D108BD9-81ED-4DB2-BD59-A6C34878D82A}">
+                    <a16:rowId xmlns:a16="http://schemas.microsoft.com/office/drawing/2014/main" val="2046578943"/>
+                  </a:ext>
+                </a:extLst>
+              </a:tr>
+              <a:tr h="370840">
+                <a:tc>
+                  <a:txBody>
+                    <a:bodyPr/>
+                    <a:lstStyle/>
+                    <a:p>
+                      <a:r>
+                        <a:rPr lang="en-IN" dirty="0"/>
+                        <a:t>/emp</a:t>
+                      </a:r>
+                    </a:p>
+                  </a:txBody>
+                  <a:tcPr/>
+                </a:tc>
+                <a:tc>
+                  <a:txBody>
+                    <a:bodyPr/>
+                    <a:lstStyle/>
+                    <a:p>
+                      <a:r>
+                        <a:rPr lang="en-IN" dirty="0" err="1"/>
+                        <a:t>employeeCmp</a:t>
+                      </a:r>
+                      <a:endParaRPr lang="en-IN" dirty="0"/>
+                    </a:p>
+                  </a:txBody>
+                  <a:tcPr/>
+                </a:tc>
+                <a:extLst>
+                  <a:ext uri="{0D108BD9-81ED-4DB2-BD59-A6C34878D82A}">
+                    <a16:rowId xmlns:a16="http://schemas.microsoft.com/office/drawing/2014/main" val="3327868302"/>
+                  </a:ext>
+                </a:extLst>
+              </a:tr>
+              <a:tr h="370840">
+                <a:tc>
+                  <a:txBody>
+                    <a:bodyPr/>
+                    <a:lstStyle/>
+                    <a:p>
+                      <a:r>
+                        <a:rPr lang="en-IN" dirty="0"/>
+                        <a:t>/emp/:id</a:t>
+                      </a:r>
+                    </a:p>
+                  </a:txBody>
+                  <a:tcPr/>
+                </a:tc>
+                <a:tc>
+                  <a:txBody>
+                    <a:bodyPr/>
+                    <a:lstStyle/>
+                    <a:p>
+                      <a:r>
+                        <a:rPr lang="en-IN" dirty="0"/>
+                        <a:t>Parameter</a:t>
+                      </a:r>
+                    </a:p>
+                    <a:p>
+                      <a:endParaRPr lang="en-IN" dirty="0"/>
+                    </a:p>
+                  </a:txBody>
+                  <a:tcPr/>
+                </a:tc>
+                <a:extLst>
+                  <a:ext uri="{0D108BD9-81ED-4DB2-BD59-A6C34878D82A}">
+                    <a16:rowId xmlns:a16="http://schemas.microsoft.com/office/drawing/2014/main" val="3883167200"/>
+                  </a:ext>
+                </a:extLst>
+              </a:tr>
+              <a:tr h="370840">
+                <a:tc>
+                  <a:txBody>
+                    <a:bodyPr/>
+                    <a:lstStyle/>
+                    <a:p>
+                      <a:r>
+                        <a:rPr lang="en-IN" dirty="0"/>
+                        <a:t>/emp</a:t>
+                      </a:r>
+                    </a:p>
+                  </a:txBody>
+                  <a:tcPr/>
+                </a:tc>
+                <a:tc>
+                  <a:txBody>
+                    <a:bodyPr/>
+                    <a:lstStyle/>
+                    <a:p>
+                      <a:r>
+                        <a:rPr lang="en-IN" dirty="0" err="1"/>
+                        <a:t>Childern</a:t>
+                      </a:r>
+                      <a:r>
+                        <a:rPr lang="en-IN" dirty="0"/>
+                        <a:t>:[{}]</a:t>
+                      </a:r>
+                    </a:p>
+                  </a:txBody>
+                  <a:tcPr/>
+                </a:tc>
+                <a:extLst>
+                  <a:ext uri="{0D108BD9-81ED-4DB2-BD59-A6C34878D82A}">
+                    <a16:rowId xmlns:a16="http://schemas.microsoft.com/office/drawing/2014/main" val="3879075789"/>
+                  </a:ext>
+                </a:extLst>
+              </a:tr>
+            </a:tbl>
+          </a:graphicData>
+        </a:graphic>
+      </p:graphicFrame>
+      <p:sp>
+        <p:nvSpPr>
+          <p:cNvPr id="3" name="Oval 2">
+            <a:extLst>
+              <a:ext uri="{FF2B5EF4-FFF2-40B4-BE49-F238E27FC236}">
+                <a16:creationId xmlns:a16="http://schemas.microsoft.com/office/drawing/2014/main" id="{A8B6B7EC-5727-416F-992C-77A7B535A53E}"/>
+              </a:ext>
+            </a:extLst>
+          </p:cNvPr>
+          <p:cNvSpPr/>
+          <p:nvPr/>
+        </p:nvSpPr>
+        <p:spPr>
+          <a:xfrm>
+            <a:off x="609600" y="795867"/>
+            <a:ext cx="3674533" cy="2294466"/>
+          </a:xfrm>
+          <a:prstGeom prst="ellipse">
+            <a:avLst/>
+          </a:prstGeom>
+        </p:spPr>
+        <p:style>
+          <a:lnRef idx="2">
+            <a:schemeClr val="accent1">
+              <a:shade val="15000"/>
+            </a:schemeClr>
+          </a:lnRef>
+          <a:fillRef idx="1">
+            <a:schemeClr val="accent1"/>
+          </a:fillRef>
+          <a:effectRef idx="0">
+            <a:schemeClr val="accent1"/>
+          </a:effectRef>
+          <a:fontRef idx="minor">
+            <a:schemeClr val="lt1"/>
+          </a:fontRef>
+        </p:style>
+        <p:txBody>
+          <a:bodyPr rtlCol="0" anchor="ctr"/>
+          <a:lstStyle/>
+          <a:p>
+            <a:pPr algn="ctr"/>
+            <a:r>
+              <a:rPr lang="en-IN" dirty="0" err="1"/>
+              <a:t>RouterModule</a:t>
+            </a:r>
+            <a:endParaRPr lang="en-IN" dirty="0"/>
+          </a:p>
+        </p:txBody>
+      </p:sp>
+      <p:sp>
+        <p:nvSpPr>
+          <p:cNvPr id="4" name="Arrow: Right 3">
+            <a:extLst>
+              <a:ext uri="{FF2B5EF4-FFF2-40B4-BE49-F238E27FC236}">
+                <a16:creationId xmlns:a16="http://schemas.microsoft.com/office/drawing/2014/main" id="{D3FA2B0D-2E37-56B6-6FC2-B9A9A5B9E39B}"/>
+              </a:ext>
+            </a:extLst>
+          </p:cNvPr>
+          <p:cNvSpPr/>
+          <p:nvPr/>
+        </p:nvSpPr>
+        <p:spPr>
+          <a:xfrm>
+            <a:off x="4284133" y="1405467"/>
+            <a:ext cx="3945467" cy="609600"/>
+          </a:xfrm>
+          <a:prstGeom prst="rightArrow">
+            <a:avLst/>
+          </a:prstGeom>
+        </p:spPr>
+        <p:style>
+          <a:lnRef idx="2">
+            <a:schemeClr val="accent1">
+              <a:shade val="15000"/>
+            </a:schemeClr>
+          </a:lnRef>
+          <a:fillRef idx="1">
+            <a:schemeClr val="accent1"/>
+          </a:fillRef>
+          <a:effectRef idx="0">
+            <a:schemeClr val="accent1"/>
+          </a:effectRef>
+          <a:fontRef idx="minor">
+            <a:schemeClr val="lt1"/>
+          </a:fontRef>
+        </p:style>
+        <p:txBody>
+          <a:bodyPr rtlCol="0" anchor="ctr"/>
+          <a:lstStyle/>
+          <a:p>
+            <a:pPr algn="ctr"/>
+            <a:endParaRPr lang="en-IN"/>
+          </a:p>
+        </p:txBody>
+      </p:sp>
+    </p:spTree>
+    <p:extLst>
+      <p:ext uri="{BB962C8B-B14F-4D97-AF65-F5344CB8AC3E}">
+        <p14:creationId xmlns:p14="http://schemas.microsoft.com/office/powerpoint/2010/main" val="3743864153"/>
       </p:ext>
     </p:extLst>
   </p:cSld>
